--- a/Risikomanagement.pptx
+++ b/Risikomanagement.pptx
@@ -54,8 +54,9 @@
     <p:sldId id="267" r:id="rId48"/>
     <p:sldId id="259" r:id="rId49"/>
     <p:sldId id="298" r:id="rId50"/>
-    <p:sldId id="260" r:id="rId51"/>
-    <p:sldId id="331" r:id="rId52"/>
+    <p:sldId id="333" r:id="rId51"/>
+    <p:sldId id="260" r:id="rId52"/>
+    <p:sldId id="331" r:id="rId53"/>
   </p:sldIdLst>
   <p:sldSz cx="12192000" cy="6858000"/>
   <p:notesSz cx="6858000" cy="9144000"/>
@@ -154,6 +155,11 @@
       </a:defRPr>
     </a:lvl9pPr>
   </p:defaultTextStyle>
+  <p:extLst>
+    <p:ext uri="{EFAFB233-063F-42B5-8137-9DF3F51BA10A}">
+      <p15:sldGuideLst xmlns:p15="http://schemas.microsoft.com/office/powerpoint/2012/main"/>
+    </p:ext>
+  </p:extLst>
 </p:presentation>
 </file>
 
@@ -304,7 +310,7 @@
           <a:p>
             <a:fld id="{0189ED98-D465-43B0-8DB8-ADB807A15B77}" type="datetimeFigureOut">
               <a:rPr lang="de-DE" smtClean="0"/>
-              <a:t>05.01.2020</a:t>
+              <a:t>06.01.2020</a:t>
             </a:fld>
             <a:endParaRPr lang="de-DE"/>
           </a:p>
@@ -502,7 +508,7 @@
           <a:p>
             <a:fld id="{0189ED98-D465-43B0-8DB8-ADB807A15B77}" type="datetimeFigureOut">
               <a:rPr lang="de-DE" smtClean="0"/>
-              <a:t>05.01.2020</a:t>
+              <a:t>06.01.2020</a:t>
             </a:fld>
             <a:endParaRPr lang="de-DE"/>
           </a:p>
@@ -710,7 +716,7 @@
           <a:p>
             <a:fld id="{0189ED98-D465-43B0-8DB8-ADB807A15B77}" type="datetimeFigureOut">
               <a:rPr lang="de-DE" smtClean="0"/>
-              <a:t>05.01.2020</a:t>
+              <a:t>06.01.2020</a:t>
             </a:fld>
             <a:endParaRPr lang="de-DE"/>
           </a:p>
@@ -908,7 +914,7 @@
           <a:p>
             <a:fld id="{0189ED98-D465-43B0-8DB8-ADB807A15B77}" type="datetimeFigureOut">
               <a:rPr lang="de-DE" smtClean="0"/>
-              <a:t>05.01.2020</a:t>
+              <a:t>06.01.2020</a:t>
             </a:fld>
             <a:endParaRPr lang="de-DE"/>
           </a:p>
@@ -1183,7 +1189,7 @@
           <a:p>
             <a:fld id="{0189ED98-D465-43B0-8DB8-ADB807A15B77}" type="datetimeFigureOut">
               <a:rPr lang="de-DE" smtClean="0"/>
-              <a:t>05.01.2020</a:t>
+              <a:t>06.01.2020</a:t>
             </a:fld>
             <a:endParaRPr lang="de-DE"/>
           </a:p>
@@ -1448,7 +1454,7 @@
           <a:p>
             <a:fld id="{0189ED98-D465-43B0-8DB8-ADB807A15B77}" type="datetimeFigureOut">
               <a:rPr lang="de-DE" smtClean="0"/>
-              <a:t>05.01.2020</a:t>
+              <a:t>06.01.2020</a:t>
             </a:fld>
             <a:endParaRPr lang="de-DE"/>
           </a:p>
@@ -1860,7 +1866,7 @@
           <a:p>
             <a:fld id="{0189ED98-D465-43B0-8DB8-ADB807A15B77}" type="datetimeFigureOut">
               <a:rPr lang="de-DE" smtClean="0"/>
-              <a:t>05.01.2020</a:t>
+              <a:t>06.01.2020</a:t>
             </a:fld>
             <a:endParaRPr lang="de-DE"/>
           </a:p>
@@ -2001,7 +2007,7 @@
           <a:p>
             <a:fld id="{0189ED98-D465-43B0-8DB8-ADB807A15B77}" type="datetimeFigureOut">
               <a:rPr lang="de-DE" smtClean="0"/>
-              <a:t>05.01.2020</a:t>
+              <a:t>06.01.2020</a:t>
             </a:fld>
             <a:endParaRPr lang="de-DE"/>
           </a:p>
@@ -2114,7 +2120,7 @@
           <a:p>
             <a:fld id="{0189ED98-D465-43B0-8DB8-ADB807A15B77}" type="datetimeFigureOut">
               <a:rPr lang="de-DE" smtClean="0"/>
-              <a:t>05.01.2020</a:t>
+              <a:t>06.01.2020</a:t>
             </a:fld>
             <a:endParaRPr lang="de-DE"/>
           </a:p>
@@ -2425,7 +2431,7 @@
           <a:p>
             <a:fld id="{0189ED98-D465-43B0-8DB8-ADB807A15B77}" type="datetimeFigureOut">
               <a:rPr lang="de-DE" smtClean="0"/>
-              <a:t>05.01.2020</a:t>
+              <a:t>06.01.2020</a:t>
             </a:fld>
             <a:endParaRPr lang="de-DE"/>
           </a:p>
@@ -2713,7 +2719,7 @@
           <a:p>
             <a:fld id="{0189ED98-D465-43B0-8DB8-ADB807A15B77}" type="datetimeFigureOut">
               <a:rPr lang="de-DE" smtClean="0"/>
-              <a:t>05.01.2020</a:t>
+              <a:t>06.01.2020</a:t>
             </a:fld>
             <a:endParaRPr lang="de-DE"/>
           </a:p>
@@ -2954,7 +2960,7 @@
           <a:p>
             <a:fld id="{0189ED98-D465-43B0-8DB8-ADB807A15B77}" type="datetimeFigureOut">
               <a:rPr lang="de-DE" smtClean="0"/>
-              <a:t>05.01.2020</a:t>
+              <a:t>06.01.2020</a:t>
             </a:fld>
             <a:endParaRPr lang="de-DE"/>
           </a:p>
@@ -9505,124 +9511,63 @@
             <p:ph idx="1"/>
           </p:nvPr>
         </p:nvSpPr>
-        <p:spPr/>
+        <p:spPr>
+          <a:xfrm>
+            <a:off x="838200" y="1825625"/>
+            <a:ext cx="10515600" cy="4686104"/>
+          </a:xfrm>
+        </p:spPr>
         <p:txBody>
           <a:bodyPr>
-            <a:normAutofit fontScale="55000" lnSpcReduction="20000"/>
+            <a:normAutofit/>
           </a:bodyPr>
           <a:lstStyle/>
           <a:p>
             <a:r>
-              <a:rPr lang="de-DE" dirty="0" err="1"/>
+              <a:rPr lang="de-DE" sz="1600" dirty="0" err="1"/>
               <a:t>Ibers</a:t>
             </a:r>
             <a:r>
-              <a:rPr lang="de-DE" dirty="0"/>
+              <a:rPr lang="de-DE" sz="1600" dirty="0"/>
               <a:t>, Tobias / Hey, Andreas: Risikomanagement, Merkur Verlag Rinteln, 2005.</a:t>
             </a:r>
           </a:p>
           <a:p>
             <a:r>
-              <a:rPr lang="de-DE" dirty="0"/>
+              <a:rPr lang="de-DE" sz="1600" dirty="0"/>
               <a:t>Gleißner, Werner / Romeike, Frank: Risikomanagement – Umsetzung, Werkzeuge, Risikobewertung, Rudolf Haufe Verlag, 2005.</a:t>
             </a:r>
           </a:p>
           <a:p>
             <a:r>
-              <a:rPr lang="de-DE" dirty="0" err="1"/>
+              <a:rPr lang="de-DE" sz="1600" dirty="0" err="1"/>
               <a:t>Stiefl</a:t>
             </a:r>
             <a:r>
-              <a:rPr lang="de-DE" dirty="0"/>
-              <a:t>, Jürgen: Risikomanagement und Existenzsicherung, </a:t>
-            </a:r>
-            <a:r>
-              <a:rPr lang="de-DE" dirty="0" err="1"/>
-              <a:t>Oldenbourg</a:t>
-            </a:r>
-            <a:r>
-              <a:rPr lang="de-DE" dirty="0"/>
-              <a:t> Wissenschaftsverlag, 2010.</a:t>
-            </a:r>
-          </a:p>
-          <a:p>
-            <a:r>
-              <a:rPr lang="de-DE" dirty="0" err="1"/>
+              <a:rPr lang="de-DE" sz="1600" dirty="0"/>
+              <a:t>, Jürgen: Risikomanagement und Existenzsicherung, Oldenbourg Wissenschaftsverlag, 2010.</a:t>
+            </a:r>
+          </a:p>
+          <a:p>
+            <a:r>
+              <a:rPr lang="de-DE" sz="1600" dirty="0" err="1"/>
               <a:t>Macharzina</a:t>
             </a:r>
             <a:r>
-              <a:rPr lang="de-DE" dirty="0"/>
+              <a:rPr lang="de-DE" sz="1600" dirty="0"/>
               <a:t>, Klaus / Wolf, Joachim: Unternehmensführung. Das internationale Managementwissen. Konzepte – Methoden – Praxis, 8. Aufl., Gabler Verlag, 2012.</a:t>
             </a:r>
           </a:p>
           <a:p>
             <a:r>
-              <a:rPr lang="de-DE" dirty="0"/>
+              <a:rPr lang="de-DE" sz="1600" dirty="0"/>
               <a:t>Tiemeyer, Ernst: Handbuch IT-Projektmanagement, 2. Aufl., Carl Hanser Verlag München, 2014.</a:t>
             </a:r>
           </a:p>
           <a:p>
             <a:r>
-              <a:rPr lang="de-DE" dirty="0"/>
-              <a:t>Meier, Alisha: Risikomanagement – so bleibst du auf alles vorbereitet! (10.10.2019), unter: </a:t>
-            </a:r>
-            <a:r>
-              <a:rPr lang="de-DE" u="sng" dirty="0">
-                <a:hlinkClick r:id="rId2"/>
-              </a:rPr>
-              <a:t>https://sevdesk.de/blog/risikomanagement/</a:t>
-            </a:r>
-            <a:r>
-              <a:rPr lang="de-DE" dirty="0"/>
-              <a:t> (abgerufen am 23.12.2019)</a:t>
-            </a:r>
-          </a:p>
-          <a:p>
-            <a:r>
-              <a:rPr lang="de-DE" dirty="0"/>
-              <a:t>Schröder, Axel: Risikosteuerung im Risikomanagementprozess, unter: </a:t>
-            </a:r>
-            <a:r>
-              <a:rPr lang="de-DE" u="sng" dirty="0">
-                <a:hlinkClick r:id="rId3"/>
-              </a:rPr>
-              <a:t>https://axel-schroeder.de/risikomanagementprozess-risikosteuerung/</a:t>
-            </a:r>
-            <a:r>
-              <a:rPr lang="de-DE" dirty="0"/>
-              <a:t> (abgerufen am 23.12.2019)</a:t>
-            </a:r>
-          </a:p>
-          <a:p>
-            <a:r>
-              <a:rPr lang="de-DE" dirty="0"/>
-              <a:t>Tipps zur sinnvollen Definition von Risikobewältigungsmaßnahmen (25.10.2017), unter: </a:t>
-            </a:r>
-            <a:r>
-              <a:rPr lang="de-DE" u="sng" dirty="0">
-                <a:hlinkClick r:id="rId4"/>
-              </a:rPr>
-              <a:t>https://www.3grc.de/risikomanagement/risikobewaeltigungsmassnahmen-sinnvoll-definieren-und-umsetzen/</a:t>
-            </a:r>
-            <a:r>
-              <a:rPr lang="de-DE" dirty="0"/>
-              <a:t> (abgerufen am 23.12.2019)</a:t>
-            </a:r>
-          </a:p>
-          <a:p>
-            <a:r>
-              <a:rPr lang="de-DE" dirty="0"/>
-              <a:t>IT-Grundschutz, Lerneinheit 7.9: Risiken behandeln, unter: </a:t>
-            </a:r>
-            <a:r>
-              <a:rPr lang="de-DE" u="sng" dirty="0">
-                <a:hlinkClick r:id="rId5"/>
-              </a:rPr>
-              <a:t>https://www.bsi.bund.de/DE/Themen/ITGrundschutz/ITGrundschutzSchulung/OnlinekursITGrundschutz2018/Lektion_7_Risikoanalyse/Lektion_7_09/Lektion_7_09_node.html</a:t>
-            </a:r>
-            <a:r>
-              <a:rPr lang="de-DE" dirty="0"/>
-              <a:t> (abgerufen am 23.12.2019)</a:t>
+              <a:rPr lang="de-DE" sz="1600" dirty="0"/>
+              <a:t>Claudia, Eckert: IT-Sicherheit Konzepte – Verfahren – Protokolle, 4. Aufl., Oldenbourg Wissenschaftsverlag, 2006.</a:t>
             </a:r>
           </a:p>
         </p:txBody>
@@ -9709,60 +9654,88 @@
           <a:lstStyle/>
           <a:p>
             <a:r>
-              <a:rPr lang="de-DE" dirty="0">
+              <a:rPr lang="de-DE" sz="1800" dirty="0"/>
+              <a:t>Meier, Alisha: Risikomanagement – so bleibst du auf alles vorbereitet! (10.10.2019), unter: </a:t>
+            </a:r>
+            <a:r>
+              <a:rPr lang="de-DE" sz="1800" u="sng" dirty="0">
                 <a:hlinkClick r:id="rId2"/>
               </a:rPr>
-              <a:t>https://www.projektmagazin.de/glossarterm/risikoidentifikation</a:t>
-            </a:r>
-            <a:endParaRPr lang="de-DE" dirty="0"/>
-          </a:p>
-          <a:p>
-            <a:r>
-              <a:rPr lang="de-DE" dirty="0">
+              <a:t>https://sevdesk.de/blog/risikomanagement/</a:t>
+            </a:r>
+            <a:r>
+              <a:rPr lang="de-DE" sz="1800" dirty="0"/>
+              <a:t> (abgerufen am 23.12.2019)</a:t>
+            </a:r>
+          </a:p>
+          <a:p>
+            <a:r>
+              <a:rPr lang="de-DE" sz="1800" dirty="0"/>
+              <a:t>Schröder, Axel: Risikosteuerung im Risikomanagementprozess, unter: </a:t>
+            </a:r>
+            <a:r>
+              <a:rPr lang="de-DE" sz="1800" u="sng" dirty="0">
                 <a:hlinkClick r:id="rId3"/>
               </a:rPr>
-              <a:t>https://www.dsin-blog.de/2014/02/10/it-risikoanalyse/</a:t>
-            </a:r>
-            <a:endParaRPr lang="de-DE" dirty="0"/>
-          </a:p>
-          <a:p>
-            <a:r>
-              <a:rPr lang="de-DE" dirty="0">
+              <a:t>https://axel-schroeder.de/risikomanagementprozess-risikosteuerung/</a:t>
+            </a:r>
+            <a:r>
+              <a:rPr lang="de-DE" sz="1800" dirty="0"/>
+              <a:t> (abgerufen am 23.12.2019)</a:t>
+            </a:r>
+          </a:p>
+          <a:p>
+            <a:r>
+              <a:rPr lang="de-DE" sz="1800" dirty="0"/>
+              <a:t>Tipps zur sinnvollen Definition von Risikobewältigungsmaßnahmen (25.10.2017), unter: </a:t>
+            </a:r>
+            <a:r>
+              <a:rPr lang="de-DE" sz="1800" u="sng" dirty="0">
                 <a:hlinkClick r:id="rId4"/>
               </a:rPr>
-              <a:t>https://www.bsi.bund.de/DE/Themen/ITGrundschutz/ITGrundschutzSchulung/Webkurs1004/4_RisikenAnalysieren/1_Risiken%20identifizieren/RisikenIdentifizieren_node.html</a:t>
-            </a:r>
-            <a:endParaRPr lang="de-DE" dirty="0"/>
-          </a:p>
-          <a:p>
-            <a:r>
-              <a:rPr lang="de-DE" dirty="0">
+              <a:t>https://www.3grc.de/risikomanagement/risikobewaeltigungsmassnahmen-sinnvoll-definieren-und-umsetzen/</a:t>
+            </a:r>
+            <a:r>
+              <a:rPr lang="de-DE" sz="1800" dirty="0"/>
+              <a:t> (abgerufen am 23.12.2019)</a:t>
+            </a:r>
+          </a:p>
+          <a:p>
+            <a:r>
+              <a:rPr lang="de-DE" sz="1800" dirty="0"/>
+              <a:t>IT-Grundschutz, Lerneinheit 7.9: Risiken behandeln, unter: </a:t>
+            </a:r>
+            <a:r>
+              <a:rPr lang="de-DE" sz="1800" u="sng" dirty="0">
                 <a:hlinkClick r:id="rId5"/>
               </a:rPr>
-              <a:t>https://www.projektmagazin.de/glossarterm/risikoueberwachung</a:t>
-            </a:r>
-            <a:endParaRPr lang="de-DE" dirty="0"/>
-          </a:p>
-          <a:p>
-            <a:r>
-              <a:rPr lang="de-DE" dirty="0">
+              <a:t>https://www.bsi.bund.de/DE/Themen/ITGrundschutz/ITGrundschutzSchulung/OnlinekursITGrundschutz2018/Lektion_7_Risikoanalyse/Lektion_7_09/Lektion_7_09_node.html</a:t>
+            </a:r>
+            <a:r>
+              <a:rPr lang="de-DE" sz="1800" dirty="0"/>
+              <a:t> (abgerufen am 23.12.2019)</a:t>
+            </a:r>
+            <a:endParaRPr lang="de-DE" sz="1800" dirty="0">
+              <a:hlinkClick r:id="rId6"/>
+            </a:endParaRPr>
+          </a:p>
+          <a:p>
+            <a:r>
+              <a:rPr lang="de-DE" sz="1800" dirty="0">
                 <a:hlinkClick r:id="rId6"/>
               </a:rPr>
-              <a:t>https://www.projektmagazin.de/glossarterm/risikoindikator</a:t>
-            </a:r>
-            <a:endParaRPr lang="de-DE" dirty="0"/>
-          </a:p>
-          <a:p>
-            <a:r>
-              <a:rPr lang="de-DE" dirty="0">
+              <a:t>https://www.projektmagazin.de/glossarterm/risikoidentifikation</a:t>
+            </a:r>
+            <a:endParaRPr lang="de-DE" sz="1800" dirty="0"/>
+          </a:p>
+          <a:p>
+            <a:r>
+              <a:rPr lang="de-DE" sz="1800" dirty="0">
                 <a:hlinkClick r:id="rId7"/>
               </a:rPr>
-              <a:t>https://www.controllingportal.de/Fachinfo/Risikomanagement/Risikocontrolling.html</a:t>
-            </a:r>
-            <a:endParaRPr lang="de-DE" dirty="0"/>
-          </a:p>
-          <a:p>
-            <a:endParaRPr lang="de-DE" dirty="0"/>
+              <a:t>https://www.dsin-blog.de/2014/02/10/it-risikoanalyse/</a:t>
+            </a:r>
+            <a:endParaRPr lang="de-DE" sz="1800" dirty="0"/>
           </a:p>
         </p:txBody>
       </p:sp>
@@ -9947,6 +9920,154 @@
           <p:cNvPr id="2" name="Titel 1">
             <a:extLst>
               <a:ext uri="{FF2B5EF4-FFF2-40B4-BE49-F238E27FC236}">
+                <a16:creationId xmlns:a16="http://schemas.microsoft.com/office/drawing/2014/main" id="{278F250C-B6A7-4B97-898D-517ADE3924CA}"/>
+              </a:ext>
+            </a:extLst>
+          </p:cNvPr>
+          <p:cNvSpPr>
+            <a:spLocks noGrp="1"/>
+          </p:cNvSpPr>
+          <p:nvPr>
+            <p:ph type="title"/>
+          </p:nvPr>
+        </p:nvSpPr>
+        <p:spPr/>
+        <p:txBody>
+          <a:bodyPr/>
+          <a:lstStyle/>
+          <a:p>
+            <a:r>
+              <a:rPr lang="de-DE" dirty="0"/>
+              <a:t>Literaturverzeichnis</a:t>
+            </a:r>
+          </a:p>
+        </p:txBody>
+      </p:sp>
+      <p:sp>
+        <p:nvSpPr>
+          <p:cNvPr id="3" name="Inhaltsplatzhalter 2">
+            <a:extLst>
+              <a:ext uri="{FF2B5EF4-FFF2-40B4-BE49-F238E27FC236}">
+                <a16:creationId xmlns:a16="http://schemas.microsoft.com/office/drawing/2014/main" id="{43B1BE17-98AC-4A10-99CA-9657B0778D70}"/>
+              </a:ext>
+            </a:extLst>
+          </p:cNvPr>
+          <p:cNvSpPr>
+            <a:spLocks noGrp="1"/>
+          </p:cNvSpPr>
+          <p:nvPr>
+            <p:ph idx="1"/>
+          </p:nvPr>
+        </p:nvSpPr>
+        <p:spPr/>
+        <p:txBody>
+          <a:bodyPr>
+            <a:normAutofit/>
+          </a:bodyPr>
+          <a:lstStyle/>
+          <a:p>
+            <a:r>
+              <a:rPr lang="de-DE" sz="1800" dirty="0">
+                <a:hlinkClick r:id="rId2"/>
+              </a:rPr>
+              <a:t>https://www.bsi.bund.de/DE/Themen/ITGrundschutz/ITGrundschutzSchulung/Webkurs1004/4_RisikenAnalysieren/1_Risiken%20identifizieren/RisikenIdentifizieren_node.html</a:t>
+            </a:r>
+            <a:endParaRPr lang="de-DE" sz="1800" dirty="0"/>
+          </a:p>
+          <a:p>
+            <a:r>
+              <a:rPr lang="de-DE" sz="1800" dirty="0">
+                <a:hlinkClick r:id="rId3"/>
+              </a:rPr>
+              <a:t>https://www.projektmagazin.de/glossarterm/risikoueberwachung</a:t>
+            </a:r>
+            <a:endParaRPr lang="de-DE" sz="1800" dirty="0"/>
+          </a:p>
+          <a:p>
+            <a:r>
+              <a:rPr lang="de-DE" sz="1800" dirty="0">
+                <a:hlinkClick r:id="rId4"/>
+              </a:rPr>
+              <a:t>https://www.projektmagazin.de/glossarterm/risikoindikator</a:t>
+            </a:r>
+            <a:endParaRPr lang="de-DE" sz="1800" dirty="0"/>
+          </a:p>
+          <a:p>
+            <a:r>
+              <a:rPr lang="de-DE" sz="1800" dirty="0">
+                <a:hlinkClick r:id="rId5"/>
+              </a:rPr>
+              <a:t>https://www.controllingportal.de/Fachinfo/Risikomanagement/Risikocontrolling.html</a:t>
+            </a:r>
+            <a:endParaRPr lang="de-DE" sz="1800" dirty="0"/>
+          </a:p>
+          <a:p>
+            <a:r>
+              <a:rPr lang="de-DE" sz="1800" dirty="0">
+                <a:hlinkClick r:id="rId6"/>
+              </a:rPr>
+              <a:t>https://www.haufe-akademie.de/blog/themen/controlling/risikomanagement/</a:t>
+            </a:r>
+            <a:endParaRPr lang="de-DE" sz="1800" dirty="0"/>
+          </a:p>
+          <a:p>
+            <a:r>
+              <a:rPr lang="de-DE" sz="1800" dirty="0">
+                <a:hlinkClick r:id="rId7"/>
+              </a:rPr>
+              <a:t>https://wirtschaftslexikon.gabler.de/definition/gesetz-zur-kontrolle-und-transparenz-im-unternehmensbereich-kontrag-52536</a:t>
+            </a:r>
+            <a:endParaRPr lang="de-DE" sz="1800" dirty="0"/>
+          </a:p>
+          <a:p>
+            <a:r>
+              <a:rPr lang="de-DE" sz="1800" dirty="0">
+                <a:hlinkClick r:id="rId8"/>
+              </a:rPr>
+              <a:t>https://www.risikomanagement-wissen.de/risikomanagement/risikomanagement-einfuehrung/iso_31000/</a:t>
+            </a:r>
+            <a:endParaRPr lang="de-DE" sz="1800" dirty="0"/>
+          </a:p>
+          <a:p>
+            <a:endParaRPr lang="de-DE" dirty="0"/>
+          </a:p>
+        </p:txBody>
+      </p:sp>
+    </p:spTree>
+    <p:extLst>
+      <p:ext uri="{BB962C8B-B14F-4D97-AF65-F5344CB8AC3E}">
+        <p14:creationId xmlns:p14="http://schemas.microsoft.com/office/powerpoint/2010/main" val="353125589"/>
+      </p:ext>
+    </p:extLst>
+  </p:cSld>
+  <p:clrMapOvr>
+    <a:masterClrMapping/>
+  </p:clrMapOvr>
+</p:sld>
+</file>
+
+<file path=ppt/slides/slide51.xml><?xml version="1.0" encoding="utf-8"?>
+<p:sld xmlns:a="http://schemas.openxmlformats.org/drawingml/2006/main" xmlns:r="http://schemas.openxmlformats.org/officeDocument/2006/relationships" xmlns:p="http://schemas.openxmlformats.org/presentationml/2006/main">
+  <p:cSld>
+    <p:spTree>
+      <p:nvGrpSpPr>
+        <p:cNvPr id="1" name=""/>
+        <p:cNvGrpSpPr/>
+        <p:nvPr/>
+      </p:nvGrpSpPr>
+      <p:grpSpPr>
+        <a:xfrm>
+          <a:off x="0" y="0"/>
+          <a:ext cx="0" cy="0"/>
+          <a:chOff x="0" y="0"/>
+          <a:chExt cx="0" cy="0"/>
+        </a:xfrm>
+      </p:grpSpPr>
+      <p:sp>
+        <p:nvSpPr>
+          <p:cNvPr id="2" name="Titel 1">
+            <a:extLst>
+              <a:ext uri="{FF2B5EF4-FFF2-40B4-BE49-F238E27FC236}">
                 <a16:creationId xmlns:a16="http://schemas.microsoft.com/office/drawing/2014/main" id="{B9C086EA-A0ED-466B-B8DD-98A6A84F4FD0}"/>
               </a:ext>
             </a:extLst>
@@ -9986,18 +10107,16 @@
             <p:ph idx="1"/>
           </p:nvPr>
         </p:nvSpPr>
-        <p:spPr/>
+        <p:spPr>
+          <a:xfrm>
+            <a:off x="838199" y="1825625"/>
+            <a:ext cx="11011293" cy="4351338"/>
+          </a:xfrm>
+        </p:spPr>
         <p:txBody>
           <a:bodyPr/>
           <a:lstStyle/>
           <a:p>
-            <a:r>
-              <a:rPr lang="de-DE" dirty="0"/>
-              <a:t>Kapitel Risikobewältigung</a:t>
-            </a:r>
-          </a:p>
-          <a:p>
-            <a:pPr lvl="1"/>
             <a:r>
               <a:rPr lang="de-DE" dirty="0">
                 <a:hlinkClick r:id="rId2"/>
@@ -10007,7 +10126,6 @@
             <a:endParaRPr lang="de-DE" dirty="0"/>
           </a:p>
           <a:p>
-            <a:pPr lvl="1"/>
             <a:r>
               <a:rPr lang="de-DE" dirty="0">
                 <a:hlinkClick r:id="rId3"/>
@@ -10017,12 +10135,20 @@
             <a:endParaRPr lang="de-DE" dirty="0"/>
           </a:p>
           <a:p>
-            <a:pPr lvl="1"/>
             <a:r>
               <a:rPr lang="de-DE" dirty="0">
                 <a:hlinkClick r:id="rId4"/>
               </a:rPr>
               <a:t>https://www.pixtastock.com/illustration/45199284</a:t>
+            </a:r>
+            <a:endParaRPr lang="de-DE" dirty="0"/>
+          </a:p>
+          <a:p>
+            <a:r>
+              <a:rPr lang="de-DE" dirty="0">
+                <a:hlinkClick r:id="rId5"/>
+              </a:rPr>
+              <a:t>https://www.risikomanagement-wissen.de/risikomanagement/risikomanagement-einfuehrung/iso_31000/</a:t>
             </a:r>
             <a:endParaRPr lang="de-DE" dirty="0"/>
           </a:p>
@@ -10044,7 +10170,7 @@
 </p:sld>
 </file>
 
-<file path=ppt/slides/slide51.xml><?xml version="1.0" encoding="utf-8"?>
+<file path=ppt/slides/slide52.xml><?xml version="1.0" encoding="utf-8"?>
 <p:sld xmlns:a="http://schemas.openxmlformats.org/drawingml/2006/main" xmlns:r="http://schemas.openxmlformats.org/officeDocument/2006/relationships" xmlns:p="http://schemas.openxmlformats.org/presentationml/2006/main">
   <p:cSld>
     <p:spTree>

--- a/Risikomanagement.pptx
+++ b/Risikomanagement.pptx
@@ -4,6 +4,12 @@
   <p:sldMasterIdLst>
     <p:sldMasterId id="2147483648" r:id="rId1"/>
   </p:sldMasterIdLst>
+  <p:notesMasterIdLst>
+    <p:notesMasterId r:id="rId54"/>
+  </p:notesMasterIdLst>
+  <p:handoutMasterIdLst>
+    <p:handoutMasterId r:id="rId55"/>
+  </p:handoutMasterIdLst>
   <p:sldIdLst>
     <p:sldId id="256" r:id="rId2"/>
     <p:sldId id="261" r:id="rId3"/>
@@ -163,6 +169,628 @@
 </p:presentation>
 </file>
 
+<file path=ppt/handoutMasters/handoutMaster1.xml><?xml version="1.0" encoding="utf-8"?>
+<p:handoutMaster xmlns:a="http://schemas.openxmlformats.org/drawingml/2006/main" xmlns:r="http://schemas.openxmlformats.org/officeDocument/2006/relationships" xmlns:p="http://schemas.openxmlformats.org/presentationml/2006/main">
+  <p:cSld>
+    <p:bg>
+      <p:bgRef idx="1001">
+        <a:schemeClr val="bg1"/>
+      </p:bgRef>
+    </p:bg>
+    <p:spTree>
+      <p:nvGrpSpPr>
+        <p:cNvPr id="1" name=""/>
+        <p:cNvGrpSpPr/>
+        <p:nvPr/>
+      </p:nvGrpSpPr>
+      <p:grpSpPr>
+        <a:xfrm>
+          <a:off x="0" y="0"/>
+          <a:ext cx="0" cy="0"/>
+          <a:chOff x="0" y="0"/>
+          <a:chExt cx="0" cy="0"/>
+        </a:xfrm>
+      </p:grpSpPr>
+      <p:sp>
+        <p:nvSpPr>
+          <p:cNvPr id="2" name="Kopfzeilenplatzhalter 1">
+            <a:extLst>
+              <a:ext uri="{FF2B5EF4-FFF2-40B4-BE49-F238E27FC236}">
+                <a16:creationId xmlns:a16="http://schemas.microsoft.com/office/drawing/2014/main" id="{C36FD074-1949-4EDA-A86C-94D6EFB53E19}"/>
+              </a:ext>
+            </a:extLst>
+          </p:cNvPr>
+          <p:cNvSpPr>
+            <a:spLocks noGrp="1"/>
+          </p:cNvSpPr>
+          <p:nvPr>
+            <p:ph type="hdr" sz="quarter"/>
+          </p:nvPr>
+        </p:nvSpPr>
+        <p:spPr>
+          <a:xfrm>
+            <a:off x="0" y="0"/>
+            <a:ext cx="2971800" cy="458788"/>
+          </a:xfrm>
+          <a:prstGeom prst="rect">
+            <a:avLst/>
+          </a:prstGeom>
+        </p:spPr>
+        <p:txBody>
+          <a:bodyPr vert="horz" lIns="91440" tIns="45720" rIns="91440" bIns="45720" rtlCol="0"/>
+          <a:lstStyle>
+            <a:lvl1pPr algn="l">
+              <a:defRPr sz="1200"/>
+            </a:lvl1pPr>
+          </a:lstStyle>
+          <a:p>
+            <a:endParaRPr lang="de-DE"/>
+          </a:p>
+        </p:txBody>
+      </p:sp>
+      <p:sp>
+        <p:nvSpPr>
+          <p:cNvPr id="3" name="Datumsplatzhalter 2">
+            <a:extLst>
+              <a:ext uri="{FF2B5EF4-FFF2-40B4-BE49-F238E27FC236}">
+                <a16:creationId xmlns:a16="http://schemas.microsoft.com/office/drawing/2014/main" id="{2B8BA215-D21D-42CF-88CE-5705DBD84D01}"/>
+              </a:ext>
+            </a:extLst>
+          </p:cNvPr>
+          <p:cNvSpPr>
+            <a:spLocks noGrp="1"/>
+          </p:cNvSpPr>
+          <p:nvPr>
+            <p:ph type="dt" sz="quarter" idx="1"/>
+          </p:nvPr>
+        </p:nvSpPr>
+        <p:spPr>
+          <a:xfrm>
+            <a:off x="3884613" y="0"/>
+            <a:ext cx="2971800" cy="458788"/>
+          </a:xfrm>
+          <a:prstGeom prst="rect">
+            <a:avLst/>
+          </a:prstGeom>
+        </p:spPr>
+        <p:txBody>
+          <a:bodyPr vert="horz" lIns="91440" tIns="45720" rIns="91440" bIns="45720" rtlCol="0"/>
+          <a:lstStyle>
+            <a:lvl1pPr algn="r">
+              <a:defRPr sz="1200"/>
+            </a:lvl1pPr>
+          </a:lstStyle>
+          <a:p>
+            <a:fld id="{CB9D8C46-D519-4441-A667-28E9CA678168}" type="datetimeFigureOut">
+              <a:rPr lang="de-DE" smtClean="0"/>
+              <a:t>07.01.2020</a:t>
+            </a:fld>
+            <a:endParaRPr lang="de-DE"/>
+          </a:p>
+        </p:txBody>
+      </p:sp>
+      <p:sp>
+        <p:nvSpPr>
+          <p:cNvPr id="4" name="Fußzeilenplatzhalter 3">
+            <a:extLst>
+              <a:ext uri="{FF2B5EF4-FFF2-40B4-BE49-F238E27FC236}">
+                <a16:creationId xmlns:a16="http://schemas.microsoft.com/office/drawing/2014/main" id="{622CC0FA-6991-46F3-8194-DB4B5C43286E}"/>
+              </a:ext>
+            </a:extLst>
+          </p:cNvPr>
+          <p:cNvSpPr>
+            <a:spLocks noGrp="1"/>
+          </p:cNvSpPr>
+          <p:nvPr>
+            <p:ph type="ftr" sz="quarter" idx="2"/>
+          </p:nvPr>
+        </p:nvSpPr>
+        <p:spPr>
+          <a:xfrm>
+            <a:off x="0" y="8685213"/>
+            <a:ext cx="2971800" cy="458787"/>
+          </a:xfrm>
+          <a:prstGeom prst="rect">
+            <a:avLst/>
+          </a:prstGeom>
+        </p:spPr>
+        <p:txBody>
+          <a:bodyPr vert="horz" lIns="91440" tIns="45720" rIns="91440" bIns="45720" rtlCol="0" anchor="b"/>
+          <a:lstStyle>
+            <a:lvl1pPr algn="l">
+              <a:defRPr sz="1200"/>
+            </a:lvl1pPr>
+          </a:lstStyle>
+          <a:p>
+            <a:endParaRPr lang="de-DE"/>
+          </a:p>
+        </p:txBody>
+      </p:sp>
+      <p:sp>
+        <p:nvSpPr>
+          <p:cNvPr id="5" name="Foliennummernplatzhalter 4">
+            <a:extLst>
+              <a:ext uri="{FF2B5EF4-FFF2-40B4-BE49-F238E27FC236}">
+                <a16:creationId xmlns:a16="http://schemas.microsoft.com/office/drawing/2014/main" id="{47CE7CBD-06E6-45FF-9406-21CEB29C76F4}"/>
+              </a:ext>
+            </a:extLst>
+          </p:cNvPr>
+          <p:cNvSpPr>
+            <a:spLocks noGrp="1"/>
+          </p:cNvSpPr>
+          <p:nvPr>
+            <p:ph type="sldNum" sz="quarter" idx="3"/>
+          </p:nvPr>
+        </p:nvSpPr>
+        <p:spPr>
+          <a:xfrm>
+            <a:off x="3884613" y="8685213"/>
+            <a:ext cx="2971800" cy="458787"/>
+          </a:xfrm>
+          <a:prstGeom prst="rect">
+            <a:avLst/>
+          </a:prstGeom>
+        </p:spPr>
+        <p:txBody>
+          <a:bodyPr vert="horz" lIns="91440" tIns="45720" rIns="91440" bIns="45720" rtlCol="0" anchor="b"/>
+          <a:lstStyle>
+            <a:lvl1pPr algn="r">
+              <a:defRPr sz="1200"/>
+            </a:lvl1pPr>
+          </a:lstStyle>
+          <a:p>
+            <a:fld id="{39EE5A37-BD55-487B-82F3-023AB2698AD8}" type="slidenum">
+              <a:rPr lang="de-DE" smtClean="0"/>
+              <a:t>‹Nr.›</a:t>
+            </a:fld>
+            <a:endParaRPr lang="de-DE"/>
+          </a:p>
+        </p:txBody>
+      </p:sp>
+    </p:spTree>
+    <p:extLst>
+      <p:ext uri="{BB962C8B-B14F-4D97-AF65-F5344CB8AC3E}">
+        <p14:creationId xmlns:p14="http://schemas.microsoft.com/office/powerpoint/2010/main" val="2563613593"/>
+      </p:ext>
+    </p:extLst>
+  </p:cSld>
+  <p:clrMap bg1="lt1" tx1="dk1" bg2="lt2" tx2="dk2" accent1="accent1" accent2="accent2" accent3="accent3" accent4="accent4" accent5="accent5" accent6="accent6" hlink="hlink" folHlink="folHlink"/>
+</p:handoutMaster>
+</file>
+
+<file path=ppt/notesMasters/notesMaster1.xml><?xml version="1.0" encoding="utf-8"?>
+<p:notesMaster xmlns:a="http://schemas.openxmlformats.org/drawingml/2006/main" xmlns:r="http://schemas.openxmlformats.org/officeDocument/2006/relationships" xmlns:p="http://schemas.openxmlformats.org/presentationml/2006/main">
+  <p:cSld>
+    <p:bg>
+      <p:bgRef idx="1001">
+        <a:schemeClr val="bg1"/>
+      </p:bgRef>
+    </p:bg>
+    <p:spTree>
+      <p:nvGrpSpPr>
+        <p:cNvPr id="1" name=""/>
+        <p:cNvGrpSpPr/>
+        <p:nvPr/>
+      </p:nvGrpSpPr>
+      <p:grpSpPr>
+        <a:xfrm>
+          <a:off x="0" y="0"/>
+          <a:ext cx="0" cy="0"/>
+          <a:chOff x="0" y="0"/>
+          <a:chExt cx="0" cy="0"/>
+        </a:xfrm>
+      </p:grpSpPr>
+      <p:sp>
+        <p:nvSpPr>
+          <p:cNvPr id="2" name="Kopfzeilenplatzhalter 1"/>
+          <p:cNvSpPr>
+            <a:spLocks noGrp="1"/>
+          </p:cNvSpPr>
+          <p:nvPr>
+            <p:ph type="hdr" sz="quarter"/>
+          </p:nvPr>
+        </p:nvSpPr>
+        <p:spPr>
+          <a:xfrm>
+            <a:off x="0" y="0"/>
+            <a:ext cx="2971800" cy="458788"/>
+          </a:xfrm>
+          <a:prstGeom prst="rect">
+            <a:avLst/>
+          </a:prstGeom>
+        </p:spPr>
+        <p:txBody>
+          <a:bodyPr vert="horz" lIns="91440" tIns="45720" rIns="91440" bIns="45720" rtlCol="0"/>
+          <a:lstStyle>
+            <a:lvl1pPr algn="l">
+              <a:defRPr sz="1200"/>
+            </a:lvl1pPr>
+          </a:lstStyle>
+          <a:p>
+            <a:endParaRPr lang="de-DE"/>
+          </a:p>
+        </p:txBody>
+      </p:sp>
+      <p:sp>
+        <p:nvSpPr>
+          <p:cNvPr id="3" name="Datumsplatzhalter 2"/>
+          <p:cNvSpPr>
+            <a:spLocks noGrp="1"/>
+          </p:cNvSpPr>
+          <p:nvPr>
+            <p:ph type="dt" idx="1"/>
+          </p:nvPr>
+        </p:nvSpPr>
+        <p:spPr>
+          <a:xfrm>
+            <a:off x="3884613" y="0"/>
+            <a:ext cx="2971800" cy="458788"/>
+          </a:xfrm>
+          <a:prstGeom prst="rect">
+            <a:avLst/>
+          </a:prstGeom>
+        </p:spPr>
+        <p:txBody>
+          <a:bodyPr vert="horz" lIns="91440" tIns="45720" rIns="91440" bIns="45720" rtlCol="0"/>
+          <a:lstStyle>
+            <a:lvl1pPr algn="r">
+              <a:defRPr sz="1200"/>
+            </a:lvl1pPr>
+          </a:lstStyle>
+          <a:p>
+            <a:fld id="{BA1F7A56-A18D-4B92-9EE2-8848DB6C4C7B}" type="datetimeFigureOut">
+              <a:rPr lang="de-DE" smtClean="0"/>
+              <a:t>07.01.2020</a:t>
+            </a:fld>
+            <a:endParaRPr lang="de-DE"/>
+          </a:p>
+        </p:txBody>
+      </p:sp>
+      <p:sp>
+        <p:nvSpPr>
+          <p:cNvPr id="4" name="Folienbildplatzhalter 3"/>
+          <p:cNvSpPr>
+            <a:spLocks noGrp="1" noRot="1" noChangeAspect="1"/>
+          </p:cNvSpPr>
+          <p:nvPr>
+            <p:ph type="sldImg" idx="2"/>
+          </p:nvPr>
+        </p:nvSpPr>
+        <p:spPr>
+          <a:xfrm>
+            <a:off x="685800" y="1143000"/>
+            <a:ext cx="5486400" cy="3086100"/>
+          </a:xfrm>
+          <a:prstGeom prst="rect">
+            <a:avLst/>
+          </a:prstGeom>
+          <a:noFill/>
+          <a:ln w="12700">
+            <a:solidFill>
+              <a:prstClr val="black"/>
+            </a:solidFill>
+          </a:ln>
+        </p:spPr>
+        <p:txBody>
+          <a:bodyPr vert="horz" lIns="91440" tIns="45720" rIns="91440" bIns="45720" rtlCol="0" anchor="ctr"/>
+          <a:lstStyle/>
+          <a:p>
+            <a:endParaRPr lang="de-DE"/>
+          </a:p>
+        </p:txBody>
+      </p:sp>
+      <p:sp>
+        <p:nvSpPr>
+          <p:cNvPr id="5" name="Notizenplatzhalter 4"/>
+          <p:cNvSpPr>
+            <a:spLocks noGrp="1"/>
+          </p:cNvSpPr>
+          <p:nvPr>
+            <p:ph type="body" sz="quarter" idx="3"/>
+          </p:nvPr>
+        </p:nvSpPr>
+        <p:spPr>
+          <a:xfrm>
+            <a:off x="685800" y="4400550"/>
+            <a:ext cx="5486400" cy="3600450"/>
+          </a:xfrm>
+          <a:prstGeom prst="rect">
+            <a:avLst/>
+          </a:prstGeom>
+        </p:spPr>
+        <p:txBody>
+          <a:bodyPr vert="horz" lIns="91440" tIns="45720" rIns="91440" bIns="45720" rtlCol="0"/>
+          <a:lstStyle/>
+          <a:p>
+            <a:pPr lvl="0"/>
+            <a:r>
+              <a:rPr lang="de-DE"/>
+              <a:t>Mastertextformat bearbeiten</a:t>
+            </a:r>
+          </a:p>
+          <a:p>
+            <a:pPr lvl="1"/>
+            <a:r>
+              <a:rPr lang="de-DE"/>
+              <a:t>Zweite Ebene</a:t>
+            </a:r>
+          </a:p>
+          <a:p>
+            <a:pPr lvl="2"/>
+            <a:r>
+              <a:rPr lang="de-DE"/>
+              <a:t>Dritte Ebene</a:t>
+            </a:r>
+          </a:p>
+          <a:p>
+            <a:pPr lvl="3"/>
+            <a:r>
+              <a:rPr lang="de-DE"/>
+              <a:t>Vierte Ebene</a:t>
+            </a:r>
+          </a:p>
+          <a:p>
+            <a:pPr lvl="4"/>
+            <a:r>
+              <a:rPr lang="de-DE"/>
+              <a:t>Fünfte Ebene</a:t>
+            </a:r>
+          </a:p>
+        </p:txBody>
+      </p:sp>
+      <p:sp>
+        <p:nvSpPr>
+          <p:cNvPr id="6" name="Fußzeilenplatzhalter 5"/>
+          <p:cNvSpPr>
+            <a:spLocks noGrp="1"/>
+          </p:cNvSpPr>
+          <p:nvPr>
+            <p:ph type="ftr" sz="quarter" idx="4"/>
+          </p:nvPr>
+        </p:nvSpPr>
+        <p:spPr>
+          <a:xfrm>
+            <a:off x="0" y="8685213"/>
+            <a:ext cx="2971800" cy="458787"/>
+          </a:xfrm>
+          <a:prstGeom prst="rect">
+            <a:avLst/>
+          </a:prstGeom>
+        </p:spPr>
+        <p:txBody>
+          <a:bodyPr vert="horz" lIns="91440" tIns="45720" rIns="91440" bIns="45720" rtlCol="0" anchor="b"/>
+          <a:lstStyle>
+            <a:lvl1pPr algn="l">
+              <a:defRPr sz="1200"/>
+            </a:lvl1pPr>
+          </a:lstStyle>
+          <a:p>
+            <a:endParaRPr lang="de-DE"/>
+          </a:p>
+        </p:txBody>
+      </p:sp>
+      <p:sp>
+        <p:nvSpPr>
+          <p:cNvPr id="7" name="Foliennummernplatzhalter 6"/>
+          <p:cNvSpPr>
+            <a:spLocks noGrp="1"/>
+          </p:cNvSpPr>
+          <p:nvPr>
+            <p:ph type="sldNum" sz="quarter" idx="5"/>
+          </p:nvPr>
+        </p:nvSpPr>
+        <p:spPr>
+          <a:xfrm>
+            <a:off x="3884613" y="8685213"/>
+            <a:ext cx="2971800" cy="458787"/>
+          </a:xfrm>
+          <a:prstGeom prst="rect">
+            <a:avLst/>
+          </a:prstGeom>
+        </p:spPr>
+        <p:txBody>
+          <a:bodyPr vert="horz" lIns="91440" tIns="45720" rIns="91440" bIns="45720" rtlCol="0" anchor="b"/>
+          <a:lstStyle>
+            <a:lvl1pPr algn="r">
+              <a:defRPr sz="1200"/>
+            </a:lvl1pPr>
+          </a:lstStyle>
+          <a:p>
+            <a:fld id="{A45BCFFC-41FE-4606-841E-C2F3EE93EFC7}" type="slidenum">
+              <a:rPr lang="de-DE" smtClean="0"/>
+              <a:t>‹Nr.›</a:t>
+            </a:fld>
+            <a:endParaRPr lang="de-DE"/>
+          </a:p>
+        </p:txBody>
+      </p:sp>
+    </p:spTree>
+    <p:extLst>
+      <p:ext uri="{BB962C8B-B14F-4D97-AF65-F5344CB8AC3E}">
+        <p14:creationId xmlns:p14="http://schemas.microsoft.com/office/powerpoint/2010/main" val="2313029216"/>
+      </p:ext>
+    </p:extLst>
+  </p:cSld>
+  <p:clrMap bg1="lt1" tx1="dk1" bg2="lt2" tx2="dk2" accent1="accent1" accent2="accent2" accent3="accent3" accent4="accent4" accent5="accent5" accent6="accent6" hlink="hlink" folHlink="folHlink"/>
+  <p:notesStyle>
+    <a:lvl1pPr marL="0" algn="l" defTabSz="914400" rtl="0" eaLnBrk="1" latinLnBrk="0" hangingPunct="1">
+      <a:defRPr sz="1200" kern="1200">
+        <a:solidFill>
+          <a:schemeClr val="tx1"/>
+        </a:solidFill>
+        <a:latin typeface="+mn-lt"/>
+        <a:ea typeface="+mn-ea"/>
+        <a:cs typeface="+mn-cs"/>
+      </a:defRPr>
+    </a:lvl1pPr>
+    <a:lvl2pPr marL="457200" algn="l" defTabSz="914400" rtl="0" eaLnBrk="1" latinLnBrk="0" hangingPunct="1">
+      <a:defRPr sz="1200" kern="1200">
+        <a:solidFill>
+          <a:schemeClr val="tx1"/>
+        </a:solidFill>
+        <a:latin typeface="+mn-lt"/>
+        <a:ea typeface="+mn-ea"/>
+        <a:cs typeface="+mn-cs"/>
+      </a:defRPr>
+    </a:lvl2pPr>
+    <a:lvl3pPr marL="914400" algn="l" defTabSz="914400" rtl="0" eaLnBrk="1" latinLnBrk="0" hangingPunct="1">
+      <a:defRPr sz="1200" kern="1200">
+        <a:solidFill>
+          <a:schemeClr val="tx1"/>
+        </a:solidFill>
+        <a:latin typeface="+mn-lt"/>
+        <a:ea typeface="+mn-ea"/>
+        <a:cs typeface="+mn-cs"/>
+      </a:defRPr>
+    </a:lvl3pPr>
+    <a:lvl4pPr marL="1371600" algn="l" defTabSz="914400" rtl="0" eaLnBrk="1" latinLnBrk="0" hangingPunct="1">
+      <a:defRPr sz="1200" kern="1200">
+        <a:solidFill>
+          <a:schemeClr val="tx1"/>
+        </a:solidFill>
+        <a:latin typeface="+mn-lt"/>
+        <a:ea typeface="+mn-ea"/>
+        <a:cs typeface="+mn-cs"/>
+      </a:defRPr>
+    </a:lvl4pPr>
+    <a:lvl5pPr marL="1828800" algn="l" defTabSz="914400" rtl="0" eaLnBrk="1" latinLnBrk="0" hangingPunct="1">
+      <a:defRPr sz="1200" kern="1200">
+        <a:solidFill>
+          <a:schemeClr val="tx1"/>
+        </a:solidFill>
+        <a:latin typeface="+mn-lt"/>
+        <a:ea typeface="+mn-ea"/>
+        <a:cs typeface="+mn-cs"/>
+      </a:defRPr>
+    </a:lvl5pPr>
+    <a:lvl6pPr marL="2286000" algn="l" defTabSz="914400" rtl="0" eaLnBrk="1" latinLnBrk="0" hangingPunct="1">
+      <a:defRPr sz="1200" kern="1200">
+        <a:solidFill>
+          <a:schemeClr val="tx1"/>
+        </a:solidFill>
+        <a:latin typeface="+mn-lt"/>
+        <a:ea typeface="+mn-ea"/>
+        <a:cs typeface="+mn-cs"/>
+      </a:defRPr>
+    </a:lvl6pPr>
+    <a:lvl7pPr marL="2743200" algn="l" defTabSz="914400" rtl="0" eaLnBrk="1" latinLnBrk="0" hangingPunct="1">
+      <a:defRPr sz="1200" kern="1200">
+        <a:solidFill>
+          <a:schemeClr val="tx1"/>
+        </a:solidFill>
+        <a:latin typeface="+mn-lt"/>
+        <a:ea typeface="+mn-ea"/>
+        <a:cs typeface="+mn-cs"/>
+      </a:defRPr>
+    </a:lvl7pPr>
+    <a:lvl8pPr marL="3200400" algn="l" defTabSz="914400" rtl="0" eaLnBrk="1" latinLnBrk="0" hangingPunct="1">
+      <a:defRPr sz="1200" kern="1200">
+        <a:solidFill>
+          <a:schemeClr val="tx1"/>
+        </a:solidFill>
+        <a:latin typeface="+mn-lt"/>
+        <a:ea typeface="+mn-ea"/>
+        <a:cs typeface="+mn-cs"/>
+      </a:defRPr>
+    </a:lvl8pPr>
+    <a:lvl9pPr marL="3657600" algn="l" defTabSz="914400" rtl="0" eaLnBrk="1" latinLnBrk="0" hangingPunct="1">
+      <a:defRPr sz="1200" kern="1200">
+        <a:solidFill>
+          <a:schemeClr val="tx1"/>
+        </a:solidFill>
+        <a:latin typeface="+mn-lt"/>
+        <a:ea typeface="+mn-ea"/>
+        <a:cs typeface="+mn-cs"/>
+      </a:defRPr>
+    </a:lvl9pPr>
+  </p:notesStyle>
+</p:notesMaster>
+</file>
+
+<file path=ppt/notesSlides/notesSlide1.xml><?xml version="1.0" encoding="utf-8"?>
+<p:notes xmlns:a="http://schemas.openxmlformats.org/drawingml/2006/main" xmlns:r="http://schemas.openxmlformats.org/officeDocument/2006/relationships" xmlns:p="http://schemas.openxmlformats.org/presentationml/2006/main">
+  <p:cSld>
+    <p:spTree>
+      <p:nvGrpSpPr>
+        <p:cNvPr id="1" name=""/>
+        <p:cNvGrpSpPr/>
+        <p:nvPr/>
+      </p:nvGrpSpPr>
+      <p:grpSpPr>
+        <a:xfrm>
+          <a:off x="0" y="0"/>
+          <a:ext cx="0" cy="0"/>
+          <a:chOff x="0" y="0"/>
+          <a:chExt cx="0" cy="0"/>
+        </a:xfrm>
+      </p:grpSpPr>
+      <p:sp>
+        <p:nvSpPr>
+          <p:cNvPr id="2" name="Folienbildplatzhalter 1"/>
+          <p:cNvSpPr>
+            <a:spLocks noGrp="1" noRot="1" noChangeAspect="1"/>
+          </p:cNvSpPr>
+          <p:nvPr>
+            <p:ph type="sldImg"/>
+          </p:nvPr>
+        </p:nvSpPr>
+        <p:spPr/>
+      </p:sp>
+      <p:sp>
+        <p:nvSpPr>
+          <p:cNvPr id="3" name="Notizenplatzhalter 2"/>
+          <p:cNvSpPr>
+            <a:spLocks noGrp="1"/>
+          </p:cNvSpPr>
+          <p:nvPr>
+            <p:ph type="body" idx="1"/>
+          </p:nvPr>
+        </p:nvSpPr>
+        <p:spPr/>
+        <p:txBody>
+          <a:bodyPr/>
+          <a:lstStyle/>
+          <a:p>
+            <a:endParaRPr lang="de-DE" dirty="0"/>
+          </a:p>
+        </p:txBody>
+      </p:sp>
+      <p:sp>
+        <p:nvSpPr>
+          <p:cNvPr id="4" name="Foliennummernplatzhalter 3"/>
+          <p:cNvSpPr>
+            <a:spLocks noGrp="1"/>
+          </p:cNvSpPr>
+          <p:nvPr>
+            <p:ph type="sldNum" sz="quarter" idx="5"/>
+          </p:nvPr>
+        </p:nvSpPr>
+        <p:spPr/>
+        <p:txBody>
+          <a:bodyPr/>
+          <a:lstStyle/>
+          <a:p>
+            <a:fld id="{A45BCFFC-41FE-4606-841E-C2F3EE93EFC7}" type="slidenum">
+              <a:rPr lang="de-DE" smtClean="0"/>
+              <a:t>52</a:t>
+            </a:fld>
+            <a:endParaRPr lang="de-DE"/>
+          </a:p>
+        </p:txBody>
+      </p:sp>
+    </p:spTree>
+    <p:extLst>
+      <p:ext uri="{BB962C8B-B14F-4D97-AF65-F5344CB8AC3E}">
+        <p14:creationId xmlns:p14="http://schemas.microsoft.com/office/powerpoint/2010/main" val="2667756514"/>
+      </p:ext>
+    </p:extLst>
+  </p:cSld>
+  <p:clrMapOvr>
+    <a:masterClrMapping/>
+  </p:clrMapOvr>
+</p:notes>
+</file>
+
 <file path=ppt/slideLayouts/slideLayout1.xml><?xml version="1.0" encoding="utf-8"?>
 <p:sldLayout xmlns:a="http://schemas.openxmlformats.org/drawingml/2006/main" xmlns:r="http://schemas.openxmlformats.org/officeDocument/2006/relationships" xmlns:p="http://schemas.openxmlformats.org/presentationml/2006/main" type="title" preserve="1">
   <p:cSld name="Titelfolie">
@@ -308,9 +936,9 @@
           <a:bodyPr/>
           <a:lstStyle/>
           <a:p>
-            <a:fld id="{0189ED98-D465-43B0-8DB8-ADB807A15B77}" type="datetimeFigureOut">
+            <a:fld id="{AD66DEA6-0B81-4050-A891-4644C7C7D5EB}" type="datetime1">
               <a:rPr lang="de-DE" smtClean="0"/>
-              <a:t>06.01.2020</a:t>
+              <a:t>07.01.2020</a:t>
             </a:fld>
             <a:endParaRPr lang="de-DE"/>
           </a:p>
@@ -364,9 +992,13 @@
           <a:p>
             <a:fld id="{DD108FB5-2533-4688-B3BC-A918F32943D9}" type="slidenum">
               <a:rPr lang="de-DE" smtClean="0"/>
+              <a:pPr/>
               <a:t>‹Nr.›</a:t>
             </a:fld>
-            <a:endParaRPr lang="de-DE"/>
+            <a:r>
+              <a:rPr lang="de-DE" dirty="0"/>
+              <a:t> von 52</a:t>
+            </a:r>
           </a:p>
         </p:txBody>
       </p:sp>
@@ -506,9 +1138,9 @@
           <a:bodyPr/>
           <a:lstStyle/>
           <a:p>
-            <a:fld id="{0189ED98-D465-43B0-8DB8-ADB807A15B77}" type="datetimeFigureOut">
+            <a:fld id="{06E6972A-BBC3-4BA8-B6DA-04E156DFB36E}" type="datetime1">
               <a:rPr lang="de-DE" smtClean="0"/>
-              <a:t>06.01.2020</a:t>
+              <a:t>07.01.2020</a:t>
             </a:fld>
             <a:endParaRPr lang="de-DE"/>
           </a:p>
@@ -714,9 +1346,9 @@
           <a:bodyPr/>
           <a:lstStyle/>
           <a:p>
-            <a:fld id="{0189ED98-D465-43B0-8DB8-ADB807A15B77}" type="datetimeFigureOut">
+            <a:fld id="{E6D71170-3BD5-4DC0-86BE-D43D3E946A4F}" type="datetime1">
               <a:rPr lang="de-DE" smtClean="0"/>
-              <a:t>06.01.2020</a:t>
+              <a:t>07.01.2020</a:t>
             </a:fld>
             <a:endParaRPr lang="de-DE"/>
           </a:p>
@@ -912,9 +1544,9 @@
           <a:bodyPr/>
           <a:lstStyle/>
           <a:p>
-            <a:fld id="{0189ED98-D465-43B0-8DB8-ADB807A15B77}" type="datetimeFigureOut">
+            <a:fld id="{02178250-A324-4677-83B5-205F98378F06}" type="datetime1">
               <a:rPr lang="de-DE" smtClean="0"/>
-              <a:t>06.01.2020</a:t>
+              <a:t>07.01.2020</a:t>
             </a:fld>
             <a:endParaRPr lang="de-DE"/>
           </a:p>
@@ -1187,9 +1819,9 @@
           <a:bodyPr/>
           <a:lstStyle/>
           <a:p>
-            <a:fld id="{0189ED98-D465-43B0-8DB8-ADB807A15B77}" type="datetimeFigureOut">
+            <a:fld id="{C9F66C47-597E-49BA-AC2C-97CE18671AE5}" type="datetime1">
               <a:rPr lang="de-DE" smtClean="0"/>
-              <a:t>06.01.2020</a:t>
+              <a:t>07.01.2020</a:t>
             </a:fld>
             <a:endParaRPr lang="de-DE"/>
           </a:p>
@@ -1452,9 +2084,9 @@
           <a:bodyPr/>
           <a:lstStyle/>
           <a:p>
-            <a:fld id="{0189ED98-D465-43B0-8DB8-ADB807A15B77}" type="datetimeFigureOut">
+            <a:fld id="{8DB74D4D-DC62-49F5-967F-3802A1F7759A}" type="datetime1">
               <a:rPr lang="de-DE" smtClean="0"/>
-              <a:t>06.01.2020</a:t>
+              <a:t>07.01.2020</a:t>
             </a:fld>
             <a:endParaRPr lang="de-DE"/>
           </a:p>
@@ -1864,9 +2496,9 @@
           <a:bodyPr/>
           <a:lstStyle/>
           <a:p>
-            <a:fld id="{0189ED98-D465-43B0-8DB8-ADB807A15B77}" type="datetimeFigureOut">
+            <a:fld id="{0B89D2AE-35BA-46A8-9619-FA9B6B028436}" type="datetime1">
               <a:rPr lang="de-DE" smtClean="0"/>
-              <a:t>06.01.2020</a:t>
+              <a:t>07.01.2020</a:t>
             </a:fld>
             <a:endParaRPr lang="de-DE"/>
           </a:p>
@@ -2005,9 +2637,9 @@
           <a:bodyPr/>
           <a:lstStyle/>
           <a:p>
-            <a:fld id="{0189ED98-D465-43B0-8DB8-ADB807A15B77}" type="datetimeFigureOut">
+            <a:fld id="{BE61CEC5-D016-48B2-983F-5640982C0802}" type="datetime1">
               <a:rPr lang="de-DE" smtClean="0"/>
-              <a:t>06.01.2020</a:t>
+              <a:t>07.01.2020</a:t>
             </a:fld>
             <a:endParaRPr lang="de-DE"/>
           </a:p>
@@ -2118,9 +2750,9 @@
           <a:bodyPr/>
           <a:lstStyle/>
           <a:p>
-            <a:fld id="{0189ED98-D465-43B0-8DB8-ADB807A15B77}" type="datetimeFigureOut">
+            <a:fld id="{E65BA0F8-3722-43B7-A280-8C401EF29E8C}" type="datetime1">
               <a:rPr lang="de-DE" smtClean="0"/>
-              <a:t>06.01.2020</a:t>
+              <a:t>07.01.2020</a:t>
             </a:fld>
             <a:endParaRPr lang="de-DE"/>
           </a:p>
@@ -2429,9 +3061,9 @@
           <a:bodyPr/>
           <a:lstStyle/>
           <a:p>
-            <a:fld id="{0189ED98-D465-43B0-8DB8-ADB807A15B77}" type="datetimeFigureOut">
+            <a:fld id="{18525EC3-228E-4F2C-BF7F-50F53B975049}" type="datetime1">
               <a:rPr lang="de-DE" smtClean="0"/>
-              <a:t>06.01.2020</a:t>
+              <a:t>07.01.2020</a:t>
             </a:fld>
             <a:endParaRPr lang="de-DE"/>
           </a:p>
@@ -2717,9 +3349,9 @@
           <a:bodyPr/>
           <a:lstStyle/>
           <a:p>
-            <a:fld id="{0189ED98-D465-43B0-8DB8-ADB807A15B77}" type="datetimeFigureOut">
+            <a:fld id="{263C3CD4-E818-47EB-BC9C-D0F96D5B5704}" type="datetime1">
               <a:rPr lang="de-DE" smtClean="0"/>
-              <a:t>06.01.2020</a:t>
+              <a:t>07.01.2020</a:t>
             </a:fld>
             <a:endParaRPr lang="de-DE"/>
           </a:p>
@@ -2958,9 +3590,9 @@
             </a:lvl1pPr>
           </a:lstStyle>
           <a:p>
-            <a:fld id="{0189ED98-D465-43B0-8DB8-ADB807A15B77}" type="datetimeFigureOut">
+            <a:fld id="{ECA15691-8E1A-4410-8D61-7DB37D5C5A4E}" type="datetime1">
               <a:rPr lang="de-DE" smtClean="0"/>
-              <a:t>06.01.2020</a:t>
+              <a:t>07.01.2020</a:t>
             </a:fld>
             <a:endParaRPr lang="de-DE"/>
           </a:p>
@@ -3077,6 +3709,7 @@
     <p:sldLayoutId id="2147483658" r:id="rId10"/>
     <p:sldLayoutId id="2147483659" r:id="rId11"/>
   </p:sldLayoutIdLst>
+  <p:hf hdr="0" ftr="0" dt="0"/>
   <p:txStyles>
     <p:titleStyle>
       <a:lvl1pPr algn="l" defTabSz="914400" rtl="0" eaLnBrk="1" latinLnBrk="0" hangingPunct="1">
@@ -3577,6 +4210,38 @@
           </a:p>
         </p:txBody>
       </p:sp>
+      <p:sp>
+        <p:nvSpPr>
+          <p:cNvPr id="6" name="Textfeld 5">
+            <a:extLst>
+              <a:ext uri="{FF2B5EF4-FFF2-40B4-BE49-F238E27FC236}">
+                <a16:creationId xmlns:a16="http://schemas.microsoft.com/office/drawing/2014/main" id="{27E5DB30-FDAD-4825-B372-1DFC8CA20814}"/>
+              </a:ext>
+            </a:extLst>
+          </p:cNvPr>
+          <p:cNvSpPr txBox="1"/>
+          <p:nvPr/>
+        </p:nvSpPr>
+        <p:spPr>
+          <a:xfrm>
+            <a:off x="6373906" y="6275294"/>
+            <a:ext cx="2061882" cy="369332"/>
+          </a:xfrm>
+          <a:prstGeom prst="rect">
+            <a:avLst/>
+          </a:prstGeom>
+          <a:noFill/>
+        </p:spPr>
+        <p:txBody>
+          <a:bodyPr wrap="square" rtlCol="0">
+            <a:spAutoFit/>
+          </a:bodyPr>
+          <a:lstStyle/>
+          <a:p>
+            <a:endParaRPr lang="de-DE" dirty="0"/>
+          </a:p>
+        </p:txBody>
+      </p:sp>
     </p:spTree>
     <p:extLst>
       <p:ext uri="{BB962C8B-B14F-4D97-AF65-F5344CB8AC3E}">
@@ -3748,6 +4413,165 @@
             <a:r>
               <a:rPr lang="de-DE" dirty="0"/>
               <a:t>Aussagen über Risiken im Lagebericht</a:t>
+            </a:r>
+          </a:p>
+        </p:txBody>
+      </p:sp>
+      <p:sp>
+        <p:nvSpPr>
+          <p:cNvPr id="4" name="Foliennummernplatzhalter 3">
+            <a:extLst>
+              <a:ext uri="{FF2B5EF4-FFF2-40B4-BE49-F238E27FC236}">
+                <a16:creationId xmlns:a16="http://schemas.microsoft.com/office/drawing/2014/main" id="{C2853911-6975-433A-A38C-387AA79E241B}"/>
+              </a:ext>
+            </a:extLst>
+          </p:cNvPr>
+          <p:cNvSpPr>
+            <a:spLocks noGrp="1"/>
+          </p:cNvSpPr>
+          <p:nvPr>
+            <p:ph type="sldNum" sz="quarter" idx="12"/>
+          </p:nvPr>
+        </p:nvSpPr>
+        <p:spPr/>
+        <p:txBody>
+          <a:bodyPr/>
+          <a:lstStyle/>
+          <a:p>
+            <a:fld id="{DD108FB5-2533-4688-B3BC-A918F32943D9}" type="slidenum">
+              <a:rPr lang="de-DE" smtClean="0"/>
+              <a:t>10</a:t>
+            </a:fld>
+            <a:endParaRPr lang="de-DE"/>
+          </a:p>
+        </p:txBody>
+      </p:sp>
+      <p:sp>
+        <p:nvSpPr>
+          <p:cNvPr id="6" name="Foliennummernplatzhalter 1">
+            <a:extLst>
+              <a:ext uri="{FF2B5EF4-FFF2-40B4-BE49-F238E27FC236}">
+                <a16:creationId xmlns:a16="http://schemas.microsoft.com/office/drawing/2014/main" id="{776638B7-4836-4B27-AD4F-5183488A4CA5}"/>
+              </a:ext>
+            </a:extLst>
+          </p:cNvPr>
+          <p:cNvSpPr txBox="1">
+            <a:spLocks/>
+          </p:cNvSpPr>
+          <p:nvPr/>
+        </p:nvSpPr>
+        <p:spPr>
+          <a:xfrm>
+            <a:off x="8914923" y="6356349"/>
+            <a:ext cx="2743200" cy="365125"/>
+          </a:xfrm>
+          <a:prstGeom prst="rect">
+            <a:avLst/>
+          </a:prstGeom>
+        </p:spPr>
+        <p:txBody>
+          <a:bodyPr vert="horz" lIns="91440" tIns="45720" rIns="91440" bIns="45720" rtlCol="0" anchor="ctr"/>
+          <a:lstStyle>
+            <a:defPPr>
+              <a:defRPr lang="de-DE"/>
+            </a:defPPr>
+            <a:lvl1pPr marL="0" algn="r" defTabSz="914400" rtl="0" eaLnBrk="1" latinLnBrk="0" hangingPunct="1">
+              <a:defRPr sz="1200" kern="1200">
+                <a:solidFill>
+                  <a:schemeClr val="tx1">
+                    <a:tint val="75000"/>
+                  </a:schemeClr>
+                </a:solidFill>
+                <a:latin typeface="+mn-lt"/>
+                <a:ea typeface="+mn-ea"/>
+                <a:cs typeface="+mn-cs"/>
+              </a:defRPr>
+            </a:lvl1pPr>
+            <a:lvl2pPr marL="457200" algn="l" defTabSz="914400" rtl="0" eaLnBrk="1" latinLnBrk="0" hangingPunct="1">
+              <a:defRPr sz="1800" kern="1200">
+                <a:solidFill>
+                  <a:schemeClr val="tx1"/>
+                </a:solidFill>
+                <a:latin typeface="+mn-lt"/>
+                <a:ea typeface="+mn-ea"/>
+                <a:cs typeface="+mn-cs"/>
+              </a:defRPr>
+            </a:lvl2pPr>
+            <a:lvl3pPr marL="914400" algn="l" defTabSz="914400" rtl="0" eaLnBrk="1" latinLnBrk="0" hangingPunct="1">
+              <a:defRPr sz="1800" kern="1200">
+                <a:solidFill>
+                  <a:schemeClr val="tx1"/>
+                </a:solidFill>
+                <a:latin typeface="+mn-lt"/>
+                <a:ea typeface="+mn-ea"/>
+                <a:cs typeface="+mn-cs"/>
+              </a:defRPr>
+            </a:lvl3pPr>
+            <a:lvl4pPr marL="1371600" algn="l" defTabSz="914400" rtl="0" eaLnBrk="1" latinLnBrk="0" hangingPunct="1">
+              <a:defRPr sz="1800" kern="1200">
+                <a:solidFill>
+                  <a:schemeClr val="tx1"/>
+                </a:solidFill>
+                <a:latin typeface="+mn-lt"/>
+                <a:ea typeface="+mn-ea"/>
+                <a:cs typeface="+mn-cs"/>
+              </a:defRPr>
+            </a:lvl4pPr>
+            <a:lvl5pPr marL="1828800" algn="l" defTabSz="914400" rtl="0" eaLnBrk="1" latinLnBrk="0" hangingPunct="1">
+              <a:defRPr sz="1800" kern="1200">
+                <a:solidFill>
+                  <a:schemeClr val="tx1"/>
+                </a:solidFill>
+                <a:latin typeface="+mn-lt"/>
+                <a:ea typeface="+mn-ea"/>
+                <a:cs typeface="+mn-cs"/>
+              </a:defRPr>
+            </a:lvl5pPr>
+            <a:lvl6pPr marL="2286000" algn="l" defTabSz="914400" rtl="0" eaLnBrk="1" latinLnBrk="0" hangingPunct="1">
+              <a:defRPr sz="1800" kern="1200">
+                <a:solidFill>
+                  <a:schemeClr val="tx1"/>
+                </a:solidFill>
+                <a:latin typeface="+mn-lt"/>
+                <a:ea typeface="+mn-ea"/>
+                <a:cs typeface="+mn-cs"/>
+              </a:defRPr>
+            </a:lvl6pPr>
+            <a:lvl7pPr marL="2743200" algn="l" defTabSz="914400" rtl="0" eaLnBrk="1" latinLnBrk="0" hangingPunct="1">
+              <a:defRPr sz="1800" kern="1200">
+                <a:solidFill>
+                  <a:schemeClr val="tx1"/>
+                </a:solidFill>
+                <a:latin typeface="+mn-lt"/>
+                <a:ea typeface="+mn-ea"/>
+                <a:cs typeface="+mn-cs"/>
+              </a:defRPr>
+            </a:lvl7pPr>
+            <a:lvl8pPr marL="3200400" algn="l" defTabSz="914400" rtl="0" eaLnBrk="1" latinLnBrk="0" hangingPunct="1">
+              <a:defRPr sz="1800" kern="1200">
+                <a:solidFill>
+                  <a:schemeClr val="tx1"/>
+                </a:solidFill>
+                <a:latin typeface="+mn-lt"/>
+                <a:ea typeface="+mn-ea"/>
+                <a:cs typeface="+mn-cs"/>
+              </a:defRPr>
+            </a:lvl8pPr>
+            <a:lvl9pPr marL="3657600" algn="l" defTabSz="914400" rtl="0" eaLnBrk="1" latinLnBrk="0" hangingPunct="1">
+              <a:defRPr sz="1800" kern="1200">
+                <a:solidFill>
+                  <a:schemeClr val="tx1"/>
+                </a:solidFill>
+                <a:latin typeface="+mn-lt"/>
+                <a:ea typeface="+mn-ea"/>
+                <a:cs typeface="+mn-cs"/>
+              </a:defRPr>
+            </a:lvl9pPr>
+          </a:lstStyle>
+          <a:p>
+            <a:r>
+              <a:rPr lang="de-DE" dirty="0"/>
+              <a:t>/ 52</a:t>
             </a:r>
           </a:p>
         </p:txBody>
@@ -3865,6 +4689,165 @@
           </a:p>
         </p:txBody>
       </p:sp>
+      <p:sp>
+        <p:nvSpPr>
+          <p:cNvPr id="4" name="Foliennummernplatzhalter 3">
+            <a:extLst>
+              <a:ext uri="{FF2B5EF4-FFF2-40B4-BE49-F238E27FC236}">
+                <a16:creationId xmlns:a16="http://schemas.microsoft.com/office/drawing/2014/main" id="{C4DE5DA3-4E4E-4452-80D0-263BA273C10E}"/>
+              </a:ext>
+            </a:extLst>
+          </p:cNvPr>
+          <p:cNvSpPr>
+            <a:spLocks noGrp="1"/>
+          </p:cNvSpPr>
+          <p:nvPr>
+            <p:ph type="sldNum" sz="quarter" idx="12"/>
+          </p:nvPr>
+        </p:nvSpPr>
+        <p:spPr/>
+        <p:txBody>
+          <a:bodyPr/>
+          <a:lstStyle/>
+          <a:p>
+            <a:fld id="{DD108FB5-2533-4688-B3BC-A918F32943D9}" type="slidenum">
+              <a:rPr lang="de-DE" smtClean="0"/>
+              <a:t>11</a:t>
+            </a:fld>
+            <a:endParaRPr lang="de-DE"/>
+          </a:p>
+        </p:txBody>
+      </p:sp>
+      <p:sp>
+        <p:nvSpPr>
+          <p:cNvPr id="6" name="Foliennummernplatzhalter 1">
+            <a:extLst>
+              <a:ext uri="{FF2B5EF4-FFF2-40B4-BE49-F238E27FC236}">
+                <a16:creationId xmlns:a16="http://schemas.microsoft.com/office/drawing/2014/main" id="{F09D6254-C15D-466C-A147-E844DD0D3887}"/>
+              </a:ext>
+            </a:extLst>
+          </p:cNvPr>
+          <p:cNvSpPr txBox="1">
+            <a:spLocks/>
+          </p:cNvSpPr>
+          <p:nvPr/>
+        </p:nvSpPr>
+        <p:spPr>
+          <a:xfrm>
+            <a:off x="8914923" y="6356349"/>
+            <a:ext cx="2743200" cy="365125"/>
+          </a:xfrm>
+          <a:prstGeom prst="rect">
+            <a:avLst/>
+          </a:prstGeom>
+        </p:spPr>
+        <p:txBody>
+          <a:bodyPr vert="horz" lIns="91440" tIns="45720" rIns="91440" bIns="45720" rtlCol="0" anchor="ctr"/>
+          <a:lstStyle>
+            <a:defPPr>
+              <a:defRPr lang="de-DE"/>
+            </a:defPPr>
+            <a:lvl1pPr marL="0" algn="r" defTabSz="914400" rtl="0" eaLnBrk="1" latinLnBrk="0" hangingPunct="1">
+              <a:defRPr sz="1200" kern="1200">
+                <a:solidFill>
+                  <a:schemeClr val="tx1">
+                    <a:tint val="75000"/>
+                  </a:schemeClr>
+                </a:solidFill>
+                <a:latin typeface="+mn-lt"/>
+                <a:ea typeface="+mn-ea"/>
+                <a:cs typeface="+mn-cs"/>
+              </a:defRPr>
+            </a:lvl1pPr>
+            <a:lvl2pPr marL="457200" algn="l" defTabSz="914400" rtl="0" eaLnBrk="1" latinLnBrk="0" hangingPunct="1">
+              <a:defRPr sz="1800" kern="1200">
+                <a:solidFill>
+                  <a:schemeClr val="tx1"/>
+                </a:solidFill>
+                <a:latin typeface="+mn-lt"/>
+                <a:ea typeface="+mn-ea"/>
+                <a:cs typeface="+mn-cs"/>
+              </a:defRPr>
+            </a:lvl2pPr>
+            <a:lvl3pPr marL="914400" algn="l" defTabSz="914400" rtl="0" eaLnBrk="1" latinLnBrk="0" hangingPunct="1">
+              <a:defRPr sz="1800" kern="1200">
+                <a:solidFill>
+                  <a:schemeClr val="tx1"/>
+                </a:solidFill>
+                <a:latin typeface="+mn-lt"/>
+                <a:ea typeface="+mn-ea"/>
+                <a:cs typeface="+mn-cs"/>
+              </a:defRPr>
+            </a:lvl3pPr>
+            <a:lvl4pPr marL="1371600" algn="l" defTabSz="914400" rtl="0" eaLnBrk="1" latinLnBrk="0" hangingPunct="1">
+              <a:defRPr sz="1800" kern="1200">
+                <a:solidFill>
+                  <a:schemeClr val="tx1"/>
+                </a:solidFill>
+                <a:latin typeface="+mn-lt"/>
+                <a:ea typeface="+mn-ea"/>
+                <a:cs typeface="+mn-cs"/>
+              </a:defRPr>
+            </a:lvl4pPr>
+            <a:lvl5pPr marL="1828800" algn="l" defTabSz="914400" rtl="0" eaLnBrk="1" latinLnBrk="0" hangingPunct="1">
+              <a:defRPr sz="1800" kern="1200">
+                <a:solidFill>
+                  <a:schemeClr val="tx1"/>
+                </a:solidFill>
+                <a:latin typeface="+mn-lt"/>
+                <a:ea typeface="+mn-ea"/>
+                <a:cs typeface="+mn-cs"/>
+              </a:defRPr>
+            </a:lvl5pPr>
+            <a:lvl6pPr marL="2286000" algn="l" defTabSz="914400" rtl="0" eaLnBrk="1" latinLnBrk="0" hangingPunct="1">
+              <a:defRPr sz="1800" kern="1200">
+                <a:solidFill>
+                  <a:schemeClr val="tx1"/>
+                </a:solidFill>
+                <a:latin typeface="+mn-lt"/>
+                <a:ea typeface="+mn-ea"/>
+                <a:cs typeface="+mn-cs"/>
+              </a:defRPr>
+            </a:lvl6pPr>
+            <a:lvl7pPr marL="2743200" algn="l" defTabSz="914400" rtl="0" eaLnBrk="1" latinLnBrk="0" hangingPunct="1">
+              <a:defRPr sz="1800" kern="1200">
+                <a:solidFill>
+                  <a:schemeClr val="tx1"/>
+                </a:solidFill>
+                <a:latin typeface="+mn-lt"/>
+                <a:ea typeface="+mn-ea"/>
+                <a:cs typeface="+mn-cs"/>
+              </a:defRPr>
+            </a:lvl7pPr>
+            <a:lvl8pPr marL="3200400" algn="l" defTabSz="914400" rtl="0" eaLnBrk="1" latinLnBrk="0" hangingPunct="1">
+              <a:defRPr sz="1800" kern="1200">
+                <a:solidFill>
+                  <a:schemeClr val="tx1"/>
+                </a:solidFill>
+                <a:latin typeface="+mn-lt"/>
+                <a:ea typeface="+mn-ea"/>
+                <a:cs typeface="+mn-cs"/>
+              </a:defRPr>
+            </a:lvl8pPr>
+            <a:lvl9pPr marL="3657600" algn="l" defTabSz="914400" rtl="0" eaLnBrk="1" latinLnBrk="0" hangingPunct="1">
+              <a:defRPr sz="1800" kern="1200">
+                <a:solidFill>
+                  <a:schemeClr val="tx1"/>
+                </a:solidFill>
+                <a:latin typeface="+mn-lt"/>
+                <a:ea typeface="+mn-ea"/>
+                <a:cs typeface="+mn-cs"/>
+              </a:defRPr>
+            </a:lvl9pPr>
+          </a:lstStyle>
+          <a:p>
+            <a:r>
+              <a:rPr lang="de-DE" dirty="0"/>
+              <a:t>/ 52</a:t>
+            </a:r>
+          </a:p>
+        </p:txBody>
+      </p:sp>
     </p:spTree>
     <p:extLst>
       <p:ext uri="{BB962C8B-B14F-4D97-AF65-F5344CB8AC3E}">
@@ -3973,6 +4956,165 @@
           </a:p>
         </p:txBody>
       </p:sp>
+      <p:sp>
+        <p:nvSpPr>
+          <p:cNvPr id="4" name="Foliennummernplatzhalter 3">
+            <a:extLst>
+              <a:ext uri="{FF2B5EF4-FFF2-40B4-BE49-F238E27FC236}">
+                <a16:creationId xmlns:a16="http://schemas.microsoft.com/office/drawing/2014/main" id="{6D1231DE-56D1-4A7B-931A-4815E64553B6}"/>
+              </a:ext>
+            </a:extLst>
+          </p:cNvPr>
+          <p:cNvSpPr>
+            <a:spLocks noGrp="1"/>
+          </p:cNvSpPr>
+          <p:nvPr>
+            <p:ph type="sldNum" sz="quarter" idx="12"/>
+          </p:nvPr>
+        </p:nvSpPr>
+        <p:spPr/>
+        <p:txBody>
+          <a:bodyPr/>
+          <a:lstStyle/>
+          <a:p>
+            <a:fld id="{DD108FB5-2533-4688-B3BC-A918F32943D9}" type="slidenum">
+              <a:rPr lang="de-DE" smtClean="0"/>
+              <a:t>12</a:t>
+            </a:fld>
+            <a:endParaRPr lang="de-DE"/>
+          </a:p>
+        </p:txBody>
+      </p:sp>
+      <p:sp>
+        <p:nvSpPr>
+          <p:cNvPr id="6" name="Foliennummernplatzhalter 1">
+            <a:extLst>
+              <a:ext uri="{FF2B5EF4-FFF2-40B4-BE49-F238E27FC236}">
+                <a16:creationId xmlns:a16="http://schemas.microsoft.com/office/drawing/2014/main" id="{B4DD1FA4-D692-402E-9AF0-858BA48A8985}"/>
+              </a:ext>
+            </a:extLst>
+          </p:cNvPr>
+          <p:cNvSpPr txBox="1">
+            <a:spLocks/>
+          </p:cNvSpPr>
+          <p:nvPr/>
+        </p:nvSpPr>
+        <p:spPr>
+          <a:xfrm>
+            <a:off x="8914923" y="6356349"/>
+            <a:ext cx="2743200" cy="365125"/>
+          </a:xfrm>
+          <a:prstGeom prst="rect">
+            <a:avLst/>
+          </a:prstGeom>
+        </p:spPr>
+        <p:txBody>
+          <a:bodyPr vert="horz" lIns="91440" tIns="45720" rIns="91440" bIns="45720" rtlCol="0" anchor="ctr"/>
+          <a:lstStyle>
+            <a:defPPr>
+              <a:defRPr lang="de-DE"/>
+            </a:defPPr>
+            <a:lvl1pPr marL="0" algn="r" defTabSz="914400" rtl="0" eaLnBrk="1" latinLnBrk="0" hangingPunct="1">
+              <a:defRPr sz="1200" kern="1200">
+                <a:solidFill>
+                  <a:schemeClr val="tx1">
+                    <a:tint val="75000"/>
+                  </a:schemeClr>
+                </a:solidFill>
+                <a:latin typeface="+mn-lt"/>
+                <a:ea typeface="+mn-ea"/>
+                <a:cs typeface="+mn-cs"/>
+              </a:defRPr>
+            </a:lvl1pPr>
+            <a:lvl2pPr marL="457200" algn="l" defTabSz="914400" rtl="0" eaLnBrk="1" latinLnBrk="0" hangingPunct="1">
+              <a:defRPr sz="1800" kern="1200">
+                <a:solidFill>
+                  <a:schemeClr val="tx1"/>
+                </a:solidFill>
+                <a:latin typeface="+mn-lt"/>
+                <a:ea typeface="+mn-ea"/>
+                <a:cs typeface="+mn-cs"/>
+              </a:defRPr>
+            </a:lvl2pPr>
+            <a:lvl3pPr marL="914400" algn="l" defTabSz="914400" rtl="0" eaLnBrk="1" latinLnBrk="0" hangingPunct="1">
+              <a:defRPr sz="1800" kern="1200">
+                <a:solidFill>
+                  <a:schemeClr val="tx1"/>
+                </a:solidFill>
+                <a:latin typeface="+mn-lt"/>
+                <a:ea typeface="+mn-ea"/>
+                <a:cs typeface="+mn-cs"/>
+              </a:defRPr>
+            </a:lvl3pPr>
+            <a:lvl4pPr marL="1371600" algn="l" defTabSz="914400" rtl="0" eaLnBrk="1" latinLnBrk="0" hangingPunct="1">
+              <a:defRPr sz="1800" kern="1200">
+                <a:solidFill>
+                  <a:schemeClr val="tx1"/>
+                </a:solidFill>
+                <a:latin typeface="+mn-lt"/>
+                <a:ea typeface="+mn-ea"/>
+                <a:cs typeface="+mn-cs"/>
+              </a:defRPr>
+            </a:lvl4pPr>
+            <a:lvl5pPr marL="1828800" algn="l" defTabSz="914400" rtl="0" eaLnBrk="1" latinLnBrk="0" hangingPunct="1">
+              <a:defRPr sz="1800" kern="1200">
+                <a:solidFill>
+                  <a:schemeClr val="tx1"/>
+                </a:solidFill>
+                <a:latin typeface="+mn-lt"/>
+                <a:ea typeface="+mn-ea"/>
+                <a:cs typeface="+mn-cs"/>
+              </a:defRPr>
+            </a:lvl5pPr>
+            <a:lvl6pPr marL="2286000" algn="l" defTabSz="914400" rtl="0" eaLnBrk="1" latinLnBrk="0" hangingPunct="1">
+              <a:defRPr sz="1800" kern="1200">
+                <a:solidFill>
+                  <a:schemeClr val="tx1"/>
+                </a:solidFill>
+                <a:latin typeface="+mn-lt"/>
+                <a:ea typeface="+mn-ea"/>
+                <a:cs typeface="+mn-cs"/>
+              </a:defRPr>
+            </a:lvl6pPr>
+            <a:lvl7pPr marL="2743200" algn="l" defTabSz="914400" rtl="0" eaLnBrk="1" latinLnBrk="0" hangingPunct="1">
+              <a:defRPr sz="1800" kern="1200">
+                <a:solidFill>
+                  <a:schemeClr val="tx1"/>
+                </a:solidFill>
+                <a:latin typeface="+mn-lt"/>
+                <a:ea typeface="+mn-ea"/>
+                <a:cs typeface="+mn-cs"/>
+              </a:defRPr>
+            </a:lvl7pPr>
+            <a:lvl8pPr marL="3200400" algn="l" defTabSz="914400" rtl="0" eaLnBrk="1" latinLnBrk="0" hangingPunct="1">
+              <a:defRPr sz="1800" kern="1200">
+                <a:solidFill>
+                  <a:schemeClr val="tx1"/>
+                </a:solidFill>
+                <a:latin typeface="+mn-lt"/>
+                <a:ea typeface="+mn-ea"/>
+                <a:cs typeface="+mn-cs"/>
+              </a:defRPr>
+            </a:lvl8pPr>
+            <a:lvl9pPr marL="3657600" algn="l" defTabSz="914400" rtl="0" eaLnBrk="1" latinLnBrk="0" hangingPunct="1">
+              <a:defRPr sz="1800" kern="1200">
+                <a:solidFill>
+                  <a:schemeClr val="tx1"/>
+                </a:solidFill>
+                <a:latin typeface="+mn-lt"/>
+                <a:ea typeface="+mn-ea"/>
+                <a:cs typeface="+mn-cs"/>
+              </a:defRPr>
+            </a:lvl9pPr>
+          </a:lstStyle>
+          <a:p>
+            <a:r>
+              <a:rPr lang="de-DE" dirty="0"/>
+              <a:t>/ 52</a:t>
+            </a:r>
+          </a:p>
+        </p:txBody>
+      </p:sp>
     </p:spTree>
     <p:extLst>
       <p:ext uri="{BB962C8B-B14F-4D97-AF65-F5344CB8AC3E}">
@@ -4119,6 +5261,165 @@
           </a:p>
         </p:txBody>
       </p:sp>
+      <p:sp>
+        <p:nvSpPr>
+          <p:cNvPr id="4" name="Foliennummernplatzhalter 3">
+            <a:extLst>
+              <a:ext uri="{FF2B5EF4-FFF2-40B4-BE49-F238E27FC236}">
+                <a16:creationId xmlns:a16="http://schemas.microsoft.com/office/drawing/2014/main" id="{CC3CC61B-E172-44F2-ABF9-FAAF2CFCB245}"/>
+              </a:ext>
+            </a:extLst>
+          </p:cNvPr>
+          <p:cNvSpPr>
+            <a:spLocks noGrp="1"/>
+          </p:cNvSpPr>
+          <p:nvPr>
+            <p:ph type="sldNum" sz="quarter" idx="12"/>
+          </p:nvPr>
+        </p:nvSpPr>
+        <p:spPr/>
+        <p:txBody>
+          <a:bodyPr/>
+          <a:lstStyle/>
+          <a:p>
+            <a:fld id="{DD108FB5-2533-4688-B3BC-A918F32943D9}" type="slidenum">
+              <a:rPr lang="de-DE" smtClean="0"/>
+              <a:t>13</a:t>
+            </a:fld>
+            <a:endParaRPr lang="de-DE"/>
+          </a:p>
+        </p:txBody>
+      </p:sp>
+      <p:sp>
+        <p:nvSpPr>
+          <p:cNvPr id="6" name="Foliennummernplatzhalter 1">
+            <a:extLst>
+              <a:ext uri="{FF2B5EF4-FFF2-40B4-BE49-F238E27FC236}">
+                <a16:creationId xmlns:a16="http://schemas.microsoft.com/office/drawing/2014/main" id="{CADC0643-4FA2-4BA6-AE7F-1AB80549AA55}"/>
+              </a:ext>
+            </a:extLst>
+          </p:cNvPr>
+          <p:cNvSpPr txBox="1">
+            <a:spLocks/>
+          </p:cNvSpPr>
+          <p:nvPr/>
+        </p:nvSpPr>
+        <p:spPr>
+          <a:xfrm>
+            <a:off x="8914923" y="6356349"/>
+            <a:ext cx="2743200" cy="365125"/>
+          </a:xfrm>
+          <a:prstGeom prst="rect">
+            <a:avLst/>
+          </a:prstGeom>
+        </p:spPr>
+        <p:txBody>
+          <a:bodyPr vert="horz" lIns="91440" tIns="45720" rIns="91440" bIns="45720" rtlCol="0" anchor="ctr"/>
+          <a:lstStyle>
+            <a:defPPr>
+              <a:defRPr lang="de-DE"/>
+            </a:defPPr>
+            <a:lvl1pPr marL="0" algn="r" defTabSz="914400" rtl="0" eaLnBrk="1" latinLnBrk="0" hangingPunct="1">
+              <a:defRPr sz="1200" kern="1200">
+                <a:solidFill>
+                  <a:schemeClr val="tx1">
+                    <a:tint val="75000"/>
+                  </a:schemeClr>
+                </a:solidFill>
+                <a:latin typeface="+mn-lt"/>
+                <a:ea typeface="+mn-ea"/>
+                <a:cs typeface="+mn-cs"/>
+              </a:defRPr>
+            </a:lvl1pPr>
+            <a:lvl2pPr marL="457200" algn="l" defTabSz="914400" rtl="0" eaLnBrk="1" latinLnBrk="0" hangingPunct="1">
+              <a:defRPr sz="1800" kern="1200">
+                <a:solidFill>
+                  <a:schemeClr val="tx1"/>
+                </a:solidFill>
+                <a:latin typeface="+mn-lt"/>
+                <a:ea typeface="+mn-ea"/>
+                <a:cs typeface="+mn-cs"/>
+              </a:defRPr>
+            </a:lvl2pPr>
+            <a:lvl3pPr marL="914400" algn="l" defTabSz="914400" rtl="0" eaLnBrk="1" latinLnBrk="0" hangingPunct="1">
+              <a:defRPr sz="1800" kern="1200">
+                <a:solidFill>
+                  <a:schemeClr val="tx1"/>
+                </a:solidFill>
+                <a:latin typeface="+mn-lt"/>
+                <a:ea typeface="+mn-ea"/>
+                <a:cs typeface="+mn-cs"/>
+              </a:defRPr>
+            </a:lvl3pPr>
+            <a:lvl4pPr marL="1371600" algn="l" defTabSz="914400" rtl="0" eaLnBrk="1" latinLnBrk="0" hangingPunct="1">
+              <a:defRPr sz="1800" kern="1200">
+                <a:solidFill>
+                  <a:schemeClr val="tx1"/>
+                </a:solidFill>
+                <a:latin typeface="+mn-lt"/>
+                <a:ea typeface="+mn-ea"/>
+                <a:cs typeface="+mn-cs"/>
+              </a:defRPr>
+            </a:lvl4pPr>
+            <a:lvl5pPr marL="1828800" algn="l" defTabSz="914400" rtl="0" eaLnBrk="1" latinLnBrk="0" hangingPunct="1">
+              <a:defRPr sz="1800" kern="1200">
+                <a:solidFill>
+                  <a:schemeClr val="tx1"/>
+                </a:solidFill>
+                <a:latin typeface="+mn-lt"/>
+                <a:ea typeface="+mn-ea"/>
+                <a:cs typeface="+mn-cs"/>
+              </a:defRPr>
+            </a:lvl5pPr>
+            <a:lvl6pPr marL="2286000" algn="l" defTabSz="914400" rtl="0" eaLnBrk="1" latinLnBrk="0" hangingPunct="1">
+              <a:defRPr sz="1800" kern="1200">
+                <a:solidFill>
+                  <a:schemeClr val="tx1"/>
+                </a:solidFill>
+                <a:latin typeface="+mn-lt"/>
+                <a:ea typeface="+mn-ea"/>
+                <a:cs typeface="+mn-cs"/>
+              </a:defRPr>
+            </a:lvl6pPr>
+            <a:lvl7pPr marL="2743200" algn="l" defTabSz="914400" rtl="0" eaLnBrk="1" latinLnBrk="0" hangingPunct="1">
+              <a:defRPr sz="1800" kern="1200">
+                <a:solidFill>
+                  <a:schemeClr val="tx1"/>
+                </a:solidFill>
+                <a:latin typeface="+mn-lt"/>
+                <a:ea typeface="+mn-ea"/>
+                <a:cs typeface="+mn-cs"/>
+              </a:defRPr>
+            </a:lvl7pPr>
+            <a:lvl8pPr marL="3200400" algn="l" defTabSz="914400" rtl="0" eaLnBrk="1" latinLnBrk="0" hangingPunct="1">
+              <a:defRPr sz="1800" kern="1200">
+                <a:solidFill>
+                  <a:schemeClr val="tx1"/>
+                </a:solidFill>
+                <a:latin typeface="+mn-lt"/>
+                <a:ea typeface="+mn-ea"/>
+                <a:cs typeface="+mn-cs"/>
+              </a:defRPr>
+            </a:lvl8pPr>
+            <a:lvl9pPr marL="3657600" algn="l" defTabSz="914400" rtl="0" eaLnBrk="1" latinLnBrk="0" hangingPunct="1">
+              <a:defRPr sz="1800" kern="1200">
+                <a:solidFill>
+                  <a:schemeClr val="tx1"/>
+                </a:solidFill>
+                <a:latin typeface="+mn-lt"/>
+                <a:ea typeface="+mn-ea"/>
+                <a:cs typeface="+mn-cs"/>
+              </a:defRPr>
+            </a:lvl9pPr>
+          </a:lstStyle>
+          <a:p>
+            <a:r>
+              <a:rPr lang="de-DE" dirty="0"/>
+              <a:t>/ 52</a:t>
+            </a:r>
+          </a:p>
+        </p:txBody>
+      </p:sp>
     </p:spTree>
     <p:extLst>
       <p:ext uri="{BB962C8B-B14F-4D97-AF65-F5344CB8AC3E}">
@@ -4256,6 +5557,165 @@
           </a:p>
         </p:txBody>
       </p:sp>
+      <p:sp>
+        <p:nvSpPr>
+          <p:cNvPr id="4" name="Foliennummernplatzhalter 3">
+            <a:extLst>
+              <a:ext uri="{FF2B5EF4-FFF2-40B4-BE49-F238E27FC236}">
+                <a16:creationId xmlns:a16="http://schemas.microsoft.com/office/drawing/2014/main" id="{EC1822F5-6ABE-4E9B-957A-C5E32A5530D5}"/>
+              </a:ext>
+            </a:extLst>
+          </p:cNvPr>
+          <p:cNvSpPr>
+            <a:spLocks noGrp="1"/>
+          </p:cNvSpPr>
+          <p:nvPr>
+            <p:ph type="sldNum" sz="quarter" idx="12"/>
+          </p:nvPr>
+        </p:nvSpPr>
+        <p:spPr/>
+        <p:txBody>
+          <a:bodyPr/>
+          <a:lstStyle/>
+          <a:p>
+            <a:fld id="{DD108FB5-2533-4688-B3BC-A918F32943D9}" type="slidenum">
+              <a:rPr lang="de-DE" smtClean="0"/>
+              <a:t>14</a:t>
+            </a:fld>
+            <a:endParaRPr lang="de-DE"/>
+          </a:p>
+        </p:txBody>
+      </p:sp>
+      <p:sp>
+        <p:nvSpPr>
+          <p:cNvPr id="6" name="Foliennummernplatzhalter 1">
+            <a:extLst>
+              <a:ext uri="{FF2B5EF4-FFF2-40B4-BE49-F238E27FC236}">
+                <a16:creationId xmlns:a16="http://schemas.microsoft.com/office/drawing/2014/main" id="{E4FE34CB-DB30-4658-88D6-3ACE78B1A0F9}"/>
+              </a:ext>
+            </a:extLst>
+          </p:cNvPr>
+          <p:cNvSpPr txBox="1">
+            <a:spLocks/>
+          </p:cNvSpPr>
+          <p:nvPr/>
+        </p:nvSpPr>
+        <p:spPr>
+          <a:xfrm>
+            <a:off x="8914923" y="6356349"/>
+            <a:ext cx="2743200" cy="365125"/>
+          </a:xfrm>
+          <a:prstGeom prst="rect">
+            <a:avLst/>
+          </a:prstGeom>
+        </p:spPr>
+        <p:txBody>
+          <a:bodyPr vert="horz" lIns="91440" tIns="45720" rIns="91440" bIns="45720" rtlCol="0" anchor="ctr"/>
+          <a:lstStyle>
+            <a:defPPr>
+              <a:defRPr lang="de-DE"/>
+            </a:defPPr>
+            <a:lvl1pPr marL="0" algn="r" defTabSz="914400" rtl="0" eaLnBrk="1" latinLnBrk="0" hangingPunct="1">
+              <a:defRPr sz="1200" kern="1200">
+                <a:solidFill>
+                  <a:schemeClr val="tx1">
+                    <a:tint val="75000"/>
+                  </a:schemeClr>
+                </a:solidFill>
+                <a:latin typeface="+mn-lt"/>
+                <a:ea typeface="+mn-ea"/>
+                <a:cs typeface="+mn-cs"/>
+              </a:defRPr>
+            </a:lvl1pPr>
+            <a:lvl2pPr marL="457200" algn="l" defTabSz="914400" rtl="0" eaLnBrk="1" latinLnBrk="0" hangingPunct="1">
+              <a:defRPr sz="1800" kern="1200">
+                <a:solidFill>
+                  <a:schemeClr val="tx1"/>
+                </a:solidFill>
+                <a:latin typeface="+mn-lt"/>
+                <a:ea typeface="+mn-ea"/>
+                <a:cs typeface="+mn-cs"/>
+              </a:defRPr>
+            </a:lvl2pPr>
+            <a:lvl3pPr marL="914400" algn="l" defTabSz="914400" rtl="0" eaLnBrk="1" latinLnBrk="0" hangingPunct="1">
+              <a:defRPr sz="1800" kern="1200">
+                <a:solidFill>
+                  <a:schemeClr val="tx1"/>
+                </a:solidFill>
+                <a:latin typeface="+mn-lt"/>
+                <a:ea typeface="+mn-ea"/>
+                <a:cs typeface="+mn-cs"/>
+              </a:defRPr>
+            </a:lvl3pPr>
+            <a:lvl4pPr marL="1371600" algn="l" defTabSz="914400" rtl="0" eaLnBrk="1" latinLnBrk="0" hangingPunct="1">
+              <a:defRPr sz="1800" kern="1200">
+                <a:solidFill>
+                  <a:schemeClr val="tx1"/>
+                </a:solidFill>
+                <a:latin typeface="+mn-lt"/>
+                <a:ea typeface="+mn-ea"/>
+                <a:cs typeface="+mn-cs"/>
+              </a:defRPr>
+            </a:lvl4pPr>
+            <a:lvl5pPr marL="1828800" algn="l" defTabSz="914400" rtl="0" eaLnBrk="1" latinLnBrk="0" hangingPunct="1">
+              <a:defRPr sz="1800" kern="1200">
+                <a:solidFill>
+                  <a:schemeClr val="tx1"/>
+                </a:solidFill>
+                <a:latin typeface="+mn-lt"/>
+                <a:ea typeface="+mn-ea"/>
+                <a:cs typeface="+mn-cs"/>
+              </a:defRPr>
+            </a:lvl5pPr>
+            <a:lvl6pPr marL="2286000" algn="l" defTabSz="914400" rtl="0" eaLnBrk="1" latinLnBrk="0" hangingPunct="1">
+              <a:defRPr sz="1800" kern="1200">
+                <a:solidFill>
+                  <a:schemeClr val="tx1"/>
+                </a:solidFill>
+                <a:latin typeface="+mn-lt"/>
+                <a:ea typeface="+mn-ea"/>
+                <a:cs typeface="+mn-cs"/>
+              </a:defRPr>
+            </a:lvl6pPr>
+            <a:lvl7pPr marL="2743200" algn="l" defTabSz="914400" rtl="0" eaLnBrk="1" latinLnBrk="0" hangingPunct="1">
+              <a:defRPr sz="1800" kern="1200">
+                <a:solidFill>
+                  <a:schemeClr val="tx1"/>
+                </a:solidFill>
+                <a:latin typeface="+mn-lt"/>
+                <a:ea typeface="+mn-ea"/>
+                <a:cs typeface="+mn-cs"/>
+              </a:defRPr>
+            </a:lvl7pPr>
+            <a:lvl8pPr marL="3200400" algn="l" defTabSz="914400" rtl="0" eaLnBrk="1" latinLnBrk="0" hangingPunct="1">
+              <a:defRPr sz="1800" kern="1200">
+                <a:solidFill>
+                  <a:schemeClr val="tx1"/>
+                </a:solidFill>
+                <a:latin typeface="+mn-lt"/>
+                <a:ea typeface="+mn-ea"/>
+                <a:cs typeface="+mn-cs"/>
+              </a:defRPr>
+            </a:lvl8pPr>
+            <a:lvl9pPr marL="3657600" algn="l" defTabSz="914400" rtl="0" eaLnBrk="1" latinLnBrk="0" hangingPunct="1">
+              <a:defRPr sz="1800" kern="1200">
+                <a:solidFill>
+                  <a:schemeClr val="tx1"/>
+                </a:solidFill>
+                <a:latin typeface="+mn-lt"/>
+                <a:ea typeface="+mn-ea"/>
+                <a:cs typeface="+mn-cs"/>
+              </a:defRPr>
+            </a:lvl9pPr>
+          </a:lstStyle>
+          <a:p>
+            <a:r>
+              <a:rPr lang="de-DE" dirty="0"/>
+              <a:t>/ 52</a:t>
+            </a:r>
+          </a:p>
+        </p:txBody>
+      </p:sp>
     </p:spTree>
     <p:extLst>
       <p:ext uri="{BB962C8B-B14F-4D97-AF65-F5344CB8AC3E}">
@@ -4395,6 +5855,165 @@
           </a:p>
         </p:txBody>
       </p:sp>
+      <p:sp>
+        <p:nvSpPr>
+          <p:cNvPr id="4" name="Foliennummernplatzhalter 3">
+            <a:extLst>
+              <a:ext uri="{FF2B5EF4-FFF2-40B4-BE49-F238E27FC236}">
+                <a16:creationId xmlns:a16="http://schemas.microsoft.com/office/drawing/2014/main" id="{7767E81F-A301-4CA7-A329-7D3595EFDCC7}"/>
+              </a:ext>
+            </a:extLst>
+          </p:cNvPr>
+          <p:cNvSpPr>
+            <a:spLocks noGrp="1"/>
+          </p:cNvSpPr>
+          <p:nvPr>
+            <p:ph type="sldNum" sz="quarter" idx="12"/>
+          </p:nvPr>
+        </p:nvSpPr>
+        <p:spPr/>
+        <p:txBody>
+          <a:bodyPr/>
+          <a:lstStyle/>
+          <a:p>
+            <a:fld id="{DD108FB5-2533-4688-B3BC-A918F32943D9}" type="slidenum">
+              <a:rPr lang="de-DE" smtClean="0"/>
+              <a:t>15</a:t>
+            </a:fld>
+            <a:endParaRPr lang="de-DE"/>
+          </a:p>
+        </p:txBody>
+      </p:sp>
+      <p:sp>
+        <p:nvSpPr>
+          <p:cNvPr id="6" name="Foliennummernplatzhalter 1">
+            <a:extLst>
+              <a:ext uri="{FF2B5EF4-FFF2-40B4-BE49-F238E27FC236}">
+                <a16:creationId xmlns:a16="http://schemas.microsoft.com/office/drawing/2014/main" id="{27C226E1-02DE-4305-A3C0-30E5F67958FD}"/>
+              </a:ext>
+            </a:extLst>
+          </p:cNvPr>
+          <p:cNvSpPr txBox="1">
+            <a:spLocks/>
+          </p:cNvSpPr>
+          <p:nvPr/>
+        </p:nvSpPr>
+        <p:spPr>
+          <a:xfrm>
+            <a:off x="8914923" y="6356349"/>
+            <a:ext cx="2743200" cy="365125"/>
+          </a:xfrm>
+          <a:prstGeom prst="rect">
+            <a:avLst/>
+          </a:prstGeom>
+        </p:spPr>
+        <p:txBody>
+          <a:bodyPr vert="horz" lIns="91440" tIns="45720" rIns="91440" bIns="45720" rtlCol="0" anchor="ctr"/>
+          <a:lstStyle>
+            <a:defPPr>
+              <a:defRPr lang="de-DE"/>
+            </a:defPPr>
+            <a:lvl1pPr marL="0" algn="r" defTabSz="914400" rtl="0" eaLnBrk="1" latinLnBrk="0" hangingPunct="1">
+              <a:defRPr sz="1200" kern="1200">
+                <a:solidFill>
+                  <a:schemeClr val="tx1">
+                    <a:tint val="75000"/>
+                  </a:schemeClr>
+                </a:solidFill>
+                <a:latin typeface="+mn-lt"/>
+                <a:ea typeface="+mn-ea"/>
+                <a:cs typeface="+mn-cs"/>
+              </a:defRPr>
+            </a:lvl1pPr>
+            <a:lvl2pPr marL="457200" algn="l" defTabSz="914400" rtl="0" eaLnBrk="1" latinLnBrk="0" hangingPunct="1">
+              <a:defRPr sz="1800" kern="1200">
+                <a:solidFill>
+                  <a:schemeClr val="tx1"/>
+                </a:solidFill>
+                <a:latin typeface="+mn-lt"/>
+                <a:ea typeface="+mn-ea"/>
+                <a:cs typeface="+mn-cs"/>
+              </a:defRPr>
+            </a:lvl2pPr>
+            <a:lvl3pPr marL="914400" algn="l" defTabSz="914400" rtl="0" eaLnBrk="1" latinLnBrk="0" hangingPunct="1">
+              <a:defRPr sz="1800" kern="1200">
+                <a:solidFill>
+                  <a:schemeClr val="tx1"/>
+                </a:solidFill>
+                <a:latin typeface="+mn-lt"/>
+                <a:ea typeface="+mn-ea"/>
+                <a:cs typeface="+mn-cs"/>
+              </a:defRPr>
+            </a:lvl3pPr>
+            <a:lvl4pPr marL="1371600" algn="l" defTabSz="914400" rtl="0" eaLnBrk="1" latinLnBrk="0" hangingPunct="1">
+              <a:defRPr sz="1800" kern="1200">
+                <a:solidFill>
+                  <a:schemeClr val="tx1"/>
+                </a:solidFill>
+                <a:latin typeface="+mn-lt"/>
+                <a:ea typeface="+mn-ea"/>
+                <a:cs typeface="+mn-cs"/>
+              </a:defRPr>
+            </a:lvl4pPr>
+            <a:lvl5pPr marL="1828800" algn="l" defTabSz="914400" rtl="0" eaLnBrk="1" latinLnBrk="0" hangingPunct="1">
+              <a:defRPr sz="1800" kern="1200">
+                <a:solidFill>
+                  <a:schemeClr val="tx1"/>
+                </a:solidFill>
+                <a:latin typeface="+mn-lt"/>
+                <a:ea typeface="+mn-ea"/>
+                <a:cs typeface="+mn-cs"/>
+              </a:defRPr>
+            </a:lvl5pPr>
+            <a:lvl6pPr marL="2286000" algn="l" defTabSz="914400" rtl="0" eaLnBrk="1" latinLnBrk="0" hangingPunct="1">
+              <a:defRPr sz="1800" kern="1200">
+                <a:solidFill>
+                  <a:schemeClr val="tx1"/>
+                </a:solidFill>
+                <a:latin typeface="+mn-lt"/>
+                <a:ea typeface="+mn-ea"/>
+                <a:cs typeface="+mn-cs"/>
+              </a:defRPr>
+            </a:lvl6pPr>
+            <a:lvl7pPr marL="2743200" algn="l" defTabSz="914400" rtl="0" eaLnBrk="1" latinLnBrk="0" hangingPunct="1">
+              <a:defRPr sz="1800" kern="1200">
+                <a:solidFill>
+                  <a:schemeClr val="tx1"/>
+                </a:solidFill>
+                <a:latin typeface="+mn-lt"/>
+                <a:ea typeface="+mn-ea"/>
+                <a:cs typeface="+mn-cs"/>
+              </a:defRPr>
+            </a:lvl7pPr>
+            <a:lvl8pPr marL="3200400" algn="l" defTabSz="914400" rtl="0" eaLnBrk="1" latinLnBrk="0" hangingPunct="1">
+              <a:defRPr sz="1800" kern="1200">
+                <a:solidFill>
+                  <a:schemeClr val="tx1"/>
+                </a:solidFill>
+                <a:latin typeface="+mn-lt"/>
+                <a:ea typeface="+mn-ea"/>
+                <a:cs typeface="+mn-cs"/>
+              </a:defRPr>
+            </a:lvl8pPr>
+            <a:lvl9pPr marL="3657600" algn="l" defTabSz="914400" rtl="0" eaLnBrk="1" latinLnBrk="0" hangingPunct="1">
+              <a:defRPr sz="1800" kern="1200">
+                <a:solidFill>
+                  <a:schemeClr val="tx1"/>
+                </a:solidFill>
+                <a:latin typeface="+mn-lt"/>
+                <a:ea typeface="+mn-ea"/>
+                <a:cs typeface="+mn-cs"/>
+              </a:defRPr>
+            </a:lvl9pPr>
+          </a:lstStyle>
+          <a:p>
+            <a:r>
+              <a:rPr lang="de-DE" dirty="0"/>
+              <a:t>/ 52</a:t>
+            </a:r>
+          </a:p>
+        </p:txBody>
+      </p:sp>
     </p:spTree>
     <p:extLst>
       <p:ext uri="{BB962C8B-B14F-4D97-AF65-F5344CB8AC3E}">
@@ -4516,6 +6135,165 @@
           </a:p>
         </p:txBody>
       </p:sp>
+      <p:sp>
+        <p:nvSpPr>
+          <p:cNvPr id="4" name="Foliennummernplatzhalter 3">
+            <a:extLst>
+              <a:ext uri="{FF2B5EF4-FFF2-40B4-BE49-F238E27FC236}">
+                <a16:creationId xmlns:a16="http://schemas.microsoft.com/office/drawing/2014/main" id="{D1E71A25-2288-4001-B77D-8180E841AAA2}"/>
+              </a:ext>
+            </a:extLst>
+          </p:cNvPr>
+          <p:cNvSpPr>
+            <a:spLocks noGrp="1"/>
+          </p:cNvSpPr>
+          <p:nvPr>
+            <p:ph type="sldNum" sz="quarter" idx="12"/>
+          </p:nvPr>
+        </p:nvSpPr>
+        <p:spPr/>
+        <p:txBody>
+          <a:bodyPr/>
+          <a:lstStyle/>
+          <a:p>
+            <a:fld id="{DD108FB5-2533-4688-B3BC-A918F32943D9}" type="slidenum">
+              <a:rPr lang="de-DE" smtClean="0"/>
+              <a:t>16</a:t>
+            </a:fld>
+            <a:endParaRPr lang="de-DE"/>
+          </a:p>
+        </p:txBody>
+      </p:sp>
+      <p:sp>
+        <p:nvSpPr>
+          <p:cNvPr id="6" name="Foliennummernplatzhalter 1">
+            <a:extLst>
+              <a:ext uri="{FF2B5EF4-FFF2-40B4-BE49-F238E27FC236}">
+                <a16:creationId xmlns:a16="http://schemas.microsoft.com/office/drawing/2014/main" id="{4E4984C0-9DE6-4B5C-BFB9-2C13F0A792C8}"/>
+              </a:ext>
+            </a:extLst>
+          </p:cNvPr>
+          <p:cNvSpPr txBox="1">
+            <a:spLocks/>
+          </p:cNvSpPr>
+          <p:nvPr/>
+        </p:nvSpPr>
+        <p:spPr>
+          <a:xfrm>
+            <a:off x="8914923" y="6356349"/>
+            <a:ext cx="2743200" cy="365125"/>
+          </a:xfrm>
+          <a:prstGeom prst="rect">
+            <a:avLst/>
+          </a:prstGeom>
+        </p:spPr>
+        <p:txBody>
+          <a:bodyPr vert="horz" lIns="91440" tIns="45720" rIns="91440" bIns="45720" rtlCol="0" anchor="ctr"/>
+          <a:lstStyle>
+            <a:defPPr>
+              <a:defRPr lang="de-DE"/>
+            </a:defPPr>
+            <a:lvl1pPr marL="0" algn="r" defTabSz="914400" rtl="0" eaLnBrk="1" latinLnBrk="0" hangingPunct="1">
+              <a:defRPr sz="1200" kern="1200">
+                <a:solidFill>
+                  <a:schemeClr val="tx1">
+                    <a:tint val="75000"/>
+                  </a:schemeClr>
+                </a:solidFill>
+                <a:latin typeface="+mn-lt"/>
+                <a:ea typeface="+mn-ea"/>
+                <a:cs typeface="+mn-cs"/>
+              </a:defRPr>
+            </a:lvl1pPr>
+            <a:lvl2pPr marL="457200" algn="l" defTabSz="914400" rtl="0" eaLnBrk="1" latinLnBrk="0" hangingPunct="1">
+              <a:defRPr sz="1800" kern="1200">
+                <a:solidFill>
+                  <a:schemeClr val="tx1"/>
+                </a:solidFill>
+                <a:latin typeface="+mn-lt"/>
+                <a:ea typeface="+mn-ea"/>
+                <a:cs typeface="+mn-cs"/>
+              </a:defRPr>
+            </a:lvl2pPr>
+            <a:lvl3pPr marL="914400" algn="l" defTabSz="914400" rtl="0" eaLnBrk="1" latinLnBrk="0" hangingPunct="1">
+              <a:defRPr sz="1800" kern="1200">
+                <a:solidFill>
+                  <a:schemeClr val="tx1"/>
+                </a:solidFill>
+                <a:latin typeface="+mn-lt"/>
+                <a:ea typeface="+mn-ea"/>
+                <a:cs typeface="+mn-cs"/>
+              </a:defRPr>
+            </a:lvl3pPr>
+            <a:lvl4pPr marL="1371600" algn="l" defTabSz="914400" rtl="0" eaLnBrk="1" latinLnBrk="0" hangingPunct="1">
+              <a:defRPr sz="1800" kern="1200">
+                <a:solidFill>
+                  <a:schemeClr val="tx1"/>
+                </a:solidFill>
+                <a:latin typeface="+mn-lt"/>
+                <a:ea typeface="+mn-ea"/>
+                <a:cs typeface="+mn-cs"/>
+              </a:defRPr>
+            </a:lvl4pPr>
+            <a:lvl5pPr marL="1828800" algn="l" defTabSz="914400" rtl="0" eaLnBrk="1" latinLnBrk="0" hangingPunct="1">
+              <a:defRPr sz="1800" kern="1200">
+                <a:solidFill>
+                  <a:schemeClr val="tx1"/>
+                </a:solidFill>
+                <a:latin typeface="+mn-lt"/>
+                <a:ea typeface="+mn-ea"/>
+                <a:cs typeface="+mn-cs"/>
+              </a:defRPr>
+            </a:lvl5pPr>
+            <a:lvl6pPr marL="2286000" algn="l" defTabSz="914400" rtl="0" eaLnBrk="1" latinLnBrk="0" hangingPunct="1">
+              <a:defRPr sz="1800" kern="1200">
+                <a:solidFill>
+                  <a:schemeClr val="tx1"/>
+                </a:solidFill>
+                <a:latin typeface="+mn-lt"/>
+                <a:ea typeface="+mn-ea"/>
+                <a:cs typeface="+mn-cs"/>
+              </a:defRPr>
+            </a:lvl6pPr>
+            <a:lvl7pPr marL="2743200" algn="l" defTabSz="914400" rtl="0" eaLnBrk="1" latinLnBrk="0" hangingPunct="1">
+              <a:defRPr sz="1800" kern="1200">
+                <a:solidFill>
+                  <a:schemeClr val="tx1"/>
+                </a:solidFill>
+                <a:latin typeface="+mn-lt"/>
+                <a:ea typeface="+mn-ea"/>
+                <a:cs typeface="+mn-cs"/>
+              </a:defRPr>
+            </a:lvl7pPr>
+            <a:lvl8pPr marL="3200400" algn="l" defTabSz="914400" rtl="0" eaLnBrk="1" latinLnBrk="0" hangingPunct="1">
+              <a:defRPr sz="1800" kern="1200">
+                <a:solidFill>
+                  <a:schemeClr val="tx1"/>
+                </a:solidFill>
+                <a:latin typeface="+mn-lt"/>
+                <a:ea typeface="+mn-ea"/>
+                <a:cs typeface="+mn-cs"/>
+              </a:defRPr>
+            </a:lvl8pPr>
+            <a:lvl9pPr marL="3657600" algn="l" defTabSz="914400" rtl="0" eaLnBrk="1" latinLnBrk="0" hangingPunct="1">
+              <a:defRPr sz="1800" kern="1200">
+                <a:solidFill>
+                  <a:schemeClr val="tx1"/>
+                </a:solidFill>
+                <a:latin typeface="+mn-lt"/>
+                <a:ea typeface="+mn-ea"/>
+                <a:cs typeface="+mn-cs"/>
+              </a:defRPr>
+            </a:lvl9pPr>
+          </a:lstStyle>
+          <a:p>
+            <a:r>
+              <a:rPr lang="de-DE" dirty="0"/>
+              <a:t>/ 52</a:t>
+            </a:r>
+          </a:p>
+        </p:txBody>
+      </p:sp>
     </p:spTree>
     <p:extLst>
       <p:ext uri="{BB962C8B-B14F-4D97-AF65-F5344CB8AC3E}">
@@ -4648,6 +6426,165 @@
           </a:p>
         </p:txBody>
       </p:sp>
+      <p:sp>
+        <p:nvSpPr>
+          <p:cNvPr id="4" name="Foliennummernplatzhalter 3">
+            <a:extLst>
+              <a:ext uri="{FF2B5EF4-FFF2-40B4-BE49-F238E27FC236}">
+                <a16:creationId xmlns:a16="http://schemas.microsoft.com/office/drawing/2014/main" id="{696CF5B0-B2DC-4B80-B01D-8C77A7FAE245}"/>
+              </a:ext>
+            </a:extLst>
+          </p:cNvPr>
+          <p:cNvSpPr>
+            <a:spLocks noGrp="1"/>
+          </p:cNvSpPr>
+          <p:nvPr>
+            <p:ph type="sldNum" sz="quarter" idx="12"/>
+          </p:nvPr>
+        </p:nvSpPr>
+        <p:spPr/>
+        <p:txBody>
+          <a:bodyPr/>
+          <a:lstStyle/>
+          <a:p>
+            <a:fld id="{DD108FB5-2533-4688-B3BC-A918F32943D9}" type="slidenum">
+              <a:rPr lang="de-DE" smtClean="0"/>
+              <a:t>17</a:t>
+            </a:fld>
+            <a:endParaRPr lang="de-DE"/>
+          </a:p>
+        </p:txBody>
+      </p:sp>
+      <p:sp>
+        <p:nvSpPr>
+          <p:cNvPr id="6" name="Foliennummernplatzhalter 1">
+            <a:extLst>
+              <a:ext uri="{FF2B5EF4-FFF2-40B4-BE49-F238E27FC236}">
+                <a16:creationId xmlns:a16="http://schemas.microsoft.com/office/drawing/2014/main" id="{A4E14B52-3A6E-46D2-9520-AE1F78E43717}"/>
+              </a:ext>
+            </a:extLst>
+          </p:cNvPr>
+          <p:cNvSpPr txBox="1">
+            <a:spLocks/>
+          </p:cNvSpPr>
+          <p:nvPr/>
+        </p:nvSpPr>
+        <p:spPr>
+          <a:xfrm>
+            <a:off x="8914923" y="6356349"/>
+            <a:ext cx="2743200" cy="365125"/>
+          </a:xfrm>
+          <a:prstGeom prst="rect">
+            <a:avLst/>
+          </a:prstGeom>
+        </p:spPr>
+        <p:txBody>
+          <a:bodyPr vert="horz" lIns="91440" tIns="45720" rIns="91440" bIns="45720" rtlCol="0" anchor="ctr"/>
+          <a:lstStyle>
+            <a:defPPr>
+              <a:defRPr lang="de-DE"/>
+            </a:defPPr>
+            <a:lvl1pPr marL="0" algn="r" defTabSz="914400" rtl="0" eaLnBrk="1" latinLnBrk="0" hangingPunct="1">
+              <a:defRPr sz="1200" kern="1200">
+                <a:solidFill>
+                  <a:schemeClr val="tx1">
+                    <a:tint val="75000"/>
+                  </a:schemeClr>
+                </a:solidFill>
+                <a:latin typeface="+mn-lt"/>
+                <a:ea typeface="+mn-ea"/>
+                <a:cs typeface="+mn-cs"/>
+              </a:defRPr>
+            </a:lvl1pPr>
+            <a:lvl2pPr marL="457200" algn="l" defTabSz="914400" rtl="0" eaLnBrk="1" latinLnBrk="0" hangingPunct="1">
+              <a:defRPr sz="1800" kern="1200">
+                <a:solidFill>
+                  <a:schemeClr val="tx1"/>
+                </a:solidFill>
+                <a:latin typeface="+mn-lt"/>
+                <a:ea typeface="+mn-ea"/>
+                <a:cs typeface="+mn-cs"/>
+              </a:defRPr>
+            </a:lvl2pPr>
+            <a:lvl3pPr marL="914400" algn="l" defTabSz="914400" rtl="0" eaLnBrk="1" latinLnBrk="0" hangingPunct="1">
+              <a:defRPr sz="1800" kern="1200">
+                <a:solidFill>
+                  <a:schemeClr val="tx1"/>
+                </a:solidFill>
+                <a:latin typeface="+mn-lt"/>
+                <a:ea typeface="+mn-ea"/>
+                <a:cs typeface="+mn-cs"/>
+              </a:defRPr>
+            </a:lvl3pPr>
+            <a:lvl4pPr marL="1371600" algn="l" defTabSz="914400" rtl="0" eaLnBrk="1" latinLnBrk="0" hangingPunct="1">
+              <a:defRPr sz="1800" kern="1200">
+                <a:solidFill>
+                  <a:schemeClr val="tx1"/>
+                </a:solidFill>
+                <a:latin typeface="+mn-lt"/>
+                <a:ea typeface="+mn-ea"/>
+                <a:cs typeface="+mn-cs"/>
+              </a:defRPr>
+            </a:lvl4pPr>
+            <a:lvl5pPr marL="1828800" algn="l" defTabSz="914400" rtl="0" eaLnBrk="1" latinLnBrk="0" hangingPunct="1">
+              <a:defRPr sz="1800" kern="1200">
+                <a:solidFill>
+                  <a:schemeClr val="tx1"/>
+                </a:solidFill>
+                <a:latin typeface="+mn-lt"/>
+                <a:ea typeface="+mn-ea"/>
+                <a:cs typeface="+mn-cs"/>
+              </a:defRPr>
+            </a:lvl5pPr>
+            <a:lvl6pPr marL="2286000" algn="l" defTabSz="914400" rtl="0" eaLnBrk="1" latinLnBrk="0" hangingPunct="1">
+              <a:defRPr sz="1800" kern="1200">
+                <a:solidFill>
+                  <a:schemeClr val="tx1"/>
+                </a:solidFill>
+                <a:latin typeface="+mn-lt"/>
+                <a:ea typeface="+mn-ea"/>
+                <a:cs typeface="+mn-cs"/>
+              </a:defRPr>
+            </a:lvl6pPr>
+            <a:lvl7pPr marL="2743200" algn="l" defTabSz="914400" rtl="0" eaLnBrk="1" latinLnBrk="0" hangingPunct="1">
+              <a:defRPr sz="1800" kern="1200">
+                <a:solidFill>
+                  <a:schemeClr val="tx1"/>
+                </a:solidFill>
+                <a:latin typeface="+mn-lt"/>
+                <a:ea typeface="+mn-ea"/>
+                <a:cs typeface="+mn-cs"/>
+              </a:defRPr>
+            </a:lvl7pPr>
+            <a:lvl8pPr marL="3200400" algn="l" defTabSz="914400" rtl="0" eaLnBrk="1" latinLnBrk="0" hangingPunct="1">
+              <a:defRPr sz="1800" kern="1200">
+                <a:solidFill>
+                  <a:schemeClr val="tx1"/>
+                </a:solidFill>
+                <a:latin typeface="+mn-lt"/>
+                <a:ea typeface="+mn-ea"/>
+                <a:cs typeface="+mn-cs"/>
+              </a:defRPr>
+            </a:lvl8pPr>
+            <a:lvl9pPr marL="3657600" algn="l" defTabSz="914400" rtl="0" eaLnBrk="1" latinLnBrk="0" hangingPunct="1">
+              <a:defRPr sz="1800" kern="1200">
+                <a:solidFill>
+                  <a:schemeClr val="tx1"/>
+                </a:solidFill>
+                <a:latin typeface="+mn-lt"/>
+                <a:ea typeface="+mn-ea"/>
+                <a:cs typeface="+mn-cs"/>
+              </a:defRPr>
+            </a:lvl9pPr>
+          </a:lstStyle>
+          <a:p>
+            <a:r>
+              <a:rPr lang="de-DE" dirty="0"/>
+              <a:t>/ 52</a:t>
+            </a:r>
+          </a:p>
+        </p:txBody>
+      </p:sp>
     </p:spTree>
     <p:extLst>
       <p:ext uri="{BB962C8B-B14F-4D97-AF65-F5344CB8AC3E}">
@@ -4790,6 +6727,165 @@
           </a:p>
         </p:txBody>
       </p:sp>
+      <p:sp>
+        <p:nvSpPr>
+          <p:cNvPr id="4" name="Foliennummernplatzhalter 3">
+            <a:extLst>
+              <a:ext uri="{FF2B5EF4-FFF2-40B4-BE49-F238E27FC236}">
+                <a16:creationId xmlns:a16="http://schemas.microsoft.com/office/drawing/2014/main" id="{D1243670-87BF-489F-ACC5-8768BD30C9E4}"/>
+              </a:ext>
+            </a:extLst>
+          </p:cNvPr>
+          <p:cNvSpPr>
+            <a:spLocks noGrp="1"/>
+          </p:cNvSpPr>
+          <p:nvPr>
+            <p:ph type="sldNum" sz="quarter" idx="12"/>
+          </p:nvPr>
+        </p:nvSpPr>
+        <p:spPr/>
+        <p:txBody>
+          <a:bodyPr/>
+          <a:lstStyle/>
+          <a:p>
+            <a:fld id="{DD108FB5-2533-4688-B3BC-A918F32943D9}" type="slidenum">
+              <a:rPr lang="de-DE" smtClean="0"/>
+              <a:t>18</a:t>
+            </a:fld>
+            <a:endParaRPr lang="de-DE"/>
+          </a:p>
+        </p:txBody>
+      </p:sp>
+      <p:sp>
+        <p:nvSpPr>
+          <p:cNvPr id="6" name="Foliennummernplatzhalter 1">
+            <a:extLst>
+              <a:ext uri="{FF2B5EF4-FFF2-40B4-BE49-F238E27FC236}">
+                <a16:creationId xmlns:a16="http://schemas.microsoft.com/office/drawing/2014/main" id="{B6C27DA0-7C76-4413-AC46-A84E5E16880F}"/>
+              </a:ext>
+            </a:extLst>
+          </p:cNvPr>
+          <p:cNvSpPr txBox="1">
+            <a:spLocks/>
+          </p:cNvSpPr>
+          <p:nvPr/>
+        </p:nvSpPr>
+        <p:spPr>
+          <a:xfrm>
+            <a:off x="8914923" y="6356349"/>
+            <a:ext cx="2743200" cy="365125"/>
+          </a:xfrm>
+          <a:prstGeom prst="rect">
+            <a:avLst/>
+          </a:prstGeom>
+        </p:spPr>
+        <p:txBody>
+          <a:bodyPr vert="horz" lIns="91440" tIns="45720" rIns="91440" bIns="45720" rtlCol="0" anchor="ctr"/>
+          <a:lstStyle>
+            <a:defPPr>
+              <a:defRPr lang="de-DE"/>
+            </a:defPPr>
+            <a:lvl1pPr marL="0" algn="r" defTabSz="914400" rtl="0" eaLnBrk="1" latinLnBrk="0" hangingPunct="1">
+              <a:defRPr sz="1200" kern="1200">
+                <a:solidFill>
+                  <a:schemeClr val="tx1">
+                    <a:tint val="75000"/>
+                  </a:schemeClr>
+                </a:solidFill>
+                <a:latin typeface="+mn-lt"/>
+                <a:ea typeface="+mn-ea"/>
+                <a:cs typeface="+mn-cs"/>
+              </a:defRPr>
+            </a:lvl1pPr>
+            <a:lvl2pPr marL="457200" algn="l" defTabSz="914400" rtl="0" eaLnBrk="1" latinLnBrk="0" hangingPunct="1">
+              <a:defRPr sz="1800" kern="1200">
+                <a:solidFill>
+                  <a:schemeClr val="tx1"/>
+                </a:solidFill>
+                <a:latin typeface="+mn-lt"/>
+                <a:ea typeface="+mn-ea"/>
+                <a:cs typeface="+mn-cs"/>
+              </a:defRPr>
+            </a:lvl2pPr>
+            <a:lvl3pPr marL="914400" algn="l" defTabSz="914400" rtl="0" eaLnBrk="1" latinLnBrk="0" hangingPunct="1">
+              <a:defRPr sz="1800" kern="1200">
+                <a:solidFill>
+                  <a:schemeClr val="tx1"/>
+                </a:solidFill>
+                <a:latin typeface="+mn-lt"/>
+                <a:ea typeface="+mn-ea"/>
+                <a:cs typeface="+mn-cs"/>
+              </a:defRPr>
+            </a:lvl3pPr>
+            <a:lvl4pPr marL="1371600" algn="l" defTabSz="914400" rtl="0" eaLnBrk="1" latinLnBrk="0" hangingPunct="1">
+              <a:defRPr sz="1800" kern="1200">
+                <a:solidFill>
+                  <a:schemeClr val="tx1"/>
+                </a:solidFill>
+                <a:latin typeface="+mn-lt"/>
+                <a:ea typeface="+mn-ea"/>
+                <a:cs typeface="+mn-cs"/>
+              </a:defRPr>
+            </a:lvl4pPr>
+            <a:lvl5pPr marL="1828800" algn="l" defTabSz="914400" rtl="0" eaLnBrk="1" latinLnBrk="0" hangingPunct="1">
+              <a:defRPr sz="1800" kern="1200">
+                <a:solidFill>
+                  <a:schemeClr val="tx1"/>
+                </a:solidFill>
+                <a:latin typeface="+mn-lt"/>
+                <a:ea typeface="+mn-ea"/>
+                <a:cs typeface="+mn-cs"/>
+              </a:defRPr>
+            </a:lvl5pPr>
+            <a:lvl6pPr marL="2286000" algn="l" defTabSz="914400" rtl="0" eaLnBrk="1" latinLnBrk="0" hangingPunct="1">
+              <a:defRPr sz="1800" kern="1200">
+                <a:solidFill>
+                  <a:schemeClr val="tx1"/>
+                </a:solidFill>
+                <a:latin typeface="+mn-lt"/>
+                <a:ea typeface="+mn-ea"/>
+                <a:cs typeface="+mn-cs"/>
+              </a:defRPr>
+            </a:lvl6pPr>
+            <a:lvl7pPr marL="2743200" algn="l" defTabSz="914400" rtl="0" eaLnBrk="1" latinLnBrk="0" hangingPunct="1">
+              <a:defRPr sz="1800" kern="1200">
+                <a:solidFill>
+                  <a:schemeClr val="tx1"/>
+                </a:solidFill>
+                <a:latin typeface="+mn-lt"/>
+                <a:ea typeface="+mn-ea"/>
+                <a:cs typeface="+mn-cs"/>
+              </a:defRPr>
+            </a:lvl7pPr>
+            <a:lvl8pPr marL="3200400" algn="l" defTabSz="914400" rtl="0" eaLnBrk="1" latinLnBrk="0" hangingPunct="1">
+              <a:defRPr sz="1800" kern="1200">
+                <a:solidFill>
+                  <a:schemeClr val="tx1"/>
+                </a:solidFill>
+                <a:latin typeface="+mn-lt"/>
+                <a:ea typeface="+mn-ea"/>
+                <a:cs typeface="+mn-cs"/>
+              </a:defRPr>
+            </a:lvl8pPr>
+            <a:lvl9pPr marL="3657600" algn="l" defTabSz="914400" rtl="0" eaLnBrk="1" latinLnBrk="0" hangingPunct="1">
+              <a:defRPr sz="1800" kern="1200">
+                <a:solidFill>
+                  <a:schemeClr val="tx1"/>
+                </a:solidFill>
+                <a:latin typeface="+mn-lt"/>
+                <a:ea typeface="+mn-ea"/>
+                <a:cs typeface="+mn-cs"/>
+              </a:defRPr>
+            </a:lvl9pPr>
+          </a:lstStyle>
+          <a:p>
+            <a:r>
+              <a:rPr lang="de-DE" dirty="0"/>
+              <a:t>/ 52</a:t>
+            </a:r>
+          </a:p>
+        </p:txBody>
+      </p:sp>
     </p:spTree>
     <p:extLst>
       <p:ext uri="{BB962C8B-B14F-4D97-AF65-F5344CB8AC3E}">
@@ -4955,6 +7051,165 @@
           </a:p>
         </p:txBody>
       </p:sp>
+      <p:sp>
+        <p:nvSpPr>
+          <p:cNvPr id="4" name="Foliennummernplatzhalter 3">
+            <a:extLst>
+              <a:ext uri="{FF2B5EF4-FFF2-40B4-BE49-F238E27FC236}">
+                <a16:creationId xmlns:a16="http://schemas.microsoft.com/office/drawing/2014/main" id="{74BACA28-39FF-4418-A5A5-C5FBE9E1B83F}"/>
+              </a:ext>
+            </a:extLst>
+          </p:cNvPr>
+          <p:cNvSpPr>
+            <a:spLocks noGrp="1"/>
+          </p:cNvSpPr>
+          <p:nvPr>
+            <p:ph type="sldNum" sz="quarter" idx="12"/>
+          </p:nvPr>
+        </p:nvSpPr>
+        <p:spPr/>
+        <p:txBody>
+          <a:bodyPr/>
+          <a:lstStyle/>
+          <a:p>
+            <a:fld id="{DD108FB5-2533-4688-B3BC-A918F32943D9}" type="slidenum">
+              <a:rPr lang="de-DE" smtClean="0"/>
+              <a:t>19</a:t>
+            </a:fld>
+            <a:endParaRPr lang="de-DE"/>
+          </a:p>
+        </p:txBody>
+      </p:sp>
+      <p:sp>
+        <p:nvSpPr>
+          <p:cNvPr id="6" name="Foliennummernplatzhalter 1">
+            <a:extLst>
+              <a:ext uri="{FF2B5EF4-FFF2-40B4-BE49-F238E27FC236}">
+                <a16:creationId xmlns:a16="http://schemas.microsoft.com/office/drawing/2014/main" id="{2057F718-52C4-4FBA-8002-E56D486A38BF}"/>
+              </a:ext>
+            </a:extLst>
+          </p:cNvPr>
+          <p:cNvSpPr txBox="1">
+            <a:spLocks/>
+          </p:cNvSpPr>
+          <p:nvPr/>
+        </p:nvSpPr>
+        <p:spPr>
+          <a:xfrm>
+            <a:off x="8914923" y="6356349"/>
+            <a:ext cx="2743200" cy="365125"/>
+          </a:xfrm>
+          <a:prstGeom prst="rect">
+            <a:avLst/>
+          </a:prstGeom>
+        </p:spPr>
+        <p:txBody>
+          <a:bodyPr vert="horz" lIns="91440" tIns="45720" rIns="91440" bIns="45720" rtlCol="0" anchor="ctr"/>
+          <a:lstStyle>
+            <a:defPPr>
+              <a:defRPr lang="de-DE"/>
+            </a:defPPr>
+            <a:lvl1pPr marL="0" algn="r" defTabSz="914400" rtl="0" eaLnBrk="1" latinLnBrk="0" hangingPunct="1">
+              <a:defRPr sz="1200" kern="1200">
+                <a:solidFill>
+                  <a:schemeClr val="tx1">
+                    <a:tint val="75000"/>
+                  </a:schemeClr>
+                </a:solidFill>
+                <a:latin typeface="+mn-lt"/>
+                <a:ea typeface="+mn-ea"/>
+                <a:cs typeface="+mn-cs"/>
+              </a:defRPr>
+            </a:lvl1pPr>
+            <a:lvl2pPr marL="457200" algn="l" defTabSz="914400" rtl="0" eaLnBrk="1" latinLnBrk="0" hangingPunct="1">
+              <a:defRPr sz="1800" kern="1200">
+                <a:solidFill>
+                  <a:schemeClr val="tx1"/>
+                </a:solidFill>
+                <a:latin typeface="+mn-lt"/>
+                <a:ea typeface="+mn-ea"/>
+                <a:cs typeface="+mn-cs"/>
+              </a:defRPr>
+            </a:lvl2pPr>
+            <a:lvl3pPr marL="914400" algn="l" defTabSz="914400" rtl="0" eaLnBrk="1" latinLnBrk="0" hangingPunct="1">
+              <a:defRPr sz="1800" kern="1200">
+                <a:solidFill>
+                  <a:schemeClr val="tx1"/>
+                </a:solidFill>
+                <a:latin typeface="+mn-lt"/>
+                <a:ea typeface="+mn-ea"/>
+                <a:cs typeface="+mn-cs"/>
+              </a:defRPr>
+            </a:lvl3pPr>
+            <a:lvl4pPr marL="1371600" algn="l" defTabSz="914400" rtl="0" eaLnBrk="1" latinLnBrk="0" hangingPunct="1">
+              <a:defRPr sz="1800" kern="1200">
+                <a:solidFill>
+                  <a:schemeClr val="tx1"/>
+                </a:solidFill>
+                <a:latin typeface="+mn-lt"/>
+                <a:ea typeface="+mn-ea"/>
+                <a:cs typeface="+mn-cs"/>
+              </a:defRPr>
+            </a:lvl4pPr>
+            <a:lvl5pPr marL="1828800" algn="l" defTabSz="914400" rtl="0" eaLnBrk="1" latinLnBrk="0" hangingPunct="1">
+              <a:defRPr sz="1800" kern="1200">
+                <a:solidFill>
+                  <a:schemeClr val="tx1"/>
+                </a:solidFill>
+                <a:latin typeface="+mn-lt"/>
+                <a:ea typeface="+mn-ea"/>
+                <a:cs typeface="+mn-cs"/>
+              </a:defRPr>
+            </a:lvl5pPr>
+            <a:lvl6pPr marL="2286000" algn="l" defTabSz="914400" rtl="0" eaLnBrk="1" latinLnBrk="0" hangingPunct="1">
+              <a:defRPr sz="1800" kern="1200">
+                <a:solidFill>
+                  <a:schemeClr val="tx1"/>
+                </a:solidFill>
+                <a:latin typeface="+mn-lt"/>
+                <a:ea typeface="+mn-ea"/>
+                <a:cs typeface="+mn-cs"/>
+              </a:defRPr>
+            </a:lvl6pPr>
+            <a:lvl7pPr marL="2743200" algn="l" defTabSz="914400" rtl="0" eaLnBrk="1" latinLnBrk="0" hangingPunct="1">
+              <a:defRPr sz="1800" kern="1200">
+                <a:solidFill>
+                  <a:schemeClr val="tx1"/>
+                </a:solidFill>
+                <a:latin typeface="+mn-lt"/>
+                <a:ea typeface="+mn-ea"/>
+                <a:cs typeface="+mn-cs"/>
+              </a:defRPr>
+            </a:lvl7pPr>
+            <a:lvl8pPr marL="3200400" algn="l" defTabSz="914400" rtl="0" eaLnBrk="1" latinLnBrk="0" hangingPunct="1">
+              <a:defRPr sz="1800" kern="1200">
+                <a:solidFill>
+                  <a:schemeClr val="tx1"/>
+                </a:solidFill>
+                <a:latin typeface="+mn-lt"/>
+                <a:ea typeface="+mn-ea"/>
+                <a:cs typeface="+mn-cs"/>
+              </a:defRPr>
+            </a:lvl8pPr>
+            <a:lvl9pPr marL="3657600" algn="l" defTabSz="914400" rtl="0" eaLnBrk="1" latinLnBrk="0" hangingPunct="1">
+              <a:defRPr sz="1800" kern="1200">
+                <a:solidFill>
+                  <a:schemeClr val="tx1"/>
+                </a:solidFill>
+                <a:latin typeface="+mn-lt"/>
+                <a:ea typeface="+mn-ea"/>
+                <a:cs typeface="+mn-cs"/>
+              </a:defRPr>
+            </a:lvl9pPr>
+          </a:lstStyle>
+          <a:p>
+            <a:r>
+              <a:rPr lang="de-DE" dirty="0"/>
+              <a:t>/ 52</a:t>
+            </a:r>
+          </a:p>
+        </p:txBody>
+      </p:sp>
     </p:spTree>
     <p:extLst>
       <p:ext uri="{BB962C8B-B14F-4D97-AF65-F5344CB8AC3E}">
@@ -5125,6 +7380,165 @@
           </a:p>
         </p:txBody>
       </p:sp>
+      <p:sp>
+        <p:nvSpPr>
+          <p:cNvPr id="4" name="Foliennummernplatzhalter 3">
+            <a:extLst>
+              <a:ext uri="{FF2B5EF4-FFF2-40B4-BE49-F238E27FC236}">
+                <a16:creationId xmlns:a16="http://schemas.microsoft.com/office/drawing/2014/main" id="{ABA61CDF-7982-43C3-9AF5-9FC2410EF4D8}"/>
+              </a:ext>
+            </a:extLst>
+          </p:cNvPr>
+          <p:cNvSpPr>
+            <a:spLocks noGrp="1"/>
+          </p:cNvSpPr>
+          <p:nvPr>
+            <p:ph type="sldNum" sz="quarter" idx="12"/>
+          </p:nvPr>
+        </p:nvSpPr>
+        <p:spPr/>
+        <p:txBody>
+          <a:bodyPr/>
+          <a:lstStyle/>
+          <a:p>
+            <a:fld id="{DD108FB5-2533-4688-B3BC-A918F32943D9}" type="slidenum">
+              <a:rPr lang="de-DE" smtClean="0"/>
+              <a:t>2</a:t>
+            </a:fld>
+            <a:endParaRPr lang="de-DE"/>
+          </a:p>
+        </p:txBody>
+      </p:sp>
+      <p:sp>
+        <p:nvSpPr>
+          <p:cNvPr id="6" name="Foliennummernplatzhalter 1">
+            <a:extLst>
+              <a:ext uri="{FF2B5EF4-FFF2-40B4-BE49-F238E27FC236}">
+                <a16:creationId xmlns:a16="http://schemas.microsoft.com/office/drawing/2014/main" id="{0F3272BD-5D8D-4AEF-B52F-B38D4CEAD387}"/>
+              </a:ext>
+            </a:extLst>
+          </p:cNvPr>
+          <p:cNvSpPr txBox="1">
+            <a:spLocks/>
+          </p:cNvSpPr>
+          <p:nvPr/>
+        </p:nvSpPr>
+        <p:spPr>
+          <a:xfrm>
+            <a:off x="8914923" y="6356349"/>
+            <a:ext cx="2743200" cy="365125"/>
+          </a:xfrm>
+          <a:prstGeom prst="rect">
+            <a:avLst/>
+          </a:prstGeom>
+        </p:spPr>
+        <p:txBody>
+          <a:bodyPr vert="horz" lIns="91440" tIns="45720" rIns="91440" bIns="45720" rtlCol="0" anchor="ctr"/>
+          <a:lstStyle>
+            <a:defPPr>
+              <a:defRPr lang="de-DE"/>
+            </a:defPPr>
+            <a:lvl1pPr marL="0" algn="r" defTabSz="914400" rtl="0" eaLnBrk="1" latinLnBrk="0" hangingPunct="1">
+              <a:defRPr sz="1200" kern="1200">
+                <a:solidFill>
+                  <a:schemeClr val="tx1">
+                    <a:tint val="75000"/>
+                  </a:schemeClr>
+                </a:solidFill>
+                <a:latin typeface="+mn-lt"/>
+                <a:ea typeface="+mn-ea"/>
+                <a:cs typeface="+mn-cs"/>
+              </a:defRPr>
+            </a:lvl1pPr>
+            <a:lvl2pPr marL="457200" algn="l" defTabSz="914400" rtl="0" eaLnBrk="1" latinLnBrk="0" hangingPunct="1">
+              <a:defRPr sz="1800" kern="1200">
+                <a:solidFill>
+                  <a:schemeClr val="tx1"/>
+                </a:solidFill>
+                <a:latin typeface="+mn-lt"/>
+                <a:ea typeface="+mn-ea"/>
+                <a:cs typeface="+mn-cs"/>
+              </a:defRPr>
+            </a:lvl2pPr>
+            <a:lvl3pPr marL="914400" algn="l" defTabSz="914400" rtl="0" eaLnBrk="1" latinLnBrk="0" hangingPunct="1">
+              <a:defRPr sz="1800" kern="1200">
+                <a:solidFill>
+                  <a:schemeClr val="tx1"/>
+                </a:solidFill>
+                <a:latin typeface="+mn-lt"/>
+                <a:ea typeface="+mn-ea"/>
+                <a:cs typeface="+mn-cs"/>
+              </a:defRPr>
+            </a:lvl3pPr>
+            <a:lvl4pPr marL="1371600" algn="l" defTabSz="914400" rtl="0" eaLnBrk="1" latinLnBrk="0" hangingPunct="1">
+              <a:defRPr sz="1800" kern="1200">
+                <a:solidFill>
+                  <a:schemeClr val="tx1"/>
+                </a:solidFill>
+                <a:latin typeface="+mn-lt"/>
+                <a:ea typeface="+mn-ea"/>
+                <a:cs typeface="+mn-cs"/>
+              </a:defRPr>
+            </a:lvl4pPr>
+            <a:lvl5pPr marL="1828800" algn="l" defTabSz="914400" rtl="0" eaLnBrk="1" latinLnBrk="0" hangingPunct="1">
+              <a:defRPr sz="1800" kern="1200">
+                <a:solidFill>
+                  <a:schemeClr val="tx1"/>
+                </a:solidFill>
+                <a:latin typeface="+mn-lt"/>
+                <a:ea typeface="+mn-ea"/>
+                <a:cs typeface="+mn-cs"/>
+              </a:defRPr>
+            </a:lvl5pPr>
+            <a:lvl6pPr marL="2286000" algn="l" defTabSz="914400" rtl="0" eaLnBrk="1" latinLnBrk="0" hangingPunct="1">
+              <a:defRPr sz="1800" kern="1200">
+                <a:solidFill>
+                  <a:schemeClr val="tx1"/>
+                </a:solidFill>
+                <a:latin typeface="+mn-lt"/>
+                <a:ea typeface="+mn-ea"/>
+                <a:cs typeface="+mn-cs"/>
+              </a:defRPr>
+            </a:lvl6pPr>
+            <a:lvl7pPr marL="2743200" algn="l" defTabSz="914400" rtl="0" eaLnBrk="1" latinLnBrk="0" hangingPunct="1">
+              <a:defRPr sz="1800" kern="1200">
+                <a:solidFill>
+                  <a:schemeClr val="tx1"/>
+                </a:solidFill>
+                <a:latin typeface="+mn-lt"/>
+                <a:ea typeface="+mn-ea"/>
+                <a:cs typeface="+mn-cs"/>
+              </a:defRPr>
+            </a:lvl7pPr>
+            <a:lvl8pPr marL="3200400" algn="l" defTabSz="914400" rtl="0" eaLnBrk="1" latinLnBrk="0" hangingPunct="1">
+              <a:defRPr sz="1800" kern="1200">
+                <a:solidFill>
+                  <a:schemeClr val="tx1"/>
+                </a:solidFill>
+                <a:latin typeface="+mn-lt"/>
+                <a:ea typeface="+mn-ea"/>
+                <a:cs typeface="+mn-cs"/>
+              </a:defRPr>
+            </a:lvl8pPr>
+            <a:lvl9pPr marL="3657600" algn="l" defTabSz="914400" rtl="0" eaLnBrk="1" latinLnBrk="0" hangingPunct="1">
+              <a:defRPr sz="1800" kern="1200">
+                <a:solidFill>
+                  <a:schemeClr val="tx1"/>
+                </a:solidFill>
+                <a:latin typeface="+mn-lt"/>
+                <a:ea typeface="+mn-ea"/>
+                <a:cs typeface="+mn-cs"/>
+              </a:defRPr>
+            </a:lvl9pPr>
+          </a:lstStyle>
+          <a:p>
+            <a:r>
+              <a:rPr lang="de-DE" dirty="0"/>
+              <a:t>/ 52</a:t>
+            </a:r>
+          </a:p>
+        </p:txBody>
+      </p:sp>
     </p:spTree>
     <p:extLst>
       <p:ext uri="{BB962C8B-B14F-4D97-AF65-F5344CB8AC3E}">
@@ -5343,6 +7757,165 @@
           </a:p>
         </p:txBody>
       </p:sp>
+      <p:sp>
+        <p:nvSpPr>
+          <p:cNvPr id="4" name="Foliennummernplatzhalter 3">
+            <a:extLst>
+              <a:ext uri="{FF2B5EF4-FFF2-40B4-BE49-F238E27FC236}">
+                <a16:creationId xmlns:a16="http://schemas.microsoft.com/office/drawing/2014/main" id="{FC33138B-E15E-4394-92D5-62320A28D804}"/>
+              </a:ext>
+            </a:extLst>
+          </p:cNvPr>
+          <p:cNvSpPr>
+            <a:spLocks noGrp="1"/>
+          </p:cNvSpPr>
+          <p:nvPr>
+            <p:ph type="sldNum" sz="quarter" idx="12"/>
+          </p:nvPr>
+        </p:nvSpPr>
+        <p:spPr/>
+        <p:txBody>
+          <a:bodyPr/>
+          <a:lstStyle/>
+          <a:p>
+            <a:fld id="{DD108FB5-2533-4688-B3BC-A918F32943D9}" type="slidenum">
+              <a:rPr lang="de-DE" smtClean="0"/>
+              <a:t>20</a:t>
+            </a:fld>
+            <a:endParaRPr lang="de-DE"/>
+          </a:p>
+        </p:txBody>
+      </p:sp>
+      <p:sp>
+        <p:nvSpPr>
+          <p:cNvPr id="6" name="Foliennummernplatzhalter 1">
+            <a:extLst>
+              <a:ext uri="{FF2B5EF4-FFF2-40B4-BE49-F238E27FC236}">
+                <a16:creationId xmlns:a16="http://schemas.microsoft.com/office/drawing/2014/main" id="{A4E68265-156F-4164-8968-581AB47AF6EF}"/>
+              </a:ext>
+            </a:extLst>
+          </p:cNvPr>
+          <p:cNvSpPr txBox="1">
+            <a:spLocks/>
+          </p:cNvSpPr>
+          <p:nvPr/>
+        </p:nvSpPr>
+        <p:spPr>
+          <a:xfrm>
+            <a:off x="8914923" y="6356349"/>
+            <a:ext cx="2743200" cy="365125"/>
+          </a:xfrm>
+          <a:prstGeom prst="rect">
+            <a:avLst/>
+          </a:prstGeom>
+        </p:spPr>
+        <p:txBody>
+          <a:bodyPr vert="horz" lIns="91440" tIns="45720" rIns="91440" bIns="45720" rtlCol="0" anchor="ctr"/>
+          <a:lstStyle>
+            <a:defPPr>
+              <a:defRPr lang="de-DE"/>
+            </a:defPPr>
+            <a:lvl1pPr marL="0" algn="r" defTabSz="914400" rtl="0" eaLnBrk="1" latinLnBrk="0" hangingPunct="1">
+              <a:defRPr sz="1200" kern="1200">
+                <a:solidFill>
+                  <a:schemeClr val="tx1">
+                    <a:tint val="75000"/>
+                  </a:schemeClr>
+                </a:solidFill>
+                <a:latin typeface="+mn-lt"/>
+                <a:ea typeface="+mn-ea"/>
+                <a:cs typeface="+mn-cs"/>
+              </a:defRPr>
+            </a:lvl1pPr>
+            <a:lvl2pPr marL="457200" algn="l" defTabSz="914400" rtl="0" eaLnBrk="1" latinLnBrk="0" hangingPunct="1">
+              <a:defRPr sz="1800" kern="1200">
+                <a:solidFill>
+                  <a:schemeClr val="tx1"/>
+                </a:solidFill>
+                <a:latin typeface="+mn-lt"/>
+                <a:ea typeface="+mn-ea"/>
+                <a:cs typeface="+mn-cs"/>
+              </a:defRPr>
+            </a:lvl2pPr>
+            <a:lvl3pPr marL="914400" algn="l" defTabSz="914400" rtl="0" eaLnBrk="1" latinLnBrk="0" hangingPunct="1">
+              <a:defRPr sz="1800" kern="1200">
+                <a:solidFill>
+                  <a:schemeClr val="tx1"/>
+                </a:solidFill>
+                <a:latin typeface="+mn-lt"/>
+                <a:ea typeface="+mn-ea"/>
+                <a:cs typeface="+mn-cs"/>
+              </a:defRPr>
+            </a:lvl3pPr>
+            <a:lvl4pPr marL="1371600" algn="l" defTabSz="914400" rtl="0" eaLnBrk="1" latinLnBrk="0" hangingPunct="1">
+              <a:defRPr sz="1800" kern="1200">
+                <a:solidFill>
+                  <a:schemeClr val="tx1"/>
+                </a:solidFill>
+                <a:latin typeface="+mn-lt"/>
+                <a:ea typeface="+mn-ea"/>
+                <a:cs typeface="+mn-cs"/>
+              </a:defRPr>
+            </a:lvl4pPr>
+            <a:lvl5pPr marL="1828800" algn="l" defTabSz="914400" rtl="0" eaLnBrk="1" latinLnBrk="0" hangingPunct="1">
+              <a:defRPr sz="1800" kern="1200">
+                <a:solidFill>
+                  <a:schemeClr val="tx1"/>
+                </a:solidFill>
+                <a:latin typeface="+mn-lt"/>
+                <a:ea typeface="+mn-ea"/>
+                <a:cs typeface="+mn-cs"/>
+              </a:defRPr>
+            </a:lvl5pPr>
+            <a:lvl6pPr marL="2286000" algn="l" defTabSz="914400" rtl="0" eaLnBrk="1" latinLnBrk="0" hangingPunct="1">
+              <a:defRPr sz="1800" kern="1200">
+                <a:solidFill>
+                  <a:schemeClr val="tx1"/>
+                </a:solidFill>
+                <a:latin typeface="+mn-lt"/>
+                <a:ea typeface="+mn-ea"/>
+                <a:cs typeface="+mn-cs"/>
+              </a:defRPr>
+            </a:lvl6pPr>
+            <a:lvl7pPr marL="2743200" algn="l" defTabSz="914400" rtl="0" eaLnBrk="1" latinLnBrk="0" hangingPunct="1">
+              <a:defRPr sz="1800" kern="1200">
+                <a:solidFill>
+                  <a:schemeClr val="tx1"/>
+                </a:solidFill>
+                <a:latin typeface="+mn-lt"/>
+                <a:ea typeface="+mn-ea"/>
+                <a:cs typeface="+mn-cs"/>
+              </a:defRPr>
+            </a:lvl7pPr>
+            <a:lvl8pPr marL="3200400" algn="l" defTabSz="914400" rtl="0" eaLnBrk="1" latinLnBrk="0" hangingPunct="1">
+              <a:defRPr sz="1800" kern="1200">
+                <a:solidFill>
+                  <a:schemeClr val="tx1"/>
+                </a:solidFill>
+                <a:latin typeface="+mn-lt"/>
+                <a:ea typeface="+mn-ea"/>
+                <a:cs typeface="+mn-cs"/>
+              </a:defRPr>
+            </a:lvl8pPr>
+            <a:lvl9pPr marL="3657600" algn="l" defTabSz="914400" rtl="0" eaLnBrk="1" latinLnBrk="0" hangingPunct="1">
+              <a:defRPr sz="1800" kern="1200">
+                <a:solidFill>
+                  <a:schemeClr val="tx1"/>
+                </a:solidFill>
+                <a:latin typeface="+mn-lt"/>
+                <a:ea typeface="+mn-ea"/>
+                <a:cs typeface="+mn-cs"/>
+              </a:defRPr>
+            </a:lvl9pPr>
+          </a:lstStyle>
+          <a:p>
+            <a:r>
+              <a:rPr lang="de-DE" dirty="0"/>
+              <a:t>/ 52</a:t>
+            </a:r>
+          </a:p>
+        </p:txBody>
+      </p:sp>
     </p:spTree>
     <p:extLst>
       <p:ext uri="{BB962C8B-B14F-4D97-AF65-F5344CB8AC3E}">
@@ -5453,6 +8026,165 @@
           </a:p>
         </p:txBody>
       </p:sp>
+      <p:sp>
+        <p:nvSpPr>
+          <p:cNvPr id="3" name="Foliennummernplatzhalter 2">
+            <a:extLst>
+              <a:ext uri="{FF2B5EF4-FFF2-40B4-BE49-F238E27FC236}">
+                <a16:creationId xmlns:a16="http://schemas.microsoft.com/office/drawing/2014/main" id="{BAE5B5AC-96C0-4E54-9031-EBA6F6259779}"/>
+              </a:ext>
+            </a:extLst>
+          </p:cNvPr>
+          <p:cNvSpPr>
+            <a:spLocks noGrp="1"/>
+          </p:cNvSpPr>
+          <p:nvPr>
+            <p:ph type="sldNum" sz="quarter" idx="12"/>
+          </p:nvPr>
+        </p:nvSpPr>
+        <p:spPr/>
+        <p:txBody>
+          <a:bodyPr/>
+          <a:lstStyle/>
+          <a:p>
+            <a:fld id="{DD108FB5-2533-4688-B3BC-A918F32943D9}" type="slidenum">
+              <a:rPr lang="de-DE" smtClean="0"/>
+              <a:t>21</a:t>
+            </a:fld>
+            <a:endParaRPr lang="de-DE"/>
+          </a:p>
+        </p:txBody>
+      </p:sp>
+      <p:sp>
+        <p:nvSpPr>
+          <p:cNvPr id="7" name="Foliennummernplatzhalter 1">
+            <a:extLst>
+              <a:ext uri="{FF2B5EF4-FFF2-40B4-BE49-F238E27FC236}">
+                <a16:creationId xmlns:a16="http://schemas.microsoft.com/office/drawing/2014/main" id="{6A04C26B-AE15-44FB-B681-29DC46F84D4E}"/>
+              </a:ext>
+            </a:extLst>
+          </p:cNvPr>
+          <p:cNvSpPr txBox="1">
+            <a:spLocks/>
+          </p:cNvSpPr>
+          <p:nvPr/>
+        </p:nvSpPr>
+        <p:spPr>
+          <a:xfrm>
+            <a:off x="8914923" y="6356349"/>
+            <a:ext cx="2743200" cy="365125"/>
+          </a:xfrm>
+          <a:prstGeom prst="rect">
+            <a:avLst/>
+          </a:prstGeom>
+        </p:spPr>
+        <p:txBody>
+          <a:bodyPr vert="horz" lIns="91440" tIns="45720" rIns="91440" bIns="45720" rtlCol="0" anchor="ctr"/>
+          <a:lstStyle>
+            <a:defPPr>
+              <a:defRPr lang="de-DE"/>
+            </a:defPPr>
+            <a:lvl1pPr marL="0" algn="r" defTabSz="914400" rtl="0" eaLnBrk="1" latinLnBrk="0" hangingPunct="1">
+              <a:defRPr sz="1200" kern="1200">
+                <a:solidFill>
+                  <a:schemeClr val="tx1">
+                    <a:tint val="75000"/>
+                  </a:schemeClr>
+                </a:solidFill>
+                <a:latin typeface="+mn-lt"/>
+                <a:ea typeface="+mn-ea"/>
+                <a:cs typeface="+mn-cs"/>
+              </a:defRPr>
+            </a:lvl1pPr>
+            <a:lvl2pPr marL="457200" algn="l" defTabSz="914400" rtl="0" eaLnBrk="1" latinLnBrk="0" hangingPunct="1">
+              <a:defRPr sz="1800" kern="1200">
+                <a:solidFill>
+                  <a:schemeClr val="tx1"/>
+                </a:solidFill>
+                <a:latin typeface="+mn-lt"/>
+                <a:ea typeface="+mn-ea"/>
+                <a:cs typeface="+mn-cs"/>
+              </a:defRPr>
+            </a:lvl2pPr>
+            <a:lvl3pPr marL="914400" algn="l" defTabSz="914400" rtl="0" eaLnBrk="1" latinLnBrk="0" hangingPunct="1">
+              <a:defRPr sz="1800" kern="1200">
+                <a:solidFill>
+                  <a:schemeClr val="tx1"/>
+                </a:solidFill>
+                <a:latin typeface="+mn-lt"/>
+                <a:ea typeface="+mn-ea"/>
+                <a:cs typeface="+mn-cs"/>
+              </a:defRPr>
+            </a:lvl3pPr>
+            <a:lvl4pPr marL="1371600" algn="l" defTabSz="914400" rtl="0" eaLnBrk="1" latinLnBrk="0" hangingPunct="1">
+              <a:defRPr sz="1800" kern="1200">
+                <a:solidFill>
+                  <a:schemeClr val="tx1"/>
+                </a:solidFill>
+                <a:latin typeface="+mn-lt"/>
+                <a:ea typeface="+mn-ea"/>
+                <a:cs typeface="+mn-cs"/>
+              </a:defRPr>
+            </a:lvl4pPr>
+            <a:lvl5pPr marL="1828800" algn="l" defTabSz="914400" rtl="0" eaLnBrk="1" latinLnBrk="0" hangingPunct="1">
+              <a:defRPr sz="1800" kern="1200">
+                <a:solidFill>
+                  <a:schemeClr val="tx1"/>
+                </a:solidFill>
+                <a:latin typeface="+mn-lt"/>
+                <a:ea typeface="+mn-ea"/>
+                <a:cs typeface="+mn-cs"/>
+              </a:defRPr>
+            </a:lvl5pPr>
+            <a:lvl6pPr marL="2286000" algn="l" defTabSz="914400" rtl="0" eaLnBrk="1" latinLnBrk="0" hangingPunct="1">
+              <a:defRPr sz="1800" kern="1200">
+                <a:solidFill>
+                  <a:schemeClr val="tx1"/>
+                </a:solidFill>
+                <a:latin typeface="+mn-lt"/>
+                <a:ea typeface="+mn-ea"/>
+                <a:cs typeface="+mn-cs"/>
+              </a:defRPr>
+            </a:lvl6pPr>
+            <a:lvl7pPr marL="2743200" algn="l" defTabSz="914400" rtl="0" eaLnBrk="1" latinLnBrk="0" hangingPunct="1">
+              <a:defRPr sz="1800" kern="1200">
+                <a:solidFill>
+                  <a:schemeClr val="tx1"/>
+                </a:solidFill>
+                <a:latin typeface="+mn-lt"/>
+                <a:ea typeface="+mn-ea"/>
+                <a:cs typeface="+mn-cs"/>
+              </a:defRPr>
+            </a:lvl7pPr>
+            <a:lvl8pPr marL="3200400" algn="l" defTabSz="914400" rtl="0" eaLnBrk="1" latinLnBrk="0" hangingPunct="1">
+              <a:defRPr sz="1800" kern="1200">
+                <a:solidFill>
+                  <a:schemeClr val="tx1"/>
+                </a:solidFill>
+                <a:latin typeface="+mn-lt"/>
+                <a:ea typeface="+mn-ea"/>
+                <a:cs typeface="+mn-cs"/>
+              </a:defRPr>
+            </a:lvl8pPr>
+            <a:lvl9pPr marL="3657600" algn="l" defTabSz="914400" rtl="0" eaLnBrk="1" latinLnBrk="0" hangingPunct="1">
+              <a:defRPr sz="1800" kern="1200">
+                <a:solidFill>
+                  <a:schemeClr val="tx1"/>
+                </a:solidFill>
+                <a:latin typeface="+mn-lt"/>
+                <a:ea typeface="+mn-ea"/>
+                <a:cs typeface="+mn-cs"/>
+              </a:defRPr>
+            </a:lvl9pPr>
+          </a:lstStyle>
+          <a:p>
+            <a:r>
+              <a:rPr lang="de-DE" dirty="0"/>
+              <a:t>/ 52</a:t>
+            </a:r>
+          </a:p>
+        </p:txBody>
+      </p:sp>
     </p:spTree>
     <p:extLst>
       <p:ext uri="{BB962C8B-B14F-4D97-AF65-F5344CB8AC3E}">
@@ -5584,6 +8316,165 @@
           </a:p>
         </p:txBody>
       </p:sp>
+      <p:sp>
+        <p:nvSpPr>
+          <p:cNvPr id="4" name="Foliennummernplatzhalter 3">
+            <a:extLst>
+              <a:ext uri="{FF2B5EF4-FFF2-40B4-BE49-F238E27FC236}">
+                <a16:creationId xmlns:a16="http://schemas.microsoft.com/office/drawing/2014/main" id="{B21525AA-C399-4C3F-9D7F-2AAFFB53F8C2}"/>
+              </a:ext>
+            </a:extLst>
+          </p:cNvPr>
+          <p:cNvSpPr>
+            <a:spLocks noGrp="1"/>
+          </p:cNvSpPr>
+          <p:nvPr>
+            <p:ph type="sldNum" sz="quarter" idx="12"/>
+          </p:nvPr>
+        </p:nvSpPr>
+        <p:spPr/>
+        <p:txBody>
+          <a:bodyPr/>
+          <a:lstStyle/>
+          <a:p>
+            <a:fld id="{DD108FB5-2533-4688-B3BC-A918F32943D9}" type="slidenum">
+              <a:rPr lang="de-DE" smtClean="0"/>
+              <a:t>22</a:t>
+            </a:fld>
+            <a:endParaRPr lang="de-DE"/>
+          </a:p>
+        </p:txBody>
+      </p:sp>
+      <p:sp>
+        <p:nvSpPr>
+          <p:cNvPr id="6" name="Foliennummernplatzhalter 1">
+            <a:extLst>
+              <a:ext uri="{FF2B5EF4-FFF2-40B4-BE49-F238E27FC236}">
+                <a16:creationId xmlns:a16="http://schemas.microsoft.com/office/drawing/2014/main" id="{0C53EA63-213A-4C55-950F-AD6CFA0F0DF5}"/>
+              </a:ext>
+            </a:extLst>
+          </p:cNvPr>
+          <p:cNvSpPr txBox="1">
+            <a:spLocks/>
+          </p:cNvSpPr>
+          <p:nvPr/>
+        </p:nvSpPr>
+        <p:spPr>
+          <a:xfrm>
+            <a:off x="8914923" y="6356349"/>
+            <a:ext cx="2743200" cy="365125"/>
+          </a:xfrm>
+          <a:prstGeom prst="rect">
+            <a:avLst/>
+          </a:prstGeom>
+        </p:spPr>
+        <p:txBody>
+          <a:bodyPr vert="horz" lIns="91440" tIns="45720" rIns="91440" bIns="45720" rtlCol="0" anchor="ctr"/>
+          <a:lstStyle>
+            <a:defPPr>
+              <a:defRPr lang="de-DE"/>
+            </a:defPPr>
+            <a:lvl1pPr marL="0" algn="r" defTabSz="914400" rtl="0" eaLnBrk="1" latinLnBrk="0" hangingPunct="1">
+              <a:defRPr sz="1200" kern="1200">
+                <a:solidFill>
+                  <a:schemeClr val="tx1">
+                    <a:tint val="75000"/>
+                  </a:schemeClr>
+                </a:solidFill>
+                <a:latin typeface="+mn-lt"/>
+                <a:ea typeface="+mn-ea"/>
+                <a:cs typeface="+mn-cs"/>
+              </a:defRPr>
+            </a:lvl1pPr>
+            <a:lvl2pPr marL="457200" algn="l" defTabSz="914400" rtl="0" eaLnBrk="1" latinLnBrk="0" hangingPunct="1">
+              <a:defRPr sz="1800" kern="1200">
+                <a:solidFill>
+                  <a:schemeClr val="tx1"/>
+                </a:solidFill>
+                <a:latin typeface="+mn-lt"/>
+                <a:ea typeface="+mn-ea"/>
+                <a:cs typeface="+mn-cs"/>
+              </a:defRPr>
+            </a:lvl2pPr>
+            <a:lvl3pPr marL="914400" algn="l" defTabSz="914400" rtl="0" eaLnBrk="1" latinLnBrk="0" hangingPunct="1">
+              <a:defRPr sz="1800" kern="1200">
+                <a:solidFill>
+                  <a:schemeClr val="tx1"/>
+                </a:solidFill>
+                <a:latin typeface="+mn-lt"/>
+                <a:ea typeface="+mn-ea"/>
+                <a:cs typeface="+mn-cs"/>
+              </a:defRPr>
+            </a:lvl3pPr>
+            <a:lvl4pPr marL="1371600" algn="l" defTabSz="914400" rtl="0" eaLnBrk="1" latinLnBrk="0" hangingPunct="1">
+              <a:defRPr sz="1800" kern="1200">
+                <a:solidFill>
+                  <a:schemeClr val="tx1"/>
+                </a:solidFill>
+                <a:latin typeface="+mn-lt"/>
+                <a:ea typeface="+mn-ea"/>
+                <a:cs typeface="+mn-cs"/>
+              </a:defRPr>
+            </a:lvl4pPr>
+            <a:lvl5pPr marL="1828800" algn="l" defTabSz="914400" rtl="0" eaLnBrk="1" latinLnBrk="0" hangingPunct="1">
+              <a:defRPr sz="1800" kern="1200">
+                <a:solidFill>
+                  <a:schemeClr val="tx1"/>
+                </a:solidFill>
+                <a:latin typeface="+mn-lt"/>
+                <a:ea typeface="+mn-ea"/>
+                <a:cs typeface="+mn-cs"/>
+              </a:defRPr>
+            </a:lvl5pPr>
+            <a:lvl6pPr marL="2286000" algn="l" defTabSz="914400" rtl="0" eaLnBrk="1" latinLnBrk="0" hangingPunct="1">
+              <a:defRPr sz="1800" kern="1200">
+                <a:solidFill>
+                  <a:schemeClr val="tx1"/>
+                </a:solidFill>
+                <a:latin typeface="+mn-lt"/>
+                <a:ea typeface="+mn-ea"/>
+                <a:cs typeface="+mn-cs"/>
+              </a:defRPr>
+            </a:lvl6pPr>
+            <a:lvl7pPr marL="2743200" algn="l" defTabSz="914400" rtl="0" eaLnBrk="1" latinLnBrk="0" hangingPunct="1">
+              <a:defRPr sz="1800" kern="1200">
+                <a:solidFill>
+                  <a:schemeClr val="tx1"/>
+                </a:solidFill>
+                <a:latin typeface="+mn-lt"/>
+                <a:ea typeface="+mn-ea"/>
+                <a:cs typeface="+mn-cs"/>
+              </a:defRPr>
+            </a:lvl7pPr>
+            <a:lvl8pPr marL="3200400" algn="l" defTabSz="914400" rtl="0" eaLnBrk="1" latinLnBrk="0" hangingPunct="1">
+              <a:defRPr sz="1800" kern="1200">
+                <a:solidFill>
+                  <a:schemeClr val="tx1"/>
+                </a:solidFill>
+                <a:latin typeface="+mn-lt"/>
+                <a:ea typeface="+mn-ea"/>
+                <a:cs typeface="+mn-cs"/>
+              </a:defRPr>
+            </a:lvl8pPr>
+            <a:lvl9pPr marL="3657600" algn="l" defTabSz="914400" rtl="0" eaLnBrk="1" latinLnBrk="0" hangingPunct="1">
+              <a:defRPr sz="1800" kern="1200">
+                <a:solidFill>
+                  <a:schemeClr val="tx1"/>
+                </a:solidFill>
+                <a:latin typeface="+mn-lt"/>
+                <a:ea typeface="+mn-ea"/>
+                <a:cs typeface="+mn-cs"/>
+              </a:defRPr>
+            </a:lvl9pPr>
+          </a:lstStyle>
+          <a:p>
+            <a:r>
+              <a:rPr lang="de-DE" dirty="0"/>
+              <a:t>/ 52</a:t>
+            </a:r>
+          </a:p>
+        </p:txBody>
+      </p:sp>
     </p:spTree>
     <p:extLst>
       <p:ext uri="{BB962C8B-B14F-4D97-AF65-F5344CB8AC3E}">
@@ -5665,6 +8556,165 @@
           </a:xfrm>
         </p:spPr>
       </p:pic>
+      <p:sp>
+        <p:nvSpPr>
+          <p:cNvPr id="3" name="Foliennummernplatzhalter 2">
+            <a:extLst>
+              <a:ext uri="{FF2B5EF4-FFF2-40B4-BE49-F238E27FC236}">
+                <a16:creationId xmlns:a16="http://schemas.microsoft.com/office/drawing/2014/main" id="{EA4114F0-BD95-41A5-A350-9DAE96F44C26}"/>
+              </a:ext>
+            </a:extLst>
+          </p:cNvPr>
+          <p:cNvSpPr>
+            <a:spLocks noGrp="1"/>
+          </p:cNvSpPr>
+          <p:nvPr>
+            <p:ph type="sldNum" sz="quarter" idx="12"/>
+          </p:nvPr>
+        </p:nvSpPr>
+        <p:spPr/>
+        <p:txBody>
+          <a:bodyPr/>
+          <a:lstStyle/>
+          <a:p>
+            <a:fld id="{DD108FB5-2533-4688-B3BC-A918F32943D9}" type="slidenum">
+              <a:rPr lang="de-DE" smtClean="0"/>
+              <a:t>23</a:t>
+            </a:fld>
+            <a:endParaRPr lang="de-DE"/>
+          </a:p>
+        </p:txBody>
+      </p:sp>
+      <p:sp>
+        <p:nvSpPr>
+          <p:cNvPr id="6" name="Foliennummernplatzhalter 1">
+            <a:extLst>
+              <a:ext uri="{FF2B5EF4-FFF2-40B4-BE49-F238E27FC236}">
+                <a16:creationId xmlns:a16="http://schemas.microsoft.com/office/drawing/2014/main" id="{CB6DBA8D-1FF8-46EE-9BB3-05A3A12EFB9D}"/>
+              </a:ext>
+            </a:extLst>
+          </p:cNvPr>
+          <p:cNvSpPr txBox="1">
+            <a:spLocks/>
+          </p:cNvSpPr>
+          <p:nvPr/>
+        </p:nvSpPr>
+        <p:spPr>
+          <a:xfrm>
+            <a:off x="8914923" y="6356349"/>
+            <a:ext cx="2743200" cy="365125"/>
+          </a:xfrm>
+          <a:prstGeom prst="rect">
+            <a:avLst/>
+          </a:prstGeom>
+        </p:spPr>
+        <p:txBody>
+          <a:bodyPr vert="horz" lIns="91440" tIns="45720" rIns="91440" bIns="45720" rtlCol="0" anchor="ctr"/>
+          <a:lstStyle>
+            <a:defPPr>
+              <a:defRPr lang="de-DE"/>
+            </a:defPPr>
+            <a:lvl1pPr marL="0" algn="r" defTabSz="914400" rtl="0" eaLnBrk="1" latinLnBrk="0" hangingPunct="1">
+              <a:defRPr sz="1200" kern="1200">
+                <a:solidFill>
+                  <a:schemeClr val="tx1">
+                    <a:tint val="75000"/>
+                  </a:schemeClr>
+                </a:solidFill>
+                <a:latin typeface="+mn-lt"/>
+                <a:ea typeface="+mn-ea"/>
+                <a:cs typeface="+mn-cs"/>
+              </a:defRPr>
+            </a:lvl1pPr>
+            <a:lvl2pPr marL="457200" algn="l" defTabSz="914400" rtl="0" eaLnBrk="1" latinLnBrk="0" hangingPunct="1">
+              <a:defRPr sz="1800" kern="1200">
+                <a:solidFill>
+                  <a:schemeClr val="tx1"/>
+                </a:solidFill>
+                <a:latin typeface="+mn-lt"/>
+                <a:ea typeface="+mn-ea"/>
+                <a:cs typeface="+mn-cs"/>
+              </a:defRPr>
+            </a:lvl2pPr>
+            <a:lvl3pPr marL="914400" algn="l" defTabSz="914400" rtl="0" eaLnBrk="1" latinLnBrk="0" hangingPunct="1">
+              <a:defRPr sz="1800" kern="1200">
+                <a:solidFill>
+                  <a:schemeClr val="tx1"/>
+                </a:solidFill>
+                <a:latin typeface="+mn-lt"/>
+                <a:ea typeface="+mn-ea"/>
+                <a:cs typeface="+mn-cs"/>
+              </a:defRPr>
+            </a:lvl3pPr>
+            <a:lvl4pPr marL="1371600" algn="l" defTabSz="914400" rtl="0" eaLnBrk="1" latinLnBrk="0" hangingPunct="1">
+              <a:defRPr sz="1800" kern="1200">
+                <a:solidFill>
+                  <a:schemeClr val="tx1"/>
+                </a:solidFill>
+                <a:latin typeface="+mn-lt"/>
+                <a:ea typeface="+mn-ea"/>
+                <a:cs typeface="+mn-cs"/>
+              </a:defRPr>
+            </a:lvl4pPr>
+            <a:lvl5pPr marL="1828800" algn="l" defTabSz="914400" rtl="0" eaLnBrk="1" latinLnBrk="0" hangingPunct="1">
+              <a:defRPr sz="1800" kern="1200">
+                <a:solidFill>
+                  <a:schemeClr val="tx1"/>
+                </a:solidFill>
+                <a:latin typeface="+mn-lt"/>
+                <a:ea typeface="+mn-ea"/>
+                <a:cs typeface="+mn-cs"/>
+              </a:defRPr>
+            </a:lvl5pPr>
+            <a:lvl6pPr marL="2286000" algn="l" defTabSz="914400" rtl="0" eaLnBrk="1" latinLnBrk="0" hangingPunct="1">
+              <a:defRPr sz="1800" kern="1200">
+                <a:solidFill>
+                  <a:schemeClr val="tx1"/>
+                </a:solidFill>
+                <a:latin typeface="+mn-lt"/>
+                <a:ea typeface="+mn-ea"/>
+                <a:cs typeface="+mn-cs"/>
+              </a:defRPr>
+            </a:lvl6pPr>
+            <a:lvl7pPr marL="2743200" algn="l" defTabSz="914400" rtl="0" eaLnBrk="1" latinLnBrk="0" hangingPunct="1">
+              <a:defRPr sz="1800" kern="1200">
+                <a:solidFill>
+                  <a:schemeClr val="tx1"/>
+                </a:solidFill>
+                <a:latin typeface="+mn-lt"/>
+                <a:ea typeface="+mn-ea"/>
+                <a:cs typeface="+mn-cs"/>
+              </a:defRPr>
+            </a:lvl7pPr>
+            <a:lvl8pPr marL="3200400" algn="l" defTabSz="914400" rtl="0" eaLnBrk="1" latinLnBrk="0" hangingPunct="1">
+              <a:defRPr sz="1800" kern="1200">
+                <a:solidFill>
+                  <a:schemeClr val="tx1"/>
+                </a:solidFill>
+                <a:latin typeface="+mn-lt"/>
+                <a:ea typeface="+mn-ea"/>
+                <a:cs typeface="+mn-cs"/>
+              </a:defRPr>
+            </a:lvl8pPr>
+            <a:lvl9pPr marL="3657600" algn="l" defTabSz="914400" rtl="0" eaLnBrk="1" latinLnBrk="0" hangingPunct="1">
+              <a:defRPr sz="1800" kern="1200">
+                <a:solidFill>
+                  <a:schemeClr val="tx1"/>
+                </a:solidFill>
+                <a:latin typeface="+mn-lt"/>
+                <a:ea typeface="+mn-ea"/>
+                <a:cs typeface="+mn-cs"/>
+              </a:defRPr>
+            </a:lvl9pPr>
+          </a:lstStyle>
+          <a:p>
+            <a:r>
+              <a:rPr lang="de-DE" dirty="0"/>
+              <a:t>/ 52</a:t>
+            </a:r>
+          </a:p>
+        </p:txBody>
+      </p:sp>
     </p:spTree>
     <p:extLst>
       <p:ext uri="{BB962C8B-B14F-4D97-AF65-F5344CB8AC3E}">
@@ -5773,6 +8823,165 @@
           </a:p>
         </p:txBody>
       </p:sp>
+      <p:sp>
+        <p:nvSpPr>
+          <p:cNvPr id="4" name="Foliennummernplatzhalter 3">
+            <a:extLst>
+              <a:ext uri="{FF2B5EF4-FFF2-40B4-BE49-F238E27FC236}">
+                <a16:creationId xmlns:a16="http://schemas.microsoft.com/office/drawing/2014/main" id="{04F40185-203B-4300-8BE1-5E7375CF943B}"/>
+              </a:ext>
+            </a:extLst>
+          </p:cNvPr>
+          <p:cNvSpPr>
+            <a:spLocks noGrp="1"/>
+          </p:cNvSpPr>
+          <p:nvPr>
+            <p:ph type="sldNum" sz="quarter" idx="12"/>
+          </p:nvPr>
+        </p:nvSpPr>
+        <p:spPr/>
+        <p:txBody>
+          <a:bodyPr/>
+          <a:lstStyle/>
+          <a:p>
+            <a:fld id="{DD108FB5-2533-4688-B3BC-A918F32943D9}" type="slidenum">
+              <a:rPr lang="de-DE" smtClean="0"/>
+              <a:t>24</a:t>
+            </a:fld>
+            <a:endParaRPr lang="de-DE"/>
+          </a:p>
+        </p:txBody>
+      </p:sp>
+      <p:sp>
+        <p:nvSpPr>
+          <p:cNvPr id="6" name="Foliennummernplatzhalter 1">
+            <a:extLst>
+              <a:ext uri="{FF2B5EF4-FFF2-40B4-BE49-F238E27FC236}">
+                <a16:creationId xmlns:a16="http://schemas.microsoft.com/office/drawing/2014/main" id="{262F2B95-EF8F-4FA7-9882-9307450D39EF}"/>
+              </a:ext>
+            </a:extLst>
+          </p:cNvPr>
+          <p:cNvSpPr txBox="1">
+            <a:spLocks/>
+          </p:cNvSpPr>
+          <p:nvPr/>
+        </p:nvSpPr>
+        <p:spPr>
+          <a:xfrm>
+            <a:off x="8914923" y="6356349"/>
+            <a:ext cx="2743200" cy="365125"/>
+          </a:xfrm>
+          <a:prstGeom prst="rect">
+            <a:avLst/>
+          </a:prstGeom>
+        </p:spPr>
+        <p:txBody>
+          <a:bodyPr vert="horz" lIns="91440" tIns="45720" rIns="91440" bIns="45720" rtlCol="0" anchor="ctr"/>
+          <a:lstStyle>
+            <a:defPPr>
+              <a:defRPr lang="de-DE"/>
+            </a:defPPr>
+            <a:lvl1pPr marL="0" algn="r" defTabSz="914400" rtl="0" eaLnBrk="1" latinLnBrk="0" hangingPunct="1">
+              <a:defRPr sz="1200" kern="1200">
+                <a:solidFill>
+                  <a:schemeClr val="tx1">
+                    <a:tint val="75000"/>
+                  </a:schemeClr>
+                </a:solidFill>
+                <a:latin typeface="+mn-lt"/>
+                <a:ea typeface="+mn-ea"/>
+                <a:cs typeface="+mn-cs"/>
+              </a:defRPr>
+            </a:lvl1pPr>
+            <a:lvl2pPr marL="457200" algn="l" defTabSz="914400" rtl="0" eaLnBrk="1" latinLnBrk="0" hangingPunct="1">
+              <a:defRPr sz="1800" kern="1200">
+                <a:solidFill>
+                  <a:schemeClr val="tx1"/>
+                </a:solidFill>
+                <a:latin typeface="+mn-lt"/>
+                <a:ea typeface="+mn-ea"/>
+                <a:cs typeface="+mn-cs"/>
+              </a:defRPr>
+            </a:lvl2pPr>
+            <a:lvl3pPr marL="914400" algn="l" defTabSz="914400" rtl="0" eaLnBrk="1" latinLnBrk="0" hangingPunct="1">
+              <a:defRPr sz="1800" kern="1200">
+                <a:solidFill>
+                  <a:schemeClr val="tx1"/>
+                </a:solidFill>
+                <a:latin typeface="+mn-lt"/>
+                <a:ea typeface="+mn-ea"/>
+                <a:cs typeface="+mn-cs"/>
+              </a:defRPr>
+            </a:lvl3pPr>
+            <a:lvl4pPr marL="1371600" algn="l" defTabSz="914400" rtl="0" eaLnBrk="1" latinLnBrk="0" hangingPunct="1">
+              <a:defRPr sz="1800" kern="1200">
+                <a:solidFill>
+                  <a:schemeClr val="tx1"/>
+                </a:solidFill>
+                <a:latin typeface="+mn-lt"/>
+                <a:ea typeface="+mn-ea"/>
+                <a:cs typeface="+mn-cs"/>
+              </a:defRPr>
+            </a:lvl4pPr>
+            <a:lvl5pPr marL="1828800" algn="l" defTabSz="914400" rtl="0" eaLnBrk="1" latinLnBrk="0" hangingPunct="1">
+              <a:defRPr sz="1800" kern="1200">
+                <a:solidFill>
+                  <a:schemeClr val="tx1"/>
+                </a:solidFill>
+                <a:latin typeface="+mn-lt"/>
+                <a:ea typeface="+mn-ea"/>
+                <a:cs typeface="+mn-cs"/>
+              </a:defRPr>
+            </a:lvl5pPr>
+            <a:lvl6pPr marL="2286000" algn="l" defTabSz="914400" rtl="0" eaLnBrk="1" latinLnBrk="0" hangingPunct="1">
+              <a:defRPr sz="1800" kern="1200">
+                <a:solidFill>
+                  <a:schemeClr val="tx1"/>
+                </a:solidFill>
+                <a:latin typeface="+mn-lt"/>
+                <a:ea typeface="+mn-ea"/>
+                <a:cs typeface="+mn-cs"/>
+              </a:defRPr>
+            </a:lvl6pPr>
+            <a:lvl7pPr marL="2743200" algn="l" defTabSz="914400" rtl="0" eaLnBrk="1" latinLnBrk="0" hangingPunct="1">
+              <a:defRPr sz="1800" kern="1200">
+                <a:solidFill>
+                  <a:schemeClr val="tx1"/>
+                </a:solidFill>
+                <a:latin typeface="+mn-lt"/>
+                <a:ea typeface="+mn-ea"/>
+                <a:cs typeface="+mn-cs"/>
+              </a:defRPr>
+            </a:lvl7pPr>
+            <a:lvl8pPr marL="3200400" algn="l" defTabSz="914400" rtl="0" eaLnBrk="1" latinLnBrk="0" hangingPunct="1">
+              <a:defRPr sz="1800" kern="1200">
+                <a:solidFill>
+                  <a:schemeClr val="tx1"/>
+                </a:solidFill>
+                <a:latin typeface="+mn-lt"/>
+                <a:ea typeface="+mn-ea"/>
+                <a:cs typeface="+mn-cs"/>
+              </a:defRPr>
+            </a:lvl8pPr>
+            <a:lvl9pPr marL="3657600" algn="l" defTabSz="914400" rtl="0" eaLnBrk="1" latinLnBrk="0" hangingPunct="1">
+              <a:defRPr sz="1800" kern="1200">
+                <a:solidFill>
+                  <a:schemeClr val="tx1"/>
+                </a:solidFill>
+                <a:latin typeface="+mn-lt"/>
+                <a:ea typeface="+mn-ea"/>
+                <a:cs typeface="+mn-cs"/>
+              </a:defRPr>
+            </a:lvl9pPr>
+          </a:lstStyle>
+          <a:p>
+            <a:r>
+              <a:rPr lang="de-DE" dirty="0"/>
+              <a:t>/ 52</a:t>
+            </a:r>
+          </a:p>
+        </p:txBody>
+      </p:sp>
     </p:spTree>
     <p:extLst>
       <p:ext uri="{BB962C8B-B14F-4D97-AF65-F5344CB8AC3E}">
@@ -5901,6 +9110,165 @@
           </a:p>
         </p:txBody>
       </p:sp>
+      <p:sp>
+        <p:nvSpPr>
+          <p:cNvPr id="4" name="Foliennummernplatzhalter 3">
+            <a:extLst>
+              <a:ext uri="{FF2B5EF4-FFF2-40B4-BE49-F238E27FC236}">
+                <a16:creationId xmlns:a16="http://schemas.microsoft.com/office/drawing/2014/main" id="{821FEBA8-808C-49E5-A12E-39BE2C37CAA2}"/>
+              </a:ext>
+            </a:extLst>
+          </p:cNvPr>
+          <p:cNvSpPr>
+            <a:spLocks noGrp="1"/>
+          </p:cNvSpPr>
+          <p:nvPr>
+            <p:ph type="sldNum" sz="quarter" idx="12"/>
+          </p:nvPr>
+        </p:nvSpPr>
+        <p:spPr/>
+        <p:txBody>
+          <a:bodyPr/>
+          <a:lstStyle/>
+          <a:p>
+            <a:fld id="{DD108FB5-2533-4688-B3BC-A918F32943D9}" type="slidenum">
+              <a:rPr lang="de-DE" smtClean="0"/>
+              <a:t>25</a:t>
+            </a:fld>
+            <a:endParaRPr lang="de-DE"/>
+          </a:p>
+        </p:txBody>
+      </p:sp>
+      <p:sp>
+        <p:nvSpPr>
+          <p:cNvPr id="6" name="Foliennummernplatzhalter 1">
+            <a:extLst>
+              <a:ext uri="{FF2B5EF4-FFF2-40B4-BE49-F238E27FC236}">
+                <a16:creationId xmlns:a16="http://schemas.microsoft.com/office/drawing/2014/main" id="{D049566E-D3BA-4896-8123-A35AD11F2D8B}"/>
+              </a:ext>
+            </a:extLst>
+          </p:cNvPr>
+          <p:cNvSpPr txBox="1">
+            <a:spLocks/>
+          </p:cNvSpPr>
+          <p:nvPr/>
+        </p:nvSpPr>
+        <p:spPr>
+          <a:xfrm>
+            <a:off x="8914923" y="6356349"/>
+            <a:ext cx="2743200" cy="365125"/>
+          </a:xfrm>
+          <a:prstGeom prst="rect">
+            <a:avLst/>
+          </a:prstGeom>
+        </p:spPr>
+        <p:txBody>
+          <a:bodyPr vert="horz" lIns="91440" tIns="45720" rIns="91440" bIns="45720" rtlCol="0" anchor="ctr"/>
+          <a:lstStyle>
+            <a:defPPr>
+              <a:defRPr lang="de-DE"/>
+            </a:defPPr>
+            <a:lvl1pPr marL="0" algn="r" defTabSz="914400" rtl="0" eaLnBrk="1" latinLnBrk="0" hangingPunct="1">
+              <a:defRPr sz="1200" kern="1200">
+                <a:solidFill>
+                  <a:schemeClr val="tx1">
+                    <a:tint val="75000"/>
+                  </a:schemeClr>
+                </a:solidFill>
+                <a:latin typeface="+mn-lt"/>
+                <a:ea typeface="+mn-ea"/>
+                <a:cs typeface="+mn-cs"/>
+              </a:defRPr>
+            </a:lvl1pPr>
+            <a:lvl2pPr marL="457200" algn="l" defTabSz="914400" rtl="0" eaLnBrk="1" latinLnBrk="0" hangingPunct="1">
+              <a:defRPr sz="1800" kern="1200">
+                <a:solidFill>
+                  <a:schemeClr val="tx1"/>
+                </a:solidFill>
+                <a:latin typeface="+mn-lt"/>
+                <a:ea typeface="+mn-ea"/>
+                <a:cs typeface="+mn-cs"/>
+              </a:defRPr>
+            </a:lvl2pPr>
+            <a:lvl3pPr marL="914400" algn="l" defTabSz="914400" rtl="0" eaLnBrk="1" latinLnBrk="0" hangingPunct="1">
+              <a:defRPr sz="1800" kern="1200">
+                <a:solidFill>
+                  <a:schemeClr val="tx1"/>
+                </a:solidFill>
+                <a:latin typeface="+mn-lt"/>
+                <a:ea typeface="+mn-ea"/>
+                <a:cs typeface="+mn-cs"/>
+              </a:defRPr>
+            </a:lvl3pPr>
+            <a:lvl4pPr marL="1371600" algn="l" defTabSz="914400" rtl="0" eaLnBrk="1" latinLnBrk="0" hangingPunct="1">
+              <a:defRPr sz="1800" kern="1200">
+                <a:solidFill>
+                  <a:schemeClr val="tx1"/>
+                </a:solidFill>
+                <a:latin typeface="+mn-lt"/>
+                <a:ea typeface="+mn-ea"/>
+                <a:cs typeface="+mn-cs"/>
+              </a:defRPr>
+            </a:lvl4pPr>
+            <a:lvl5pPr marL="1828800" algn="l" defTabSz="914400" rtl="0" eaLnBrk="1" latinLnBrk="0" hangingPunct="1">
+              <a:defRPr sz="1800" kern="1200">
+                <a:solidFill>
+                  <a:schemeClr val="tx1"/>
+                </a:solidFill>
+                <a:latin typeface="+mn-lt"/>
+                <a:ea typeface="+mn-ea"/>
+                <a:cs typeface="+mn-cs"/>
+              </a:defRPr>
+            </a:lvl5pPr>
+            <a:lvl6pPr marL="2286000" algn="l" defTabSz="914400" rtl="0" eaLnBrk="1" latinLnBrk="0" hangingPunct="1">
+              <a:defRPr sz="1800" kern="1200">
+                <a:solidFill>
+                  <a:schemeClr val="tx1"/>
+                </a:solidFill>
+                <a:latin typeface="+mn-lt"/>
+                <a:ea typeface="+mn-ea"/>
+                <a:cs typeface="+mn-cs"/>
+              </a:defRPr>
+            </a:lvl6pPr>
+            <a:lvl7pPr marL="2743200" algn="l" defTabSz="914400" rtl="0" eaLnBrk="1" latinLnBrk="0" hangingPunct="1">
+              <a:defRPr sz="1800" kern="1200">
+                <a:solidFill>
+                  <a:schemeClr val="tx1"/>
+                </a:solidFill>
+                <a:latin typeface="+mn-lt"/>
+                <a:ea typeface="+mn-ea"/>
+                <a:cs typeface="+mn-cs"/>
+              </a:defRPr>
+            </a:lvl7pPr>
+            <a:lvl8pPr marL="3200400" algn="l" defTabSz="914400" rtl="0" eaLnBrk="1" latinLnBrk="0" hangingPunct="1">
+              <a:defRPr sz="1800" kern="1200">
+                <a:solidFill>
+                  <a:schemeClr val="tx1"/>
+                </a:solidFill>
+                <a:latin typeface="+mn-lt"/>
+                <a:ea typeface="+mn-ea"/>
+                <a:cs typeface="+mn-cs"/>
+              </a:defRPr>
+            </a:lvl8pPr>
+            <a:lvl9pPr marL="3657600" algn="l" defTabSz="914400" rtl="0" eaLnBrk="1" latinLnBrk="0" hangingPunct="1">
+              <a:defRPr sz="1800" kern="1200">
+                <a:solidFill>
+                  <a:schemeClr val="tx1"/>
+                </a:solidFill>
+                <a:latin typeface="+mn-lt"/>
+                <a:ea typeface="+mn-ea"/>
+                <a:cs typeface="+mn-cs"/>
+              </a:defRPr>
+            </a:lvl9pPr>
+          </a:lstStyle>
+          <a:p>
+            <a:r>
+              <a:rPr lang="de-DE" dirty="0"/>
+              <a:t>/ 52</a:t>
+            </a:r>
+          </a:p>
+        </p:txBody>
+      </p:sp>
     </p:spTree>
     <p:extLst>
       <p:ext uri="{BB962C8B-B14F-4D97-AF65-F5344CB8AC3E}">
@@ -5995,6 +9363,165 @@
           </a:p>
         </p:txBody>
       </p:sp>
+      <p:sp>
+        <p:nvSpPr>
+          <p:cNvPr id="4" name="Foliennummernplatzhalter 3">
+            <a:extLst>
+              <a:ext uri="{FF2B5EF4-FFF2-40B4-BE49-F238E27FC236}">
+                <a16:creationId xmlns:a16="http://schemas.microsoft.com/office/drawing/2014/main" id="{23F974E6-B4F6-4D78-A518-F3BE355905CB}"/>
+              </a:ext>
+            </a:extLst>
+          </p:cNvPr>
+          <p:cNvSpPr>
+            <a:spLocks noGrp="1"/>
+          </p:cNvSpPr>
+          <p:nvPr>
+            <p:ph type="sldNum" sz="quarter" idx="12"/>
+          </p:nvPr>
+        </p:nvSpPr>
+        <p:spPr/>
+        <p:txBody>
+          <a:bodyPr/>
+          <a:lstStyle/>
+          <a:p>
+            <a:fld id="{DD108FB5-2533-4688-B3BC-A918F32943D9}" type="slidenum">
+              <a:rPr lang="de-DE" smtClean="0"/>
+              <a:t>26</a:t>
+            </a:fld>
+            <a:endParaRPr lang="de-DE"/>
+          </a:p>
+        </p:txBody>
+      </p:sp>
+      <p:sp>
+        <p:nvSpPr>
+          <p:cNvPr id="6" name="Foliennummernplatzhalter 1">
+            <a:extLst>
+              <a:ext uri="{FF2B5EF4-FFF2-40B4-BE49-F238E27FC236}">
+                <a16:creationId xmlns:a16="http://schemas.microsoft.com/office/drawing/2014/main" id="{7E0408D2-1102-4836-8E81-627D4106344C}"/>
+              </a:ext>
+            </a:extLst>
+          </p:cNvPr>
+          <p:cNvSpPr txBox="1">
+            <a:spLocks/>
+          </p:cNvSpPr>
+          <p:nvPr/>
+        </p:nvSpPr>
+        <p:spPr>
+          <a:xfrm>
+            <a:off x="8914923" y="6356349"/>
+            <a:ext cx="2743200" cy="365125"/>
+          </a:xfrm>
+          <a:prstGeom prst="rect">
+            <a:avLst/>
+          </a:prstGeom>
+        </p:spPr>
+        <p:txBody>
+          <a:bodyPr vert="horz" lIns="91440" tIns="45720" rIns="91440" bIns="45720" rtlCol="0" anchor="ctr"/>
+          <a:lstStyle>
+            <a:defPPr>
+              <a:defRPr lang="de-DE"/>
+            </a:defPPr>
+            <a:lvl1pPr marL="0" algn="r" defTabSz="914400" rtl="0" eaLnBrk="1" latinLnBrk="0" hangingPunct="1">
+              <a:defRPr sz="1200" kern="1200">
+                <a:solidFill>
+                  <a:schemeClr val="tx1">
+                    <a:tint val="75000"/>
+                  </a:schemeClr>
+                </a:solidFill>
+                <a:latin typeface="+mn-lt"/>
+                <a:ea typeface="+mn-ea"/>
+                <a:cs typeface="+mn-cs"/>
+              </a:defRPr>
+            </a:lvl1pPr>
+            <a:lvl2pPr marL="457200" algn="l" defTabSz="914400" rtl="0" eaLnBrk="1" latinLnBrk="0" hangingPunct="1">
+              <a:defRPr sz="1800" kern="1200">
+                <a:solidFill>
+                  <a:schemeClr val="tx1"/>
+                </a:solidFill>
+                <a:latin typeface="+mn-lt"/>
+                <a:ea typeface="+mn-ea"/>
+                <a:cs typeface="+mn-cs"/>
+              </a:defRPr>
+            </a:lvl2pPr>
+            <a:lvl3pPr marL="914400" algn="l" defTabSz="914400" rtl="0" eaLnBrk="1" latinLnBrk="0" hangingPunct="1">
+              <a:defRPr sz="1800" kern="1200">
+                <a:solidFill>
+                  <a:schemeClr val="tx1"/>
+                </a:solidFill>
+                <a:latin typeface="+mn-lt"/>
+                <a:ea typeface="+mn-ea"/>
+                <a:cs typeface="+mn-cs"/>
+              </a:defRPr>
+            </a:lvl3pPr>
+            <a:lvl4pPr marL="1371600" algn="l" defTabSz="914400" rtl="0" eaLnBrk="1" latinLnBrk="0" hangingPunct="1">
+              <a:defRPr sz="1800" kern="1200">
+                <a:solidFill>
+                  <a:schemeClr val="tx1"/>
+                </a:solidFill>
+                <a:latin typeface="+mn-lt"/>
+                <a:ea typeface="+mn-ea"/>
+                <a:cs typeface="+mn-cs"/>
+              </a:defRPr>
+            </a:lvl4pPr>
+            <a:lvl5pPr marL="1828800" algn="l" defTabSz="914400" rtl="0" eaLnBrk="1" latinLnBrk="0" hangingPunct="1">
+              <a:defRPr sz="1800" kern="1200">
+                <a:solidFill>
+                  <a:schemeClr val="tx1"/>
+                </a:solidFill>
+                <a:latin typeface="+mn-lt"/>
+                <a:ea typeface="+mn-ea"/>
+                <a:cs typeface="+mn-cs"/>
+              </a:defRPr>
+            </a:lvl5pPr>
+            <a:lvl6pPr marL="2286000" algn="l" defTabSz="914400" rtl="0" eaLnBrk="1" latinLnBrk="0" hangingPunct="1">
+              <a:defRPr sz="1800" kern="1200">
+                <a:solidFill>
+                  <a:schemeClr val="tx1"/>
+                </a:solidFill>
+                <a:latin typeface="+mn-lt"/>
+                <a:ea typeface="+mn-ea"/>
+                <a:cs typeface="+mn-cs"/>
+              </a:defRPr>
+            </a:lvl6pPr>
+            <a:lvl7pPr marL="2743200" algn="l" defTabSz="914400" rtl="0" eaLnBrk="1" latinLnBrk="0" hangingPunct="1">
+              <a:defRPr sz="1800" kern="1200">
+                <a:solidFill>
+                  <a:schemeClr val="tx1"/>
+                </a:solidFill>
+                <a:latin typeface="+mn-lt"/>
+                <a:ea typeface="+mn-ea"/>
+                <a:cs typeface="+mn-cs"/>
+              </a:defRPr>
+            </a:lvl7pPr>
+            <a:lvl8pPr marL="3200400" algn="l" defTabSz="914400" rtl="0" eaLnBrk="1" latinLnBrk="0" hangingPunct="1">
+              <a:defRPr sz="1800" kern="1200">
+                <a:solidFill>
+                  <a:schemeClr val="tx1"/>
+                </a:solidFill>
+                <a:latin typeface="+mn-lt"/>
+                <a:ea typeface="+mn-ea"/>
+                <a:cs typeface="+mn-cs"/>
+              </a:defRPr>
+            </a:lvl8pPr>
+            <a:lvl9pPr marL="3657600" algn="l" defTabSz="914400" rtl="0" eaLnBrk="1" latinLnBrk="0" hangingPunct="1">
+              <a:defRPr sz="1800" kern="1200">
+                <a:solidFill>
+                  <a:schemeClr val="tx1"/>
+                </a:solidFill>
+                <a:latin typeface="+mn-lt"/>
+                <a:ea typeface="+mn-ea"/>
+                <a:cs typeface="+mn-cs"/>
+              </a:defRPr>
+            </a:lvl9pPr>
+          </a:lstStyle>
+          <a:p>
+            <a:r>
+              <a:rPr lang="de-DE" dirty="0"/>
+              <a:t>/ 52</a:t>
+            </a:r>
+          </a:p>
+        </p:txBody>
+      </p:sp>
     </p:spTree>
     <p:extLst>
       <p:ext uri="{BB962C8B-B14F-4D97-AF65-F5344CB8AC3E}">
@@ -6130,6 +9657,165 @@
           </a:p>
         </p:txBody>
       </p:sp>
+      <p:sp>
+        <p:nvSpPr>
+          <p:cNvPr id="4" name="Foliennummernplatzhalter 3">
+            <a:extLst>
+              <a:ext uri="{FF2B5EF4-FFF2-40B4-BE49-F238E27FC236}">
+                <a16:creationId xmlns:a16="http://schemas.microsoft.com/office/drawing/2014/main" id="{0ED8750A-BBC6-43C6-8CBF-3EBB967E96DA}"/>
+              </a:ext>
+            </a:extLst>
+          </p:cNvPr>
+          <p:cNvSpPr>
+            <a:spLocks noGrp="1"/>
+          </p:cNvSpPr>
+          <p:nvPr>
+            <p:ph type="sldNum" sz="quarter" idx="12"/>
+          </p:nvPr>
+        </p:nvSpPr>
+        <p:spPr/>
+        <p:txBody>
+          <a:bodyPr/>
+          <a:lstStyle/>
+          <a:p>
+            <a:fld id="{DD108FB5-2533-4688-B3BC-A918F32943D9}" type="slidenum">
+              <a:rPr lang="de-DE" smtClean="0"/>
+              <a:t>27</a:t>
+            </a:fld>
+            <a:endParaRPr lang="de-DE"/>
+          </a:p>
+        </p:txBody>
+      </p:sp>
+      <p:sp>
+        <p:nvSpPr>
+          <p:cNvPr id="6" name="Foliennummernplatzhalter 1">
+            <a:extLst>
+              <a:ext uri="{FF2B5EF4-FFF2-40B4-BE49-F238E27FC236}">
+                <a16:creationId xmlns:a16="http://schemas.microsoft.com/office/drawing/2014/main" id="{0E02EA30-82E7-4AA3-B56C-0A3576E1C2CD}"/>
+              </a:ext>
+            </a:extLst>
+          </p:cNvPr>
+          <p:cNvSpPr txBox="1">
+            <a:spLocks/>
+          </p:cNvSpPr>
+          <p:nvPr/>
+        </p:nvSpPr>
+        <p:spPr>
+          <a:xfrm>
+            <a:off x="8914923" y="6356349"/>
+            <a:ext cx="2743200" cy="365125"/>
+          </a:xfrm>
+          <a:prstGeom prst="rect">
+            <a:avLst/>
+          </a:prstGeom>
+        </p:spPr>
+        <p:txBody>
+          <a:bodyPr vert="horz" lIns="91440" tIns="45720" rIns="91440" bIns="45720" rtlCol="0" anchor="ctr"/>
+          <a:lstStyle>
+            <a:defPPr>
+              <a:defRPr lang="de-DE"/>
+            </a:defPPr>
+            <a:lvl1pPr marL="0" algn="r" defTabSz="914400" rtl="0" eaLnBrk="1" latinLnBrk="0" hangingPunct="1">
+              <a:defRPr sz="1200" kern="1200">
+                <a:solidFill>
+                  <a:schemeClr val="tx1">
+                    <a:tint val="75000"/>
+                  </a:schemeClr>
+                </a:solidFill>
+                <a:latin typeface="+mn-lt"/>
+                <a:ea typeface="+mn-ea"/>
+                <a:cs typeface="+mn-cs"/>
+              </a:defRPr>
+            </a:lvl1pPr>
+            <a:lvl2pPr marL="457200" algn="l" defTabSz="914400" rtl="0" eaLnBrk="1" latinLnBrk="0" hangingPunct="1">
+              <a:defRPr sz="1800" kern="1200">
+                <a:solidFill>
+                  <a:schemeClr val="tx1"/>
+                </a:solidFill>
+                <a:latin typeface="+mn-lt"/>
+                <a:ea typeface="+mn-ea"/>
+                <a:cs typeface="+mn-cs"/>
+              </a:defRPr>
+            </a:lvl2pPr>
+            <a:lvl3pPr marL="914400" algn="l" defTabSz="914400" rtl="0" eaLnBrk="1" latinLnBrk="0" hangingPunct="1">
+              <a:defRPr sz="1800" kern="1200">
+                <a:solidFill>
+                  <a:schemeClr val="tx1"/>
+                </a:solidFill>
+                <a:latin typeface="+mn-lt"/>
+                <a:ea typeface="+mn-ea"/>
+                <a:cs typeface="+mn-cs"/>
+              </a:defRPr>
+            </a:lvl3pPr>
+            <a:lvl4pPr marL="1371600" algn="l" defTabSz="914400" rtl="0" eaLnBrk="1" latinLnBrk="0" hangingPunct="1">
+              <a:defRPr sz="1800" kern="1200">
+                <a:solidFill>
+                  <a:schemeClr val="tx1"/>
+                </a:solidFill>
+                <a:latin typeface="+mn-lt"/>
+                <a:ea typeface="+mn-ea"/>
+                <a:cs typeface="+mn-cs"/>
+              </a:defRPr>
+            </a:lvl4pPr>
+            <a:lvl5pPr marL="1828800" algn="l" defTabSz="914400" rtl="0" eaLnBrk="1" latinLnBrk="0" hangingPunct="1">
+              <a:defRPr sz="1800" kern="1200">
+                <a:solidFill>
+                  <a:schemeClr val="tx1"/>
+                </a:solidFill>
+                <a:latin typeface="+mn-lt"/>
+                <a:ea typeface="+mn-ea"/>
+                <a:cs typeface="+mn-cs"/>
+              </a:defRPr>
+            </a:lvl5pPr>
+            <a:lvl6pPr marL="2286000" algn="l" defTabSz="914400" rtl="0" eaLnBrk="1" latinLnBrk="0" hangingPunct="1">
+              <a:defRPr sz="1800" kern="1200">
+                <a:solidFill>
+                  <a:schemeClr val="tx1"/>
+                </a:solidFill>
+                <a:latin typeface="+mn-lt"/>
+                <a:ea typeface="+mn-ea"/>
+                <a:cs typeface="+mn-cs"/>
+              </a:defRPr>
+            </a:lvl6pPr>
+            <a:lvl7pPr marL="2743200" algn="l" defTabSz="914400" rtl="0" eaLnBrk="1" latinLnBrk="0" hangingPunct="1">
+              <a:defRPr sz="1800" kern="1200">
+                <a:solidFill>
+                  <a:schemeClr val="tx1"/>
+                </a:solidFill>
+                <a:latin typeface="+mn-lt"/>
+                <a:ea typeface="+mn-ea"/>
+                <a:cs typeface="+mn-cs"/>
+              </a:defRPr>
+            </a:lvl7pPr>
+            <a:lvl8pPr marL="3200400" algn="l" defTabSz="914400" rtl="0" eaLnBrk="1" latinLnBrk="0" hangingPunct="1">
+              <a:defRPr sz="1800" kern="1200">
+                <a:solidFill>
+                  <a:schemeClr val="tx1"/>
+                </a:solidFill>
+                <a:latin typeface="+mn-lt"/>
+                <a:ea typeface="+mn-ea"/>
+                <a:cs typeface="+mn-cs"/>
+              </a:defRPr>
+            </a:lvl8pPr>
+            <a:lvl9pPr marL="3657600" algn="l" defTabSz="914400" rtl="0" eaLnBrk="1" latinLnBrk="0" hangingPunct="1">
+              <a:defRPr sz="1800" kern="1200">
+                <a:solidFill>
+                  <a:schemeClr val="tx1"/>
+                </a:solidFill>
+                <a:latin typeface="+mn-lt"/>
+                <a:ea typeface="+mn-ea"/>
+                <a:cs typeface="+mn-cs"/>
+              </a:defRPr>
+            </a:lvl9pPr>
+          </a:lstStyle>
+          <a:p>
+            <a:r>
+              <a:rPr lang="de-DE" dirty="0"/>
+              <a:t>/ 52</a:t>
+            </a:r>
+          </a:p>
+        </p:txBody>
+      </p:sp>
     </p:spTree>
     <p:extLst>
       <p:ext uri="{BB962C8B-B14F-4D97-AF65-F5344CB8AC3E}">
@@ -6287,6 +9973,165 @@
           </a:p>
         </p:txBody>
       </p:sp>
+      <p:sp>
+        <p:nvSpPr>
+          <p:cNvPr id="4" name="Foliennummernplatzhalter 3">
+            <a:extLst>
+              <a:ext uri="{FF2B5EF4-FFF2-40B4-BE49-F238E27FC236}">
+                <a16:creationId xmlns:a16="http://schemas.microsoft.com/office/drawing/2014/main" id="{48D648ED-9A1D-4495-B01E-B9B6444CCF2C}"/>
+              </a:ext>
+            </a:extLst>
+          </p:cNvPr>
+          <p:cNvSpPr>
+            <a:spLocks noGrp="1"/>
+          </p:cNvSpPr>
+          <p:nvPr>
+            <p:ph type="sldNum" sz="quarter" idx="12"/>
+          </p:nvPr>
+        </p:nvSpPr>
+        <p:spPr/>
+        <p:txBody>
+          <a:bodyPr/>
+          <a:lstStyle/>
+          <a:p>
+            <a:fld id="{DD108FB5-2533-4688-B3BC-A918F32943D9}" type="slidenum">
+              <a:rPr lang="de-DE" smtClean="0"/>
+              <a:t>28</a:t>
+            </a:fld>
+            <a:endParaRPr lang="de-DE"/>
+          </a:p>
+        </p:txBody>
+      </p:sp>
+      <p:sp>
+        <p:nvSpPr>
+          <p:cNvPr id="6" name="Foliennummernplatzhalter 1">
+            <a:extLst>
+              <a:ext uri="{FF2B5EF4-FFF2-40B4-BE49-F238E27FC236}">
+                <a16:creationId xmlns:a16="http://schemas.microsoft.com/office/drawing/2014/main" id="{9D9F046E-5D24-464F-92D9-A9BC1E092788}"/>
+              </a:ext>
+            </a:extLst>
+          </p:cNvPr>
+          <p:cNvSpPr txBox="1">
+            <a:spLocks/>
+          </p:cNvSpPr>
+          <p:nvPr/>
+        </p:nvSpPr>
+        <p:spPr>
+          <a:xfrm>
+            <a:off x="8914923" y="6356349"/>
+            <a:ext cx="2743200" cy="365125"/>
+          </a:xfrm>
+          <a:prstGeom prst="rect">
+            <a:avLst/>
+          </a:prstGeom>
+        </p:spPr>
+        <p:txBody>
+          <a:bodyPr vert="horz" lIns="91440" tIns="45720" rIns="91440" bIns="45720" rtlCol="0" anchor="ctr"/>
+          <a:lstStyle>
+            <a:defPPr>
+              <a:defRPr lang="de-DE"/>
+            </a:defPPr>
+            <a:lvl1pPr marL="0" algn="r" defTabSz="914400" rtl="0" eaLnBrk="1" latinLnBrk="0" hangingPunct="1">
+              <a:defRPr sz="1200" kern="1200">
+                <a:solidFill>
+                  <a:schemeClr val="tx1">
+                    <a:tint val="75000"/>
+                  </a:schemeClr>
+                </a:solidFill>
+                <a:latin typeface="+mn-lt"/>
+                <a:ea typeface="+mn-ea"/>
+                <a:cs typeface="+mn-cs"/>
+              </a:defRPr>
+            </a:lvl1pPr>
+            <a:lvl2pPr marL="457200" algn="l" defTabSz="914400" rtl="0" eaLnBrk="1" latinLnBrk="0" hangingPunct="1">
+              <a:defRPr sz="1800" kern="1200">
+                <a:solidFill>
+                  <a:schemeClr val="tx1"/>
+                </a:solidFill>
+                <a:latin typeface="+mn-lt"/>
+                <a:ea typeface="+mn-ea"/>
+                <a:cs typeface="+mn-cs"/>
+              </a:defRPr>
+            </a:lvl2pPr>
+            <a:lvl3pPr marL="914400" algn="l" defTabSz="914400" rtl="0" eaLnBrk="1" latinLnBrk="0" hangingPunct="1">
+              <a:defRPr sz="1800" kern="1200">
+                <a:solidFill>
+                  <a:schemeClr val="tx1"/>
+                </a:solidFill>
+                <a:latin typeface="+mn-lt"/>
+                <a:ea typeface="+mn-ea"/>
+                <a:cs typeface="+mn-cs"/>
+              </a:defRPr>
+            </a:lvl3pPr>
+            <a:lvl4pPr marL="1371600" algn="l" defTabSz="914400" rtl="0" eaLnBrk="1" latinLnBrk="0" hangingPunct="1">
+              <a:defRPr sz="1800" kern="1200">
+                <a:solidFill>
+                  <a:schemeClr val="tx1"/>
+                </a:solidFill>
+                <a:latin typeface="+mn-lt"/>
+                <a:ea typeface="+mn-ea"/>
+                <a:cs typeface="+mn-cs"/>
+              </a:defRPr>
+            </a:lvl4pPr>
+            <a:lvl5pPr marL="1828800" algn="l" defTabSz="914400" rtl="0" eaLnBrk="1" latinLnBrk="0" hangingPunct="1">
+              <a:defRPr sz="1800" kern="1200">
+                <a:solidFill>
+                  <a:schemeClr val="tx1"/>
+                </a:solidFill>
+                <a:latin typeface="+mn-lt"/>
+                <a:ea typeface="+mn-ea"/>
+                <a:cs typeface="+mn-cs"/>
+              </a:defRPr>
+            </a:lvl5pPr>
+            <a:lvl6pPr marL="2286000" algn="l" defTabSz="914400" rtl="0" eaLnBrk="1" latinLnBrk="0" hangingPunct="1">
+              <a:defRPr sz="1800" kern="1200">
+                <a:solidFill>
+                  <a:schemeClr val="tx1"/>
+                </a:solidFill>
+                <a:latin typeface="+mn-lt"/>
+                <a:ea typeface="+mn-ea"/>
+                <a:cs typeface="+mn-cs"/>
+              </a:defRPr>
+            </a:lvl6pPr>
+            <a:lvl7pPr marL="2743200" algn="l" defTabSz="914400" rtl="0" eaLnBrk="1" latinLnBrk="0" hangingPunct="1">
+              <a:defRPr sz="1800" kern="1200">
+                <a:solidFill>
+                  <a:schemeClr val="tx1"/>
+                </a:solidFill>
+                <a:latin typeface="+mn-lt"/>
+                <a:ea typeface="+mn-ea"/>
+                <a:cs typeface="+mn-cs"/>
+              </a:defRPr>
+            </a:lvl7pPr>
+            <a:lvl8pPr marL="3200400" algn="l" defTabSz="914400" rtl="0" eaLnBrk="1" latinLnBrk="0" hangingPunct="1">
+              <a:defRPr sz="1800" kern="1200">
+                <a:solidFill>
+                  <a:schemeClr val="tx1"/>
+                </a:solidFill>
+                <a:latin typeface="+mn-lt"/>
+                <a:ea typeface="+mn-ea"/>
+                <a:cs typeface="+mn-cs"/>
+              </a:defRPr>
+            </a:lvl8pPr>
+            <a:lvl9pPr marL="3657600" algn="l" defTabSz="914400" rtl="0" eaLnBrk="1" latinLnBrk="0" hangingPunct="1">
+              <a:defRPr sz="1800" kern="1200">
+                <a:solidFill>
+                  <a:schemeClr val="tx1"/>
+                </a:solidFill>
+                <a:latin typeface="+mn-lt"/>
+                <a:ea typeface="+mn-ea"/>
+                <a:cs typeface="+mn-cs"/>
+              </a:defRPr>
+            </a:lvl9pPr>
+          </a:lstStyle>
+          <a:p>
+            <a:r>
+              <a:rPr lang="de-DE" dirty="0"/>
+              <a:t>/ 52</a:t>
+            </a:r>
+          </a:p>
+        </p:txBody>
+      </p:sp>
     </p:spTree>
     <p:extLst>
       <p:ext uri="{BB962C8B-B14F-4D97-AF65-F5344CB8AC3E}">
@@ -6479,6 +10324,169 @@
           </a:p>
         </p:txBody>
       </p:sp>
+      <p:sp>
+        <p:nvSpPr>
+          <p:cNvPr id="4" name="Foliennummernplatzhalter 3">
+            <a:extLst>
+              <a:ext uri="{FF2B5EF4-FFF2-40B4-BE49-F238E27FC236}">
+                <a16:creationId xmlns:a16="http://schemas.microsoft.com/office/drawing/2014/main" id="{0EF73031-7714-4059-885F-DE2B5E58D0CB}"/>
+              </a:ext>
+            </a:extLst>
+          </p:cNvPr>
+          <p:cNvSpPr>
+            <a:spLocks noGrp="1"/>
+          </p:cNvSpPr>
+          <p:nvPr>
+            <p:ph type="sldNum" sz="quarter" idx="12"/>
+          </p:nvPr>
+        </p:nvSpPr>
+        <p:spPr/>
+        <p:txBody>
+          <a:bodyPr/>
+          <a:lstStyle/>
+          <a:p>
+            <a:r>
+              <a:rPr lang="de-DE" dirty="0"/>
+              <a:t> </a:t>
+            </a:r>
+            <a:fld id="{DD108FB5-2533-4688-B3BC-A918F32943D9}" type="slidenum">
+              <a:rPr lang="de-DE" smtClean="0"/>
+              <a:t>29</a:t>
+            </a:fld>
+            <a:endParaRPr lang="de-DE" dirty="0"/>
+          </a:p>
+        </p:txBody>
+      </p:sp>
+      <p:sp>
+        <p:nvSpPr>
+          <p:cNvPr id="6" name="Foliennummernplatzhalter 1">
+            <a:extLst>
+              <a:ext uri="{FF2B5EF4-FFF2-40B4-BE49-F238E27FC236}">
+                <a16:creationId xmlns:a16="http://schemas.microsoft.com/office/drawing/2014/main" id="{27298F9D-6673-4093-A30D-493392163DC0}"/>
+              </a:ext>
+            </a:extLst>
+          </p:cNvPr>
+          <p:cNvSpPr txBox="1">
+            <a:spLocks/>
+          </p:cNvSpPr>
+          <p:nvPr/>
+        </p:nvSpPr>
+        <p:spPr>
+          <a:xfrm>
+            <a:off x="8914923" y="6356349"/>
+            <a:ext cx="2743200" cy="365125"/>
+          </a:xfrm>
+          <a:prstGeom prst="rect">
+            <a:avLst/>
+          </a:prstGeom>
+        </p:spPr>
+        <p:txBody>
+          <a:bodyPr vert="horz" lIns="91440" tIns="45720" rIns="91440" bIns="45720" rtlCol="0" anchor="ctr"/>
+          <a:lstStyle>
+            <a:defPPr>
+              <a:defRPr lang="de-DE"/>
+            </a:defPPr>
+            <a:lvl1pPr marL="0" algn="r" defTabSz="914400" rtl="0" eaLnBrk="1" latinLnBrk="0" hangingPunct="1">
+              <a:defRPr sz="1200" kern="1200">
+                <a:solidFill>
+                  <a:schemeClr val="tx1">
+                    <a:tint val="75000"/>
+                  </a:schemeClr>
+                </a:solidFill>
+                <a:latin typeface="+mn-lt"/>
+                <a:ea typeface="+mn-ea"/>
+                <a:cs typeface="+mn-cs"/>
+              </a:defRPr>
+            </a:lvl1pPr>
+            <a:lvl2pPr marL="457200" algn="l" defTabSz="914400" rtl="0" eaLnBrk="1" latinLnBrk="0" hangingPunct="1">
+              <a:defRPr sz="1800" kern="1200">
+                <a:solidFill>
+                  <a:schemeClr val="tx1"/>
+                </a:solidFill>
+                <a:latin typeface="+mn-lt"/>
+                <a:ea typeface="+mn-ea"/>
+                <a:cs typeface="+mn-cs"/>
+              </a:defRPr>
+            </a:lvl2pPr>
+            <a:lvl3pPr marL="914400" algn="l" defTabSz="914400" rtl="0" eaLnBrk="1" latinLnBrk="0" hangingPunct="1">
+              <a:defRPr sz="1800" kern="1200">
+                <a:solidFill>
+                  <a:schemeClr val="tx1"/>
+                </a:solidFill>
+                <a:latin typeface="+mn-lt"/>
+                <a:ea typeface="+mn-ea"/>
+                <a:cs typeface="+mn-cs"/>
+              </a:defRPr>
+            </a:lvl3pPr>
+            <a:lvl4pPr marL="1371600" algn="l" defTabSz="914400" rtl="0" eaLnBrk="1" latinLnBrk="0" hangingPunct="1">
+              <a:defRPr sz="1800" kern="1200">
+                <a:solidFill>
+                  <a:schemeClr val="tx1"/>
+                </a:solidFill>
+                <a:latin typeface="+mn-lt"/>
+                <a:ea typeface="+mn-ea"/>
+                <a:cs typeface="+mn-cs"/>
+              </a:defRPr>
+            </a:lvl4pPr>
+            <a:lvl5pPr marL="1828800" algn="l" defTabSz="914400" rtl="0" eaLnBrk="1" latinLnBrk="0" hangingPunct="1">
+              <a:defRPr sz="1800" kern="1200">
+                <a:solidFill>
+                  <a:schemeClr val="tx1"/>
+                </a:solidFill>
+                <a:latin typeface="+mn-lt"/>
+                <a:ea typeface="+mn-ea"/>
+                <a:cs typeface="+mn-cs"/>
+              </a:defRPr>
+            </a:lvl5pPr>
+            <a:lvl6pPr marL="2286000" algn="l" defTabSz="914400" rtl="0" eaLnBrk="1" latinLnBrk="0" hangingPunct="1">
+              <a:defRPr sz="1800" kern="1200">
+                <a:solidFill>
+                  <a:schemeClr val="tx1"/>
+                </a:solidFill>
+                <a:latin typeface="+mn-lt"/>
+                <a:ea typeface="+mn-ea"/>
+                <a:cs typeface="+mn-cs"/>
+              </a:defRPr>
+            </a:lvl6pPr>
+            <a:lvl7pPr marL="2743200" algn="l" defTabSz="914400" rtl="0" eaLnBrk="1" latinLnBrk="0" hangingPunct="1">
+              <a:defRPr sz="1800" kern="1200">
+                <a:solidFill>
+                  <a:schemeClr val="tx1"/>
+                </a:solidFill>
+                <a:latin typeface="+mn-lt"/>
+                <a:ea typeface="+mn-ea"/>
+                <a:cs typeface="+mn-cs"/>
+              </a:defRPr>
+            </a:lvl7pPr>
+            <a:lvl8pPr marL="3200400" algn="l" defTabSz="914400" rtl="0" eaLnBrk="1" latinLnBrk="0" hangingPunct="1">
+              <a:defRPr sz="1800" kern="1200">
+                <a:solidFill>
+                  <a:schemeClr val="tx1"/>
+                </a:solidFill>
+                <a:latin typeface="+mn-lt"/>
+                <a:ea typeface="+mn-ea"/>
+                <a:cs typeface="+mn-cs"/>
+              </a:defRPr>
+            </a:lvl8pPr>
+            <a:lvl9pPr marL="3657600" algn="l" defTabSz="914400" rtl="0" eaLnBrk="1" latinLnBrk="0" hangingPunct="1">
+              <a:defRPr sz="1800" kern="1200">
+                <a:solidFill>
+                  <a:schemeClr val="tx1"/>
+                </a:solidFill>
+                <a:latin typeface="+mn-lt"/>
+                <a:ea typeface="+mn-ea"/>
+                <a:cs typeface="+mn-cs"/>
+              </a:defRPr>
+            </a:lvl9pPr>
+          </a:lstStyle>
+          <a:p>
+            <a:r>
+              <a:rPr lang="de-DE" dirty="0"/>
+              <a:t>/ 52</a:t>
+            </a:r>
+          </a:p>
+        </p:txBody>
+      </p:sp>
     </p:spTree>
     <p:extLst>
       <p:ext uri="{BB962C8B-B14F-4D97-AF65-F5344CB8AC3E}">
@@ -6605,6 +10613,165 @@
           </a:p>
         </p:txBody>
       </p:sp>
+      <p:sp>
+        <p:nvSpPr>
+          <p:cNvPr id="4" name="Foliennummernplatzhalter 3">
+            <a:extLst>
+              <a:ext uri="{FF2B5EF4-FFF2-40B4-BE49-F238E27FC236}">
+                <a16:creationId xmlns:a16="http://schemas.microsoft.com/office/drawing/2014/main" id="{219662B2-C74C-46BB-8DE4-2E53A430AD7A}"/>
+              </a:ext>
+            </a:extLst>
+          </p:cNvPr>
+          <p:cNvSpPr>
+            <a:spLocks noGrp="1"/>
+          </p:cNvSpPr>
+          <p:nvPr>
+            <p:ph type="sldNum" sz="quarter" idx="12"/>
+          </p:nvPr>
+        </p:nvSpPr>
+        <p:spPr/>
+        <p:txBody>
+          <a:bodyPr/>
+          <a:lstStyle/>
+          <a:p>
+            <a:fld id="{DD108FB5-2533-4688-B3BC-A918F32943D9}" type="slidenum">
+              <a:rPr lang="de-DE" smtClean="0"/>
+              <a:t>3</a:t>
+            </a:fld>
+            <a:endParaRPr lang="de-DE"/>
+          </a:p>
+        </p:txBody>
+      </p:sp>
+      <p:sp>
+        <p:nvSpPr>
+          <p:cNvPr id="6" name="Foliennummernplatzhalter 1">
+            <a:extLst>
+              <a:ext uri="{FF2B5EF4-FFF2-40B4-BE49-F238E27FC236}">
+                <a16:creationId xmlns:a16="http://schemas.microsoft.com/office/drawing/2014/main" id="{0FB7F8C4-FD9D-4114-9CC9-BBEAB073F9E8}"/>
+              </a:ext>
+            </a:extLst>
+          </p:cNvPr>
+          <p:cNvSpPr txBox="1">
+            <a:spLocks/>
+          </p:cNvSpPr>
+          <p:nvPr/>
+        </p:nvSpPr>
+        <p:spPr>
+          <a:xfrm>
+            <a:off x="8914923" y="6356349"/>
+            <a:ext cx="2743200" cy="365125"/>
+          </a:xfrm>
+          <a:prstGeom prst="rect">
+            <a:avLst/>
+          </a:prstGeom>
+        </p:spPr>
+        <p:txBody>
+          <a:bodyPr vert="horz" lIns="91440" tIns="45720" rIns="91440" bIns="45720" rtlCol="0" anchor="ctr"/>
+          <a:lstStyle>
+            <a:defPPr>
+              <a:defRPr lang="de-DE"/>
+            </a:defPPr>
+            <a:lvl1pPr marL="0" algn="r" defTabSz="914400" rtl="0" eaLnBrk="1" latinLnBrk="0" hangingPunct="1">
+              <a:defRPr sz="1200" kern="1200">
+                <a:solidFill>
+                  <a:schemeClr val="tx1">
+                    <a:tint val="75000"/>
+                  </a:schemeClr>
+                </a:solidFill>
+                <a:latin typeface="+mn-lt"/>
+                <a:ea typeface="+mn-ea"/>
+                <a:cs typeface="+mn-cs"/>
+              </a:defRPr>
+            </a:lvl1pPr>
+            <a:lvl2pPr marL="457200" algn="l" defTabSz="914400" rtl="0" eaLnBrk="1" latinLnBrk="0" hangingPunct="1">
+              <a:defRPr sz="1800" kern="1200">
+                <a:solidFill>
+                  <a:schemeClr val="tx1"/>
+                </a:solidFill>
+                <a:latin typeface="+mn-lt"/>
+                <a:ea typeface="+mn-ea"/>
+                <a:cs typeface="+mn-cs"/>
+              </a:defRPr>
+            </a:lvl2pPr>
+            <a:lvl3pPr marL="914400" algn="l" defTabSz="914400" rtl="0" eaLnBrk="1" latinLnBrk="0" hangingPunct="1">
+              <a:defRPr sz="1800" kern="1200">
+                <a:solidFill>
+                  <a:schemeClr val="tx1"/>
+                </a:solidFill>
+                <a:latin typeface="+mn-lt"/>
+                <a:ea typeface="+mn-ea"/>
+                <a:cs typeface="+mn-cs"/>
+              </a:defRPr>
+            </a:lvl3pPr>
+            <a:lvl4pPr marL="1371600" algn="l" defTabSz="914400" rtl="0" eaLnBrk="1" latinLnBrk="0" hangingPunct="1">
+              <a:defRPr sz="1800" kern="1200">
+                <a:solidFill>
+                  <a:schemeClr val="tx1"/>
+                </a:solidFill>
+                <a:latin typeface="+mn-lt"/>
+                <a:ea typeface="+mn-ea"/>
+                <a:cs typeface="+mn-cs"/>
+              </a:defRPr>
+            </a:lvl4pPr>
+            <a:lvl5pPr marL="1828800" algn="l" defTabSz="914400" rtl="0" eaLnBrk="1" latinLnBrk="0" hangingPunct="1">
+              <a:defRPr sz="1800" kern="1200">
+                <a:solidFill>
+                  <a:schemeClr val="tx1"/>
+                </a:solidFill>
+                <a:latin typeface="+mn-lt"/>
+                <a:ea typeface="+mn-ea"/>
+                <a:cs typeface="+mn-cs"/>
+              </a:defRPr>
+            </a:lvl5pPr>
+            <a:lvl6pPr marL="2286000" algn="l" defTabSz="914400" rtl="0" eaLnBrk="1" latinLnBrk="0" hangingPunct="1">
+              <a:defRPr sz="1800" kern="1200">
+                <a:solidFill>
+                  <a:schemeClr val="tx1"/>
+                </a:solidFill>
+                <a:latin typeface="+mn-lt"/>
+                <a:ea typeface="+mn-ea"/>
+                <a:cs typeface="+mn-cs"/>
+              </a:defRPr>
+            </a:lvl6pPr>
+            <a:lvl7pPr marL="2743200" algn="l" defTabSz="914400" rtl="0" eaLnBrk="1" latinLnBrk="0" hangingPunct="1">
+              <a:defRPr sz="1800" kern="1200">
+                <a:solidFill>
+                  <a:schemeClr val="tx1"/>
+                </a:solidFill>
+                <a:latin typeface="+mn-lt"/>
+                <a:ea typeface="+mn-ea"/>
+                <a:cs typeface="+mn-cs"/>
+              </a:defRPr>
+            </a:lvl7pPr>
+            <a:lvl8pPr marL="3200400" algn="l" defTabSz="914400" rtl="0" eaLnBrk="1" latinLnBrk="0" hangingPunct="1">
+              <a:defRPr sz="1800" kern="1200">
+                <a:solidFill>
+                  <a:schemeClr val="tx1"/>
+                </a:solidFill>
+                <a:latin typeface="+mn-lt"/>
+                <a:ea typeface="+mn-ea"/>
+                <a:cs typeface="+mn-cs"/>
+              </a:defRPr>
+            </a:lvl8pPr>
+            <a:lvl9pPr marL="3657600" algn="l" defTabSz="914400" rtl="0" eaLnBrk="1" latinLnBrk="0" hangingPunct="1">
+              <a:defRPr sz="1800" kern="1200">
+                <a:solidFill>
+                  <a:schemeClr val="tx1"/>
+                </a:solidFill>
+                <a:latin typeface="+mn-lt"/>
+                <a:ea typeface="+mn-ea"/>
+                <a:cs typeface="+mn-cs"/>
+              </a:defRPr>
+            </a:lvl9pPr>
+          </a:lstStyle>
+          <a:p>
+            <a:r>
+              <a:rPr lang="de-DE" dirty="0"/>
+              <a:t>/ 52</a:t>
+            </a:r>
+          </a:p>
+        </p:txBody>
+      </p:sp>
     </p:spTree>
     <p:extLst>
       <p:ext uri="{BB962C8B-B14F-4D97-AF65-F5344CB8AC3E}">
@@ -6729,6 +10896,165 @@
           </a:p>
         </p:txBody>
       </p:sp>
+      <p:sp>
+        <p:nvSpPr>
+          <p:cNvPr id="4" name="Foliennummernplatzhalter 3">
+            <a:extLst>
+              <a:ext uri="{FF2B5EF4-FFF2-40B4-BE49-F238E27FC236}">
+                <a16:creationId xmlns:a16="http://schemas.microsoft.com/office/drawing/2014/main" id="{3EDA44EA-EACD-469B-B2B2-B6BE54F6FD83}"/>
+              </a:ext>
+            </a:extLst>
+          </p:cNvPr>
+          <p:cNvSpPr>
+            <a:spLocks noGrp="1"/>
+          </p:cNvSpPr>
+          <p:nvPr>
+            <p:ph type="sldNum" sz="quarter" idx="12"/>
+          </p:nvPr>
+        </p:nvSpPr>
+        <p:spPr/>
+        <p:txBody>
+          <a:bodyPr/>
+          <a:lstStyle/>
+          <a:p>
+            <a:fld id="{DD108FB5-2533-4688-B3BC-A918F32943D9}" type="slidenum">
+              <a:rPr lang="de-DE" smtClean="0"/>
+              <a:t>30</a:t>
+            </a:fld>
+            <a:endParaRPr lang="de-DE"/>
+          </a:p>
+        </p:txBody>
+      </p:sp>
+      <p:sp>
+        <p:nvSpPr>
+          <p:cNvPr id="6" name="Foliennummernplatzhalter 1">
+            <a:extLst>
+              <a:ext uri="{FF2B5EF4-FFF2-40B4-BE49-F238E27FC236}">
+                <a16:creationId xmlns:a16="http://schemas.microsoft.com/office/drawing/2014/main" id="{EBC862F7-1154-476C-92B3-232D9EC6AE73}"/>
+              </a:ext>
+            </a:extLst>
+          </p:cNvPr>
+          <p:cNvSpPr txBox="1">
+            <a:spLocks/>
+          </p:cNvSpPr>
+          <p:nvPr/>
+        </p:nvSpPr>
+        <p:spPr>
+          <a:xfrm>
+            <a:off x="8914923" y="6356349"/>
+            <a:ext cx="2743200" cy="365125"/>
+          </a:xfrm>
+          <a:prstGeom prst="rect">
+            <a:avLst/>
+          </a:prstGeom>
+        </p:spPr>
+        <p:txBody>
+          <a:bodyPr vert="horz" lIns="91440" tIns="45720" rIns="91440" bIns="45720" rtlCol="0" anchor="ctr"/>
+          <a:lstStyle>
+            <a:defPPr>
+              <a:defRPr lang="de-DE"/>
+            </a:defPPr>
+            <a:lvl1pPr marL="0" algn="r" defTabSz="914400" rtl="0" eaLnBrk="1" latinLnBrk="0" hangingPunct="1">
+              <a:defRPr sz="1200" kern="1200">
+                <a:solidFill>
+                  <a:schemeClr val="tx1">
+                    <a:tint val="75000"/>
+                  </a:schemeClr>
+                </a:solidFill>
+                <a:latin typeface="+mn-lt"/>
+                <a:ea typeface="+mn-ea"/>
+                <a:cs typeface="+mn-cs"/>
+              </a:defRPr>
+            </a:lvl1pPr>
+            <a:lvl2pPr marL="457200" algn="l" defTabSz="914400" rtl="0" eaLnBrk="1" latinLnBrk="0" hangingPunct="1">
+              <a:defRPr sz="1800" kern="1200">
+                <a:solidFill>
+                  <a:schemeClr val="tx1"/>
+                </a:solidFill>
+                <a:latin typeface="+mn-lt"/>
+                <a:ea typeface="+mn-ea"/>
+                <a:cs typeface="+mn-cs"/>
+              </a:defRPr>
+            </a:lvl2pPr>
+            <a:lvl3pPr marL="914400" algn="l" defTabSz="914400" rtl="0" eaLnBrk="1" latinLnBrk="0" hangingPunct="1">
+              <a:defRPr sz="1800" kern="1200">
+                <a:solidFill>
+                  <a:schemeClr val="tx1"/>
+                </a:solidFill>
+                <a:latin typeface="+mn-lt"/>
+                <a:ea typeface="+mn-ea"/>
+                <a:cs typeface="+mn-cs"/>
+              </a:defRPr>
+            </a:lvl3pPr>
+            <a:lvl4pPr marL="1371600" algn="l" defTabSz="914400" rtl="0" eaLnBrk="1" latinLnBrk="0" hangingPunct="1">
+              <a:defRPr sz="1800" kern="1200">
+                <a:solidFill>
+                  <a:schemeClr val="tx1"/>
+                </a:solidFill>
+                <a:latin typeface="+mn-lt"/>
+                <a:ea typeface="+mn-ea"/>
+                <a:cs typeface="+mn-cs"/>
+              </a:defRPr>
+            </a:lvl4pPr>
+            <a:lvl5pPr marL="1828800" algn="l" defTabSz="914400" rtl="0" eaLnBrk="1" latinLnBrk="0" hangingPunct="1">
+              <a:defRPr sz="1800" kern="1200">
+                <a:solidFill>
+                  <a:schemeClr val="tx1"/>
+                </a:solidFill>
+                <a:latin typeface="+mn-lt"/>
+                <a:ea typeface="+mn-ea"/>
+                <a:cs typeface="+mn-cs"/>
+              </a:defRPr>
+            </a:lvl5pPr>
+            <a:lvl6pPr marL="2286000" algn="l" defTabSz="914400" rtl="0" eaLnBrk="1" latinLnBrk="0" hangingPunct="1">
+              <a:defRPr sz="1800" kern="1200">
+                <a:solidFill>
+                  <a:schemeClr val="tx1"/>
+                </a:solidFill>
+                <a:latin typeface="+mn-lt"/>
+                <a:ea typeface="+mn-ea"/>
+                <a:cs typeface="+mn-cs"/>
+              </a:defRPr>
+            </a:lvl6pPr>
+            <a:lvl7pPr marL="2743200" algn="l" defTabSz="914400" rtl="0" eaLnBrk="1" latinLnBrk="0" hangingPunct="1">
+              <a:defRPr sz="1800" kern="1200">
+                <a:solidFill>
+                  <a:schemeClr val="tx1"/>
+                </a:solidFill>
+                <a:latin typeface="+mn-lt"/>
+                <a:ea typeface="+mn-ea"/>
+                <a:cs typeface="+mn-cs"/>
+              </a:defRPr>
+            </a:lvl7pPr>
+            <a:lvl8pPr marL="3200400" algn="l" defTabSz="914400" rtl="0" eaLnBrk="1" latinLnBrk="0" hangingPunct="1">
+              <a:defRPr sz="1800" kern="1200">
+                <a:solidFill>
+                  <a:schemeClr val="tx1"/>
+                </a:solidFill>
+                <a:latin typeface="+mn-lt"/>
+                <a:ea typeface="+mn-ea"/>
+                <a:cs typeface="+mn-cs"/>
+              </a:defRPr>
+            </a:lvl8pPr>
+            <a:lvl9pPr marL="3657600" algn="l" defTabSz="914400" rtl="0" eaLnBrk="1" latinLnBrk="0" hangingPunct="1">
+              <a:defRPr sz="1800" kern="1200">
+                <a:solidFill>
+                  <a:schemeClr val="tx1"/>
+                </a:solidFill>
+                <a:latin typeface="+mn-lt"/>
+                <a:ea typeface="+mn-ea"/>
+                <a:cs typeface="+mn-cs"/>
+              </a:defRPr>
+            </a:lvl9pPr>
+          </a:lstStyle>
+          <a:p>
+            <a:r>
+              <a:rPr lang="de-DE" dirty="0"/>
+              <a:t>/ 52</a:t>
+            </a:r>
+          </a:p>
+        </p:txBody>
+      </p:sp>
     </p:spTree>
     <p:extLst>
       <p:ext uri="{BB962C8B-B14F-4D97-AF65-F5344CB8AC3E}">
@@ -6854,6 +11180,165 @@
           </a:p>
         </p:txBody>
       </p:sp>
+      <p:sp>
+        <p:nvSpPr>
+          <p:cNvPr id="4" name="Foliennummernplatzhalter 3">
+            <a:extLst>
+              <a:ext uri="{FF2B5EF4-FFF2-40B4-BE49-F238E27FC236}">
+                <a16:creationId xmlns:a16="http://schemas.microsoft.com/office/drawing/2014/main" id="{7E524A24-CD30-4559-BB86-51F1A71EEC2F}"/>
+              </a:ext>
+            </a:extLst>
+          </p:cNvPr>
+          <p:cNvSpPr>
+            <a:spLocks noGrp="1"/>
+          </p:cNvSpPr>
+          <p:nvPr>
+            <p:ph type="sldNum" sz="quarter" idx="12"/>
+          </p:nvPr>
+        </p:nvSpPr>
+        <p:spPr/>
+        <p:txBody>
+          <a:bodyPr/>
+          <a:lstStyle/>
+          <a:p>
+            <a:fld id="{DD108FB5-2533-4688-B3BC-A918F32943D9}" type="slidenum">
+              <a:rPr lang="de-DE" smtClean="0"/>
+              <a:t>31</a:t>
+            </a:fld>
+            <a:endParaRPr lang="de-DE"/>
+          </a:p>
+        </p:txBody>
+      </p:sp>
+      <p:sp>
+        <p:nvSpPr>
+          <p:cNvPr id="6" name="Foliennummernplatzhalter 1">
+            <a:extLst>
+              <a:ext uri="{FF2B5EF4-FFF2-40B4-BE49-F238E27FC236}">
+                <a16:creationId xmlns:a16="http://schemas.microsoft.com/office/drawing/2014/main" id="{AE1AE234-231D-409E-B96B-4B54B2886C67}"/>
+              </a:ext>
+            </a:extLst>
+          </p:cNvPr>
+          <p:cNvSpPr txBox="1">
+            <a:spLocks/>
+          </p:cNvSpPr>
+          <p:nvPr/>
+        </p:nvSpPr>
+        <p:spPr>
+          <a:xfrm>
+            <a:off x="8914923" y="6356349"/>
+            <a:ext cx="2743200" cy="365125"/>
+          </a:xfrm>
+          <a:prstGeom prst="rect">
+            <a:avLst/>
+          </a:prstGeom>
+        </p:spPr>
+        <p:txBody>
+          <a:bodyPr vert="horz" lIns="91440" tIns="45720" rIns="91440" bIns="45720" rtlCol="0" anchor="ctr"/>
+          <a:lstStyle>
+            <a:defPPr>
+              <a:defRPr lang="de-DE"/>
+            </a:defPPr>
+            <a:lvl1pPr marL="0" algn="r" defTabSz="914400" rtl="0" eaLnBrk="1" latinLnBrk="0" hangingPunct="1">
+              <a:defRPr sz="1200" kern="1200">
+                <a:solidFill>
+                  <a:schemeClr val="tx1">
+                    <a:tint val="75000"/>
+                  </a:schemeClr>
+                </a:solidFill>
+                <a:latin typeface="+mn-lt"/>
+                <a:ea typeface="+mn-ea"/>
+                <a:cs typeface="+mn-cs"/>
+              </a:defRPr>
+            </a:lvl1pPr>
+            <a:lvl2pPr marL="457200" algn="l" defTabSz="914400" rtl="0" eaLnBrk="1" latinLnBrk="0" hangingPunct="1">
+              <a:defRPr sz="1800" kern="1200">
+                <a:solidFill>
+                  <a:schemeClr val="tx1"/>
+                </a:solidFill>
+                <a:latin typeface="+mn-lt"/>
+                <a:ea typeface="+mn-ea"/>
+                <a:cs typeface="+mn-cs"/>
+              </a:defRPr>
+            </a:lvl2pPr>
+            <a:lvl3pPr marL="914400" algn="l" defTabSz="914400" rtl="0" eaLnBrk="1" latinLnBrk="0" hangingPunct="1">
+              <a:defRPr sz="1800" kern="1200">
+                <a:solidFill>
+                  <a:schemeClr val="tx1"/>
+                </a:solidFill>
+                <a:latin typeface="+mn-lt"/>
+                <a:ea typeface="+mn-ea"/>
+                <a:cs typeface="+mn-cs"/>
+              </a:defRPr>
+            </a:lvl3pPr>
+            <a:lvl4pPr marL="1371600" algn="l" defTabSz="914400" rtl="0" eaLnBrk="1" latinLnBrk="0" hangingPunct="1">
+              <a:defRPr sz="1800" kern="1200">
+                <a:solidFill>
+                  <a:schemeClr val="tx1"/>
+                </a:solidFill>
+                <a:latin typeface="+mn-lt"/>
+                <a:ea typeface="+mn-ea"/>
+                <a:cs typeface="+mn-cs"/>
+              </a:defRPr>
+            </a:lvl4pPr>
+            <a:lvl5pPr marL="1828800" algn="l" defTabSz="914400" rtl="0" eaLnBrk="1" latinLnBrk="0" hangingPunct="1">
+              <a:defRPr sz="1800" kern="1200">
+                <a:solidFill>
+                  <a:schemeClr val="tx1"/>
+                </a:solidFill>
+                <a:latin typeface="+mn-lt"/>
+                <a:ea typeface="+mn-ea"/>
+                <a:cs typeface="+mn-cs"/>
+              </a:defRPr>
+            </a:lvl5pPr>
+            <a:lvl6pPr marL="2286000" algn="l" defTabSz="914400" rtl="0" eaLnBrk="1" latinLnBrk="0" hangingPunct="1">
+              <a:defRPr sz="1800" kern="1200">
+                <a:solidFill>
+                  <a:schemeClr val="tx1"/>
+                </a:solidFill>
+                <a:latin typeface="+mn-lt"/>
+                <a:ea typeface="+mn-ea"/>
+                <a:cs typeface="+mn-cs"/>
+              </a:defRPr>
+            </a:lvl6pPr>
+            <a:lvl7pPr marL="2743200" algn="l" defTabSz="914400" rtl="0" eaLnBrk="1" latinLnBrk="0" hangingPunct="1">
+              <a:defRPr sz="1800" kern="1200">
+                <a:solidFill>
+                  <a:schemeClr val="tx1"/>
+                </a:solidFill>
+                <a:latin typeface="+mn-lt"/>
+                <a:ea typeface="+mn-ea"/>
+                <a:cs typeface="+mn-cs"/>
+              </a:defRPr>
+            </a:lvl7pPr>
+            <a:lvl8pPr marL="3200400" algn="l" defTabSz="914400" rtl="0" eaLnBrk="1" latinLnBrk="0" hangingPunct="1">
+              <a:defRPr sz="1800" kern="1200">
+                <a:solidFill>
+                  <a:schemeClr val="tx1"/>
+                </a:solidFill>
+                <a:latin typeface="+mn-lt"/>
+                <a:ea typeface="+mn-ea"/>
+                <a:cs typeface="+mn-cs"/>
+              </a:defRPr>
+            </a:lvl8pPr>
+            <a:lvl9pPr marL="3657600" algn="l" defTabSz="914400" rtl="0" eaLnBrk="1" latinLnBrk="0" hangingPunct="1">
+              <a:defRPr sz="1800" kern="1200">
+                <a:solidFill>
+                  <a:schemeClr val="tx1"/>
+                </a:solidFill>
+                <a:latin typeface="+mn-lt"/>
+                <a:ea typeface="+mn-ea"/>
+                <a:cs typeface="+mn-cs"/>
+              </a:defRPr>
+            </a:lvl9pPr>
+          </a:lstStyle>
+          <a:p>
+            <a:r>
+              <a:rPr lang="de-DE" dirty="0"/>
+              <a:t>/ 52</a:t>
+            </a:r>
+          </a:p>
+        </p:txBody>
+      </p:sp>
     </p:spTree>
     <p:extLst>
       <p:ext uri="{BB962C8B-B14F-4D97-AF65-F5344CB8AC3E}">
@@ -6987,6 +11472,165 @@
               <a:buNone/>
             </a:pPr>
             <a:endParaRPr lang="de-DE" dirty="0"/>
+          </a:p>
+        </p:txBody>
+      </p:sp>
+      <p:sp>
+        <p:nvSpPr>
+          <p:cNvPr id="4" name="Foliennummernplatzhalter 3">
+            <a:extLst>
+              <a:ext uri="{FF2B5EF4-FFF2-40B4-BE49-F238E27FC236}">
+                <a16:creationId xmlns:a16="http://schemas.microsoft.com/office/drawing/2014/main" id="{798E80AC-CB70-4206-9169-C11B150B8330}"/>
+              </a:ext>
+            </a:extLst>
+          </p:cNvPr>
+          <p:cNvSpPr>
+            <a:spLocks noGrp="1"/>
+          </p:cNvSpPr>
+          <p:nvPr>
+            <p:ph type="sldNum" sz="quarter" idx="12"/>
+          </p:nvPr>
+        </p:nvSpPr>
+        <p:spPr/>
+        <p:txBody>
+          <a:bodyPr/>
+          <a:lstStyle/>
+          <a:p>
+            <a:fld id="{DD108FB5-2533-4688-B3BC-A918F32943D9}" type="slidenum">
+              <a:rPr lang="de-DE" smtClean="0"/>
+              <a:t>32</a:t>
+            </a:fld>
+            <a:endParaRPr lang="de-DE"/>
+          </a:p>
+        </p:txBody>
+      </p:sp>
+      <p:sp>
+        <p:nvSpPr>
+          <p:cNvPr id="6" name="Foliennummernplatzhalter 1">
+            <a:extLst>
+              <a:ext uri="{FF2B5EF4-FFF2-40B4-BE49-F238E27FC236}">
+                <a16:creationId xmlns:a16="http://schemas.microsoft.com/office/drawing/2014/main" id="{7D201B5C-A494-47B6-AE8E-F64030F5B166}"/>
+              </a:ext>
+            </a:extLst>
+          </p:cNvPr>
+          <p:cNvSpPr txBox="1">
+            <a:spLocks/>
+          </p:cNvSpPr>
+          <p:nvPr/>
+        </p:nvSpPr>
+        <p:spPr>
+          <a:xfrm>
+            <a:off x="8914923" y="6356349"/>
+            <a:ext cx="2743200" cy="365125"/>
+          </a:xfrm>
+          <a:prstGeom prst="rect">
+            <a:avLst/>
+          </a:prstGeom>
+        </p:spPr>
+        <p:txBody>
+          <a:bodyPr vert="horz" lIns="91440" tIns="45720" rIns="91440" bIns="45720" rtlCol="0" anchor="ctr"/>
+          <a:lstStyle>
+            <a:defPPr>
+              <a:defRPr lang="de-DE"/>
+            </a:defPPr>
+            <a:lvl1pPr marL="0" algn="r" defTabSz="914400" rtl="0" eaLnBrk="1" latinLnBrk="0" hangingPunct="1">
+              <a:defRPr sz="1200" kern="1200">
+                <a:solidFill>
+                  <a:schemeClr val="tx1">
+                    <a:tint val="75000"/>
+                  </a:schemeClr>
+                </a:solidFill>
+                <a:latin typeface="+mn-lt"/>
+                <a:ea typeface="+mn-ea"/>
+                <a:cs typeface="+mn-cs"/>
+              </a:defRPr>
+            </a:lvl1pPr>
+            <a:lvl2pPr marL="457200" algn="l" defTabSz="914400" rtl="0" eaLnBrk="1" latinLnBrk="0" hangingPunct="1">
+              <a:defRPr sz="1800" kern="1200">
+                <a:solidFill>
+                  <a:schemeClr val="tx1"/>
+                </a:solidFill>
+                <a:latin typeface="+mn-lt"/>
+                <a:ea typeface="+mn-ea"/>
+                <a:cs typeface="+mn-cs"/>
+              </a:defRPr>
+            </a:lvl2pPr>
+            <a:lvl3pPr marL="914400" algn="l" defTabSz="914400" rtl="0" eaLnBrk="1" latinLnBrk="0" hangingPunct="1">
+              <a:defRPr sz="1800" kern="1200">
+                <a:solidFill>
+                  <a:schemeClr val="tx1"/>
+                </a:solidFill>
+                <a:latin typeface="+mn-lt"/>
+                <a:ea typeface="+mn-ea"/>
+                <a:cs typeface="+mn-cs"/>
+              </a:defRPr>
+            </a:lvl3pPr>
+            <a:lvl4pPr marL="1371600" algn="l" defTabSz="914400" rtl="0" eaLnBrk="1" latinLnBrk="0" hangingPunct="1">
+              <a:defRPr sz="1800" kern="1200">
+                <a:solidFill>
+                  <a:schemeClr val="tx1"/>
+                </a:solidFill>
+                <a:latin typeface="+mn-lt"/>
+                <a:ea typeface="+mn-ea"/>
+                <a:cs typeface="+mn-cs"/>
+              </a:defRPr>
+            </a:lvl4pPr>
+            <a:lvl5pPr marL="1828800" algn="l" defTabSz="914400" rtl="0" eaLnBrk="1" latinLnBrk="0" hangingPunct="1">
+              <a:defRPr sz="1800" kern="1200">
+                <a:solidFill>
+                  <a:schemeClr val="tx1"/>
+                </a:solidFill>
+                <a:latin typeface="+mn-lt"/>
+                <a:ea typeface="+mn-ea"/>
+                <a:cs typeface="+mn-cs"/>
+              </a:defRPr>
+            </a:lvl5pPr>
+            <a:lvl6pPr marL="2286000" algn="l" defTabSz="914400" rtl="0" eaLnBrk="1" latinLnBrk="0" hangingPunct="1">
+              <a:defRPr sz="1800" kern="1200">
+                <a:solidFill>
+                  <a:schemeClr val="tx1"/>
+                </a:solidFill>
+                <a:latin typeface="+mn-lt"/>
+                <a:ea typeface="+mn-ea"/>
+                <a:cs typeface="+mn-cs"/>
+              </a:defRPr>
+            </a:lvl6pPr>
+            <a:lvl7pPr marL="2743200" algn="l" defTabSz="914400" rtl="0" eaLnBrk="1" latinLnBrk="0" hangingPunct="1">
+              <a:defRPr sz="1800" kern="1200">
+                <a:solidFill>
+                  <a:schemeClr val="tx1"/>
+                </a:solidFill>
+                <a:latin typeface="+mn-lt"/>
+                <a:ea typeface="+mn-ea"/>
+                <a:cs typeface="+mn-cs"/>
+              </a:defRPr>
+            </a:lvl7pPr>
+            <a:lvl8pPr marL="3200400" algn="l" defTabSz="914400" rtl="0" eaLnBrk="1" latinLnBrk="0" hangingPunct="1">
+              <a:defRPr sz="1800" kern="1200">
+                <a:solidFill>
+                  <a:schemeClr val="tx1"/>
+                </a:solidFill>
+                <a:latin typeface="+mn-lt"/>
+                <a:ea typeface="+mn-ea"/>
+                <a:cs typeface="+mn-cs"/>
+              </a:defRPr>
+            </a:lvl8pPr>
+            <a:lvl9pPr marL="3657600" algn="l" defTabSz="914400" rtl="0" eaLnBrk="1" latinLnBrk="0" hangingPunct="1">
+              <a:defRPr sz="1800" kern="1200">
+                <a:solidFill>
+                  <a:schemeClr val="tx1"/>
+                </a:solidFill>
+                <a:latin typeface="+mn-lt"/>
+                <a:ea typeface="+mn-ea"/>
+                <a:cs typeface="+mn-cs"/>
+              </a:defRPr>
+            </a:lvl9pPr>
+          </a:lstStyle>
+          <a:p>
+            <a:r>
+              <a:rPr lang="de-DE" dirty="0"/>
+              <a:t>/ 52</a:t>
+            </a:r>
           </a:p>
         </p:txBody>
       </p:sp>
@@ -7113,6 +11757,165 @@
           </a:p>
         </p:txBody>
       </p:sp>
+      <p:sp>
+        <p:nvSpPr>
+          <p:cNvPr id="5" name="Foliennummernplatzhalter 4">
+            <a:extLst>
+              <a:ext uri="{FF2B5EF4-FFF2-40B4-BE49-F238E27FC236}">
+                <a16:creationId xmlns:a16="http://schemas.microsoft.com/office/drawing/2014/main" id="{37A018C2-65D6-4B6E-A51D-62F4EA3D665C}"/>
+              </a:ext>
+            </a:extLst>
+          </p:cNvPr>
+          <p:cNvSpPr>
+            <a:spLocks noGrp="1"/>
+          </p:cNvSpPr>
+          <p:nvPr>
+            <p:ph type="sldNum" sz="quarter" idx="12"/>
+          </p:nvPr>
+        </p:nvSpPr>
+        <p:spPr/>
+        <p:txBody>
+          <a:bodyPr/>
+          <a:lstStyle/>
+          <a:p>
+            <a:fld id="{DD108FB5-2533-4688-B3BC-A918F32943D9}" type="slidenum">
+              <a:rPr lang="de-DE" smtClean="0"/>
+              <a:t>33</a:t>
+            </a:fld>
+            <a:endParaRPr lang="de-DE"/>
+          </a:p>
+        </p:txBody>
+      </p:sp>
+      <p:sp>
+        <p:nvSpPr>
+          <p:cNvPr id="7" name="Foliennummernplatzhalter 1">
+            <a:extLst>
+              <a:ext uri="{FF2B5EF4-FFF2-40B4-BE49-F238E27FC236}">
+                <a16:creationId xmlns:a16="http://schemas.microsoft.com/office/drawing/2014/main" id="{FFA2E536-5130-40A4-967C-D24C3ED31791}"/>
+              </a:ext>
+            </a:extLst>
+          </p:cNvPr>
+          <p:cNvSpPr txBox="1">
+            <a:spLocks/>
+          </p:cNvSpPr>
+          <p:nvPr/>
+        </p:nvSpPr>
+        <p:spPr>
+          <a:xfrm>
+            <a:off x="8914923" y="6356349"/>
+            <a:ext cx="2743200" cy="365125"/>
+          </a:xfrm>
+          <a:prstGeom prst="rect">
+            <a:avLst/>
+          </a:prstGeom>
+        </p:spPr>
+        <p:txBody>
+          <a:bodyPr vert="horz" lIns="91440" tIns="45720" rIns="91440" bIns="45720" rtlCol="0" anchor="ctr"/>
+          <a:lstStyle>
+            <a:defPPr>
+              <a:defRPr lang="de-DE"/>
+            </a:defPPr>
+            <a:lvl1pPr marL="0" algn="r" defTabSz="914400" rtl="0" eaLnBrk="1" latinLnBrk="0" hangingPunct="1">
+              <a:defRPr sz="1200" kern="1200">
+                <a:solidFill>
+                  <a:schemeClr val="tx1">
+                    <a:tint val="75000"/>
+                  </a:schemeClr>
+                </a:solidFill>
+                <a:latin typeface="+mn-lt"/>
+                <a:ea typeface="+mn-ea"/>
+                <a:cs typeface="+mn-cs"/>
+              </a:defRPr>
+            </a:lvl1pPr>
+            <a:lvl2pPr marL="457200" algn="l" defTabSz="914400" rtl="0" eaLnBrk="1" latinLnBrk="0" hangingPunct="1">
+              <a:defRPr sz="1800" kern="1200">
+                <a:solidFill>
+                  <a:schemeClr val="tx1"/>
+                </a:solidFill>
+                <a:latin typeface="+mn-lt"/>
+                <a:ea typeface="+mn-ea"/>
+                <a:cs typeface="+mn-cs"/>
+              </a:defRPr>
+            </a:lvl2pPr>
+            <a:lvl3pPr marL="914400" algn="l" defTabSz="914400" rtl="0" eaLnBrk="1" latinLnBrk="0" hangingPunct="1">
+              <a:defRPr sz="1800" kern="1200">
+                <a:solidFill>
+                  <a:schemeClr val="tx1"/>
+                </a:solidFill>
+                <a:latin typeface="+mn-lt"/>
+                <a:ea typeface="+mn-ea"/>
+                <a:cs typeface="+mn-cs"/>
+              </a:defRPr>
+            </a:lvl3pPr>
+            <a:lvl4pPr marL="1371600" algn="l" defTabSz="914400" rtl="0" eaLnBrk="1" latinLnBrk="0" hangingPunct="1">
+              <a:defRPr sz="1800" kern="1200">
+                <a:solidFill>
+                  <a:schemeClr val="tx1"/>
+                </a:solidFill>
+                <a:latin typeface="+mn-lt"/>
+                <a:ea typeface="+mn-ea"/>
+                <a:cs typeface="+mn-cs"/>
+              </a:defRPr>
+            </a:lvl4pPr>
+            <a:lvl5pPr marL="1828800" algn="l" defTabSz="914400" rtl="0" eaLnBrk="1" latinLnBrk="0" hangingPunct="1">
+              <a:defRPr sz="1800" kern="1200">
+                <a:solidFill>
+                  <a:schemeClr val="tx1"/>
+                </a:solidFill>
+                <a:latin typeface="+mn-lt"/>
+                <a:ea typeface="+mn-ea"/>
+                <a:cs typeface="+mn-cs"/>
+              </a:defRPr>
+            </a:lvl5pPr>
+            <a:lvl6pPr marL="2286000" algn="l" defTabSz="914400" rtl="0" eaLnBrk="1" latinLnBrk="0" hangingPunct="1">
+              <a:defRPr sz="1800" kern="1200">
+                <a:solidFill>
+                  <a:schemeClr val="tx1"/>
+                </a:solidFill>
+                <a:latin typeface="+mn-lt"/>
+                <a:ea typeface="+mn-ea"/>
+                <a:cs typeface="+mn-cs"/>
+              </a:defRPr>
+            </a:lvl6pPr>
+            <a:lvl7pPr marL="2743200" algn="l" defTabSz="914400" rtl="0" eaLnBrk="1" latinLnBrk="0" hangingPunct="1">
+              <a:defRPr sz="1800" kern="1200">
+                <a:solidFill>
+                  <a:schemeClr val="tx1"/>
+                </a:solidFill>
+                <a:latin typeface="+mn-lt"/>
+                <a:ea typeface="+mn-ea"/>
+                <a:cs typeface="+mn-cs"/>
+              </a:defRPr>
+            </a:lvl7pPr>
+            <a:lvl8pPr marL="3200400" algn="l" defTabSz="914400" rtl="0" eaLnBrk="1" latinLnBrk="0" hangingPunct="1">
+              <a:defRPr sz="1800" kern="1200">
+                <a:solidFill>
+                  <a:schemeClr val="tx1"/>
+                </a:solidFill>
+                <a:latin typeface="+mn-lt"/>
+                <a:ea typeface="+mn-ea"/>
+                <a:cs typeface="+mn-cs"/>
+              </a:defRPr>
+            </a:lvl8pPr>
+            <a:lvl9pPr marL="3657600" algn="l" defTabSz="914400" rtl="0" eaLnBrk="1" latinLnBrk="0" hangingPunct="1">
+              <a:defRPr sz="1800" kern="1200">
+                <a:solidFill>
+                  <a:schemeClr val="tx1"/>
+                </a:solidFill>
+                <a:latin typeface="+mn-lt"/>
+                <a:ea typeface="+mn-ea"/>
+                <a:cs typeface="+mn-cs"/>
+              </a:defRPr>
+            </a:lvl9pPr>
+          </a:lstStyle>
+          <a:p>
+            <a:r>
+              <a:rPr lang="de-DE" dirty="0"/>
+              <a:t>/ 52</a:t>
+            </a:r>
+          </a:p>
+        </p:txBody>
+      </p:sp>
     </p:spTree>
     <p:extLst>
       <p:ext uri="{BB962C8B-B14F-4D97-AF65-F5344CB8AC3E}">
@@ -7240,6 +12043,165 @@
           </a:ln>
         </p:spPr>
       </p:pic>
+      <p:sp>
+        <p:nvSpPr>
+          <p:cNvPr id="4" name="Foliennummernplatzhalter 3">
+            <a:extLst>
+              <a:ext uri="{FF2B5EF4-FFF2-40B4-BE49-F238E27FC236}">
+                <a16:creationId xmlns:a16="http://schemas.microsoft.com/office/drawing/2014/main" id="{AD7EEF54-C417-4539-9C90-0FA71F03B7B3}"/>
+              </a:ext>
+            </a:extLst>
+          </p:cNvPr>
+          <p:cNvSpPr>
+            <a:spLocks noGrp="1"/>
+          </p:cNvSpPr>
+          <p:nvPr>
+            <p:ph type="sldNum" sz="quarter" idx="12"/>
+          </p:nvPr>
+        </p:nvSpPr>
+        <p:spPr/>
+        <p:txBody>
+          <a:bodyPr/>
+          <a:lstStyle/>
+          <a:p>
+            <a:fld id="{DD108FB5-2533-4688-B3BC-A918F32943D9}" type="slidenum">
+              <a:rPr lang="de-DE" smtClean="0"/>
+              <a:t>34</a:t>
+            </a:fld>
+            <a:endParaRPr lang="de-DE"/>
+          </a:p>
+        </p:txBody>
+      </p:sp>
+      <p:sp>
+        <p:nvSpPr>
+          <p:cNvPr id="7" name="Foliennummernplatzhalter 1">
+            <a:extLst>
+              <a:ext uri="{FF2B5EF4-FFF2-40B4-BE49-F238E27FC236}">
+                <a16:creationId xmlns:a16="http://schemas.microsoft.com/office/drawing/2014/main" id="{9B1CF35C-6996-420D-B394-03B9F23263CF}"/>
+              </a:ext>
+            </a:extLst>
+          </p:cNvPr>
+          <p:cNvSpPr txBox="1">
+            <a:spLocks/>
+          </p:cNvSpPr>
+          <p:nvPr/>
+        </p:nvSpPr>
+        <p:spPr>
+          <a:xfrm>
+            <a:off x="8914923" y="6356349"/>
+            <a:ext cx="2743200" cy="365125"/>
+          </a:xfrm>
+          <a:prstGeom prst="rect">
+            <a:avLst/>
+          </a:prstGeom>
+        </p:spPr>
+        <p:txBody>
+          <a:bodyPr vert="horz" lIns="91440" tIns="45720" rIns="91440" bIns="45720" rtlCol="0" anchor="ctr"/>
+          <a:lstStyle>
+            <a:defPPr>
+              <a:defRPr lang="de-DE"/>
+            </a:defPPr>
+            <a:lvl1pPr marL="0" algn="r" defTabSz="914400" rtl="0" eaLnBrk="1" latinLnBrk="0" hangingPunct="1">
+              <a:defRPr sz="1200" kern="1200">
+                <a:solidFill>
+                  <a:schemeClr val="tx1">
+                    <a:tint val="75000"/>
+                  </a:schemeClr>
+                </a:solidFill>
+                <a:latin typeface="+mn-lt"/>
+                <a:ea typeface="+mn-ea"/>
+                <a:cs typeface="+mn-cs"/>
+              </a:defRPr>
+            </a:lvl1pPr>
+            <a:lvl2pPr marL="457200" algn="l" defTabSz="914400" rtl="0" eaLnBrk="1" latinLnBrk="0" hangingPunct="1">
+              <a:defRPr sz="1800" kern="1200">
+                <a:solidFill>
+                  <a:schemeClr val="tx1"/>
+                </a:solidFill>
+                <a:latin typeface="+mn-lt"/>
+                <a:ea typeface="+mn-ea"/>
+                <a:cs typeface="+mn-cs"/>
+              </a:defRPr>
+            </a:lvl2pPr>
+            <a:lvl3pPr marL="914400" algn="l" defTabSz="914400" rtl="0" eaLnBrk="1" latinLnBrk="0" hangingPunct="1">
+              <a:defRPr sz="1800" kern="1200">
+                <a:solidFill>
+                  <a:schemeClr val="tx1"/>
+                </a:solidFill>
+                <a:latin typeface="+mn-lt"/>
+                <a:ea typeface="+mn-ea"/>
+                <a:cs typeface="+mn-cs"/>
+              </a:defRPr>
+            </a:lvl3pPr>
+            <a:lvl4pPr marL="1371600" algn="l" defTabSz="914400" rtl="0" eaLnBrk="1" latinLnBrk="0" hangingPunct="1">
+              <a:defRPr sz="1800" kern="1200">
+                <a:solidFill>
+                  <a:schemeClr val="tx1"/>
+                </a:solidFill>
+                <a:latin typeface="+mn-lt"/>
+                <a:ea typeface="+mn-ea"/>
+                <a:cs typeface="+mn-cs"/>
+              </a:defRPr>
+            </a:lvl4pPr>
+            <a:lvl5pPr marL="1828800" algn="l" defTabSz="914400" rtl="0" eaLnBrk="1" latinLnBrk="0" hangingPunct="1">
+              <a:defRPr sz="1800" kern="1200">
+                <a:solidFill>
+                  <a:schemeClr val="tx1"/>
+                </a:solidFill>
+                <a:latin typeface="+mn-lt"/>
+                <a:ea typeface="+mn-ea"/>
+                <a:cs typeface="+mn-cs"/>
+              </a:defRPr>
+            </a:lvl5pPr>
+            <a:lvl6pPr marL="2286000" algn="l" defTabSz="914400" rtl="0" eaLnBrk="1" latinLnBrk="0" hangingPunct="1">
+              <a:defRPr sz="1800" kern="1200">
+                <a:solidFill>
+                  <a:schemeClr val="tx1"/>
+                </a:solidFill>
+                <a:latin typeface="+mn-lt"/>
+                <a:ea typeface="+mn-ea"/>
+                <a:cs typeface="+mn-cs"/>
+              </a:defRPr>
+            </a:lvl6pPr>
+            <a:lvl7pPr marL="2743200" algn="l" defTabSz="914400" rtl="0" eaLnBrk="1" latinLnBrk="0" hangingPunct="1">
+              <a:defRPr sz="1800" kern="1200">
+                <a:solidFill>
+                  <a:schemeClr val="tx1"/>
+                </a:solidFill>
+                <a:latin typeface="+mn-lt"/>
+                <a:ea typeface="+mn-ea"/>
+                <a:cs typeface="+mn-cs"/>
+              </a:defRPr>
+            </a:lvl7pPr>
+            <a:lvl8pPr marL="3200400" algn="l" defTabSz="914400" rtl="0" eaLnBrk="1" latinLnBrk="0" hangingPunct="1">
+              <a:defRPr sz="1800" kern="1200">
+                <a:solidFill>
+                  <a:schemeClr val="tx1"/>
+                </a:solidFill>
+                <a:latin typeface="+mn-lt"/>
+                <a:ea typeface="+mn-ea"/>
+                <a:cs typeface="+mn-cs"/>
+              </a:defRPr>
+            </a:lvl8pPr>
+            <a:lvl9pPr marL="3657600" algn="l" defTabSz="914400" rtl="0" eaLnBrk="1" latinLnBrk="0" hangingPunct="1">
+              <a:defRPr sz="1800" kern="1200">
+                <a:solidFill>
+                  <a:schemeClr val="tx1"/>
+                </a:solidFill>
+                <a:latin typeface="+mn-lt"/>
+                <a:ea typeface="+mn-ea"/>
+                <a:cs typeface="+mn-cs"/>
+              </a:defRPr>
+            </a:lvl9pPr>
+          </a:lstStyle>
+          <a:p>
+            <a:r>
+              <a:rPr lang="de-DE" dirty="0"/>
+              <a:t>/ 52</a:t>
+            </a:r>
+          </a:p>
+        </p:txBody>
+      </p:sp>
     </p:spTree>
     <p:extLst>
       <p:ext uri="{BB962C8B-B14F-4D97-AF65-F5344CB8AC3E}">
@@ -7552,6 +12514,165 @@
           </p:sp>
         </p:grpSp>
       </p:grpSp>
+      <p:sp>
+        <p:nvSpPr>
+          <p:cNvPr id="4" name="Foliennummernplatzhalter 3">
+            <a:extLst>
+              <a:ext uri="{FF2B5EF4-FFF2-40B4-BE49-F238E27FC236}">
+                <a16:creationId xmlns:a16="http://schemas.microsoft.com/office/drawing/2014/main" id="{EDDE83B8-9C3B-4E42-BF55-449382121875}"/>
+              </a:ext>
+            </a:extLst>
+          </p:cNvPr>
+          <p:cNvSpPr>
+            <a:spLocks noGrp="1"/>
+          </p:cNvSpPr>
+          <p:nvPr>
+            <p:ph type="sldNum" sz="quarter" idx="12"/>
+          </p:nvPr>
+        </p:nvSpPr>
+        <p:spPr/>
+        <p:txBody>
+          <a:bodyPr/>
+          <a:lstStyle/>
+          <a:p>
+            <a:fld id="{DD108FB5-2533-4688-B3BC-A918F32943D9}" type="slidenum">
+              <a:rPr lang="de-DE" smtClean="0"/>
+              <a:t>35</a:t>
+            </a:fld>
+            <a:endParaRPr lang="de-DE"/>
+          </a:p>
+        </p:txBody>
+      </p:sp>
+      <p:sp>
+        <p:nvSpPr>
+          <p:cNvPr id="15" name="Foliennummernplatzhalter 1">
+            <a:extLst>
+              <a:ext uri="{FF2B5EF4-FFF2-40B4-BE49-F238E27FC236}">
+                <a16:creationId xmlns:a16="http://schemas.microsoft.com/office/drawing/2014/main" id="{69EBD4B2-4556-4A78-8B36-9316A1B0974F}"/>
+              </a:ext>
+            </a:extLst>
+          </p:cNvPr>
+          <p:cNvSpPr txBox="1">
+            <a:spLocks/>
+          </p:cNvSpPr>
+          <p:nvPr/>
+        </p:nvSpPr>
+        <p:spPr>
+          <a:xfrm>
+            <a:off x="8914923" y="6356349"/>
+            <a:ext cx="2743200" cy="365125"/>
+          </a:xfrm>
+          <a:prstGeom prst="rect">
+            <a:avLst/>
+          </a:prstGeom>
+        </p:spPr>
+        <p:txBody>
+          <a:bodyPr vert="horz" lIns="91440" tIns="45720" rIns="91440" bIns="45720" rtlCol="0" anchor="ctr"/>
+          <a:lstStyle>
+            <a:defPPr>
+              <a:defRPr lang="de-DE"/>
+            </a:defPPr>
+            <a:lvl1pPr marL="0" algn="r" defTabSz="914400" rtl="0" eaLnBrk="1" latinLnBrk="0" hangingPunct="1">
+              <a:defRPr sz="1200" kern="1200">
+                <a:solidFill>
+                  <a:schemeClr val="tx1">
+                    <a:tint val="75000"/>
+                  </a:schemeClr>
+                </a:solidFill>
+                <a:latin typeface="+mn-lt"/>
+                <a:ea typeface="+mn-ea"/>
+                <a:cs typeface="+mn-cs"/>
+              </a:defRPr>
+            </a:lvl1pPr>
+            <a:lvl2pPr marL="457200" algn="l" defTabSz="914400" rtl="0" eaLnBrk="1" latinLnBrk="0" hangingPunct="1">
+              <a:defRPr sz="1800" kern="1200">
+                <a:solidFill>
+                  <a:schemeClr val="tx1"/>
+                </a:solidFill>
+                <a:latin typeface="+mn-lt"/>
+                <a:ea typeface="+mn-ea"/>
+                <a:cs typeface="+mn-cs"/>
+              </a:defRPr>
+            </a:lvl2pPr>
+            <a:lvl3pPr marL="914400" algn="l" defTabSz="914400" rtl="0" eaLnBrk="1" latinLnBrk="0" hangingPunct="1">
+              <a:defRPr sz="1800" kern="1200">
+                <a:solidFill>
+                  <a:schemeClr val="tx1"/>
+                </a:solidFill>
+                <a:latin typeface="+mn-lt"/>
+                <a:ea typeface="+mn-ea"/>
+                <a:cs typeface="+mn-cs"/>
+              </a:defRPr>
+            </a:lvl3pPr>
+            <a:lvl4pPr marL="1371600" algn="l" defTabSz="914400" rtl="0" eaLnBrk="1" latinLnBrk="0" hangingPunct="1">
+              <a:defRPr sz="1800" kern="1200">
+                <a:solidFill>
+                  <a:schemeClr val="tx1"/>
+                </a:solidFill>
+                <a:latin typeface="+mn-lt"/>
+                <a:ea typeface="+mn-ea"/>
+                <a:cs typeface="+mn-cs"/>
+              </a:defRPr>
+            </a:lvl4pPr>
+            <a:lvl5pPr marL="1828800" algn="l" defTabSz="914400" rtl="0" eaLnBrk="1" latinLnBrk="0" hangingPunct="1">
+              <a:defRPr sz="1800" kern="1200">
+                <a:solidFill>
+                  <a:schemeClr val="tx1"/>
+                </a:solidFill>
+                <a:latin typeface="+mn-lt"/>
+                <a:ea typeface="+mn-ea"/>
+                <a:cs typeface="+mn-cs"/>
+              </a:defRPr>
+            </a:lvl5pPr>
+            <a:lvl6pPr marL="2286000" algn="l" defTabSz="914400" rtl="0" eaLnBrk="1" latinLnBrk="0" hangingPunct="1">
+              <a:defRPr sz="1800" kern="1200">
+                <a:solidFill>
+                  <a:schemeClr val="tx1"/>
+                </a:solidFill>
+                <a:latin typeface="+mn-lt"/>
+                <a:ea typeface="+mn-ea"/>
+                <a:cs typeface="+mn-cs"/>
+              </a:defRPr>
+            </a:lvl6pPr>
+            <a:lvl7pPr marL="2743200" algn="l" defTabSz="914400" rtl="0" eaLnBrk="1" latinLnBrk="0" hangingPunct="1">
+              <a:defRPr sz="1800" kern="1200">
+                <a:solidFill>
+                  <a:schemeClr val="tx1"/>
+                </a:solidFill>
+                <a:latin typeface="+mn-lt"/>
+                <a:ea typeface="+mn-ea"/>
+                <a:cs typeface="+mn-cs"/>
+              </a:defRPr>
+            </a:lvl7pPr>
+            <a:lvl8pPr marL="3200400" algn="l" defTabSz="914400" rtl="0" eaLnBrk="1" latinLnBrk="0" hangingPunct="1">
+              <a:defRPr sz="1800" kern="1200">
+                <a:solidFill>
+                  <a:schemeClr val="tx1"/>
+                </a:solidFill>
+                <a:latin typeface="+mn-lt"/>
+                <a:ea typeface="+mn-ea"/>
+                <a:cs typeface="+mn-cs"/>
+              </a:defRPr>
+            </a:lvl8pPr>
+            <a:lvl9pPr marL="3657600" algn="l" defTabSz="914400" rtl="0" eaLnBrk="1" latinLnBrk="0" hangingPunct="1">
+              <a:defRPr sz="1800" kern="1200">
+                <a:solidFill>
+                  <a:schemeClr val="tx1"/>
+                </a:solidFill>
+                <a:latin typeface="+mn-lt"/>
+                <a:ea typeface="+mn-ea"/>
+                <a:cs typeface="+mn-cs"/>
+              </a:defRPr>
+            </a:lvl9pPr>
+          </a:lstStyle>
+          <a:p>
+            <a:r>
+              <a:rPr lang="de-DE" dirty="0"/>
+              <a:t>/ 52</a:t>
+            </a:r>
+          </a:p>
+        </p:txBody>
+      </p:sp>
     </p:spTree>
     <p:extLst>
       <p:ext uri="{BB962C8B-B14F-4D97-AF65-F5344CB8AC3E}">
@@ -7771,6 +12892,165 @@
           </a:prstGeom>
         </p:spPr>
       </p:pic>
+      <p:sp>
+        <p:nvSpPr>
+          <p:cNvPr id="2" name="Foliennummernplatzhalter 1">
+            <a:extLst>
+              <a:ext uri="{FF2B5EF4-FFF2-40B4-BE49-F238E27FC236}">
+                <a16:creationId xmlns:a16="http://schemas.microsoft.com/office/drawing/2014/main" id="{47F0A498-53B5-4493-A1DF-527D86FA2BD4}"/>
+              </a:ext>
+            </a:extLst>
+          </p:cNvPr>
+          <p:cNvSpPr>
+            <a:spLocks noGrp="1"/>
+          </p:cNvSpPr>
+          <p:nvPr>
+            <p:ph type="sldNum" sz="quarter" idx="12"/>
+          </p:nvPr>
+        </p:nvSpPr>
+        <p:spPr/>
+        <p:txBody>
+          <a:bodyPr/>
+          <a:lstStyle/>
+          <a:p>
+            <a:fld id="{DD108FB5-2533-4688-B3BC-A918F32943D9}" type="slidenum">
+              <a:rPr lang="de-DE" smtClean="0"/>
+              <a:t>36</a:t>
+            </a:fld>
+            <a:endParaRPr lang="de-DE"/>
+          </a:p>
+        </p:txBody>
+      </p:sp>
+      <p:sp>
+        <p:nvSpPr>
+          <p:cNvPr id="8" name="Foliennummernplatzhalter 1">
+            <a:extLst>
+              <a:ext uri="{FF2B5EF4-FFF2-40B4-BE49-F238E27FC236}">
+                <a16:creationId xmlns:a16="http://schemas.microsoft.com/office/drawing/2014/main" id="{49ED283A-D7A3-47D9-9925-1748C709CA3B}"/>
+              </a:ext>
+            </a:extLst>
+          </p:cNvPr>
+          <p:cNvSpPr txBox="1">
+            <a:spLocks/>
+          </p:cNvSpPr>
+          <p:nvPr/>
+        </p:nvSpPr>
+        <p:spPr>
+          <a:xfrm>
+            <a:off x="8914923" y="6356349"/>
+            <a:ext cx="2743200" cy="365125"/>
+          </a:xfrm>
+          <a:prstGeom prst="rect">
+            <a:avLst/>
+          </a:prstGeom>
+        </p:spPr>
+        <p:txBody>
+          <a:bodyPr vert="horz" lIns="91440" tIns="45720" rIns="91440" bIns="45720" rtlCol="0" anchor="ctr"/>
+          <a:lstStyle>
+            <a:defPPr>
+              <a:defRPr lang="de-DE"/>
+            </a:defPPr>
+            <a:lvl1pPr marL="0" algn="r" defTabSz="914400" rtl="0" eaLnBrk="1" latinLnBrk="0" hangingPunct="1">
+              <a:defRPr sz="1200" kern="1200">
+                <a:solidFill>
+                  <a:schemeClr val="tx1">
+                    <a:tint val="75000"/>
+                  </a:schemeClr>
+                </a:solidFill>
+                <a:latin typeface="+mn-lt"/>
+                <a:ea typeface="+mn-ea"/>
+                <a:cs typeface="+mn-cs"/>
+              </a:defRPr>
+            </a:lvl1pPr>
+            <a:lvl2pPr marL="457200" algn="l" defTabSz="914400" rtl="0" eaLnBrk="1" latinLnBrk="0" hangingPunct="1">
+              <a:defRPr sz="1800" kern="1200">
+                <a:solidFill>
+                  <a:schemeClr val="tx1"/>
+                </a:solidFill>
+                <a:latin typeface="+mn-lt"/>
+                <a:ea typeface="+mn-ea"/>
+                <a:cs typeface="+mn-cs"/>
+              </a:defRPr>
+            </a:lvl2pPr>
+            <a:lvl3pPr marL="914400" algn="l" defTabSz="914400" rtl="0" eaLnBrk="1" latinLnBrk="0" hangingPunct="1">
+              <a:defRPr sz="1800" kern="1200">
+                <a:solidFill>
+                  <a:schemeClr val="tx1"/>
+                </a:solidFill>
+                <a:latin typeface="+mn-lt"/>
+                <a:ea typeface="+mn-ea"/>
+                <a:cs typeface="+mn-cs"/>
+              </a:defRPr>
+            </a:lvl3pPr>
+            <a:lvl4pPr marL="1371600" algn="l" defTabSz="914400" rtl="0" eaLnBrk="1" latinLnBrk="0" hangingPunct="1">
+              <a:defRPr sz="1800" kern="1200">
+                <a:solidFill>
+                  <a:schemeClr val="tx1"/>
+                </a:solidFill>
+                <a:latin typeface="+mn-lt"/>
+                <a:ea typeface="+mn-ea"/>
+                <a:cs typeface="+mn-cs"/>
+              </a:defRPr>
+            </a:lvl4pPr>
+            <a:lvl5pPr marL="1828800" algn="l" defTabSz="914400" rtl="0" eaLnBrk="1" latinLnBrk="0" hangingPunct="1">
+              <a:defRPr sz="1800" kern="1200">
+                <a:solidFill>
+                  <a:schemeClr val="tx1"/>
+                </a:solidFill>
+                <a:latin typeface="+mn-lt"/>
+                <a:ea typeface="+mn-ea"/>
+                <a:cs typeface="+mn-cs"/>
+              </a:defRPr>
+            </a:lvl5pPr>
+            <a:lvl6pPr marL="2286000" algn="l" defTabSz="914400" rtl="0" eaLnBrk="1" latinLnBrk="0" hangingPunct="1">
+              <a:defRPr sz="1800" kern="1200">
+                <a:solidFill>
+                  <a:schemeClr val="tx1"/>
+                </a:solidFill>
+                <a:latin typeface="+mn-lt"/>
+                <a:ea typeface="+mn-ea"/>
+                <a:cs typeface="+mn-cs"/>
+              </a:defRPr>
+            </a:lvl6pPr>
+            <a:lvl7pPr marL="2743200" algn="l" defTabSz="914400" rtl="0" eaLnBrk="1" latinLnBrk="0" hangingPunct="1">
+              <a:defRPr sz="1800" kern="1200">
+                <a:solidFill>
+                  <a:schemeClr val="tx1"/>
+                </a:solidFill>
+                <a:latin typeface="+mn-lt"/>
+                <a:ea typeface="+mn-ea"/>
+                <a:cs typeface="+mn-cs"/>
+              </a:defRPr>
+            </a:lvl7pPr>
+            <a:lvl8pPr marL="3200400" algn="l" defTabSz="914400" rtl="0" eaLnBrk="1" latinLnBrk="0" hangingPunct="1">
+              <a:defRPr sz="1800" kern="1200">
+                <a:solidFill>
+                  <a:schemeClr val="tx1"/>
+                </a:solidFill>
+                <a:latin typeface="+mn-lt"/>
+                <a:ea typeface="+mn-ea"/>
+                <a:cs typeface="+mn-cs"/>
+              </a:defRPr>
+            </a:lvl8pPr>
+            <a:lvl9pPr marL="3657600" algn="l" defTabSz="914400" rtl="0" eaLnBrk="1" latinLnBrk="0" hangingPunct="1">
+              <a:defRPr sz="1800" kern="1200">
+                <a:solidFill>
+                  <a:schemeClr val="tx1"/>
+                </a:solidFill>
+                <a:latin typeface="+mn-lt"/>
+                <a:ea typeface="+mn-ea"/>
+                <a:cs typeface="+mn-cs"/>
+              </a:defRPr>
+            </a:lvl9pPr>
+          </a:lstStyle>
+          <a:p>
+            <a:r>
+              <a:rPr lang="de-DE" dirty="0"/>
+              <a:t>/ 52</a:t>
+            </a:r>
+          </a:p>
+        </p:txBody>
+      </p:sp>
     </p:spTree>
     <p:extLst>
       <p:ext uri="{BB962C8B-B14F-4D97-AF65-F5344CB8AC3E}">
@@ -7937,6 +13217,165 @@
           </a:p>
         </p:txBody>
       </p:sp>
+      <p:sp>
+        <p:nvSpPr>
+          <p:cNvPr id="2" name="Foliennummernplatzhalter 1">
+            <a:extLst>
+              <a:ext uri="{FF2B5EF4-FFF2-40B4-BE49-F238E27FC236}">
+                <a16:creationId xmlns:a16="http://schemas.microsoft.com/office/drawing/2014/main" id="{DAC762C4-E51C-4101-A3B9-FFFC312025CF}"/>
+              </a:ext>
+            </a:extLst>
+          </p:cNvPr>
+          <p:cNvSpPr>
+            <a:spLocks noGrp="1"/>
+          </p:cNvSpPr>
+          <p:nvPr>
+            <p:ph type="sldNum" sz="quarter" idx="12"/>
+          </p:nvPr>
+        </p:nvSpPr>
+        <p:spPr/>
+        <p:txBody>
+          <a:bodyPr/>
+          <a:lstStyle/>
+          <a:p>
+            <a:fld id="{DD108FB5-2533-4688-B3BC-A918F32943D9}" type="slidenum">
+              <a:rPr lang="de-DE" smtClean="0"/>
+              <a:t>37</a:t>
+            </a:fld>
+            <a:endParaRPr lang="de-DE"/>
+          </a:p>
+        </p:txBody>
+      </p:sp>
+      <p:sp>
+        <p:nvSpPr>
+          <p:cNvPr id="6" name="Foliennummernplatzhalter 1">
+            <a:extLst>
+              <a:ext uri="{FF2B5EF4-FFF2-40B4-BE49-F238E27FC236}">
+                <a16:creationId xmlns:a16="http://schemas.microsoft.com/office/drawing/2014/main" id="{B526F511-3189-4119-BAB2-DFBCA728B14D}"/>
+              </a:ext>
+            </a:extLst>
+          </p:cNvPr>
+          <p:cNvSpPr txBox="1">
+            <a:spLocks/>
+          </p:cNvSpPr>
+          <p:nvPr/>
+        </p:nvSpPr>
+        <p:spPr>
+          <a:xfrm>
+            <a:off x="8914923" y="6356349"/>
+            <a:ext cx="2743200" cy="365125"/>
+          </a:xfrm>
+          <a:prstGeom prst="rect">
+            <a:avLst/>
+          </a:prstGeom>
+        </p:spPr>
+        <p:txBody>
+          <a:bodyPr vert="horz" lIns="91440" tIns="45720" rIns="91440" bIns="45720" rtlCol="0" anchor="ctr"/>
+          <a:lstStyle>
+            <a:defPPr>
+              <a:defRPr lang="de-DE"/>
+            </a:defPPr>
+            <a:lvl1pPr marL="0" algn="r" defTabSz="914400" rtl="0" eaLnBrk="1" latinLnBrk="0" hangingPunct="1">
+              <a:defRPr sz="1200" kern="1200">
+                <a:solidFill>
+                  <a:schemeClr val="tx1">
+                    <a:tint val="75000"/>
+                  </a:schemeClr>
+                </a:solidFill>
+                <a:latin typeface="+mn-lt"/>
+                <a:ea typeface="+mn-ea"/>
+                <a:cs typeface="+mn-cs"/>
+              </a:defRPr>
+            </a:lvl1pPr>
+            <a:lvl2pPr marL="457200" algn="l" defTabSz="914400" rtl="0" eaLnBrk="1" latinLnBrk="0" hangingPunct="1">
+              <a:defRPr sz="1800" kern="1200">
+                <a:solidFill>
+                  <a:schemeClr val="tx1"/>
+                </a:solidFill>
+                <a:latin typeface="+mn-lt"/>
+                <a:ea typeface="+mn-ea"/>
+                <a:cs typeface="+mn-cs"/>
+              </a:defRPr>
+            </a:lvl2pPr>
+            <a:lvl3pPr marL="914400" algn="l" defTabSz="914400" rtl="0" eaLnBrk="1" latinLnBrk="0" hangingPunct="1">
+              <a:defRPr sz="1800" kern="1200">
+                <a:solidFill>
+                  <a:schemeClr val="tx1"/>
+                </a:solidFill>
+                <a:latin typeface="+mn-lt"/>
+                <a:ea typeface="+mn-ea"/>
+                <a:cs typeface="+mn-cs"/>
+              </a:defRPr>
+            </a:lvl3pPr>
+            <a:lvl4pPr marL="1371600" algn="l" defTabSz="914400" rtl="0" eaLnBrk="1" latinLnBrk="0" hangingPunct="1">
+              <a:defRPr sz="1800" kern="1200">
+                <a:solidFill>
+                  <a:schemeClr val="tx1"/>
+                </a:solidFill>
+                <a:latin typeface="+mn-lt"/>
+                <a:ea typeface="+mn-ea"/>
+                <a:cs typeface="+mn-cs"/>
+              </a:defRPr>
+            </a:lvl4pPr>
+            <a:lvl5pPr marL="1828800" algn="l" defTabSz="914400" rtl="0" eaLnBrk="1" latinLnBrk="0" hangingPunct="1">
+              <a:defRPr sz="1800" kern="1200">
+                <a:solidFill>
+                  <a:schemeClr val="tx1"/>
+                </a:solidFill>
+                <a:latin typeface="+mn-lt"/>
+                <a:ea typeface="+mn-ea"/>
+                <a:cs typeface="+mn-cs"/>
+              </a:defRPr>
+            </a:lvl5pPr>
+            <a:lvl6pPr marL="2286000" algn="l" defTabSz="914400" rtl="0" eaLnBrk="1" latinLnBrk="0" hangingPunct="1">
+              <a:defRPr sz="1800" kern="1200">
+                <a:solidFill>
+                  <a:schemeClr val="tx1"/>
+                </a:solidFill>
+                <a:latin typeface="+mn-lt"/>
+                <a:ea typeface="+mn-ea"/>
+                <a:cs typeface="+mn-cs"/>
+              </a:defRPr>
+            </a:lvl6pPr>
+            <a:lvl7pPr marL="2743200" algn="l" defTabSz="914400" rtl="0" eaLnBrk="1" latinLnBrk="0" hangingPunct="1">
+              <a:defRPr sz="1800" kern="1200">
+                <a:solidFill>
+                  <a:schemeClr val="tx1"/>
+                </a:solidFill>
+                <a:latin typeface="+mn-lt"/>
+                <a:ea typeface="+mn-ea"/>
+                <a:cs typeface="+mn-cs"/>
+              </a:defRPr>
+            </a:lvl7pPr>
+            <a:lvl8pPr marL="3200400" algn="l" defTabSz="914400" rtl="0" eaLnBrk="1" latinLnBrk="0" hangingPunct="1">
+              <a:defRPr sz="1800" kern="1200">
+                <a:solidFill>
+                  <a:schemeClr val="tx1"/>
+                </a:solidFill>
+                <a:latin typeface="+mn-lt"/>
+                <a:ea typeface="+mn-ea"/>
+                <a:cs typeface="+mn-cs"/>
+              </a:defRPr>
+            </a:lvl8pPr>
+            <a:lvl9pPr marL="3657600" algn="l" defTabSz="914400" rtl="0" eaLnBrk="1" latinLnBrk="0" hangingPunct="1">
+              <a:defRPr sz="1800" kern="1200">
+                <a:solidFill>
+                  <a:schemeClr val="tx1"/>
+                </a:solidFill>
+                <a:latin typeface="+mn-lt"/>
+                <a:ea typeface="+mn-ea"/>
+                <a:cs typeface="+mn-cs"/>
+              </a:defRPr>
+            </a:lvl9pPr>
+          </a:lstStyle>
+          <a:p>
+            <a:r>
+              <a:rPr lang="de-DE" dirty="0"/>
+              <a:t>/ 52</a:t>
+            </a:r>
+          </a:p>
+        </p:txBody>
+      </p:sp>
     </p:spTree>
     <p:extLst>
       <p:ext uri="{BB962C8B-B14F-4D97-AF65-F5344CB8AC3E}">
@@ -8098,6 +13537,165 @@
           </a:p>
         </p:txBody>
       </p:sp>
+      <p:sp>
+        <p:nvSpPr>
+          <p:cNvPr id="2" name="Foliennummernplatzhalter 1">
+            <a:extLst>
+              <a:ext uri="{FF2B5EF4-FFF2-40B4-BE49-F238E27FC236}">
+                <a16:creationId xmlns:a16="http://schemas.microsoft.com/office/drawing/2014/main" id="{3F170F28-D831-468A-B41B-D6F7066EC52A}"/>
+              </a:ext>
+            </a:extLst>
+          </p:cNvPr>
+          <p:cNvSpPr>
+            <a:spLocks noGrp="1"/>
+          </p:cNvSpPr>
+          <p:nvPr>
+            <p:ph type="sldNum" sz="quarter" idx="12"/>
+          </p:nvPr>
+        </p:nvSpPr>
+        <p:spPr/>
+        <p:txBody>
+          <a:bodyPr/>
+          <a:lstStyle/>
+          <a:p>
+            <a:fld id="{DD108FB5-2533-4688-B3BC-A918F32943D9}" type="slidenum">
+              <a:rPr lang="de-DE" smtClean="0"/>
+              <a:t>38</a:t>
+            </a:fld>
+            <a:endParaRPr lang="de-DE"/>
+          </a:p>
+        </p:txBody>
+      </p:sp>
+      <p:sp>
+        <p:nvSpPr>
+          <p:cNvPr id="6" name="Foliennummernplatzhalter 1">
+            <a:extLst>
+              <a:ext uri="{FF2B5EF4-FFF2-40B4-BE49-F238E27FC236}">
+                <a16:creationId xmlns:a16="http://schemas.microsoft.com/office/drawing/2014/main" id="{56E5E868-0E50-470D-A402-962F103C9616}"/>
+              </a:ext>
+            </a:extLst>
+          </p:cNvPr>
+          <p:cNvSpPr txBox="1">
+            <a:spLocks/>
+          </p:cNvSpPr>
+          <p:nvPr/>
+        </p:nvSpPr>
+        <p:spPr>
+          <a:xfrm>
+            <a:off x="8914923" y="6356349"/>
+            <a:ext cx="2743200" cy="365125"/>
+          </a:xfrm>
+          <a:prstGeom prst="rect">
+            <a:avLst/>
+          </a:prstGeom>
+        </p:spPr>
+        <p:txBody>
+          <a:bodyPr vert="horz" lIns="91440" tIns="45720" rIns="91440" bIns="45720" rtlCol="0" anchor="ctr"/>
+          <a:lstStyle>
+            <a:defPPr>
+              <a:defRPr lang="de-DE"/>
+            </a:defPPr>
+            <a:lvl1pPr marL="0" algn="r" defTabSz="914400" rtl="0" eaLnBrk="1" latinLnBrk="0" hangingPunct="1">
+              <a:defRPr sz="1200" kern="1200">
+                <a:solidFill>
+                  <a:schemeClr val="tx1">
+                    <a:tint val="75000"/>
+                  </a:schemeClr>
+                </a:solidFill>
+                <a:latin typeface="+mn-lt"/>
+                <a:ea typeface="+mn-ea"/>
+                <a:cs typeface="+mn-cs"/>
+              </a:defRPr>
+            </a:lvl1pPr>
+            <a:lvl2pPr marL="457200" algn="l" defTabSz="914400" rtl="0" eaLnBrk="1" latinLnBrk="0" hangingPunct="1">
+              <a:defRPr sz="1800" kern="1200">
+                <a:solidFill>
+                  <a:schemeClr val="tx1"/>
+                </a:solidFill>
+                <a:latin typeface="+mn-lt"/>
+                <a:ea typeface="+mn-ea"/>
+                <a:cs typeface="+mn-cs"/>
+              </a:defRPr>
+            </a:lvl2pPr>
+            <a:lvl3pPr marL="914400" algn="l" defTabSz="914400" rtl="0" eaLnBrk="1" latinLnBrk="0" hangingPunct="1">
+              <a:defRPr sz="1800" kern="1200">
+                <a:solidFill>
+                  <a:schemeClr val="tx1"/>
+                </a:solidFill>
+                <a:latin typeface="+mn-lt"/>
+                <a:ea typeface="+mn-ea"/>
+                <a:cs typeface="+mn-cs"/>
+              </a:defRPr>
+            </a:lvl3pPr>
+            <a:lvl4pPr marL="1371600" algn="l" defTabSz="914400" rtl="0" eaLnBrk="1" latinLnBrk="0" hangingPunct="1">
+              <a:defRPr sz="1800" kern="1200">
+                <a:solidFill>
+                  <a:schemeClr val="tx1"/>
+                </a:solidFill>
+                <a:latin typeface="+mn-lt"/>
+                <a:ea typeface="+mn-ea"/>
+                <a:cs typeface="+mn-cs"/>
+              </a:defRPr>
+            </a:lvl4pPr>
+            <a:lvl5pPr marL="1828800" algn="l" defTabSz="914400" rtl="0" eaLnBrk="1" latinLnBrk="0" hangingPunct="1">
+              <a:defRPr sz="1800" kern="1200">
+                <a:solidFill>
+                  <a:schemeClr val="tx1"/>
+                </a:solidFill>
+                <a:latin typeface="+mn-lt"/>
+                <a:ea typeface="+mn-ea"/>
+                <a:cs typeface="+mn-cs"/>
+              </a:defRPr>
+            </a:lvl5pPr>
+            <a:lvl6pPr marL="2286000" algn="l" defTabSz="914400" rtl="0" eaLnBrk="1" latinLnBrk="0" hangingPunct="1">
+              <a:defRPr sz="1800" kern="1200">
+                <a:solidFill>
+                  <a:schemeClr val="tx1"/>
+                </a:solidFill>
+                <a:latin typeface="+mn-lt"/>
+                <a:ea typeface="+mn-ea"/>
+                <a:cs typeface="+mn-cs"/>
+              </a:defRPr>
+            </a:lvl6pPr>
+            <a:lvl7pPr marL="2743200" algn="l" defTabSz="914400" rtl="0" eaLnBrk="1" latinLnBrk="0" hangingPunct="1">
+              <a:defRPr sz="1800" kern="1200">
+                <a:solidFill>
+                  <a:schemeClr val="tx1"/>
+                </a:solidFill>
+                <a:latin typeface="+mn-lt"/>
+                <a:ea typeface="+mn-ea"/>
+                <a:cs typeface="+mn-cs"/>
+              </a:defRPr>
+            </a:lvl7pPr>
+            <a:lvl8pPr marL="3200400" algn="l" defTabSz="914400" rtl="0" eaLnBrk="1" latinLnBrk="0" hangingPunct="1">
+              <a:defRPr sz="1800" kern="1200">
+                <a:solidFill>
+                  <a:schemeClr val="tx1"/>
+                </a:solidFill>
+                <a:latin typeface="+mn-lt"/>
+                <a:ea typeface="+mn-ea"/>
+                <a:cs typeface="+mn-cs"/>
+              </a:defRPr>
+            </a:lvl8pPr>
+            <a:lvl9pPr marL="3657600" algn="l" defTabSz="914400" rtl="0" eaLnBrk="1" latinLnBrk="0" hangingPunct="1">
+              <a:defRPr sz="1800" kern="1200">
+                <a:solidFill>
+                  <a:schemeClr val="tx1"/>
+                </a:solidFill>
+                <a:latin typeface="+mn-lt"/>
+                <a:ea typeface="+mn-ea"/>
+                <a:cs typeface="+mn-cs"/>
+              </a:defRPr>
+            </a:lvl9pPr>
+          </a:lstStyle>
+          <a:p>
+            <a:r>
+              <a:rPr lang="de-DE" dirty="0"/>
+              <a:t>/ 52</a:t>
+            </a:r>
+          </a:p>
+        </p:txBody>
+      </p:sp>
     </p:spTree>
     <p:extLst>
       <p:ext uri="{BB962C8B-B14F-4D97-AF65-F5344CB8AC3E}">
@@ -8239,6 +13837,165 @@
           </a:p>
         </p:txBody>
       </p:sp>
+      <p:sp>
+        <p:nvSpPr>
+          <p:cNvPr id="4" name="Foliennummernplatzhalter 3">
+            <a:extLst>
+              <a:ext uri="{FF2B5EF4-FFF2-40B4-BE49-F238E27FC236}">
+                <a16:creationId xmlns:a16="http://schemas.microsoft.com/office/drawing/2014/main" id="{A5E921E3-99D3-44AB-B284-9C7D6172F067}"/>
+              </a:ext>
+            </a:extLst>
+          </p:cNvPr>
+          <p:cNvSpPr>
+            <a:spLocks noGrp="1"/>
+          </p:cNvSpPr>
+          <p:nvPr>
+            <p:ph type="sldNum" sz="quarter" idx="12"/>
+          </p:nvPr>
+        </p:nvSpPr>
+        <p:spPr/>
+        <p:txBody>
+          <a:bodyPr/>
+          <a:lstStyle/>
+          <a:p>
+            <a:fld id="{DD108FB5-2533-4688-B3BC-A918F32943D9}" type="slidenum">
+              <a:rPr lang="de-DE" smtClean="0"/>
+              <a:t>39</a:t>
+            </a:fld>
+            <a:endParaRPr lang="de-DE"/>
+          </a:p>
+        </p:txBody>
+      </p:sp>
+      <p:sp>
+        <p:nvSpPr>
+          <p:cNvPr id="6" name="Foliennummernplatzhalter 1">
+            <a:extLst>
+              <a:ext uri="{FF2B5EF4-FFF2-40B4-BE49-F238E27FC236}">
+                <a16:creationId xmlns:a16="http://schemas.microsoft.com/office/drawing/2014/main" id="{D3BB6DCB-A9B8-48C1-8393-9AE394617B39}"/>
+              </a:ext>
+            </a:extLst>
+          </p:cNvPr>
+          <p:cNvSpPr txBox="1">
+            <a:spLocks/>
+          </p:cNvSpPr>
+          <p:nvPr/>
+        </p:nvSpPr>
+        <p:spPr>
+          <a:xfrm>
+            <a:off x="8914923" y="6356349"/>
+            <a:ext cx="2743200" cy="365125"/>
+          </a:xfrm>
+          <a:prstGeom prst="rect">
+            <a:avLst/>
+          </a:prstGeom>
+        </p:spPr>
+        <p:txBody>
+          <a:bodyPr vert="horz" lIns="91440" tIns="45720" rIns="91440" bIns="45720" rtlCol="0" anchor="ctr"/>
+          <a:lstStyle>
+            <a:defPPr>
+              <a:defRPr lang="de-DE"/>
+            </a:defPPr>
+            <a:lvl1pPr marL="0" algn="r" defTabSz="914400" rtl="0" eaLnBrk="1" latinLnBrk="0" hangingPunct="1">
+              <a:defRPr sz="1200" kern="1200">
+                <a:solidFill>
+                  <a:schemeClr val="tx1">
+                    <a:tint val="75000"/>
+                  </a:schemeClr>
+                </a:solidFill>
+                <a:latin typeface="+mn-lt"/>
+                <a:ea typeface="+mn-ea"/>
+                <a:cs typeface="+mn-cs"/>
+              </a:defRPr>
+            </a:lvl1pPr>
+            <a:lvl2pPr marL="457200" algn="l" defTabSz="914400" rtl="0" eaLnBrk="1" latinLnBrk="0" hangingPunct="1">
+              <a:defRPr sz="1800" kern="1200">
+                <a:solidFill>
+                  <a:schemeClr val="tx1"/>
+                </a:solidFill>
+                <a:latin typeface="+mn-lt"/>
+                <a:ea typeface="+mn-ea"/>
+                <a:cs typeface="+mn-cs"/>
+              </a:defRPr>
+            </a:lvl2pPr>
+            <a:lvl3pPr marL="914400" algn="l" defTabSz="914400" rtl="0" eaLnBrk="1" latinLnBrk="0" hangingPunct="1">
+              <a:defRPr sz="1800" kern="1200">
+                <a:solidFill>
+                  <a:schemeClr val="tx1"/>
+                </a:solidFill>
+                <a:latin typeface="+mn-lt"/>
+                <a:ea typeface="+mn-ea"/>
+                <a:cs typeface="+mn-cs"/>
+              </a:defRPr>
+            </a:lvl3pPr>
+            <a:lvl4pPr marL="1371600" algn="l" defTabSz="914400" rtl="0" eaLnBrk="1" latinLnBrk="0" hangingPunct="1">
+              <a:defRPr sz="1800" kern="1200">
+                <a:solidFill>
+                  <a:schemeClr val="tx1"/>
+                </a:solidFill>
+                <a:latin typeface="+mn-lt"/>
+                <a:ea typeface="+mn-ea"/>
+                <a:cs typeface="+mn-cs"/>
+              </a:defRPr>
+            </a:lvl4pPr>
+            <a:lvl5pPr marL="1828800" algn="l" defTabSz="914400" rtl="0" eaLnBrk="1" latinLnBrk="0" hangingPunct="1">
+              <a:defRPr sz="1800" kern="1200">
+                <a:solidFill>
+                  <a:schemeClr val="tx1"/>
+                </a:solidFill>
+                <a:latin typeface="+mn-lt"/>
+                <a:ea typeface="+mn-ea"/>
+                <a:cs typeface="+mn-cs"/>
+              </a:defRPr>
+            </a:lvl5pPr>
+            <a:lvl6pPr marL="2286000" algn="l" defTabSz="914400" rtl="0" eaLnBrk="1" latinLnBrk="0" hangingPunct="1">
+              <a:defRPr sz="1800" kern="1200">
+                <a:solidFill>
+                  <a:schemeClr val="tx1"/>
+                </a:solidFill>
+                <a:latin typeface="+mn-lt"/>
+                <a:ea typeface="+mn-ea"/>
+                <a:cs typeface="+mn-cs"/>
+              </a:defRPr>
+            </a:lvl6pPr>
+            <a:lvl7pPr marL="2743200" algn="l" defTabSz="914400" rtl="0" eaLnBrk="1" latinLnBrk="0" hangingPunct="1">
+              <a:defRPr sz="1800" kern="1200">
+                <a:solidFill>
+                  <a:schemeClr val="tx1"/>
+                </a:solidFill>
+                <a:latin typeface="+mn-lt"/>
+                <a:ea typeface="+mn-ea"/>
+                <a:cs typeface="+mn-cs"/>
+              </a:defRPr>
+            </a:lvl7pPr>
+            <a:lvl8pPr marL="3200400" algn="l" defTabSz="914400" rtl="0" eaLnBrk="1" latinLnBrk="0" hangingPunct="1">
+              <a:defRPr sz="1800" kern="1200">
+                <a:solidFill>
+                  <a:schemeClr val="tx1"/>
+                </a:solidFill>
+                <a:latin typeface="+mn-lt"/>
+                <a:ea typeface="+mn-ea"/>
+                <a:cs typeface="+mn-cs"/>
+              </a:defRPr>
+            </a:lvl8pPr>
+            <a:lvl9pPr marL="3657600" algn="l" defTabSz="914400" rtl="0" eaLnBrk="1" latinLnBrk="0" hangingPunct="1">
+              <a:defRPr sz="1800" kern="1200">
+                <a:solidFill>
+                  <a:schemeClr val="tx1"/>
+                </a:solidFill>
+                <a:latin typeface="+mn-lt"/>
+                <a:ea typeface="+mn-ea"/>
+                <a:cs typeface="+mn-cs"/>
+              </a:defRPr>
+            </a:lvl9pPr>
+          </a:lstStyle>
+          <a:p>
+            <a:r>
+              <a:rPr lang="de-DE" dirty="0"/>
+              <a:t>/ 52</a:t>
+            </a:r>
+          </a:p>
+        </p:txBody>
+      </p:sp>
     </p:spTree>
     <p:extLst>
       <p:ext uri="{BB962C8B-B14F-4D97-AF65-F5344CB8AC3E}">
@@ -8385,6 +14142,165 @@
           </a:p>
         </p:txBody>
       </p:sp>
+      <p:sp>
+        <p:nvSpPr>
+          <p:cNvPr id="4" name="Foliennummernplatzhalter 3">
+            <a:extLst>
+              <a:ext uri="{FF2B5EF4-FFF2-40B4-BE49-F238E27FC236}">
+                <a16:creationId xmlns:a16="http://schemas.microsoft.com/office/drawing/2014/main" id="{C109B4C9-D3AE-4A62-BEB3-A0D5EFA53B9D}"/>
+              </a:ext>
+            </a:extLst>
+          </p:cNvPr>
+          <p:cNvSpPr>
+            <a:spLocks noGrp="1"/>
+          </p:cNvSpPr>
+          <p:nvPr>
+            <p:ph type="sldNum" sz="quarter" idx="12"/>
+          </p:nvPr>
+        </p:nvSpPr>
+        <p:spPr/>
+        <p:txBody>
+          <a:bodyPr/>
+          <a:lstStyle/>
+          <a:p>
+            <a:fld id="{DD108FB5-2533-4688-B3BC-A918F32943D9}" type="slidenum">
+              <a:rPr lang="de-DE" smtClean="0"/>
+              <a:t>4</a:t>
+            </a:fld>
+            <a:endParaRPr lang="de-DE"/>
+          </a:p>
+        </p:txBody>
+      </p:sp>
+      <p:sp>
+        <p:nvSpPr>
+          <p:cNvPr id="6" name="Foliennummernplatzhalter 1">
+            <a:extLst>
+              <a:ext uri="{FF2B5EF4-FFF2-40B4-BE49-F238E27FC236}">
+                <a16:creationId xmlns:a16="http://schemas.microsoft.com/office/drawing/2014/main" id="{5A215421-83B2-4F31-8A5E-E536350929A7}"/>
+              </a:ext>
+            </a:extLst>
+          </p:cNvPr>
+          <p:cNvSpPr txBox="1">
+            <a:spLocks/>
+          </p:cNvSpPr>
+          <p:nvPr/>
+        </p:nvSpPr>
+        <p:spPr>
+          <a:xfrm>
+            <a:off x="8914923" y="6356349"/>
+            <a:ext cx="2743200" cy="365125"/>
+          </a:xfrm>
+          <a:prstGeom prst="rect">
+            <a:avLst/>
+          </a:prstGeom>
+        </p:spPr>
+        <p:txBody>
+          <a:bodyPr vert="horz" lIns="91440" tIns="45720" rIns="91440" bIns="45720" rtlCol="0" anchor="ctr"/>
+          <a:lstStyle>
+            <a:defPPr>
+              <a:defRPr lang="de-DE"/>
+            </a:defPPr>
+            <a:lvl1pPr marL="0" algn="r" defTabSz="914400" rtl="0" eaLnBrk="1" latinLnBrk="0" hangingPunct="1">
+              <a:defRPr sz="1200" kern="1200">
+                <a:solidFill>
+                  <a:schemeClr val="tx1">
+                    <a:tint val="75000"/>
+                  </a:schemeClr>
+                </a:solidFill>
+                <a:latin typeface="+mn-lt"/>
+                <a:ea typeface="+mn-ea"/>
+                <a:cs typeface="+mn-cs"/>
+              </a:defRPr>
+            </a:lvl1pPr>
+            <a:lvl2pPr marL="457200" algn="l" defTabSz="914400" rtl="0" eaLnBrk="1" latinLnBrk="0" hangingPunct="1">
+              <a:defRPr sz="1800" kern="1200">
+                <a:solidFill>
+                  <a:schemeClr val="tx1"/>
+                </a:solidFill>
+                <a:latin typeface="+mn-lt"/>
+                <a:ea typeface="+mn-ea"/>
+                <a:cs typeface="+mn-cs"/>
+              </a:defRPr>
+            </a:lvl2pPr>
+            <a:lvl3pPr marL="914400" algn="l" defTabSz="914400" rtl="0" eaLnBrk="1" latinLnBrk="0" hangingPunct="1">
+              <a:defRPr sz="1800" kern="1200">
+                <a:solidFill>
+                  <a:schemeClr val="tx1"/>
+                </a:solidFill>
+                <a:latin typeface="+mn-lt"/>
+                <a:ea typeface="+mn-ea"/>
+                <a:cs typeface="+mn-cs"/>
+              </a:defRPr>
+            </a:lvl3pPr>
+            <a:lvl4pPr marL="1371600" algn="l" defTabSz="914400" rtl="0" eaLnBrk="1" latinLnBrk="0" hangingPunct="1">
+              <a:defRPr sz="1800" kern="1200">
+                <a:solidFill>
+                  <a:schemeClr val="tx1"/>
+                </a:solidFill>
+                <a:latin typeface="+mn-lt"/>
+                <a:ea typeface="+mn-ea"/>
+                <a:cs typeface="+mn-cs"/>
+              </a:defRPr>
+            </a:lvl4pPr>
+            <a:lvl5pPr marL="1828800" algn="l" defTabSz="914400" rtl="0" eaLnBrk="1" latinLnBrk="0" hangingPunct="1">
+              <a:defRPr sz="1800" kern="1200">
+                <a:solidFill>
+                  <a:schemeClr val="tx1"/>
+                </a:solidFill>
+                <a:latin typeface="+mn-lt"/>
+                <a:ea typeface="+mn-ea"/>
+                <a:cs typeface="+mn-cs"/>
+              </a:defRPr>
+            </a:lvl5pPr>
+            <a:lvl6pPr marL="2286000" algn="l" defTabSz="914400" rtl="0" eaLnBrk="1" latinLnBrk="0" hangingPunct="1">
+              <a:defRPr sz="1800" kern="1200">
+                <a:solidFill>
+                  <a:schemeClr val="tx1"/>
+                </a:solidFill>
+                <a:latin typeface="+mn-lt"/>
+                <a:ea typeface="+mn-ea"/>
+                <a:cs typeface="+mn-cs"/>
+              </a:defRPr>
+            </a:lvl6pPr>
+            <a:lvl7pPr marL="2743200" algn="l" defTabSz="914400" rtl="0" eaLnBrk="1" latinLnBrk="0" hangingPunct="1">
+              <a:defRPr sz="1800" kern="1200">
+                <a:solidFill>
+                  <a:schemeClr val="tx1"/>
+                </a:solidFill>
+                <a:latin typeface="+mn-lt"/>
+                <a:ea typeface="+mn-ea"/>
+                <a:cs typeface="+mn-cs"/>
+              </a:defRPr>
+            </a:lvl7pPr>
+            <a:lvl8pPr marL="3200400" algn="l" defTabSz="914400" rtl="0" eaLnBrk="1" latinLnBrk="0" hangingPunct="1">
+              <a:defRPr sz="1800" kern="1200">
+                <a:solidFill>
+                  <a:schemeClr val="tx1"/>
+                </a:solidFill>
+                <a:latin typeface="+mn-lt"/>
+                <a:ea typeface="+mn-ea"/>
+                <a:cs typeface="+mn-cs"/>
+              </a:defRPr>
+            </a:lvl8pPr>
+            <a:lvl9pPr marL="3657600" algn="l" defTabSz="914400" rtl="0" eaLnBrk="1" latinLnBrk="0" hangingPunct="1">
+              <a:defRPr sz="1800" kern="1200">
+                <a:solidFill>
+                  <a:schemeClr val="tx1"/>
+                </a:solidFill>
+                <a:latin typeface="+mn-lt"/>
+                <a:ea typeface="+mn-ea"/>
+                <a:cs typeface="+mn-cs"/>
+              </a:defRPr>
+            </a:lvl9pPr>
+          </a:lstStyle>
+          <a:p>
+            <a:r>
+              <a:rPr lang="de-DE" dirty="0"/>
+              <a:t>/ 52</a:t>
+            </a:r>
+          </a:p>
+        </p:txBody>
+      </p:sp>
     </p:spTree>
     <p:extLst>
       <p:ext uri="{BB962C8B-B14F-4D97-AF65-F5344CB8AC3E}">
@@ -8543,6 +14459,165 @@
           </a:p>
         </p:txBody>
       </p:sp>
+      <p:sp>
+        <p:nvSpPr>
+          <p:cNvPr id="4" name="Foliennummernplatzhalter 3">
+            <a:extLst>
+              <a:ext uri="{FF2B5EF4-FFF2-40B4-BE49-F238E27FC236}">
+                <a16:creationId xmlns:a16="http://schemas.microsoft.com/office/drawing/2014/main" id="{57F756A6-2D0F-4776-A549-4DA189CCB950}"/>
+              </a:ext>
+            </a:extLst>
+          </p:cNvPr>
+          <p:cNvSpPr>
+            <a:spLocks noGrp="1"/>
+          </p:cNvSpPr>
+          <p:nvPr>
+            <p:ph type="sldNum" sz="quarter" idx="12"/>
+          </p:nvPr>
+        </p:nvSpPr>
+        <p:spPr/>
+        <p:txBody>
+          <a:bodyPr/>
+          <a:lstStyle/>
+          <a:p>
+            <a:fld id="{DD108FB5-2533-4688-B3BC-A918F32943D9}" type="slidenum">
+              <a:rPr lang="de-DE" smtClean="0"/>
+              <a:t>40</a:t>
+            </a:fld>
+            <a:endParaRPr lang="de-DE"/>
+          </a:p>
+        </p:txBody>
+      </p:sp>
+      <p:sp>
+        <p:nvSpPr>
+          <p:cNvPr id="6" name="Foliennummernplatzhalter 1">
+            <a:extLst>
+              <a:ext uri="{FF2B5EF4-FFF2-40B4-BE49-F238E27FC236}">
+                <a16:creationId xmlns:a16="http://schemas.microsoft.com/office/drawing/2014/main" id="{9AD43FDA-4415-48C1-A5C4-97BBA0C9A049}"/>
+              </a:ext>
+            </a:extLst>
+          </p:cNvPr>
+          <p:cNvSpPr txBox="1">
+            <a:spLocks/>
+          </p:cNvSpPr>
+          <p:nvPr/>
+        </p:nvSpPr>
+        <p:spPr>
+          <a:xfrm>
+            <a:off x="8914923" y="6356349"/>
+            <a:ext cx="2743200" cy="365125"/>
+          </a:xfrm>
+          <a:prstGeom prst="rect">
+            <a:avLst/>
+          </a:prstGeom>
+        </p:spPr>
+        <p:txBody>
+          <a:bodyPr vert="horz" lIns="91440" tIns="45720" rIns="91440" bIns="45720" rtlCol="0" anchor="ctr"/>
+          <a:lstStyle>
+            <a:defPPr>
+              <a:defRPr lang="de-DE"/>
+            </a:defPPr>
+            <a:lvl1pPr marL="0" algn="r" defTabSz="914400" rtl="0" eaLnBrk="1" latinLnBrk="0" hangingPunct="1">
+              <a:defRPr sz="1200" kern="1200">
+                <a:solidFill>
+                  <a:schemeClr val="tx1">
+                    <a:tint val="75000"/>
+                  </a:schemeClr>
+                </a:solidFill>
+                <a:latin typeface="+mn-lt"/>
+                <a:ea typeface="+mn-ea"/>
+                <a:cs typeface="+mn-cs"/>
+              </a:defRPr>
+            </a:lvl1pPr>
+            <a:lvl2pPr marL="457200" algn="l" defTabSz="914400" rtl="0" eaLnBrk="1" latinLnBrk="0" hangingPunct="1">
+              <a:defRPr sz="1800" kern="1200">
+                <a:solidFill>
+                  <a:schemeClr val="tx1"/>
+                </a:solidFill>
+                <a:latin typeface="+mn-lt"/>
+                <a:ea typeface="+mn-ea"/>
+                <a:cs typeface="+mn-cs"/>
+              </a:defRPr>
+            </a:lvl2pPr>
+            <a:lvl3pPr marL="914400" algn="l" defTabSz="914400" rtl="0" eaLnBrk="1" latinLnBrk="0" hangingPunct="1">
+              <a:defRPr sz="1800" kern="1200">
+                <a:solidFill>
+                  <a:schemeClr val="tx1"/>
+                </a:solidFill>
+                <a:latin typeface="+mn-lt"/>
+                <a:ea typeface="+mn-ea"/>
+                <a:cs typeface="+mn-cs"/>
+              </a:defRPr>
+            </a:lvl3pPr>
+            <a:lvl4pPr marL="1371600" algn="l" defTabSz="914400" rtl="0" eaLnBrk="1" latinLnBrk="0" hangingPunct="1">
+              <a:defRPr sz="1800" kern="1200">
+                <a:solidFill>
+                  <a:schemeClr val="tx1"/>
+                </a:solidFill>
+                <a:latin typeface="+mn-lt"/>
+                <a:ea typeface="+mn-ea"/>
+                <a:cs typeface="+mn-cs"/>
+              </a:defRPr>
+            </a:lvl4pPr>
+            <a:lvl5pPr marL="1828800" algn="l" defTabSz="914400" rtl="0" eaLnBrk="1" latinLnBrk="0" hangingPunct="1">
+              <a:defRPr sz="1800" kern="1200">
+                <a:solidFill>
+                  <a:schemeClr val="tx1"/>
+                </a:solidFill>
+                <a:latin typeface="+mn-lt"/>
+                <a:ea typeface="+mn-ea"/>
+                <a:cs typeface="+mn-cs"/>
+              </a:defRPr>
+            </a:lvl5pPr>
+            <a:lvl6pPr marL="2286000" algn="l" defTabSz="914400" rtl="0" eaLnBrk="1" latinLnBrk="0" hangingPunct="1">
+              <a:defRPr sz="1800" kern="1200">
+                <a:solidFill>
+                  <a:schemeClr val="tx1"/>
+                </a:solidFill>
+                <a:latin typeface="+mn-lt"/>
+                <a:ea typeface="+mn-ea"/>
+                <a:cs typeface="+mn-cs"/>
+              </a:defRPr>
+            </a:lvl6pPr>
+            <a:lvl7pPr marL="2743200" algn="l" defTabSz="914400" rtl="0" eaLnBrk="1" latinLnBrk="0" hangingPunct="1">
+              <a:defRPr sz="1800" kern="1200">
+                <a:solidFill>
+                  <a:schemeClr val="tx1"/>
+                </a:solidFill>
+                <a:latin typeface="+mn-lt"/>
+                <a:ea typeface="+mn-ea"/>
+                <a:cs typeface="+mn-cs"/>
+              </a:defRPr>
+            </a:lvl7pPr>
+            <a:lvl8pPr marL="3200400" algn="l" defTabSz="914400" rtl="0" eaLnBrk="1" latinLnBrk="0" hangingPunct="1">
+              <a:defRPr sz="1800" kern="1200">
+                <a:solidFill>
+                  <a:schemeClr val="tx1"/>
+                </a:solidFill>
+                <a:latin typeface="+mn-lt"/>
+                <a:ea typeface="+mn-ea"/>
+                <a:cs typeface="+mn-cs"/>
+              </a:defRPr>
+            </a:lvl8pPr>
+            <a:lvl9pPr marL="3657600" algn="l" defTabSz="914400" rtl="0" eaLnBrk="1" latinLnBrk="0" hangingPunct="1">
+              <a:defRPr sz="1800" kern="1200">
+                <a:solidFill>
+                  <a:schemeClr val="tx1"/>
+                </a:solidFill>
+                <a:latin typeface="+mn-lt"/>
+                <a:ea typeface="+mn-ea"/>
+                <a:cs typeface="+mn-cs"/>
+              </a:defRPr>
+            </a:lvl9pPr>
+          </a:lstStyle>
+          <a:p>
+            <a:r>
+              <a:rPr lang="de-DE" dirty="0"/>
+              <a:t>/ 52</a:t>
+            </a:r>
+          </a:p>
+        </p:txBody>
+      </p:sp>
     </p:spTree>
     <p:extLst>
       <p:ext uri="{BB962C8B-B14F-4D97-AF65-F5344CB8AC3E}">
@@ -8750,6 +14825,165 @@
           </a:p>
         </p:txBody>
       </p:sp>
+      <p:sp>
+        <p:nvSpPr>
+          <p:cNvPr id="4" name="Foliennummernplatzhalter 3">
+            <a:extLst>
+              <a:ext uri="{FF2B5EF4-FFF2-40B4-BE49-F238E27FC236}">
+                <a16:creationId xmlns:a16="http://schemas.microsoft.com/office/drawing/2014/main" id="{45AE4F20-48A3-403F-9C82-89B6FAF07CF9}"/>
+              </a:ext>
+            </a:extLst>
+          </p:cNvPr>
+          <p:cNvSpPr>
+            <a:spLocks noGrp="1"/>
+          </p:cNvSpPr>
+          <p:nvPr>
+            <p:ph type="sldNum" sz="quarter" idx="12"/>
+          </p:nvPr>
+        </p:nvSpPr>
+        <p:spPr/>
+        <p:txBody>
+          <a:bodyPr/>
+          <a:lstStyle/>
+          <a:p>
+            <a:fld id="{DD108FB5-2533-4688-B3BC-A918F32943D9}" type="slidenum">
+              <a:rPr lang="de-DE" smtClean="0"/>
+              <a:t>41</a:t>
+            </a:fld>
+            <a:endParaRPr lang="de-DE"/>
+          </a:p>
+        </p:txBody>
+      </p:sp>
+      <p:sp>
+        <p:nvSpPr>
+          <p:cNvPr id="6" name="Foliennummernplatzhalter 1">
+            <a:extLst>
+              <a:ext uri="{FF2B5EF4-FFF2-40B4-BE49-F238E27FC236}">
+                <a16:creationId xmlns:a16="http://schemas.microsoft.com/office/drawing/2014/main" id="{E438D707-6F3A-4F74-8743-BD7AEB748A8E}"/>
+              </a:ext>
+            </a:extLst>
+          </p:cNvPr>
+          <p:cNvSpPr txBox="1">
+            <a:spLocks/>
+          </p:cNvSpPr>
+          <p:nvPr/>
+        </p:nvSpPr>
+        <p:spPr>
+          <a:xfrm>
+            <a:off x="8914923" y="6356349"/>
+            <a:ext cx="2743200" cy="365125"/>
+          </a:xfrm>
+          <a:prstGeom prst="rect">
+            <a:avLst/>
+          </a:prstGeom>
+        </p:spPr>
+        <p:txBody>
+          <a:bodyPr vert="horz" lIns="91440" tIns="45720" rIns="91440" bIns="45720" rtlCol="0" anchor="ctr"/>
+          <a:lstStyle>
+            <a:defPPr>
+              <a:defRPr lang="de-DE"/>
+            </a:defPPr>
+            <a:lvl1pPr marL="0" algn="r" defTabSz="914400" rtl="0" eaLnBrk="1" latinLnBrk="0" hangingPunct="1">
+              <a:defRPr sz="1200" kern="1200">
+                <a:solidFill>
+                  <a:schemeClr val="tx1">
+                    <a:tint val="75000"/>
+                  </a:schemeClr>
+                </a:solidFill>
+                <a:latin typeface="+mn-lt"/>
+                <a:ea typeface="+mn-ea"/>
+                <a:cs typeface="+mn-cs"/>
+              </a:defRPr>
+            </a:lvl1pPr>
+            <a:lvl2pPr marL="457200" algn="l" defTabSz="914400" rtl="0" eaLnBrk="1" latinLnBrk="0" hangingPunct="1">
+              <a:defRPr sz="1800" kern="1200">
+                <a:solidFill>
+                  <a:schemeClr val="tx1"/>
+                </a:solidFill>
+                <a:latin typeface="+mn-lt"/>
+                <a:ea typeface="+mn-ea"/>
+                <a:cs typeface="+mn-cs"/>
+              </a:defRPr>
+            </a:lvl2pPr>
+            <a:lvl3pPr marL="914400" algn="l" defTabSz="914400" rtl="0" eaLnBrk="1" latinLnBrk="0" hangingPunct="1">
+              <a:defRPr sz="1800" kern="1200">
+                <a:solidFill>
+                  <a:schemeClr val="tx1"/>
+                </a:solidFill>
+                <a:latin typeface="+mn-lt"/>
+                <a:ea typeface="+mn-ea"/>
+                <a:cs typeface="+mn-cs"/>
+              </a:defRPr>
+            </a:lvl3pPr>
+            <a:lvl4pPr marL="1371600" algn="l" defTabSz="914400" rtl="0" eaLnBrk="1" latinLnBrk="0" hangingPunct="1">
+              <a:defRPr sz="1800" kern="1200">
+                <a:solidFill>
+                  <a:schemeClr val="tx1"/>
+                </a:solidFill>
+                <a:latin typeface="+mn-lt"/>
+                <a:ea typeface="+mn-ea"/>
+                <a:cs typeface="+mn-cs"/>
+              </a:defRPr>
+            </a:lvl4pPr>
+            <a:lvl5pPr marL="1828800" algn="l" defTabSz="914400" rtl="0" eaLnBrk="1" latinLnBrk="0" hangingPunct="1">
+              <a:defRPr sz="1800" kern="1200">
+                <a:solidFill>
+                  <a:schemeClr val="tx1"/>
+                </a:solidFill>
+                <a:latin typeface="+mn-lt"/>
+                <a:ea typeface="+mn-ea"/>
+                <a:cs typeface="+mn-cs"/>
+              </a:defRPr>
+            </a:lvl5pPr>
+            <a:lvl6pPr marL="2286000" algn="l" defTabSz="914400" rtl="0" eaLnBrk="1" latinLnBrk="0" hangingPunct="1">
+              <a:defRPr sz="1800" kern="1200">
+                <a:solidFill>
+                  <a:schemeClr val="tx1"/>
+                </a:solidFill>
+                <a:latin typeface="+mn-lt"/>
+                <a:ea typeface="+mn-ea"/>
+                <a:cs typeface="+mn-cs"/>
+              </a:defRPr>
+            </a:lvl6pPr>
+            <a:lvl7pPr marL="2743200" algn="l" defTabSz="914400" rtl="0" eaLnBrk="1" latinLnBrk="0" hangingPunct="1">
+              <a:defRPr sz="1800" kern="1200">
+                <a:solidFill>
+                  <a:schemeClr val="tx1"/>
+                </a:solidFill>
+                <a:latin typeface="+mn-lt"/>
+                <a:ea typeface="+mn-ea"/>
+                <a:cs typeface="+mn-cs"/>
+              </a:defRPr>
+            </a:lvl7pPr>
+            <a:lvl8pPr marL="3200400" algn="l" defTabSz="914400" rtl="0" eaLnBrk="1" latinLnBrk="0" hangingPunct="1">
+              <a:defRPr sz="1800" kern="1200">
+                <a:solidFill>
+                  <a:schemeClr val="tx1"/>
+                </a:solidFill>
+                <a:latin typeface="+mn-lt"/>
+                <a:ea typeface="+mn-ea"/>
+                <a:cs typeface="+mn-cs"/>
+              </a:defRPr>
+            </a:lvl8pPr>
+            <a:lvl9pPr marL="3657600" algn="l" defTabSz="914400" rtl="0" eaLnBrk="1" latinLnBrk="0" hangingPunct="1">
+              <a:defRPr sz="1800" kern="1200">
+                <a:solidFill>
+                  <a:schemeClr val="tx1"/>
+                </a:solidFill>
+                <a:latin typeface="+mn-lt"/>
+                <a:ea typeface="+mn-ea"/>
+                <a:cs typeface="+mn-cs"/>
+              </a:defRPr>
+            </a:lvl9pPr>
+          </a:lstStyle>
+          <a:p>
+            <a:r>
+              <a:rPr lang="de-DE" dirty="0"/>
+              <a:t>/ 52</a:t>
+            </a:r>
+          </a:p>
+        </p:txBody>
+      </p:sp>
     </p:spTree>
     <p:extLst>
       <p:ext uri="{BB962C8B-B14F-4D97-AF65-F5344CB8AC3E}">
@@ -8844,10 +15078,10 @@
       </p:sp>
       <p:pic>
         <p:nvPicPr>
-          <p:cNvPr id="5" name="Grafik 4">
-            <a:extLst>
-              <a:ext uri="{FF2B5EF4-FFF2-40B4-BE49-F238E27FC236}">
-                <a16:creationId xmlns:a16="http://schemas.microsoft.com/office/drawing/2014/main" id="{9D19DA86-59C9-4BAD-9849-22F28E490C9F}"/>
+          <p:cNvPr id="8" name="Grafik 7">
+            <a:extLst>
+              <a:ext uri="{FF2B5EF4-FFF2-40B4-BE49-F238E27FC236}">
+                <a16:creationId xmlns:a16="http://schemas.microsoft.com/office/drawing/2014/main" id="{4699D342-B3E2-44C5-97DE-328317EB64B3}"/>
               </a:ext>
             </a:extLst>
           </p:cNvPr>
@@ -8857,21 +15091,186 @@
           <p:nvPr/>
         </p:nvPicPr>
         <p:blipFill>
-          <a:blip r:embed="rId2"/>
+          <a:blip r:embed="rId2">
+            <a:extLst>
+              <a:ext uri="{28A0092B-C50C-407E-A947-70E740481C1C}">
+                <a14:useLocalDpi xmlns:a14="http://schemas.microsoft.com/office/drawing/2010/main" val="0"/>
+              </a:ext>
+            </a:extLst>
+          </a:blip>
           <a:stretch>
             <a:fillRect/>
           </a:stretch>
         </p:blipFill>
         <p:spPr>
           <a:xfrm>
-            <a:off x="838200" y="2793146"/>
-            <a:ext cx="10515600" cy="2583232"/>
+            <a:off x="838200" y="2923095"/>
+            <a:ext cx="10515600" cy="2156398"/>
           </a:xfrm>
           <a:prstGeom prst="rect">
             <a:avLst/>
           </a:prstGeom>
         </p:spPr>
       </p:pic>
+      <p:sp>
+        <p:nvSpPr>
+          <p:cNvPr id="9" name="Foliennummernplatzhalter 8">
+            <a:extLst>
+              <a:ext uri="{FF2B5EF4-FFF2-40B4-BE49-F238E27FC236}">
+                <a16:creationId xmlns:a16="http://schemas.microsoft.com/office/drawing/2014/main" id="{14BFD322-EF97-42F7-A434-FE6209E6DE65}"/>
+              </a:ext>
+            </a:extLst>
+          </p:cNvPr>
+          <p:cNvSpPr>
+            <a:spLocks noGrp="1"/>
+          </p:cNvSpPr>
+          <p:nvPr>
+            <p:ph type="sldNum" sz="quarter" idx="12"/>
+          </p:nvPr>
+        </p:nvSpPr>
+        <p:spPr/>
+        <p:txBody>
+          <a:bodyPr/>
+          <a:lstStyle/>
+          <a:p>
+            <a:fld id="{DD108FB5-2533-4688-B3BC-A918F32943D9}" type="slidenum">
+              <a:rPr lang="de-DE" smtClean="0"/>
+              <a:t>42</a:t>
+            </a:fld>
+            <a:endParaRPr lang="de-DE" dirty="0"/>
+          </a:p>
+        </p:txBody>
+      </p:sp>
+      <p:sp>
+        <p:nvSpPr>
+          <p:cNvPr id="11" name="Foliennummernplatzhalter 1">
+            <a:extLst>
+              <a:ext uri="{FF2B5EF4-FFF2-40B4-BE49-F238E27FC236}">
+                <a16:creationId xmlns:a16="http://schemas.microsoft.com/office/drawing/2014/main" id="{1DAD4D61-D757-4CE1-8D2B-5833EFEDA640}"/>
+              </a:ext>
+            </a:extLst>
+          </p:cNvPr>
+          <p:cNvSpPr txBox="1">
+            <a:spLocks/>
+          </p:cNvSpPr>
+          <p:nvPr/>
+        </p:nvSpPr>
+        <p:spPr>
+          <a:xfrm>
+            <a:off x="8914923" y="6356349"/>
+            <a:ext cx="2743200" cy="365125"/>
+          </a:xfrm>
+          <a:prstGeom prst="rect">
+            <a:avLst/>
+          </a:prstGeom>
+        </p:spPr>
+        <p:txBody>
+          <a:bodyPr vert="horz" lIns="91440" tIns="45720" rIns="91440" bIns="45720" rtlCol="0" anchor="ctr"/>
+          <a:lstStyle>
+            <a:defPPr>
+              <a:defRPr lang="de-DE"/>
+            </a:defPPr>
+            <a:lvl1pPr marL="0" algn="r" defTabSz="914400" rtl="0" eaLnBrk="1" latinLnBrk="0" hangingPunct="1">
+              <a:defRPr sz="1200" kern="1200">
+                <a:solidFill>
+                  <a:schemeClr val="tx1">
+                    <a:tint val="75000"/>
+                  </a:schemeClr>
+                </a:solidFill>
+                <a:latin typeface="+mn-lt"/>
+                <a:ea typeface="+mn-ea"/>
+                <a:cs typeface="+mn-cs"/>
+              </a:defRPr>
+            </a:lvl1pPr>
+            <a:lvl2pPr marL="457200" algn="l" defTabSz="914400" rtl="0" eaLnBrk="1" latinLnBrk="0" hangingPunct="1">
+              <a:defRPr sz="1800" kern="1200">
+                <a:solidFill>
+                  <a:schemeClr val="tx1"/>
+                </a:solidFill>
+                <a:latin typeface="+mn-lt"/>
+                <a:ea typeface="+mn-ea"/>
+                <a:cs typeface="+mn-cs"/>
+              </a:defRPr>
+            </a:lvl2pPr>
+            <a:lvl3pPr marL="914400" algn="l" defTabSz="914400" rtl="0" eaLnBrk="1" latinLnBrk="0" hangingPunct="1">
+              <a:defRPr sz="1800" kern="1200">
+                <a:solidFill>
+                  <a:schemeClr val="tx1"/>
+                </a:solidFill>
+                <a:latin typeface="+mn-lt"/>
+                <a:ea typeface="+mn-ea"/>
+                <a:cs typeface="+mn-cs"/>
+              </a:defRPr>
+            </a:lvl3pPr>
+            <a:lvl4pPr marL="1371600" algn="l" defTabSz="914400" rtl="0" eaLnBrk="1" latinLnBrk="0" hangingPunct="1">
+              <a:defRPr sz="1800" kern="1200">
+                <a:solidFill>
+                  <a:schemeClr val="tx1"/>
+                </a:solidFill>
+                <a:latin typeface="+mn-lt"/>
+                <a:ea typeface="+mn-ea"/>
+                <a:cs typeface="+mn-cs"/>
+              </a:defRPr>
+            </a:lvl4pPr>
+            <a:lvl5pPr marL="1828800" algn="l" defTabSz="914400" rtl="0" eaLnBrk="1" latinLnBrk="0" hangingPunct="1">
+              <a:defRPr sz="1800" kern="1200">
+                <a:solidFill>
+                  <a:schemeClr val="tx1"/>
+                </a:solidFill>
+                <a:latin typeface="+mn-lt"/>
+                <a:ea typeface="+mn-ea"/>
+                <a:cs typeface="+mn-cs"/>
+              </a:defRPr>
+            </a:lvl5pPr>
+            <a:lvl6pPr marL="2286000" algn="l" defTabSz="914400" rtl="0" eaLnBrk="1" latinLnBrk="0" hangingPunct="1">
+              <a:defRPr sz="1800" kern="1200">
+                <a:solidFill>
+                  <a:schemeClr val="tx1"/>
+                </a:solidFill>
+                <a:latin typeface="+mn-lt"/>
+                <a:ea typeface="+mn-ea"/>
+                <a:cs typeface="+mn-cs"/>
+              </a:defRPr>
+            </a:lvl6pPr>
+            <a:lvl7pPr marL="2743200" algn="l" defTabSz="914400" rtl="0" eaLnBrk="1" latinLnBrk="0" hangingPunct="1">
+              <a:defRPr sz="1800" kern="1200">
+                <a:solidFill>
+                  <a:schemeClr val="tx1"/>
+                </a:solidFill>
+                <a:latin typeface="+mn-lt"/>
+                <a:ea typeface="+mn-ea"/>
+                <a:cs typeface="+mn-cs"/>
+              </a:defRPr>
+            </a:lvl7pPr>
+            <a:lvl8pPr marL="3200400" algn="l" defTabSz="914400" rtl="0" eaLnBrk="1" latinLnBrk="0" hangingPunct="1">
+              <a:defRPr sz="1800" kern="1200">
+                <a:solidFill>
+                  <a:schemeClr val="tx1"/>
+                </a:solidFill>
+                <a:latin typeface="+mn-lt"/>
+                <a:ea typeface="+mn-ea"/>
+                <a:cs typeface="+mn-cs"/>
+              </a:defRPr>
+            </a:lvl8pPr>
+            <a:lvl9pPr marL="3657600" algn="l" defTabSz="914400" rtl="0" eaLnBrk="1" latinLnBrk="0" hangingPunct="1">
+              <a:defRPr sz="1800" kern="1200">
+                <a:solidFill>
+                  <a:schemeClr val="tx1"/>
+                </a:solidFill>
+                <a:latin typeface="+mn-lt"/>
+                <a:ea typeface="+mn-ea"/>
+                <a:cs typeface="+mn-cs"/>
+              </a:defRPr>
+            </a:lvl9pPr>
+          </a:lstStyle>
+          <a:p>
+            <a:r>
+              <a:rPr lang="de-DE" dirty="0"/>
+              <a:t>/ 52</a:t>
+            </a:r>
+          </a:p>
+        </p:txBody>
+      </p:sp>
     </p:spTree>
     <p:extLst>
       <p:ext uri="{BB962C8B-B14F-4D97-AF65-F5344CB8AC3E}">
@@ -8959,6 +15358,165 @@
           </a:prstGeom>
         </p:spPr>
       </p:pic>
+      <p:sp>
+        <p:nvSpPr>
+          <p:cNvPr id="3" name="Foliennummernplatzhalter 2">
+            <a:extLst>
+              <a:ext uri="{FF2B5EF4-FFF2-40B4-BE49-F238E27FC236}">
+                <a16:creationId xmlns:a16="http://schemas.microsoft.com/office/drawing/2014/main" id="{109786AE-A27C-4109-AE41-69D8531B8CFD}"/>
+              </a:ext>
+            </a:extLst>
+          </p:cNvPr>
+          <p:cNvSpPr>
+            <a:spLocks noGrp="1"/>
+          </p:cNvSpPr>
+          <p:nvPr>
+            <p:ph type="sldNum" sz="quarter" idx="12"/>
+          </p:nvPr>
+        </p:nvSpPr>
+        <p:spPr/>
+        <p:txBody>
+          <a:bodyPr/>
+          <a:lstStyle/>
+          <a:p>
+            <a:fld id="{DD108FB5-2533-4688-B3BC-A918F32943D9}" type="slidenum">
+              <a:rPr lang="de-DE" smtClean="0"/>
+              <a:t>43</a:t>
+            </a:fld>
+            <a:endParaRPr lang="de-DE"/>
+          </a:p>
+        </p:txBody>
+      </p:sp>
+      <p:sp>
+        <p:nvSpPr>
+          <p:cNvPr id="6" name="Foliennummernplatzhalter 1">
+            <a:extLst>
+              <a:ext uri="{FF2B5EF4-FFF2-40B4-BE49-F238E27FC236}">
+                <a16:creationId xmlns:a16="http://schemas.microsoft.com/office/drawing/2014/main" id="{7B9658A1-7036-4383-BFC6-1FC2B003B6A8}"/>
+              </a:ext>
+            </a:extLst>
+          </p:cNvPr>
+          <p:cNvSpPr txBox="1">
+            <a:spLocks/>
+          </p:cNvSpPr>
+          <p:nvPr/>
+        </p:nvSpPr>
+        <p:spPr>
+          <a:xfrm>
+            <a:off x="8914923" y="6356349"/>
+            <a:ext cx="2743200" cy="365125"/>
+          </a:xfrm>
+          <a:prstGeom prst="rect">
+            <a:avLst/>
+          </a:prstGeom>
+        </p:spPr>
+        <p:txBody>
+          <a:bodyPr vert="horz" lIns="91440" tIns="45720" rIns="91440" bIns="45720" rtlCol="0" anchor="ctr"/>
+          <a:lstStyle>
+            <a:defPPr>
+              <a:defRPr lang="de-DE"/>
+            </a:defPPr>
+            <a:lvl1pPr marL="0" algn="r" defTabSz="914400" rtl="0" eaLnBrk="1" latinLnBrk="0" hangingPunct="1">
+              <a:defRPr sz="1200" kern="1200">
+                <a:solidFill>
+                  <a:schemeClr val="tx1">
+                    <a:tint val="75000"/>
+                  </a:schemeClr>
+                </a:solidFill>
+                <a:latin typeface="+mn-lt"/>
+                <a:ea typeface="+mn-ea"/>
+                <a:cs typeface="+mn-cs"/>
+              </a:defRPr>
+            </a:lvl1pPr>
+            <a:lvl2pPr marL="457200" algn="l" defTabSz="914400" rtl="0" eaLnBrk="1" latinLnBrk="0" hangingPunct="1">
+              <a:defRPr sz="1800" kern="1200">
+                <a:solidFill>
+                  <a:schemeClr val="tx1"/>
+                </a:solidFill>
+                <a:latin typeface="+mn-lt"/>
+                <a:ea typeface="+mn-ea"/>
+                <a:cs typeface="+mn-cs"/>
+              </a:defRPr>
+            </a:lvl2pPr>
+            <a:lvl3pPr marL="914400" algn="l" defTabSz="914400" rtl="0" eaLnBrk="1" latinLnBrk="0" hangingPunct="1">
+              <a:defRPr sz="1800" kern="1200">
+                <a:solidFill>
+                  <a:schemeClr val="tx1"/>
+                </a:solidFill>
+                <a:latin typeface="+mn-lt"/>
+                <a:ea typeface="+mn-ea"/>
+                <a:cs typeface="+mn-cs"/>
+              </a:defRPr>
+            </a:lvl3pPr>
+            <a:lvl4pPr marL="1371600" algn="l" defTabSz="914400" rtl="0" eaLnBrk="1" latinLnBrk="0" hangingPunct="1">
+              <a:defRPr sz="1800" kern="1200">
+                <a:solidFill>
+                  <a:schemeClr val="tx1"/>
+                </a:solidFill>
+                <a:latin typeface="+mn-lt"/>
+                <a:ea typeface="+mn-ea"/>
+                <a:cs typeface="+mn-cs"/>
+              </a:defRPr>
+            </a:lvl4pPr>
+            <a:lvl5pPr marL="1828800" algn="l" defTabSz="914400" rtl="0" eaLnBrk="1" latinLnBrk="0" hangingPunct="1">
+              <a:defRPr sz="1800" kern="1200">
+                <a:solidFill>
+                  <a:schemeClr val="tx1"/>
+                </a:solidFill>
+                <a:latin typeface="+mn-lt"/>
+                <a:ea typeface="+mn-ea"/>
+                <a:cs typeface="+mn-cs"/>
+              </a:defRPr>
+            </a:lvl5pPr>
+            <a:lvl6pPr marL="2286000" algn="l" defTabSz="914400" rtl="0" eaLnBrk="1" latinLnBrk="0" hangingPunct="1">
+              <a:defRPr sz="1800" kern="1200">
+                <a:solidFill>
+                  <a:schemeClr val="tx1"/>
+                </a:solidFill>
+                <a:latin typeface="+mn-lt"/>
+                <a:ea typeface="+mn-ea"/>
+                <a:cs typeface="+mn-cs"/>
+              </a:defRPr>
+            </a:lvl6pPr>
+            <a:lvl7pPr marL="2743200" algn="l" defTabSz="914400" rtl="0" eaLnBrk="1" latinLnBrk="0" hangingPunct="1">
+              <a:defRPr sz="1800" kern="1200">
+                <a:solidFill>
+                  <a:schemeClr val="tx1"/>
+                </a:solidFill>
+                <a:latin typeface="+mn-lt"/>
+                <a:ea typeface="+mn-ea"/>
+                <a:cs typeface="+mn-cs"/>
+              </a:defRPr>
+            </a:lvl7pPr>
+            <a:lvl8pPr marL="3200400" algn="l" defTabSz="914400" rtl="0" eaLnBrk="1" latinLnBrk="0" hangingPunct="1">
+              <a:defRPr sz="1800" kern="1200">
+                <a:solidFill>
+                  <a:schemeClr val="tx1"/>
+                </a:solidFill>
+                <a:latin typeface="+mn-lt"/>
+                <a:ea typeface="+mn-ea"/>
+                <a:cs typeface="+mn-cs"/>
+              </a:defRPr>
+            </a:lvl8pPr>
+            <a:lvl9pPr marL="3657600" algn="l" defTabSz="914400" rtl="0" eaLnBrk="1" latinLnBrk="0" hangingPunct="1">
+              <a:defRPr sz="1800" kern="1200">
+                <a:solidFill>
+                  <a:schemeClr val="tx1"/>
+                </a:solidFill>
+                <a:latin typeface="+mn-lt"/>
+                <a:ea typeface="+mn-ea"/>
+                <a:cs typeface="+mn-cs"/>
+              </a:defRPr>
+            </a:lvl9pPr>
+          </a:lstStyle>
+          <a:p>
+            <a:r>
+              <a:rPr lang="de-DE" dirty="0"/>
+              <a:t>/ 52</a:t>
+            </a:r>
+          </a:p>
+        </p:txBody>
+      </p:sp>
     </p:spTree>
     <p:extLst>
       <p:ext uri="{BB962C8B-B14F-4D97-AF65-F5344CB8AC3E}">
@@ -9057,6 +15615,165 @@
           </a:p>
         </p:txBody>
       </p:sp>
+      <p:sp>
+        <p:nvSpPr>
+          <p:cNvPr id="4" name="Foliennummernplatzhalter 3">
+            <a:extLst>
+              <a:ext uri="{FF2B5EF4-FFF2-40B4-BE49-F238E27FC236}">
+                <a16:creationId xmlns:a16="http://schemas.microsoft.com/office/drawing/2014/main" id="{F102A0CE-5C94-40FD-9EB8-C52BA8885055}"/>
+              </a:ext>
+            </a:extLst>
+          </p:cNvPr>
+          <p:cNvSpPr>
+            <a:spLocks noGrp="1"/>
+          </p:cNvSpPr>
+          <p:nvPr>
+            <p:ph type="sldNum" sz="quarter" idx="12"/>
+          </p:nvPr>
+        </p:nvSpPr>
+        <p:spPr/>
+        <p:txBody>
+          <a:bodyPr/>
+          <a:lstStyle/>
+          <a:p>
+            <a:fld id="{DD108FB5-2533-4688-B3BC-A918F32943D9}" type="slidenum">
+              <a:rPr lang="de-DE" smtClean="0"/>
+              <a:t>44</a:t>
+            </a:fld>
+            <a:endParaRPr lang="de-DE"/>
+          </a:p>
+        </p:txBody>
+      </p:sp>
+      <p:sp>
+        <p:nvSpPr>
+          <p:cNvPr id="6" name="Foliennummernplatzhalter 1">
+            <a:extLst>
+              <a:ext uri="{FF2B5EF4-FFF2-40B4-BE49-F238E27FC236}">
+                <a16:creationId xmlns:a16="http://schemas.microsoft.com/office/drawing/2014/main" id="{5224FE88-DE3E-487D-8F62-9564F5AB60D0}"/>
+              </a:ext>
+            </a:extLst>
+          </p:cNvPr>
+          <p:cNvSpPr txBox="1">
+            <a:spLocks/>
+          </p:cNvSpPr>
+          <p:nvPr/>
+        </p:nvSpPr>
+        <p:spPr>
+          <a:xfrm>
+            <a:off x="8914923" y="6356349"/>
+            <a:ext cx="2743200" cy="365125"/>
+          </a:xfrm>
+          <a:prstGeom prst="rect">
+            <a:avLst/>
+          </a:prstGeom>
+        </p:spPr>
+        <p:txBody>
+          <a:bodyPr vert="horz" lIns="91440" tIns="45720" rIns="91440" bIns="45720" rtlCol="0" anchor="ctr"/>
+          <a:lstStyle>
+            <a:defPPr>
+              <a:defRPr lang="de-DE"/>
+            </a:defPPr>
+            <a:lvl1pPr marL="0" algn="r" defTabSz="914400" rtl="0" eaLnBrk="1" latinLnBrk="0" hangingPunct="1">
+              <a:defRPr sz="1200" kern="1200">
+                <a:solidFill>
+                  <a:schemeClr val="tx1">
+                    <a:tint val="75000"/>
+                  </a:schemeClr>
+                </a:solidFill>
+                <a:latin typeface="+mn-lt"/>
+                <a:ea typeface="+mn-ea"/>
+                <a:cs typeface="+mn-cs"/>
+              </a:defRPr>
+            </a:lvl1pPr>
+            <a:lvl2pPr marL="457200" algn="l" defTabSz="914400" rtl="0" eaLnBrk="1" latinLnBrk="0" hangingPunct="1">
+              <a:defRPr sz="1800" kern="1200">
+                <a:solidFill>
+                  <a:schemeClr val="tx1"/>
+                </a:solidFill>
+                <a:latin typeface="+mn-lt"/>
+                <a:ea typeface="+mn-ea"/>
+                <a:cs typeface="+mn-cs"/>
+              </a:defRPr>
+            </a:lvl2pPr>
+            <a:lvl3pPr marL="914400" algn="l" defTabSz="914400" rtl="0" eaLnBrk="1" latinLnBrk="0" hangingPunct="1">
+              <a:defRPr sz="1800" kern="1200">
+                <a:solidFill>
+                  <a:schemeClr val="tx1"/>
+                </a:solidFill>
+                <a:latin typeface="+mn-lt"/>
+                <a:ea typeface="+mn-ea"/>
+                <a:cs typeface="+mn-cs"/>
+              </a:defRPr>
+            </a:lvl3pPr>
+            <a:lvl4pPr marL="1371600" algn="l" defTabSz="914400" rtl="0" eaLnBrk="1" latinLnBrk="0" hangingPunct="1">
+              <a:defRPr sz="1800" kern="1200">
+                <a:solidFill>
+                  <a:schemeClr val="tx1"/>
+                </a:solidFill>
+                <a:latin typeface="+mn-lt"/>
+                <a:ea typeface="+mn-ea"/>
+                <a:cs typeface="+mn-cs"/>
+              </a:defRPr>
+            </a:lvl4pPr>
+            <a:lvl5pPr marL="1828800" algn="l" defTabSz="914400" rtl="0" eaLnBrk="1" latinLnBrk="0" hangingPunct="1">
+              <a:defRPr sz="1800" kern="1200">
+                <a:solidFill>
+                  <a:schemeClr val="tx1"/>
+                </a:solidFill>
+                <a:latin typeface="+mn-lt"/>
+                <a:ea typeface="+mn-ea"/>
+                <a:cs typeface="+mn-cs"/>
+              </a:defRPr>
+            </a:lvl5pPr>
+            <a:lvl6pPr marL="2286000" algn="l" defTabSz="914400" rtl="0" eaLnBrk="1" latinLnBrk="0" hangingPunct="1">
+              <a:defRPr sz="1800" kern="1200">
+                <a:solidFill>
+                  <a:schemeClr val="tx1"/>
+                </a:solidFill>
+                <a:latin typeface="+mn-lt"/>
+                <a:ea typeface="+mn-ea"/>
+                <a:cs typeface="+mn-cs"/>
+              </a:defRPr>
+            </a:lvl6pPr>
+            <a:lvl7pPr marL="2743200" algn="l" defTabSz="914400" rtl="0" eaLnBrk="1" latinLnBrk="0" hangingPunct="1">
+              <a:defRPr sz="1800" kern="1200">
+                <a:solidFill>
+                  <a:schemeClr val="tx1"/>
+                </a:solidFill>
+                <a:latin typeface="+mn-lt"/>
+                <a:ea typeface="+mn-ea"/>
+                <a:cs typeface="+mn-cs"/>
+              </a:defRPr>
+            </a:lvl7pPr>
+            <a:lvl8pPr marL="3200400" algn="l" defTabSz="914400" rtl="0" eaLnBrk="1" latinLnBrk="0" hangingPunct="1">
+              <a:defRPr sz="1800" kern="1200">
+                <a:solidFill>
+                  <a:schemeClr val="tx1"/>
+                </a:solidFill>
+                <a:latin typeface="+mn-lt"/>
+                <a:ea typeface="+mn-ea"/>
+                <a:cs typeface="+mn-cs"/>
+              </a:defRPr>
+            </a:lvl8pPr>
+            <a:lvl9pPr marL="3657600" algn="l" defTabSz="914400" rtl="0" eaLnBrk="1" latinLnBrk="0" hangingPunct="1">
+              <a:defRPr sz="1800" kern="1200">
+                <a:solidFill>
+                  <a:schemeClr val="tx1"/>
+                </a:solidFill>
+                <a:latin typeface="+mn-lt"/>
+                <a:ea typeface="+mn-ea"/>
+                <a:cs typeface="+mn-cs"/>
+              </a:defRPr>
+            </a:lvl9pPr>
+          </a:lstStyle>
+          <a:p>
+            <a:r>
+              <a:rPr lang="de-DE" dirty="0"/>
+              <a:t>/ 52</a:t>
+            </a:r>
+          </a:p>
+        </p:txBody>
+      </p:sp>
     </p:spTree>
     <p:extLst>
       <p:ext uri="{BB962C8B-B14F-4D97-AF65-F5344CB8AC3E}">
@@ -9144,6 +15861,165 @@
           </a:prstGeom>
         </p:spPr>
       </p:pic>
+      <p:sp>
+        <p:nvSpPr>
+          <p:cNvPr id="3" name="Foliennummernplatzhalter 2">
+            <a:extLst>
+              <a:ext uri="{FF2B5EF4-FFF2-40B4-BE49-F238E27FC236}">
+                <a16:creationId xmlns:a16="http://schemas.microsoft.com/office/drawing/2014/main" id="{DEDE569F-D300-4FA1-955C-32CD23B5B044}"/>
+              </a:ext>
+            </a:extLst>
+          </p:cNvPr>
+          <p:cNvSpPr>
+            <a:spLocks noGrp="1"/>
+          </p:cNvSpPr>
+          <p:nvPr>
+            <p:ph type="sldNum" sz="quarter" idx="12"/>
+          </p:nvPr>
+        </p:nvSpPr>
+        <p:spPr/>
+        <p:txBody>
+          <a:bodyPr/>
+          <a:lstStyle/>
+          <a:p>
+            <a:fld id="{DD108FB5-2533-4688-B3BC-A918F32943D9}" type="slidenum">
+              <a:rPr lang="de-DE" smtClean="0"/>
+              <a:t>45</a:t>
+            </a:fld>
+            <a:endParaRPr lang="de-DE"/>
+          </a:p>
+        </p:txBody>
+      </p:sp>
+      <p:sp>
+        <p:nvSpPr>
+          <p:cNvPr id="6" name="Foliennummernplatzhalter 1">
+            <a:extLst>
+              <a:ext uri="{FF2B5EF4-FFF2-40B4-BE49-F238E27FC236}">
+                <a16:creationId xmlns:a16="http://schemas.microsoft.com/office/drawing/2014/main" id="{A6C2CBA8-6BC6-42AF-9343-7CC4612306B7}"/>
+              </a:ext>
+            </a:extLst>
+          </p:cNvPr>
+          <p:cNvSpPr txBox="1">
+            <a:spLocks/>
+          </p:cNvSpPr>
+          <p:nvPr/>
+        </p:nvSpPr>
+        <p:spPr>
+          <a:xfrm>
+            <a:off x="8914923" y="6356349"/>
+            <a:ext cx="2743200" cy="365125"/>
+          </a:xfrm>
+          <a:prstGeom prst="rect">
+            <a:avLst/>
+          </a:prstGeom>
+        </p:spPr>
+        <p:txBody>
+          <a:bodyPr vert="horz" lIns="91440" tIns="45720" rIns="91440" bIns="45720" rtlCol="0" anchor="ctr"/>
+          <a:lstStyle>
+            <a:defPPr>
+              <a:defRPr lang="de-DE"/>
+            </a:defPPr>
+            <a:lvl1pPr marL="0" algn="r" defTabSz="914400" rtl="0" eaLnBrk="1" latinLnBrk="0" hangingPunct="1">
+              <a:defRPr sz="1200" kern="1200">
+                <a:solidFill>
+                  <a:schemeClr val="tx1">
+                    <a:tint val="75000"/>
+                  </a:schemeClr>
+                </a:solidFill>
+                <a:latin typeface="+mn-lt"/>
+                <a:ea typeface="+mn-ea"/>
+                <a:cs typeface="+mn-cs"/>
+              </a:defRPr>
+            </a:lvl1pPr>
+            <a:lvl2pPr marL="457200" algn="l" defTabSz="914400" rtl="0" eaLnBrk="1" latinLnBrk="0" hangingPunct="1">
+              <a:defRPr sz="1800" kern="1200">
+                <a:solidFill>
+                  <a:schemeClr val="tx1"/>
+                </a:solidFill>
+                <a:latin typeface="+mn-lt"/>
+                <a:ea typeface="+mn-ea"/>
+                <a:cs typeface="+mn-cs"/>
+              </a:defRPr>
+            </a:lvl2pPr>
+            <a:lvl3pPr marL="914400" algn="l" defTabSz="914400" rtl="0" eaLnBrk="1" latinLnBrk="0" hangingPunct="1">
+              <a:defRPr sz="1800" kern="1200">
+                <a:solidFill>
+                  <a:schemeClr val="tx1"/>
+                </a:solidFill>
+                <a:latin typeface="+mn-lt"/>
+                <a:ea typeface="+mn-ea"/>
+                <a:cs typeface="+mn-cs"/>
+              </a:defRPr>
+            </a:lvl3pPr>
+            <a:lvl4pPr marL="1371600" algn="l" defTabSz="914400" rtl="0" eaLnBrk="1" latinLnBrk="0" hangingPunct="1">
+              <a:defRPr sz="1800" kern="1200">
+                <a:solidFill>
+                  <a:schemeClr val="tx1"/>
+                </a:solidFill>
+                <a:latin typeface="+mn-lt"/>
+                <a:ea typeface="+mn-ea"/>
+                <a:cs typeface="+mn-cs"/>
+              </a:defRPr>
+            </a:lvl4pPr>
+            <a:lvl5pPr marL="1828800" algn="l" defTabSz="914400" rtl="0" eaLnBrk="1" latinLnBrk="0" hangingPunct="1">
+              <a:defRPr sz="1800" kern="1200">
+                <a:solidFill>
+                  <a:schemeClr val="tx1"/>
+                </a:solidFill>
+                <a:latin typeface="+mn-lt"/>
+                <a:ea typeface="+mn-ea"/>
+                <a:cs typeface="+mn-cs"/>
+              </a:defRPr>
+            </a:lvl5pPr>
+            <a:lvl6pPr marL="2286000" algn="l" defTabSz="914400" rtl="0" eaLnBrk="1" latinLnBrk="0" hangingPunct="1">
+              <a:defRPr sz="1800" kern="1200">
+                <a:solidFill>
+                  <a:schemeClr val="tx1"/>
+                </a:solidFill>
+                <a:latin typeface="+mn-lt"/>
+                <a:ea typeface="+mn-ea"/>
+                <a:cs typeface="+mn-cs"/>
+              </a:defRPr>
+            </a:lvl6pPr>
+            <a:lvl7pPr marL="2743200" algn="l" defTabSz="914400" rtl="0" eaLnBrk="1" latinLnBrk="0" hangingPunct="1">
+              <a:defRPr sz="1800" kern="1200">
+                <a:solidFill>
+                  <a:schemeClr val="tx1"/>
+                </a:solidFill>
+                <a:latin typeface="+mn-lt"/>
+                <a:ea typeface="+mn-ea"/>
+                <a:cs typeface="+mn-cs"/>
+              </a:defRPr>
+            </a:lvl7pPr>
+            <a:lvl8pPr marL="3200400" algn="l" defTabSz="914400" rtl="0" eaLnBrk="1" latinLnBrk="0" hangingPunct="1">
+              <a:defRPr sz="1800" kern="1200">
+                <a:solidFill>
+                  <a:schemeClr val="tx1"/>
+                </a:solidFill>
+                <a:latin typeface="+mn-lt"/>
+                <a:ea typeface="+mn-ea"/>
+                <a:cs typeface="+mn-cs"/>
+              </a:defRPr>
+            </a:lvl8pPr>
+            <a:lvl9pPr marL="3657600" algn="l" defTabSz="914400" rtl="0" eaLnBrk="1" latinLnBrk="0" hangingPunct="1">
+              <a:defRPr sz="1800" kern="1200">
+                <a:solidFill>
+                  <a:schemeClr val="tx1"/>
+                </a:solidFill>
+                <a:latin typeface="+mn-lt"/>
+                <a:ea typeface="+mn-ea"/>
+                <a:cs typeface="+mn-cs"/>
+              </a:defRPr>
+            </a:lvl9pPr>
+          </a:lstStyle>
+          <a:p>
+            <a:r>
+              <a:rPr lang="de-DE" dirty="0"/>
+              <a:t>/ 52</a:t>
+            </a:r>
+          </a:p>
+        </p:txBody>
+      </p:sp>
     </p:spTree>
     <p:extLst>
       <p:ext uri="{BB962C8B-B14F-4D97-AF65-F5344CB8AC3E}">
@@ -9309,6 +16185,165 @@
           </a:prstGeom>
         </p:spPr>
       </p:pic>
+      <p:sp>
+        <p:nvSpPr>
+          <p:cNvPr id="4" name="Foliennummernplatzhalter 3">
+            <a:extLst>
+              <a:ext uri="{FF2B5EF4-FFF2-40B4-BE49-F238E27FC236}">
+                <a16:creationId xmlns:a16="http://schemas.microsoft.com/office/drawing/2014/main" id="{1A664F65-6B97-4B58-9FB7-D030E16A39D4}"/>
+              </a:ext>
+            </a:extLst>
+          </p:cNvPr>
+          <p:cNvSpPr>
+            <a:spLocks noGrp="1"/>
+          </p:cNvSpPr>
+          <p:nvPr>
+            <p:ph type="sldNum" sz="quarter" idx="12"/>
+          </p:nvPr>
+        </p:nvSpPr>
+        <p:spPr/>
+        <p:txBody>
+          <a:bodyPr/>
+          <a:lstStyle/>
+          <a:p>
+            <a:fld id="{DD108FB5-2533-4688-B3BC-A918F32943D9}" type="slidenum">
+              <a:rPr lang="de-DE" smtClean="0"/>
+              <a:t>46</a:t>
+            </a:fld>
+            <a:endParaRPr lang="de-DE"/>
+          </a:p>
+        </p:txBody>
+      </p:sp>
+      <p:sp>
+        <p:nvSpPr>
+          <p:cNvPr id="7" name="Foliennummernplatzhalter 1">
+            <a:extLst>
+              <a:ext uri="{FF2B5EF4-FFF2-40B4-BE49-F238E27FC236}">
+                <a16:creationId xmlns:a16="http://schemas.microsoft.com/office/drawing/2014/main" id="{9CFDF263-1F9C-46F8-8C1F-713C32EBDBF5}"/>
+              </a:ext>
+            </a:extLst>
+          </p:cNvPr>
+          <p:cNvSpPr txBox="1">
+            <a:spLocks/>
+          </p:cNvSpPr>
+          <p:nvPr/>
+        </p:nvSpPr>
+        <p:spPr>
+          <a:xfrm>
+            <a:off x="8914923" y="6356349"/>
+            <a:ext cx="2743200" cy="365125"/>
+          </a:xfrm>
+          <a:prstGeom prst="rect">
+            <a:avLst/>
+          </a:prstGeom>
+        </p:spPr>
+        <p:txBody>
+          <a:bodyPr vert="horz" lIns="91440" tIns="45720" rIns="91440" bIns="45720" rtlCol="0" anchor="ctr"/>
+          <a:lstStyle>
+            <a:defPPr>
+              <a:defRPr lang="de-DE"/>
+            </a:defPPr>
+            <a:lvl1pPr marL="0" algn="r" defTabSz="914400" rtl="0" eaLnBrk="1" latinLnBrk="0" hangingPunct="1">
+              <a:defRPr sz="1200" kern="1200">
+                <a:solidFill>
+                  <a:schemeClr val="tx1">
+                    <a:tint val="75000"/>
+                  </a:schemeClr>
+                </a:solidFill>
+                <a:latin typeface="+mn-lt"/>
+                <a:ea typeface="+mn-ea"/>
+                <a:cs typeface="+mn-cs"/>
+              </a:defRPr>
+            </a:lvl1pPr>
+            <a:lvl2pPr marL="457200" algn="l" defTabSz="914400" rtl="0" eaLnBrk="1" latinLnBrk="0" hangingPunct="1">
+              <a:defRPr sz="1800" kern="1200">
+                <a:solidFill>
+                  <a:schemeClr val="tx1"/>
+                </a:solidFill>
+                <a:latin typeface="+mn-lt"/>
+                <a:ea typeface="+mn-ea"/>
+                <a:cs typeface="+mn-cs"/>
+              </a:defRPr>
+            </a:lvl2pPr>
+            <a:lvl3pPr marL="914400" algn="l" defTabSz="914400" rtl="0" eaLnBrk="1" latinLnBrk="0" hangingPunct="1">
+              <a:defRPr sz="1800" kern="1200">
+                <a:solidFill>
+                  <a:schemeClr val="tx1"/>
+                </a:solidFill>
+                <a:latin typeface="+mn-lt"/>
+                <a:ea typeface="+mn-ea"/>
+                <a:cs typeface="+mn-cs"/>
+              </a:defRPr>
+            </a:lvl3pPr>
+            <a:lvl4pPr marL="1371600" algn="l" defTabSz="914400" rtl="0" eaLnBrk="1" latinLnBrk="0" hangingPunct="1">
+              <a:defRPr sz="1800" kern="1200">
+                <a:solidFill>
+                  <a:schemeClr val="tx1"/>
+                </a:solidFill>
+                <a:latin typeface="+mn-lt"/>
+                <a:ea typeface="+mn-ea"/>
+                <a:cs typeface="+mn-cs"/>
+              </a:defRPr>
+            </a:lvl4pPr>
+            <a:lvl5pPr marL="1828800" algn="l" defTabSz="914400" rtl="0" eaLnBrk="1" latinLnBrk="0" hangingPunct="1">
+              <a:defRPr sz="1800" kern="1200">
+                <a:solidFill>
+                  <a:schemeClr val="tx1"/>
+                </a:solidFill>
+                <a:latin typeface="+mn-lt"/>
+                <a:ea typeface="+mn-ea"/>
+                <a:cs typeface="+mn-cs"/>
+              </a:defRPr>
+            </a:lvl5pPr>
+            <a:lvl6pPr marL="2286000" algn="l" defTabSz="914400" rtl="0" eaLnBrk="1" latinLnBrk="0" hangingPunct="1">
+              <a:defRPr sz="1800" kern="1200">
+                <a:solidFill>
+                  <a:schemeClr val="tx1"/>
+                </a:solidFill>
+                <a:latin typeface="+mn-lt"/>
+                <a:ea typeface="+mn-ea"/>
+                <a:cs typeface="+mn-cs"/>
+              </a:defRPr>
+            </a:lvl6pPr>
+            <a:lvl7pPr marL="2743200" algn="l" defTabSz="914400" rtl="0" eaLnBrk="1" latinLnBrk="0" hangingPunct="1">
+              <a:defRPr sz="1800" kern="1200">
+                <a:solidFill>
+                  <a:schemeClr val="tx1"/>
+                </a:solidFill>
+                <a:latin typeface="+mn-lt"/>
+                <a:ea typeface="+mn-ea"/>
+                <a:cs typeface="+mn-cs"/>
+              </a:defRPr>
+            </a:lvl7pPr>
+            <a:lvl8pPr marL="3200400" algn="l" defTabSz="914400" rtl="0" eaLnBrk="1" latinLnBrk="0" hangingPunct="1">
+              <a:defRPr sz="1800" kern="1200">
+                <a:solidFill>
+                  <a:schemeClr val="tx1"/>
+                </a:solidFill>
+                <a:latin typeface="+mn-lt"/>
+                <a:ea typeface="+mn-ea"/>
+                <a:cs typeface="+mn-cs"/>
+              </a:defRPr>
+            </a:lvl8pPr>
+            <a:lvl9pPr marL="3657600" algn="l" defTabSz="914400" rtl="0" eaLnBrk="1" latinLnBrk="0" hangingPunct="1">
+              <a:defRPr sz="1800" kern="1200">
+                <a:solidFill>
+                  <a:schemeClr val="tx1"/>
+                </a:solidFill>
+                <a:latin typeface="+mn-lt"/>
+                <a:ea typeface="+mn-ea"/>
+                <a:cs typeface="+mn-cs"/>
+              </a:defRPr>
+            </a:lvl9pPr>
+          </a:lstStyle>
+          <a:p>
+            <a:r>
+              <a:rPr lang="de-DE" dirty="0"/>
+              <a:t>/ 52</a:t>
+            </a:r>
+          </a:p>
+        </p:txBody>
+      </p:sp>
     </p:spTree>
     <p:extLst>
       <p:ext uri="{BB962C8B-B14F-4D97-AF65-F5344CB8AC3E}">
@@ -9432,6 +16467,165 @@
           </a:p>
         </p:txBody>
       </p:sp>
+      <p:sp>
+        <p:nvSpPr>
+          <p:cNvPr id="6" name="Foliennummernplatzhalter 5">
+            <a:extLst>
+              <a:ext uri="{FF2B5EF4-FFF2-40B4-BE49-F238E27FC236}">
+                <a16:creationId xmlns:a16="http://schemas.microsoft.com/office/drawing/2014/main" id="{FD9F75DD-4109-4837-A3CE-141A85BF715D}"/>
+              </a:ext>
+            </a:extLst>
+          </p:cNvPr>
+          <p:cNvSpPr>
+            <a:spLocks noGrp="1"/>
+          </p:cNvSpPr>
+          <p:nvPr>
+            <p:ph type="sldNum" sz="quarter" idx="12"/>
+          </p:nvPr>
+        </p:nvSpPr>
+        <p:spPr/>
+        <p:txBody>
+          <a:bodyPr/>
+          <a:lstStyle/>
+          <a:p>
+            <a:fld id="{DD108FB5-2533-4688-B3BC-A918F32943D9}" type="slidenum">
+              <a:rPr lang="de-DE" smtClean="0"/>
+              <a:t>47</a:t>
+            </a:fld>
+            <a:endParaRPr lang="de-DE" dirty="0"/>
+          </a:p>
+        </p:txBody>
+      </p:sp>
+      <p:sp>
+        <p:nvSpPr>
+          <p:cNvPr id="8" name="Foliennummernplatzhalter 1">
+            <a:extLst>
+              <a:ext uri="{FF2B5EF4-FFF2-40B4-BE49-F238E27FC236}">
+                <a16:creationId xmlns:a16="http://schemas.microsoft.com/office/drawing/2014/main" id="{7E89552F-3A93-460A-A430-518DFE46AE66}"/>
+              </a:ext>
+            </a:extLst>
+          </p:cNvPr>
+          <p:cNvSpPr txBox="1">
+            <a:spLocks/>
+          </p:cNvSpPr>
+          <p:nvPr/>
+        </p:nvSpPr>
+        <p:spPr>
+          <a:xfrm>
+            <a:off x="8914923" y="6356349"/>
+            <a:ext cx="2743200" cy="365125"/>
+          </a:xfrm>
+          <a:prstGeom prst="rect">
+            <a:avLst/>
+          </a:prstGeom>
+        </p:spPr>
+        <p:txBody>
+          <a:bodyPr vert="horz" lIns="91440" tIns="45720" rIns="91440" bIns="45720" rtlCol="0" anchor="ctr"/>
+          <a:lstStyle>
+            <a:defPPr>
+              <a:defRPr lang="de-DE"/>
+            </a:defPPr>
+            <a:lvl1pPr marL="0" algn="r" defTabSz="914400" rtl="0" eaLnBrk="1" latinLnBrk="0" hangingPunct="1">
+              <a:defRPr sz="1200" kern="1200">
+                <a:solidFill>
+                  <a:schemeClr val="tx1">
+                    <a:tint val="75000"/>
+                  </a:schemeClr>
+                </a:solidFill>
+                <a:latin typeface="+mn-lt"/>
+                <a:ea typeface="+mn-ea"/>
+                <a:cs typeface="+mn-cs"/>
+              </a:defRPr>
+            </a:lvl1pPr>
+            <a:lvl2pPr marL="457200" algn="l" defTabSz="914400" rtl="0" eaLnBrk="1" latinLnBrk="0" hangingPunct="1">
+              <a:defRPr sz="1800" kern="1200">
+                <a:solidFill>
+                  <a:schemeClr val="tx1"/>
+                </a:solidFill>
+                <a:latin typeface="+mn-lt"/>
+                <a:ea typeface="+mn-ea"/>
+                <a:cs typeface="+mn-cs"/>
+              </a:defRPr>
+            </a:lvl2pPr>
+            <a:lvl3pPr marL="914400" algn="l" defTabSz="914400" rtl="0" eaLnBrk="1" latinLnBrk="0" hangingPunct="1">
+              <a:defRPr sz="1800" kern="1200">
+                <a:solidFill>
+                  <a:schemeClr val="tx1"/>
+                </a:solidFill>
+                <a:latin typeface="+mn-lt"/>
+                <a:ea typeface="+mn-ea"/>
+                <a:cs typeface="+mn-cs"/>
+              </a:defRPr>
+            </a:lvl3pPr>
+            <a:lvl4pPr marL="1371600" algn="l" defTabSz="914400" rtl="0" eaLnBrk="1" latinLnBrk="0" hangingPunct="1">
+              <a:defRPr sz="1800" kern="1200">
+                <a:solidFill>
+                  <a:schemeClr val="tx1"/>
+                </a:solidFill>
+                <a:latin typeface="+mn-lt"/>
+                <a:ea typeface="+mn-ea"/>
+                <a:cs typeface="+mn-cs"/>
+              </a:defRPr>
+            </a:lvl4pPr>
+            <a:lvl5pPr marL="1828800" algn="l" defTabSz="914400" rtl="0" eaLnBrk="1" latinLnBrk="0" hangingPunct="1">
+              <a:defRPr sz="1800" kern="1200">
+                <a:solidFill>
+                  <a:schemeClr val="tx1"/>
+                </a:solidFill>
+                <a:latin typeface="+mn-lt"/>
+                <a:ea typeface="+mn-ea"/>
+                <a:cs typeface="+mn-cs"/>
+              </a:defRPr>
+            </a:lvl5pPr>
+            <a:lvl6pPr marL="2286000" algn="l" defTabSz="914400" rtl="0" eaLnBrk="1" latinLnBrk="0" hangingPunct="1">
+              <a:defRPr sz="1800" kern="1200">
+                <a:solidFill>
+                  <a:schemeClr val="tx1"/>
+                </a:solidFill>
+                <a:latin typeface="+mn-lt"/>
+                <a:ea typeface="+mn-ea"/>
+                <a:cs typeface="+mn-cs"/>
+              </a:defRPr>
+            </a:lvl6pPr>
+            <a:lvl7pPr marL="2743200" algn="l" defTabSz="914400" rtl="0" eaLnBrk="1" latinLnBrk="0" hangingPunct="1">
+              <a:defRPr sz="1800" kern="1200">
+                <a:solidFill>
+                  <a:schemeClr val="tx1"/>
+                </a:solidFill>
+                <a:latin typeface="+mn-lt"/>
+                <a:ea typeface="+mn-ea"/>
+                <a:cs typeface="+mn-cs"/>
+              </a:defRPr>
+            </a:lvl7pPr>
+            <a:lvl8pPr marL="3200400" algn="l" defTabSz="914400" rtl="0" eaLnBrk="1" latinLnBrk="0" hangingPunct="1">
+              <a:defRPr sz="1800" kern="1200">
+                <a:solidFill>
+                  <a:schemeClr val="tx1"/>
+                </a:solidFill>
+                <a:latin typeface="+mn-lt"/>
+                <a:ea typeface="+mn-ea"/>
+                <a:cs typeface="+mn-cs"/>
+              </a:defRPr>
+            </a:lvl8pPr>
+            <a:lvl9pPr marL="3657600" algn="l" defTabSz="914400" rtl="0" eaLnBrk="1" latinLnBrk="0" hangingPunct="1">
+              <a:defRPr sz="1800" kern="1200">
+                <a:solidFill>
+                  <a:schemeClr val="tx1"/>
+                </a:solidFill>
+                <a:latin typeface="+mn-lt"/>
+                <a:ea typeface="+mn-ea"/>
+                <a:cs typeface="+mn-cs"/>
+              </a:defRPr>
+            </a:lvl9pPr>
+          </a:lstStyle>
+          <a:p>
+            <a:r>
+              <a:rPr lang="de-DE" dirty="0"/>
+              <a:t>/ 52</a:t>
+            </a:r>
+          </a:p>
+        </p:txBody>
+      </p:sp>
     </p:spTree>
     <p:extLst>
       <p:ext uri="{BB962C8B-B14F-4D97-AF65-F5344CB8AC3E}">
@@ -9572,6 +16766,165 @@
           </a:p>
         </p:txBody>
       </p:sp>
+      <p:sp>
+        <p:nvSpPr>
+          <p:cNvPr id="4" name="Foliennummernplatzhalter 3">
+            <a:extLst>
+              <a:ext uri="{FF2B5EF4-FFF2-40B4-BE49-F238E27FC236}">
+                <a16:creationId xmlns:a16="http://schemas.microsoft.com/office/drawing/2014/main" id="{5EB8B2D5-E614-45EF-B61A-4F1BB2F40B61}"/>
+              </a:ext>
+            </a:extLst>
+          </p:cNvPr>
+          <p:cNvSpPr>
+            <a:spLocks noGrp="1"/>
+          </p:cNvSpPr>
+          <p:nvPr>
+            <p:ph type="sldNum" sz="quarter" idx="12"/>
+          </p:nvPr>
+        </p:nvSpPr>
+        <p:spPr/>
+        <p:txBody>
+          <a:bodyPr/>
+          <a:lstStyle/>
+          <a:p>
+            <a:fld id="{DD108FB5-2533-4688-B3BC-A918F32943D9}" type="slidenum">
+              <a:rPr lang="de-DE" smtClean="0"/>
+              <a:t>48</a:t>
+            </a:fld>
+            <a:endParaRPr lang="de-DE"/>
+          </a:p>
+        </p:txBody>
+      </p:sp>
+      <p:sp>
+        <p:nvSpPr>
+          <p:cNvPr id="7" name="Foliennummernplatzhalter 1">
+            <a:extLst>
+              <a:ext uri="{FF2B5EF4-FFF2-40B4-BE49-F238E27FC236}">
+                <a16:creationId xmlns:a16="http://schemas.microsoft.com/office/drawing/2014/main" id="{48286A88-8C8E-4928-96BF-A4A279AAD886}"/>
+              </a:ext>
+            </a:extLst>
+          </p:cNvPr>
+          <p:cNvSpPr txBox="1">
+            <a:spLocks/>
+          </p:cNvSpPr>
+          <p:nvPr/>
+        </p:nvSpPr>
+        <p:spPr>
+          <a:xfrm>
+            <a:off x="8914923" y="6356349"/>
+            <a:ext cx="2743200" cy="365125"/>
+          </a:xfrm>
+          <a:prstGeom prst="rect">
+            <a:avLst/>
+          </a:prstGeom>
+        </p:spPr>
+        <p:txBody>
+          <a:bodyPr vert="horz" lIns="91440" tIns="45720" rIns="91440" bIns="45720" rtlCol="0" anchor="ctr"/>
+          <a:lstStyle>
+            <a:defPPr>
+              <a:defRPr lang="de-DE"/>
+            </a:defPPr>
+            <a:lvl1pPr marL="0" algn="r" defTabSz="914400" rtl="0" eaLnBrk="1" latinLnBrk="0" hangingPunct="1">
+              <a:defRPr sz="1200" kern="1200">
+                <a:solidFill>
+                  <a:schemeClr val="tx1">
+                    <a:tint val="75000"/>
+                  </a:schemeClr>
+                </a:solidFill>
+                <a:latin typeface="+mn-lt"/>
+                <a:ea typeface="+mn-ea"/>
+                <a:cs typeface="+mn-cs"/>
+              </a:defRPr>
+            </a:lvl1pPr>
+            <a:lvl2pPr marL="457200" algn="l" defTabSz="914400" rtl="0" eaLnBrk="1" latinLnBrk="0" hangingPunct="1">
+              <a:defRPr sz="1800" kern="1200">
+                <a:solidFill>
+                  <a:schemeClr val="tx1"/>
+                </a:solidFill>
+                <a:latin typeface="+mn-lt"/>
+                <a:ea typeface="+mn-ea"/>
+                <a:cs typeface="+mn-cs"/>
+              </a:defRPr>
+            </a:lvl2pPr>
+            <a:lvl3pPr marL="914400" algn="l" defTabSz="914400" rtl="0" eaLnBrk="1" latinLnBrk="0" hangingPunct="1">
+              <a:defRPr sz="1800" kern="1200">
+                <a:solidFill>
+                  <a:schemeClr val="tx1"/>
+                </a:solidFill>
+                <a:latin typeface="+mn-lt"/>
+                <a:ea typeface="+mn-ea"/>
+                <a:cs typeface="+mn-cs"/>
+              </a:defRPr>
+            </a:lvl3pPr>
+            <a:lvl4pPr marL="1371600" algn="l" defTabSz="914400" rtl="0" eaLnBrk="1" latinLnBrk="0" hangingPunct="1">
+              <a:defRPr sz="1800" kern="1200">
+                <a:solidFill>
+                  <a:schemeClr val="tx1"/>
+                </a:solidFill>
+                <a:latin typeface="+mn-lt"/>
+                <a:ea typeface="+mn-ea"/>
+                <a:cs typeface="+mn-cs"/>
+              </a:defRPr>
+            </a:lvl4pPr>
+            <a:lvl5pPr marL="1828800" algn="l" defTabSz="914400" rtl="0" eaLnBrk="1" latinLnBrk="0" hangingPunct="1">
+              <a:defRPr sz="1800" kern="1200">
+                <a:solidFill>
+                  <a:schemeClr val="tx1"/>
+                </a:solidFill>
+                <a:latin typeface="+mn-lt"/>
+                <a:ea typeface="+mn-ea"/>
+                <a:cs typeface="+mn-cs"/>
+              </a:defRPr>
+            </a:lvl5pPr>
+            <a:lvl6pPr marL="2286000" algn="l" defTabSz="914400" rtl="0" eaLnBrk="1" latinLnBrk="0" hangingPunct="1">
+              <a:defRPr sz="1800" kern="1200">
+                <a:solidFill>
+                  <a:schemeClr val="tx1"/>
+                </a:solidFill>
+                <a:latin typeface="+mn-lt"/>
+                <a:ea typeface="+mn-ea"/>
+                <a:cs typeface="+mn-cs"/>
+              </a:defRPr>
+            </a:lvl6pPr>
+            <a:lvl7pPr marL="2743200" algn="l" defTabSz="914400" rtl="0" eaLnBrk="1" latinLnBrk="0" hangingPunct="1">
+              <a:defRPr sz="1800" kern="1200">
+                <a:solidFill>
+                  <a:schemeClr val="tx1"/>
+                </a:solidFill>
+                <a:latin typeface="+mn-lt"/>
+                <a:ea typeface="+mn-ea"/>
+                <a:cs typeface="+mn-cs"/>
+              </a:defRPr>
+            </a:lvl7pPr>
+            <a:lvl8pPr marL="3200400" algn="l" defTabSz="914400" rtl="0" eaLnBrk="1" latinLnBrk="0" hangingPunct="1">
+              <a:defRPr sz="1800" kern="1200">
+                <a:solidFill>
+                  <a:schemeClr val="tx1"/>
+                </a:solidFill>
+                <a:latin typeface="+mn-lt"/>
+                <a:ea typeface="+mn-ea"/>
+                <a:cs typeface="+mn-cs"/>
+              </a:defRPr>
+            </a:lvl8pPr>
+            <a:lvl9pPr marL="3657600" algn="l" defTabSz="914400" rtl="0" eaLnBrk="1" latinLnBrk="0" hangingPunct="1">
+              <a:defRPr sz="1800" kern="1200">
+                <a:solidFill>
+                  <a:schemeClr val="tx1"/>
+                </a:solidFill>
+                <a:latin typeface="+mn-lt"/>
+                <a:ea typeface="+mn-ea"/>
+                <a:cs typeface="+mn-cs"/>
+              </a:defRPr>
+            </a:lvl9pPr>
+          </a:lstStyle>
+          <a:p>
+            <a:r>
+              <a:rPr lang="de-DE" dirty="0"/>
+              <a:t>/ 52</a:t>
+            </a:r>
+          </a:p>
+        </p:txBody>
+      </p:sp>
     </p:spTree>
     <p:extLst>
       <p:ext uri="{BB962C8B-B14F-4D97-AF65-F5344CB8AC3E}">
@@ -9739,6 +17092,165 @@
           </a:p>
         </p:txBody>
       </p:sp>
+      <p:sp>
+        <p:nvSpPr>
+          <p:cNvPr id="4" name="Foliennummernplatzhalter 3">
+            <a:extLst>
+              <a:ext uri="{FF2B5EF4-FFF2-40B4-BE49-F238E27FC236}">
+                <a16:creationId xmlns:a16="http://schemas.microsoft.com/office/drawing/2014/main" id="{0C0A13F5-4EE7-4C41-B5E9-B52A00C89324}"/>
+              </a:ext>
+            </a:extLst>
+          </p:cNvPr>
+          <p:cNvSpPr>
+            <a:spLocks noGrp="1"/>
+          </p:cNvSpPr>
+          <p:nvPr>
+            <p:ph type="sldNum" sz="quarter" idx="12"/>
+          </p:nvPr>
+        </p:nvSpPr>
+        <p:spPr/>
+        <p:txBody>
+          <a:bodyPr/>
+          <a:lstStyle/>
+          <a:p>
+            <a:fld id="{DD108FB5-2533-4688-B3BC-A918F32943D9}" type="slidenum">
+              <a:rPr lang="de-DE" smtClean="0"/>
+              <a:t>49</a:t>
+            </a:fld>
+            <a:endParaRPr lang="de-DE"/>
+          </a:p>
+        </p:txBody>
+      </p:sp>
+      <p:sp>
+        <p:nvSpPr>
+          <p:cNvPr id="6" name="Foliennummernplatzhalter 1">
+            <a:extLst>
+              <a:ext uri="{FF2B5EF4-FFF2-40B4-BE49-F238E27FC236}">
+                <a16:creationId xmlns:a16="http://schemas.microsoft.com/office/drawing/2014/main" id="{334A1EDF-EA72-452E-975C-A948938EC617}"/>
+              </a:ext>
+            </a:extLst>
+          </p:cNvPr>
+          <p:cNvSpPr txBox="1">
+            <a:spLocks/>
+          </p:cNvSpPr>
+          <p:nvPr/>
+        </p:nvSpPr>
+        <p:spPr>
+          <a:xfrm>
+            <a:off x="8914923" y="6356349"/>
+            <a:ext cx="2743200" cy="365125"/>
+          </a:xfrm>
+          <a:prstGeom prst="rect">
+            <a:avLst/>
+          </a:prstGeom>
+        </p:spPr>
+        <p:txBody>
+          <a:bodyPr vert="horz" lIns="91440" tIns="45720" rIns="91440" bIns="45720" rtlCol="0" anchor="ctr"/>
+          <a:lstStyle>
+            <a:defPPr>
+              <a:defRPr lang="de-DE"/>
+            </a:defPPr>
+            <a:lvl1pPr marL="0" algn="r" defTabSz="914400" rtl="0" eaLnBrk="1" latinLnBrk="0" hangingPunct="1">
+              <a:defRPr sz="1200" kern="1200">
+                <a:solidFill>
+                  <a:schemeClr val="tx1">
+                    <a:tint val="75000"/>
+                  </a:schemeClr>
+                </a:solidFill>
+                <a:latin typeface="+mn-lt"/>
+                <a:ea typeface="+mn-ea"/>
+                <a:cs typeface="+mn-cs"/>
+              </a:defRPr>
+            </a:lvl1pPr>
+            <a:lvl2pPr marL="457200" algn="l" defTabSz="914400" rtl="0" eaLnBrk="1" latinLnBrk="0" hangingPunct="1">
+              <a:defRPr sz="1800" kern="1200">
+                <a:solidFill>
+                  <a:schemeClr val="tx1"/>
+                </a:solidFill>
+                <a:latin typeface="+mn-lt"/>
+                <a:ea typeface="+mn-ea"/>
+                <a:cs typeface="+mn-cs"/>
+              </a:defRPr>
+            </a:lvl2pPr>
+            <a:lvl3pPr marL="914400" algn="l" defTabSz="914400" rtl="0" eaLnBrk="1" latinLnBrk="0" hangingPunct="1">
+              <a:defRPr sz="1800" kern="1200">
+                <a:solidFill>
+                  <a:schemeClr val="tx1"/>
+                </a:solidFill>
+                <a:latin typeface="+mn-lt"/>
+                <a:ea typeface="+mn-ea"/>
+                <a:cs typeface="+mn-cs"/>
+              </a:defRPr>
+            </a:lvl3pPr>
+            <a:lvl4pPr marL="1371600" algn="l" defTabSz="914400" rtl="0" eaLnBrk="1" latinLnBrk="0" hangingPunct="1">
+              <a:defRPr sz="1800" kern="1200">
+                <a:solidFill>
+                  <a:schemeClr val="tx1"/>
+                </a:solidFill>
+                <a:latin typeface="+mn-lt"/>
+                <a:ea typeface="+mn-ea"/>
+                <a:cs typeface="+mn-cs"/>
+              </a:defRPr>
+            </a:lvl4pPr>
+            <a:lvl5pPr marL="1828800" algn="l" defTabSz="914400" rtl="0" eaLnBrk="1" latinLnBrk="0" hangingPunct="1">
+              <a:defRPr sz="1800" kern="1200">
+                <a:solidFill>
+                  <a:schemeClr val="tx1"/>
+                </a:solidFill>
+                <a:latin typeface="+mn-lt"/>
+                <a:ea typeface="+mn-ea"/>
+                <a:cs typeface="+mn-cs"/>
+              </a:defRPr>
+            </a:lvl5pPr>
+            <a:lvl6pPr marL="2286000" algn="l" defTabSz="914400" rtl="0" eaLnBrk="1" latinLnBrk="0" hangingPunct="1">
+              <a:defRPr sz="1800" kern="1200">
+                <a:solidFill>
+                  <a:schemeClr val="tx1"/>
+                </a:solidFill>
+                <a:latin typeface="+mn-lt"/>
+                <a:ea typeface="+mn-ea"/>
+                <a:cs typeface="+mn-cs"/>
+              </a:defRPr>
+            </a:lvl6pPr>
+            <a:lvl7pPr marL="2743200" algn="l" defTabSz="914400" rtl="0" eaLnBrk="1" latinLnBrk="0" hangingPunct="1">
+              <a:defRPr sz="1800" kern="1200">
+                <a:solidFill>
+                  <a:schemeClr val="tx1"/>
+                </a:solidFill>
+                <a:latin typeface="+mn-lt"/>
+                <a:ea typeface="+mn-ea"/>
+                <a:cs typeface="+mn-cs"/>
+              </a:defRPr>
+            </a:lvl7pPr>
+            <a:lvl8pPr marL="3200400" algn="l" defTabSz="914400" rtl="0" eaLnBrk="1" latinLnBrk="0" hangingPunct="1">
+              <a:defRPr sz="1800" kern="1200">
+                <a:solidFill>
+                  <a:schemeClr val="tx1"/>
+                </a:solidFill>
+                <a:latin typeface="+mn-lt"/>
+                <a:ea typeface="+mn-ea"/>
+                <a:cs typeface="+mn-cs"/>
+              </a:defRPr>
+            </a:lvl8pPr>
+            <a:lvl9pPr marL="3657600" algn="l" defTabSz="914400" rtl="0" eaLnBrk="1" latinLnBrk="0" hangingPunct="1">
+              <a:defRPr sz="1800" kern="1200">
+                <a:solidFill>
+                  <a:schemeClr val="tx1"/>
+                </a:solidFill>
+                <a:latin typeface="+mn-lt"/>
+                <a:ea typeface="+mn-ea"/>
+                <a:cs typeface="+mn-cs"/>
+              </a:defRPr>
+            </a:lvl9pPr>
+          </a:lstStyle>
+          <a:p>
+            <a:r>
+              <a:rPr lang="de-DE" dirty="0"/>
+              <a:t>/ 52</a:t>
+            </a:r>
+          </a:p>
+        </p:txBody>
+      </p:sp>
     </p:spTree>
     <p:extLst>
       <p:ext uri="{BB962C8B-B14F-4D97-AF65-F5344CB8AC3E}">
@@ -9885,6 +17397,165 @@
           </a:p>
         </p:txBody>
       </p:sp>
+      <p:sp>
+        <p:nvSpPr>
+          <p:cNvPr id="4" name="Foliennummernplatzhalter 3">
+            <a:extLst>
+              <a:ext uri="{FF2B5EF4-FFF2-40B4-BE49-F238E27FC236}">
+                <a16:creationId xmlns:a16="http://schemas.microsoft.com/office/drawing/2014/main" id="{9C55A516-5D63-4D6B-9F5A-A11A2EB24049}"/>
+              </a:ext>
+            </a:extLst>
+          </p:cNvPr>
+          <p:cNvSpPr>
+            <a:spLocks noGrp="1"/>
+          </p:cNvSpPr>
+          <p:nvPr>
+            <p:ph type="sldNum" sz="quarter" idx="12"/>
+          </p:nvPr>
+        </p:nvSpPr>
+        <p:spPr/>
+        <p:txBody>
+          <a:bodyPr/>
+          <a:lstStyle/>
+          <a:p>
+            <a:fld id="{DD108FB5-2533-4688-B3BC-A918F32943D9}" type="slidenum">
+              <a:rPr lang="de-DE" smtClean="0"/>
+              <a:t>5</a:t>
+            </a:fld>
+            <a:endParaRPr lang="de-DE"/>
+          </a:p>
+        </p:txBody>
+      </p:sp>
+      <p:sp>
+        <p:nvSpPr>
+          <p:cNvPr id="6" name="Foliennummernplatzhalter 1">
+            <a:extLst>
+              <a:ext uri="{FF2B5EF4-FFF2-40B4-BE49-F238E27FC236}">
+                <a16:creationId xmlns:a16="http://schemas.microsoft.com/office/drawing/2014/main" id="{EBA77488-75EF-44B3-BEF7-B7B0D2D34F6A}"/>
+              </a:ext>
+            </a:extLst>
+          </p:cNvPr>
+          <p:cNvSpPr txBox="1">
+            <a:spLocks/>
+          </p:cNvSpPr>
+          <p:nvPr/>
+        </p:nvSpPr>
+        <p:spPr>
+          <a:xfrm>
+            <a:off x="8914923" y="6356349"/>
+            <a:ext cx="2743200" cy="365125"/>
+          </a:xfrm>
+          <a:prstGeom prst="rect">
+            <a:avLst/>
+          </a:prstGeom>
+        </p:spPr>
+        <p:txBody>
+          <a:bodyPr vert="horz" lIns="91440" tIns="45720" rIns="91440" bIns="45720" rtlCol="0" anchor="ctr"/>
+          <a:lstStyle>
+            <a:defPPr>
+              <a:defRPr lang="de-DE"/>
+            </a:defPPr>
+            <a:lvl1pPr marL="0" algn="r" defTabSz="914400" rtl="0" eaLnBrk="1" latinLnBrk="0" hangingPunct="1">
+              <a:defRPr sz="1200" kern="1200">
+                <a:solidFill>
+                  <a:schemeClr val="tx1">
+                    <a:tint val="75000"/>
+                  </a:schemeClr>
+                </a:solidFill>
+                <a:latin typeface="+mn-lt"/>
+                <a:ea typeface="+mn-ea"/>
+                <a:cs typeface="+mn-cs"/>
+              </a:defRPr>
+            </a:lvl1pPr>
+            <a:lvl2pPr marL="457200" algn="l" defTabSz="914400" rtl="0" eaLnBrk="1" latinLnBrk="0" hangingPunct="1">
+              <a:defRPr sz="1800" kern="1200">
+                <a:solidFill>
+                  <a:schemeClr val="tx1"/>
+                </a:solidFill>
+                <a:latin typeface="+mn-lt"/>
+                <a:ea typeface="+mn-ea"/>
+                <a:cs typeface="+mn-cs"/>
+              </a:defRPr>
+            </a:lvl2pPr>
+            <a:lvl3pPr marL="914400" algn="l" defTabSz="914400" rtl="0" eaLnBrk="1" latinLnBrk="0" hangingPunct="1">
+              <a:defRPr sz="1800" kern="1200">
+                <a:solidFill>
+                  <a:schemeClr val="tx1"/>
+                </a:solidFill>
+                <a:latin typeface="+mn-lt"/>
+                <a:ea typeface="+mn-ea"/>
+                <a:cs typeface="+mn-cs"/>
+              </a:defRPr>
+            </a:lvl3pPr>
+            <a:lvl4pPr marL="1371600" algn="l" defTabSz="914400" rtl="0" eaLnBrk="1" latinLnBrk="0" hangingPunct="1">
+              <a:defRPr sz="1800" kern="1200">
+                <a:solidFill>
+                  <a:schemeClr val="tx1"/>
+                </a:solidFill>
+                <a:latin typeface="+mn-lt"/>
+                <a:ea typeface="+mn-ea"/>
+                <a:cs typeface="+mn-cs"/>
+              </a:defRPr>
+            </a:lvl4pPr>
+            <a:lvl5pPr marL="1828800" algn="l" defTabSz="914400" rtl="0" eaLnBrk="1" latinLnBrk="0" hangingPunct="1">
+              <a:defRPr sz="1800" kern="1200">
+                <a:solidFill>
+                  <a:schemeClr val="tx1"/>
+                </a:solidFill>
+                <a:latin typeface="+mn-lt"/>
+                <a:ea typeface="+mn-ea"/>
+                <a:cs typeface="+mn-cs"/>
+              </a:defRPr>
+            </a:lvl5pPr>
+            <a:lvl6pPr marL="2286000" algn="l" defTabSz="914400" rtl="0" eaLnBrk="1" latinLnBrk="0" hangingPunct="1">
+              <a:defRPr sz="1800" kern="1200">
+                <a:solidFill>
+                  <a:schemeClr val="tx1"/>
+                </a:solidFill>
+                <a:latin typeface="+mn-lt"/>
+                <a:ea typeface="+mn-ea"/>
+                <a:cs typeface="+mn-cs"/>
+              </a:defRPr>
+            </a:lvl6pPr>
+            <a:lvl7pPr marL="2743200" algn="l" defTabSz="914400" rtl="0" eaLnBrk="1" latinLnBrk="0" hangingPunct="1">
+              <a:defRPr sz="1800" kern="1200">
+                <a:solidFill>
+                  <a:schemeClr val="tx1"/>
+                </a:solidFill>
+                <a:latin typeface="+mn-lt"/>
+                <a:ea typeface="+mn-ea"/>
+                <a:cs typeface="+mn-cs"/>
+              </a:defRPr>
+            </a:lvl7pPr>
+            <a:lvl8pPr marL="3200400" algn="l" defTabSz="914400" rtl="0" eaLnBrk="1" latinLnBrk="0" hangingPunct="1">
+              <a:defRPr sz="1800" kern="1200">
+                <a:solidFill>
+                  <a:schemeClr val="tx1"/>
+                </a:solidFill>
+                <a:latin typeface="+mn-lt"/>
+                <a:ea typeface="+mn-ea"/>
+                <a:cs typeface="+mn-cs"/>
+              </a:defRPr>
+            </a:lvl8pPr>
+            <a:lvl9pPr marL="3657600" algn="l" defTabSz="914400" rtl="0" eaLnBrk="1" latinLnBrk="0" hangingPunct="1">
+              <a:defRPr sz="1800" kern="1200">
+                <a:solidFill>
+                  <a:schemeClr val="tx1"/>
+                </a:solidFill>
+                <a:latin typeface="+mn-lt"/>
+                <a:ea typeface="+mn-ea"/>
+                <a:cs typeface="+mn-cs"/>
+              </a:defRPr>
+            </a:lvl9pPr>
+          </a:lstStyle>
+          <a:p>
+            <a:r>
+              <a:rPr lang="de-DE" dirty="0"/>
+              <a:t>/ 52</a:t>
+            </a:r>
+          </a:p>
+        </p:txBody>
+      </p:sp>
     </p:spTree>
     <p:extLst>
       <p:ext uri="{BB962C8B-B14F-4D97-AF65-F5344CB8AC3E}">
@@ -10033,6 +17704,165 @@
           </a:p>
         </p:txBody>
       </p:sp>
+      <p:sp>
+        <p:nvSpPr>
+          <p:cNvPr id="4" name="Foliennummernplatzhalter 3">
+            <a:extLst>
+              <a:ext uri="{FF2B5EF4-FFF2-40B4-BE49-F238E27FC236}">
+                <a16:creationId xmlns:a16="http://schemas.microsoft.com/office/drawing/2014/main" id="{002398D5-4BC6-4F54-BC29-E99FE7388172}"/>
+              </a:ext>
+            </a:extLst>
+          </p:cNvPr>
+          <p:cNvSpPr>
+            <a:spLocks noGrp="1"/>
+          </p:cNvSpPr>
+          <p:nvPr>
+            <p:ph type="sldNum" sz="quarter" idx="12"/>
+          </p:nvPr>
+        </p:nvSpPr>
+        <p:spPr/>
+        <p:txBody>
+          <a:bodyPr/>
+          <a:lstStyle/>
+          <a:p>
+            <a:fld id="{DD108FB5-2533-4688-B3BC-A918F32943D9}" type="slidenum">
+              <a:rPr lang="de-DE" smtClean="0"/>
+              <a:t>50</a:t>
+            </a:fld>
+            <a:endParaRPr lang="de-DE"/>
+          </a:p>
+        </p:txBody>
+      </p:sp>
+      <p:sp>
+        <p:nvSpPr>
+          <p:cNvPr id="7" name="Foliennummernplatzhalter 1">
+            <a:extLst>
+              <a:ext uri="{FF2B5EF4-FFF2-40B4-BE49-F238E27FC236}">
+                <a16:creationId xmlns:a16="http://schemas.microsoft.com/office/drawing/2014/main" id="{A9137B2D-6E49-42CE-B2AB-83D2436F71E2}"/>
+              </a:ext>
+            </a:extLst>
+          </p:cNvPr>
+          <p:cNvSpPr txBox="1">
+            <a:spLocks/>
+          </p:cNvSpPr>
+          <p:nvPr/>
+        </p:nvSpPr>
+        <p:spPr>
+          <a:xfrm>
+            <a:off x="8914923" y="6356349"/>
+            <a:ext cx="2743200" cy="365125"/>
+          </a:xfrm>
+          <a:prstGeom prst="rect">
+            <a:avLst/>
+          </a:prstGeom>
+        </p:spPr>
+        <p:txBody>
+          <a:bodyPr vert="horz" lIns="91440" tIns="45720" rIns="91440" bIns="45720" rtlCol="0" anchor="ctr"/>
+          <a:lstStyle>
+            <a:defPPr>
+              <a:defRPr lang="de-DE"/>
+            </a:defPPr>
+            <a:lvl1pPr marL="0" algn="r" defTabSz="914400" rtl="0" eaLnBrk="1" latinLnBrk="0" hangingPunct="1">
+              <a:defRPr sz="1200" kern="1200">
+                <a:solidFill>
+                  <a:schemeClr val="tx1">
+                    <a:tint val="75000"/>
+                  </a:schemeClr>
+                </a:solidFill>
+                <a:latin typeface="+mn-lt"/>
+                <a:ea typeface="+mn-ea"/>
+                <a:cs typeface="+mn-cs"/>
+              </a:defRPr>
+            </a:lvl1pPr>
+            <a:lvl2pPr marL="457200" algn="l" defTabSz="914400" rtl="0" eaLnBrk="1" latinLnBrk="0" hangingPunct="1">
+              <a:defRPr sz="1800" kern="1200">
+                <a:solidFill>
+                  <a:schemeClr val="tx1"/>
+                </a:solidFill>
+                <a:latin typeface="+mn-lt"/>
+                <a:ea typeface="+mn-ea"/>
+                <a:cs typeface="+mn-cs"/>
+              </a:defRPr>
+            </a:lvl2pPr>
+            <a:lvl3pPr marL="914400" algn="l" defTabSz="914400" rtl="0" eaLnBrk="1" latinLnBrk="0" hangingPunct="1">
+              <a:defRPr sz="1800" kern="1200">
+                <a:solidFill>
+                  <a:schemeClr val="tx1"/>
+                </a:solidFill>
+                <a:latin typeface="+mn-lt"/>
+                <a:ea typeface="+mn-ea"/>
+                <a:cs typeface="+mn-cs"/>
+              </a:defRPr>
+            </a:lvl3pPr>
+            <a:lvl4pPr marL="1371600" algn="l" defTabSz="914400" rtl="0" eaLnBrk="1" latinLnBrk="0" hangingPunct="1">
+              <a:defRPr sz="1800" kern="1200">
+                <a:solidFill>
+                  <a:schemeClr val="tx1"/>
+                </a:solidFill>
+                <a:latin typeface="+mn-lt"/>
+                <a:ea typeface="+mn-ea"/>
+                <a:cs typeface="+mn-cs"/>
+              </a:defRPr>
+            </a:lvl4pPr>
+            <a:lvl5pPr marL="1828800" algn="l" defTabSz="914400" rtl="0" eaLnBrk="1" latinLnBrk="0" hangingPunct="1">
+              <a:defRPr sz="1800" kern="1200">
+                <a:solidFill>
+                  <a:schemeClr val="tx1"/>
+                </a:solidFill>
+                <a:latin typeface="+mn-lt"/>
+                <a:ea typeface="+mn-ea"/>
+                <a:cs typeface="+mn-cs"/>
+              </a:defRPr>
+            </a:lvl5pPr>
+            <a:lvl6pPr marL="2286000" algn="l" defTabSz="914400" rtl="0" eaLnBrk="1" latinLnBrk="0" hangingPunct="1">
+              <a:defRPr sz="1800" kern="1200">
+                <a:solidFill>
+                  <a:schemeClr val="tx1"/>
+                </a:solidFill>
+                <a:latin typeface="+mn-lt"/>
+                <a:ea typeface="+mn-ea"/>
+                <a:cs typeface="+mn-cs"/>
+              </a:defRPr>
+            </a:lvl6pPr>
+            <a:lvl7pPr marL="2743200" algn="l" defTabSz="914400" rtl="0" eaLnBrk="1" latinLnBrk="0" hangingPunct="1">
+              <a:defRPr sz="1800" kern="1200">
+                <a:solidFill>
+                  <a:schemeClr val="tx1"/>
+                </a:solidFill>
+                <a:latin typeface="+mn-lt"/>
+                <a:ea typeface="+mn-ea"/>
+                <a:cs typeface="+mn-cs"/>
+              </a:defRPr>
+            </a:lvl7pPr>
+            <a:lvl8pPr marL="3200400" algn="l" defTabSz="914400" rtl="0" eaLnBrk="1" latinLnBrk="0" hangingPunct="1">
+              <a:defRPr sz="1800" kern="1200">
+                <a:solidFill>
+                  <a:schemeClr val="tx1"/>
+                </a:solidFill>
+                <a:latin typeface="+mn-lt"/>
+                <a:ea typeface="+mn-ea"/>
+                <a:cs typeface="+mn-cs"/>
+              </a:defRPr>
+            </a:lvl8pPr>
+            <a:lvl9pPr marL="3657600" algn="l" defTabSz="914400" rtl="0" eaLnBrk="1" latinLnBrk="0" hangingPunct="1">
+              <a:defRPr sz="1800" kern="1200">
+                <a:solidFill>
+                  <a:schemeClr val="tx1"/>
+                </a:solidFill>
+                <a:latin typeface="+mn-lt"/>
+                <a:ea typeface="+mn-ea"/>
+                <a:cs typeface="+mn-cs"/>
+              </a:defRPr>
+            </a:lvl9pPr>
+          </a:lstStyle>
+          <a:p>
+            <a:r>
+              <a:rPr lang="de-DE" dirty="0"/>
+              <a:t>/ 52</a:t>
+            </a:r>
+          </a:p>
+        </p:txBody>
+      </p:sp>
     </p:spTree>
     <p:extLst>
       <p:ext uri="{BB962C8B-B14F-4D97-AF65-F5344CB8AC3E}">
@@ -10154,6 +17984,165 @@
           </a:p>
           <a:p>
             <a:endParaRPr lang="de-DE" dirty="0"/>
+          </a:p>
+        </p:txBody>
+      </p:sp>
+      <p:sp>
+        <p:nvSpPr>
+          <p:cNvPr id="4" name="Foliennummernplatzhalter 3">
+            <a:extLst>
+              <a:ext uri="{FF2B5EF4-FFF2-40B4-BE49-F238E27FC236}">
+                <a16:creationId xmlns:a16="http://schemas.microsoft.com/office/drawing/2014/main" id="{95446232-4CFA-4CC6-BFF0-0865FC0D9EF9}"/>
+              </a:ext>
+            </a:extLst>
+          </p:cNvPr>
+          <p:cNvSpPr>
+            <a:spLocks noGrp="1"/>
+          </p:cNvSpPr>
+          <p:nvPr>
+            <p:ph type="sldNum" sz="quarter" idx="12"/>
+          </p:nvPr>
+        </p:nvSpPr>
+        <p:spPr/>
+        <p:txBody>
+          <a:bodyPr/>
+          <a:lstStyle/>
+          <a:p>
+            <a:fld id="{DD108FB5-2533-4688-B3BC-A918F32943D9}" type="slidenum">
+              <a:rPr lang="de-DE" smtClean="0"/>
+              <a:t>51</a:t>
+            </a:fld>
+            <a:endParaRPr lang="de-DE"/>
+          </a:p>
+        </p:txBody>
+      </p:sp>
+      <p:sp>
+        <p:nvSpPr>
+          <p:cNvPr id="6" name="Foliennummernplatzhalter 1">
+            <a:extLst>
+              <a:ext uri="{FF2B5EF4-FFF2-40B4-BE49-F238E27FC236}">
+                <a16:creationId xmlns:a16="http://schemas.microsoft.com/office/drawing/2014/main" id="{6F874D6C-DB4A-43E5-A737-7C2ECC87920F}"/>
+              </a:ext>
+            </a:extLst>
+          </p:cNvPr>
+          <p:cNvSpPr txBox="1">
+            <a:spLocks/>
+          </p:cNvSpPr>
+          <p:nvPr/>
+        </p:nvSpPr>
+        <p:spPr>
+          <a:xfrm>
+            <a:off x="8914923" y="6356349"/>
+            <a:ext cx="2743200" cy="365125"/>
+          </a:xfrm>
+          <a:prstGeom prst="rect">
+            <a:avLst/>
+          </a:prstGeom>
+        </p:spPr>
+        <p:txBody>
+          <a:bodyPr vert="horz" lIns="91440" tIns="45720" rIns="91440" bIns="45720" rtlCol="0" anchor="ctr"/>
+          <a:lstStyle>
+            <a:defPPr>
+              <a:defRPr lang="de-DE"/>
+            </a:defPPr>
+            <a:lvl1pPr marL="0" algn="r" defTabSz="914400" rtl="0" eaLnBrk="1" latinLnBrk="0" hangingPunct="1">
+              <a:defRPr sz="1200" kern="1200">
+                <a:solidFill>
+                  <a:schemeClr val="tx1">
+                    <a:tint val="75000"/>
+                  </a:schemeClr>
+                </a:solidFill>
+                <a:latin typeface="+mn-lt"/>
+                <a:ea typeface="+mn-ea"/>
+                <a:cs typeface="+mn-cs"/>
+              </a:defRPr>
+            </a:lvl1pPr>
+            <a:lvl2pPr marL="457200" algn="l" defTabSz="914400" rtl="0" eaLnBrk="1" latinLnBrk="0" hangingPunct="1">
+              <a:defRPr sz="1800" kern="1200">
+                <a:solidFill>
+                  <a:schemeClr val="tx1"/>
+                </a:solidFill>
+                <a:latin typeface="+mn-lt"/>
+                <a:ea typeface="+mn-ea"/>
+                <a:cs typeface="+mn-cs"/>
+              </a:defRPr>
+            </a:lvl2pPr>
+            <a:lvl3pPr marL="914400" algn="l" defTabSz="914400" rtl="0" eaLnBrk="1" latinLnBrk="0" hangingPunct="1">
+              <a:defRPr sz="1800" kern="1200">
+                <a:solidFill>
+                  <a:schemeClr val="tx1"/>
+                </a:solidFill>
+                <a:latin typeface="+mn-lt"/>
+                <a:ea typeface="+mn-ea"/>
+                <a:cs typeface="+mn-cs"/>
+              </a:defRPr>
+            </a:lvl3pPr>
+            <a:lvl4pPr marL="1371600" algn="l" defTabSz="914400" rtl="0" eaLnBrk="1" latinLnBrk="0" hangingPunct="1">
+              <a:defRPr sz="1800" kern="1200">
+                <a:solidFill>
+                  <a:schemeClr val="tx1"/>
+                </a:solidFill>
+                <a:latin typeface="+mn-lt"/>
+                <a:ea typeface="+mn-ea"/>
+                <a:cs typeface="+mn-cs"/>
+              </a:defRPr>
+            </a:lvl4pPr>
+            <a:lvl5pPr marL="1828800" algn="l" defTabSz="914400" rtl="0" eaLnBrk="1" latinLnBrk="0" hangingPunct="1">
+              <a:defRPr sz="1800" kern="1200">
+                <a:solidFill>
+                  <a:schemeClr val="tx1"/>
+                </a:solidFill>
+                <a:latin typeface="+mn-lt"/>
+                <a:ea typeface="+mn-ea"/>
+                <a:cs typeface="+mn-cs"/>
+              </a:defRPr>
+            </a:lvl5pPr>
+            <a:lvl6pPr marL="2286000" algn="l" defTabSz="914400" rtl="0" eaLnBrk="1" latinLnBrk="0" hangingPunct="1">
+              <a:defRPr sz="1800" kern="1200">
+                <a:solidFill>
+                  <a:schemeClr val="tx1"/>
+                </a:solidFill>
+                <a:latin typeface="+mn-lt"/>
+                <a:ea typeface="+mn-ea"/>
+                <a:cs typeface="+mn-cs"/>
+              </a:defRPr>
+            </a:lvl6pPr>
+            <a:lvl7pPr marL="2743200" algn="l" defTabSz="914400" rtl="0" eaLnBrk="1" latinLnBrk="0" hangingPunct="1">
+              <a:defRPr sz="1800" kern="1200">
+                <a:solidFill>
+                  <a:schemeClr val="tx1"/>
+                </a:solidFill>
+                <a:latin typeface="+mn-lt"/>
+                <a:ea typeface="+mn-ea"/>
+                <a:cs typeface="+mn-cs"/>
+              </a:defRPr>
+            </a:lvl7pPr>
+            <a:lvl8pPr marL="3200400" algn="l" defTabSz="914400" rtl="0" eaLnBrk="1" latinLnBrk="0" hangingPunct="1">
+              <a:defRPr sz="1800" kern="1200">
+                <a:solidFill>
+                  <a:schemeClr val="tx1"/>
+                </a:solidFill>
+                <a:latin typeface="+mn-lt"/>
+                <a:ea typeface="+mn-ea"/>
+                <a:cs typeface="+mn-cs"/>
+              </a:defRPr>
+            </a:lvl8pPr>
+            <a:lvl9pPr marL="3657600" algn="l" defTabSz="914400" rtl="0" eaLnBrk="1" latinLnBrk="0" hangingPunct="1">
+              <a:defRPr sz="1800" kern="1200">
+                <a:solidFill>
+                  <a:schemeClr val="tx1"/>
+                </a:solidFill>
+                <a:latin typeface="+mn-lt"/>
+                <a:ea typeface="+mn-ea"/>
+                <a:cs typeface="+mn-cs"/>
+              </a:defRPr>
+            </a:lvl9pPr>
+          </a:lstStyle>
+          <a:p>
+            <a:r>
+              <a:rPr lang="de-DE" dirty="0"/>
+              <a:t>/ 52</a:t>
+            </a:r>
           </a:p>
         </p:txBody>
       </p:sp>
@@ -10202,11 +18191,11 @@
           <p:nvPr/>
         </p:nvPicPr>
         <p:blipFill>
-          <a:blip r:embed="rId2">
+          <a:blip r:embed="rId3">
             <a:extLst>
               <a:ext uri="{BEBA8EAE-BF5A-486C-A8C5-ECC9F3942E4B}">
                 <a14:imgProps xmlns:a14="http://schemas.microsoft.com/office/drawing/2010/main">
-                  <a14:imgLayer r:embed="rId3">
+                  <a14:imgLayer r:embed="rId4">
                     <a14:imgEffect>
                       <a14:brightnessContrast bright="20000" contrast="-40000"/>
                     </a14:imgEffect>
@@ -10224,7 +18213,7 @@
         </p:blipFill>
         <p:spPr>
           <a:xfrm>
-            <a:off x="5731497" y="839617"/>
+            <a:off x="5731497" y="779078"/>
             <a:ext cx="6366852" cy="5942396"/>
           </a:xfrm>
           <a:prstGeom prst="rect">
@@ -10261,6 +18250,165 @@
             <a:r>
               <a:rPr lang="de-DE" dirty="0"/>
               <a:t>Noch Fragen?</a:t>
+            </a:r>
+          </a:p>
+        </p:txBody>
+      </p:sp>
+      <p:sp>
+        <p:nvSpPr>
+          <p:cNvPr id="2" name="Foliennummernplatzhalter 1">
+            <a:extLst>
+              <a:ext uri="{FF2B5EF4-FFF2-40B4-BE49-F238E27FC236}">
+                <a16:creationId xmlns:a16="http://schemas.microsoft.com/office/drawing/2014/main" id="{9EB37D2B-5494-473A-95AC-B7BD33746F24}"/>
+              </a:ext>
+            </a:extLst>
+          </p:cNvPr>
+          <p:cNvSpPr>
+            <a:spLocks noGrp="1"/>
+          </p:cNvSpPr>
+          <p:nvPr>
+            <p:ph type="sldNum" sz="quarter" idx="12"/>
+          </p:nvPr>
+        </p:nvSpPr>
+        <p:spPr/>
+        <p:txBody>
+          <a:bodyPr/>
+          <a:lstStyle/>
+          <a:p>
+            <a:fld id="{DD108FB5-2533-4688-B3BC-A918F32943D9}" type="slidenum">
+              <a:rPr lang="de-DE" smtClean="0"/>
+              <a:t>52</a:t>
+            </a:fld>
+            <a:endParaRPr lang="de-DE" dirty="0"/>
+          </a:p>
+        </p:txBody>
+      </p:sp>
+      <p:sp>
+        <p:nvSpPr>
+          <p:cNvPr id="6" name="Foliennummernplatzhalter 1">
+            <a:extLst>
+              <a:ext uri="{FF2B5EF4-FFF2-40B4-BE49-F238E27FC236}">
+                <a16:creationId xmlns:a16="http://schemas.microsoft.com/office/drawing/2014/main" id="{73EA53BA-555A-49DC-9DD8-2512485359F8}"/>
+              </a:ext>
+            </a:extLst>
+          </p:cNvPr>
+          <p:cNvSpPr txBox="1">
+            <a:spLocks/>
+          </p:cNvSpPr>
+          <p:nvPr/>
+        </p:nvSpPr>
+        <p:spPr>
+          <a:xfrm>
+            <a:off x="8914923" y="6356349"/>
+            <a:ext cx="2743200" cy="365125"/>
+          </a:xfrm>
+          <a:prstGeom prst="rect">
+            <a:avLst/>
+          </a:prstGeom>
+        </p:spPr>
+        <p:txBody>
+          <a:bodyPr vert="horz" lIns="91440" tIns="45720" rIns="91440" bIns="45720" rtlCol="0" anchor="ctr"/>
+          <a:lstStyle>
+            <a:defPPr>
+              <a:defRPr lang="de-DE"/>
+            </a:defPPr>
+            <a:lvl1pPr marL="0" algn="r" defTabSz="914400" rtl="0" eaLnBrk="1" latinLnBrk="0" hangingPunct="1">
+              <a:defRPr sz="1200" kern="1200">
+                <a:solidFill>
+                  <a:schemeClr val="tx1">
+                    <a:tint val="75000"/>
+                  </a:schemeClr>
+                </a:solidFill>
+                <a:latin typeface="+mn-lt"/>
+                <a:ea typeface="+mn-ea"/>
+                <a:cs typeface="+mn-cs"/>
+              </a:defRPr>
+            </a:lvl1pPr>
+            <a:lvl2pPr marL="457200" algn="l" defTabSz="914400" rtl="0" eaLnBrk="1" latinLnBrk="0" hangingPunct="1">
+              <a:defRPr sz="1800" kern="1200">
+                <a:solidFill>
+                  <a:schemeClr val="tx1"/>
+                </a:solidFill>
+                <a:latin typeface="+mn-lt"/>
+                <a:ea typeface="+mn-ea"/>
+                <a:cs typeface="+mn-cs"/>
+              </a:defRPr>
+            </a:lvl2pPr>
+            <a:lvl3pPr marL="914400" algn="l" defTabSz="914400" rtl="0" eaLnBrk="1" latinLnBrk="0" hangingPunct="1">
+              <a:defRPr sz="1800" kern="1200">
+                <a:solidFill>
+                  <a:schemeClr val="tx1"/>
+                </a:solidFill>
+                <a:latin typeface="+mn-lt"/>
+                <a:ea typeface="+mn-ea"/>
+                <a:cs typeface="+mn-cs"/>
+              </a:defRPr>
+            </a:lvl3pPr>
+            <a:lvl4pPr marL="1371600" algn="l" defTabSz="914400" rtl="0" eaLnBrk="1" latinLnBrk="0" hangingPunct="1">
+              <a:defRPr sz="1800" kern="1200">
+                <a:solidFill>
+                  <a:schemeClr val="tx1"/>
+                </a:solidFill>
+                <a:latin typeface="+mn-lt"/>
+                <a:ea typeface="+mn-ea"/>
+                <a:cs typeface="+mn-cs"/>
+              </a:defRPr>
+            </a:lvl4pPr>
+            <a:lvl5pPr marL="1828800" algn="l" defTabSz="914400" rtl="0" eaLnBrk="1" latinLnBrk="0" hangingPunct="1">
+              <a:defRPr sz="1800" kern="1200">
+                <a:solidFill>
+                  <a:schemeClr val="tx1"/>
+                </a:solidFill>
+                <a:latin typeface="+mn-lt"/>
+                <a:ea typeface="+mn-ea"/>
+                <a:cs typeface="+mn-cs"/>
+              </a:defRPr>
+            </a:lvl5pPr>
+            <a:lvl6pPr marL="2286000" algn="l" defTabSz="914400" rtl="0" eaLnBrk="1" latinLnBrk="0" hangingPunct="1">
+              <a:defRPr sz="1800" kern="1200">
+                <a:solidFill>
+                  <a:schemeClr val="tx1"/>
+                </a:solidFill>
+                <a:latin typeface="+mn-lt"/>
+                <a:ea typeface="+mn-ea"/>
+                <a:cs typeface="+mn-cs"/>
+              </a:defRPr>
+            </a:lvl6pPr>
+            <a:lvl7pPr marL="2743200" algn="l" defTabSz="914400" rtl="0" eaLnBrk="1" latinLnBrk="0" hangingPunct="1">
+              <a:defRPr sz="1800" kern="1200">
+                <a:solidFill>
+                  <a:schemeClr val="tx1"/>
+                </a:solidFill>
+                <a:latin typeface="+mn-lt"/>
+                <a:ea typeface="+mn-ea"/>
+                <a:cs typeface="+mn-cs"/>
+              </a:defRPr>
+            </a:lvl7pPr>
+            <a:lvl8pPr marL="3200400" algn="l" defTabSz="914400" rtl="0" eaLnBrk="1" latinLnBrk="0" hangingPunct="1">
+              <a:defRPr sz="1800" kern="1200">
+                <a:solidFill>
+                  <a:schemeClr val="tx1"/>
+                </a:solidFill>
+                <a:latin typeface="+mn-lt"/>
+                <a:ea typeface="+mn-ea"/>
+                <a:cs typeface="+mn-cs"/>
+              </a:defRPr>
+            </a:lvl8pPr>
+            <a:lvl9pPr marL="3657600" algn="l" defTabSz="914400" rtl="0" eaLnBrk="1" latinLnBrk="0" hangingPunct="1">
+              <a:defRPr sz="1800" kern="1200">
+                <a:solidFill>
+                  <a:schemeClr val="tx1"/>
+                </a:solidFill>
+                <a:latin typeface="+mn-lt"/>
+                <a:ea typeface="+mn-ea"/>
+                <a:cs typeface="+mn-cs"/>
+              </a:defRPr>
+            </a:lvl9pPr>
+          </a:lstStyle>
+          <a:p>
+            <a:r>
+              <a:rPr lang="de-DE" dirty="0"/>
+              <a:t>/ 52</a:t>
             </a:r>
           </a:p>
         </p:txBody>
@@ -10398,6 +18546,165 @@
             <a:r>
               <a:rPr lang="de-DE" dirty="0"/>
               <a:t>Allgemein gehalten</a:t>
+            </a:r>
+          </a:p>
+        </p:txBody>
+      </p:sp>
+      <p:sp>
+        <p:nvSpPr>
+          <p:cNvPr id="4" name="Foliennummernplatzhalter 3">
+            <a:extLst>
+              <a:ext uri="{FF2B5EF4-FFF2-40B4-BE49-F238E27FC236}">
+                <a16:creationId xmlns:a16="http://schemas.microsoft.com/office/drawing/2014/main" id="{17579179-2C78-4DC6-8DD3-C5C5D6708D18}"/>
+              </a:ext>
+            </a:extLst>
+          </p:cNvPr>
+          <p:cNvSpPr>
+            <a:spLocks noGrp="1"/>
+          </p:cNvSpPr>
+          <p:nvPr>
+            <p:ph type="sldNum" sz="quarter" idx="12"/>
+          </p:nvPr>
+        </p:nvSpPr>
+        <p:spPr/>
+        <p:txBody>
+          <a:bodyPr/>
+          <a:lstStyle/>
+          <a:p>
+            <a:fld id="{DD108FB5-2533-4688-B3BC-A918F32943D9}" type="slidenum">
+              <a:rPr lang="de-DE" smtClean="0"/>
+              <a:t>6</a:t>
+            </a:fld>
+            <a:endParaRPr lang="de-DE"/>
+          </a:p>
+        </p:txBody>
+      </p:sp>
+      <p:sp>
+        <p:nvSpPr>
+          <p:cNvPr id="6" name="Foliennummernplatzhalter 1">
+            <a:extLst>
+              <a:ext uri="{FF2B5EF4-FFF2-40B4-BE49-F238E27FC236}">
+                <a16:creationId xmlns:a16="http://schemas.microsoft.com/office/drawing/2014/main" id="{A8372820-561C-4A8C-A5CA-31B36DD7572A}"/>
+              </a:ext>
+            </a:extLst>
+          </p:cNvPr>
+          <p:cNvSpPr txBox="1">
+            <a:spLocks/>
+          </p:cNvSpPr>
+          <p:nvPr/>
+        </p:nvSpPr>
+        <p:spPr>
+          <a:xfrm>
+            <a:off x="8914923" y="6356349"/>
+            <a:ext cx="2743200" cy="365125"/>
+          </a:xfrm>
+          <a:prstGeom prst="rect">
+            <a:avLst/>
+          </a:prstGeom>
+        </p:spPr>
+        <p:txBody>
+          <a:bodyPr vert="horz" lIns="91440" tIns="45720" rIns="91440" bIns="45720" rtlCol="0" anchor="ctr"/>
+          <a:lstStyle>
+            <a:defPPr>
+              <a:defRPr lang="de-DE"/>
+            </a:defPPr>
+            <a:lvl1pPr marL="0" algn="r" defTabSz="914400" rtl="0" eaLnBrk="1" latinLnBrk="0" hangingPunct="1">
+              <a:defRPr sz="1200" kern="1200">
+                <a:solidFill>
+                  <a:schemeClr val="tx1">
+                    <a:tint val="75000"/>
+                  </a:schemeClr>
+                </a:solidFill>
+                <a:latin typeface="+mn-lt"/>
+                <a:ea typeface="+mn-ea"/>
+                <a:cs typeface="+mn-cs"/>
+              </a:defRPr>
+            </a:lvl1pPr>
+            <a:lvl2pPr marL="457200" algn="l" defTabSz="914400" rtl="0" eaLnBrk="1" latinLnBrk="0" hangingPunct="1">
+              <a:defRPr sz="1800" kern="1200">
+                <a:solidFill>
+                  <a:schemeClr val="tx1"/>
+                </a:solidFill>
+                <a:latin typeface="+mn-lt"/>
+                <a:ea typeface="+mn-ea"/>
+                <a:cs typeface="+mn-cs"/>
+              </a:defRPr>
+            </a:lvl2pPr>
+            <a:lvl3pPr marL="914400" algn="l" defTabSz="914400" rtl="0" eaLnBrk="1" latinLnBrk="0" hangingPunct="1">
+              <a:defRPr sz="1800" kern="1200">
+                <a:solidFill>
+                  <a:schemeClr val="tx1"/>
+                </a:solidFill>
+                <a:latin typeface="+mn-lt"/>
+                <a:ea typeface="+mn-ea"/>
+                <a:cs typeface="+mn-cs"/>
+              </a:defRPr>
+            </a:lvl3pPr>
+            <a:lvl4pPr marL="1371600" algn="l" defTabSz="914400" rtl="0" eaLnBrk="1" latinLnBrk="0" hangingPunct="1">
+              <a:defRPr sz="1800" kern="1200">
+                <a:solidFill>
+                  <a:schemeClr val="tx1"/>
+                </a:solidFill>
+                <a:latin typeface="+mn-lt"/>
+                <a:ea typeface="+mn-ea"/>
+                <a:cs typeface="+mn-cs"/>
+              </a:defRPr>
+            </a:lvl4pPr>
+            <a:lvl5pPr marL="1828800" algn="l" defTabSz="914400" rtl="0" eaLnBrk="1" latinLnBrk="0" hangingPunct="1">
+              <a:defRPr sz="1800" kern="1200">
+                <a:solidFill>
+                  <a:schemeClr val="tx1"/>
+                </a:solidFill>
+                <a:latin typeface="+mn-lt"/>
+                <a:ea typeface="+mn-ea"/>
+                <a:cs typeface="+mn-cs"/>
+              </a:defRPr>
+            </a:lvl5pPr>
+            <a:lvl6pPr marL="2286000" algn="l" defTabSz="914400" rtl="0" eaLnBrk="1" latinLnBrk="0" hangingPunct="1">
+              <a:defRPr sz="1800" kern="1200">
+                <a:solidFill>
+                  <a:schemeClr val="tx1"/>
+                </a:solidFill>
+                <a:latin typeface="+mn-lt"/>
+                <a:ea typeface="+mn-ea"/>
+                <a:cs typeface="+mn-cs"/>
+              </a:defRPr>
+            </a:lvl6pPr>
+            <a:lvl7pPr marL="2743200" algn="l" defTabSz="914400" rtl="0" eaLnBrk="1" latinLnBrk="0" hangingPunct="1">
+              <a:defRPr sz="1800" kern="1200">
+                <a:solidFill>
+                  <a:schemeClr val="tx1"/>
+                </a:solidFill>
+                <a:latin typeface="+mn-lt"/>
+                <a:ea typeface="+mn-ea"/>
+                <a:cs typeface="+mn-cs"/>
+              </a:defRPr>
+            </a:lvl7pPr>
+            <a:lvl8pPr marL="3200400" algn="l" defTabSz="914400" rtl="0" eaLnBrk="1" latinLnBrk="0" hangingPunct="1">
+              <a:defRPr sz="1800" kern="1200">
+                <a:solidFill>
+                  <a:schemeClr val="tx1"/>
+                </a:solidFill>
+                <a:latin typeface="+mn-lt"/>
+                <a:ea typeface="+mn-ea"/>
+                <a:cs typeface="+mn-cs"/>
+              </a:defRPr>
+            </a:lvl8pPr>
+            <a:lvl9pPr marL="3657600" algn="l" defTabSz="914400" rtl="0" eaLnBrk="1" latinLnBrk="0" hangingPunct="1">
+              <a:defRPr sz="1800" kern="1200">
+                <a:solidFill>
+                  <a:schemeClr val="tx1"/>
+                </a:solidFill>
+                <a:latin typeface="+mn-lt"/>
+                <a:ea typeface="+mn-ea"/>
+                <a:cs typeface="+mn-cs"/>
+              </a:defRPr>
+            </a:lvl9pPr>
+          </a:lstStyle>
+          <a:p>
+            <a:r>
+              <a:rPr lang="de-DE" dirty="0"/>
+              <a:t>/ 52</a:t>
             </a:r>
           </a:p>
         </p:txBody>
@@ -10626,6 +18933,165 @@
           </a:p>
         </p:txBody>
       </p:sp>
+      <p:sp>
+        <p:nvSpPr>
+          <p:cNvPr id="5" name="Foliennummernplatzhalter 4">
+            <a:extLst>
+              <a:ext uri="{FF2B5EF4-FFF2-40B4-BE49-F238E27FC236}">
+                <a16:creationId xmlns:a16="http://schemas.microsoft.com/office/drawing/2014/main" id="{E1ECB0E9-78A4-4AEE-9E17-10411EF10A3C}"/>
+              </a:ext>
+            </a:extLst>
+          </p:cNvPr>
+          <p:cNvSpPr>
+            <a:spLocks noGrp="1"/>
+          </p:cNvSpPr>
+          <p:nvPr>
+            <p:ph type="sldNum" sz="quarter" idx="12"/>
+          </p:nvPr>
+        </p:nvSpPr>
+        <p:spPr/>
+        <p:txBody>
+          <a:bodyPr/>
+          <a:lstStyle/>
+          <a:p>
+            <a:fld id="{DD108FB5-2533-4688-B3BC-A918F32943D9}" type="slidenum">
+              <a:rPr lang="de-DE" smtClean="0"/>
+              <a:t>7</a:t>
+            </a:fld>
+            <a:endParaRPr lang="de-DE"/>
+          </a:p>
+        </p:txBody>
+      </p:sp>
+      <p:sp>
+        <p:nvSpPr>
+          <p:cNvPr id="7" name="Foliennummernplatzhalter 1">
+            <a:extLst>
+              <a:ext uri="{FF2B5EF4-FFF2-40B4-BE49-F238E27FC236}">
+                <a16:creationId xmlns:a16="http://schemas.microsoft.com/office/drawing/2014/main" id="{7EBDF784-9773-4B65-90A4-00F4ACAE4281}"/>
+              </a:ext>
+            </a:extLst>
+          </p:cNvPr>
+          <p:cNvSpPr txBox="1">
+            <a:spLocks/>
+          </p:cNvSpPr>
+          <p:nvPr/>
+        </p:nvSpPr>
+        <p:spPr>
+          <a:xfrm>
+            <a:off x="8914923" y="6356349"/>
+            <a:ext cx="2743200" cy="365125"/>
+          </a:xfrm>
+          <a:prstGeom prst="rect">
+            <a:avLst/>
+          </a:prstGeom>
+        </p:spPr>
+        <p:txBody>
+          <a:bodyPr vert="horz" lIns="91440" tIns="45720" rIns="91440" bIns="45720" rtlCol="0" anchor="ctr"/>
+          <a:lstStyle>
+            <a:defPPr>
+              <a:defRPr lang="de-DE"/>
+            </a:defPPr>
+            <a:lvl1pPr marL="0" algn="r" defTabSz="914400" rtl="0" eaLnBrk="1" latinLnBrk="0" hangingPunct="1">
+              <a:defRPr sz="1200" kern="1200">
+                <a:solidFill>
+                  <a:schemeClr val="tx1">
+                    <a:tint val="75000"/>
+                  </a:schemeClr>
+                </a:solidFill>
+                <a:latin typeface="+mn-lt"/>
+                <a:ea typeface="+mn-ea"/>
+                <a:cs typeface="+mn-cs"/>
+              </a:defRPr>
+            </a:lvl1pPr>
+            <a:lvl2pPr marL="457200" algn="l" defTabSz="914400" rtl="0" eaLnBrk="1" latinLnBrk="0" hangingPunct="1">
+              <a:defRPr sz="1800" kern="1200">
+                <a:solidFill>
+                  <a:schemeClr val="tx1"/>
+                </a:solidFill>
+                <a:latin typeface="+mn-lt"/>
+                <a:ea typeface="+mn-ea"/>
+                <a:cs typeface="+mn-cs"/>
+              </a:defRPr>
+            </a:lvl2pPr>
+            <a:lvl3pPr marL="914400" algn="l" defTabSz="914400" rtl="0" eaLnBrk="1" latinLnBrk="0" hangingPunct="1">
+              <a:defRPr sz="1800" kern="1200">
+                <a:solidFill>
+                  <a:schemeClr val="tx1"/>
+                </a:solidFill>
+                <a:latin typeface="+mn-lt"/>
+                <a:ea typeface="+mn-ea"/>
+                <a:cs typeface="+mn-cs"/>
+              </a:defRPr>
+            </a:lvl3pPr>
+            <a:lvl4pPr marL="1371600" algn="l" defTabSz="914400" rtl="0" eaLnBrk="1" latinLnBrk="0" hangingPunct="1">
+              <a:defRPr sz="1800" kern="1200">
+                <a:solidFill>
+                  <a:schemeClr val="tx1"/>
+                </a:solidFill>
+                <a:latin typeface="+mn-lt"/>
+                <a:ea typeface="+mn-ea"/>
+                <a:cs typeface="+mn-cs"/>
+              </a:defRPr>
+            </a:lvl4pPr>
+            <a:lvl5pPr marL="1828800" algn="l" defTabSz="914400" rtl="0" eaLnBrk="1" latinLnBrk="0" hangingPunct="1">
+              <a:defRPr sz="1800" kern="1200">
+                <a:solidFill>
+                  <a:schemeClr val="tx1"/>
+                </a:solidFill>
+                <a:latin typeface="+mn-lt"/>
+                <a:ea typeface="+mn-ea"/>
+                <a:cs typeface="+mn-cs"/>
+              </a:defRPr>
+            </a:lvl5pPr>
+            <a:lvl6pPr marL="2286000" algn="l" defTabSz="914400" rtl="0" eaLnBrk="1" latinLnBrk="0" hangingPunct="1">
+              <a:defRPr sz="1800" kern="1200">
+                <a:solidFill>
+                  <a:schemeClr val="tx1"/>
+                </a:solidFill>
+                <a:latin typeface="+mn-lt"/>
+                <a:ea typeface="+mn-ea"/>
+                <a:cs typeface="+mn-cs"/>
+              </a:defRPr>
+            </a:lvl6pPr>
+            <a:lvl7pPr marL="2743200" algn="l" defTabSz="914400" rtl="0" eaLnBrk="1" latinLnBrk="0" hangingPunct="1">
+              <a:defRPr sz="1800" kern="1200">
+                <a:solidFill>
+                  <a:schemeClr val="tx1"/>
+                </a:solidFill>
+                <a:latin typeface="+mn-lt"/>
+                <a:ea typeface="+mn-ea"/>
+                <a:cs typeface="+mn-cs"/>
+              </a:defRPr>
+            </a:lvl7pPr>
+            <a:lvl8pPr marL="3200400" algn="l" defTabSz="914400" rtl="0" eaLnBrk="1" latinLnBrk="0" hangingPunct="1">
+              <a:defRPr sz="1800" kern="1200">
+                <a:solidFill>
+                  <a:schemeClr val="tx1"/>
+                </a:solidFill>
+                <a:latin typeface="+mn-lt"/>
+                <a:ea typeface="+mn-ea"/>
+                <a:cs typeface="+mn-cs"/>
+              </a:defRPr>
+            </a:lvl8pPr>
+            <a:lvl9pPr marL="3657600" algn="l" defTabSz="914400" rtl="0" eaLnBrk="1" latinLnBrk="0" hangingPunct="1">
+              <a:defRPr sz="1800" kern="1200">
+                <a:solidFill>
+                  <a:schemeClr val="tx1"/>
+                </a:solidFill>
+                <a:latin typeface="+mn-lt"/>
+                <a:ea typeface="+mn-ea"/>
+                <a:cs typeface="+mn-cs"/>
+              </a:defRPr>
+            </a:lvl9pPr>
+          </a:lstStyle>
+          <a:p>
+            <a:r>
+              <a:rPr lang="de-DE" dirty="0"/>
+              <a:t>/ 52</a:t>
+            </a:r>
+          </a:p>
+        </p:txBody>
+      </p:sp>
     </p:spTree>
     <p:extLst>
       <p:ext uri="{BB962C8B-B14F-4D97-AF65-F5344CB8AC3E}">
@@ -10761,6 +19227,165 @@
           </a:p>
         </p:txBody>
       </p:sp>
+      <p:sp>
+        <p:nvSpPr>
+          <p:cNvPr id="4" name="Foliennummernplatzhalter 3">
+            <a:extLst>
+              <a:ext uri="{FF2B5EF4-FFF2-40B4-BE49-F238E27FC236}">
+                <a16:creationId xmlns:a16="http://schemas.microsoft.com/office/drawing/2014/main" id="{10CA18CF-42D3-4562-B40C-C03B32F39A5E}"/>
+              </a:ext>
+            </a:extLst>
+          </p:cNvPr>
+          <p:cNvSpPr>
+            <a:spLocks noGrp="1"/>
+          </p:cNvSpPr>
+          <p:nvPr>
+            <p:ph type="sldNum" sz="quarter" idx="12"/>
+          </p:nvPr>
+        </p:nvSpPr>
+        <p:spPr/>
+        <p:txBody>
+          <a:bodyPr/>
+          <a:lstStyle/>
+          <a:p>
+            <a:fld id="{DD108FB5-2533-4688-B3BC-A918F32943D9}" type="slidenum">
+              <a:rPr lang="de-DE" smtClean="0"/>
+              <a:t>8</a:t>
+            </a:fld>
+            <a:endParaRPr lang="de-DE"/>
+          </a:p>
+        </p:txBody>
+      </p:sp>
+      <p:sp>
+        <p:nvSpPr>
+          <p:cNvPr id="6" name="Foliennummernplatzhalter 1">
+            <a:extLst>
+              <a:ext uri="{FF2B5EF4-FFF2-40B4-BE49-F238E27FC236}">
+                <a16:creationId xmlns:a16="http://schemas.microsoft.com/office/drawing/2014/main" id="{D4B023F6-9DED-425A-AE04-65CBAB6929A9}"/>
+              </a:ext>
+            </a:extLst>
+          </p:cNvPr>
+          <p:cNvSpPr txBox="1">
+            <a:spLocks/>
+          </p:cNvSpPr>
+          <p:nvPr/>
+        </p:nvSpPr>
+        <p:spPr>
+          <a:xfrm>
+            <a:off x="8914923" y="6356349"/>
+            <a:ext cx="2743200" cy="365125"/>
+          </a:xfrm>
+          <a:prstGeom prst="rect">
+            <a:avLst/>
+          </a:prstGeom>
+        </p:spPr>
+        <p:txBody>
+          <a:bodyPr vert="horz" lIns="91440" tIns="45720" rIns="91440" bIns="45720" rtlCol="0" anchor="ctr"/>
+          <a:lstStyle>
+            <a:defPPr>
+              <a:defRPr lang="de-DE"/>
+            </a:defPPr>
+            <a:lvl1pPr marL="0" algn="r" defTabSz="914400" rtl="0" eaLnBrk="1" latinLnBrk="0" hangingPunct="1">
+              <a:defRPr sz="1200" kern="1200">
+                <a:solidFill>
+                  <a:schemeClr val="tx1">
+                    <a:tint val="75000"/>
+                  </a:schemeClr>
+                </a:solidFill>
+                <a:latin typeface="+mn-lt"/>
+                <a:ea typeface="+mn-ea"/>
+                <a:cs typeface="+mn-cs"/>
+              </a:defRPr>
+            </a:lvl1pPr>
+            <a:lvl2pPr marL="457200" algn="l" defTabSz="914400" rtl="0" eaLnBrk="1" latinLnBrk="0" hangingPunct="1">
+              <a:defRPr sz="1800" kern="1200">
+                <a:solidFill>
+                  <a:schemeClr val="tx1"/>
+                </a:solidFill>
+                <a:latin typeface="+mn-lt"/>
+                <a:ea typeface="+mn-ea"/>
+                <a:cs typeface="+mn-cs"/>
+              </a:defRPr>
+            </a:lvl2pPr>
+            <a:lvl3pPr marL="914400" algn="l" defTabSz="914400" rtl="0" eaLnBrk="1" latinLnBrk="0" hangingPunct="1">
+              <a:defRPr sz="1800" kern="1200">
+                <a:solidFill>
+                  <a:schemeClr val="tx1"/>
+                </a:solidFill>
+                <a:latin typeface="+mn-lt"/>
+                <a:ea typeface="+mn-ea"/>
+                <a:cs typeface="+mn-cs"/>
+              </a:defRPr>
+            </a:lvl3pPr>
+            <a:lvl4pPr marL="1371600" algn="l" defTabSz="914400" rtl="0" eaLnBrk="1" latinLnBrk="0" hangingPunct="1">
+              <a:defRPr sz="1800" kern="1200">
+                <a:solidFill>
+                  <a:schemeClr val="tx1"/>
+                </a:solidFill>
+                <a:latin typeface="+mn-lt"/>
+                <a:ea typeface="+mn-ea"/>
+                <a:cs typeface="+mn-cs"/>
+              </a:defRPr>
+            </a:lvl4pPr>
+            <a:lvl5pPr marL="1828800" algn="l" defTabSz="914400" rtl="0" eaLnBrk="1" latinLnBrk="0" hangingPunct="1">
+              <a:defRPr sz="1800" kern="1200">
+                <a:solidFill>
+                  <a:schemeClr val="tx1"/>
+                </a:solidFill>
+                <a:latin typeface="+mn-lt"/>
+                <a:ea typeface="+mn-ea"/>
+                <a:cs typeface="+mn-cs"/>
+              </a:defRPr>
+            </a:lvl5pPr>
+            <a:lvl6pPr marL="2286000" algn="l" defTabSz="914400" rtl="0" eaLnBrk="1" latinLnBrk="0" hangingPunct="1">
+              <a:defRPr sz="1800" kern="1200">
+                <a:solidFill>
+                  <a:schemeClr val="tx1"/>
+                </a:solidFill>
+                <a:latin typeface="+mn-lt"/>
+                <a:ea typeface="+mn-ea"/>
+                <a:cs typeface="+mn-cs"/>
+              </a:defRPr>
+            </a:lvl6pPr>
+            <a:lvl7pPr marL="2743200" algn="l" defTabSz="914400" rtl="0" eaLnBrk="1" latinLnBrk="0" hangingPunct="1">
+              <a:defRPr sz="1800" kern="1200">
+                <a:solidFill>
+                  <a:schemeClr val="tx1"/>
+                </a:solidFill>
+                <a:latin typeface="+mn-lt"/>
+                <a:ea typeface="+mn-ea"/>
+                <a:cs typeface="+mn-cs"/>
+              </a:defRPr>
+            </a:lvl7pPr>
+            <a:lvl8pPr marL="3200400" algn="l" defTabSz="914400" rtl="0" eaLnBrk="1" latinLnBrk="0" hangingPunct="1">
+              <a:defRPr sz="1800" kern="1200">
+                <a:solidFill>
+                  <a:schemeClr val="tx1"/>
+                </a:solidFill>
+                <a:latin typeface="+mn-lt"/>
+                <a:ea typeface="+mn-ea"/>
+                <a:cs typeface="+mn-cs"/>
+              </a:defRPr>
+            </a:lvl8pPr>
+            <a:lvl9pPr marL="3657600" algn="l" defTabSz="914400" rtl="0" eaLnBrk="1" latinLnBrk="0" hangingPunct="1">
+              <a:defRPr sz="1800" kern="1200">
+                <a:solidFill>
+                  <a:schemeClr val="tx1"/>
+                </a:solidFill>
+                <a:latin typeface="+mn-lt"/>
+                <a:ea typeface="+mn-ea"/>
+                <a:cs typeface="+mn-cs"/>
+              </a:defRPr>
+            </a:lvl9pPr>
+          </a:lstStyle>
+          <a:p>
+            <a:r>
+              <a:rPr lang="de-DE" dirty="0"/>
+              <a:t>/ 52</a:t>
+            </a:r>
+          </a:p>
+        </p:txBody>
+      </p:sp>
     </p:spTree>
     <p:extLst>
       <p:ext uri="{BB962C8B-B14F-4D97-AF65-F5344CB8AC3E}">
@@ -10898,6 +19523,165 @@
               <a:buNone/>
             </a:pPr>
             <a:endParaRPr lang="de-DE" dirty="0"/>
+          </a:p>
+        </p:txBody>
+      </p:sp>
+      <p:sp>
+        <p:nvSpPr>
+          <p:cNvPr id="4" name="Foliennummernplatzhalter 3">
+            <a:extLst>
+              <a:ext uri="{FF2B5EF4-FFF2-40B4-BE49-F238E27FC236}">
+                <a16:creationId xmlns:a16="http://schemas.microsoft.com/office/drawing/2014/main" id="{3C108FFC-9A81-4050-9812-6EFF9C5668C7}"/>
+              </a:ext>
+            </a:extLst>
+          </p:cNvPr>
+          <p:cNvSpPr>
+            <a:spLocks noGrp="1"/>
+          </p:cNvSpPr>
+          <p:nvPr>
+            <p:ph type="sldNum" sz="quarter" idx="12"/>
+          </p:nvPr>
+        </p:nvSpPr>
+        <p:spPr/>
+        <p:txBody>
+          <a:bodyPr/>
+          <a:lstStyle/>
+          <a:p>
+            <a:fld id="{DD108FB5-2533-4688-B3BC-A918F32943D9}" type="slidenum">
+              <a:rPr lang="de-DE" smtClean="0"/>
+              <a:t>9</a:t>
+            </a:fld>
+            <a:endParaRPr lang="de-DE"/>
+          </a:p>
+        </p:txBody>
+      </p:sp>
+      <p:sp>
+        <p:nvSpPr>
+          <p:cNvPr id="6" name="Foliennummernplatzhalter 1">
+            <a:extLst>
+              <a:ext uri="{FF2B5EF4-FFF2-40B4-BE49-F238E27FC236}">
+                <a16:creationId xmlns:a16="http://schemas.microsoft.com/office/drawing/2014/main" id="{BEF68D78-185E-4594-8029-B9D7579A6561}"/>
+              </a:ext>
+            </a:extLst>
+          </p:cNvPr>
+          <p:cNvSpPr txBox="1">
+            <a:spLocks/>
+          </p:cNvSpPr>
+          <p:nvPr/>
+        </p:nvSpPr>
+        <p:spPr>
+          <a:xfrm>
+            <a:off x="8914923" y="6356349"/>
+            <a:ext cx="2743200" cy="365125"/>
+          </a:xfrm>
+          <a:prstGeom prst="rect">
+            <a:avLst/>
+          </a:prstGeom>
+        </p:spPr>
+        <p:txBody>
+          <a:bodyPr vert="horz" lIns="91440" tIns="45720" rIns="91440" bIns="45720" rtlCol="0" anchor="ctr"/>
+          <a:lstStyle>
+            <a:defPPr>
+              <a:defRPr lang="de-DE"/>
+            </a:defPPr>
+            <a:lvl1pPr marL="0" algn="r" defTabSz="914400" rtl="0" eaLnBrk="1" latinLnBrk="0" hangingPunct="1">
+              <a:defRPr sz="1200" kern="1200">
+                <a:solidFill>
+                  <a:schemeClr val="tx1">
+                    <a:tint val="75000"/>
+                  </a:schemeClr>
+                </a:solidFill>
+                <a:latin typeface="+mn-lt"/>
+                <a:ea typeface="+mn-ea"/>
+                <a:cs typeface="+mn-cs"/>
+              </a:defRPr>
+            </a:lvl1pPr>
+            <a:lvl2pPr marL="457200" algn="l" defTabSz="914400" rtl="0" eaLnBrk="1" latinLnBrk="0" hangingPunct="1">
+              <a:defRPr sz="1800" kern="1200">
+                <a:solidFill>
+                  <a:schemeClr val="tx1"/>
+                </a:solidFill>
+                <a:latin typeface="+mn-lt"/>
+                <a:ea typeface="+mn-ea"/>
+                <a:cs typeface="+mn-cs"/>
+              </a:defRPr>
+            </a:lvl2pPr>
+            <a:lvl3pPr marL="914400" algn="l" defTabSz="914400" rtl="0" eaLnBrk="1" latinLnBrk="0" hangingPunct="1">
+              <a:defRPr sz="1800" kern="1200">
+                <a:solidFill>
+                  <a:schemeClr val="tx1"/>
+                </a:solidFill>
+                <a:latin typeface="+mn-lt"/>
+                <a:ea typeface="+mn-ea"/>
+                <a:cs typeface="+mn-cs"/>
+              </a:defRPr>
+            </a:lvl3pPr>
+            <a:lvl4pPr marL="1371600" algn="l" defTabSz="914400" rtl="0" eaLnBrk="1" latinLnBrk="0" hangingPunct="1">
+              <a:defRPr sz="1800" kern="1200">
+                <a:solidFill>
+                  <a:schemeClr val="tx1"/>
+                </a:solidFill>
+                <a:latin typeface="+mn-lt"/>
+                <a:ea typeface="+mn-ea"/>
+                <a:cs typeface="+mn-cs"/>
+              </a:defRPr>
+            </a:lvl4pPr>
+            <a:lvl5pPr marL="1828800" algn="l" defTabSz="914400" rtl="0" eaLnBrk="1" latinLnBrk="0" hangingPunct="1">
+              <a:defRPr sz="1800" kern="1200">
+                <a:solidFill>
+                  <a:schemeClr val="tx1"/>
+                </a:solidFill>
+                <a:latin typeface="+mn-lt"/>
+                <a:ea typeface="+mn-ea"/>
+                <a:cs typeface="+mn-cs"/>
+              </a:defRPr>
+            </a:lvl5pPr>
+            <a:lvl6pPr marL="2286000" algn="l" defTabSz="914400" rtl="0" eaLnBrk="1" latinLnBrk="0" hangingPunct="1">
+              <a:defRPr sz="1800" kern="1200">
+                <a:solidFill>
+                  <a:schemeClr val="tx1"/>
+                </a:solidFill>
+                <a:latin typeface="+mn-lt"/>
+                <a:ea typeface="+mn-ea"/>
+                <a:cs typeface="+mn-cs"/>
+              </a:defRPr>
+            </a:lvl6pPr>
+            <a:lvl7pPr marL="2743200" algn="l" defTabSz="914400" rtl="0" eaLnBrk="1" latinLnBrk="0" hangingPunct="1">
+              <a:defRPr sz="1800" kern="1200">
+                <a:solidFill>
+                  <a:schemeClr val="tx1"/>
+                </a:solidFill>
+                <a:latin typeface="+mn-lt"/>
+                <a:ea typeface="+mn-ea"/>
+                <a:cs typeface="+mn-cs"/>
+              </a:defRPr>
+            </a:lvl7pPr>
+            <a:lvl8pPr marL="3200400" algn="l" defTabSz="914400" rtl="0" eaLnBrk="1" latinLnBrk="0" hangingPunct="1">
+              <a:defRPr sz="1800" kern="1200">
+                <a:solidFill>
+                  <a:schemeClr val="tx1"/>
+                </a:solidFill>
+                <a:latin typeface="+mn-lt"/>
+                <a:ea typeface="+mn-ea"/>
+                <a:cs typeface="+mn-cs"/>
+              </a:defRPr>
+            </a:lvl8pPr>
+            <a:lvl9pPr marL="3657600" algn="l" defTabSz="914400" rtl="0" eaLnBrk="1" latinLnBrk="0" hangingPunct="1">
+              <a:defRPr sz="1800" kern="1200">
+                <a:solidFill>
+                  <a:schemeClr val="tx1"/>
+                </a:solidFill>
+                <a:latin typeface="+mn-lt"/>
+                <a:ea typeface="+mn-ea"/>
+                <a:cs typeface="+mn-cs"/>
+              </a:defRPr>
+            </a:lvl9pPr>
+          </a:lstStyle>
+          <a:p>
+            <a:r>
+              <a:rPr lang="de-DE" dirty="0"/>
+              <a:t>/ 52</a:t>
+            </a:r>
           </a:p>
         </p:txBody>
       </p:sp>
@@ -11207,4 +19991,594 @@
     </a:ext>
   </a:extLst>
 </a:theme>
+</file>
+
+<file path=ppt/theme/theme2.xml><?xml version="1.0" encoding="utf-8"?>
+<a:theme xmlns:a="http://schemas.openxmlformats.org/drawingml/2006/main" name="Office">
+  <a:themeElements>
+    <a:clrScheme name="Office">
+      <a:dk1>
+        <a:sysClr val="windowText" lastClr="000000"/>
+      </a:dk1>
+      <a:lt1>
+        <a:sysClr val="window" lastClr="FFFFFF"/>
+      </a:lt1>
+      <a:dk2>
+        <a:srgbClr val="44546A"/>
+      </a:dk2>
+      <a:lt2>
+        <a:srgbClr val="E7E6E6"/>
+      </a:lt2>
+      <a:accent1>
+        <a:srgbClr val="4472C4"/>
+      </a:accent1>
+      <a:accent2>
+        <a:srgbClr val="ED7D31"/>
+      </a:accent2>
+      <a:accent3>
+        <a:srgbClr val="A5A5A5"/>
+      </a:accent3>
+      <a:accent4>
+        <a:srgbClr val="FFC000"/>
+      </a:accent4>
+      <a:accent5>
+        <a:srgbClr val="5B9BD5"/>
+      </a:accent5>
+      <a:accent6>
+        <a:srgbClr val="70AD47"/>
+      </a:accent6>
+      <a:hlink>
+        <a:srgbClr val="0563C1"/>
+      </a:hlink>
+      <a:folHlink>
+        <a:srgbClr val="954F72"/>
+      </a:folHlink>
+    </a:clrScheme>
+    <a:fontScheme name="Office">
+      <a:majorFont>
+        <a:latin typeface="Calibri Light" panose="020F0302020204030204"/>
+        <a:ea typeface=""/>
+        <a:cs typeface=""/>
+        <a:font script="Jpan" typeface="游ゴシック Light"/>
+        <a:font script="Hang" typeface="맑은 고딕"/>
+        <a:font script="Hans" typeface="等线 Light"/>
+        <a:font script="Hant" typeface="新細明體"/>
+        <a:font script="Arab" typeface="Times New Roman"/>
+        <a:font script="Hebr" typeface="Times New Roman"/>
+        <a:font script="Thai" typeface="Angsana New"/>
+        <a:font script="Ethi" typeface="Nyala"/>
+        <a:font script="Beng" typeface="Vrinda"/>
+        <a:font script="Gujr" typeface="Shruti"/>
+        <a:font script="Khmr" typeface="MoolBoran"/>
+        <a:font script="Knda" typeface="Tunga"/>
+        <a:font script="Guru" typeface="Raavi"/>
+        <a:font script="Cans" typeface="Euphemia"/>
+        <a:font script="Cher" typeface="Plantagenet Cherokee"/>
+        <a:font script="Yiii" typeface="Microsoft Yi Baiti"/>
+        <a:font script="Tibt" typeface="Microsoft Himalaya"/>
+        <a:font script="Thaa" typeface="MV Boli"/>
+        <a:font script="Deva" typeface="Mangal"/>
+        <a:font script="Telu" typeface="Gautami"/>
+        <a:font script="Taml" typeface="Latha"/>
+        <a:font script="Syrc" typeface="Estrangelo Edessa"/>
+        <a:font script="Orya" typeface="Kalinga"/>
+        <a:font script="Mlym" typeface="Kartika"/>
+        <a:font script="Laoo" typeface="DokChampa"/>
+        <a:font script="Sinh" typeface="Iskoola Pota"/>
+        <a:font script="Mong" typeface="Mongolian Baiti"/>
+        <a:font script="Viet" typeface="Times New Roman"/>
+        <a:font script="Uigh" typeface="Microsoft Uighur"/>
+        <a:font script="Geor" typeface="Sylfaen"/>
+        <a:font script="Armn" typeface="Arial"/>
+        <a:font script="Bugi" typeface="Leelawadee UI"/>
+        <a:font script="Bopo" typeface="Microsoft JhengHei"/>
+        <a:font script="Java" typeface="Javanese Text"/>
+        <a:font script="Lisu" typeface="Segoe UI"/>
+        <a:font script="Mymr" typeface="Myanmar Text"/>
+        <a:font script="Nkoo" typeface="Ebrima"/>
+        <a:font script="Olck" typeface="Nirmala UI"/>
+        <a:font script="Osma" typeface="Ebrima"/>
+        <a:font script="Phag" typeface="Phagspa"/>
+        <a:font script="Syrn" typeface="Estrangelo Edessa"/>
+        <a:font script="Syrj" typeface="Estrangelo Edessa"/>
+        <a:font script="Syre" typeface="Estrangelo Edessa"/>
+        <a:font script="Sora" typeface="Nirmala UI"/>
+        <a:font script="Tale" typeface="Microsoft Tai Le"/>
+        <a:font script="Talu" typeface="Microsoft New Tai Lue"/>
+        <a:font script="Tfng" typeface="Ebrima"/>
+      </a:majorFont>
+      <a:minorFont>
+        <a:latin typeface="Calibri" panose="020F0502020204030204"/>
+        <a:ea typeface=""/>
+        <a:cs typeface=""/>
+        <a:font script="Jpan" typeface="游ゴシック"/>
+        <a:font script="Hang" typeface="맑은 고딕"/>
+        <a:font script="Hans" typeface="等线"/>
+        <a:font script="Hant" typeface="新細明體"/>
+        <a:font script="Arab" typeface="Arial"/>
+        <a:font script="Hebr" typeface="Arial"/>
+        <a:font script="Thai" typeface="Cordia New"/>
+        <a:font script="Ethi" typeface="Nyala"/>
+        <a:font script="Beng" typeface="Vrinda"/>
+        <a:font script="Gujr" typeface="Shruti"/>
+        <a:font script="Khmr" typeface="DaunPenh"/>
+        <a:font script="Knda" typeface="Tunga"/>
+        <a:font script="Guru" typeface="Raavi"/>
+        <a:font script="Cans" typeface="Euphemia"/>
+        <a:font script="Cher" typeface="Plantagenet Cherokee"/>
+        <a:font script="Yiii" typeface="Microsoft Yi Baiti"/>
+        <a:font script="Tibt" typeface="Microsoft Himalaya"/>
+        <a:font script="Thaa" typeface="MV Boli"/>
+        <a:font script="Deva" typeface="Mangal"/>
+        <a:font script="Telu" typeface="Gautami"/>
+        <a:font script="Taml" typeface="Latha"/>
+        <a:font script="Syrc" typeface="Estrangelo Edessa"/>
+        <a:font script="Orya" typeface="Kalinga"/>
+        <a:font script="Mlym" typeface="Kartika"/>
+        <a:font script="Laoo" typeface="DokChampa"/>
+        <a:font script="Sinh" typeface="Iskoola Pota"/>
+        <a:font script="Mong" typeface="Mongolian Baiti"/>
+        <a:font script="Viet" typeface="Arial"/>
+        <a:font script="Uigh" typeface="Microsoft Uighur"/>
+        <a:font script="Geor" typeface="Sylfaen"/>
+        <a:font script="Armn" typeface="Arial"/>
+        <a:font script="Bugi" typeface="Leelawadee UI"/>
+        <a:font script="Bopo" typeface="Microsoft JhengHei"/>
+        <a:font script="Java" typeface="Javanese Text"/>
+        <a:font script="Lisu" typeface="Segoe UI"/>
+        <a:font script="Mymr" typeface="Myanmar Text"/>
+        <a:font script="Nkoo" typeface="Ebrima"/>
+        <a:font script="Olck" typeface="Nirmala UI"/>
+        <a:font script="Osma" typeface="Ebrima"/>
+        <a:font script="Phag" typeface="Phagspa"/>
+        <a:font script="Syrn" typeface="Estrangelo Edessa"/>
+        <a:font script="Syrj" typeface="Estrangelo Edessa"/>
+        <a:font script="Syre" typeface="Estrangelo Edessa"/>
+        <a:font script="Sora" typeface="Nirmala UI"/>
+        <a:font script="Tale" typeface="Microsoft Tai Le"/>
+        <a:font script="Talu" typeface="Microsoft New Tai Lue"/>
+        <a:font script="Tfng" typeface="Ebrima"/>
+      </a:minorFont>
+    </a:fontScheme>
+    <a:fmtScheme name="Office">
+      <a:fillStyleLst>
+        <a:solidFill>
+          <a:schemeClr val="phClr"/>
+        </a:solidFill>
+        <a:gradFill rotWithShape="1">
+          <a:gsLst>
+            <a:gs pos="0">
+              <a:schemeClr val="phClr">
+                <a:lumMod val="110000"/>
+                <a:satMod val="105000"/>
+                <a:tint val="67000"/>
+              </a:schemeClr>
+            </a:gs>
+            <a:gs pos="50000">
+              <a:schemeClr val="phClr">
+                <a:lumMod val="105000"/>
+                <a:satMod val="103000"/>
+                <a:tint val="73000"/>
+              </a:schemeClr>
+            </a:gs>
+            <a:gs pos="100000">
+              <a:schemeClr val="phClr">
+                <a:lumMod val="105000"/>
+                <a:satMod val="109000"/>
+                <a:tint val="81000"/>
+              </a:schemeClr>
+            </a:gs>
+          </a:gsLst>
+          <a:lin ang="5400000" scaled="0"/>
+        </a:gradFill>
+        <a:gradFill rotWithShape="1">
+          <a:gsLst>
+            <a:gs pos="0">
+              <a:schemeClr val="phClr">
+                <a:satMod val="103000"/>
+                <a:lumMod val="102000"/>
+                <a:tint val="94000"/>
+              </a:schemeClr>
+            </a:gs>
+            <a:gs pos="50000">
+              <a:schemeClr val="phClr">
+                <a:satMod val="110000"/>
+                <a:lumMod val="100000"/>
+                <a:shade val="100000"/>
+              </a:schemeClr>
+            </a:gs>
+            <a:gs pos="100000">
+              <a:schemeClr val="phClr">
+                <a:lumMod val="99000"/>
+                <a:satMod val="120000"/>
+                <a:shade val="78000"/>
+              </a:schemeClr>
+            </a:gs>
+          </a:gsLst>
+          <a:lin ang="5400000" scaled="0"/>
+        </a:gradFill>
+      </a:fillStyleLst>
+      <a:lnStyleLst>
+        <a:ln w="6350" cap="flat" cmpd="sng" algn="ctr">
+          <a:solidFill>
+            <a:schemeClr val="phClr"/>
+          </a:solidFill>
+          <a:prstDash val="solid"/>
+          <a:miter lim="800000"/>
+        </a:ln>
+        <a:ln w="12700" cap="flat" cmpd="sng" algn="ctr">
+          <a:solidFill>
+            <a:schemeClr val="phClr"/>
+          </a:solidFill>
+          <a:prstDash val="solid"/>
+          <a:miter lim="800000"/>
+        </a:ln>
+        <a:ln w="19050" cap="flat" cmpd="sng" algn="ctr">
+          <a:solidFill>
+            <a:schemeClr val="phClr"/>
+          </a:solidFill>
+          <a:prstDash val="solid"/>
+          <a:miter lim="800000"/>
+        </a:ln>
+      </a:lnStyleLst>
+      <a:effectStyleLst>
+        <a:effectStyle>
+          <a:effectLst/>
+        </a:effectStyle>
+        <a:effectStyle>
+          <a:effectLst/>
+        </a:effectStyle>
+        <a:effectStyle>
+          <a:effectLst>
+            <a:outerShdw blurRad="57150" dist="19050" dir="5400000" algn="ctr" rotWithShape="0">
+              <a:srgbClr val="000000">
+                <a:alpha val="63000"/>
+              </a:srgbClr>
+            </a:outerShdw>
+          </a:effectLst>
+        </a:effectStyle>
+      </a:effectStyleLst>
+      <a:bgFillStyleLst>
+        <a:solidFill>
+          <a:schemeClr val="phClr"/>
+        </a:solidFill>
+        <a:solidFill>
+          <a:schemeClr val="phClr">
+            <a:tint val="95000"/>
+            <a:satMod val="170000"/>
+          </a:schemeClr>
+        </a:solidFill>
+        <a:gradFill rotWithShape="1">
+          <a:gsLst>
+            <a:gs pos="0">
+              <a:schemeClr val="phClr">
+                <a:tint val="93000"/>
+                <a:satMod val="150000"/>
+                <a:shade val="98000"/>
+                <a:lumMod val="102000"/>
+              </a:schemeClr>
+            </a:gs>
+            <a:gs pos="50000">
+              <a:schemeClr val="phClr">
+                <a:tint val="98000"/>
+                <a:satMod val="130000"/>
+                <a:shade val="90000"/>
+                <a:lumMod val="103000"/>
+              </a:schemeClr>
+            </a:gs>
+            <a:gs pos="100000">
+              <a:schemeClr val="phClr">
+                <a:shade val="63000"/>
+                <a:satMod val="120000"/>
+              </a:schemeClr>
+            </a:gs>
+          </a:gsLst>
+          <a:lin ang="5400000" scaled="0"/>
+        </a:gradFill>
+      </a:bgFillStyleLst>
+    </a:fmtScheme>
+  </a:themeElements>
+  <a:objectDefaults/>
+  <a:extraClrSchemeLst/>
+  <a:extLst>
+    <a:ext uri="{05A4C25C-085E-4340-85A3-A5531E510DB2}">
+      <thm15:themeFamily xmlns:thm15="http://schemas.microsoft.com/office/thememl/2012/main" name="Office Theme" id="{62F939B6-93AF-4DB8-9C6B-D6C7DFDC589F}" vid="{4A3C46E8-61CC-4603-A589-7422A47A8E4A}"/>
+    </a:ext>
+  </a:extLst>
+</a:theme>
+</file>
+
+<file path=ppt/theme/theme3.xml><?xml version="1.0" encoding="utf-8"?>
+<a:theme xmlns:a="http://schemas.openxmlformats.org/drawingml/2006/main" name="Office">
+  <a:themeElements>
+    <a:clrScheme name="Office">
+      <a:dk1>
+        <a:sysClr val="windowText" lastClr="000000"/>
+      </a:dk1>
+      <a:lt1>
+        <a:sysClr val="window" lastClr="FFFFFF"/>
+      </a:lt1>
+      <a:dk2>
+        <a:srgbClr val="44546A"/>
+      </a:dk2>
+      <a:lt2>
+        <a:srgbClr val="E7E6E6"/>
+      </a:lt2>
+      <a:accent1>
+        <a:srgbClr val="4472C4"/>
+      </a:accent1>
+      <a:accent2>
+        <a:srgbClr val="ED7D31"/>
+      </a:accent2>
+      <a:accent3>
+        <a:srgbClr val="A5A5A5"/>
+      </a:accent3>
+      <a:accent4>
+        <a:srgbClr val="FFC000"/>
+      </a:accent4>
+      <a:accent5>
+        <a:srgbClr val="5B9BD5"/>
+      </a:accent5>
+      <a:accent6>
+        <a:srgbClr val="70AD47"/>
+      </a:accent6>
+      <a:hlink>
+        <a:srgbClr val="0563C1"/>
+      </a:hlink>
+      <a:folHlink>
+        <a:srgbClr val="954F72"/>
+      </a:folHlink>
+    </a:clrScheme>
+    <a:fontScheme name="Office">
+      <a:majorFont>
+        <a:latin typeface="Calibri Light" panose="020F0302020204030204"/>
+        <a:ea typeface=""/>
+        <a:cs typeface=""/>
+        <a:font script="Jpan" typeface="游ゴシック Light"/>
+        <a:font script="Hang" typeface="맑은 고딕"/>
+        <a:font script="Hans" typeface="等线 Light"/>
+        <a:font script="Hant" typeface="新細明體"/>
+        <a:font script="Arab" typeface="Times New Roman"/>
+        <a:font script="Hebr" typeface="Times New Roman"/>
+        <a:font script="Thai" typeface="Angsana New"/>
+        <a:font script="Ethi" typeface="Nyala"/>
+        <a:font script="Beng" typeface="Vrinda"/>
+        <a:font script="Gujr" typeface="Shruti"/>
+        <a:font script="Khmr" typeface="MoolBoran"/>
+        <a:font script="Knda" typeface="Tunga"/>
+        <a:font script="Guru" typeface="Raavi"/>
+        <a:font script="Cans" typeface="Euphemia"/>
+        <a:font script="Cher" typeface="Plantagenet Cherokee"/>
+        <a:font script="Yiii" typeface="Microsoft Yi Baiti"/>
+        <a:font script="Tibt" typeface="Microsoft Himalaya"/>
+        <a:font script="Thaa" typeface="MV Boli"/>
+        <a:font script="Deva" typeface="Mangal"/>
+        <a:font script="Telu" typeface="Gautami"/>
+        <a:font script="Taml" typeface="Latha"/>
+        <a:font script="Syrc" typeface="Estrangelo Edessa"/>
+        <a:font script="Orya" typeface="Kalinga"/>
+        <a:font script="Mlym" typeface="Kartika"/>
+        <a:font script="Laoo" typeface="DokChampa"/>
+        <a:font script="Sinh" typeface="Iskoola Pota"/>
+        <a:font script="Mong" typeface="Mongolian Baiti"/>
+        <a:font script="Viet" typeface="Times New Roman"/>
+        <a:font script="Uigh" typeface="Microsoft Uighur"/>
+        <a:font script="Geor" typeface="Sylfaen"/>
+        <a:font script="Armn" typeface="Arial"/>
+        <a:font script="Bugi" typeface="Leelawadee UI"/>
+        <a:font script="Bopo" typeface="Microsoft JhengHei"/>
+        <a:font script="Java" typeface="Javanese Text"/>
+        <a:font script="Lisu" typeface="Segoe UI"/>
+        <a:font script="Mymr" typeface="Myanmar Text"/>
+        <a:font script="Nkoo" typeface="Ebrima"/>
+        <a:font script="Olck" typeface="Nirmala UI"/>
+        <a:font script="Osma" typeface="Ebrima"/>
+        <a:font script="Phag" typeface="Phagspa"/>
+        <a:font script="Syrn" typeface="Estrangelo Edessa"/>
+        <a:font script="Syrj" typeface="Estrangelo Edessa"/>
+        <a:font script="Syre" typeface="Estrangelo Edessa"/>
+        <a:font script="Sora" typeface="Nirmala UI"/>
+        <a:font script="Tale" typeface="Microsoft Tai Le"/>
+        <a:font script="Talu" typeface="Microsoft New Tai Lue"/>
+        <a:font script="Tfng" typeface="Ebrima"/>
+      </a:majorFont>
+      <a:minorFont>
+        <a:latin typeface="Calibri" panose="020F0502020204030204"/>
+        <a:ea typeface=""/>
+        <a:cs typeface=""/>
+        <a:font script="Jpan" typeface="游ゴシック"/>
+        <a:font script="Hang" typeface="맑은 고딕"/>
+        <a:font script="Hans" typeface="等线"/>
+        <a:font script="Hant" typeface="新細明體"/>
+        <a:font script="Arab" typeface="Arial"/>
+        <a:font script="Hebr" typeface="Arial"/>
+        <a:font script="Thai" typeface="Cordia New"/>
+        <a:font script="Ethi" typeface="Nyala"/>
+        <a:font script="Beng" typeface="Vrinda"/>
+        <a:font script="Gujr" typeface="Shruti"/>
+        <a:font script="Khmr" typeface="DaunPenh"/>
+        <a:font script="Knda" typeface="Tunga"/>
+        <a:font script="Guru" typeface="Raavi"/>
+        <a:font script="Cans" typeface="Euphemia"/>
+        <a:font script="Cher" typeface="Plantagenet Cherokee"/>
+        <a:font script="Yiii" typeface="Microsoft Yi Baiti"/>
+        <a:font script="Tibt" typeface="Microsoft Himalaya"/>
+        <a:font script="Thaa" typeface="MV Boli"/>
+        <a:font script="Deva" typeface="Mangal"/>
+        <a:font script="Telu" typeface="Gautami"/>
+        <a:font script="Taml" typeface="Latha"/>
+        <a:font script="Syrc" typeface="Estrangelo Edessa"/>
+        <a:font script="Orya" typeface="Kalinga"/>
+        <a:font script="Mlym" typeface="Kartika"/>
+        <a:font script="Laoo" typeface="DokChampa"/>
+        <a:font script="Sinh" typeface="Iskoola Pota"/>
+        <a:font script="Mong" typeface="Mongolian Baiti"/>
+        <a:font script="Viet" typeface="Arial"/>
+        <a:font script="Uigh" typeface="Microsoft Uighur"/>
+        <a:font script="Geor" typeface="Sylfaen"/>
+        <a:font script="Armn" typeface="Arial"/>
+        <a:font script="Bugi" typeface="Leelawadee UI"/>
+        <a:font script="Bopo" typeface="Microsoft JhengHei"/>
+        <a:font script="Java" typeface="Javanese Text"/>
+        <a:font script="Lisu" typeface="Segoe UI"/>
+        <a:font script="Mymr" typeface="Myanmar Text"/>
+        <a:font script="Nkoo" typeface="Ebrima"/>
+        <a:font script="Olck" typeface="Nirmala UI"/>
+        <a:font script="Osma" typeface="Ebrima"/>
+        <a:font script="Phag" typeface="Phagspa"/>
+        <a:font script="Syrn" typeface="Estrangelo Edessa"/>
+        <a:font script="Syrj" typeface="Estrangelo Edessa"/>
+        <a:font script="Syre" typeface="Estrangelo Edessa"/>
+        <a:font script="Sora" typeface="Nirmala UI"/>
+        <a:font script="Tale" typeface="Microsoft Tai Le"/>
+        <a:font script="Talu" typeface="Microsoft New Tai Lue"/>
+        <a:font script="Tfng" typeface="Ebrima"/>
+      </a:minorFont>
+    </a:fontScheme>
+    <a:fmtScheme name="Office">
+      <a:fillStyleLst>
+        <a:solidFill>
+          <a:schemeClr val="phClr"/>
+        </a:solidFill>
+        <a:gradFill rotWithShape="1">
+          <a:gsLst>
+            <a:gs pos="0">
+              <a:schemeClr val="phClr">
+                <a:lumMod val="110000"/>
+                <a:satMod val="105000"/>
+                <a:tint val="67000"/>
+              </a:schemeClr>
+            </a:gs>
+            <a:gs pos="50000">
+              <a:schemeClr val="phClr">
+                <a:lumMod val="105000"/>
+                <a:satMod val="103000"/>
+                <a:tint val="73000"/>
+              </a:schemeClr>
+            </a:gs>
+            <a:gs pos="100000">
+              <a:schemeClr val="phClr">
+                <a:lumMod val="105000"/>
+                <a:satMod val="109000"/>
+                <a:tint val="81000"/>
+              </a:schemeClr>
+            </a:gs>
+          </a:gsLst>
+          <a:lin ang="5400000" scaled="0"/>
+        </a:gradFill>
+        <a:gradFill rotWithShape="1">
+          <a:gsLst>
+            <a:gs pos="0">
+              <a:schemeClr val="phClr">
+                <a:satMod val="103000"/>
+                <a:lumMod val="102000"/>
+                <a:tint val="94000"/>
+              </a:schemeClr>
+            </a:gs>
+            <a:gs pos="50000">
+              <a:schemeClr val="phClr">
+                <a:satMod val="110000"/>
+                <a:lumMod val="100000"/>
+                <a:shade val="100000"/>
+              </a:schemeClr>
+            </a:gs>
+            <a:gs pos="100000">
+              <a:schemeClr val="phClr">
+                <a:lumMod val="99000"/>
+                <a:satMod val="120000"/>
+                <a:shade val="78000"/>
+              </a:schemeClr>
+            </a:gs>
+          </a:gsLst>
+          <a:lin ang="5400000" scaled="0"/>
+        </a:gradFill>
+      </a:fillStyleLst>
+      <a:lnStyleLst>
+        <a:ln w="6350" cap="flat" cmpd="sng" algn="ctr">
+          <a:solidFill>
+            <a:schemeClr val="phClr"/>
+          </a:solidFill>
+          <a:prstDash val="solid"/>
+          <a:miter lim="800000"/>
+        </a:ln>
+        <a:ln w="12700" cap="flat" cmpd="sng" algn="ctr">
+          <a:solidFill>
+            <a:schemeClr val="phClr"/>
+          </a:solidFill>
+          <a:prstDash val="solid"/>
+          <a:miter lim="800000"/>
+        </a:ln>
+        <a:ln w="19050" cap="flat" cmpd="sng" algn="ctr">
+          <a:solidFill>
+            <a:schemeClr val="phClr"/>
+          </a:solidFill>
+          <a:prstDash val="solid"/>
+          <a:miter lim="800000"/>
+        </a:ln>
+      </a:lnStyleLst>
+      <a:effectStyleLst>
+        <a:effectStyle>
+          <a:effectLst/>
+        </a:effectStyle>
+        <a:effectStyle>
+          <a:effectLst/>
+        </a:effectStyle>
+        <a:effectStyle>
+          <a:effectLst>
+            <a:outerShdw blurRad="57150" dist="19050" dir="5400000" algn="ctr" rotWithShape="0">
+              <a:srgbClr val="000000">
+                <a:alpha val="63000"/>
+              </a:srgbClr>
+            </a:outerShdw>
+          </a:effectLst>
+        </a:effectStyle>
+      </a:effectStyleLst>
+      <a:bgFillStyleLst>
+        <a:solidFill>
+          <a:schemeClr val="phClr"/>
+        </a:solidFill>
+        <a:solidFill>
+          <a:schemeClr val="phClr">
+            <a:tint val="95000"/>
+            <a:satMod val="170000"/>
+          </a:schemeClr>
+        </a:solidFill>
+        <a:gradFill rotWithShape="1">
+          <a:gsLst>
+            <a:gs pos="0">
+              <a:schemeClr val="phClr">
+                <a:tint val="93000"/>
+                <a:satMod val="150000"/>
+                <a:shade val="98000"/>
+                <a:lumMod val="102000"/>
+              </a:schemeClr>
+            </a:gs>
+            <a:gs pos="50000">
+              <a:schemeClr val="phClr">
+                <a:tint val="98000"/>
+                <a:satMod val="130000"/>
+                <a:shade val="90000"/>
+                <a:lumMod val="103000"/>
+              </a:schemeClr>
+            </a:gs>
+            <a:gs pos="100000">
+              <a:schemeClr val="phClr">
+                <a:shade val="63000"/>
+                <a:satMod val="120000"/>
+              </a:schemeClr>
+            </a:gs>
+          </a:gsLst>
+          <a:lin ang="5400000" scaled="0"/>
+        </a:gradFill>
+      </a:bgFillStyleLst>
+    </a:fmtScheme>
+  </a:themeElements>
+  <a:objectDefaults/>
+  <a:extraClrSchemeLst/>
+  <a:extLst>
+    <a:ext uri="{05A4C25C-085E-4340-85A3-A5531E510DB2}">
+      <thm15:themeFamily xmlns:thm15="http://schemas.microsoft.com/office/thememl/2012/main" name="Office Theme" id="{62F939B6-93AF-4DB8-9C6B-D6C7DFDC589F}" vid="{4A3C46E8-61CC-4603-A589-7422A47A8E4A}"/>
+    </a:ext>
+  </a:extLst>
+</a:theme>
 </file>
--- a/Risikomanagement.pptx
+++ b/Risikomanagement.pptx
@@ -163,7 +163,7 @@
   </p:defaultTextStyle>
   <p:extLst>
     <p:ext uri="{EFAFB233-063F-42B5-8137-9DF3F51BA10A}">
-      <p15:sldGuideLst xmlns:p15="http://schemas.microsoft.com/office/powerpoint/2012/main"/>
+      <p15:sldGuideLst xmlns:p15="http://schemas.microsoft.com/office/powerpoint/2012/main" xmlns=""/>
     </p:ext>
   </p:extLst>
 </p:presentation>
@@ -196,7 +196,7 @@
           <p:cNvPr id="2" name="Kopfzeilenplatzhalter 1">
             <a:extLst>
               <a:ext uri="{FF2B5EF4-FFF2-40B4-BE49-F238E27FC236}">
-                <a16:creationId xmlns:a16="http://schemas.microsoft.com/office/drawing/2014/main" id="{C36FD074-1949-4EDA-A86C-94D6EFB53E19}"/>
+                <a16:creationId xmlns:a16="http://schemas.microsoft.com/office/drawing/2014/main" xmlns="" id="{C36FD074-1949-4EDA-A86C-94D6EFB53E19}"/>
               </a:ext>
             </a:extLst>
           </p:cNvPr>
@@ -233,7 +233,7 @@
           <p:cNvPr id="3" name="Datumsplatzhalter 2">
             <a:extLst>
               <a:ext uri="{FF2B5EF4-FFF2-40B4-BE49-F238E27FC236}">
-                <a16:creationId xmlns:a16="http://schemas.microsoft.com/office/drawing/2014/main" id="{2B8BA215-D21D-42CF-88CE-5705DBD84D01}"/>
+                <a16:creationId xmlns:a16="http://schemas.microsoft.com/office/drawing/2014/main" xmlns="" id="{2B8BA215-D21D-42CF-88CE-5705DBD84D01}"/>
               </a:ext>
             </a:extLst>
           </p:cNvPr>
@@ -263,7 +263,7 @@
           <a:p>
             <a:fld id="{CB9D8C46-D519-4441-A667-28E9CA678168}" type="datetimeFigureOut">
               <a:rPr lang="de-DE" smtClean="0"/>
-              <a:t>07.01.2020</a:t>
+              <a:t>08.01.20</a:t>
             </a:fld>
             <a:endParaRPr lang="de-DE"/>
           </a:p>
@@ -274,7 +274,7 @@
           <p:cNvPr id="4" name="Fußzeilenplatzhalter 3">
             <a:extLst>
               <a:ext uri="{FF2B5EF4-FFF2-40B4-BE49-F238E27FC236}">
-                <a16:creationId xmlns:a16="http://schemas.microsoft.com/office/drawing/2014/main" id="{622CC0FA-6991-46F3-8194-DB4B5C43286E}"/>
+                <a16:creationId xmlns:a16="http://schemas.microsoft.com/office/drawing/2014/main" xmlns="" id="{622CC0FA-6991-46F3-8194-DB4B5C43286E}"/>
               </a:ext>
             </a:extLst>
           </p:cNvPr>
@@ -311,7 +311,7 @@
           <p:cNvPr id="5" name="Foliennummernplatzhalter 4">
             <a:extLst>
               <a:ext uri="{FF2B5EF4-FFF2-40B4-BE49-F238E27FC236}">
-                <a16:creationId xmlns:a16="http://schemas.microsoft.com/office/drawing/2014/main" id="{47CE7CBD-06E6-45FF-9406-21CEB29C76F4}"/>
+                <a16:creationId xmlns:a16="http://schemas.microsoft.com/office/drawing/2014/main" xmlns="" id="{47CE7CBD-06E6-45FF-9406-21CEB29C76F4}"/>
               </a:ext>
             </a:extLst>
           </p:cNvPr>
@@ -440,7 +440,7 @@
           <a:p>
             <a:fld id="{BA1F7A56-A18D-4B92-9EE2-8848DB6C4C7B}" type="datetimeFigureOut">
               <a:rPr lang="de-DE" smtClean="0"/>
-              <a:t>07.01.2020</a:t>
+              <a:t>08.01.20</a:t>
             </a:fld>
             <a:endParaRPr lang="de-DE"/>
           </a:p>
@@ -813,7 +813,7 @@
           <p:cNvPr id="2" name="Titel 1">
             <a:extLst>
               <a:ext uri="{FF2B5EF4-FFF2-40B4-BE49-F238E27FC236}">
-                <a16:creationId xmlns:a16="http://schemas.microsoft.com/office/drawing/2014/main" id="{6A109175-A7C4-49FD-AF9E-D37AD4D2650A}"/>
+                <a16:creationId xmlns:a16="http://schemas.microsoft.com/office/drawing/2014/main" xmlns="" id="{6A109175-A7C4-49FD-AF9E-D37AD4D2650A}"/>
               </a:ext>
             </a:extLst>
           </p:cNvPr>
@@ -850,7 +850,7 @@
           <p:cNvPr id="3" name="Untertitel 2">
             <a:extLst>
               <a:ext uri="{FF2B5EF4-FFF2-40B4-BE49-F238E27FC236}">
-                <a16:creationId xmlns:a16="http://schemas.microsoft.com/office/drawing/2014/main" id="{469485CB-C14D-4B2D-BCD9-652BC28A547C}"/>
+                <a16:creationId xmlns:a16="http://schemas.microsoft.com/office/drawing/2014/main" xmlns="" id="{469485CB-C14D-4B2D-BCD9-652BC28A547C}"/>
               </a:ext>
             </a:extLst>
           </p:cNvPr>
@@ -920,7 +920,7 @@
           <p:cNvPr id="4" name="Datumsplatzhalter 3">
             <a:extLst>
               <a:ext uri="{FF2B5EF4-FFF2-40B4-BE49-F238E27FC236}">
-                <a16:creationId xmlns:a16="http://schemas.microsoft.com/office/drawing/2014/main" id="{6710A91D-AD11-4AD6-86D1-F1B642491E39}"/>
+                <a16:creationId xmlns:a16="http://schemas.microsoft.com/office/drawing/2014/main" xmlns="" id="{6710A91D-AD11-4AD6-86D1-F1B642491E39}"/>
               </a:ext>
             </a:extLst>
           </p:cNvPr>
@@ -938,7 +938,7 @@
           <a:p>
             <a:fld id="{AD66DEA6-0B81-4050-A891-4644C7C7D5EB}" type="datetime1">
               <a:rPr lang="de-DE" smtClean="0"/>
-              <a:t>07.01.2020</a:t>
+              <a:t>08.01.20</a:t>
             </a:fld>
             <a:endParaRPr lang="de-DE"/>
           </a:p>
@@ -949,7 +949,7 @@
           <p:cNvPr id="5" name="Fußzeilenplatzhalter 4">
             <a:extLst>
               <a:ext uri="{FF2B5EF4-FFF2-40B4-BE49-F238E27FC236}">
-                <a16:creationId xmlns:a16="http://schemas.microsoft.com/office/drawing/2014/main" id="{AB298D86-CBB5-4495-8515-D95F01F1DD3C}"/>
+                <a16:creationId xmlns:a16="http://schemas.microsoft.com/office/drawing/2014/main" xmlns="" id="{AB298D86-CBB5-4495-8515-D95F01F1DD3C}"/>
               </a:ext>
             </a:extLst>
           </p:cNvPr>
@@ -974,7 +974,7 @@
           <p:cNvPr id="6" name="Foliennummernplatzhalter 5">
             <a:extLst>
               <a:ext uri="{FF2B5EF4-FFF2-40B4-BE49-F238E27FC236}">
-                <a16:creationId xmlns:a16="http://schemas.microsoft.com/office/drawing/2014/main" id="{8E155596-FC00-4080-8D52-6022BD6719F0}"/>
+                <a16:creationId xmlns:a16="http://schemas.microsoft.com/office/drawing/2014/main" xmlns="" id="{8E155596-FC00-4080-8D52-6022BD6719F0}"/>
               </a:ext>
             </a:extLst>
           </p:cNvPr>
@@ -1037,7 +1037,7 @@
           <p:cNvPr id="2" name="Titel 1">
             <a:extLst>
               <a:ext uri="{FF2B5EF4-FFF2-40B4-BE49-F238E27FC236}">
-                <a16:creationId xmlns:a16="http://schemas.microsoft.com/office/drawing/2014/main" id="{0FFBB918-719C-478A-9347-55C47DB4F510}"/>
+                <a16:creationId xmlns:a16="http://schemas.microsoft.com/office/drawing/2014/main" xmlns="" id="{0FFBB918-719C-478A-9347-55C47DB4F510}"/>
               </a:ext>
             </a:extLst>
           </p:cNvPr>
@@ -1065,7 +1065,7 @@
           <p:cNvPr id="3" name="Vertikaler Textplatzhalter 2">
             <a:extLst>
               <a:ext uri="{FF2B5EF4-FFF2-40B4-BE49-F238E27FC236}">
-                <a16:creationId xmlns:a16="http://schemas.microsoft.com/office/drawing/2014/main" id="{2330F3DE-5571-4880-A919-57E71B72350D}"/>
+                <a16:creationId xmlns:a16="http://schemas.microsoft.com/office/drawing/2014/main" xmlns="" id="{2330F3DE-5571-4880-A919-57E71B72350D}"/>
               </a:ext>
             </a:extLst>
           </p:cNvPr>
@@ -1122,7 +1122,7 @@
           <p:cNvPr id="4" name="Datumsplatzhalter 3">
             <a:extLst>
               <a:ext uri="{FF2B5EF4-FFF2-40B4-BE49-F238E27FC236}">
-                <a16:creationId xmlns:a16="http://schemas.microsoft.com/office/drawing/2014/main" id="{7CA72A9B-4C70-4F02-8D70-4183ABD60D34}"/>
+                <a16:creationId xmlns:a16="http://schemas.microsoft.com/office/drawing/2014/main" xmlns="" id="{7CA72A9B-4C70-4F02-8D70-4183ABD60D34}"/>
               </a:ext>
             </a:extLst>
           </p:cNvPr>
@@ -1140,7 +1140,7 @@
           <a:p>
             <a:fld id="{06E6972A-BBC3-4BA8-B6DA-04E156DFB36E}" type="datetime1">
               <a:rPr lang="de-DE" smtClean="0"/>
-              <a:t>07.01.2020</a:t>
+              <a:t>08.01.20</a:t>
             </a:fld>
             <a:endParaRPr lang="de-DE"/>
           </a:p>
@@ -1151,7 +1151,7 @@
           <p:cNvPr id="5" name="Fußzeilenplatzhalter 4">
             <a:extLst>
               <a:ext uri="{FF2B5EF4-FFF2-40B4-BE49-F238E27FC236}">
-                <a16:creationId xmlns:a16="http://schemas.microsoft.com/office/drawing/2014/main" id="{C7D02573-5E75-4417-8DB8-35BF0632BE50}"/>
+                <a16:creationId xmlns:a16="http://schemas.microsoft.com/office/drawing/2014/main" xmlns="" id="{C7D02573-5E75-4417-8DB8-35BF0632BE50}"/>
               </a:ext>
             </a:extLst>
           </p:cNvPr>
@@ -1176,7 +1176,7 @@
           <p:cNvPr id="6" name="Foliennummernplatzhalter 5">
             <a:extLst>
               <a:ext uri="{FF2B5EF4-FFF2-40B4-BE49-F238E27FC236}">
-                <a16:creationId xmlns:a16="http://schemas.microsoft.com/office/drawing/2014/main" id="{E77B8F45-5C4F-4508-AFE3-01A0D5DA40E2}"/>
+                <a16:creationId xmlns:a16="http://schemas.microsoft.com/office/drawing/2014/main" xmlns="" id="{E77B8F45-5C4F-4508-AFE3-01A0D5DA40E2}"/>
               </a:ext>
             </a:extLst>
           </p:cNvPr>
@@ -1235,7 +1235,7 @@
           <p:cNvPr id="2" name="Vertikaler Titel 1">
             <a:extLst>
               <a:ext uri="{FF2B5EF4-FFF2-40B4-BE49-F238E27FC236}">
-                <a16:creationId xmlns:a16="http://schemas.microsoft.com/office/drawing/2014/main" id="{32770A03-07A7-41FF-B473-3147A01C0D94}"/>
+                <a16:creationId xmlns:a16="http://schemas.microsoft.com/office/drawing/2014/main" xmlns="" id="{32770A03-07A7-41FF-B473-3147A01C0D94}"/>
               </a:ext>
             </a:extLst>
           </p:cNvPr>
@@ -1268,7 +1268,7 @@
           <p:cNvPr id="3" name="Vertikaler Textplatzhalter 2">
             <a:extLst>
               <a:ext uri="{FF2B5EF4-FFF2-40B4-BE49-F238E27FC236}">
-                <a16:creationId xmlns:a16="http://schemas.microsoft.com/office/drawing/2014/main" id="{7665EF80-26B1-44D3-BE9A-51AA6A7852C4}"/>
+                <a16:creationId xmlns:a16="http://schemas.microsoft.com/office/drawing/2014/main" xmlns="" id="{7665EF80-26B1-44D3-BE9A-51AA6A7852C4}"/>
               </a:ext>
             </a:extLst>
           </p:cNvPr>
@@ -1330,7 +1330,7 @@
           <p:cNvPr id="4" name="Datumsplatzhalter 3">
             <a:extLst>
               <a:ext uri="{FF2B5EF4-FFF2-40B4-BE49-F238E27FC236}">
-                <a16:creationId xmlns:a16="http://schemas.microsoft.com/office/drawing/2014/main" id="{3B084A80-AC1E-4F66-AD8E-A007A9C49DDE}"/>
+                <a16:creationId xmlns:a16="http://schemas.microsoft.com/office/drawing/2014/main" xmlns="" id="{3B084A80-AC1E-4F66-AD8E-A007A9C49DDE}"/>
               </a:ext>
             </a:extLst>
           </p:cNvPr>
@@ -1348,7 +1348,7 @@
           <a:p>
             <a:fld id="{E6D71170-3BD5-4DC0-86BE-D43D3E946A4F}" type="datetime1">
               <a:rPr lang="de-DE" smtClean="0"/>
-              <a:t>07.01.2020</a:t>
+              <a:t>08.01.20</a:t>
             </a:fld>
             <a:endParaRPr lang="de-DE"/>
           </a:p>
@@ -1359,7 +1359,7 @@
           <p:cNvPr id="5" name="Fußzeilenplatzhalter 4">
             <a:extLst>
               <a:ext uri="{FF2B5EF4-FFF2-40B4-BE49-F238E27FC236}">
-                <a16:creationId xmlns:a16="http://schemas.microsoft.com/office/drawing/2014/main" id="{CFF7C9E5-E444-489D-886F-4C26A840EFDA}"/>
+                <a16:creationId xmlns:a16="http://schemas.microsoft.com/office/drawing/2014/main" xmlns="" id="{CFF7C9E5-E444-489D-886F-4C26A840EFDA}"/>
               </a:ext>
             </a:extLst>
           </p:cNvPr>
@@ -1384,7 +1384,7 @@
           <p:cNvPr id="6" name="Foliennummernplatzhalter 5">
             <a:extLst>
               <a:ext uri="{FF2B5EF4-FFF2-40B4-BE49-F238E27FC236}">
-                <a16:creationId xmlns:a16="http://schemas.microsoft.com/office/drawing/2014/main" id="{F8377349-CA6B-430A-B867-C98ACB351C80}"/>
+                <a16:creationId xmlns:a16="http://schemas.microsoft.com/office/drawing/2014/main" xmlns="" id="{F8377349-CA6B-430A-B867-C98ACB351C80}"/>
               </a:ext>
             </a:extLst>
           </p:cNvPr>
@@ -1443,7 +1443,7 @@
           <p:cNvPr id="2" name="Titel 1">
             <a:extLst>
               <a:ext uri="{FF2B5EF4-FFF2-40B4-BE49-F238E27FC236}">
-                <a16:creationId xmlns:a16="http://schemas.microsoft.com/office/drawing/2014/main" id="{7669A8F0-2554-4F5C-B06F-D59A16A0E7F6}"/>
+                <a16:creationId xmlns:a16="http://schemas.microsoft.com/office/drawing/2014/main" xmlns="" id="{7669A8F0-2554-4F5C-B06F-D59A16A0E7F6}"/>
               </a:ext>
             </a:extLst>
           </p:cNvPr>
@@ -1471,7 +1471,7 @@
           <p:cNvPr id="3" name="Inhaltsplatzhalter 2">
             <a:extLst>
               <a:ext uri="{FF2B5EF4-FFF2-40B4-BE49-F238E27FC236}">
-                <a16:creationId xmlns:a16="http://schemas.microsoft.com/office/drawing/2014/main" id="{EDBA8E83-CDA9-4A66-87A5-1B12C9A68C92}"/>
+                <a16:creationId xmlns:a16="http://schemas.microsoft.com/office/drawing/2014/main" xmlns="" id="{EDBA8E83-CDA9-4A66-87A5-1B12C9A68C92}"/>
               </a:ext>
             </a:extLst>
           </p:cNvPr>
@@ -1528,7 +1528,7 @@
           <p:cNvPr id="4" name="Datumsplatzhalter 3">
             <a:extLst>
               <a:ext uri="{FF2B5EF4-FFF2-40B4-BE49-F238E27FC236}">
-                <a16:creationId xmlns:a16="http://schemas.microsoft.com/office/drawing/2014/main" id="{979C12D2-CEF0-43E6-9DAB-08D6E6ECC764}"/>
+                <a16:creationId xmlns:a16="http://schemas.microsoft.com/office/drawing/2014/main" xmlns="" id="{979C12D2-CEF0-43E6-9DAB-08D6E6ECC764}"/>
               </a:ext>
             </a:extLst>
           </p:cNvPr>
@@ -1546,7 +1546,7 @@
           <a:p>
             <a:fld id="{02178250-A324-4677-83B5-205F98378F06}" type="datetime1">
               <a:rPr lang="de-DE" smtClean="0"/>
-              <a:t>07.01.2020</a:t>
+              <a:t>08.01.20</a:t>
             </a:fld>
             <a:endParaRPr lang="de-DE"/>
           </a:p>
@@ -1557,7 +1557,7 @@
           <p:cNvPr id="5" name="Fußzeilenplatzhalter 4">
             <a:extLst>
               <a:ext uri="{FF2B5EF4-FFF2-40B4-BE49-F238E27FC236}">
-                <a16:creationId xmlns:a16="http://schemas.microsoft.com/office/drawing/2014/main" id="{66F4DF7A-BD95-4B34-9337-ADDA7CC0CE2D}"/>
+                <a16:creationId xmlns:a16="http://schemas.microsoft.com/office/drawing/2014/main" xmlns="" id="{66F4DF7A-BD95-4B34-9337-ADDA7CC0CE2D}"/>
               </a:ext>
             </a:extLst>
           </p:cNvPr>
@@ -1582,7 +1582,7 @@
           <p:cNvPr id="6" name="Foliennummernplatzhalter 5">
             <a:extLst>
               <a:ext uri="{FF2B5EF4-FFF2-40B4-BE49-F238E27FC236}">
-                <a16:creationId xmlns:a16="http://schemas.microsoft.com/office/drawing/2014/main" id="{F3E85B6D-C21D-405B-B7D8-B7F1EA0216BB}"/>
+                <a16:creationId xmlns:a16="http://schemas.microsoft.com/office/drawing/2014/main" xmlns="" id="{F3E85B6D-C21D-405B-B7D8-B7F1EA0216BB}"/>
               </a:ext>
             </a:extLst>
           </p:cNvPr>
@@ -1641,7 +1641,7 @@
           <p:cNvPr id="2" name="Titel 1">
             <a:extLst>
               <a:ext uri="{FF2B5EF4-FFF2-40B4-BE49-F238E27FC236}">
-                <a16:creationId xmlns:a16="http://schemas.microsoft.com/office/drawing/2014/main" id="{E3D60C0A-B558-4750-A024-A7BB7F6EE525}"/>
+                <a16:creationId xmlns:a16="http://schemas.microsoft.com/office/drawing/2014/main" xmlns="" id="{E3D60C0A-B558-4750-A024-A7BB7F6EE525}"/>
               </a:ext>
             </a:extLst>
           </p:cNvPr>
@@ -1678,7 +1678,7 @@
           <p:cNvPr id="3" name="Textplatzhalter 2">
             <a:extLst>
               <a:ext uri="{FF2B5EF4-FFF2-40B4-BE49-F238E27FC236}">
-                <a16:creationId xmlns:a16="http://schemas.microsoft.com/office/drawing/2014/main" id="{41A035BD-1DD6-4FC9-8659-388B02B692C7}"/>
+                <a16:creationId xmlns:a16="http://schemas.microsoft.com/office/drawing/2014/main" xmlns="" id="{41A035BD-1DD6-4FC9-8659-388B02B692C7}"/>
               </a:ext>
             </a:extLst>
           </p:cNvPr>
@@ -1803,7 +1803,7 @@
           <p:cNvPr id="4" name="Datumsplatzhalter 3">
             <a:extLst>
               <a:ext uri="{FF2B5EF4-FFF2-40B4-BE49-F238E27FC236}">
-                <a16:creationId xmlns:a16="http://schemas.microsoft.com/office/drawing/2014/main" id="{775F9C0E-DAD1-46C7-9E9F-BF133074230B}"/>
+                <a16:creationId xmlns:a16="http://schemas.microsoft.com/office/drawing/2014/main" xmlns="" id="{775F9C0E-DAD1-46C7-9E9F-BF133074230B}"/>
               </a:ext>
             </a:extLst>
           </p:cNvPr>
@@ -1821,7 +1821,7 @@
           <a:p>
             <a:fld id="{C9F66C47-597E-49BA-AC2C-97CE18671AE5}" type="datetime1">
               <a:rPr lang="de-DE" smtClean="0"/>
-              <a:t>07.01.2020</a:t>
+              <a:t>08.01.20</a:t>
             </a:fld>
             <a:endParaRPr lang="de-DE"/>
           </a:p>
@@ -1832,7 +1832,7 @@
           <p:cNvPr id="5" name="Fußzeilenplatzhalter 4">
             <a:extLst>
               <a:ext uri="{FF2B5EF4-FFF2-40B4-BE49-F238E27FC236}">
-                <a16:creationId xmlns:a16="http://schemas.microsoft.com/office/drawing/2014/main" id="{FEDA1E61-90A6-4C76-8D97-96B0C1DA9A32}"/>
+                <a16:creationId xmlns:a16="http://schemas.microsoft.com/office/drawing/2014/main" xmlns="" id="{FEDA1E61-90A6-4C76-8D97-96B0C1DA9A32}"/>
               </a:ext>
             </a:extLst>
           </p:cNvPr>
@@ -1857,7 +1857,7 @@
           <p:cNvPr id="6" name="Foliennummernplatzhalter 5">
             <a:extLst>
               <a:ext uri="{FF2B5EF4-FFF2-40B4-BE49-F238E27FC236}">
-                <a16:creationId xmlns:a16="http://schemas.microsoft.com/office/drawing/2014/main" id="{A777D719-2F8B-42BD-AEB4-A5D745158915}"/>
+                <a16:creationId xmlns:a16="http://schemas.microsoft.com/office/drawing/2014/main" xmlns="" id="{A777D719-2F8B-42BD-AEB4-A5D745158915}"/>
               </a:ext>
             </a:extLst>
           </p:cNvPr>
@@ -1916,7 +1916,7 @@
           <p:cNvPr id="2" name="Titel 1">
             <a:extLst>
               <a:ext uri="{FF2B5EF4-FFF2-40B4-BE49-F238E27FC236}">
-                <a16:creationId xmlns:a16="http://schemas.microsoft.com/office/drawing/2014/main" id="{7DD2BA7B-0B9F-4145-B153-CED2804E7C75}"/>
+                <a16:creationId xmlns:a16="http://schemas.microsoft.com/office/drawing/2014/main" xmlns="" id="{7DD2BA7B-0B9F-4145-B153-CED2804E7C75}"/>
               </a:ext>
             </a:extLst>
           </p:cNvPr>
@@ -1944,7 +1944,7 @@
           <p:cNvPr id="3" name="Inhaltsplatzhalter 2">
             <a:extLst>
               <a:ext uri="{FF2B5EF4-FFF2-40B4-BE49-F238E27FC236}">
-                <a16:creationId xmlns:a16="http://schemas.microsoft.com/office/drawing/2014/main" id="{133623E7-726D-4D39-B9AD-A549DA1BCFF8}"/>
+                <a16:creationId xmlns:a16="http://schemas.microsoft.com/office/drawing/2014/main" xmlns="" id="{133623E7-726D-4D39-B9AD-A549DA1BCFF8}"/>
               </a:ext>
             </a:extLst>
           </p:cNvPr>
@@ -2006,7 +2006,7 @@
           <p:cNvPr id="4" name="Inhaltsplatzhalter 3">
             <a:extLst>
               <a:ext uri="{FF2B5EF4-FFF2-40B4-BE49-F238E27FC236}">
-                <a16:creationId xmlns:a16="http://schemas.microsoft.com/office/drawing/2014/main" id="{49D3FCD7-D822-45D0-8354-DC7EB671314A}"/>
+                <a16:creationId xmlns:a16="http://schemas.microsoft.com/office/drawing/2014/main" xmlns="" id="{49D3FCD7-D822-45D0-8354-DC7EB671314A}"/>
               </a:ext>
             </a:extLst>
           </p:cNvPr>
@@ -2068,7 +2068,7 @@
           <p:cNvPr id="5" name="Datumsplatzhalter 4">
             <a:extLst>
               <a:ext uri="{FF2B5EF4-FFF2-40B4-BE49-F238E27FC236}">
-                <a16:creationId xmlns:a16="http://schemas.microsoft.com/office/drawing/2014/main" id="{780D047A-83B1-4D62-A69E-1C5C41CE0306}"/>
+                <a16:creationId xmlns:a16="http://schemas.microsoft.com/office/drawing/2014/main" xmlns="" id="{780D047A-83B1-4D62-A69E-1C5C41CE0306}"/>
               </a:ext>
             </a:extLst>
           </p:cNvPr>
@@ -2086,7 +2086,7 @@
           <a:p>
             <a:fld id="{8DB74D4D-DC62-49F5-967F-3802A1F7759A}" type="datetime1">
               <a:rPr lang="de-DE" smtClean="0"/>
-              <a:t>07.01.2020</a:t>
+              <a:t>08.01.20</a:t>
             </a:fld>
             <a:endParaRPr lang="de-DE"/>
           </a:p>
@@ -2097,7 +2097,7 @@
           <p:cNvPr id="6" name="Fußzeilenplatzhalter 5">
             <a:extLst>
               <a:ext uri="{FF2B5EF4-FFF2-40B4-BE49-F238E27FC236}">
-                <a16:creationId xmlns:a16="http://schemas.microsoft.com/office/drawing/2014/main" id="{30F9DC15-7263-43A3-A65D-316BA53A7ABB}"/>
+                <a16:creationId xmlns:a16="http://schemas.microsoft.com/office/drawing/2014/main" xmlns="" id="{30F9DC15-7263-43A3-A65D-316BA53A7ABB}"/>
               </a:ext>
             </a:extLst>
           </p:cNvPr>
@@ -2122,7 +2122,7 @@
           <p:cNvPr id="7" name="Foliennummernplatzhalter 6">
             <a:extLst>
               <a:ext uri="{FF2B5EF4-FFF2-40B4-BE49-F238E27FC236}">
-                <a16:creationId xmlns:a16="http://schemas.microsoft.com/office/drawing/2014/main" id="{39820D0F-4E25-4E0B-A3C4-64B7EBBFE96B}"/>
+                <a16:creationId xmlns:a16="http://schemas.microsoft.com/office/drawing/2014/main" xmlns="" id="{39820D0F-4E25-4E0B-A3C4-64B7EBBFE96B}"/>
               </a:ext>
             </a:extLst>
           </p:cNvPr>
@@ -2181,7 +2181,7 @@
           <p:cNvPr id="2" name="Titel 1">
             <a:extLst>
               <a:ext uri="{FF2B5EF4-FFF2-40B4-BE49-F238E27FC236}">
-                <a16:creationId xmlns:a16="http://schemas.microsoft.com/office/drawing/2014/main" id="{50D6DAFD-EBD3-4182-9B7D-60B4EB39DEE1}"/>
+                <a16:creationId xmlns:a16="http://schemas.microsoft.com/office/drawing/2014/main" xmlns="" id="{50D6DAFD-EBD3-4182-9B7D-60B4EB39DEE1}"/>
               </a:ext>
             </a:extLst>
           </p:cNvPr>
@@ -2214,7 +2214,7 @@
           <p:cNvPr id="3" name="Textplatzhalter 2">
             <a:extLst>
               <a:ext uri="{FF2B5EF4-FFF2-40B4-BE49-F238E27FC236}">
-                <a16:creationId xmlns:a16="http://schemas.microsoft.com/office/drawing/2014/main" id="{96C1C588-7DDA-4561-8495-BD9231919329}"/>
+                <a16:creationId xmlns:a16="http://schemas.microsoft.com/office/drawing/2014/main" xmlns="" id="{96C1C588-7DDA-4561-8495-BD9231919329}"/>
               </a:ext>
             </a:extLst>
           </p:cNvPr>
@@ -2285,7 +2285,7 @@
           <p:cNvPr id="4" name="Inhaltsplatzhalter 3">
             <a:extLst>
               <a:ext uri="{FF2B5EF4-FFF2-40B4-BE49-F238E27FC236}">
-                <a16:creationId xmlns:a16="http://schemas.microsoft.com/office/drawing/2014/main" id="{48B14101-F869-4BD4-8004-13FB34CE2F81}"/>
+                <a16:creationId xmlns:a16="http://schemas.microsoft.com/office/drawing/2014/main" xmlns="" id="{48B14101-F869-4BD4-8004-13FB34CE2F81}"/>
               </a:ext>
             </a:extLst>
           </p:cNvPr>
@@ -2347,7 +2347,7 @@
           <p:cNvPr id="5" name="Textplatzhalter 4">
             <a:extLst>
               <a:ext uri="{FF2B5EF4-FFF2-40B4-BE49-F238E27FC236}">
-                <a16:creationId xmlns:a16="http://schemas.microsoft.com/office/drawing/2014/main" id="{BA456EA9-CEF4-40C8-9F55-4A088215FFB7}"/>
+                <a16:creationId xmlns:a16="http://schemas.microsoft.com/office/drawing/2014/main" xmlns="" id="{BA456EA9-CEF4-40C8-9F55-4A088215FFB7}"/>
               </a:ext>
             </a:extLst>
           </p:cNvPr>
@@ -2418,7 +2418,7 @@
           <p:cNvPr id="6" name="Inhaltsplatzhalter 5">
             <a:extLst>
               <a:ext uri="{FF2B5EF4-FFF2-40B4-BE49-F238E27FC236}">
-                <a16:creationId xmlns:a16="http://schemas.microsoft.com/office/drawing/2014/main" id="{FBF17368-3E7E-40A4-AFDA-E523E5C227F0}"/>
+                <a16:creationId xmlns:a16="http://schemas.microsoft.com/office/drawing/2014/main" xmlns="" id="{FBF17368-3E7E-40A4-AFDA-E523E5C227F0}"/>
               </a:ext>
             </a:extLst>
           </p:cNvPr>
@@ -2480,7 +2480,7 @@
           <p:cNvPr id="7" name="Datumsplatzhalter 6">
             <a:extLst>
               <a:ext uri="{FF2B5EF4-FFF2-40B4-BE49-F238E27FC236}">
-                <a16:creationId xmlns:a16="http://schemas.microsoft.com/office/drawing/2014/main" id="{510F185F-0E07-45B6-ACAA-9C74DBCD7969}"/>
+                <a16:creationId xmlns:a16="http://schemas.microsoft.com/office/drawing/2014/main" xmlns="" id="{510F185F-0E07-45B6-ACAA-9C74DBCD7969}"/>
               </a:ext>
             </a:extLst>
           </p:cNvPr>
@@ -2498,7 +2498,7 @@
           <a:p>
             <a:fld id="{0B89D2AE-35BA-46A8-9619-FA9B6B028436}" type="datetime1">
               <a:rPr lang="de-DE" smtClean="0"/>
-              <a:t>07.01.2020</a:t>
+              <a:t>08.01.20</a:t>
             </a:fld>
             <a:endParaRPr lang="de-DE"/>
           </a:p>
@@ -2509,7 +2509,7 @@
           <p:cNvPr id="8" name="Fußzeilenplatzhalter 7">
             <a:extLst>
               <a:ext uri="{FF2B5EF4-FFF2-40B4-BE49-F238E27FC236}">
-                <a16:creationId xmlns:a16="http://schemas.microsoft.com/office/drawing/2014/main" id="{C587D24B-3D68-4819-A42B-9A8C7128240B}"/>
+                <a16:creationId xmlns:a16="http://schemas.microsoft.com/office/drawing/2014/main" xmlns="" id="{C587D24B-3D68-4819-A42B-9A8C7128240B}"/>
               </a:ext>
             </a:extLst>
           </p:cNvPr>
@@ -2534,7 +2534,7 @@
           <p:cNvPr id="9" name="Foliennummernplatzhalter 8">
             <a:extLst>
               <a:ext uri="{FF2B5EF4-FFF2-40B4-BE49-F238E27FC236}">
-                <a16:creationId xmlns:a16="http://schemas.microsoft.com/office/drawing/2014/main" id="{7A55A3EC-0F32-4D5C-8A4E-47E0AC606A7D}"/>
+                <a16:creationId xmlns:a16="http://schemas.microsoft.com/office/drawing/2014/main" xmlns="" id="{7A55A3EC-0F32-4D5C-8A4E-47E0AC606A7D}"/>
               </a:ext>
             </a:extLst>
           </p:cNvPr>
@@ -2593,7 +2593,7 @@
           <p:cNvPr id="2" name="Titel 1">
             <a:extLst>
               <a:ext uri="{FF2B5EF4-FFF2-40B4-BE49-F238E27FC236}">
-                <a16:creationId xmlns:a16="http://schemas.microsoft.com/office/drawing/2014/main" id="{94A92E10-E0BB-4541-9A1C-73E703FDD5C1}"/>
+                <a16:creationId xmlns:a16="http://schemas.microsoft.com/office/drawing/2014/main" xmlns="" id="{94A92E10-E0BB-4541-9A1C-73E703FDD5C1}"/>
               </a:ext>
             </a:extLst>
           </p:cNvPr>
@@ -2621,7 +2621,7 @@
           <p:cNvPr id="3" name="Datumsplatzhalter 2">
             <a:extLst>
               <a:ext uri="{FF2B5EF4-FFF2-40B4-BE49-F238E27FC236}">
-                <a16:creationId xmlns:a16="http://schemas.microsoft.com/office/drawing/2014/main" id="{E262F49D-6112-43BF-BAD7-952267665415}"/>
+                <a16:creationId xmlns:a16="http://schemas.microsoft.com/office/drawing/2014/main" xmlns="" id="{E262F49D-6112-43BF-BAD7-952267665415}"/>
               </a:ext>
             </a:extLst>
           </p:cNvPr>
@@ -2639,7 +2639,7 @@
           <a:p>
             <a:fld id="{BE61CEC5-D016-48B2-983F-5640982C0802}" type="datetime1">
               <a:rPr lang="de-DE" smtClean="0"/>
-              <a:t>07.01.2020</a:t>
+              <a:t>08.01.20</a:t>
             </a:fld>
             <a:endParaRPr lang="de-DE"/>
           </a:p>
@@ -2650,7 +2650,7 @@
           <p:cNvPr id="4" name="Fußzeilenplatzhalter 3">
             <a:extLst>
               <a:ext uri="{FF2B5EF4-FFF2-40B4-BE49-F238E27FC236}">
-                <a16:creationId xmlns:a16="http://schemas.microsoft.com/office/drawing/2014/main" id="{E2B62F39-1F67-4E47-9A3F-5C09F4E77CDA}"/>
+                <a16:creationId xmlns:a16="http://schemas.microsoft.com/office/drawing/2014/main" xmlns="" id="{E2B62F39-1F67-4E47-9A3F-5C09F4E77CDA}"/>
               </a:ext>
             </a:extLst>
           </p:cNvPr>
@@ -2675,7 +2675,7 @@
           <p:cNvPr id="5" name="Foliennummernplatzhalter 4">
             <a:extLst>
               <a:ext uri="{FF2B5EF4-FFF2-40B4-BE49-F238E27FC236}">
-                <a16:creationId xmlns:a16="http://schemas.microsoft.com/office/drawing/2014/main" id="{D74F17E3-51BF-4D46-9D9F-2F126D1E6CDF}"/>
+                <a16:creationId xmlns:a16="http://schemas.microsoft.com/office/drawing/2014/main" xmlns="" id="{D74F17E3-51BF-4D46-9D9F-2F126D1E6CDF}"/>
               </a:ext>
             </a:extLst>
           </p:cNvPr>
@@ -2734,7 +2734,7 @@
           <p:cNvPr id="2" name="Datumsplatzhalter 1">
             <a:extLst>
               <a:ext uri="{FF2B5EF4-FFF2-40B4-BE49-F238E27FC236}">
-                <a16:creationId xmlns:a16="http://schemas.microsoft.com/office/drawing/2014/main" id="{4AA81737-3ECF-4100-B6DC-2CD5922CA960}"/>
+                <a16:creationId xmlns:a16="http://schemas.microsoft.com/office/drawing/2014/main" xmlns="" id="{4AA81737-3ECF-4100-B6DC-2CD5922CA960}"/>
               </a:ext>
             </a:extLst>
           </p:cNvPr>
@@ -2752,7 +2752,7 @@
           <a:p>
             <a:fld id="{E65BA0F8-3722-43B7-A280-8C401EF29E8C}" type="datetime1">
               <a:rPr lang="de-DE" smtClean="0"/>
-              <a:t>07.01.2020</a:t>
+              <a:t>08.01.20</a:t>
             </a:fld>
             <a:endParaRPr lang="de-DE"/>
           </a:p>
@@ -2763,7 +2763,7 @@
           <p:cNvPr id="3" name="Fußzeilenplatzhalter 2">
             <a:extLst>
               <a:ext uri="{FF2B5EF4-FFF2-40B4-BE49-F238E27FC236}">
-                <a16:creationId xmlns:a16="http://schemas.microsoft.com/office/drawing/2014/main" id="{1858F6FE-7A28-4C5B-ABF0-49BB9007ADBC}"/>
+                <a16:creationId xmlns:a16="http://schemas.microsoft.com/office/drawing/2014/main" xmlns="" id="{1858F6FE-7A28-4C5B-ABF0-49BB9007ADBC}"/>
               </a:ext>
             </a:extLst>
           </p:cNvPr>
@@ -2788,7 +2788,7 @@
           <p:cNvPr id="4" name="Foliennummernplatzhalter 3">
             <a:extLst>
               <a:ext uri="{FF2B5EF4-FFF2-40B4-BE49-F238E27FC236}">
-                <a16:creationId xmlns:a16="http://schemas.microsoft.com/office/drawing/2014/main" id="{374B02A8-3601-45E0-8A5E-A9BE973818EC}"/>
+                <a16:creationId xmlns:a16="http://schemas.microsoft.com/office/drawing/2014/main" xmlns="" id="{374B02A8-3601-45E0-8A5E-A9BE973818EC}"/>
               </a:ext>
             </a:extLst>
           </p:cNvPr>
@@ -2847,7 +2847,7 @@
           <p:cNvPr id="2" name="Titel 1">
             <a:extLst>
               <a:ext uri="{FF2B5EF4-FFF2-40B4-BE49-F238E27FC236}">
-                <a16:creationId xmlns:a16="http://schemas.microsoft.com/office/drawing/2014/main" id="{EEA6A9F9-4CCA-424C-81F2-419D2C1CA3EE}"/>
+                <a16:creationId xmlns:a16="http://schemas.microsoft.com/office/drawing/2014/main" xmlns="" id="{EEA6A9F9-4CCA-424C-81F2-419D2C1CA3EE}"/>
               </a:ext>
             </a:extLst>
           </p:cNvPr>
@@ -2884,7 +2884,7 @@
           <p:cNvPr id="3" name="Inhaltsplatzhalter 2">
             <a:extLst>
               <a:ext uri="{FF2B5EF4-FFF2-40B4-BE49-F238E27FC236}">
-                <a16:creationId xmlns:a16="http://schemas.microsoft.com/office/drawing/2014/main" id="{BBD7031D-E4F1-46BA-BF53-DB52A2E75326}"/>
+                <a16:creationId xmlns:a16="http://schemas.microsoft.com/office/drawing/2014/main" xmlns="" id="{BBD7031D-E4F1-46BA-BF53-DB52A2E75326}"/>
               </a:ext>
             </a:extLst>
           </p:cNvPr>
@@ -2974,7 +2974,7 @@
           <p:cNvPr id="4" name="Textplatzhalter 3">
             <a:extLst>
               <a:ext uri="{FF2B5EF4-FFF2-40B4-BE49-F238E27FC236}">
-                <a16:creationId xmlns:a16="http://schemas.microsoft.com/office/drawing/2014/main" id="{B2F35DF0-13F2-4D4C-A273-5592B7037A65}"/>
+                <a16:creationId xmlns:a16="http://schemas.microsoft.com/office/drawing/2014/main" xmlns="" id="{B2F35DF0-13F2-4D4C-A273-5592B7037A65}"/>
               </a:ext>
             </a:extLst>
           </p:cNvPr>
@@ -3045,7 +3045,7 @@
           <p:cNvPr id="5" name="Datumsplatzhalter 4">
             <a:extLst>
               <a:ext uri="{FF2B5EF4-FFF2-40B4-BE49-F238E27FC236}">
-                <a16:creationId xmlns:a16="http://schemas.microsoft.com/office/drawing/2014/main" id="{CC626A7F-449E-442E-8B2E-61F14057B024}"/>
+                <a16:creationId xmlns:a16="http://schemas.microsoft.com/office/drawing/2014/main" xmlns="" id="{CC626A7F-449E-442E-8B2E-61F14057B024}"/>
               </a:ext>
             </a:extLst>
           </p:cNvPr>
@@ -3063,7 +3063,7 @@
           <a:p>
             <a:fld id="{18525EC3-228E-4F2C-BF7F-50F53B975049}" type="datetime1">
               <a:rPr lang="de-DE" smtClean="0"/>
-              <a:t>07.01.2020</a:t>
+              <a:t>08.01.20</a:t>
             </a:fld>
             <a:endParaRPr lang="de-DE"/>
           </a:p>
@@ -3074,7 +3074,7 @@
           <p:cNvPr id="6" name="Fußzeilenplatzhalter 5">
             <a:extLst>
               <a:ext uri="{FF2B5EF4-FFF2-40B4-BE49-F238E27FC236}">
-                <a16:creationId xmlns:a16="http://schemas.microsoft.com/office/drawing/2014/main" id="{E51D6C64-62A9-4907-A2E4-48B981F6002F}"/>
+                <a16:creationId xmlns:a16="http://schemas.microsoft.com/office/drawing/2014/main" xmlns="" id="{E51D6C64-62A9-4907-A2E4-48B981F6002F}"/>
               </a:ext>
             </a:extLst>
           </p:cNvPr>
@@ -3099,7 +3099,7 @@
           <p:cNvPr id="7" name="Foliennummernplatzhalter 6">
             <a:extLst>
               <a:ext uri="{FF2B5EF4-FFF2-40B4-BE49-F238E27FC236}">
-                <a16:creationId xmlns:a16="http://schemas.microsoft.com/office/drawing/2014/main" id="{FA243D0F-A6AF-425C-8344-81DC1A69113F}"/>
+                <a16:creationId xmlns:a16="http://schemas.microsoft.com/office/drawing/2014/main" xmlns="" id="{FA243D0F-A6AF-425C-8344-81DC1A69113F}"/>
               </a:ext>
             </a:extLst>
           </p:cNvPr>
@@ -3158,7 +3158,7 @@
           <p:cNvPr id="2" name="Titel 1">
             <a:extLst>
               <a:ext uri="{FF2B5EF4-FFF2-40B4-BE49-F238E27FC236}">
-                <a16:creationId xmlns:a16="http://schemas.microsoft.com/office/drawing/2014/main" id="{3F692CCB-5DCA-4D7E-8C46-8D3BB235353F}"/>
+                <a16:creationId xmlns:a16="http://schemas.microsoft.com/office/drawing/2014/main" xmlns="" id="{3F692CCB-5DCA-4D7E-8C46-8D3BB235353F}"/>
               </a:ext>
             </a:extLst>
           </p:cNvPr>
@@ -3195,7 +3195,7 @@
           <p:cNvPr id="3" name="Bildplatzhalter 2">
             <a:extLst>
               <a:ext uri="{FF2B5EF4-FFF2-40B4-BE49-F238E27FC236}">
-                <a16:creationId xmlns:a16="http://schemas.microsoft.com/office/drawing/2014/main" id="{5CB5B0C8-57FD-4CF6-A0B8-EDB76F50F4C6}"/>
+                <a16:creationId xmlns:a16="http://schemas.microsoft.com/office/drawing/2014/main" xmlns="" id="{5CB5B0C8-57FD-4CF6-A0B8-EDB76F50F4C6}"/>
               </a:ext>
             </a:extLst>
           </p:cNvPr>
@@ -3262,7 +3262,7 @@
           <p:cNvPr id="4" name="Textplatzhalter 3">
             <a:extLst>
               <a:ext uri="{FF2B5EF4-FFF2-40B4-BE49-F238E27FC236}">
-                <a16:creationId xmlns:a16="http://schemas.microsoft.com/office/drawing/2014/main" id="{68AC83A5-93B2-4555-9AD9-15651CDE827C}"/>
+                <a16:creationId xmlns:a16="http://schemas.microsoft.com/office/drawing/2014/main" xmlns="" id="{68AC83A5-93B2-4555-9AD9-15651CDE827C}"/>
               </a:ext>
             </a:extLst>
           </p:cNvPr>
@@ -3333,7 +3333,7 @@
           <p:cNvPr id="5" name="Datumsplatzhalter 4">
             <a:extLst>
               <a:ext uri="{FF2B5EF4-FFF2-40B4-BE49-F238E27FC236}">
-                <a16:creationId xmlns:a16="http://schemas.microsoft.com/office/drawing/2014/main" id="{C0B55861-7473-4F3E-93E7-3D2386D1A93C}"/>
+                <a16:creationId xmlns:a16="http://schemas.microsoft.com/office/drawing/2014/main" xmlns="" id="{C0B55861-7473-4F3E-93E7-3D2386D1A93C}"/>
               </a:ext>
             </a:extLst>
           </p:cNvPr>
@@ -3351,7 +3351,7 @@
           <a:p>
             <a:fld id="{263C3CD4-E818-47EB-BC9C-D0F96D5B5704}" type="datetime1">
               <a:rPr lang="de-DE" smtClean="0"/>
-              <a:t>07.01.2020</a:t>
+              <a:t>08.01.20</a:t>
             </a:fld>
             <a:endParaRPr lang="de-DE"/>
           </a:p>
@@ -3362,7 +3362,7 @@
           <p:cNvPr id="6" name="Fußzeilenplatzhalter 5">
             <a:extLst>
               <a:ext uri="{FF2B5EF4-FFF2-40B4-BE49-F238E27FC236}">
-                <a16:creationId xmlns:a16="http://schemas.microsoft.com/office/drawing/2014/main" id="{9B0E0201-874D-4950-BFDB-26D7F5CF0E60}"/>
+                <a16:creationId xmlns:a16="http://schemas.microsoft.com/office/drawing/2014/main" xmlns="" id="{9B0E0201-874D-4950-BFDB-26D7F5CF0E60}"/>
               </a:ext>
             </a:extLst>
           </p:cNvPr>
@@ -3387,7 +3387,7 @@
           <p:cNvPr id="7" name="Foliennummernplatzhalter 6">
             <a:extLst>
               <a:ext uri="{FF2B5EF4-FFF2-40B4-BE49-F238E27FC236}">
-                <a16:creationId xmlns:a16="http://schemas.microsoft.com/office/drawing/2014/main" id="{90439948-7CD7-4279-A568-D2045BD2A15B}"/>
+                <a16:creationId xmlns:a16="http://schemas.microsoft.com/office/drawing/2014/main" xmlns="" id="{90439948-7CD7-4279-A568-D2045BD2A15B}"/>
               </a:ext>
             </a:extLst>
           </p:cNvPr>
@@ -3451,7 +3451,7 @@
           <p:cNvPr id="2" name="Titelplatzhalter 1">
             <a:extLst>
               <a:ext uri="{FF2B5EF4-FFF2-40B4-BE49-F238E27FC236}">
-                <a16:creationId xmlns:a16="http://schemas.microsoft.com/office/drawing/2014/main" id="{A4493032-0991-4B6F-8974-2B8D75132B8F}"/>
+                <a16:creationId xmlns:a16="http://schemas.microsoft.com/office/drawing/2014/main" xmlns="" id="{A4493032-0991-4B6F-8974-2B8D75132B8F}"/>
               </a:ext>
             </a:extLst>
           </p:cNvPr>
@@ -3489,7 +3489,7 @@
           <p:cNvPr id="3" name="Textplatzhalter 2">
             <a:extLst>
               <a:ext uri="{FF2B5EF4-FFF2-40B4-BE49-F238E27FC236}">
-                <a16:creationId xmlns:a16="http://schemas.microsoft.com/office/drawing/2014/main" id="{125828BE-3686-45FA-97E8-16D8E1A43052}"/>
+                <a16:creationId xmlns:a16="http://schemas.microsoft.com/office/drawing/2014/main" xmlns="" id="{125828BE-3686-45FA-97E8-16D8E1A43052}"/>
               </a:ext>
             </a:extLst>
           </p:cNvPr>
@@ -3556,7 +3556,7 @@
           <p:cNvPr id="4" name="Datumsplatzhalter 3">
             <a:extLst>
               <a:ext uri="{FF2B5EF4-FFF2-40B4-BE49-F238E27FC236}">
-                <a16:creationId xmlns:a16="http://schemas.microsoft.com/office/drawing/2014/main" id="{6CDDE72C-6C44-4D5C-8B01-66E5A59BDF19}"/>
+                <a16:creationId xmlns:a16="http://schemas.microsoft.com/office/drawing/2014/main" xmlns="" id="{6CDDE72C-6C44-4D5C-8B01-66E5A59BDF19}"/>
               </a:ext>
             </a:extLst>
           </p:cNvPr>
@@ -3592,7 +3592,7 @@
           <a:p>
             <a:fld id="{ECA15691-8E1A-4410-8D61-7DB37D5C5A4E}" type="datetime1">
               <a:rPr lang="de-DE" smtClean="0"/>
-              <a:t>07.01.2020</a:t>
+              <a:t>08.01.20</a:t>
             </a:fld>
             <a:endParaRPr lang="de-DE"/>
           </a:p>
@@ -3603,7 +3603,7 @@
           <p:cNvPr id="5" name="Fußzeilenplatzhalter 4">
             <a:extLst>
               <a:ext uri="{FF2B5EF4-FFF2-40B4-BE49-F238E27FC236}">
-                <a16:creationId xmlns:a16="http://schemas.microsoft.com/office/drawing/2014/main" id="{5449B8D4-C1F9-4BE5-994A-760FF4471C92}"/>
+                <a16:creationId xmlns:a16="http://schemas.microsoft.com/office/drawing/2014/main" xmlns="" id="{5449B8D4-C1F9-4BE5-994A-760FF4471C92}"/>
               </a:ext>
             </a:extLst>
           </p:cNvPr>
@@ -3646,7 +3646,7 @@
           <p:cNvPr id="6" name="Foliennummernplatzhalter 5">
             <a:extLst>
               <a:ext uri="{FF2B5EF4-FFF2-40B4-BE49-F238E27FC236}">
-                <a16:creationId xmlns:a16="http://schemas.microsoft.com/office/drawing/2014/main" id="{4EC63D79-7257-4559-9A44-B8FDEF8FF21D}"/>
+                <a16:creationId xmlns:a16="http://schemas.microsoft.com/office/drawing/2014/main" xmlns="" id="{4EC63D79-7257-4559-9A44-B8FDEF8FF21D}"/>
               </a:ext>
             </a:extLst>
           </p:cNvPr>
@@ -4015,7 +4015,7 @@
           <p:cNvPr id="2" name="Titel 1">
             <a:extLst>
               <a:ext uri="{FF2B5EF4-FFF2-40B4-BE49-F238E27FC236}">
-                <a16:creationId xmlns:a16="http://schemas.microsoft.com/office/drawing/2014/main" id="{3607DC13-0619-4B6D-91E5-A344E34F5A06}"/>
+                <a16:creationId xmlns:a16="http://schemas.microsoft.com/office/drawing/2014/main" xmlns="" id="{3607DC13-0619-4B6D-91E5-A344E34F5A06}"/>
               </a:ext>
             </a:extLst>
           </p:cNvPr>
@@ -4048,7 +4048,7 @@
           <p:cNvPr id="3" name="Untertitel 2">
             <a:extLst>
               <a:ext uri="{FF2B5EF4-FFF2-40B4-BE49-F238E27FC236}">
-                <a16:creationId xmlns:a16="http://schemas.microsoft.com/office/drawing/2014/main" id="{1EE46C4E-E01F-42D3-9EAB-BAD6F80E26E1}"/>
+                <a16:creationId xmlns:a16="http://schemas.microsoft.com/office/drawing/2014/main" xmlns="" id="{1EE46C4E-E01F-42D3-9EAB-BAD6F80E26E1}"/>
               </a:ext>
             </a:extLst>
           </p:cNvPr>
@@ -4215,7 +4215,7 @@
           <p:cNvPr id="6" name="Textfeld 5">
             <a:extLst>
               <a:ext uri="{FF2B5EF4-FFF2-40B4-BE49-F238E27FC236}">
-                <a16:creationId xmlns:a16="http://schemas.microsoft.com/office/drawing/2014/main" id="{27E5DB30-FDAD-4825-B372-1DFC8CA20814}"/>
+                <a16:creationId xmlns:a16="http://schemas.microsoft.com/office/drawing/2014/main" xmlns="" id="{27E5DB30-FDAD-4825-B372-1DFC8CA20814}"/>
               </a:ext>
             </a:extLst>
           </p:cNvPr>
@@ -4277,7 +4277,7 @@
           <p:cNvPr id="2" name="Titel 1">
             <a:extLst>
               <a:ext uri="{FF2B5EF4-FFF2-40B4-BE49-F238E27FC236}">
-                <a16:creationId xmlns:a16="http://schemas.microsoft.com/office/drawing/2014/main" id="{1B3F406C-536E-4365-8F2A-D80B84B8AC55}"/>
+                <a16:creationId xmlns:a16="http://schemas.microsoft.com/office/drawing/2014/main" xmlns="" id="{1B3F406C-536E-4365-8F2A-D80B84B8AC55}"/>
               </a:ext>
             </a:extLst>
           </p:cNvPr>
@@ -4310,7 +4310,7 @@
           <p:cNvPr id="3" name="Inhaltsplatzhalter 2">
             <a:extLst>
               <a:ext uri="{FF2B5EF4-FFF2-40B4-BE49-F238E27FC236}">
-                <a16:creationId xmlns:a16="http://schemas.microsoft.com/office/drawing/2014/main" id="{D357395F-5EF2-42F1-B06E-B8C721674E9E}"/>
+                <a16:creationId xmlns:a16="http://schemas.microsoft.com/office/drawing/2014/main" xmlns="" id="{D357395F-5EF2-42F1-B06E-B8C721674E9E}"/>
               </a:ext>
             </a:extLst>
           </p:cNvPr>
@@ -4422,7 +4422,7 @@
           <p:cNvPr id="4" name="Foliennummernplatzhalter 3">
             <a:extLst>
               <a:ext uri="{FF2B5EF4-FFF2-40B4-BE49-F238E27FC236}">
-                <a16:creationId xmlns:a16="http://schemas.microsoft.com/office/drawing/2014/main" id="{C2853911-6975-433A-A38C-387AA79E241B}"/>
+                <a16:creationId xmlns:a16="http://schemas.microsoft.com/office/drawing/2014/main" xmlns="" id="{C2853911-6975-433A-A38C-387AA79E241B}"/>
               </a:ext>
             </a:extLst>
           </p:cNvPr>
@@ -4451,7 +4451,7 @@
           <p:cNvPr id="6" name="Foliennummernplatzhalter 1">
             <a:extLst>
               <a:ext uri="{FF2B5EF4-FFF2-40B4-BE49-F238E27FC236}">
-                <a16:creationId xmlns:a16="http://schemas.microsoft.com/office/drawing/2014/main" id="{776638B7-4836-4B27-AD4F-5183488A4CA5}"/>
+                <a16:creationId xmlns:a16="http://schemas.microsoft.com/office/drawing/2014/main" xmlns="" id="{776638B7-4836-4B27-AD4F-5183488A4CA5}"/>
               </a:ext>
             </a:extLst>
           </p:cNvPr>
@@ -4616,7 +4616,7 @@
           <p:cNvPr id="2" name="Titel 1">
             <a:extLst>
               <a:ext uri="{FF2B5EF4-FFF2-40B4-BE49-F238E27FC236}">
-                <a16:creationId xmlns:a16="http://schemas.microsoft.com/office/drawing/2014/main" id="{0EAB171C-DE80-495A-AAED-D7A03D2CD8EA}"/>
+                <a16:creationId xmlns:a16="http://schemas.microsoft.com/office/drawing/2014/main" xmlns="" id="{0EAB171C-DE80-495A-AAED-D7A03D2CD8EA}"/>
               </a:ext>
             </a:extLst>
           </p:cNvPr>
@@ -4644,7 +4644,7 @@
           <p:cNvPr id="3" name="Inhaltsplatzhalter 2">
             <a:extLst>
               <a:ext uri="{FF2B5EF4-FFF2-40B4-BE49-F238E27FC236}">
-                <a16:creationId xmlns:a16="http://schemas.microsoft.com/office/drawing/2014/main" id="{3C81C062-4231-4B36-AAFA-30A475FAE1E8}"/>
+                <a16:creationId xmlns:a16="http://schemas.microsoft.com/office/drawing/2014/main" xmlns="" id="{3C81C062-4231-4B36-AAFA-30A475FAE1E8}"/>
               </a:ext>
             </a:extLst>
           </p:cNvPr>
@@ -4694,7 +4694,7 @@
           <p:cNvPr id="4" name="Foliennummernplatzhalter 3">
             <a:extLst>
               <a:ext uri="{FF2B5EF4-FFF2-40B4-BE49-F238E27FC236}">
-                <a16:creationId xmlns:a16="http://schemas.microsoft.com/office/drawing/2014/main" id="{C4DE5DA3-4E4E-4452-80D0-263BA273C10E}"/>
+                <a16:creationId xmlns:a16="http://schemas.microsoft.com/office/drawing/2014/main" xmlns="" id="{C4DE5DA3-4E4E-4452-80D0-263BA273C10E}"/>
               </a:ext>
             </a:extLst>
           </p:cNvPr>
@@ -4723,7 +4723,7 @@
           <p:cNvPr id="6" name="Foliennummernplatzhalter 1">
             <a:extLst>
               <a:ext uri="{FF2B5EF4-FFF2-40B4-BE49-F238E27FC236}">
-                <a16:creationId xmlns:a16="http://schemas.microsoft.com/office/drawing/2014/main" id="{F09D6254-C15D-466C-A147-E844DD0D3887}"/>
+                <a16:creationId xmlns:a16="http://schemas.microsoft.com/office/drawing/2014/main" xmlns="" id="{F09D6254-C15D-466C-A147-E844DD0D3887}"/>
               </a:ext>
             </a:extLst>
           </p:cNvPr>
@@ -4883,7 +4883,7 @@
           <p:cNvPr id="2" name="Titel 1">
             <a:extLst>
               <a:ext uri="{FF2B5EF4-FFF2-40B4-BE49-F238E27FC236}">
-                <a16:creationId xmlns:a16="http://schemas.microsoft.com/office/drawing/2014/main" id="{0EAB171C-DE80-495A-AAED-D7A03D2CD8EA}"/>
+                <a16:creationId xmlns:a16="http://schemas.microsoft.com/office/drawing/2014/main" xmlns="" id="{0EAB171C-DE80-495A-AAED-D7A03D2CD8EA}"/>
               </a:ext>
             </a:extLst>
           </p:cNvPr>
@@ -4911,7 +4911,7 @@
           <p:cNvPr id="3" name="Inhaltsplatzhalter 2">
             <a:extLst>
               <a:ext uri="{FF2B5EF4-FFF2-40B4-BE49-F238E27FC236}">
-                <a16:creationId xmlns:a16="http://schemas.microsoft.com/office/drawing/2014/main" id="{3C81C062-4231-4B36-AAFA-30A475FAE1E8}"/>
+                <a16:creationId xmlns:a16="http://schemas.microsoft.com/office/drawing/2014/main" xmlns="" id="{3C81C062-4231-4B36-AAFA-30A475FAE1E8}"/>
               </a:ext>
             </a:extLst>
           </p:cNvPr>
@@ -4961,7 +4961,7 @@
           <p:cNvPr id="4" name="Foliennummernplatzhalter 3">
             <a:extLst>
               <a:ext uri="{FF2B5EF4-FFF2-40B4-BE49-F238E27FC236}">
-                <a16:creationId xmlns:a16="http://schemas.microsoft.com/office/drawing/2014/main" id="{6D1231DE-56D1-4A7B-931A-4815E64553B6}"/>
+                <a16:creationId xmlns:a16="http://schemas.microsoft.com/office/drawing/2014/main" xmlns="" id="{6D1231DE-56D1-4A7B-931A-4815E64553B6}"/>
               </a:ext>
             </a:extLst>
           </p:cNvPr>
@@ -4990,7 +4990,7 @@
           <p:cNvPr id="6" name="Foliennummernplatzhalter 1">
             <a:extLst>
               <a:ext uri="{FF2B5EF4-FFF2-40B4-BE49-F238E27FC236}">
-                <a16:creationId xmlns:a16="http://schemas.microsoft.com/office/drawing/2014/main" id="{B4DD1FA4-D692-402E-9AF0-858BA48A8985}"/>
+                <a16:creationId xmlns:a16="http://schemas.microsoft.com/office/drawing/2014/main" xmlns="" id="{B4DD1FA4-D692-402E-9AF0-858BA48A8985}"/>
               </a:ext>
             </a:extLst>
           </p:cNvPr>
@@ -5150,7 +5150,7 @@
           <p:cNvPr id="2" name="Titel 1">
             <a:extLst>
               <a:ext uri="{FF2B5EF4-FFF2-40B4-BE49-F238E27FC236}">
-                <a16:creationId xmlns:a16="http://schemas.microsoft.com/office/drawing/2014/main" id="{0EAB171C-DE80-495A-AAED-D7A03D2CD8EA}"/>
+                <a16:creationId xmlns:a16="http://schemas.microsoft.com/office/drawing/2014/main" xmlns="" id="{0EAB171C-DE80-495A-AAED-D7A03D2CD8EA}"/>
               </a:ext>
             </a:extLst>
           </p:cNvPr>
@@ -5178,7 +5178,7 @@
           <p:cNvPr id="3" name="Inhaltsplatzhalter 2">
             <a:extLst>
               <a:ext uri="{FF2B5EF4-FFF2-40B4-BE49-F238E27FC236}">
-                <a16:creationId xmlns:a16="http://schemas.microsoft.com/office/drawing/2014/main" id="{3C81C062-4231-4B36-AAFA-30A475FAE1E8}"/>
+                <a16:creationId xmlns:a16="http://schemas.microsoft.com/office/drawing/2014/main" xmlns="" id="{3C81C062-4231-4B36-AAFA-30A475FAE1E8}"/>
               </a:ext>
             </a:extLst>
           </p:cNvPr>
@@ -5266,7 +5266,7 @@
           <p:cNvPr id="4" name="Foliennummernplatzhalter 3">
             <a:extLst>
               <a:ext uri="{FF2B5EF4-FFF2-40B4-BE49-F238E27FC236}">
-                <a16:creationId xmlns:a16="http://schemas.microsoft.com/office/drawing/2014/main" id="{CC3CC61B-E172-44F2-ABF9-FAAF2CFCB245}"/>
+                <a16:creationId xmlns:a16="http://schemas.microsoft.com/office/drawing/2014/main" xmlns="" id="{CC3CC61B-E172-44F2-ABF9-FAAF2CFCB245}"/>
               </a:ext>
             </a:extLst>
           </p:cNvPr>
@@ -5295,7 +5295,7 @@
           <p:cNvPr id="6" name="Foliennummernplatzhalter 1">
             <a:extLst>
               <a:ext uri="{FF2B5EF4-FFF2-40B4-BE49-F238E27FC236}">
-                <a16:creationId xmlns:a16="http://schemas.microsoft.com/office/drawing/2014/main" id="{CADC0643-4FA2-4BA6-AE7F-1AB80549AA55}"/>
+                <a16:creationId xmlns:a16="http://schemas.microsoft.com/office/drawing/2014/main" xmlns="" id="{CADC0643-4FA2-4BA6-AE7F-1AB80549AA55}"/>
               </a:ext>
             </a:extLst>
           </p:cNvPr>
@@ -5455,7 +5455,7 @@
           <p:cNvPr id="2" name="Titel 1">
             <a:extLst>
               <a:ext uri="{FF2B5EF4-FFF2-40B4-BE49-F238E27FC236}">
-                <a16:creationId xmlns:a16="http://schemas.microsoft.com/office/drawing/2014/main" id="{0EAB171C-DE80-495A-AAED-D7A03D2CD8EA}"/>
+                <a16:creationId xmlns:a16="http://schemas.microsoft.com/office/drawing/2014/main" xmlns="" id="{0EAB171C-DE80-495A-AAED-D7A03D2CD8EA}"/>
               </a:ext>
             </a:extLst>
           </p:cNvPr>
@@ -5483,7 +5483,7 @@
           <p:cNvPr id="3" name="Inhaltsplatzhalter 2">
             <a:extLst>
               <a:ext uri="{FF2B5EF4-FFF2-40B4-BE49-F238E27FC236}">
-                <a16:creationId xmlns:a16="http://schemas.microsoft.com/office/drawing/2014/main" id="{3C81C062-4231-4B36-AAFA-30A475FAE1E8}"/>
+                <a16:creationId xmlns:a16="http://schemas.microsoft.com/office/drawing/2014/main" xmlns="" id="{3C81C062-4231-4B36-AAFA-30A475FAE1E8}"/>
               </a:ext>
             </a:extLst>
           </p:cNvPr>
@@ -5562,7 +5562,7 @@
           <p:cNvPr id="4" name="Foliennummernplatzhalter 3">
             <a:extLst>
               <a:ext uri="{FF2B5EF4-FFF2-40B4-BE49-F238E27FC236}">
-                <a16:creationId xmlns:a16="http://schemas.microsoft.com/office/drawing/2014/main" id="{EC1822F5-6ABE-4E9B-957A-C5E32A5530D5}"/>
+                <a16:creationId xmlns:a16="http://schemas.microsoft.com/office/drawing/2014/main" xmlns="" id="{EC1822F5-6ABE-4E9B-957A-C5E32A5530D5}"/>
               </a:ext>
             </a:extLst>
           </p:cNvPr>
@@ -5591,7 +5591,7 @@
           <p:cNvPr id="6" name="Foliennummernplatzhalter 1">
             <a:extLst>
               <a:ext uri="{FF2B5EF4-FFF2-40B4-BE49-F238E27FC236}">
-                <a16:creationId xmlns:a16="http://schemas.microsoft.com/office/drawing/2014/main" id="{E4FE34CB-DB30-4658-88D6-3ACE78B1A0F9}"/>
+                <a16:creationId xmlns:a16="http://schemas.microsoft.com/office/drawing/2014/main" xmlns="" id="{E4FE34CB-DB30-4658-88D6-3ACE78B1A0F9}"/>
               </a:ext>
             </a:extLst>
           </p:cNvPr>
@@ -5751,7 +5751,7 @@
           <p:cNvPr id="2" name="Titel 1">
             <a:extLst>
               <a:ext uri="{FF2B5EF4-FFF2-40B4-BE49-F238E27FC236}">
-                <a16:creationId xmlns:a16="http://schemas.microsoft.com/office/drawing/2014/main" id="{0EAB171C-DE80-495A-AAED-D7A03D2CD8EA}"/>
+                <a16:creationId xmlns:a16="http://schemas.microsoft.com/office/drawing/2014/main" xmlns="" id="{0EAB171C-DE80-495A-AAED-D7A03D2CD8EA}"/>
               </a:ext>
             </a:extLst>
           </p:cNvPr>
@@ -5779,7 +5779,7 @@
           <p:cNvPr id="3" name="Inhaltsplatzhalter 2">
             <a:extLst>
               <a:ext uri="{FF2B5EF4-FFF2-40B4-BE49-F238E27FC236}">
-                <a16:creationId xmlns:a16="http://schemas.microsoft.com/office/drawing/2014/main" id="{3C81C062-4231-4B36-AAFA-30A475FAE1E8}"/>
+                <a16:creationId xmlns:a16="http://schemas.microsoft.com/office/drawing/2014/main" xmlns="" id="{3C81C062-4231-4B36-AAFA-30A475FAE1E8}"/>
               </a:ext>
             </a:extLst>
           </p:cNvPr>
@@ -5860,7 +5860,7 @@
           <p:cNvPr id="4" name="Foliennummernplatzhalter 3">
             <a:extLst>
               <a:ext uri="{FF2B5EF4-FFF2-40B4-BE49-F238E27FC236}">
-                <a16:creationId xmlns:a16="http://schemas.microsoft.com/office/drawing/2014/main" id="{7767E81F-A301-4CA7-A329-7D3595EFDCC7}"/>
+                <a16:creationId xmlns:a16="http://schemas.microsoft.com/office/drawing/2014/main" xmlns="" id="{7767E81F-A301-4CA7-A329-7D3595EFDCC7}"/>
               </a:ext>
             </a:extLst>
           </p:cNvPr>
@@ -5889,7 +5889,7 @@
           <p:cNvPr id="6" name="Foliennummernplatzhalter 1">
             <a:extLst>
               <a:ext uri="{FF2B5EF4-FFF2-40B4-BE49-F238E27FC236}">
-                <a16:creationId xmlns:a16="http://schemas.microsoft.com/office/drawing/2014/main" id="{27C226E1-02DE-4305-A3C0-30E5F67958FD}"/>
+                <a16:creationId xmlns:a16="http://schemas.microsoft.com/office/drawing/2014/main" xmlns="" id="{27C226E1-02DE-4305-A3C0-30E5F67958FD}"/>
               </a:ext>
             </a:extLst>
           </p:cNvPr>
@@ -6049,7 +6049,7 @@
           <p:cNvPr id="2" name="Titel 1">
             <a:extLst>
               <a:ext uri="{FF2B5EF4-FFF2-40B4-BE49-F238E27FC236}">
-                <a16:creationId xmlns:a16="http://schemas.microsoft.com/office/drawing/2014/main" id="{0EAB171C-DE80-495A-AAED-D7A03D2CD8EA}"/>
+                <a16:creationId xmlns:a16="http://schemas.microsoft.com/office/drawing/2014/main" xmlns="" id="{0EAB171C-DE80-495A-AAED-D7A03D2CD8EA}"/>
               </a:ext>
             </a:extLst>
           </p:cNvPr>
@@ -6077,7 +6077,7 @@
           <p:cNvPr id="3" name="Inhaltsplatzhalter 2">
             <a:extLst>
               <a:ext uri="{FF2B5EF4-FFF2-40B4-BE49-F238E27FC236}">
-                <a16:creationId xmlns:a16="http://schemas.microsoft.com/office/drawing/2014/main" id="{3C81C062-4231-4B36-AAFA-30A475FAE1E8}"/>
+                <a16:creationId xmlns:a16="http://schemas.microsoft.com/office/drawing/2014/main" xmlns="" id="{3C81C062-4231-4B36-AAFA-30A475FAE1E8}"/>
               </a:ext>
             </a:extLst>
           </p:cNvPr>
@@ -6140,7 +6140,7 @@
           <p:cNvPr id="4" name="Foliennummernplatzhalter 3">
             <a:extLst>
               <a:ext uri="{FF2B5EF4-FFF2-40B4-BE49-F238E27FC236}">
-                <a16:creationId xmlns:a16="http://schemas.microsoft.com/office/drawing/2014/main" id="{D1E71A25-2288-4001-B77D-8180E841AAA2}"/>
+                <a16:creationId xmlns:a16="http://schemas.microsoft.com/office/drawing/2014/main" xmlns="" id="{D1E71A25-2288-4001-B77D-8180E841AAA2}"/>
               </a:ext>
             </a:extLst>
           </p:cNvPr>
@@ -6169,7 +6169,7 @@
           <p:cNvPr id="6" name="Foliennummernplatzhalter 1">
             <a:extLst>
               <a:ext uri="{FF2B5EF4-FFF2-40B4-BE49-F238E27FC236}">
-                <a16:creationId xmlns:a16="http://schemas.microsoft.com/office/drawing/2014/main" id="{4E4984C0-9DE6-4B5C-BFB9-2C13F0A792C8}"/>
+                <a16:creationId xmlns:a16="http://schemas.microsoft.com/office/drawing/2014/main" xmlns="" id="{4E4984C0-9DE6-4B5C-BFB9-2C13F0A792C8}"/>
               </a:ext>
             </a:extLst>
           </p:cNvPr>
@@ -6329,7 +6329,7 @@
           <p:cNvPr id="2" name="Titel 1">
             <a:extLst>
               <a:ext uri="{FF2B5EF4-FFF2-40B4-BE49-F238E27FC236}">
-                <a16:creationId xmlns:a16="http://schemas.microsoft.com/office/drawing/2014/main" id="{AAFE69D7-54CF-489C-A1DD-9877AA78F59C}"/>
+                <a16:creationId xmlns:a16="http://schemas.microsoft.com/office/drawing/2014/main" xmlns="" id="{AAFE69D7-54CF-489C-A1DD-9877AA78F59C}"/>
               </a:ext>
             </a:extLst>
           </p:cNvPr>
@@ -6357,7 +6357,7 @@
           <p:cNvPr id="3" name="Inhaltsplatzhalter 2">
             <a:extLst>
               <a:ext uri="{FF2B5EF4-FFF2-40B4-BE49-F238E27FC236}">
-                <a16:creationId xmlns:a16="http://schemas.microsoft.com/office/drawing/2014/main" id="{B8D4C288-F4D2-4177-B8C3-5666E9A6AF34}"/>
+                <a16:creationId xmlns:a16="http://schemas.microsoft.com/office/drawing/2014/main" xmlns="" id="{B8D4C288-F4D2-4177-B8C3-5666E9A6AF34}"/>
               </a:ext>
             </a:extLst>
           </p:cNvPr>
@@ -6431,7 +6431,7 @@
           <p:cNvPr id="4" name="Foliennummernplatzhalter 3">
             <a:extLst>
               <a:ext uri="{FF2B5EF4-FFF2-40B4-BE49-F238E27FC236}">
-                <a16:creationId xmlns:a16="http://schemas.microsoft.com/office/drawing/2014/main" id="{696CF5B0-B2DC-4B80-B01D-8C77A7FAE245}"/>
+                <a16:creationId xmlns:a16="http://schemas.microsoft.com/office/drawing/2014/main" xmlns="" id="{696CF5B0-B2DC-4B80-B01D-8C77A7FAE245}"/>
               </a:ext>
             </a:extLst>
           </p:cNvPr>
@@ -6460,7 +6460,7 @@
           <p:cNvPr id="6" name="Foliennummernplatzhalter 1">
             <a:extLst>
               <a:ext uri="{FF2B5EF4-FFF2-40B4-BE49-F238E27FC236}">
-                <a16:creationId xmlns:a16="http://schemas.microsoft.com/office/drawing/2014/main" id="{A4E14B52-3A6E-46D2-9520-AE1F78E43717}"/>
+                <a16:creationId xmlns:a16="http://schemas.microsoft.com/office/drawing/2014/main" xmlns="" id="{A4E14B52-3A6E-46D2-9520-AE1F78E43717}"/>
               </a:ext>
             </a:extLst>
           </p:cNvPr>
@@ -6620,7 +6620,7 @@
           <p:cNvPr id="2" name="Titel 1">
             <a:extLst>
               <a:ext uri="{FF2B5EF4-FFF2-40B4-BE49-F238E27FC236}">
-                <a16:creationId xmlns:a16="http://schemas.microsoft.com/office/drawing/2014/main" id="{AAFE69D7-54CF-489C-A1DD-9877AA78F59C}"/>
+                <a16:creationId xmlns:a16="http://schemas.microsoft.com/office/drawing/2014/main" xmlns="" id="{AAFE69D7-54CF-489C-A1DD-9877AA78F59C}"/>
               </a:ext>
             </a:extLst>
           </p:cNvPr>
@@ -6648,7 +6648,7 @@
           <p:cNvPr id="3" name="Inhaltsplatzhalter 2">
             <a:extLst>
               <a:ext uri="{FF2B5EF4-FFF2-40B4-BE49-F238E27FC236}">
-                <a16:creationId xmlns:a16="http://schemas.microsoft.com/office/drawing/2014/main" id="{B8D4C288-F4D2-4177-B8C3-5666E9A6AF34}"/>
+                <a16:creationId xmlns:a16="http://schemas.microsoft.com/office/drawing/2014/main" xmlns="" id="{B8D4C288-F4D2-4177-B8C3-5666E9A6AF34}"/>
               </a:ext>
             </a:extLst>
           </p:cNvPr>
@@ -6732,7 +6732,7 @@
           <p:cNvPr id="4" name="Foliennummernplatzhalter 3">
             <a:extLst>
               <a:ext uri="{FF2B5EF4-FFF2-40B4-BE49-F238E27FC236}">
-                <a16:creationId xmlns:a16="http://schemas.microsoft.com/office/drawing/2014/main" id="{D1243670-87BF-489F-ACC5-8768BD30C9E4}"/>
+                <a16:creationId xmlns:a16="http://schemas.microsoft.com/office/drawing/2014/main" xmlns="" id="{D1243670-87BF-489F-ACC5-8768BD30C9E4}"/>
               </a:ext>
             </a:extLst>
           </p:cNvPr>
@@ -6761,7 +6761,7 @@
           <p:cNvPr id="6" name="Foliennummernplatzhalter 1">
             <a:extLst>
               <a:ext uri="{FF2B5EF4-FFF2-40B4-BE49-F238E27FC236}">
-                <a16:creationId xmlns:a16="http://schemas.microsoft.com/office/drawing/2014/main" id="{B6C27DA0-7C76-4413-AC46-A84E5E16880F}"/>
+                <a16:creationId xmlns:a16="http://schemas.microsoft.com/office/drawing/2014/main" xmlns="" id="{B6C27DA0-7C76-4413-AC46-A84E5E16880F}"/>
               </a:ext>
             </a:extLst>
           </p:cNvPr>
@@ -6921,7 +6921,7 @@
           <p:cNvPr id="2" name="Titel 1">
             <a:extLst>
               <a:ext uri="{FF2B5EF4-FFF2-40B4-BE49-F238E27FC236}">
-                <a16:creationId xmlns:a16="http://schemas.microsoft.com/office/drawing/2014/main" id="{AAFE69D7-54CF-489C-A1DD-9877AA78F59C}"/>
+                <a16:creationId xmlns:a16="http://schemas.microsoft.com/office/drawing/2014/main" xmlns="" id="{AAFE69D7-54CF-489C-A1DD-9877AA78F59C}"/>
               </a:ext>
             </a:extLst>
           </p:cNvPr>
@@ -6949,7 +6949,7 @@
           <p:cNvPr id="3" name="Inhaltsplatzhalter 2">
             <a:extLst>
               <a:ext uri="{FF2B5EF4-FFF2-40B4-BE49-F238E27FC236}">
-                <a16:creationId xmlns:a16="http://schemas.microsoft.com/office/drawing/2014/main" id="{B8D4C288-F4D2-4177-B8C3-5666E9A6AF34}"/>
+                <a16:creationId xmlns:a16="http://schemas.microsoft.com/office/drawing/2014/main" xmlns="" id="{B8D4C288-F4D2-4177-B8C3-5666E9A6AF34}"/>
               </a:ext>
             </a:extLst>
           </p:cNvPr>
@@ -7056,7 +7056,7 @@
           <p:cNvPr id="4" name="Foliennummernplatzhalter 3">
             <a:extLst>
               <a:ext uri="{FF2B5EF4-FFF2-40B4-BE49-F238E27FC236}">
-                <a16:creationId xmlns:a16="http://schemas.microsoft.com/office/drawing/2014/main" id="{74BACA28-39FF-4418-A5A5-C5FBE9E1B83F}"/>
+                <a16:creationId xmlns:a16="http://schemas.microsoft.com/office/drawing/2014/main" xmlns="" id="{74BACA28-39FF-4418-A5A5-C5FBE9E1B83F}"/>
               </a:ext>
             </a:extLst>
           </p:cNvPr>
@@ -7085,7 +7085,7 @@
           <p:cNvPr id="6" name="Foliennummernplatzhalter 1">
             <a:extLst>
               <a:ext uri="{FF2B5EF4-FFF2-40B4-BE49-F238E27FC236}">
-                <a16:creationId xmlns:a16="http://schemas.microsoft.com/office/drawing/2014/main" id="{2057F718-52C4-4FBA-8002-E56D486A38BF}"/>
+                <a16:creationId xmlns:a16="http://schemas.microsoft.com/office/drawing/2014/main" xmlns="" id="{2057F718-52C4-4FBA-8002-E56D486A38BF}"/>
               </a:ext>
             </a:extLst>
           </p:cNvPr>
@@ -7245,7 +7245,7 @@
           <p:cNvPr id="2" name="Titel 1">
             <a:extLst>
               <a:ext uri="{FF2B5EF4-FFF2-40B4-BE49-F238E27FC236}">
-                <a16:creationId xmlns:a16="http://schemas.microsoft.com/office/drawing/2014/main" id="{1F7BD631-2D03-411B-BED2-33AAC03CE541}"/>
+                <a16:creationId xmlns:a16="http://schemas.microsoft.com/office/drawing/2014/main" xmlns="" id="{1F7BD631-2D03-411B-BED2-33AAC03CE541}"/>
               </a:ext>
             </a:extLst>
           </p:cNvPr>
@@ -7273,7 +7273,7 @@
           <p:cNvPr id="3" name="Inhaltsplatzhalter 2">
             <a:extLst>
               <a:ext uri="{FF2B5EF4-FFF2-40B4-BE49-F238E27FC236}">
-                <a16:creationId xmlns:a16="http://schemas.microsoft.com/office/drawing/2014/main" id="{C471F597-A5A3-46FA-B368-5E7A018AA401}"/>
+                <a16:creationId xmlns:a16="http://schemas.microsoft.com/office/drawing/2014/main" xmlns="" id="{C471F597-A5A3-46FA-B368-5E7A018AA401}"/>
               </a:ext>
             </a:extLst>
           </p:cNvPr>
@@ -7385,7 +7385,7 @@
           <p:cNvPr id="4" name="Foliennummernplatzhalter 3">
             <a:extLst>
               <a:ext uri="{FF2B5EF4-FFF2-40B4-BE49-F238E27FC236}">
-                <a16:creationId xmlns:a16="http://schemas.microsoft.com/office/drawing/2014/main" id="{ABA61CDF-7982-43C3-9AF5-9FC2410EF4D8}"/>
+                <a16:creationId xmlns:a16="http://schemas.microsoft.com/office/drawing/2014/main" xmlns="" id="{ABA61CDF-7982-43C3-9AF5-9FC2410EF4D8}"/>
               </a:ext>
             </a:extLst>
           </p:cNvPr>
@@ -7414,7 +7414,7 @@
           <p:cNvPr id="6" name="Foliennummernplatzhalter 1">
             <a:extLst>
               <a:ext uri="{FF2B5EF4-FFF2-40B4-BE49-F238E27FC236}">
-                <a16:creationId xmlns:a16="http://schemas.microsoft.com/office/drawing/2014/main" id="{0F3272BD-5D8D-4AEF-B52F-B38D4CEAD387}"/>
+                <a16:creationId xmlns:a16="http://schemas.microsoft.com/office/drawing/2014/main" xmlns="" id="{0F3272BD-5D8D-4AEF-B52F-B38D4CEAD387}"/>
               </a:ext>
             </a:extLst>
           </p:cNvPr>
@@ -7574,7 +7574,7 @@
           <p:cNvPr id="2" name="Titel 1">
             <a:extLst>
               <a:ext uri="{FF2B5EF4-FFF2-40B4-BE49-F238E27FC236}">
-                <a16:creationId xmlns:a16="http://schemas.microsoft.com/office/drawing/2014/main" id="{AAFE69D7-54CF-489C-A1DD-9877AA78F59C}"/>
+                <a16:creationId xmlns:a16="http://schemas.microsoft.com/office/drawing/2014/main" xmlns="" id="{AAFE69D7-54CF-489C-A1DD-9877AA78F59C}"/>
               </a:ext>
             </a:extLst>
           </p:cNvPr>
@@ -7602,7 +7602,7 @@
           <p:cNvPr id="3" name="Inhaltsplatzhalter 2">
             <a:extLst>
               <a:ext uri="{FF2B5EF4-FFF2-40B4-BE49-F238E27FC236}">
-                <a16:creationId xmlns:a16="http://schemas.microsoft.com/office/drawing/2014/main" id="{B8D4C288-F4D2-4177-B8C3-5666E9A6AF34}"/>
+                <a16:creationId xmlns:a16="http://schemas.microsoft.com/office/drawing/2014/main" xmlns="" id="{B8D4C288-F4D2-4177-B8C3-5666E9A6AF34}"/>
               </a:ext>
             </a:extLst>
           </p:cNvPr>
@@ -7762,7 +7762,7 @@
           <p:cNvPr id="4" name="Foliennummernplatzhalter 3">
             <a:extLst>
               <a:ext uri="{FF2B5EF4-FFF2-40B4-BE49-F238E27FC236}">
-                <a16:creationId xmlns:a16="http://schemas.microsoft.com/office/drawing/2014/main" id="{FC33138B-E15E-4394-92D5-62320A28D804}"/>
+                <a16:creationId xmlns:a16="http://schemas.microsoft.com/office/drawing/2014/main" xmlns="" id="{FC33138B-E15E-4394-92D5-62320A28D804}"/>
               </a:ext>
             </a:extLst>
           </p:cNvPr>
@@ -7791,7 +7791,7 @@
           <p:cNvPr id="6" name="Foliennummernplatzhalter 1">
             <a:extLst>
               <a:ext uri="{FF2B5EF4-FFF2-40B4-BE49-F238E27FC236}">
-                <a16:creationId xmlns:a16="http://schemas.microsoft.com/office/drawing/2014/main" id="{A4E68265-156F-4164-8968-581AB47AF6EF}"/>
+                <a16:creationId xmlns:a16="http://schemas.microsoft.com/office/drawing/2014/main" xmlns="" id="{A4E68265-156F-4164-8968-581AB47AF6EF}"/>
               </a:ext>
             </a:extLst>
           </p:cNvPr>
@@ -7987,29 +7987,44 @@
           <a:p>
             <a:r>
               <a:rPr lang="de-DE" dirty="0"/>
-              <a:t>BSI: Analyse erfordert großen technischen und organisatorischen Sachverstand und wird deshalb nur Systemen empfohlen, die besonders hohe Sicherheitsanforderungen haben</a:t>
-            </a:r>
-          </a:p>
-          <a:p>
-            <a:pPr>
-              <a:lnSpc>
-                <a:spcPct val="150000"/>
-              </a:lnSpc>
-            </a:pPr>
-            <a:r>
-              <a:rPr lang="de-DE" dirty="0"/>
-              <a:t>Ansonsten reichen Standard-Sicherheitsmaßnahmen</a:t>
-            </a:r>
-          </a:p>
-          <a:p>
-            <a:pPr>
-              <a:lnSpc>
-                <a:spcPct val="150000"/>
-              </a:lnSpc>
-            </a:pPr>
-            <a:r>
-              <a:rPr lang="de-DE" dirty="0"/>
-              <a:t>Formel: Risiko = Wahrscheinlichkeit x Schaden</a:t>
+              <a:t>BSI: </a:t>
+            </a:r>
+            <a:r>
+              <a:rPr lang="de-DE" dirty="0" smtClean="0"/>
+              <a:t>Meistens </a:t>
+            </a:r>
+            <a:r>
+              <a:rPr lang="de-DE" dirty="0"/>
+              <a:t>reichen Standard-</a:t>
+            </a:r>
+            <a:r>
+              <a:rPr lang="de-DE" dirty="0" smtClean="0"/>
+              <a:t>Sicherheitsmaßnahmen des IT-Grundschutzes</a:t>
+            </a:r>
+            <a:r>
+              <a:rPr lang="de-DE" dirty="0"/>
+              <a:t> </a:t>
+            </a:r>
+            <a:r>
+              <a:rPr lang="de-DE" dirty="0" smtClean="0"/>
+              <a:t>aus</a:t>
+            </a:r>
+            <a:br>
+              <a:rPr lang="de-DE" dirty="0" smtClean="0"/>
+            </a:br>
+            <a:r>
+              <a:rPr lang="de-DE" dirty="0" smtClean="0"/>
+              <a:t>Aber: Falls Sicherheitsanforderungen eines Systems über das normale Maß hinausgehen, muss eine erweiterte Risikoanalyse durchgeführt werden</a:t>
+            </a:r>
+          </a:p>
+          <a:p>
+            <a:r>
+              <a:rPr lang="de-DE" dirty="0" smtClean="0"/>
+              <a:t>Formel</a:t>
+            </a:r>
+            <a:r>
+              <a:rPr lang="de-DE" dirty="0"/>
+              <a:t>: Risiko = Wahrscheinlichkeit x Schaden</a:t>
             </a:r>
           </a:p>
           <a:p>
@@ -8031,7 +8046,7 @@
           <p:cNvPr id="3" name="Foliennummernplatzhalter 2">
             <a:extLst>
               <a:ext uri="{FF2B5EF4-FFF2-40B4-BE49-F238E27FC236}">
-                <a16:creationId xmlns:a16="http://schemas.microsoft.com/office/drawing/2014/main" id="{BAE5B5AC-96C0-4E54-9031-EBA6F6259779}"/>
+                <a16:creationId xmlns:a16="http://schemas.microsoft.com/office/drawing/2014/main" xmlns="" id="{BAE5B5AC-96C0-4E54-9031-EBA6F6259779}"/>
               </a:ext>
             </a:extLst>
           </p:cNvPr>
@@ -8060,7 +8075,7 @@
           <p:cNvPr id="7" name="Foliennummernplatzhalter 1">
             <a:extLst>
               <a:ext uri="{FF2B5EF4-FFF2-40B4-BE49-F238E27FC236}">
-                <a16:creationId xmlns:a16="http://schemas.microsoft.com/office/drawing/2014/main" id="{6A04C26B-AE15-44FB-B681-29DC46F84D4E}"/>
+                <a16:creationId xmlns:a16="http://schemas.microsoft.com/office/drawing/2014/main" xmlns="" id="{6A04C26B-AE15-44FB-B681-29DC46F84D4E}"/>
               </a:ext>
             </a:extLst>
           </p:cNvPr>
@@ -8321,7 +8336,7 @@
           <p:cNvPr id="4" name="Foliennummernplatzhalter 3">
             <a:extLst>
               <a:ext uri="{FF2B5EF4-FFF2-40B4-BE49-F238E27FC236}">
-                <a16:creationId xmlns:a16="http://schemas.microsoft.com/office/drawing/2014/main" id="{B21525AA-C399-4C3F-9D7F-2AAFFB53F8C2}"/>
+                <a16:creationId xmlns:a16="http://schemas.microsoft.com/office/drawing/2014/main" xmlns="" id="{B21525AA-C399-4C3F-9D7F-2AAFFB53F8C2}"/>
               </a:ext>
             </a:extLst>
           </p:cNvPr>
@@ -8350,7 +8365,7 @@
           <p:cNvPr id="6" name="Foliennummernplatzhalter 1">
             <a:extLst>
               <a:ext uri="{FF2B5EF4-FFF2-40B4-BE49-F238E27FC236}">
-                <a16:creationId xmlns:a16="http://schemas.microsoft.com/office/drawing/2014/main" id="{0C53EA63-213A-4C55-950F-AD6CFA0F0DF5}"/>
+                <a16:creationId xmlns:a16="http://schemas.microsoft.com/office/drawing/2014/main" xmlns="" id="{0C53EA63-213A-4C55-950F-AD6CFA0F0DF5}"/>
               </a:ext>
             </a:extLst>
           </p:cNvPr>
@@ -8561,7 +8576,7 @@
           <p:cNvPr id="3" name="Foliennummernplatzhalter 2">
             <a:extLst>
               <a:ext uri="{FF2B5EF4-FFF2-40B4-BE49-F238E27FC236}">
-                <a16:creationId xmlns:a16="http://schemas.microsoft.com/office/drawing/2014/main" id="{EA4114F0-BD95-41A5-A350-9DAE96F44C26}"/>
+                <a16:creationId xmlns:a16="http://schemas.microsoft.com/office/drawing/2014/main" xmlns="" id="{EA4114F0-BD95-41A5-A350-9DAE96F44C26}"/>
               </a:ext>
             </a:extLst>
           </p:cNvPr>
@@ -8590,7 +8605,7 @@
           <p:cNvPr id="6" name="Foliennummernplatzhalter 1">
             <a:extLst>
               <a:ext uri="{FF2B5EF4-FFF2-40B4-BE49-F238E27FC236}">
-                <a16:creationId xmlns:a16="http://schemas.microsoft.com/office/drawing/2014/main" id="{CB6DBA8D-1FF8-46EE-9BB3-05A3A12EFB9D}"/>
+                <a16:creationId xmlns:a16="http://schemas.microsoft.com/office/drawing/2014/main" xmlns="" id="{CB6DBA8D-1FF8-46EE-9BB3-05A3A12EFB9D}"/>
               </a:ext>
             </a:extLst>
           </p:cNvPr>
@@ -8780,26 +8795,27 @@
         <p:spPr/>
         <p:txBody>
           <a:bodyPr>
-            <a:normAutofit/>
+            <a:normAutofit lnSpcReduction="10000"/>
           </a:bodyPr>
           <a:lstStyle/>
           <a:p>
             <a:r>
-              <a:rPr lang="de-DE" dirty="0"/>
-              <a:t>Formel Eintrittswahrscheinlichkeit: </a:t>
+              <a:rPr lang="de-DE" dirty="0" smtClean="0"/>
+              <a:t>Es gibt verschiedene Methoden um eine Wahrscheinlichkeit zu bestimmen, zum Beispiel durch Abwägung des Aufwands für den Angreifer und des Nutzens für den Angreifer</a:t>
             </a:r>
             <a:br>
-              <a:rPr lang="de-DE" dirty="0"/>
+              <a:rPr lang="de-DE" dirty="0" smtClean="0"/>
             </a:br>
-            <a:r>
-              <a:rPr lang="de-DE" dirty="0"/>
-              <a:t>= Aufwand für den Angreifer / Nutzen für den Angreifer</a:t>
-            </a:r>
-          </a:p>
-          <a:p>
-            <a:r>
-              <a:rPr lang="de-DE" dirty="0"/>
-              <a:t>Bewertung des Nutzen für den Angreifer hängt stark von seinem Motiv ab (wirtschaftliche Interessen, Neugier, vielleicht aber auch Rache?)</a:t>
+            <a:endParaRPr lang="de-DE" dirty="0" smtClean="0"/>
+          </a:p>
+          <a:p>
+            <a:r>
+              <a:rPr lang="de-DE" dirty="0" smtClean="0"/>
+              <a:t>Bewertung </a:t>
+            </a:r>
+            <a:r>
+              <a:rPr lang="de-DE" dirty="0"/>
+              <a:t>des Nutzen für den Angreifer hängt stark von seinem Motiv ab (wirtschaftliche Interessen, Neugier, vielleicht aber auch Rache?)</a:t>
             </a:r>
             <a:br>
               <a:rPr lang="de-DE" dirty="0"/>
@@ -8828,7 +8844,7 @@
           <p:cNvPr id="4" name="Foliennummernplatzhalter 3">
             <a:extLst>
               <a:ext uri="{FF2B5EF4-FFF2-40B4-BE49-F238E27FC236}">
-                <a16:creationId xmlns:a16="http://schemas.microsoft.com/office/drawing/2014/main" id="{04F40185-203B-4300-8BE1-5E7375CF943B}"/>
+                <a16:creationId xmlns:a16="http://schemas.microsoft.com/office/drawing/2014/main" xmlns="" id="{04F40185-203B-4300-8BE1-5E7375CF943B}"/>
               </a:ext>
             </a:extLst>
           </p:cNvPr>
@@ -8857,7 +8873,7 @@
           <p:cNvPr id="6" name="Foliennummernplatzhalter 1">
             <a:extLst>
               <a:ext uri="{FF2B5EF4-FFF2-40B4-BE49-F238E27FC236}">
-                <a16:creationId xmlns:a16="http://schemas.microsoft.com/office/drawing/2014/main" id="{262F2B95-EF8F-4FA7-9882-9307450D39EF}"/>
+                <a16:creationId xmlns:a16="http://schemas.microsoft.com/office/drawing/2014/main" xmlns="" id="{262F2B95-EF8F-4FA7-9882-9307450D39EF}"/>
               </a:ext>
             </a:extLst>
           </p:cNvPr>
@@ -9115,7 +9131,7 @@
           <p:cNvPr id="4" name="Foliennummernplatzhalter 3">
             <a:extLst>
               <a:ext uri="{FF2B5EF4-FFF2-40B4-BE49-F238E27FC236}">
-                <a16:creationId xmlns:a16="http://schemas.microsoft.com/office/drawing/2014/main" id="{821FEBA8-808C-49E5-A12E-39BE2C37CAA2}"/>
+                <a16:creationId xmlns:a16="http://schemas.microsoft.com/office/drawing/2014/main" xmlns="" id="{821FEBA8-808C-49E5-A12E-39BE2C37CAA2}"/>
               </a:ext>
             </a:extLst>
           </p:cNvPr>
@@ -9144,7 +9160,7 @@
           <p:cNvPr id="6" name="Foliennummernplatzhalter 1">
             <a:extLst>
               <a:ext uri="{FF2B5EF4-FFF2-40B4-BE49-F238E27FC236}">
-                <a16:creationId xmlns:a16="http://schemas.microsoft.com/office/drawing/2014/main" id="{D049566E-D3BA-4896-8123-A35AD11F2D8B}"/>
+                <a16:creationId xmlns:a16="http://schemas.microsoft.com/office/drawing/2014/main" xmlns="" id="{D049566E-D3BA-4896-8123-A35AD11F2D8B}"/>
               </a:ext>
             </a:extLst>
           </p:cNvPr>
@@ -9304,7 +9320,7 @@
           <p:cNvPr id="2" name="Titel 1">
             <a:extLst>
               <a:ext uri="{FF2B5EF4-FFF2-40B4-BE49-F238E27FC236}">
-                <a16:creationId xmlns:a16="http://schemas.microsoft.com/office/drawing/2014/main" id="{1B3F406C-536E-4365-8F2A-D80B84B8AC55}"/>
+                <a16:creationId xmlns:a16="http://schemas.microsoft.com/office/drawing/2014/main" xmlns="" id="{1B3F406C-536E-4365-8F2A-D80B84B8AC55}"/>
               </a:ext>
             </a:extLst>
           </p:cNvPr>
@@ -9332,7 +9348,7 @@
           <p:cNvPr id="3" name="Inhaltsplatzhalter 2">
             <a:extLst>
               <a:ext uri="{FF2B5EF4-FFF2-40B4-BE49-F238E27FC236}">
-                <a16:creationId xmlns:a16="http://schemas.microsoft.com/office/drawing/2014/main" id="{D357395F-5EF2-42F1-B06E-B8C721674E9E}"/>
+                <a16:creationId xmlns:a16="http://schemas.microsoft.com/office/drawing/2014/main" xmlns="" id="{D357395F-5EF2-42F1-B06E-B8C721674E9E}"/>
               </a:ext>
             </a:extLst>
           </p:cNvPr>
@@ -9368,7 +9384,7 @@
           <p:cNvPr id="4" name="Foliennummernplatzhalter 3">
             <a:extLst>
               <a:ext uri="{FF2B5EF4-FFF2-40B4-BE49-F238E27FC236}">
-                <a16:creationId xmlns:a16="http://schemas.microsoft.com/office/drawing/2014/main" id="{23F974E6-B4F6-4D78-A518-F3BE355905CB}"/>
+                <a16:creationId xmlns:a16="http://schemas.microsoft.com/office/drawing/2014/main" xmlns="" id="{23F974E6-B4F6-4D78-A518-F3BE355905CB}"/>
               </a:ext>
             </a:extLst>
           </p:cNvPr>
@@ -9397,7 +9413,7 @@
           <p:cNvPr id="6" name="Foliennummernplatzhalter 1">
             <a:extLst>
               <a:ext uri="{FF2B5EF4-FFF2-40B4-BE49-F238E27FC236}">
-                <a16:creationId xmlns:a16="http://schemas.microsoft.com/office/drawing/2014/main" id="{7E0408D2-1102-4836-8E81-627D4106344C}"/>
+                <a16:creationId xmlns:a16="http://schemas.microsoft.com/office/drawing/2014/main" xmlns="" id="{7E0408D2-1102-4836-8E81-627D4106344C}"/>
               </a:ext>
             </a:extLst>
           </p:cNvPr>
@@ -9557,7 +9573,7 @@
           <p:cNvPr id="2" name="Titel 1">
             <a:extLst>
               <a:ext uri="{FF2B5EF4-FFF2-40B4-BE49-F238E27FC236}">
-                <a16:creationId xmlns:a16="http://schemas.microsoft.com/office/drawing/2014/main" id="{1B3F406C-536E-4365-8F2A-D80B84B8AC55}"/>
+                <a16:creationId xmlns:a16="http://schemas.microsoft.com/office/drawing/2014/main" xmlns="" id="{1B3F406C-536E-4365-8F2A-D80B84B8AC55}"/>
               </a:ext>
             </a:extLst>
           </p:cNvPr>
@@ -9585,7 +9601,7 @@
           <p:cNvPr id="3" name="Inhaltsplatzhalter 2">
             <a:extLst>
               <a:ext uri="{FF2B5EF4-FFF2-40B4-BE49-F238E27FC236}">
-                <a16:creationId xmlns:a16="http://schemas.microsoft.com/office/drawing/2014/main" id="{D357395F-5EF2-42F1-B06E-B8C721674E9E}"/>
+                <a16:creationId xmlns:a16="http://schemas.microsoft.com/office/drawing/2014/main" xmlns="" id="{D357395F-5EF2-42F1-B06E-B8C721674E9E}"/>
               </a:ext>
             </a:extLst>
           </p:cNvPr>
@@ -9662,7 +9678,7 @@
           <p:cNvPr id="4" name="Foliennummernplatzhalter 3">
             <a:extLst>
               <a:ext uri="{FF2B5EF4-FFF2-40B4-BE49-F238E27FC236}">
-                <a16:creationId xmlns:a16="http://schemas.microsoft.com/office/drawing/2014/main" id="{0ED8750A-BBC6-43C6-8CBF-3EBB967E96DA}"/>
+                <a16:creationId xmlns:a16="http://schemas.microsoft.com/office/drawing/2014/main" xmlns="" id="{0ED8750A-BBC6-43C6-8CBF-3EBB967E96DA}"/>
               </a:ext>
             </a:extLst>
           </p:cNvPr>
@@ -9691,7 +9707,7 @@
           <p:cNvPr id="6" name="Foliennummernplatzhalter 1">
             <a:extLst>
               <a:ext uri="{FF2B5EF4-FFF2-40B4-BE49-F238E27FC236}">
-                <a16:creationId xmlns:a16="http://schemas.microsoft.com/office/drawing/2014/main" id="{0E02EA30-82E7-4AA3-B56C-0A3576E1C2CD}"/>
+                <a16:creationId xmlns:a16="http://schemas.microsoft.com/office/drawing/2014/main" xmlns="" id="{0E02EA30-82E7-4AA3-B56C-0A3576E1C2CD}"/>
               </a:ext>
             </a:extLst>
           </p:cNvPr>
@@ -9851,7 +9867,7 @@
           <p:cNvPr id="2" name="Titel 1">
             <a:extLst>
               <a:ext uri="{FF2B5EF4-FFF2-40B4-BE49-F238E27FC236}">
-                <a16:creationId xmlns:a16="http://schemas.microsoft.com/office/drawing/2014/main" id="{1B3F406C-536E-4365-8F2A-D80B84B8AC55}"/>
+                <a16:creationId xmlns:a16="http://schemas.microsoft.com/office/drawing/2014/main" xmlns="" id="{1B3F406C-536E-4365-8F2A-D80B84B8AC55}"/>
               </a:ext>
             </a:extLst>
           </p:cNvPr>
@@ -9879,7 +9895,7 @@
           <p:cNvPr id="3" name="Inhaltsplatzhalter 2">
             <a:extLst>
               <a:ext uri="{FF2B5EF4-FFF2-40B4-BE49-F238E27FC236}">
-                <a16:creationId xmlns:a16="http://schemas.microsoft.com/office/drawing/2014/main" id="{D357395F-5EF2-42F1-B06E-B8C721674E9E}"/>
+                <a16:creationId xmlns:a16="http://schemas.microsoft.com/office/drawing/2014/main" xmlns="" id="{D357395F-5EF2-42F1-B06E-B8C721674E9E}"/>
               </a:ext>
             </a:extLst>
           </p:cNvPr>
@@ -9978,7 +9994,7 @@
           <p:cNvPr id="4" name="Foliennummernplatzhalter 3">
             <a:extLst>
               <a:ext uri="{FF2B5EF4-FFF2-40B4-BE49-F238E27FC236}">
-                <a16:creationId xmlns:a16="http://schemas.microsoft.com/office/drawing/2014/main" id="{48D648ED-9A1D-4495-B01E-B9B6444CCF2C}"/>
+                <a16:creationId xmlns:a16="http://schemas.microsoft.com/office/drawing/2014/main" xmlns="" id="{48D648ED-9A1D-4495-B01E-B9B6444CCF2C}"/>
               </a:ext>
             </a:extLst>
           </p:cNvPr>
@@ -10007,7 +10023,7 @@
           <p:cNvPr id="6" name="Foliennummernplatzhalter 1">
             <a:extLst>
               <a:ext uri="{FF2B5EF4-FFF2-40B4-BE49-F238E27FC236}">
-                <a16:creationId xmlns:a16="http://schemas.microsoft.com/office/drawing/2014/main" id="{9D9F046E-5D24-464F-92D9-A9BC1E092788}"/>
+                <a16:creationId xmlns:a16="http://schemas.microsoft.com/office/drawing/2014/main" xmlns="" id="{9D9F046E-5D24-464F-92D9-A9BC1E092788}"/>
               </a:ext>
             </a:extLst>
           </p:cNvPr>
@@ -10167,7 +10183,7 @@
           <p:cNvPr id="2" name="Titel 1">
             <a:extLst>
               <a:ext uri="{FF2B5EF4-FFF2-40B4-BE49-F238E27FC236}">
-                <a16:creationId xmlns:a16="http://schemas.microsoft.com/office/drawing/2014/main" id="{1B3F406C-536E-4365-8F2A-D80B84B8AC55}"/>
+                <a16:creationId xmlns:a16="http://schemas.microsoft.com/office/drawing/2014/main" xmlns="" id="{1B3F406C-536E-4365-8F2A-D80B84B8AC55}"/>
               </a:ext>
             </a:extLst>
           </p:cNvPr>
@@ -10195,7 +10211,7 @@
           <p:cNvPr id="3" name="Inhaltsplatzhalter 2">
             <a:extLst>
               <a:ext uri="{FF2B5EF4-FFF2-40B4-BE49-F238E27FC236}">
-                <a16:creationId xmlns:a16="http://schemas.microsoft.com/office/drawing/2014/main" id="{D357395F-5EF2-42F1-B06E-B8C721674E9E}"/>
+                <a16:creationId xmlns:a16="http://schemas.microsoft.com/office/drawing/2014/main" xmlns="" id="{D357395F-5EF2-42F1-B06E-B8C721674E9E}"/>
               </a:ext>
             </a:extLst>
           </p:cNvPr>
@@ -10329,7 +10345,7 @@
           <p:cNvPr id="4" name="Foliennummernplatzhalter 3">
             <a:extLst>
               <a:ext uri="{FF2B5EF4-FFF2-40B4-BE49-F238E27FC236}">
-                <a16:creationId xmlns:a16="http://schemas.microsoft.com/office/drawing/2014/main" id="{0EF73031-7714-4059-885F-DE2B5E58D0CB}"/>
+                <a16:creationId xmlns:a16="http://schemas.microsoft.com/office/drawing/2014/main" xmlns="" id="{0EF73031-7714-4059-885F-DE2B5E58D0CB}"/>
               </a:ext>
             </a:extLst>
           </p:cNvPr>
@@ -10362,7 +10378,7 @@
           <p:cNvPr id="6" name="Foliennummernplatzhalter 1">
             <a:extLst>
               <a:ext uri="{FF2B5EF4-FFF2-40B4-BE49-F238E27FC236}">
-                <a16:creationId xmlns:a16="http://schemas.microsoft.com/office/drawing/2014/main" id="{27298F9D-6673-4093-A30D-493392163DC0}"/>
+                <a16:creationId xmlns:a16="http://schemas.microsoft.com/office/drawing/2014/main" xmlns="" id="{27298F9D-6673-4093-A30D-493392163DC0}"/>
               </a:ext>
             </a:extLst>
           </p:cNvPr>
@@ -10522,7 +10538,7 @@
           <p:cNvPr id="2" name="Titel 1">
             <a:extLst>
               <a:ext uri="{FF2B5EF4-FFF2-40B4-BE49-F238E27FC236}">
-                <a16:creationId xmlns:a16="http://schemas.microsoft.com/office/drawing/2014/main" id="{1B3F406C-536E-4365-8F2A-D80B84B8AC55}"/>
+                <a16:creationId xmlns:a16="http://schemas.microsoft.com/office/drawing/2014/main" xmlns="" id="{1B3F406C-536E-4365-8F2A-D80B84B8AC55}"/>
               </a:ext>
             </a:extLst>
           </p:cNvPr>
@@ -10550,7 +10566,7 @@
           <p:cNvPr id="3" name="Inhaltsplatzhalter 2">
             <a:extLst>
               <a:ext uri="{FF2B5EF4-FFF2-40B4-BE49-F238E27FC236}">
-                <a16:creationId xmlns:a16="http://schemas.microsoft.com/office/drawing/2014/main" id="{D357395F-5EF2-42F1-B06E-B8C721674E9E}"/>
+                <a16:creationId xmlns:a16="http://schemas.microsoft.com/office/drawing/2014/main" xmlns="" id="{D357395F-5EF2-42F1-B06E-B8C721674E9E}"/>
               </a:ext>
             </a:extLst>
           </p:cNvPr>
@@ -10618,7 +10634,7 @@
           <p:cNvPr id="4" name="Foliennummernplatzhalter 3">
             <a:extLst>
               <a:ext uri="{FF2B5EF4-FFF2-40B4-BE49-F238E27FC236}">
-                <a16:creationId xmlns:a16="http://schemas.microsoft.com/office/drawing/2014/main" id="{219662B2-C74C-46BB-8DE4-2E53A430AD7A}"/>
+                <a16:creationId xmlns:a16="http://schemas.microsoft.com/office/drawing/2014/main" xmlns="" id="{219662B2-C74C-46BB-8DE4-2E53A430AD7A}"/>
               </a:ext>
             </a:extLst>
           </p:cNvPr>
@@ -10647,7 +10663,7 @@
           <p:cNvPr id="6" name="Foliennummernplatzhalter 1">
             <a:extLst>
               <a:ext uri="{FF2B5EF4-FFF2-40B4-BE49-F238E27FC236}">
-                <a16:creationId xmlns:a16="http://schemas.microsoft.com/office/drawing/2014/main" id="{0FB7F8C4-FD9D-4114-9CC9-BBEAB073F9E8}"/>
+                <a16:creationId xmlns:a16="http://schemas.microsoft.com/office/drawing/2014/main" xmlns="" id="{0FB7F8C4-FD9D-4114-9CC9-BBEAB073F9E8}"/>
               </a:ext>
             </a:extLst>
           </p:cNvPr>
@@ -10807,7 +10823,7 @@
           <p:cNvPr id="2" name="Titel 1">
             <a:extLst>
               <a:ext uri="{FF2B5EF4-FFF2-40B4-BE49-F238E27FC236}">
-                <a16:creationId xmlns:a16="http://schemas.microsoft.com/office/drawing/2014/main" id="{1B3F406C-536E-4365-8F2A-D80B84B8AC55}"/>
+                <a16:creationId xmlns:a16="http://schemas.microsoft.com/office/drawing/2014/main" xmlns="" id="{1B3F406C-536E-4365-8F2A-D80B84B8AC55}"/>
               </a:ext>
             </a:extLst>
           </p:cNvPr>
@@ -10835,7 +10851,7 @@
           <p:cNvPr id="3" name="Inhaltsplatzhalter 2">
             <a:extLst>
               <a:ext uri="{FF2B5EF4-FFF2-40B4-BE49-F238E27FC236}">
-                <a16:creationId xmlns:a16="http://schemas.microsoft.com/office/drawing/2014/main" id="{D357395F-5EF2-42F1-B06E-B8C721674E9E}"/>
+                <a16:creationId xmlns:a16="http://schemas.microsoft.com/office/drawing/2014/main" xmlns="" id="{D357395F-5EF2-42F1-B06E-B8C721674E9E}"/>
               </a:ext>
             </a:extLst>
           </p:cNvPr>
@@ -10901,7 +10917,7 @@
           <p:cNvPr id="4" name="Foliennummernplatzhalter 3">
             <a:extLst>
               <a:ext uri="{FF2B5EF4-FFF2-40B4-BE49-F238E27FC236}">
-                <a16:creationId xmlns:a16="http://schemas.microsoft.com/office/drawing/2014/main" id="{3EDA44EA-EACD-469B-B2B2-B6BE54F6FD83}"/>
+                <a16:creationId xmlns:a16="http://schemas.microsoft.com/office/drawing/2014/main" xmlns="" id="{3EDA44EA-EACD-469B-B2B2-B6BE54F6FD83}"/>
               </a:ext>
             </a:extLst>
           </p:cNvPr>
@@ -10930,7 +10946,7 @@
           <p:cNvPr id="6" name="Foliennummernplatzhalter 1">
             <a:extLst>
               <a:ext uri="{FF2B5EF4-FFF2-40B4-BE49-F238E27FC236}">
-                <a16:creationId xmlns:a16="http://schemas.microsoft.com/office/drawing/2014/main" id="{EBC862F7-1154-476C-92B3-232D9EC6AE73}"/>
+                <a16:creationId xmlns:a16="http://schemas.microsoft.com/office/drawing/2014/main" xmlns="" id="{EBC862F7-1154-476C-92B3-232D9EC6AE73}"/>
               </a:ext>
             </a:extLst>
           </p:cNvPr>
@@ -11090,7 +11106,7 @@
           <p:cNvPr id="2" name="Titel 1">
             <a:extLst>
               <a:ext uri="{FF2B5EF4-FFF2-40B4-BE49-F238E27FC236}">
-                <a16:creationId xmlns:a16="http://schemas.microsoft.com/office/drawing/2014/main" id="{1B3F406C-536E-4365-8F2A-D80B84B8AC55}"/>
+                <a16:creationId xmlns:a16="http://schemas.microsoft.com/office/drawing/2014/main" xmlns="" id="{1B3F406C-536E-4365-8F2A-D80B84B8AC55}"/>
               </a:ext>
             </a:extLst>
           </p:cNvPr>
@@ -11118,7 +11134,7 @@
           <p:cNvPr id="3" name="Inhaltsplatzhalter 2">
             <a:extLst>
               <a:ext uri="{FF2B5EF4-FFF2-40B4-BE49-F238E27FC236}">
-                <a16:creationId xmlns:a16="http://schemas.microsoft.com/office/drawing/2014/main" id="{D357395F-5EF2-42F1-B06E-B8C721674E9E}"/>
+                <a16:creationId xmlns:a16="http://schemas.microsoft.com/office/drawing/2014/main" xmlns="" id="{D357395F-5EF2-42F1-B06E-B8C721674E9E}"/>
               </a:ext>
             </a:extLst>
           </p:cNvPr>
@@ -11185,7 +11201,7 @@
           <p:cNvPr id="4" name="Foliennummernplatzhalter 3">
             <a:extLst>
               <a:ext uri="{FF2B5EF4-FFF2-40B4-BE49-F238E27FC236}">
-                <a16:creationId xmlns:a16="http://schemas.microsoft.com/office/drawing/2014/main" id="{7E524A24-CD30-4559-BB86-51F1A71EEC2F}"/>
+                <a16:creationId xmlns:a16="http://schemas.microsoft.com/office/drawing/2014/main" xmlns="" id="{7E524A24-CD30-4559-BB86-51F1A71EEC2F}"/>
               </a:ext>
             </a:extLst>
           </p:cNvPr>
@@ -11214,7 +11230,7 @@
           <p:cNvPr id="6" name="Foliennummernplatzhalter 1">
             <a:extLst>
               <a:ext uri="{FF2B5EF4-FFF2-40B4-BE49-F238E27FC236}">
-                <a16:creationId xmlns:a16="http://schemas.microsoft.com/office/drawing/2014/main" id="{AE1AE234-231D-409E-B96B-4B54B2886C67}"/>
+                <a16:creationId xmlns:a16="http://schemas.microsoft.com/office/drawing/2014/main" xmlns="" id="{AE1AE234-231D-409E-B96B-4B54B2886C67}"/>
               </a:ext>
             </a:extLst>
           </p:cNvPr>
@@ -11374,7 +11390,7 @@
           <p:cNvPr id="2" name="Titel 1">
             <a:extLst>
               <a:ext uri="{FF2B5EF4-FFF2-40B4-BE49-F238E27FC236}">
-                <a16:creationId xmlns:a16="http://schemas.microsoft.com/office/drawing/2014/main" id="{1B3F406C-536E-4365-8F2A-D80B84B8AC55}"/>
+                <a16:creationId xmlns:a16="http://schemas.microsoft.com/office/drawing/2014/main" xmlns="" id="{1B3F406C-536E-4365-8F2A-D80B84B8AC55}"/>
               </a:ext>
             </a:extLst>
           </p:cNvPr>
@@ -11402,7 +11418,7 @@
           <p:cNvPr id="3" name="Inhaltsplatzhalter 2">
             <a:extLst>
               <a:ext uri="{FF2B5EF4-FFF2-40B4-BE49-F238E27FC236}">
-                <a16:creationId xmlns:a16="http://schemas.microsoft.com/office/drawing/2014/main" id="{D357395F-5EF2-42F1-B06E-B8C721674E9E}"/>
+                <a16:creationId xmlns:a16="http://schemas.microsoft.com/office/drawing/2014/main" xmlns="" id="{D357395F-5EF2-42F1-B06E-B8C721674E9E}"/>
               </a:ext>
             </a:extLst>
           </p:cNvPr>
@@ -11480,7 +11496,7 @@
           <p:cNvPr id="4" name="Foliennummernplatzhalter 3">
             <a:extLst>
               <a:ext uri="{FF2B5EF4-FFF2-40B4-BE49-F238E27FC236}">
-                <a16:creationId xmlns:a16="http://schemas.microsoft.com/office/drawing/2014/main" id="{798E80AC-CB70-4206-9169-C11B150B8330}"/>
+                <a16:creationId xmlns:a16="http://schemas.microsoft.com/office/drawing/2014/main" xmlns="" id="{798E80AC-CB70-4206-9169-C11B150B8330}"/>
               </a:ext>
             </a:extLst>
           </p:cNvPr>
@@ -11509,7 +11525,7 @@
           <p:cNvPr id="6" name="Foliennummernplatzhalter 1">
             <a:extLst>
               <a:ext uri="{FF2B5EF4-FFF2-40B4-BE49-F238E27FC236}">
-                <a16:creationId xmlns:a16="http://schemas.microsoft.com/office/drawing/2014/main" id="{7D201B5C-A494-47B6-AE8E-F64030F5B166}"/>
+                <a16:creationId xmlns:a16="http://schemas.microsoft.com/office/drawing/2014/main" xmlns="" id="{7D201B5C-A494-47B6-AE8E-F64030F5B166}"/>
               </a:ext>
             </a:extLst>
           </p:cNvPr>
@@ -11669,7 +11685,7 @@
           <p:cNvPr id="4" name="Grafik 3">
             <a:extLst>
               <a:ext uri="{FF2B5EF4-FFF2-40B4-BE49-F238E27FC236}">
-                <a16:creationId xmlns:a16="http://schemas.microsoft.com/office/drawing/2014/main" id="{C2DED4C2-8D40-46FF-ABD3-18DB5951142C}"/>
+                <a16:creationId xmlns:a16="http://schemas.microsoft.com/office/drawing/2014/main" xmlns="" id="{C2DED4C2-8D40-46FF-ABD3-18DB5951142C}"/>
               </a:ext>
             </a:extLst>
           </p:cNvPr>
@@ -11698,7 +11714,7 @@
           <p:cNvPr id="2" name="Titel 1">
             <a:extLst>
               <a:ext uri="{FF2B5EF4-FFF2-40B4-BE49-F238E27FC236}">
-                <a16:creationId xmlns:a16="http://schemas.microsoft.com/office/drawing/2014/main" id="{1B3F406C-536E-4365-8F2A-D80B84B8AC55}"/>
+                <a16:creationId xmlns:a16="http://schemas.microsoft.com/office/drawing/2014/main" xmlns="" id="{1B3F406C-536E-4365-8F2A-D80B84B8AC55}"/>
               </a:ext>
             </a:extLst>
           </p:cNvPr>
@@ -11726,7 +11742,7 @@
           <p:cNvPr id="3" name="Inhaltsplatzhalter 2">
             <a:extLst>
               <a:ext uri="{FF2B5EF4-FFF2-40B4-BE49-F238E27FC236}">
-                <a16:creationId xmlns:a16="http://schemas.microsoft.com/office/drawing/2014/main" id="{D357395F-5EF2-42F1-B06E-B8C721674E9E}"/>
+                <a16:creationId xmlns:a16="http://schemas.microsoft.com/office/drawing/2014/main" xmlns="" id="{D357395F-5EF2-42F1-B06E-B8C721674E9E}"/>
               </a:ext>
             </a:extLst>
           </p:cNvPr>
@@ -11762,7 +11778,7 @@
           <p:cNvPr id="5" name="Foliennummernplatzhalter 4">
             <a:extLst>
               <a:ext uri="{FF2B5EF4-FFF2-40B4-BE49-F238E27FC236}">
-                <a16:creationId xmlns:a16="http://schemas.microsoft.com/office/drawing/2014/main" id="{37A018C2-65D6-4B6E-A51D-62F4EA3D665C}"/>
+                <a16:creationId xmlns:a16="http://schemas.microsoft.com/office/drawing/2014/main" xmlns="" id="{37A018C2-65D6-4B6E-A51D-62F4EA3D665C}"/>
               </a:ext>
             </a:extLst>
           </p:cNvPr>
@@ -11791,7 +11807,7 @@
           <p:cNvPr id="7" name="Foliennummernplatzhalter 1">
             <a:extLst>
               <a:ext uri="{FF2B5EF4-FFF2-40B4-BE49-F238E27FC236}">
-                <a16:creationId xmlns:a16="http://schemas.microsoft.com/office/drawing/2014/main" id="{FFA2E536-5130-40A4-967C-D24C3ED31791}"/>
+                <a16:creationId xmlns:a16="http://schemas.microsoft.com/office/drawing/2014/main" xmlns="" id="{FFA2E536-5130-40A4-967C-D24C3ED31791}"/>
               </a:ext>
             </a:extLst>
           </p:cNvPr>
@@ -11951,7 +11967,7 @@
           <p:cNvPr id="2" name="Titel 1">
             <a:extLst>
               <a:ext uri="{FF2B5EF4-FFF2-40B4-BE49-F238E27FC236}">
-                <a16:creationId xmlns:a16="http://schemas.microsoft.com/office/drawing/2014/main" id="{1B3F406C-536E-4365-8F2A-D80B84B8AC55}"/>
+                <a16:creationId xmlns:a16="http://schemas.microsoft.com/office/drawing/2014/main" xmlns="" id="{1B3F406C-536E-4365-8F2A-D80B84B8AC55}"/>
               </a:ext>
             </a:extLst>
           </p:cNvPr>
@@ -11979,7 +11995,7 @@
           <p:cNvPr id="3" name="Inhaltsplatzhalter 2">
             <a:extLst>
               <a:ext uri="{FF2B5EF4-FFF2-40B4-BE49-F238E27FC236}">
-                <a16:creationId xmlns:a16="http://schemas.microsoft.com/office/drawing/2014/main" id="{D357395F-5EF2-42F1-B06E-B8C721674E9E}"/>
+                <a16:creationId xmlns:a16="http://schemas.microsoft.com/office/drawing/2014/main" xmlns="" id="{D357395F-5EF2-42F1-B06E-B8C721674E9E}"/>
               </a:ext>
             </a:extLst>
           </p:cNvPr>
@@ -12019,7 +12035,7 @@
           <p:cNvPr id="5" name="Grafik 4">
             <a:extLst>
               <a:ext uri="{FF2B5EF4-FFF2-40B4-BE49-F238E27FC236}">
-                <a16:creationId xmlns:a16="http://schemas.microsoft.com/office/drawing/2014/main" id="{A9E60BD9-4821-4A61-B84F-8E1D466FDA71}"/>
+                <a16:creationId xmlns:a16="http://schemas.microsoft.com/office/drawing/2014/main" xmlns="" id="{A9E60BD9-4821-4A61-B84F-8E1D466FDA71}"/>
               </a:ext>
             </a:extLst>
           </p:cNvPr>
@@ -12048,7 +12064,7 @@
           <p:cNvPr id="4" name="Foliennummernplatzhalter 3">
             <a:extLst>
               <a:ext uri="{FF2B5EF4-FFF2-40B4-BE49-F238E27FC236}">
-                <a16:creationId xmlns:a16="http://schemas.microsoft.com/office/drawing/2014/main" id="{AD7EEF54-C417-4539-9C90-0FA71F03B7B3}"/>
+                <a16:creationId xmlns:a16="http://schemas.microsoft.com/office/drawing/2014/main" xmlns="" id="{AD7EEF54-C417-4539-9C90-0FA71F03B7B3}"/>
               </a:ext>
             </a:extLst>
           </p:cNvPr>
@@ -12077,7 +12093,7 @@
           <p:cNvPr id="7" name="Foliennummernplatzhalter 1">
             <a:extLst>
               <a:ext uri="{FF2B5EF4-FFF2-40B4-BE49-F238E27FC236}">
-                <a16:creationId xmlns:a16="http://schemas.microsoft.com/office/drawing/2014/main" id="{9B1CF35C-6996-420D-B394-03B9F23263CF}"/>
+                <a16:creationId xmlns:a16="http://schemas.microsoft.com/office/drawing/2014/main" xmlns="" id="{9B1CF35C-6996-420D-B394-03B9F23263CF}"/>
               </a:ext>
             </a:extLst>
           </p:cNvPr>
@@ -12237,7 +12253,7 @@
           <p:cNvPr id="2" name="Titel 1">
             <a:extLst>
               <a:ext uri="{FF2B5EF4-FFF2-40B4-BE49-F238E27FC236}">
-                <a16:creationId xmlns:a16="http://schemas.microsoft.com/office/drawing/2014/main" id="{F0697C7F-E935-45EB-B691-D68F65C4E98D}"/>
+                <a16:creationId xmlns:a16="http://schemas.microsoft.com/office/drawing/2014/main" xmlns="" id="{F0697C7F-E935-45EB-B691-D68F65C4E98D}"/>
               </a:ext>
             </a:extLst>
           </p:cNvPr>
@@ -12265,7 +12281,7 @@
           <p:cNvPr id="3" name="Inhaltsplatzhalter 2">
             <a:extLst>
               <a:ext uri="{FF2B5EF4-FFF2-40B4-BE49-F238E27FC236}">
-                <a16:creationId xmlns:a16="http://schemas.microsoft.com/office/drawing/2014/main" id="{CF7F1B99-ED32-4886-96B3-020C44CE87AC}"/>
+                <a16:creationId xmlns:a16="http://schemas.microsoft.com/office/drawing/2014/main" xmlns="" id="{CF7F1B99-ED32-4886-96B3-020C44CE87AC}"/>
               </a:ext>
             </a:extLst>
           </p:cNvPr>
@@ -12331,7 +12347,7 @@
           <p:cNvPr id="14" name="Gruppieren 13">
             <a:extLst>
               <a:ext uri="{FF2B5EF4-FFF2-40B4-BE49-F238E27FC236}">
-                <a16:creationId xmlns:a16="http://schemas.microsoft.com/office/drawing/2014/main" id="{AFED05FC-2B2E-48E6-9847-CA09DF4E1B34}"/>
+                <a16:creationId xmlns:a16="http://schemas.microsoft.com/office/drawing/2014/main" xmlns="" id="{AFED05FC-2B2E-48E6-9847-CA09DF4E1B34}"/>
               </a:ext>
             </a:extLst>
           </p:cNvPr>
@@ -12351,7 +12367,7 @@
             <p:cNvPr id="9" name="Grafik 8">
               <a:extLst>
                 <a:ext uri="{FF2B5EF4-FFF2-40B4-BE49-F238E27FC236}">
-                  <a16:creationId xmlns:a16="http://schemas.microsoft.com/office/drawing/2014/main" id="{446EBA70-4941-4E1A-BA2A-59E4AB44037F}"/>
+                  <a16:creationId xmlns:a16="http://schemas.microsoft.com/office/drawing/2014/main" xmlns="" id="{446EBA70-4941-4E1A-BA2A-59E4AB44037F}"/>
                 </a:ext>
               </a:extLst>
             </p:cNvPr>
@@ -12386,7 +12402,7 @@
             <p:cNvPr id="13" name="Gruppieren 12">
               <a:extLst>
                 <a:ext uri="{FF2B5EF4-FFF2-40B4-BE49-F238E27FC236}">
-                  <a16:creationId xmlns:a16="http://schemas.microsoft.com/office/drawing/2014/main" id="{3F33B7B4-7FEC-46A6-9096-63135EA09FCE}"/>
+                  <a16:creationId xmlns:a16="http://schemas.microsoft.com/office/drawing/2014/main" xmlns="" id="{3F33B7B4-7FEC-46A6-9096-63135EA09FCE}"/>
                 </a:ext>
               </a:extLst>
             </p:cNvPr>
@@ -12406,7 +12422,7 @@
               <p:cNvPr id="10" name="Textfeld 9">
                 <a:extLst>
                   <a:ext uri="{FF2B5EF4-FFF2-40B4-BE49-F238E27FC236}">
-                    <a16:creationId xmlns:a16="http://schemas.microsoft.com/office/drawing/2014/main" id="{CA69E00A-0B9C-4BE5-B937-FD3C3DACF975}"/>
+                    <a16:creationId xmlns:a16="http://schemas.microsoft.com/office/drawing/2014/main" xmlns="" id="{CA69E00A-0B9C-4BE5-B937-FD3C3DACF975}"/>
                   </a:ext>
                 </a:extLst>
               </p:cNvPr>
@@ -12443,7 +12459,7 @@
               <p:cNvPr id="11" name="Textfeld 10">
                 <a:extLst>
                   <a:ext uri="{FF2B5EF4-FFF2-40B4-BE49-F238E27FC236}">
-                    <a16:creationId xmlns:a16="http://schemas.microsoft.com/office/drawing/2014/main" id="{ED4F2705-299F-4A5D-AEAF-0E577E2E3D4A}"/>
+                    <a16:creationId xmlns:a16="http://schemas.microsoft.com/office/drawing/2014/main" xmlns="" id="{ED4F2705-299F-4A5D-AEAF-0E577E2E3D4A}"/>
                   </a:ext>
                 </a:extLst>
               </p:cNvPr>
@@ -12480,7 +12496,7 @@
               <p:cNvPr id="12" name="Textfeld 11">
                 <a:extLst>
                   <a:ext uri="{FF2B5EF4-FFF2-40B4-BE49-F238E27FC236}">
-                    <a16:creationId xmlns:a16="http://schemas.microsoft.com/office/drawing/2014/main" id="{1EEEBAF9-3FF9-4AC5-8D24-7252609B6513}"/>
+                    <a16:creationId xmlns:a16="http://schemas.microsoft.com/office/drawing/2014/main" xmlns="" id="{1EEEBAF9-3FF9-4AC5-8D24-7252609B6513}"/>
                   </a:ext>
                 </a:extLst>
               </p:cNvPr>
@@ -12519,7 +12535,7 @@
           <p:cNvPr id="4" name="Foliennummernplatzhalter 3">
             <a:extLst>
               <a:ext uri="{FF2B5EF4-FFF2-40B4-BE49-F238E27FC236}">
-                <a16:creationId xmlns:a16="http://schemas.microsoft.com/office/drawing/2014/main" id="{EDDE83B8-9C3B-4E42-BF55-449382121875}"/>
+                <a16:creationId xmlns:a16="http://schemas.microsoft.com/office/drawing/2014/main" xmlns="" id="{EDDE83B8-9C3B-4E42-BF55-449382121875}"/>
               </a:ext>
             </a:extLst>
           </p:cNvPr>
@@ -12548,7 +12564,7 @@
           <p:cNvPr id="15" name="Foliennummernplatzhalter 1">
             <a:extLst>
               <a:ext uri="{FF2B5EF4-FFF2-40B4-BE49-F238E27FC236}">
-                <a16:creationId xmlns:a16="http://schemas.microsoft.com/office/drawing/2014/main" id="{69EBD4B2-4556-4A78-8B36-9316A1B0974F}"/>
+                <a16:creationId xmlns:a16="http://schemas.microsoft.com/office/drawing/2014/main" xmlns="" id="{69EBD4B2-4556-4A78-8B36-9316A1B0974F}"/>
               </a:ext>
             </a:extLst>
           </p:cNvPr>
@@ -12708,7 +12724,7 @@
           <p:cNvPr id="5" name="Titel 4">
             <a:extLst>
               <a:ext uri="{FF2B5EF4-FFF2-40B4-BE49-F238E27FC236}">
-                <a16:creationId xmlns:a16="http://schemas.microsoft.com/office/drawing/2014/main" id="{F525AC52-82ED-4AF4-9433-F79046770D12}"/>
+                <a16:creationId xmlns:a16="http://schemas.microsoft.com/office/drawing/2014/main" xmlns="" id="{F525AC52-82ED-4AF4-9433-F79046770D12}"/>
               </a:ext>
             </a:extLst>
           </p:cNvPr>
@@ -12738,7 +12754,7 @@
           <p:cNvPr id="4" name="Inhaltsplatzhalter 2">
             <a:extLst>
               <a:ext uri="{FF2B5EF4-FFF2-40B4-BE49-F238E27FC236}">
-                <a16:creationId xmlns:a16="http://schemas.microsoft.com/office/drawing/2014/main" id="{EF38709B-4C9B-4FD0-B2B9-6AAFDEDEFFD6}"/>
+                <a16:creationId xmlns:a16="http://schemas.microsoft.com/office/drawing/2014/main" xmlns="" id="{EF38709B-4C9B-4FD0-B2B9-6AAFDEDEFFD6}"/>
               </a:ext>
             </a:extLst>
           </p:cNvPr>
@@ -12861,7 +12877,7 @@
           <p:cNvPr id="7" name="Grafik 6" descr="Ein Bild, das drinnen, Tisch, Glas, weiß enthält.&#10;&#10;Automatisch generierte Beschreibung">
             <a:extLst>
               <a:ext uri="{FF2B5EF4-FFF2-40B4-BE49-F238E27FC236}">
-                <a16:creationId xmlns:a16="http://schemas.microsoft.com/office/drawing/2014/main" id="{E4B32798-FBB6-4867-82BD-BCE40A42CF65}"/>
+                <a16:creationId xmlns:a16="http://schemas.microsoft.com/office/drawing/2014/main" xmlns="" id="{E4B32798-FBB6-4867-82BD-BCE40A42CF65}"/>
               </a:ext>
             </a:extLst>
           </p:cNvPr>
@@ -12897,7 +12913,7 @@
           <p:cNvPr id="2" name="Foliennummernplatzhalter 1">
             <a:extLst>
               <a:ext uri="{FF2B5EF4-FFF2-40B4-BE49-F238E27FC236}">
-                <a16:creationId xmlns:a16="http://schemas.microsoft.com/office/drawing/2014/main" id="{47F0A498-53B5-4493-A1DF-527D86FA2BD4}"/>
+                <a16:creationId xmlns:a16="http://schemas.microsoft.com/office/drawing/2014/main" xmlns="" id="{47F0A498-53B5-4493-A1DF-527D86FA2BD4}"/>
               </a:ext>
             </a:extLst>
           </p:cNvPr>
@@ -12926,7 +12942,7 @@
           <p:cNvPr id="8" name="Foliennummernplatzhalter 1">
             <a:extLst>
               <a:ext uri="{FF2B5EF4-FFF2-40B4-BE49-F238E27FC236}">
-                <a16:creationId xmlns:a16="http://schemas.microsoft.com/office/drawing/2014/main" id="{49ED283A-D7A3-47D9-9925-1748C709CA3B}"/>
+                <a16:creationId xmlns:a16="http://schemas.microsoft.com/office/drawing/2014/main" xmlns="" id="{49ED283A-D7A3-47D9-9925-1748C709CA3B}"/>
               </a:ext>
             </a:extLst>
           </p:cNvPr>
@@ -13086,7 +13102,7 @@
           <p:cNvPr id="5" name="Titel 4">
             <a:extLst>
               <a:ext uri="{FF2B5EF4-FFF2-40B4-BE49-F238E27FC236}">
-                <a16:creationId xmlns:a16="http://schemas.microsoft.com/office/drawing/2014/main" id="{F525AC52-82ED-4AF4-9433-F79046770D12}"/>
+                <a16:creationId xmlns:a16="http://schemas.microsoft.com/office/drawing/2014/main" xmlns="" id="{F525AC52-82ED-4AF4-9433-F79046770D12}"/>
               </a:ext>
             </a:extLst>
           </p:cNvPr>
@@ -13116,7 +13132,7 @@
           <p:cNvPr id="4" name="Inhaltsplatzhalter 2">
             <a:extLst>
               <a:ext uri="{FF2B5EF4-FFF2-40B4-BE49-F238E27FC236}">
-                <a16:creationId xmlns:a16="http://schemas.microsoft.com/office/drawing/2014/main" id="{EF38709B-4C9B-4FD0-B2B9-6AAFDEDEFFD6}"/>
+                <a16:creationId xmlns:a16="http://schemas.microsoft.com/office/drawing/2014/main" xmlns="" id="{EF38709B-4C9B-4FD0-B2B9-6AAFDEDEFFD6}"/>
               </a:ext>
             </a:extLst>
           </p:cNvPr>
@@ -13222,7 +13238,7 @@
           <p:cNvPr id="2" name="Foliennummernplatzhalter 1">
             <a:extLst>
               <a:ext uri="{FF2B5EF4-FFF2-40B4-BE49-F238E27FC236}">
-                <a16:creationId xmlns:a16="http://schemas.microsoft.com/office/drawing/2014/main" id="{DAC762C4-E51C-4101-A3B9-FFFC312025CF}"/>
+                <a16:creationId xmlns:a16="http://schemas.microsoft.com/office/drawing/2014/main" xmlns="" id="{DAC762C4-E51C-4101-A3B9-FFFC312025CF}"/>
               </a:ext>
             </a:extLst>
           </p:cNvPr>
@@ -13251,7 +13267,7 @@
           <p:cNvPr id="6" name="Foliennummernplatzhalter 1">
             <a:extLst>
               <a:ext uri="{FF2B5EF4-FFF2-40B4-BE49-F238E27FC236}">
-                <a16:creationId xmlns:a16="http://schemas.microsoft.com/office/drawing/2014/main" id="{B526F511-3189-4119-BAB2-DFBCA728B14D}"/>
+                <a16:creationId xmlns:a16="http://schemas.microsoft.com/office/drawing/2014/main" xmlns="" id="{B526F511-3189-4119-BAB2-DFBCA728B14D}"/>
               </a:ext>
             </a:extLst>
           </p:cNvPr>
@@ -13411,7 +13427,7 @@
           <p:cNvPr id="5" name="Titel 4">
             <a:extLst>
               <a:ext uri="{FF2B5EF4-FFF2-40B4-BE49-F238E27FC236}">
-                <a16:creationId xmlns:a16="http://schemas.microsoft.com/office/drawing/2014/main" id="{F525AC52-82ED-4AF4-9433-F79046770D12}"/>
+                <a16:creationId xmlns:a16="http://schemas.microsoft.com/office/drawing/2014/main" xmlns="" id="{F525AC52-82ED-4AF4-9433-F79046770D12}"/>
               </a:ext>
             </a:extLst>
           </p:cNvPr>
@@ -13441,7 +13457,7 @@
           <p:cNvPr id="4" name="Inhaltsplatzhalter 2">
             <a:extLst>
               <a:ext uri="{FF2B5EF4-FFF2-40B4-BE49-F238E27FC236}">
-                <a16:creationId xmlns:a16="http://schemas.microsoft.com/office/drawing/2014/main" id="{EF38709B-4C9B-4FD0-B2B9-6AAFDEDEFFD6}"/>
+                <a16:creationId xmlns:a16="http://schemas.microsoft.com/office/drawing/2014/main" xmlns="" id="{EF38709B-4C9B-4FD0-B2B9-6AAFDEDEFFD6}"/>
               </a:ext>
             </a:extLst>
           </p:cNvPr>
@@ -13542,7 +13558,7 @@
           <p:cNvPr id="2" name="Foliennummernplatzhalter 1">
             <a:extLst>
               <a:ext uri="{FF2B5EF4-FFF2-40B4-BE49-F238E27FC236}">
-                <a16:creationId xmlns:a16="http://schemas.microsoft.com/office/drawing/2014/main" id="{3F170F28-D831-468A-B41B-D6F7066EC52A}"/>
+                <a16:creationId xmlns:a16="http://schemas.microsoft.com/office/drawing/2014/main" xmlns="" id="{3F170F28-D831-468A-B41B-D6F7066EC52A}"/>
               </a:ext>
             </a:extLst>
           </p:cNvPr>
@@ -13571,7 +13587,7 @@
           <p:cNvPr id="6" name="Foliennummernplatzhalter 1">
             <a:extLst>
               <a:ext uri="{FF2B5EF4-FFF2-40B4-BE49-F238E27FC236}">
-                <a16:creationId xmlns:a16="http://schemas.microsoft.com/office/drawing/2014/main" id="{56E5E868-0E50-470D-A402-962F103C9616}"/>
+                <a16:creationId xmlns:a16="http://schemas.microsoft.com/office/drawing/2014/main" xmlns="" id="{56E5E868-0E50-470D-A402-962F103C9616}"/>
               </a:ext>
             </a:extLst>
           </p:cNvPr>
@@ -13731,7 +13747,7 @@
           <p:cNvPr id="2" name="Titel 1">
             <a:extLst>
               <a:ext uri="{FF2B5EF4-FFF2-40B4-BE49-F238E27FC236}">
-                <a16:creationId xmlns:a16="http://schemas.microsoft.com/office/drawing/2014/main" id="{574A7525-A339-45F4-817C-62E15F260233}"/>
+                <a16:creationId xmlns:a16="http://schemas.microsoft.com/office/drawing/2014/main" xmlns="" id="{574A7525-A339-45F4-817C-62E15F260233}"/>
               </a:ext>
             </a:extLst>
           </p:cNvPr>
@@ -13759,7 +13775,7 @@
           <p:cNvPr id="3" name="Inhaltsplatzhalter 2">
             <a:extLst>
               <a:ext uri="{FF2B5EF4-FFF2-40B4-BE49-F238E27FC236}">
-                <a16:creationId xmlns:a16="http://schemas.microsoft.com/office/drawing/2014/main" id="{8C445000-4F90-4D71-9931-C967DCC4F818}"/>
+                <a16:creationId xmlns:a16="http://schemas.microsoft.com/office/drawing/2014/main" xmlns="" id="{8C445000-4F90-4D71-9931-C967DCC4F818}"/>
               </a:ext>
             </a:extLst>
           </p:cNvPr>
@@ -13842,7 +13858,7 @@
           <p:cNvPr id="4" name="Foliennummernplatzhalter 3">
             <a:extLst>
               <a:ext uri="{FF2B5EF4-FFF2-40B4-BE49-F238E27FC236}">
-                <a16:creationId xmlns:a16="http://schemas.microsoft.com/office/drawing/2014/main" id="{A5E921E3-99D3-44AB-B284-9C7D6172F067}"/>
+                <a16:creationId xmlns:a16="http://schemas.microsoft.com/office/drawing/2014/main" xmlns="" id="{A5E921E3-99D3-44AB-B284-9C7D6172F067}"/>
               </a:ext>
             </a:extLst>
           </p:cNvPr>
@@ -13871,7 +13887,7 @@
           <p:cNvPr id="6" name="Foliennummernplatzhalter 1">
             <a:extLst>
               <a:ext uri="{FF2B5EF4-FFF2-40B4-BE49-F238E27FC236}">
-                <a16:creationId xmlns:a16="http://schemas.microsoft.com/office/drawing/2014/main" id="{D3BB6DCB-A9B8-48C1-8393-9AE394617B39}"/>
+                <a16:creationId xmlns:a16="http://schemas.microsoft.com/office/drawing/2014/main" xmlns="" id="{D3BB6DCB-A9B8-48C1-8393-9AE394617B39}"/>
               </a:ext>
             </a:extLst>
           </p:cNvPr>
@@ -14031,7 +14047,7 @@
           <p:cNvPr id="2" name="Titel 1">
             <a:extLst>
               <a:ext uri="{FF2B5EF4-FFF2-40B4-BE49-F238E27FC236}">
-                <a16:creationId xmlns:a16="http://schemas.microsoft.com/office/drawing/2014/main" id="{1B3F406C-536E-4365-8F2A-D80B84B8AC55}"/>
+                <a16:creationId xmlns:a16="http://schemas.microsoft.com/office/drawing/2014/main" xmlns="" id="{1B3F406C-536E-4365-8F2A-D80B84B8AC55}"/>
               </a:ext>
             </a:extLst>
           </p:cNvPr>
@@ -14059,7 +14075,7 @@
           <p:cNvPr id="3" name="Inhaltsplatzhalter 2">
             <a:extLst>
               <a:ext uri="{FF2B5EF4-FFF2-40B4-BE49-F238E27FC236}">
-                <a16:creationId xmlns:a16="http://schemas.microsoft.com/office/drawing/2014/main" id="{D357395F-5EF2-42F1-B06E-B8C721674E9E}"/>
+                <a16:creationId xmlns:a16="http://schemas.microsoft.com/office/drawing/2014/main" xmlns="" id="{D357395F-5EF2-42F1-B06E-B8C721674E9E}"/>
               </a:ext>
             </a:extLst>
           </p:cNvPr>
@@ -14147,7 +14163,7 @@
           <p:cNvPr id="4" name="Foliennummernplatzhalter 3">
             <a:extLst>
               <a:ext uri="{FF2B5EF4-FFF2-40B4-BE49-F238E27FC236}">
-                <a16:creationId xmlns:a16="http://schemas.microsoft.com/office/drawing/2014/main" id="{C109B4C9-D3AE-4A62-BEB3-A0D5EFA53B9D}"/>
+                <a16:creationId xmlns:a16="http://schemas.microsoft.com/office/drawing/2014/main" xmlns="" id="{C109B4C9-D3AE-4A62-BEB3-A0D5EFA53B9D}"/>
               </a:ext>
             </a:extLst>
           </p:cNvPr>
@@ -14176,7 +14192,7 @@
           <p:cNvPr id="6" name="Foliennummernplatzhalter 1">
             <a:extLst>
               <a:ext uri="{FF2B5EF4-FFF2-40B4-BE49-F238E27FC236}">
-                <a16:creationId xmlns:a16="http://schemas.microsoft.com/office/drawing/2014/main" id="{5A215421-83B2-4F31-8A5E-E536350929A7}"/>
+                <a16:creationId xmlns:a16="http://schemas.microsoft.com/office/drawing/2014/main" xmlns="" id="{5A215421-83B2-4F31-8A5E-E536350929A7}"/>
               </a:ext>
             </a:extLst>
           </p:cNvPr>
@@ -14336,7 +14352,7 @@
           <p:cNvPr id="2" name="Titel 1">
             <a:extLst>
               <a:ext uri="{FF2B5EF4-FFF2-40B4-BE49-F238E27FC236}">
-                <a16:creationId xmlns:a16="http://schemas.microsoft.com/office/drawing/2014/main" id="{2E7BBCE4-2316-407F-87F7-C8154C5082CF}"/>
+                <a16:creationId xmlns:a16="http://schemas.microsoft.com/office/drawing/2014/main" xmlns="" id="{2E7BBCE4-2316-407F-87F7-C8154C5082CF}"/>
               </a:ext>
             </a:extLst>
           </p:cNvPr>
@@ -14364,7 +14380,7 @@
           <p:cNvPr id="3" name="Inhaltsplatzhalter 2">
             <a:extLst>
               <a:ext uri="{FF2B5EF4-FFF2-40B4-BE49-F238E27FC236}">
-                <a16:creationId xmlns:a16="http://schemas.microsoft.com/office/drawing/2014/main" id="{4D5AB136-B49A-459D-8505-F1E6C6D7EB8D}"/>
+                <a16:creationId xmlns:a16="http://schemas.microsoft.com/office/drawing/2014/main" xmlns="" id="{4D5AB136-B49A-459D-8505-F1E6C6D7EB8D}"/>
               </a:ext>
             </a:extLst>
           </p:cNvPr>
@@ -14464,7 +14480,7 @@
           <p:cNvPr id="4" name="Foliennummernplatzhalter 3">
             <a:extLst>
               <a:ext uri="{FF2B5EF4-FFF2-40B4-BE49-F238E27FC236}">
-                <a16:creationId xmlns:a16="http://schemas.microsoft.com/office/drawing/2014/main" id="{57F756A6-2D0F-4776-A549-4DA189CCB950}"/>
+                <a16:creationId xmlns:a16="http://schemas.microsoft.com/office/drawing/2014/main" xmlns="" id="{57F756A6-2D0F-4776-A549-4DA189CCB950}"/>
               </a:ext>
             </a:extLst>
           </p:cNvPr>
@@ -14493,7 +14509,7 @@
           <p:cNvPr id="6" name="Foliennummernplatzhalter 1">
             <a:extLst>
               <a:ext uri="{FF2B5EF4-FFF2-40B4-BE49-F238E27FC236}">
-                <a16:creationId xmlns:a16="http://schemas.microsoft.com/office/drawing/2014/main" id="{9AD43FDA-4415-48C1-A5C4-97BBA0C9A049}"/>
+                <a16:creationId xmlns:a16="http://schemas.microsoft.com/office/drawing/2014/main" xmlns="" id="{9AD43FDA-4415-48C1-A5C4-97BBA0C9A049}"/>
               </a:ext>
             </a:extLst>
           </p:cNvPr>
@@ -14653,7 +14669,7 @@
           <p:cNvPr id="2" name="Titel 1">
             <a:extLst>
               <a:ext uri="{FF2B5EF4-FFF2-40B4-BE49-F238E27FC236}">
-                <a16:creationId xmlns:a16="http://schemas.microsoft.com/office/drawing/2014/main" id="{2E7BBCE4-2316-407F-87F7-C8154C5082CF}"/>
+                <a16:creationId xmlns:a16="http://schemas.microsoft.com/office/drawing/2014/main" xmlns="" id="{2E7BBCE4-2316-407F-87F7-C8154C5082CF}"/>
               </a:ext>
             </a:extLst>
           </p:cNvPr>
@@ -14681,7 +14697,7 @@
           <p:cNvPr id="3" name="Inhaltsplatzhalter 2">
             <a:extLst>
               <a:ext uri="{FF2B5EF4-FFF2-40B4-BE49-F238E27FC236}">
-                <a16:creationId xmlns:a16="http://schemas.microsoft.com/office/drawing/2014/main" id="{4D5AB136-B49A-459D-8505-F1E6C6D7EB8D}"/>
+                <a16:creationId xmlns:a16="http://schemas.microsoft.com/office/drawing/2014/main" xmlns="" id="{4D5AB136-B49A-459D-8505-F1E6C6D7EB8D}"/>
               </a:ext>
             </a:extLst>
           </p:cNvPr>
@@ -14830,7 +14846,7 @@
           <p:cNvPr id="4" name="Foliennummernplatzhalter 3">
             <a:extLst>
               <a:ext uri="{FF2B5EF4-FFF2-40B4-BE49-F238E27FC236}">
-                <a16:creationId xmlns:a16="http://schemas.microsoft.com/office/drawing/2014/main" id="{45AE4F20-48A3-403F-9C82-89B6FAF07CF9}"/>
+                <a16:creationId xmlns:a16="http://schemas.microsoft.com/office/drawing/2014/main" xmlns="" id="{45AE4F20-48A3-403F-9C82-89B6FAF07CF9}"/>
               </a:ext>
             </a:extLst>
           </p:cNvPr>
@@ -14859,7 +14875,7 @@
           <p:cNvPr id="6" name="Foliennummernplatzhalter 1">
             <a:extLst>
               <a:ext uri="{FF2B5EF4-FFF2-40B4-BE49-F238E27FC236}">
-                <a16:creationId xmlns:a16="http://schemas.microsoft.com/office/drawing/2014/main" id="{E438D707-6F3A-4F74-8743-BD7AEB748A8E}"/>
+                <a16:creationId xmlns:a16="http://schemas.microsoft.com/office/drawing/2014/main" xmlns="" id="{E438D707-6F3A-4F74-8743-BD7AEB748A8E}"/>
               </a:ext>
             </a:extLst>
           </p:cNvPr>
@@ -15019,7 +15035,7 @@
           <p:cNvPr id="2" name="Titel 1">
             <a:extLst>
               <a:ext uri="{FF2B5EF4-FFF2-40B4-BE49-F238E27FC236}">
-                <a16:creationId xmlns:a16="http://schemas.microsoft.com/office/drawing/2014/main" id="{1322B283-B742-40DA-835A-862E7BB1C3B5}"/>
+                <a16:creationId xmlns:a16="http://schemas.microsoft.com/office/drawing/2014/main" xmlns="" id="{1322B283-B742-40DA-835A-862E7BB1C3B5}"/>
               </a:ext>
             </a:extLst>
           </p:cNvPr>
@@ -15047,7 +15063,7 @@
           <p:cNvPr id="3" name="Inhaltsplatzhalter 2">
             <a:extLst>
               <a:ext uri="{FF2B5EF4-FFF2-40B4-BE49-F238E27FC236}">
-                <a16:creationId xmlns:a16="http://schemas.microsoft.com/office/drawing/2014/main" id="{DC776700-4E3F-4D0A-AAD5-852059B77543}"/>
+                <a16:creationId xmlns:a16="http://schemas.microsoft.com/office/drawing/2014/main" xmlns="" id="{DC776700-4E3F-4D0A-AAD5-852059B77543}"/>
               </a:ext>
             </a:extLst>
           </p:cNvPr>
@@ -15081,7 +15097,7 @@
           <p:cNvPr id="8" name="Grafik 7">
             <a:extLst>
               <a:ext uri="{FF2B5EF4-FFF2-40B4-BE49-F238E27FC236}">
-                <a16:creationId xmlns:a16="http://schemas.microsoft.com/office/drawing/2014/main" id="{4699D342-B3E2-44C5-97DE-328317EB64B3}"/>
+                <a16:creationId xmlns:a16="http://schemas.microsoft.com/office/drawing/2014/main" xmlns="" id="{4699D342-B3E2-44C5-97DE-328317EB64B3}"/>
               </a:ext>
             </a:extLst>
           </p:cNvPr>
@@ -15117,7 +15133,7 @@
           <p:cNvPr id="9" name="Foliennummernplatzhalter 8">
             <a:extLst>
               <a:ext uri="{FF2B5EF4-FFF2-40B4-BE49-F238E27FC236}">
-                <a16:creationId xmlns:a16="http://schemas.microsoft.com/office/drawing/2014/main" id="{14BFD322-EF97-42F7-A434-FE6209E6DE65}"/>
+                <a16:creationId xmlns:a16="http://schemas.microsoft.com/office/drawing/2014/main" xmlns="" id="{14BFD322-EF97-42F7-A434-FE6209E6DE65}"/>
               </a:ext>
             </a:extLst>
           </p:cNvPr>
@@ -15146,7 +15162,7 @@
           <p:cNvPr id="11" name="Foliennummernplatzhalter 1">
             <a:extLst>
               <a:ext uri="{FF2B5EF4-FFF2-40B4-BE49-F238E27FC236}">
-                <a16:creationId xmlns:a16="http://schemas.microsoft.com/office/drawing/2014/main" id="{1DAD4D61-D757-4CE1-8D2B-5833EFEDA640}"/>
+                <a16:creationId xmlns:a16="http://schemas.microsoft.com/office/drawing/2014/main" xmlns="" id="{1DAD4D61-D757-4CE1-8D2B-5833EFEDA640}"/>
               </a:ext>
             </a:extLst>
           </p:cNvPr>
@@ -15306,7 +15322,7 @@
           <p:cNvPr id="2" name="Titel 1">
             <a:extLst>
               <a:ext uri="{FF2B5EF4-FFF2-40B4-BE49-F238E27FC236}">
-                <a16:creationId xmlns:a16="http://schemas.microsoft.com/office/drawing/2014/main" id="{C586E5D0-41B7-4EEC-B854-8B34F86E622D}"/>
+                <a16:creationId xmlns:a16="http://schemas.microsoft.com/office/drawing/2014/main" xmlns="" id="{C586E5D0-41B7-4EEC-B854-8B34F86E622D}"/>
               </a:ext>
             </a:extLst>
           </p:cNvPr>
@@ -15334,7 +15350,7 @@
           <p:cNvPr id="4" name="Grafik 3">
             <a:extLst>
               <a:ext uri="{FF2B5EF4-FFF2-40B4-BE49-F238E27FC236}">
-                <a16:creationId xmlns:a16="http://schemas.microsoft.com/office/drawing/2014/main" id="{C4783872-7845-4CF3-8273-0B18F8853D3D}"/>
+                <a16:creationId xmlns:a16="http://schemas.microsoft.com/office/drawing/2014/main" xmlns="" id="{C4783872-7845-4CF3-8273-0B18F8853D3D}"/>
               </a:ext>
             </a:extLst>
           </p:cNvPr>
@@ -15363,7 +15379,7 @@
           <p:cNvPr id="3" name="Foliennummernplatzhalter 2">
             <a:extLst>
               <a:ext uri="{FF2B5EF4-FFF2-40B4-BE49-F238E27FC236}">
-                <a16:creationId xmlns:a16="http://schemas.microsoft.com/office/drawing/2014/main" id="{109786AE-A27C-4109-AE41-69D8531B8CFD}"/>
+                <a16:creationId xmlns:a16="http://schemas.microsoft.com/office/drawing/2014/main" xmlns="" id="{109786AE-A27C-4109-AE41-69D8531B8CFD}"/>
               </a:ext>
             </a:extLst>
           </p:cNvPr>
@@ -15392,7 +15408,7 @@
           <p:cNvPr id="6" name="Foliennummernplatzhalter 1">
             <a:extLst>
               <a:ext uri="{FF2B5EF4-FFF2-40B4-BE49-F238E27FC236}">
-                <a16:creationId xmlns:a16="http://schemas.microsoft.com/office/drawing/2014/main" id="{7B9658A1-7036-4383-BFC6-1FC2B003B6A8}"/>
+                <a16:creationId xmlns:a16="http://schemas.microsoft.com/office/drawing/2014/main" xmlns="" id="{7B9658A1-7036-4383-BFC6-1FC2B003B6A8}"/>
               </a:ext>
             </a:extLst>
           </p:cNvPr>
@@ -15552,7 +15568,7 @@
           <p:cNvPr id="2" name="Titel 1">
             <a:extLst>
               <a:ext uri="{FF2B5EF4-FFF2-40B4-BE49-F238E27FC236}">
-                <a16:creationId xmlns:a16="http://schemas.microsoft.com/office/drawing/2014/main" id="{F520D3D7-DDA4-4459-AFB2-E1BFA85E51F0}"/>
+                <a16:creationId xmlns:a16="http://schemas.microsoft.com/office/drawing/2014/main" xmlns="" id="{F520D3D7-DDA4-4459-AFB2-E1BFA85E51F0}"/>
               </a:ext>
             </a:extLst>
           </p:cNvPr>
@@ -15580,7 +15596,7 @@
           <p:cNvPr id="3" name="Inhaltsplatzhalter 2">
             <a:extLst>
               <a:ext uri="{FF2B5EF4-FFF2-40B4-BE49-F238E27FC236}">
-                <a16:creationId xmlns:a16="http://schemas.microsoft.com/office/drawing/2014/main" id="{5DF09BD1-F3CD-499A-B25D-63AD24C2FDE2}"/>
+                <a16:creationId xmlns:a16="http://schemas.microsoft.com/office/drawing/2014/main" xmlns="" id="{5DF09BD1-F3CD-499A-B25D-63AD24C2FDE2}"/>
               </a:ext>
             </a:extLst>
           </p:cNvPr>
@@ -15620,7 +15636,7 @@
           <p:cNvPr id="4" name="Foliennummernplatzhalter 3">
             <a:extLst>
               <a:ext uri="{FF2B5EF4-FFF2-40B4-BE49-F238E27FC236}">
-                <a16:creationId xmlns:a16="http://schemas.microsoft.com/office/drawing/2014/main" id="{F102A0CE-5C94-40FD-9EB8-C52BA8885055}"/>
+                <a16:creationId xmlns:a16="http://schemas.microsoft.com/office/drawing/2014/main" xmlns="" id="{F102A0CE-5C94-40FD-9EB8-C52BA8885055}"/>
               </a:ext>
             </a:extLst>
           </p:cNvPr>
@@ -15649,7 +15665,7 @@
           <p:cNvPr id="6" name="Foliennummernplatzhalter 1">
             <a:extLst>
               <a:ext uri="{FF2B5EF4-FFF2-40B4-BE49-F238E27FC236}">
-                <a16:creationId xmlns:a16="http://schemas.microsoft.com/office/drawing/2014/main" id="{5224FE88-DE3E-487D-8F62-9564F5AB60D0}"/>
+                <a16:creationId xmlns:a16="http://schemas.microsoft.com/office/drawing/2014/main" xmlns="" id="{5224FE88-DE3E-487D-8F62-9564F5AB60D0}"/>
               </a:ext>
             </a:extLst>
           </p:cNvPr>
@@ -15809,7 +15825,7 @@
           <p:cNvPr id="2" name="Titel 1">
             <a:extLst>
               <a:ext uri="{FF2B5EF4-FFF2-40B4-BE49-F238E27FC236}">
-                <a16:creationId xmlns:a16="http://schemas.microsoft.com/office/drawing/2014/main" id="{2CCFEAE7-F4ED-44FA-A253-0B60AB46F975}"/>
+                <a16:creationId xmlns:a16="http://schemas.microsoft.com/office/drawing/2014/main" xmlns="" id="{2CCFEAE7-F4ED-44FA-A253-0B60AB46F975}"/>
               </a:ext>
             </a:extLst>
           </p:cNvPr>
@@ -15837,7 +15853,7 @@
           <p:cNvPr id="4" name="Grafik 3">
             <a:extLst>
               <a:ext uri="{FF2B5EF4-FFF2-40B4-BE49-F238E27FC236}">
-                <a16:creationId xmlns:a16="http://schemas.microsoft.com/office/drawing/2014/main" id="{9218276A-38DF-4BB9-9218-28A91F7A3A63}"/>
+                <a16:creationId xmlns:a16="http://schemas.microsoft.com/office/drawing/2014/main" xmlns="" id="{9218276A-38DF-4BB9-9218-28A91F7A3A63}"/>
               </a:ext>
             </a:extLst>
           </p:cNvPr>
@@ -15866,7 +15882,7 @@
           <p:cNvPr id="3" name="Foliennummernplatzhalter 2">
             <a:extLst>
               <a:ext uri="{FF2B5EF4-FFF2-40B4-BE49-F238E27FC236}">
-                <a16:creationId xmlns:a16="http://schemas.microsoft.com/office/drawing/2014/main" id="{DEDE569F-D300-4FA1-955C-32CD23B5B044}"/>
+                <a16:creationId xmlns:a16="http://schemas.microsoft.com/office/drawing/2014/main" xmlns="" id="{DEDE569F-D300-4FA1-955C-32CD23B5B044}"/>
               </a:ext>
             </a:extLst>
           </p:cNvPr>
@@ -15895,7 +15911,7 @@
           <p:cNvPr id="6" name="Foliennummernplatzhalter 1">
             <a:extLst>
               <a:ext uri="{FF2B5EF4-FFF2-40B4-BE49-F238E27FC236}">
-                <a16:creationId xmlns:a16="http://schemas.microsoft.com/office/drawing/2014/main" id="{A6C2CBA8-6BC6-42AF-9343-7CC4612306B7}"/>
+                <a16:creationId xmlns:a16="http://schemas.microsoft.com/office/drawing/2014/main" xmlns="" id="{A6C2CBA8-6BC6-42AF-9343-7CC4612306B7}"/>
               </a:ext>
             </a:extLst>
           </p:cNvPr>
@@ -16055,7 +16071,7 @@
           <p:cNvPr id="2" name="Titel 1">
             <a:extLst>
               <a:ext uri="{FF2B5EF4-FFF2-40B4-BE49-F238E27FC236}">
-                <a16:creationId xmlns:a16="http://schemas.microsoft.com/office/drawing/2014/main" id="{1B3F406C-536E-4365-8F2A-D80B84B8AC55}"/>
+                <a16:creationId xmlns:a16="http://schemas.microsoft.com/office/drawing/2014/main" xmlns="" id="{1B3F406C-536E-4365-8F2A-D80B84B8AC55}"/>
               </a:ext>
             </a:extLst>
           </p:cNvPr>
@@ -16083,7 +16099,7 @@
           <p:cNvPr id="3" name="Inhaltsplatzhalter 2">
             <a:extLst>
               <a:ext uri="{FF2B5EF4-FFF2-40B4-BE49-F238E27FC236}">
-                <a16:creationId xmlns:a16="http://schemas.microsoft.com/office/drawing/2014/main" id="{D357395F-5EF2-42F1-B06E-B8C721674E9E}"/>
+                <a16:creationId xmlns:a16="http://schemas.microsoft.com/office/drawing/2014/main" xmlns="" id="{D357395F-5EF2-42F1-B06E-B8C721674E9E}"/>
               </a:ext>
             </a:extLst>
           </p:cNvPr>
@@ -16155,7 +16171,7 @@
           <p:cNvPr id="5" name="Grafik 4" descr="Ein Bild, das Kleidung, Anzug, Zeichnung enthält.&#10;&#10;Automatisch generierte Beschreibung">
             <a:extLst>
               <a:ext uri="{FF2B5EF4-FFF2-40B4-BE49-F238E27FC236}">
-                <a16:creationId xmlns:a16="http://schemas.microsoft.com/office/drawing/2014/main" id="{F5CA59E9-CE1F-4AFA-A287-0183BDEF954E}"/>
+                <a16:creationId xmlns:a16="http://schemas.microsoft.com/office/drawing/2014/main" xmlns="" id="{F5CA59E9-CE1F-4AFA-A287-0183BDEF954E}"/>
               </a:ext>
             </a:extLst>
           </p:cNvPr>
@@ -16190,7 +16206,7 @@
           <p:cNvPr id="4" name="Foliennummernplatzhalter 3">
             <a:extLst>
               <a:ext uri="{FF2B5EF4-FFF2-40B4-BE49-F238E27FC236}">
-                <a16:creationId xmlns:a16="http://schemas.microsoft.com/office/drawing/2014/main" id="{1A664F65-6B97-4B58-9FB7-D030E16A39D4}"/>
+                <a16:creationId xmlns:a16="http://schemas.microsoft.com/office/drawing/2014/main" xmlns="" id="{1A664F65-6B97-4B58-9FB7-D030E16A39D4}"/>
               </a:ext>
             </a:extLst>
           </p:cNvPr>
@@ -16219,7 +16235,7 @@
           <p:cNvPr id="7" name="Foliennummernplatzhalter 1">
             <a:extLst>
               <a:ext uri="{FF2B5EF4-FFF2-40B4-BE49-F238E27FC236}">
-                <a16:creationId xmlns:a16="http://schemas.microsoft.com/office/drawing/2014/main" id="{9CFDF263-1F9C-46F8-8C1F-713C32EBDBF5}"/>
+                <a16:creationId xmlns:a16="http://schemas.microsoft.com/office/drawing/2014/main" xmlns="" id="{9CFDF263-1F9C-46F8-8C1F-713C32EBDBF5}"/>
               </a:ext>
             </a:extLst>
           </p:cNvPr>
@@ -16379,7 +16395,7 @@
           <p:cNvPr id="2" name="Titel 1">
             <a:extLst>
               <a:ext uri="{FF2B5EF4-FFF2-40B4-BE49-F238E27FC236}">
-                <a16:creationId xmlns:a16="http://schemas.microsoft.com/office/drawing/2014/main" id="{4CF5014B-E2D8-4936-8983-4686F34FB038}"/>
+                <a16:creationId xmlns:a16="http://schemas.microsoft.com/office/drawing/2014/main" xmlns="" id="{4CF5014B-E2D8-4936-8983-4686F34FB038}"/>
               </a:ext>
             </a:extLst>
           </p:cNvPr>
@@ -16407,7 +16423,7 @@
           <p:cNvPr id="3" name="Inhaltsplatzhalter 2">
             <a:extLst>
               <a:ext uri="{FF2B5EF4-FFF2-40B4-BE49-F238E27FC236}">
-                <a16:creationId xmlns:a16="http://schemas.microsoft.com/office/drawing/2014/main" id="{3522D5E1-EF87-4BD4-97AE-67EC9CCF6098}"/>
+                <a16:creationId xmlns:a16="http://schemas.microsoft.com/office/drawing/2014/main" xmlns="" id="{3522D5E1-EF87-4BD4-97AE-67EC9CCF6098}"/>
               </a:ext>
             </a:extLst>
           </p:cNvPr>
@@ -16472,7 +16488,7 @@
           <p:cNvPr id="6" name="Foliennummernplatzhalter 5">
             <a:extLst>
               <a:ext uri="{FF2B5EF4-FFF2-40B4-BE49-F238E27FC236}">
-                <a16:creationId xmlns:a16="http://schemas.microsoft.com/office/drawing/2014/main" id="{FD9F75DD-4109-4837-A3CE-141A85BF715D}"/>
+                <a16:creationId xmlns:a16="http://schemas.microsoft.com/office/drawing/2014/main" xmlns="" id="{FD9F75DD-4109-4837-A3CE-141A85BF715D}"/>
               </a:ext>
             </a:extLst>
           </p:cNvPr>
@@ -16501,7 +16517,7 @@
           <p:cNvPr id="8" name="Foliennummernplatzhalter 1">
             <a:extLst>
               <a:ext uri="{FF2B5EF4-FFF2-40B4-BE49-F238E27FC236}">
-                <a16:creationId xmlns:a16="http://schemas.microsoft.com/office/drawing/2014/main" id="{7E89552F-3A93-460A-A430-518DFE46AE66}"/>
+                <a16:creationId xmlns:a16="http://schemas.microsoft.com/office/drawing/2014/main" xmlns="" id="{7E89552F-3A93-460A-A430-518DFE46AE66}"/>
               </a:ext>
             </a:extLst>
           </p:cNvPr>
@@ -16661,7 +16677,7 @@
           <p:cNvPr id="2" name="Titel 1">
             <a:extLst>
               <a:ext uri="{FF2B5EF4-FFF2-40B4-BE49-F238E27FC236}">
-                <a16:creationId xmlns:a16="http://schemas.microsoft.com/office/drawing/2014/main" id="{F5CB139F-88D7-4E46-AC54-9B1F7FB92F8D}"/>
+                <a16:creationId xmlns:a16="http://schemas.microsoft.com/office/drawing/2014/main" xmlns="" id="{F5CB139F-88D7-4E46-AC54-9B1F7FB92F8D}"/>
               </a:ext>
             </a:extLst>
           </p:cNvPr>
@@ -16694,7 +16710,7 @@
           <p:cNvPr id="3" name="Inhaltsplatzhalter 2">
             <a:extLst>
               <a:ext uri="{FF2B5EF4-FFF2-40B4-BE49-F238E27FC236}">
-                <a16:creationId xmlns:a16="http://schemas.microsoft.com/office/drawing/2014/main" id="{F1194FA6-8471-44AA-B45A-E1DBCCF50032}"/>
+                <a16:creationId xmlns:a16="http://schemas.microsoft.com/office/drawing/2014/main" xmlns="" id="{F1194FA6-8471-44AA-B45A-E1DBCCF50032}"/>
               </a:ext>
             </a:extLst>
           </p:cNvPr>
@@ -16771,7 +16787,7 @@
           <p:cNvPr id="4" name="Foliennummernplatzhalter 3">
             <a:extLst>
               <a:ext uri="{FF2B5EF4-FFF2-40B4-BE49-F238E27FC236}">
-                <a16:creationId xmlns:a16="http://schemas.microsoft.com/office/drawing/2014/main" id="{5EB8B2D5-E614-45EF-B61A-4F1BB2F40B61}"/>
+                <a16:creationId xmlns:a16="http://schemas.microsoft.com/office/drawing/2014/main" xmlns="" id="{5EB8B2D5-E614-45EF-B61A-4F1BB2F40B61}"/>
               </a:ext>
             </a:extLst>
           </p:cNvPr>
@@ -16800,7 +16816,7 @@
           <p:cNvPr id="7" name="Foliennummernplatzhalter 1">
             <a:extLst>
               <a:ext uri="{FF2B5EF4-FFF2-40B4-BE49-F238E27FC236}">
-                <a16:creationId xmlns:a16="http://schemas.microsoft.com/office/drawing/2014/main" id="{48286A88-8C8E-4928-96BF-A4A279AAD886}"/>
+                <a16:creationId xmlns:a16="http://schemas.microsoft.com/office/drawing/2014/main" xmlns="" id="{48286A88-8C8E-4928-96BF-A4A279AAD886}"/>
               </a:ext>
             </a:extLst>
           </p:cNvPr>
@@ -16960,7 +16976,7 @@
           <p:cNvPr id="2" name="Titel 1">
             <a:extLst>
               <a:ext uri="{FF2B5EF4-FFF2-40B4-BE49-F238E27FC236}">
-                <a16:creationId xmlns:a16="http://schemas.microsoft.com/office/drawing/2014/main" id="{278F250C-B6A7-4B97-898D-517ADE3924CA}"/>
+                <a16:creationId xmlns:a16="http://schemas.microsoft.com/office/drawing/2014/main" xmlns="" id="{278F250C-B6A7-4B97-898D-517ADE3924CA}"/>
               </a:ext>
             </a:extLst>
           </p:cNvPr>
@@ -16988,7 +17004,7 @@
           <p:cNvPr id="3" name="Inhaltsplatzhalter 2">
             <a:extLst>
               <a:ext uri="{FF2B5EF4-FFF2-40B4-BE49-F238E27FC236}">
-                <a16:creationId xmlns:a16="http://schemas.microsoft.com/office/drawing/2014/main" id="{43B1BE17-98AC-4A10-99CA-9657B0778D70}"/>
+                <a16:creationId xmlns:a16="http://schemas.microsoft.com/office/drawing/2014/main" xmlns="" id="{43B1BE17-98AC-4A10-99CA-9657B0778D70}"/>
               </a:ext>
             </a:extLst>
           </p:cNvPr>
@@ -17097,7 +17113,7 @@
           <p:cNvPr id="4" name="Foliennummernplatzhalter 3">
             <a:extLst>
               <a:ext uri="{FF2B5EF4-FFF2-40B4-BE49-F238E27FC236}">
-                <a16:creationId xmlns:a16="http://schemas.microsoft.com/office/drawing/2014/main" id="{0C0A13F5-4EE7-4C41-B5E9-B52A00C89324}"/>
+                <a16:creationId xmlns:a16="http://schemas.microsoft.com/office/drawing/2014/main" xmlns="" id="{0C0A13F5-4EE7-4C41-B5E9-B52A00C89324}"/>
               </a:ext>
             </a:extLst>
           </p:cNvPr>
@@ -17126,7 +17142,7 @@
           <p:cNvPr id="6" name="Foliennummernplatzhalter 1">
             <a:extLst>
               <a:ext uri="{FF2B5EF4-FFF2-40B4-BE49-F238E27FC236}">
-                <a16:creationId xmlns:a16="http://schemas.microsoft.com/office/drawing/2014/main" id="{334A1EDF-EA72-452E-975C-A948938EC617}"/>
+                <a16:creationId xmlns:a16="http://schemas.microsoft.com/office/drawing/2014/main" xmlns="" id="{334A1EDF-EA72-452E-975C-A948938EC617}"/>
               </a:ext>
             </a:extLst>
           </p:cNvPr>
@@ -17286,7 +17302,7 @@
           <p:cNvPr id="2" name="Titel 1">
             <a:extLst>
               <a:ext uri="{FF2B5EF4-FFF2-40B4-BE49-F238E27FC236}">
-                <a16:creationId xmlns:a16="http://schemas.microsoft.com/office/drawing/2014/main" id="{1B3F406C-536E-4365-8F2A-D80B84B8AC55}"/>
+                <a16:creationId xmlns:a16="http://schemas.microsoft.com/office/drawing/2014/main" xmlns="" id="{1B3F406C-536E-4365-8F2A-D80B84B8AC55}"/>
               </a:ext>
             </a:extLst>
           </p:cNvPr>
@@ -17314,7 +17330,7 @@
           <p:cNvPr id="3" name="Inhaltsplatzhalter 2">
             <a:extLst>
               <a:ext uri="{FF2B5EF4-FFF2-40B4-BE49-F238E27FC236}">
-                <a16:creationId xmlns:a16="http://schemas.microsoft.com/office/drawing/2014/main" id="{D357395F-5EF2-42F1-B06E-B8C721674E9E}"/>
+                <a16:creationId xmlns:a16="http://schemas.microsoft.com/office/drawing/2014/main" xmlns="" id="{D357395F-5EF2-42F1-B06E-B8C721674E9E}"/>
               </a:ext>
             </a:extLst>
           </p:cNvPr>
@@ -17402,7 +17418,7 @@
           <p:cNvPr id="4" name="Foliennummernplatzhalter 3">
             <a:extLst>
               <a:ext uri="{FF2B5EF4-FFF2-40B4-BE49-F238E27FC236}">
-                <a16:creationId xmlns:a16="http://schemas.microsoft.com/office/drawing/2014/main" id="{9C55A516-5D63-4D6B-9F5A-A11A2EB24049}"/>
+                <a16:creationId xmlns:a16="http://schemas.microsoft.com/office/drawing/2014/main" xmlns="" id="{9C55A516-5D63-4D6B-9F5A-A11A2EB24049}"/>
               </a:ext>
             </a:extLst>
           </p:cNvPr>
@@ -17431,7 +17447,7 @@
           <p:cNvPr id="6" name="Foliennummernplatzhalter 1">
             <a:extLst>
               <a:ext uri="{FF2B5EF4-FFF2-40B4-BE49-F238E27FC236}">
-                <a16:creationId xmlns:a16="http://schemas.microsoft.com/office/drawing/2014/main" id="{EBA77488-75EF-44B3-BEF7-B7B0D2D34F6A}"/>
+                <a16:creationId xmlns:a16="http://schemas.microsoft.com/office/drawing/2014/main" xmlns="" id="{EBA77488-75EF-44B3-BEF7-B7B0D2D34F6A}"/>
               </a:ext>
             </a:extLst>
           </p:cNvPr>
@@ -17591,7 +17607,7 @@
           <p:cNvPr id="2" name="Titel 1">
             <a:extLst>
               <a:ext uri="{FF2B5EF4-FFF2-40B4-BE49-F238E27FC236}">
-                <a16:creationId xmlns:a16="http://schemas.microsoft.com/office/drawing/2014/main" id="{278F250C-B6A7-4B97-898D-517ADE3924CA}"/>
+                <a16:creationId xmlns:a16="http://schemas.microsoft.com/office/drawing/2014/main" xmlns="" id="{278F250C-B6A7-4B97-898D-517ADE3924CA}"/>
               </a:ext>
             </a:extLst>
           </p:cNvPr>
@@ -17619,7 +17635,7 @@
           <p:cNvPr id="3" name="Inhaltsplatzhalter 2">
             <a:extLst>
               <a:ext uri="{FF2B5EF4-FFF2-40B4-BE49-F238E27FC236}">
-                <a16:creationId xmlns:a16="http://schemas.microsoft.com/office/drawing/2014/main" id="{43B1BE17-98AC-4A10-99CA-9657B0778D70}"/>
+                <a16:creationId xmlns:a16="http://schemas.microsoft.com/office/drawing/2014/main" xmlns="" id="{43B1BE17-98AC-4A10-99CA-9657B0778D70}"/>
               </a:ext>
             </a:extLst>
           </p:cNvPr>
@@ -17709,7 +17725,7 @@
           <p:cNvPr id="4" name="Foliennummernplatzhalter 3">
             <a:extLst>
               <a:ext uri="{FF2B5EF4-FFF2-40B4-BE49-F238E27FC236}">
-                <a16:creationId xmlns:a16="http://schemas.microsoft.com/office/drawing/2014/main" id="{002398D5-4BC6-4F54-BC29-E99FE7388172}"/>
+                <a16:creationId xmlns:a16="http://schemas.microsoft.com/office/drawing/2014/main" xmlns="" id="{002398D5-4BC6-4F54-BC29-E99FE7388172}"/>
               </a:ext>
             </a:extLst>
           </p:cNvPr>
@@ -17738,7 +17754,7 @@
           <p:cNvPr id="7" name="Foliennummernplatzhalter 1">
             <a:extLst>
               <a:ext uri="{FF2B5EF4-FFF2-40B4-BE49-F238E27FC236}">
-                <a16:creationId xmlns:a16="http://schemas.microsoft.com/office/drawing/2014/main" id="{A9137B2D-6E49-42CE-B2AB-83D2436F71E2}"/>
+                <a16:creationId xmlns:a16="http://schemas.microsoft.com/office/drawing/2014/main" xmlns="" id="{A9137B2D-6E49-42CE-B2AB-83D2436F71E2}"/>
               </a:ext>
             </a:extLst>
           </p:cNvPr>
@@ -17898,7 +17914,7 @@
           <p:cNvPr id="2" name="Titel 1">
             <a:extLst>
               <a:ext uri="{FF2B5EF4-FFF2-40B4-BE49-F238E27FC236}">
-                <a16:creationId xmlns:a16="http://schemas.microsoft.com/office/drawing/2014/main" id="{B9C086EA-A0ED-466B-B8DD-98A6A84F4FD0}"/>
+                <a16:creationId xmlns:a16="http://schemas.microsoft.com/office/drawing/2014/main" xmlns="" id="{B9C086EA-A0ED-466B-B8DD-98A6A84F4FD0}"/>
               </a:ext>
             </a:extLst>
           </p:cNvPr>
@@ -17926,7 +17942,7 @@
           <p:cNvPr id="3" name="Inhaltsplatzhalter 2">
             <a:extLst>
               <a:ext uri="{FF2B5EF4-FFF2-40B4-BE49-F238E27FC236}">
-                <a16:creationId xmlns:a16="http://schemas.microsoft.com/office/drawing/2014/main" id="{CBD2D946-4E70-4362-B656-006E0AC3530B}"/>
+                <a16:creationId xmlns:a16="http://schemas.microsoft.com/office/drawing/2014/main" xmlns="" id="{CBD2D946-4E70-4362-B656-006E0AC3530B}"/>
               </a:ext>
             </a:extLst>
           </p:cNvPr>
@@ -17992,7 +18008,7 @@
           <p:cNvPr id="4" name="Foliennummernplatzhalter 3">
             <a:extLst>
               <a:ext uri="{FF2B5EF4-FFF2-40B4-BE49-F238E27FC236}">
-                <a16:creationId xmlns:a16="http://schemas.microsoft.com/office/drawing/2014/main" id="{95446232-4CFA-4CC6-BFF0-0865FC0D9EF9}"/>
+                <a16:creationId xmlns:a16="http://schemas.microsoft.com/office/drawing/2014/main" xmlns="" id="{95446232-4CFA-4CC6-BFF0-0865FC0D9EF9}"/>
               </a:ext>
             </a:extLst>
           </p:cNvPr>
@@ -18021,7 +18037,7 @@
           <p:cNvPr id="6" name="Foliennummernplatzhalter 1">
             <a:extLst>
               <a:ext uri="{FF2B5EF4-FFF2-40B4-BE49-F238E27FC236}">
-                <a16:creationId xmlns:a16="http://schemas.microsoft.com/office/drawing/2014/main" id="{6F874D6C-DB4A-43E5-A737-7C2ECC87920F}"/>
+                <a16:creationId xmlns:a16="http://schemas.microsoft.com/office/drawing/2014/main" xmlns="" id="{6F874D6C-DB4A-43E5-A737-7C2ECC87920F}"/>
               </a:ext>
             </a:extLst>
           </p:cNvPr>
@@ -18181,7 +18197,7 @@
           <p:cNvPr id="3" name="Grafik 2">
             <a:extLst>
               <a:ext uri="{FF2B5EF4-FFF2-40B4-BE49-F238E27FC236}">
-                <a16:creationId xmlns:a16="http://schemas.microsoft.com/office/drawing/2014/main" id="{AA6220DA-71CE-4696-8A2C-3F17A5D5FE3F}"/>
+                <a16:creationId xmlns:a16="http://schemas.microsoft.com/office/drawing/2014/main" xmlns="" id="{AA6220DA-71CE-4696-8A2C-3F17A5D5FE3F}"/>
               </a:ext>
             </a:extLst>
           </p:cNvPr>
@@ -18226,7 +18242,7 @@
           <p:cNvPr id="4" name="Titel 3">
             <a:extLst>
               <a:ext uri="{FF2B5EF4-FFF2-40B4-BE49-F238E27FC236}">
-                <a16:creationId xmlns:a16="http://schemas.microsoft.com/office/drawing/2014/main" id="{7A28EA46-B0C2-4A4A-823F-14BE2B329A56}"/>
+                <a16:creationId xmlns:a16="http://schemas.microsoft.com/office/drawing/2014/main" xmlns="" id="{7A28EA46-B0C2-4A4A-823F-14BE2B329A56}"/>
               </a:ext>
             </a:extLst>
           </p:cNvPr>
@@ -18259,7 +18275,7 @@
           <p:cNvPr id="2" name="Foliennummernplatzhalter 1">
             <a:extLst>
               <a:ext uri="{FF2B5EF4-FFF2-40B4-BE49-F238E27FC236}">
-                <a16:creationId xmlns:a16="http://schemas.microsoft.com/office/drawing/2014/main" id="{9EB37D2B-5494-473A-95AC-B7BD33746F24}"/>
+                <a16:creationId xmlns:a16="http://schemas.microsoft.com/office/drawing/2014/main" xmlns="" id="{9EB37D2B-5494-473A-95AC-B7BD33746F24}"/>
               </a:ext>
             </a:extLst>
           </p:cNvPr>
@@ -18288,7 +18304,7 @@
           <p:cNvPr id="6" name="Foliennummernplatzhalter 1">
             <a:extLst>
               <a:ext uri="{FF2B5EF4-FFF2-40B4-BE49-F238E27FC236}">
-                <a16:creationId xmlns:a16="http://schemas.microsoft.com/office/drawing/2014/main" id="{73EA53BA-555A-49DC-9DD8-2512485359F8}"/>
+                <a16:creationId xmlns:a16="http://schemas.microsoft.com/office/drawing/2014/main" xmlns="" id="{73EA53BA-555A-49DC-9DD8-2512485359F8}"/>
               </a:ext>
             </a:extLst>
           </p:cNvPr>
@@ -18448,7 +18464,7 @@
           <p:cNvPr id="2" name="Titel 1">
             <a:extLst>
               <a:ext uri="{FF2B5EF4-FFF2-40B4-BE49-F238E27FC236}">
-                <a16:creationId xmlns:a16="http://schemas.microsoft.com/office/drawing/2014/main" id="{1B3F406C-536E-4365-8F2A-D80B84B8AC55}"/>
+                <a16:creationId xmlns:a16="http://schemas.microsoft.com/office/drawing/2014/main" xmlns="" id="{1B3F406C-536E-4365-8F2A-D80B84B8AC55}"/>
               </a:ext>
             </a:extLst>
           </p:cNvPr>
@@ -18476,7 +18492,7 @@
           <p:cNvPr id="3" name="Inhaltsplatzhalter 2">
             <a:extLst>
               <a:ext uri="{FF2B5EF4-FFF2-40B4-BE49-F238E27FC236}">
-                <a16:creationId xmlns:a16="http://schemas.microsoft.com/office/drawing/2014/main" id="{D357395F-5EF2-42F1-B06E-B8C721674E9E}"/>
+                <a16:creationId xmlns:a16="http://schemas.microsoft.com/office/drawing/2014/main" xmlns="" id="{D357395F-5EF2-42F1-B06E-B8C721674E9E}"/>
               </a:ext>
             </a:extLst>
           </p:cNvPr>
@@ -18555,7 +18571,7 @@
           <p:cNvPr id="4" name="Foliennummernplatzhalter 3">
             <a:extLst>
               <a:ext uri="{FF2B5EF4-FFF2-40B4-BE49-F238E27FC236}">
-                <a16:creationId xmlns:a16="http://schemas.microsoft.com/office/drawing/2014/main" id="{17579179-2C78-4DC6-8DD3-C5C5D6708D18}"/>
+                <a16:creationId xmlns:a16="http://schemas.microsoft.com/office/drawing/2014/main" xmlns="" id="{17579179-2C78-4DC6-8DD3-C5C5D6708D18}"/>
               </a:ext>
             </a:extLst>
           </p:cNvPr>
@@ -18584,7 +18600,7 @@
           <p:cNvPr id="6" name="Foliennummernplatzhalter 1">
             <a:extLst>
               <a:ext uri="{FF2B5EF4-FFF2-40B4-BE49-F238E27FC236}">
-                <a16:creationId xmlns:a16="http://schemas.microsoft.com/office/drawing/2014/main" id="{A8372820-561C-4A8C-A5CA-31B36DD7572A}"/>
+                <a16:creationId xmlns:a16="http://schemas.microsoft.com/office/drawing/2014/main" xmlns="" id="{A8372820-561C-4A8C-A5CA-31B36DD7572A}"/>
               </a:ext>
             </a:extLst>
           </p:cNvPr>
@@ -18744,7 +18760,7 @@
           <p:cNvPr id="4" name="Grafik 3">
             <a:extLst>
               <a:ext uri="{FF2B5EF4-FFF2-40B4-BE49-F238E27FC236}">
-                <a16:creationId xmlns:a16="http://schemas.microsoft.com/office/drawing/2014/main" id="{5249AD30-3757-4280-AB32-72AF4B3DB7C8}"/>
+                <a16:creationId xmlns:a16="http://schemas.microsoft.com/office/drawing/2014/main" xmlns="" id="{5249AD30-3757-4280-AB32-72AF4B3DB7C8}"/>
               </a:ext>
             </a:extLst>
           </p:cNvPr>
@@ -18774,7 +18790,7 @@
           <p:cNvPr id="2" name="Titel 1">
             <a:extLst>
               <a:ext uri="{FF2B5EF4-FFF2-40B4-BE49-F238E27FC236}">
-                <a16:creationId xmlns:a16="http://schemas.microsoft.com/office/drawing/2014/main" id="{1B3F406C-536E-4365-8F2A-D80B84B8AC55}"/>
+                <a16:creationId xmlns:a16="http://schemas.microsoft.com/office/drawing/2014/main" xmlns="" id="{1B3F406C-536E-4365-8F2A-D80B84B8AC55}"/>
               </a:ext>
             </a:extLst>
           </p:cNvPr>
@@ -18803,7 +18819,7 @@
           <p:cNvPr id="3" name="Inhaltsplatzhalter 2">
             <a:extLst>
               <a:ext uri="{FF2B5EF4-FFF2-40B4-BE49-F238E27FC236}">
-                <a16:creationId xmlns:a16="http://schemas.microsoft.com/office/drawing/2014/main" id="{D357395F-5EF2-42F1-B06E-B8C721674E9E}"/>
+                <a16:creationId xmlns:a16="http://schemas.microsoft.com/office/drawing/2014/main" xmlns="" id="{D357395F-5EF2-42F1-B06E-B8C721674E9E}"/>
               </a:ext>
             </a:extLst>
           </p:cNvPr>
@@ -18938,7 +18954,7 @@
           <p:cNvPr id="5" name="Foliennummernplatzhalter 4">
             <a:extLst>
               <a:ext uri="{FF2B5EF4-FFF2-40B4-BE49-F238E27FC236}">
-                <a16:creationId xmlns:a16="http://schemas.microsoft.com/office/drawing/2014/main" id="{E1ECB0E9-78A4-4AEE-9E17-10411EF10A3C}"/>
+                <a16:creationId xmlns:a16="http://schemas.microsoft.com/office/drawing/2014/main" xmlns="" id="{E1ECB0E9-78A4-4AEE-9E17-10411EF10A3C}"/>
               </a:ext>
             </a:extLst>
           </p:cNvPr>
@@ -18967,7 +18983,7 @@
           <p:cNvPr id="7" name="Foliennummernplatzhalter 1">
             <a:extLst>
               <a:ext uri="{FF2B5EF4-FFF2-40B4-BE49-F238E27FC236}">
-                <a16:creationId xmlns:a16="http://schemas.microsoft.com/office/drawing/2014/main" id="{7EBDF784-9773-4B65-90A4-00F4ACAE4281}"/>
+                <a16:creationId xmlns:a16="http://schemas.microsoft.com/office/drawing/2014/main" xmlns="" id="{7EBDF784-9773-4B65-90A4-00F4ACAE4281}"/>
               </a:ext>
             </a:extLst>
           </p:cNvPr>
@@ -19127,7 +19143,7 @@
           <p:cNvPr id="2" name="Titel 1">
             <a:extLst>
               <a:ext uri="{FF2B5EF4-FFF2-40B4-BE49-F238E27FC236}">
-                <a16:creationId xmlns:a16="http://schemas.microsoft.com/office/drawing/2014/main" id="{1B3F406C-536E-4365-8F2A-D80B84B8AC55}"/>
+                <a16:creationId xmlns:a16="http://schemas.microsoft.com/office/drawing/2014/main" xmlns="" id="{1B3F406C-536E-4365-8F2A-D80B84B8AC55}"/>
               </a:ext>
             </a:extLst>
           </p:cNvPr>
@@ -19155,7 +19171,7 @@
           <p:cNvPr id="3" name="Inhaltsplatzhalter 2">
             <a:extLst>
               <a:ext uri="{FF2B5EF4-FFF2-40B4-BE49-F238E27FC236}">
-                <a16:creationId xmlns:a16="http://schemas.microsoft.com/office/drawing/2014/main" id="{D357395F-5EF2-42F1-B06E-B8C721674E9E}"/>
+                <a16:creationId xmlns:a16="http://schemas.microsoft.com/office/drawing/2014/main" xmlns="" id="{D357395F-5EF2-42F1-B06E-B8C721674E9E}"/>
               </a:ext>
             </a:extLst>
           </p:cNvPr>
@@ -19232,7 +19248,7 @@
           <p:cNvPr id="4" name="Foliennummernplatzhalter 3">
             <a:extLst>
               <a:ext uri="{FF2B5EF4-FFF2-40B4-BE49-F238E27FC236}">
-                <a16:creationId xmlns:a16="http://schemas.microsoft.com/office/drawing/2014/main" id="{10CA18CF-42D3-4562-B40C-C03B32F39A5E}"/>
+                <a16:creationId xmlns:a16="http://schemas.microsoft.com/office/drawing/2014/main" xmlns="" id="{10CA18CF-42D3-4562-B40C-C03B32F39A5E}"/>
               </a:ext>
             </a:extLst>
           </p:cNvPr>
@@ -19261,7 +19277,7 @@
           <p:cNvPr id="6" name="Foliennummernplatzhalter 1">
             <a:extLst>
               <a:ext uri="{FF2B5EF4-FFF2-40B4-BE49-F238E27FC236}">
-                <a16:creationId xmlns:a16="http://schemas.microsoft.com/office/drawing/2014/main" id="{D4B023F6-9DED-425A-AE04-65CBAB6929A9}"/>
+                <a16:creationId xmlns:a16="http://schemas.microsoft.com/office/drawing/2014/main" xmlns="" id="{D4B023F6-9DED-425A-AE04-65CBAB6929A9}"/>
               </a:ext>
             </a:extLst>
           </p:cNvPr>
@@ -19421,7 +19437,7 @@
           <p:cNvPr id="2" name="Titel 1">
             <a:extLst>
               <a:ext uri="{FF2B5EF4-FFF2-40B4-BE49-F238E27FC236}">
-                <a16:creationId xmlns:a16="http://schemas.microsoft.com/office/drawing/2014/main" id="{1B3F406C-536E-4365-8F2A-D80B84B8AC55}"/>
+                <a16:creationId xmlns:a16="http://schemas.microsoft.com/office/drawing/2014/main" xmlns="" id="{1B3F406C-536E-4365-8F2A-D80B84B8AC55}"/>
               </a:ext>
             </a:extLst>
           </p:cNvPr>
@@ -19454,7 +19470,7 @@
           <p:cNvPr id="3" name="Inhaltsplatzhalter 2">
             <a:extLst>
               <a:ext uri="{FF2B5EF4-FFF2-40B4-BE49-F238E27FC236}">
-                <a16:creationId xmlns:a16="http://schemas.microsoft.com/office/drawing/2014/main" id="{D357395F-5EF2-42F1-B06E-B8C721674E9E}"/>
+                <a16:creationId xmlns:a16="http://schemas.microsoft.com/office/drawing/2014/main" xmlns="" id="{D357395F-5EF2-42F1-B06E-B8C721674E9E}"/>
               </a:ext>
             </a:extLst>
           </p:cNvPr>
@@ -19531,7 +19547,7 @@
           <p:cNvPr id="4" name="Foliennummernplatzhalter 3">
             <a:extLst>
               <a:ext uri="{FF2B5EF4-FFF2-40B4-BE49-F238E27FC236}">
-                <a16:creationId xmlns:a16="http://schemas.microsoft.com/office/drawing/2014/main" id="{3C108FFC-9A81-4050-9812-6EFF9C5668C7}"/>
+                <a16:creationId xmlns:a16="http://schemas.microsoft.com/office/drawing/2014/main" xmlns="" id="{3C108FFC-9A81-4050-9812-6EFF9C5668C7}"/>
               </a:ext>
             </a:extLst>
           </p:cNvPr>
@@ -19560,7 +19576,7 @@
           <p:cNvPr id="6" name="Foliennummernplatzhalter 1">
             <a:extLst>
               <a:ext uri="{FF2B5EF4-FFF2-40B4-BE49-F238E27FC236}">
-                <a16:creationId xmlns:a16="http://schemas.microsoft.com/office/drawing/2014/main" id="{BEF68D78-185E-4594-8029-B9D7579A6561}"/>
+                <a16:creationId xmlns:a16="http://schemas.microsoft.com/office/drawing/2014/main" xmlns="" id="{BEF68D78-185E-4594-8029-B9D7579A6561}"/>
               </a:ext>
             </a:extLst>
           </p:cNvPr>
@@ -19741,7 +19757,7 @@
     </a:clrScheme>
     <a:fontScheme name="Office">
       <a:majorFont>
-        <a:latin typeface="Calibri Light" panose="020F0302020204030204"/>
+        <a:latin typeface="Calibri Light"/>
         <a:ea typeface=""/>
         <a:cs typeface=""/>
         <a:font script="Jpan" typeface="游ゴシック Light"/>
@@ -19793,7 +19809,7 @@
         <a:font script="Tfng" typeface="Ebrima"/>
       </a:majorFont>
       <a:minorFont>
-        <a:latin typeface="Calibri" panose="020F0502020204030204"/>
+        <a:latin typeface="Calibri"/>
         <a:ea typeface=""/>
         <a:cs typeface=""/>
         <a:font script="Jpan" typeface="游ゴシック"/>
@@ -19987,7 +20003,7 @@
   <a:extraClrSchemeLst/>
   <a:extLst>
     <a:ext uri="{05A4C25C-085E-4340-85A3-A5531E510DB2}">
-      <thm15:themeFamily xmlns:thm15="http://schemas.microsoft.com/office/thememl/2012/main" name="Office Theme" id="{62F939B6-93AF-4DB8-9C6B-D6C7DFDC589F}" vid="{4A3C46E8-61CC-4603-A589-7422A47A8E4A}"/>
+      <thm15:themeFamily xmlns:thm15="http://schemas.microsoft.com/office/thememl/2012/main" xmlns="" name="Office Theme" id="{62F939B6-93AF-4DB8-9C6B-D6C7DFDC589F}" vid="{4A3C46E8-61CC-4603-A589-7422A47A8E4A}"/>
     </a:ext>
   </a:extLst>
 </a:theme>
@@ -20036,7 +20052,7 @@
     </a:clrScheme>
     <a:fontScheme name="Office">
       <a:majorFont>
-        <a:latin typeface="Calibri Light" panose="020F0302020204030204"/>
+        <a:latin typeface="Calibri Light"/>
         <a:ea typeface=""/>
         <a:cs typeface=""/>
         <a:font script="Jpan" typeface="游ゴシック Light"/>
@@ -20088,7 +20104,7 @@
         <a:font script="Tfng" typeface="Ebrima"/>
       </a:majorFont>
       <a:minorFont>
-        <a:latin typeface="Calibri" panose="020F0502020204030204"/>
+        <a:latin typeface="Calibri"/>
         <a:ea typeface=""/>
         <a:cs typeface=""/>
         <a:font script="Jpan" typeface="游ゴシック"/>
@@ -20282,7 +20298,7 @@
   <a:extraClrSchemeLst/>
   <a:extLst>
     <a:ext uri="{05A4C25C-085E-4340-85A3-A5531E510DB2}">
-      <thm15:themeFamily xmlns:thm15="http://schemas.microsoft.com/office/thememl/2012/main" name="Office Theme" id="{62F939B6-93AF-4DB8-9C6B-D6C7DFDC589F}" vid="{4A3C46E8-61CC-4603-A589-7422A47A8E4A}"/>
+      <thm15:themeFamily xmlns:thm15="http://schemas.microsoft.com/office/thememl/2012/main" xmlns="" name="Office Theme" id="{62F939B6-93AF-4DB8-9C6B-D6C7DFDC589F}" vid="{4A3C46E8-61CC-4603-A589-7422A47A8E4A}"/>
     </a:ext>
   </a:extLst>
 </a:theme>
@@ -20331,7 +20347,7 @@
     </a:clrScheme>
     <a:fontScheme name="Office">
       <a:majorFont>
-        <a:latin typeface="Calibri Light" panose="020F0302020204030204"/>
+        <a:latin typeface="Calibri Light"/>
         <a:ea typeface=""/>
         <a:cs typeface=""/>
         <a:font script="Jpan" typeface="游ゴシック Light"/>
@@ -20383,7 +20399,7 @@
         <a:font script="Tfng" typeface="Ebrima"/>
       </a:majorFont>
       <a:minorFont>
-        <a:latin typeface="Calibri" panose="020F0502020204030204"/>
+        <a:latin typeface="Calibri"/>
         <a:ea typeface=""/>
         <a:cs typeface=""/>
         <a:font script="Jpan" typeface="游ゴシック"/>
@@ -20577,7 +20593,7 @@
   <a:extraClrSchemeLst/>
   <a:extLst>
     <a:ext uri="{05A4C25C-085E-4340-85A3-A5531E510DB2}">
-      <thm15:themeFamily xmlns:thm15="http://schemas.microsoft.com/office/thememl/2012/main" name="Office Theme" id="{62F939B6-93AF-4DB8-9C6B-D6C7DFDC589F}" vid="{4A3C46E8-61CC-4603-A589-7422A47A8E4A}"/>
+      <thm15:themeFamily xmlns:thm15="http://schemas.microsoft.com/office/thememl/2012/main" xmlns="" name="Office Theme" id="{62F939B6-93AF-4DB8-9C6B-D6C7DFDC589F}" vid="{4A3C46E8-61CC-4603-A589-7422A47A8E4A}"/>
     </a:ext>
   </a:extLst>
 </a:theme>

--- a/Risikomanagement.pptx
+++ b/Risikomanagement.pptx
@@ -163,7 +163,18 @@
   </p:defaultTextStyle>
   <p:extLst>
     <p:ext uri="{EFAFB233-063F-42B5-8137-9DF3F51BA10A}">
-      <p15:sldGuideLst xmlns:p15="http://schemas.microsoft.com/office/powerpoint/2012/main" xmlns=""/>
+      <p15:sldGuideLst xmlns:p15="http://schemas.microsoft.com/office/powerpoint/2012/main">
+        <p15:guide id="1" orient="horz" pos="2160">
+          <p15:clr>
+            <a:srgbClr val="A4A3A4"/>
+          </p15:clr>
+        </p15:guide>
+        <p15:guide id="2" pos="3840">
+          <p15:clr>
+            <a:srgbClr val="A4A3A4"/>
+          </p15:clr>
+        </p15:guide>
+      </p15:sldGuideLst>
     </p:ext>
   </p:extLst>
 </p:presentation>
@@ -196,7 +207,7 @@
           <p:cNvPr id="2" name="Kopfzeilenplatzhalter 1">
             <a:extLst>
               <a:ext uri="{FF2B5EF4-FFF2-40B4-BE49-F238E27FC236}">
-                <a16:creationId xmlns:a16="http://schemas.microsoft.com/office/drawing/2014/main" xmlns="" id="{C36FD074-1949-4EDA-A86C-94D6EFB53E19}"/>
+                <a16:creationId xmlns:a16="http://schemas.microsoft.com/office/drawing/2014/main" id="{C36FD074-1949-4EDA-A86C-94D6EFB53E19}"/>
               </a:ext>
             </a:extLst>
           </p:cNvPr>
@@ -233,7 +244,7 @@
           <p:cNvPr id="3" name="Datumsplatzhalter 2">
             <a:extLst>
               <a:ext uri="{FF2B5EF4-FFF2-40B4-BE49-F238E27FC236}">
-                <a16:creationId xmlns:a16="http://schemas.microsoft.com/office/drawing/2014/main" xmlns="" id="{2B8BA215-D21D-42CF-88CE-5705DBD84D01}"/>
+                <a16:creationId xmlns:a16="http://schemas.microsoft.com/office/drawing/2014/main" id="{2B8BA215-D21D-42CF-88CE-5705DBD84D01}"/>
               </a:ext>
             </a:extLst>
           </p:cNvPr>
@@ -263,7 +274,7 @@
           <a:p>
             <a:fld id="{CB9D8C46-D519-4441-A667-28E9CA678168}" type="datetimeFigureOut">
               <a:rPr lang="de-DE" smtClean="0"/>
-              <a:t>08.01.20</a:t>
+              <a:t>11.01.2020</a:t>
             </a:fld>
             <a:endParaRPr lang="de-DE"/>
           </a:p>
@@ -274,7 +285,7 @@
           <p:cNvPr id="4" name="Fußzeilenplatzhalter 3">
             <a:extLst>
               <a:ext uri="{FF2B5EF4-FFF2-40B4-BE49-F238E27FC236}">
-                <a16:creationId xmlns:a16="http://schemas.microsoft.com/office/drawing/2014/main" xmlns="" id="{622CC0FA-6991-46F3-8194-DB4B5C43286E}"/>
+                <a16:creationId xmlns:a16="http://schemas.microsoft.com/office/drawing/2014/main" id="{622CC0FA-6991-46F3-8194-DB4B5C43286E}"/>
               </a:ext>
             </a:extLst>
           </p:cNvPr>
@@ -311,7 +322,7 @@
           <p:cNvPr id="5" name="Foliennummernplatzhalter 4">
             <a:extLst>
               <a:ext uri="{FF2B5EF4-FFF2-40B4-BE49-F238E27FC236}">
-                <a16:creationId xmlns:a16="http://schemas.microsoft.com/office/drawing/2014/main" xmlns="" id="{47CE7CBD-06E6-45FF-9406-21CEB29C76F4}"/>
+                <a16:creationId xmlns:a16="http://schemas.microsoft.com/office/drawing/2014/main" id="{47CE7CBD-06E6-45FF-9406-21CEB29C76F4}"/>
               </a:ext>
             </a:extLst>
           </p:cNvPr>
@@ -440,7 +451,7 @@
           <a:p>
             <a:fld id="{BA1F7A56-A18D-4B92-9EE2-8848DB6C4C7B}" type="datetimeFigureOut">
               <a:rPr lang="de-DE" smtClean="0"/>
-              <a:t>08.01.20</a:t>
+              <a:t>11.01.2020</a:t>
             </a:fld>
             <a:endParaRPr lang="de-DE"/>
           </a:p>
@@ -813,7 +824,7 @@
           <p:cNvPr id="2" name="Titel 1">
             <a:extLst>
               <a:ext uri="{FF2B5EF4-FFF2-40B4-BE49-F238E27FC236}">
-                <a16:creationId xmlns:a16="http://schemas.microsoft.com/office/drawing/2014/main" xmlns="" id="{6A109175-A7C4-49FD-AF9E-D37AD4D2650A}"/>
+                <a16:creationId xmlns:a16="http://schemas.microsoft.com/office/drawing/2014/main" id="{6A109175-A7C4-49FD-AF9E-D37AD4D2650A}"/>
               </a:ext>
             </a:extLst>
           </p:cNvPr>
@@ -850,7 +861,7 @@
           <p:cNvPr id="3" name="Untertitel 2">
             <a:extLst>
               <a:ext uri="{FF2B5EF4-FFF2-40B4-BE49-F238E27FC236}">
-                <a16:creationId xmlns:a16="http://schemas.microsoft.com/office/drawing/2014/main" xmlns="" id="{469485CB-C14D-4B2D-BCD9-652BC28A547C}"/>
+                <a16:creationId xmlns:a16="http://schemas.microsoft.com/office/drawing/2014/main" id="{469485CB-C14D-4B2D-BCD9-652BC28A547C}"/>
               </a:ext>
             </a:extLst>
           </p:cNvPr>
@@ -920,7 +931,7 @@
           <p:cNvPr id="4" name="Datumsplatzhalter 3">
             <a:extLst>
               <a:ext uri="{FF2B5EF4-FFF2-40B4-BE49-F238E27FC236}">
-                <a16:creationId xmlns:a16="http://schemas.microsoft.com/office/drawing/2014/main" xmlns="" id="{6710A91D-AD11-4AD6-86D1-F1B642491E39}"/>
+                <a16:creationId xmlns:a16="http://schemas.microsoft.com/office/drawing/2014/main" id="{6710A91D-AD11-4AD6-86D1-F1B642491E39}"/>
               </a:ext>
             </a:extLst>
           </p:cNvPr>
@@ -938,7 +949,7 @@
           <a:p>
             <a:fld id="{AD66DEA6-0B81-4050-A891-4644C7C7D5EB}" type="datetime1">
               <a:rPr lang="de-DE" smtClean="0"/>
-              <a:t>08.01.20</a:t>
+              <a:t>11.01.2020</a:t>
             </a:fld>
             <a:endParaRPr lang="de-DE"/>
           </a:p>
@@ -949,7 +960,7 @@
           <p:cNvPr id="5" name="Fußzeilenplatzhalter 4">
             <a:extLst>
               <a:ext uri="{FF2B5EF4-FFF2-40B4-BE49-F238E27FC236}">
-                <a16:creationId xmlns:a16="http://schemas.microsoft.com/office/drawing/2014/main" xmlns="" id="{AB298D86-CBB5-4495-8515-D95F01F1DD3C}"/>
+                <a16:creationId xmlns:a16="http://schemas.microsoft.com/office/drawing/2014/main" id="{AB298D86-CBB5-4495-8515-D95F01F1DD3C}"/>
               </a:ext>
             </a:extLst>
           </p:cNvPr>
@@ -974,7 +985,7 @@
           <p:cNvPr id="6" name="Foliennummernplatzhalter 5">
             <a:extLst>
               <a:ext uri="{FF2B5EF4-FFF2-40B4-BE49-F238E27FC236}">
-                <a16:creationId xmlns:a16="http://schemas.microsoft.com/office/drawing/2014/main" xmlns="" id="{8E155596-FC00-4080-8D52-6022BD6719F0}"/>
+                <a16:creationId xmlns:a16="http://schemas.microsoft.com/office/drawing/2014/main" id="{8E155596-FC00-4080-8D52-6022BD6719F0}"/>
               </a:ext>
             </a:extLst>
           </p:cNvPr>
@@ -1037,7 +1048,7 @@
           <p:cNvPr id="2" name="Titel 1">
             <a:extLst>
               <a:ext uri="{FF2B5EF4-FFF2-40B4-BE49-F238E27FC236}">
-                <a16:creationId xmlns:a16="http://schemas.microsoft.com/office/drawing/2014/main" xmlns="" id="{0FFBB918-719C-478A-9347-55C47DB4F510}"/>
+                <a16:creationId xmlns:a16="http://schemas.microsoft.com/office/drawing/2014/main" id="{0FFBB918-719C-478A-9347-55C47DB4F510}"/>
               </a:ext>
             </a:extLst>
           </p:cNvPr>
@@ -1065,7 +1076,7 @@
           <p:cNvPr id="3" name="Vertikaler Textplatzhalter 2">
             <a:extLst>
               <a:ext uri="{FF2B5EF4-FFF2-40B4-BE49-F238E27FC236}">
-                <a16:creationId xmlns:a16="http://schemas.microsoft.com/office/drawing/2014/main" xmlns="" id="{2330F3DE-5571-4880-A919-57E71B72350D}"/>
+                <a16:creationId xmlns:a16="http://schemas.microsoft.com/office/drawing/2014/main" id="{2330F3DE-5571-4880-A919-57E71B72350D}"/>
               </a:ext>
             </a:extLst>
           </p:cNvPr>
@@ -1122,7 +1133,7 @@
           <p:cNvPr id="4" name="Datumsplatzhalter 3">
             <a:extLst>
               <a:ext uri="{FF2B5EF4-FFF2-40B4-BE49-F238E27FC236}">
-                <a16:creationId xmlns:a16="http://schemas.microsoft.com/office/drawing/2014/main" xmlns="" id="{7CA72A9B-4C70-4F02-8D70-4183ABD60D34}"/>
+                <a16:creationId xmlns:a16="http://schemas.microsoft.com/office/drawing/2014/main" id="{7CA72A9B-4C70-4F02-8D70-4183ABD60D34}"/>
               </a:ext>
             </a:extLst>
           </p:cNvPr>
@@ -1140,7 +1151,7 @@
           <a:p>
             <a:fld id="{06E6972A-BBC3-4BA8-B6DA-04E156DFB36E}" type="datetime1">
               <a:rPr lang="de-DE" smtClean="0"/>
-              <a:t>08.01.20</a:t>
+              <a:t>11.01.2020</a:t>
             </a:fld>
             <a:endParaRPr lang="de-DE"/>
           </a:p>
@@ -1151,7 +1162,7 @@
           <p:cNvPr id="5" name="Fußzeilenplatzhalter 4">
             <a:extLst>
               <a:ext uri="{FF2B5EF4-FFF2-40B4-BE49-F238E27FC236}">
-                <a16:creationId xmlns:a16="http://schemas.microsoft.com/office/drawing/2014/main" xmlns="" id="{C7D02573-5E75-4417-8DB8-35BF0632BE50}"/>
+                <a16:creationId xmlns:a16="http://schemas.microsoft.com/office/drawing/2014/main" id="{C7D02573-5E75-4417-8DB8-35BF0632BE50}"/>
               </a:ext>
             </a:extLst>
           </p:cNvPr>
@@ -1176,7 +1187,7 @@
           <p:cNvPr id="6" name="Foliennummernplatzhalter 5">
             <a:extLst>
               <a:ext uri="{FF2B5EF4-FFF2-40B4-BE49-F238E27FC236}">
-                <a16:creationId xmlns:a16="http://schemas.microsoft.com/office/drawing/2014/main" xmlns="" id="{E77B8F45-5C4F-4508-AFE3-01A0D5DA40E2}"/>
+                <a16:creationId xmlns:a16="http://schemas.microsoft.com/office/drawing/2014/main" id="{E77B8F45-5C4F-4508-AFE3-01A0D5DA40E2}"/>
               </a:ext>
             </a:extLst>
           </p:cNvPr>
@@ -1235,7 +1246,7 @@
           <p:cNvPr id="2" name="Vertikaler Titel 1">
             <a:extLst>
               <a:ext uri="{FF2B5EF4-FFF2-40B4-BE49-F238E27FC236}">
-                <a16:creationId xmlns:a16="http://schemas.microsoft.com/office/drawing/2014/main" xmlns="" id="{32770A03-07A7-41FF-B473-3147A01C0D94}"/>
+                <a16:creationId xmlns:a16="http://schemas.microsoft.com/office/drawing/2014/main" id="{32770A03-07A7-41FF-B473-3147A01C0D94}"/>
               </a:ext>
             </a:extLst>
           </p:cNvPr>
@@ -1268,7 +1279,7 @@
           <p:cNvPr id="3" name="Vertikaler Textplatzhalter 2">
             <a:extLst>
               <a:ext uri="{FF2B5EF4-FFF2-40B4-BE49-F238E27FC236}">
-                <a16:creationId xmlns:a16="http://schemas.microsoft.com/office/drawing/2014/main" xmlns="" id="{7665EF80-26B1-44D3-BE9A-51AA6A7852C4}"/>
+                <a16:creationId xmlns:a16="http://schemas.microsoft.com/office/drawing/2014/main" id="{7665EF80-26B1-44D3-BE9A-51AA6A7852C4}"/>
               </a:ext>
             </a:extLst>
           </p:cNvPr>
@@ -1330,7 +1341,7 @@
           <p:cNvPr id="4" name="Datumsplatzhalter 3">
             <a:extLst>
               <a:ext uri="{FF2B5EF4-FFF2-40B4-BE49-F238E27FC236}">
-                <a16:creationId xmlns:a16="http://schemas.microsoft.com/office/drawing/2014/main" xmlns="" id="{3B084A80-AC1E-4F66-AD8E-A007A9C49DDE}"/>
+                <a16:creationId xmlns:a16="http://schemas.microsoft.com/office/drawing/2014/main" id="{3B084A80-AC1E-4F66-AD8E-A007A9C49DDE}"/>
               </a:ext>
             </a:extLst>
           </p:cNvPr>
@@ -1348,7 +1359,7 @@
           <a:p>
             <a:fld id="{E6D71170-3BD5-4DC0-86BE-D43D3E946A4F}" type="datetime1">
               <a:rPr lang="de-DE" smtClean="0"/>
-              <a:t>08.01.20</a:t>
+              <a:t>11.01.2020</a:t>
             </a:fld>
             <a:endParaRPr lang="de-DE"/>
           </a:p>
@@ -1359,7 +1370,7 @@
           <p:cNvPr id="5" name="Fußzeilenplatzhalter 4">
             <a:extLst>
               <a:ext uri="{FF2B5EF4-FFF2-40B4-BE49-F238E27FC236}">
-                <a16:creationId xmlns:a16="http://schemas.microsoft.com/office/drawing/2014/main" xmlns="" id="{CFF7C9E5-E444-489D-886F-4C26A840EFDA}"/>
+                <a16:creationId xmlns:a16="http://schemas.microsoft.com/office/drawing/2014/main" id="{CFF7C9E5-E444-489D-886F-4C26A840EFDA}"/>
               </a:ext>
             </a:extLst>
           </p:cNvPr>
@@ -1384,7 +1395,7 @@
           <p:cNvPr id="6" name="Foliennummernplatzhalter 5">
             <a:extLst>
               <a:ext uri="{FF2B5EF4-FFF2-40B4-BE49-F238E27FC236}">
-                <a16:creationId xmlns:a16="http://schemas.microsoft.com/office/drawing/2014/main" xmlns="" id="{F8377349-CA6B-430A-B867-C98ACB351C80}"/>
+                <a16:creationId xmlns:a16="http://schemas.microsoft.com/office/drawing/2014/main" id="{F8377349-CA6B-430A-B867-C98ACB351C80}"/>
               </a:ext>
             </a:extLst>
           </p:cNvPr>
@@ -1443,7 +1454,7 @@
           <p:cNvPr id="2" name="Titel 1">
             <a:extLst>
               <a:ext uri="{FF2B5EF4-FFF2-40B4-BE49-F238E27FC236}">
-                <a16:creationId xmlns:a16="http://schemas.microsoft.com/office/drawing/2014/main" xmlns="" id="{7669A8F0-2554-4F5C-B06F-D59A16A0E7F6}"/>
+                <a16:creationId xmlns:a16="http://schemas.microsoft.com/office/drawing/2014/main" id="{7669A8F0-2554-4F5C-B06F-D59A16A0E7F6}"/>
               </a:ext>
             </a:extLst>
           </p:cNvPr>
@@ -1471,7 +1482,7 @@
           <p:cNvPr id="3" name="Inhaltsplatzhalter 2">
             <a:extLst>
               <a:ext uri="{FF2B5EF4-FFF2-40B4-BE49-F238E27FC236}">
-                <a16:creationId xmlns:a16="http://schemas.microsoft.com/office/drawing/2014/main" xmlns="" id="{EDBA8E83-CDA9-4A66-87A5-1B12C9A68C92}"/>
+                <a16:creationId xmlns:a16="http://schemas.microsoft.com/office/drawing/2014/main" id="{EDBA8E83-CDA9-4A66-87A5-1B12C9A68C92}"/>
               </a:ext>
             </a:extLst>
           </p:cNvPr>
@@ -1528,7 +1539,7 @@
           <p:cNvPr id="4" name="Datumsplatzhalter 3">
             <a:extLst>
               <a:ext uri="{FF2B5EF4-FFF2-40B4-BE49-F238E27FC236}">
-                <a16:creationId xmlns:a16="http://schemas.microsoft.com/office/drawing/2014/main" xmlns="" id="{979C12D2-CEF0-43E6-9DAB-08D6E6ECC764}"/>
+                <a16:creationId xmlns:a16="http://schemas.microsoft.com/office/drawing/2014/main" id="{979C12D2-CEF0-43E6-9DAB-08D6E6ECC764}"/>
               </a:ext>
             </a:extLst>
           </p:cNvPr>
@@ -1546,7 +1557,7 @@
           <a:p>
             <a:fld id="{02178250-A324-4677-83B5-205F98378F06}" type="datetime1">
               <a:rPr lang="de-DE" smtClean="0"/>
-              <a:t>08.01.20</a:t>
+              <a:t>11.01.2020</a:t>
             </a:fld>
             <a:endParaRPr lang="de-DE"/>
           </a:p>
@@ -1557,7 +1568,7 @@
           <p:cNvPr id="5" name="Fußzeilenplatzhalter 4">
             <a:extLst>
               <a:ext uri="{FF2B5EF4-FFF2-40B4-BE49-F238E27FC236}">
-                <a16:creationId xmlns:a16="http://schemas.microsoft.com/office/drawing/2014/main" xmlns="" id="{66F4DF7A-BD95-4B34-9337-ADDA7CC0CE2D}"/>
+                <a16:creationId xmlns:a16="http://schemas.microsoft.com/office/drawing/2014/main" id="{66F4DF7A-BD95-4B34-9337-ADDA7CC0CE2D}"/>
               </a:ext>
             </a:extLst>
           </p:cNvPr>
@@ -1582,7 +1593,7 @@
           <p:cNvPr id="6" name="Foliennummernplatzhalter 5">
             <a:extLst>
               <a:ext uri="{FF2B5EF4-FFF2-40B4-BE49-F238E27FC236}">
-                <a16:creationId xmlns:a16="http://schemas.microsoft.com/office/drawing/2014/main" xmlns="" id="{F3E85B6D-C21D-405B-B7D8-B7F1EA0216BB}"/>
+                <a16:creationId xmlns:a16="http://schemas.microsoft.com/office/drawing/2014/main" id="{F3E85B6D-C21D-405B-B7D8-B7F1EA0216BB}"/>
               </a:ext>
             </a:extLst>
           </p:cNvPr>
@@ -1641,7 +1652,7 @@
           <p:cNvPr id="2" name="Titel 1">
             <a:extLst>
               <a:ext uri="{FF2B5EF4-FFF2-40B4-BE49-F238E27FC236}">
-                <a16:creationId xmlns:a16="http://schemas.microsoft.com/office/drawing/2014/main" xmlns="" id="{E3D60C0A-B558-4750-A024-A7BB7F6EE525}"/>
+                <a16:creationId xmlns:a16="http://schemas.microsoft.com/office/drawing/2014/main" id="{E3D60C0A-B558-4750-A024-A7BB7F6EE525}"/>
               </a:ext>
             </a:extLst>
           </p:cNvPr>
@@ -1678,7 +1689,7 @@
           <p:cNvPr id="3" name="Textplatzhalter 2">
             <a:extLst>
               <a:ext uri="{FF2B5EF4-FFF2-40B4-BE49-F238E27FC236}">
-                <a16:creationId xmlns:a16="http://schemas.microsoft.com/office/drawing/2014/main" xmlns="" id="{41A035BD-1DD6-4FC9-8659-388B02B692C7}"/>
+                <a16:creationId xmlns:a16="http://schemas.microsoft.com/office/drawing/2014/main" id="{41A035BD-1DD6-4FC9-8659-388B02B692C7}"/>
               </a:ext>
             </a:extLst>
           </p:cNvPr>
@@ -1803,7 +1814,7 @@
           <p:cNvPr id="4" name="Datumsplatzhalter 3">
             <a:extLst>
               <a:ext uri="{FF2B5EF4-FFF2-40B4-BE49-F238E27FC236}">
-                <a16:creationId xmlns:a16="http://schemas.microsoft.com/office/drawing/2014/main" xmlns="" id="{775F9C0E-DAD1-46C7-9E9F-BF133074230B}"/>
+                <a16:creationId xmlns:a16="http://schemas.microsoft.com/office/drawing/2014/main" id="{775F9C0E-DAD1-46C7-9E9F-BF133074230B}"/>
               </a:ext>
             </a:extLst>
           </p:cNvPr>
@@ -1821,7 +1832,7 @@
           <a:p>
             <a:fld id="{C9F66C47-597E-49BA-AC2C-97CE18671AE5}" type="datetime1">
               <a:rPr lang="de-DE" smtClean="0"/>
-              <a:t>08.01.20</a:t>
+              <a:t>11.01.2020</a:t>
             </a:fld>
             <a:endParaRPr lang="de-DE"/>
           </a:p>
@@ -1832,7 +1843,7 @@
           <p:cNvPr id="5" name="Fußzeilenplatzhalter 4">
             <a:extLst>
               <a:ext uri="{FF2B5EF4-FFF2-40B4-BE49-F238E27FC236}">
-                <a16:creationId xmlns:a16="http://schemas.microsoft.com/office/drawing/2014/main" xmlns="" id="{FEDA1E61-90A6-4C76-8D97-96B0C1DA9A32}"/>
+                <a16:creationId xmlns:a16="http://schemas.microsoft.com/office/drawing/2014/main" id="{FEDA1E61-90A6-4C76-8D97-96B0C1DA9A32}"/>
               </a:ext>
             </a:extLst>
           </p:cNvPr>
@@ -1857,7 +1868,7 @@
           <p:cNvPr id="6" name="Foliennummernplatzhalter 5">
             <a:extLst>
               <a:ext uri="{FF2B5EF4-FFF2-40B4-BE49-F238E27FC236}">
-                <a16:creationId xmlns:a16="http://schemas.microsoft.com/office/drawing/2014/main" xmlns="" id="{A777D719-2F8B-42BD-AEB4-A5D745158915}"/>
+                <a16:creationId xmlns:a16="http://schemas.microsoft.com/office/drawing/2014/main" id="{A777D719-2F8B-42BD-AEB4-A5D745158915}"/>
               </a:ext>
             </a:extLst>
           </p:cNvPr>
@@ -1916,7 +1927,7 @@
           <p:cNvPr id="2" name="Titel 1">
             <a:extLst>
               <a:ext uri="{FF2B5EF4-FFF2-40B4-BE49-F238E27FC236}">
-                <a16:creationId xmlns:a16="http://schemas.microsoft.com/office/drawing/2014/main" xmlns="" id="{7DD2BA7B-0B9F-4145-B153-CED2804E7C75}"/>
+                <a16:creationId xmlns:a16="http://schemas.microsoft.com/office/drawing/2014/main" id="{7DD2BA7B-0B9F-4145-B153-CED2804E7C75}"/>
               </a:ext>
             </a:extLst>
           </p:cNvPr>
@@ -1944,7 +1955,7 @@
           <p:cNvPr id="3" name="Inhaltsplatzhalter 2">
             <a:extLst>
               <a:ext uri="{FF2B5EF4-FFF2-40B4-BE49-F238E27FC236}">
-                <a16:creationId xmlns:a16="http://schemas.microsoft.com/office/drawing/2014/main" xmlns="" id="{133623E7-726D-4D39-B9AD-A549DA1BCFF8}"/>
+                <a16:creationId xmlns:a16="http://schemas.microsoft.com/office/drawing/2014/main" id="{133623E7-726D-4D39-B9AD-A549DA1BCFF8}"/>
               </a:ext>
             </a:extLst>
           </p:cNvPr>
@@ -2006,7 +2017,7 @@
           <p:cNvPr id="4" name="Inhaltsplatzhalter 3">
             <a:extLst>
               <a:ext uri="{FF2B5EF4-FFF2-40B4-BE49-F238E27FC236}">
-                <a16:creationId xmlns:a16="http://schemas.microsoft.com/office/drawing/2014/main" xmlns="" id="{49D3FCD7-D822-45D0-8354-DC7EB671314A}"/>
+                <a16:creationId xmlns:a16="http://schemas.microsoft.com/office/drawing/2014/main" id="{49D3FCD7-D822-45D0-8354-DC7EB671314A}"/>
               </a:ext>
             </a:extLst>
           </p:cNvPr>
@@ -2068,7 +2079,7 @@
           <p:cNvPr id="5" name="Datumsplatzhalter 4">
             <a:extLst>
               <a:ext uri="{FF2B5EF4-FFF2-40B4-BE49-F238E27FC236}">
-                <a16:creationId xmlns:a16="http://schemas.microsoft.com/office/drawing/2014/main" xmlns="" id="{780D047A-83B1-4D62-A69E-1C5C41CE0306}"/>
+                <a16:creationId xmlns:a16="http://schemas.microsoft.com/office/drawing/2014/main" id="{780D047A-83B1-4D62-A69E-1C5C41CE0306}"/>
               </a:ext>
             </a:extLst>
           </p:cNvPr>
@@ -2086,7 +2097,7 @@
           <a:p>
             <a:fld id="{8DB74D4D-DC62-49F5-967F-3802A1F7759A}" type="datetime1">
               <a:rPr lang="de-DE" smtClean="0"/>
-              <a:t>08.01.20</a:t>
+              <a:t>11.01.2020</a:t>
             </a:fld>
             <a:endParaRPr lang="de-DE"/>
           </a:p>
@@ -2097,7 +2108,7 @@
           <p:cNvPr id="6" name="Fußzeilenplatzhalter 5">
             <a:extLst>
               <a:ext uri="{FF2B5EF4-FFF2-40B4-BE49-F238E27FC236}">
-                <a16:creationId xmlns:a16="http://schemas.microsoft.com/office/drawing/2014/main" xmlns="" id="{30F9DC15-7263-43A3-A65D-316BA53A7ABB}"/>
+                <a16:creationId xmlns:a16="http://schemas.microsoft.com/office/drawing/2014/main" id="{30F9DC15-7263-43A3-A65D-316BA53A7ABB}"/>
               </a:ext>
             </a:extLst>
           </p:cNvPr>
@@ -2122,7 +2133,7 @@
           <p:cNvPr id="7" name="Foliennummernplatzhalter 6">
             <a:extLst>
               <a:ext uri="{FF2B5EF4-FFF2-40B4-BE49-F238E27FC236}">
-                <a16:creationId xmlns:a16="http://schemas.microsoft.com/office/drawing/2014/main" xmlns="" id="{39820D0F-4E25-4E0B-A3C4-64B7EBBFE96B}"/>
+                <a16:creationId xmlns:a16="http://schemas.microsoft.com/office/drawing/2014/main" id="{39820D0F-4E25-4E0B-A3C4-64B7EBBFE96B}"/>
               </a:ext>
             </a:extLst>
           </p:cNvPr>
@@ -2181,7 +2192,7 @@
           <p:cNvPr id="2" name="Titel 1">
             <a:extLst>
               <a:ext uri="{FF2B5EF4-FFF2-40B4-BE49-F238E27FC236}">
-                <a16:creationId xmlns:a16="http://schemas.microsoft.com/office/drawing/2014/main" xmlns="" id="{50D6DAFD-EBD3-4182-9B7D-60B4EB39DEE1}"/>
+                <a16:creationId xmlns:a16="http://schemas.microsoft.com/office/drawing/2014/main" id="{50D6DAFD-EBD3-4182-9B7D-60B4EB39DEE1}"/>
               </a:ext>
             </a:extLst>
           </p:cNvPr>
@@ -2214,7 +2225,7 @@
           <p:cNvPr id="3" name="Textplatzhalter 2">
             <a:extLst>
               <a:ext uri="{FF2B5EF4-FFF2-40B4-BE49-F238E27FC236}">
-                <a16:creationId xmlns:a16="http://schemas.microsoft.com/office/drawing/2014/main" xmlns="" id="{96C1C588-7DDA-4561-8495-BD9231919329}"/>
+                <a16:creationId xmlns:a16="http://schemas.microsoft.com/office/drawing/2014/main" id="{96C1C588-7DDA-4561-8495-BD9231919329}"/>
               </a:ext>
             </a:extLst>
           </p:cNvPr>
@@ -2285,7 +2296,7 @@
           <p:cNvPr id="4" name="Inhaltsplatzhalter 3">
             <a:extLst>
               <a:ext uri="{FF2B5EF4-FFF2-40B4-BE49-F238E27FC236}">
-                <a16:creationId xmlns:a16="http://schemas.microsoft.com/office/drawing/2014/main" xmlns="" id="{48B14101-F869-4BD4-8004-13FB34CE2F81}"/>
+                <a16:creationId xmlns:a16="http://schemas.microsoft.com/office/drawing/2014/main" id="{48B14101-F869-4BD4-8004-13FB34CE2F81}"/>
               </a:ext>
             </a:extLst>
           </p:cNvPr>
@@ -2347,7 +2358,7 @@
           <p:cNvPr id="5" name="Textplatzhalter 4">
             <a:extLst>
               <a:ext uri="{FF2B5EF4-FFF2-40B4-BE49-F238E27FC236}">
-                <a16:creationId xmlns:a16="http://schemas.microsoft.com/office/drawing/2014/main" xmlns="" id="{BA456EA9-CEF4-40C8-9F55-4A088215FFB7}"/>
+                <a16:creationId xmlns:a16="http://schemas.microsoft.com/office/drawing/2014/main" id="{BA456EA9-CEF4-40C8-9F55-4A088215FFB7}"/>
               </a:ext>
             </a:extLst>
           </p:cNvPr>
@@ -2418,7 +2429,7 @@
           <p:cNvPr id="6" name="Inhaltsplatzhalter 5">
             <a:extLst>
               <a:ext uri="{FF2B5EF4-FFF2-40B4-BE49-F238E27FC236}">
-                <a16:creationId xmlns:a16="http://schemas.microsoft.com/office/drawing/2014/main" xmlns="" id="{FBF17368-3E7E-40A4-AFDA-E523E5C227F0}"/>
+                <a16:creationId xmlns:a16="http://schemas.microsoft.com/office/drawing/2014/main" id="{FBF17368-3E7E-40A4-AFDA-E523E5C227F0}"/>
               </a:ext>
             </a:extLst>
           </p:cNvPr>
@@ -2480,7 +2491,7 @@
           <p:cNvPr id="7" name="Datumsplatzhalter 6">
             <a:extLst>
               <a:ext uri="{FF2B5EF4-FFF2-40B4-BE49-F238E27FC236}">
-                <a16:creationId xmlns:a16="http://schemas.microsoft.com/office/drawing/2014/main" xmlns="" id="{510F185F-0E07-45B6-ACAA-9C74DBCD7969}"/>
+                <a16:creationId xmlns:a16="http://schemas.microsoft.com/office/drawing/2014/main" id="{510F185F-0E07-45B6-ACAA-9C74DBCD7969}"/>
               </a:ext>
             </a:extLst>
           </p:cNvPr>
@@ -2498,7 +2509,7 @@
           <a:p>
             <a:fld id="{0B89D2AE-35BA-46A8-9619-FA9B6B028436}" type="datetime1">
               <a:rPr lang="de-DE" smtClean="0"/>
-              <a:t>08.01.20</a:t>
+              <a:t>11.01.2020</a:t>
             </a:fld>
             <a:endParaRPr lang="de-DE"/>
           </a:p>
@@ -2509,7 +2520,7 @@
           <p:cNvPr id="8" name="Fußzeilenplatzhalter 7">
             <a:extLst>
               <a:ext uri="{FF2B5EF4-FFF2-40B4-BE49-F238E27FC236}">
-                <a16:creationId xmlns:a16="http://schemas.microsoft.com/office/drawing/2014/main" xmlns="" id="{C587D24B-3D68-4819-A42B-9A8C7128240B}"/>
+                <a16:creationId xmlns:a16="http://schemas.microsoft.com/office/drawing/2014/main" id="{C587D24B-3D68-4819-A42B-9A8C7128240B}"/>
               </a:ext>
             </a:extLst>
           </p:cNvPr>
@@ -2534,7 +2545,7 @@
           <p:cNvPr id="9" name="Foliennummernplatzhalter 8">
             <a:extLst>
               <a:ext uri="{FF2B5EF4-FFF2-40B4-BE49-F238E27FC236}">
-                <a16:creationId xmlns:a16="http://schemas.microsoft.com/office/drawing/2014/main" xmlns="" id="{7A55A3EC-0F32-4D5C-8A4E-47E0AC606A7D}"/>
+                <a16:creationId xmlns:a16="http://schemas.microsoft.com/office/drawing/2014/main" id="{7A55A3EC-0F32-4D5C-8A4E-47E0AC606A7D}"/>
               </a:ext>
             </a:extLst>
           </p:cNvPr>
@@ -2593,7 +2604,7 @@
           <p:cNvPr id="2" name="Titel 1">
             <a:extLst>
               <a:ext uri="{FF2B5EF4-FFF2-40B4-BE49-F238E27FC236}">
-                <a16:creationId xmlns:a16="http://schemas.microsoft.com/office/drawing/2014/main" xmlns="" id="{94A92E10-E0BB-4541-9A1C-73E703FDD5C1}"/>
+                <a16:creationId xmlns:a16="http://schemas.microsoft.com/office/drawing/2014/main" id="{94A92E10-E0BB-4541-9A1C-73E703FDD5C1}"/>
               </a:ext>
             </a:extLst>
           </p:cNvPr>
@@ -2621,7 +2632,7 @@
           <p:cNvPr id="3" name="Datumsplatzhalter 2">
             <a:extLst>
               <a:ext uri="{FF2B5EF4-FFF2-40B4-BE49-F238E27FC236}">
-                <a16:creationId xmlns:a16="http://schemas.microsoft.com/office/drawing/2014/main" xmlns="" id="{E262F49D-6112-43BF-BAD7-952267665415}"/>
+                <a16:creationId xmlns:a16="http://schemas.microsoft.com/office/drawing/2014/main" id="{E262F49D-6112-43BF-BAD7-952267665415}"/>
               </a:ext>
             </a:extLst>
           </p:cNvPr>
@@ -2639,7 +2650,7 @@
           <a:p>
             <a:fld id="{BE61CEC5-D016-48B2-983F-5640982C0802}" type="datetime1">
               <a:rPr lang="de-DE" smtClean="0"/>
-              <a:t>08.01.20</a:t>
+              <a:t>11.01.2020</a:t>
             </a:fld>
             <a:endParaRPr lang="de-DE"/>
           </a:p>
@@ -2650,7 +2661,7 @@
           <p:cNvPr id="4" name="Fußzeilenplatzhalter 3">
             <a:extLst>
               <a:ext uri="{FF2B5EF4-FFF2-40B4-BE49-F238E27FC236}">
-                <a16:creationId xmlns:a16="http://schemas.microsoft.com/office/drawing/2014/main" xmlns="" id="{E2B62F39-1F67-4E47-9A3F-5C09F4E77CDA}"/>
+                <a16:creationId xmlns:a16="http://schemas.microsoft.com/office/drawing/2014/main" id="{E2B62F39-1F67-4E47-9A3F-5C09F4E77CDA}"/>
               </a:ext>
             </a:extLst>
           </p:cNvPr>
@@ -2675,7 +2686,7 @@
           <p:cNvPr id="5" name="Foliennummernplatzhalter 4">
             <a:extLst>
               <a:ext uri="{FF2B5EF4-FFF2-40B4-BE49-F238E27FC236}">
-                <a16:creationId xmlns:a16="http://schemas.microsoft.com/office/drawing/2014/main" xmlns="" id="{D74F17E3-51BF-4D46-9D9F-2F126D1E6CDF}"/>
+                <a16:creationId xmlns:a16="http://schemas.microsoft.com/office/drawing/2014/main" id="{D74F17E3-51BF-4D46-9D9F-2F126D1E6CDF}"/>
               </a:ext>
             </a:extLst>
           </p:cNvPr>
@@ -2734,7 +2745,7 @@
           <p:cNvPr id="2" name="Datumsplatzhalter 1">
             <a:extLst>
               <a:ext uri="{FF2B5EF4-FFF2-40B4-BE49-F238E27FC236}">
-                <a16:creationId xmlns:a16="http://schemas.microsoft.com/office/drawing/2014/main" xmlns="" id="{4AA81737-3ECF-4100-B6DC-2CD5922CA960}"/>
+                <a16:creationId xmlns:a16="http://schemas.microsoft.com/office/drawing/2014/main" id="{4AA81737-3ECF-4100-B6DC-2CD5922CA960}"/>
               </a:ext>
             </a:extLst>
           </p:cNvPr>
@@ -2752,7 +2763,7 @@
           <a:p>
             <a:fld id="{E65BA0F8-3722-43B7-A280-8C401EF29E8C}" type="datetime1">
               <a:rPr lang="de-DE" smtClean="0"/>
-              <a:t>08.01.20</a:t>
+              <a:t>11.01.2020</a:t>
             </a:fld>
             <a:endParaRPr lang="de-DE"/>
           </a:p>
@@ -2763,7 +2774,7 @@
           <p:cNvPr id="3" name="Fußzeilenplatzhalter 2">
             <a:extLst>
               <a:ext uri="{FF2B5EF4-FFF2-40B4-BE49-F238E27FC236}">
-                <a16:creationId xmlns:a16="http://schemas.microsoft.com/office/drawing/2014/main" xmlns="" id="{1858F6FE-7A28-4C5B-ABF0-49BB9007ADBC}"/>
+                <a16:creationId xmlns:a16="http://schemas.microsoft.com/office/drawing/2014/main" id="{1858F6FE-7A28-4C5B-ABF0-49BB9007ADBC}"/>
               </a:ext>
             </a:extLst>
           </p:cNvPr>
@@ -2788,7 +2799,7 @@
           <p:cNvPr id="4" name="Foliennummernplatzhalter 3">
             <a:extLst>
               <a:ext uri="{FF2B5EF4-FFF2-40B4-BE49-F238E27FC236}">
-                <a16:creationId xmlns:a16="http://schemas.microsoft.com/office/drawing/2014/main" xmlns="" id="{374B02A8-3601-45E0-8A5E-A9BE973818EC}"/>
+                <a16:creationId xmlns:a16="http://schemas.microsoft.com/office/drawing/2014/main" id="{374B02A8-3601-45E0-8A5E-A9BE973818EC}"/>
               </a:ext>
             </a:extLst>
           </p:cNvPr>
@@ -2847,7 +2858,7 @@
           <p:cNvPr id="2" name="Titel 1">
             <a:extLst>
               <a:ext uri="{FF2B5EF4-FFF2-40B4-BE49-F238E27FC236}">
-                <a16:creationId xmlns:a16="http://schemas.microsoft.com/office/drawing/2014/main" xmlns="" id="{EEA6A9F9-4CCA-424C-81F2-419D2C1CA3EE}"/>
+                <a16:creationId xmlns:a16="http://schemas.microsoft.com/office/drawing/2014/main" id="{EEA6A9F9-4CCA-424C-81F2-419D2C1CA3EE}"/>
               </a:ext>
             </a:extLst>
           </p:cNvPr>
@@ -2884,7 +2895,7 @@
           <p:cNvPr id="3" name="Inhaltsplatzhalter 2">
             <a:extLst>
               <a:ext uri="{FF2B5EF4-FFF2-40B4-BE49-F238E27FC236}">
-                <a16:creationId xmlns:a16="http://schemas.microsoft.com/office/drawing/2014/main" xmlns="" id="{BBD7031D-E4F1-46BA-BF53-DB52A2E75326}"/>
+                <a16:creationId xmlns:a16="http://schemas.microsoft.com/office/drawing/2014/main" id="{BBD7031D-E4F1-46BA-BF53-DB52A2E75326}"/>
               </a:ext>
             </a:extLst>
           </p:cNvPr>
@@ -2974,7 +2985,7 @@
           <p:cNvPr id="4" name="Textplatzhalter 3">
             <a:extLst>
               <a:ext uri="{FF2B5EF4-FFF2-40B4-BE49-F238E27FC236}">
-                <a16:creationId xmlns:a16="http://schemas.microsoft.com/office/drawing/2014/main" xmlns="" id="{B2F35DF0-13F2-4D4C-A273-5592B7037A65}"/>
+                <a16:creationId xmlns:a16="http://schemas.microsoft.com/office/drawing/2014/main" id="{B2F35DF0-13F2-4D4C-A273-5592B7037A65}"/>
               </a:ext>
             </a:extLst>
           </p:cNvPr>
@@ -3045,7 +3056,7 @@
           <p:cNvPr id="5" name="Datumsplatzhalter 4">
             <a:extLst>
               <a:ext uri="{FF2B5EF4-FFF2-40B4-BE49-F238E27FC236}">
-                <a16:creationId xmlns:a16="http://schemas.microsoft.com/office/drawing/2014/main" xmlns="" id="{CC626A7F-449E-442E-8B2E-61F14057B024}"/>
+                <a16:creationId xmlns:a16="http://schemas.microsoft.com/office/drawing/2014/main" id="{CC626A7F-449E-442E-8B2E-61F14057B024}"/>
               </a:ext>
             </a:extLst>
           </p:cNvPr>
@@ -3063,7 +3074,7 @@
           <a:p>
             <a:fld id="{18525EC3-228E-4F2C-BF7F-50F53B975049}" type="datetime1">
               <a:rPr lang="de-DE" smtClean="0"/>
-              <a:t>08.01.20</a:t>
+              <a:t>11.01.2020</a:t>
             </a:fld>
             <a:endParaRPr lang="de-DE"/>
           </a:p>
@@ -3074,7 +3085,7 @@
           <p:cNvPr id="6" name="Fußzeilenplatzhalter 5">
             <a:extLst>
               <a:ext uri="{FF2B5EF4-FFF2-40B4-BE49-F238E27FC236}">
-                <a16:creationId xmlns:a16="http://schemas.microsoft.com/office/drawing/2014/main" xmlns="" id="{E51D6C64-62A9-4907-A2E4-48B981F6002F}"/>
+                <a16:creationId xmlns:a16="http://schemas.microsoft.com/office/drawing/2014/main" id="{E51D6C64-62A9-4907-A2E4-48B981F6002F}"/>
               </a:ext>
             </a:extLst>
           </p:cNvPr>
@@ -3099,7 +3110,7 @@
           <p:cNvPr id="7" name="Foliennummernplatzhalter 6">
             <a:extLst>
               <a:ext uri="{FF2B5EF4-FFF2-40B4-BE49-F238E27FC236}">
-                <a16:creationId xmlns:a16="http://schemas.microsoft.com/office/drawing/2014/main" xmlns="" id="{FA243D0F-A6AF-425C-8344-81DC1A69113F}"/>
+                <a16:creationId xmlns:a16="http://schemas.microsoft.com/office/drawing/2014/main" id="{FA243D0F-A6AF-425C-8344-81DC1A69113F}"/>
               </a:ext>
             </a:extLst>
           </p:cNvPr>
@@ -3158,7 +3169,7 @@
           <p:cNvPr id="2" name="Titel 1">
             <a:extLst>
               <a:ext uri="{FF2B5EF4-FFF2-40B4-BE49-F238E27FC236}">
-                <a16:creationId xmlns:a16="http://schemas.microsoft.com/office/drawing/2014/main" xmlns="" id="{3F692CCB-5DCA-4D7E-8C46-8D3BB235353F}"/>
+                <a16:creationId xmlns:a16="http://schemas.microsoft.com/office/drawing/2014/main" id="{3F692CCB-5DCA-4D7E-8C46-8D3BB235353F}"/>
               </a:ext>
             </a:extLst>
           </p:cNvPr>
@@ -3195,7 +3206,7 @@
           <p:cNvPr id="3" name="Bildplatzhalter 2">
             <a:extLst>
               <a:ext uri="{FF2B5EF4-FFF2-40B4-BE49-F238E27FC236}">
-                <a16:creationId xmlns:a16="http://schemas.microsoft.com/office/drawing/2014/main" xmlns="" id="{5CB5B0C8-57FD-4CF6-A0B8-EDB76F50F4C6}"/>
+                <a16:creationId xmlns:a16="http://schemas.microsoft.com/office/drawing/2014/main" id="{5CB5B0C8-57FD-4CF6-A0B8-EDB76F50F4C6}"/>
               </a:ext>
             </a:extLst>
           </p:cNvPr>
@@ -3262,7 +3273,7 @@
           <p:cNvPr id="4" name="Textplatzhalter 3">
             <a:extLst>
               <a:ext uri="{FF2B5EF4-FFF2-40B4-BE49-F238E27FC236}">
-                <a16:creationId xmlns:a16="http://schemas.microsoft.com/office/drawing/2014/main" xmlns="" id="{68AC83A5-93B2-4555-9AD9-15651CDE827C}"/>
+                <a16:creationId xmlns:a16="http://schemas.microsoft.com/office/drawing/2014/main" id="{68AC83A5-93B2-4555-9AD9-15651CDE827C}"/>
               </a:ext>
             </a:extLst>
           </p:cNvPr>
@@ -3333,7 +3344,7 @@
           <p:cNvPr id="5" name="Datumsplatzhalter 4">
             <a:extLst>
               <a:ext uri="{FF2B5EF4-FFF2-40B4-BE49-F238E27FC236}">
-                <a16:creationId xmlns:a16="http://schemas.microsoft.com/office/drawing/2014/main" xmlns="" id="{C0B55861-7473-4F3E-93E7-3D2386D1A93C}"/>
+                <a16:creationId xmlns:a16="http://schemas.microsoft.com/office/drawing/2014/main" id="{C0B55861-7473-4F3E-93E7-3D2386D1A93C}"/>
               </a:ext>
             </a:extLst>
           </p:cNvPr>
@@ -3351,7 +3362,7 @@
           <a:p>
             <a:fld id="{263C3CD4-E818-47EB-BC9C-D0F96D5B5704}" type="datetime1">
               <a:rPr lang="de-DE" smtClean="0"/>
-              <a:t>08.01.20</a:t>
+              <a:t>11.01.2020</a:t>
             </a:fld>
             <a:endParaRPr lang="de-DE"/>
           </a:p>
@@ -3362,7 +3373,7 @@
           <p:cNvPr id="6" name="Fußzeilenplatzhalter 5">
             <a:extLst>
               <a:ext uri="{FF2B5EF4-FFF2-40B4-BE49-F238E27FC236}">
-                <a16:creationId xmlns:a16="http://schemas.microsoft.com/office/drawing/2014/main" xmlns="" id="{9B0E0201-874D-4950-BFDB-26D7F5CF0E60}"/>
+                <a16:creationId xmlns:a16="http://schemas.microsoft.com/office/drawing/2014/main" id="{9B0E0201-874D-4950-BFDB-26D7F5CF0E60}"/>
               </a:ext>
             </a:extLst>
           </p:cNvPr>
@@ -3387,7 +3398,7 @@
           <p:cNvPr id="7" name="Foliennummernplatzhalter 6">
             <a:extLst>
               <a:ext uri="{FF2B5EF4-FFF2-40B4-BE49-F238E27FC236}">
-                <a16:creationId xmlns:a16="http://schemas.microsoft.com/office/drawing/2014/main" xmlns="" id="{90439948-7CD7-4279-A568-D2045BD2A15B}"/>
+                <a16:creationId xmlns:a16="http://schemas.microsoft.com/office/drawing/2014/main" id="{90439948-7CD7-4279-A568-D2045BD2A15B}"/>
               </a:ext>
             </a:extLst>
           </p:cNvPr>
@@ -3451,7 +3462,7 @@
           <p:cNvPr id="2" name="Titelplatzhalter 1">
             <a:extLst>
               <a:ext uri="{FF2B5EF4-FFF2-40B4-BE49-F238E27FC236}">
-                <a16:creationId xmlns:a16="http://schemas.microsoft.com/office/drawing/2014/main" xmlns="" id="{A4493032-0991-4B6F-8974-2B8D75132B8F}"/>
+                <a16:creationId xmlns:a16="http://schemas.microsoft.com/office/drawing/2014/main" id="{A4493032-0991-4B6F-8974-2B8D75132B8F}"/>
               </a:ext>
             </a:extLst>
           </p:cNvPr>
@@ -3489,7 +3500,7 @@
           <p:cNvPr id="3" name="Textplatzhalter 2">
             <a:extLst>
               <a:ext uri="{FF2B5EF4-FFF2-40B4-BE49-F238E27FC236}">
-                <a16:creationId xmlns:a16="http://schemas.microsoft.com/office/drawing/2014/main" xmlns="" id="{125828BE-3686-45FA-97E8-16D8E1A43052}"/>
+                <a16:creationId xmlns:a16="http://schemas.microsoft.com/office/drawing/2014/main" id="{125828BE-3686-45FA-97E8-16D8E1A43052}"/>
               </a:ext>
             </a:extLst>
           </p:cNvPr>
@@ -3556,7 +3567,7 @@
           <p:cNvPr id="4" name="Datumsplatzhalter 3">
             <a:extLst>
               <a:ext uri="{FF2B5EF4-FFF2-40B4-BE49-F238E27FC236}">
-                <a16:creationId xmlns:a16="http://schemas.microsoft.com/office/drawing/2014/main" xmlns="" id="{6CDDE72C-6C44-4D5C-8B01-66E5A59BDF19}"/>
+                <a16:creationId xmlns:a16="http://schemas.microsoft.com/office/drawing/2014/main" id="{6CDDE72C-6C44-4D5C-8B01-66E5A59BDF19}"/>
               </a:ext>
             </a:extLst>
           </p:cNvPr>
@@ -3592,7 +3603,7 @@
           <a:p>
             <a:fld id="{ECA15691-8E1A-4410-8D61-7DB37D5C5A4E}" type="datetime1">
               <a:rPr lang="de-DE" smtClean="0"/>
-              <a:t>08.01.20</a:t>
+              <a:t>11.01.2020</a:t>
             </a:fld>
             <a:endParaRPr lang="de-DE"/>
           </a:p>
@@ -3603,7 +3614,7 @@
           <p:cNvPr id="5" name="Fußzeilenplatzhalter 4">
             <a:extLst>
               <a:ext uri="{FF2B5EF4-FFF2-40B4-BE49-F238E27FC236}">
-                <a16:creationId xmlns:a16="http://schemas.microsoft.com/office/drawing/2014/main" xmlns="" id="{5449B8D4-C1F9-4BE5-994A-760FF4471C92}"/>
+                <a16:creationId xmlns:a16="http://schemas.microsoft.com/office/drawing/2014/main" id="{5449B8D4-C1F9-4BE5-994A-760FF4471C92}"/>
               </a:ext>
             </a:extLst>
           </p:cNvPr>
@@ -3646,7 +3657,7 @@
           <p:cNvPr id="6" name="Foliennummernplatzhalter 5">
             <a:extLst>
               <a:ext uri="{FF2B5EF4-FFF2-40B4-BE49-F238E27FC236}">
-                <a16:creationId xmlns:a16="http://schemas.microsoft.com/office/drawing/2014/main" xmlns="" id="{4EC63D79-7257-4559-9A44-B8FDEF8FF21D}"/>
+                <a16:creationId xmlns:a16="http://schemas.microsoft.com/office/drawing/2014/main" id="{4EC63D79-7257-4559-9A44-B8FDEF8FF21D}"/>
               </a:ext>
             </a:extLst>
           </p:cNvPr>
@@ -4015,7 +4026,7 @@
           <p:cNvPr id="2" name="Titel 1">
             <a:extLst>
               <a:ext uri="{FF2B5EF4-FFF2-40B4-BE49-F238E27FC236}">
-                <a16:creationId xmlns:a16="http://schemas.microsoft.com/office/drawing/2014/main" xmlns="" id="{3607DC13-0619-4B6D-91E5-A344E34F5A06}"/>
+                <a16:creationId xmlns:a16="http://schemas.microsoft.com/office/drawing/2014/main" id="{3607DC13-0619-4B6D-91E5-A344E34F5A06}"/>
               </a:ext>
             </a:extLst>
           </p:cNvPr>
@@ -4048,7 +4059,7 @@
           <p:cNvPr id="3" name="Untertitel 2">
             <a:extLst>
               <a:ext uri="{FF2B5EF4-FFF2-40B4-BE49-F238E27FC236}">
-                <a16:creationId xmlns:a16="http://schemas.microsoft.com/office/drawing/2014/main" xmlns="" id="{1EE46C4E-E01F-42D3-9EAB-BAD6F80E26E1}"/>
+                <a16:creationId xmlns:a16="http://schemas.microsoft.com/office/drawing/2014/main" id="{1EE46C4E-E01F-42D3-9EAB-BAD6F80E26E1}"/>
               </a:ext>
             </a:extLst>
           </p:cNvPr>
@@ -4215,7 +4226,7 @@
           <p:cNvPr id="6" name="Textfeld 5">
             <a:extLst>
               <a:ext uri="{FF2B5EF4-FFF2-40B4-BE49-F238E27FC236}">
-                <a16:creationId xmlns:a16="http://schemas.microsoft.com/office/drawing/2014/main" xmlns="" id="{27E5DB30-FDAD-4825-B372-1DFC8CA20814}"/>
+                <a16:creationId xmlns:a16="http://schemas.microsoft.com/office/drawing/2014/main" id="{27E5DB30-FDAD-4825-B372-1DFC8CA20814}"/>
               </a:ext>
             </a:extLst>
           </p:cNvPr>
@@ -4277,7 +4288,7 @@
           <p:cNvPr id="2" name="Titel 1">
             <a:extLst>
               <a:ext uri="{FF2B5EF4-FFF2-40B4-BE49-F238E27FC236}">
-                <a16:creationId xmlns:a16="http://schemas.microsoft.com/office/drawing/2014/main" xmlns="" id="{1B3F406C-536E-4365-8F2A-D80B84B8AC55}"/>
+                <a16:creationId xmlns:a16="http://schemas.microsoft.com/office/drawing/2014/main" id="{1B3F406C-536E-4365-8F2A-D80B84B8AC55}"/>
               </a:ext>
             </a:extLst>
           </p:cNvPr>
@@ -4310,7 +4321,7 @@
           <p:cNvPr id="3" name="Inhaltsplatzhalter 2">
             <a:extLst>
               <a:ext uri="{FF2B5EF4-FFF2-40B4-BE49-F238E27FC236}">
-                <a16:creationId xmlns:a16="http://schemas.microsoft.com/office/drawing/2014/main" xmlns="" id="{D357395F-5EF2-42F1-B06E-B8C721674E9E}"/>
+                <a16:creationId xmlns:a16="http://schemas.microsoft.com/office/drawing/2014/main" id="{D357395F-5EF2-42F1-B06E-B8C721674E9E}"/>
               </a:ext>
             </a:extLst>
           </p:cNvPr>
@@ -4422,7 +4433,7 @@
           <p:cNvPr id="4" name="Foliennummernplatzhalter 3">
             <a:extLst>
               <a:ext uri="{FF2B5EF4-FFF2-40B4-BE49-F238E27FC236}">
-                <a16:creationId xmlns:a16="http://schemas.microsoft.com/office/drawing/2014/main" xmlns="" id="{C2853911-6975-433A-A38C-387AA79E241B}"/>
+                <a16:creationId xmlns:a16="http://schemas.microsoft.com/office/drawing/2014/main" id="{C2853911-6975-433A-A38C-387AA79E241B}"/>
               </a:ext>
             </a:extLst>
           </p:cNvPr>
@@ -4451,7 +4462,7 @@
           <p:cNvPr id="6" name="Foliennummernplatzhalter 1">
             <a:extLst>
               <a:ext uri="{FF2B5EF4-FFF2-40B4-BE49-F238E27FC236}">
-                <a16:creationId xmlns:a16="http://schemas.microsoft.com/office/drawing/2014/main" xmlns="" id="{776638B7-4836-4B27-AD4F-5183488A4CA5}"/>
+                <a16:creationId xmlns:a16="http://schemas.microsoft.com/office/drawing/2014/main" id="{776638B7-4836-4B27-AD4F-5183488A4CA5}"/>
               </a:ext>
             </a:extLst>
           </p:cNvPr>
@@ -4616,7 +4627,7 @@
           <p:cNvPr id="2" name="Titel 1">
             <a:extLst>
               <a:ext uri="{FF2B5EF4-FFF2-40B4-BE49-F238E27FC236}">
-                <a16:creationId xmlns:a16="http://schemas.microsoft.com/office/drawing/2014/main" xmlns="" id="{0EAB171C-DE80-495A-AAED-D7A03D2CD8EA}"/>
+                <a16:creationId xmlns:a16="http://schemas.microsoft.com/office/drawing/2014/main" id="{0EAB171C-DE80-495A-AAED-D7A03D2CD8EA}"/>
               </a:ext>
             </a:extLst>
           </p:cNvPr>
@@ -4644,7 +4655,7 @@
           <p:cNvPr id="3" name="Inhaltsplatzhalter 2">
             <a:extLst>
               <a:ext uri="{FF2B5EF4-FFF2-40B4-BE49-F238E27FC236}">
-                <a16:creationId xmlns:a16="http://schemas.microsoft.com/office/drawing/2014/main" xmlns="" id="{3C81C062-4231-4B36-AAFA-30A475FAE1E8}"/>
+                <a16:creationId xmlns:a16="http://schemas.microsoft.com/office/drawing/2014/main" id="{3C81C062-4231-4B36-AAFA-30A475FAE1E8}"/>
               </a:ext>
             </a:extLst>
           </p:cNvPr>
@@ -4694,7 +4705,7 @@
           <p:cNvPr id="4" name="Foliennummernplatzhalter 3">
             <a:extLst>
               <a:ext uri="{FF2B5EF4-FFF2-40B4-BE49-F238E27FC236}">
-                <a16:creationId xmlns:a16="http://schemas.microsoft.com/office/drawing/2014/main" xmlns="" id="{C4DE5DA3-4E4E-4452-80D0-263BA273C10E}"/>
+                <a16:creationId xmlns:a16="http://schemas.microsoft.com/office/drawing/2014/main" id="{C4DE5DA3-4E4E-4452-80D0-263BA273C10E}"/>
               </a:ext>
             </a:extLst>
           </p:cNvPr>
@@ -4723,7 +4734,7 @@
           <p:cNvPr id="6" name="Foliennummernplatzhalter 1">
             <a:extLst>
               <a:ext uri="{FF2B5EF4-FFF2-40B4-BE49-F238E27FC236}">
-                <a16:creationId xmlns:a16="http://schemas.microsoft.com/office/drawing/2014/main" xmlns="" id="{F09D6254-C15D-466C-A147-E844DD0D3887}"/>
+                <a16:creationId xmlns:a16="http://schemas.microsoft.com/office/drawing/2014/main" id="{F09D6254-C15D-466C-A147-E844DD0D3887}"/>
               </a:ext>
             </a:extLst>
           </p:cNvPr>
@@ -4883,7 +4894,7 @@
           <p:cNvPr id="2" name="Titel 1">
             <a:extLst>
               <a:ext uri="{FF2B5EF4-FFF2-40B4-BE49-F238E27FC236}">
-                <a16:creationId xmlns:a16="http://schemas.microsoft.com/office/drawing/2014/main" xmlns="" id="{0EAB171C-DE80-495A-AAED-D7A03D2CD8EA}"/>
+                <a16:creationId xmlns:a16="http://schemas.microsoft.com/office/drawing/2014/main" id="{0EAB171C-DE80-495A-AAED-D7A03D2CD8EA}"/>
               </a:ext>
             </a:extLst>
           </p:cNvPr>
@@ -4911,7 +4922,7 @@
           <p:cNvPr id="3" name="Inhaltsplatzhalter 2">
             <a:extLst>
               <a:ext uri="{FF2B5EF4-FFF2-40B4-BE49-F238E27FC236}">
-                <a16:creationId xmlns:a16="http://schemas.microsoft.com/office/drawing/2014/main" xmlns="" id="{3C81C062-4231-4B36-AAFA-30A475FAE1E8}"/>
+                <a16:creationId xmlns:a16="http://schemas.microsoft.com/office/drawing/2014/main" id="{3C81C062-4231-4B36-AAFA-30A475FAE1E8}"/>
               </a:ext>
             </a:extLst>
           </p:cNvPr>
@@ -4961,7 +4972,7 @@
           <p:cNvPr id="4" name="Foliennummernplatzhalter 3">
             <a:extLst>
               <a:ext uri="{FF2B5EF4-FFF2-40B4-BE49-F238E27FC236}">
-                <a16:creationId xmlns:a16="http://schemas.microsoft.com/office/drawing/2014/main" xmlns="" id="{6D1231DE-56D1-4A7B-931A-4815E64553B6}"/>
+                <a16:creationId xmlns:a16="http://schemas.microsoft.com/office/drawing/2014/main" id="{6D1231DE-56D1-4A7B-931A-4815E64553B6}"/>
               </a:ext>
             </a:extLst>
           </p:cNvPr>
@@ -4990,7 +5001,7 @@
           <p:cNvPr id="6" name="Foliennummernplatzhalter 1">
             <a:extLst>
               <a:ext uri="{FF2B5EF4-FFF2-40B4-BE49-F238E27FC236}">
-                <a16:creationId xmlns:a16="http://schemas.microsoft.com/office/drawing/2014/main" xmlns="" id="{B4DD1FA4-D692-402E-9AF0-858BA48A8985}"/>
+                <a16:creationId xmlns:a16="http://schemas.microsoft.com/office/drawing/2014/main" id="{B4DD1FA4-D692-402E-9AF0-858BA48A8985}"/>
               </a:ext>
             </a:extLst>
           </p:cNvPr>
@@ -5150,7 +5161,7 @@
           <p:cNvPr id="2" name="Titel 1">
             <a:extLst>
               <a:ext uri="{FF2B5EF4-FFF2-40B4-BE49-F238E27FC236}">
-                <a16:creationId xmlns:a16="http://schemas.microsoft.com/office/drawing/2014/main" xmlns="" id="{0EAB171C-DE80-495A-AAED-D7A03D2CD8EA}"/>
+                <a16:creationId xmlns:a16="http://schemas.microsoft.com/office/drawing/2014/main" id="{0EAB171C-DE80-495A-AAED-D7A03D2CD8EA}"/>
               </a:ext>
             </a:extLst>
           </p:cNvPr>
@@ -5178,7 +5189,7 @@
           <p:cNvPr id="3" name="Inhaltsplatzhalter 2">
             <a:extLst>
               <a:ext uri="{FF2B5EF4-FFF2-40B4-BE49-F238E27FC236}">
-                <a16:creationId xmlns:a16="http://schemas.microsoft.com/office/drawing/2014/main" xmlns="" id="{3C81C062-4231-4B36-AAFA-30A475FAE1E8}"/>
+                <a16:creationId xmlns:a16="http://schemas.microsoft.com/office/drawing/2014/main" id="{3C81C062-4231-4B36-AAFA-30A475FAE1E8}"/>
               </a:ext>
             </a:extLst>
           </p:cNvPr>
@@ -5266,7 +5277,7 @@
           <p:cNvPr id="4" name="Foliennummernplatzhalter 3">
             <a:extLst>
               <a:ext uri="{FF2B5EF4-FFF2-40B4-BE49-F238E27FC236}">
-                <a16:creationId xmlns:a16="http://schemas.microsoft.com/office/drawing/2014/main" xmlns="" id="{CC3CC61B-E172-44F2-ABF9-FAAF2CFCB245}"/>
+                <a16:creationId xmlns:a16="http://schemas.microsoft.com/office/drawing/2014/main" id="{CC3CC61B-E172-44F2-ABF9-FAAF2CFCB245}"/>
               </a:ext>
             </a:extLst>
           </p:cNvPr>
@@ -5295,7 +5306,7 @@
           <p:cNvPr id="6" name="Foliennummernplatzhalter 1">
             <a:extLst>
               <a:ext uri="{FF2B5EF4-FFF2-40B4-BE49-F238E27FC236}">
-                <a16:creationId xmlns:a16="http://schemas.microsoft.com/office/drawing/2014/main" xmlns="" id="{CADC0643-4FA2-4BA6-AE7F-1AB80549AA55}"/>
+                <a16:creationId xmlns:a16="http://schemas.microsoft.com/office/drawing/2014/main" id="{CADC0643-4FA2-4BA6-AE7F-1AB80549AA55}"/>
               </a:ext>
             </a:extLst>
           </p:cNvPr>
@@ -5455,7 +5466,7 @@
           <p:cNvPr id="2" name="Titel 1">
             <a:extLst>
               <a:ext uri="{FF2B5EF4-FFF2-40B4-BE49-F238E27FC236}">
-                <a16:creationId xmlns:a16="http://schemas.microsoft.com/office/drawing/2014/main" xmlns="" id="{0EAB171C-DE80-495A-AAED-D7A03D2CD8EA}"/>
+                <a16:creationId xmlns:a16="http://schemas.microsoft.com/office/drawing/2014/main" id="{0EAB171C-DE80-495A-AAED-D7A03D2CD8EA}"/>
               </a:ext>
             </a:extLst>
           </p:cNvPr>
@@ -5483,7 +5494,7 @@
           <p:cNvPr id="3" name="Inhaltsplatzhalter 2">
             <a:extLst>
               <a:ext uri="{FF2B5EF4-FFF2-40B4-BE49-F238E27FC236}">
-                <a16:creationId xmlns:a16="http://schemas.microsoft.com/office/drawing/2014/main" xmlns="" id="{3C81C062-4231-4B36-AAFA-30A475FAE1E8}"/>
+                <a16:creationId xmlns:a16="http://schemas.microsoft.com/office/drawing/2014/main" id="{3C81C062-4231-4B36-AAFA-30A475FAE1E8}"/>
               </a:ext>
             </a:extLst>
           </p:cNvPr>
@@ -5562,7 +5573,7 @@
           <p:cNvPr id="4" name="Foliennummernplatzhalter 3">
             <a:extLst>
               <a:ext uri="{FF2B5EF4-FFF2-40B4-BE49-F238E27FC236}">
-                <a16:creationId xmlns:a16="http://schemas.microsoft.com/office/drawing/2014/main" xmlns="" id="{EC1822F5-6ABE-4E9B-957A-C5E32A5530D5}"/>
+                <a16:creationId xmlns:a16="http://schemas.microsoft.com/office/drawing/2014/main" id="{EC1822F5-6ABE-4E9B-957A-C5E32A5530D5}"/>
               </a:ext>
             </a:extLst>
           </p:cNvPr>
@@ -5591,7 +5602,7 @@
           <p:cNvPr id="6" name="Foliennummernplatzhalter 1">
             <a:extLst>
               <a:ext uri="{FF2B5EF4-FFF2-40B4-BE49-F238E27FC236}">
-                <a16:creationId xmlns:a16="http://schemas.microsoft.com/office/drawing/2014/main" xmlns="" id="{E4FE34CB-DB30-4658-88D6-3ACE78B1A0F9}"/>
+                <a16:creationId xmlns:a16="http://schemas.microsoft.com/office/drawing/2014/main" id="{E4FE34CB-DB30-4658-88D6-3ACE78B1A0F9}"/>
               </a:ext>
             </a:extLst>
           </p:cNvPr>
@@ -5751,7 +5762,7 @@
           <p:cNvPr id="2" name="Titel 1">
             <a:extLst>
               <a:ext uri="{FF2B5EF4-FFF2-40B4-BE49-F238E27FC236}">
-                <a16:creationId xmlns:a16="http://schemas.microsoft.com/office/drawing/2014/main" xmlns="" id="{0EAB171C-DE80-495A-AAED-D7A03D2CD8EA}"/>
+                <a16:creationId xmlns:a16="http://schemas.microsoft.com/office/drawing/2014/main" id="{0EAB171C-DE80-495A-AAED-D7A03D2CD8EA}"/>
               </a:ext>
             </a:extLst>
           </p:cNvPr>
@@ -5779,7 +5790,7 @@
           <p:cNvPr id="3" name="Inhaltsplatzhalter 2">
             <a:extLst>
               <a:ext uri="{FF2B5EF4-FFF2-40B4-BE49-F238E27FC236}">
-                <a16:creationId xmlns:a16="http://schemas.microsoft.com/office/drawing/2014/main" xmlns="" id="{3C81C062-4231-4B36-AAFA-30A475FAE1E8}"/>
+                <a16:creationId xmlns:a16="http://schemas.microsoft.com/office/drawing/2014/main" id="{3C81C062-4231-4B36-AAFA-30A475FAE1E8}"/>
               </a:ext>
             </a:extLst>
           </p:cNvPr>
@@ -5860,7 +5871,7 @@
           <p:cNvPr id="4" name="Foliennummernplatzhalter 3">
             <a:extLst>
               <a:ext uri="{FF2B5EF4-FFF2-40B4-BE49-F238E27FC236}">
-                <a16:creationId xmlns:a16="http://schemas.microsoft.com/office/drawing/2014/main" xmlns="" id="{7767E81F-A301-4CA7-A329-7D3595EFDCC7}"/>
+                <a16:creationId xmlns:a16="http://schemas.microsoft.com/office/drawing/2014/main" id="{7767E81F-A301-4CA7-A329-7D3595EFDCC7}"/>
               </a:ext>
             </a:extLst>
           </p:cNvPr>
@@ -5889,7 +5900,7 @@
           <p:cNvPr id="6" name="Foliennummernplatzhalter 1">
             <a:extLst>
               <a:ext uri="{FF2B5EF4-FFF2-40B4-BE49-F238E27FC236}">
-                <a16:creationId xmlns:a16="http://schemas.microsoft.com/office/drawing/2014/main" xmlns="" id="{27C226E1-02DE-4305-A3C0-30E5F67958FD}"/>
+                <a16:creationId xmlns:a16="http://schemas.microsoft.com/office/drawing/2014/main" id="{27C226E1-02DE-4305-A3C0-30E5F67958FD}"/>
               </a:ext>
             </a:extLst>
           </p:cNvPr>
@@ -6049,7 +6060,7 @@
           <p:cNvPr id="2" name="Titel 1">
             <a:extLst>
               <a:ext uri="{FF2B5EF4-FFF2-40B4-BE49-F238E27FC236}">
-                <a16:creationId xmlns:a16="http://schemas.microsoft.com/office/drawing/2014/main" xmlns="" id="{0EAB171C-DE80-495A-AAED-D7A03D2CD8EA}"/>
+                <a16:creationId xmlns:a16="http://schemas.microsoft.com/office/drawing/2014/main" id="{0EAB171C-DE80-495A-AAED-D7A03D2CD8EA}"/>
               </a:ext>
             </a:extLst>
           </p:cNvPr>
@@ -6077,7 +6088,7 @@
           <p:cNvPr id="3" name="Inhaltsplatzhalter 2">
             <a:extLst>
               <a:ext uri="{FF2B5EF4-FFF2-40B4-BE49-F238E27FC236}">
-                <a16:creationId xmlns:a16="http://schemas.microsoft.com/office/drawing/2014/main" xmlns="" id="{3C81C062-4231-4B36-AAFA-30A475FAE1E8}"/>
+                <a16:creationId xmlns:a16="http://schemas.microsoft.com/office/drawing/2014/main" id="{3C81C062-4231-4B36-AAFA-30A475FAE1E8}"/>
               </a:ext>
             </a:extLst>
           </p:cNvPr>
@@ -6140,7 +6151,7 @@
           <p:cNvPr id="4" name="Foliennummernplatzhalter 3">
             <a:extLst>
               <a:ext uri="{FF2B5EF4-FFF2-40B4-BE49-F238E27FC236}">
-                <a16:creationId xmlns:a16="http://schemas.microsoft.com/office/drawing/2014/main" xmlns="" id="{D1E71A25-2288-4001-B77D-8180E841AAA2}"/>
+                <a16:creationId xmlns:a16="http://schemas.microsoft.com/office/drawing/2014/main" id="{D1E71A25-2288-4001-B77D-8180E841AAA2}"/>
               </a:ext>
             </a:extLst>
           </p:cNvPr>
@@ -6169,7 +6180,7 @@
           <p:cNvPr id="6" name="Foliennummernplatzhalter 1">
             <a:extLst>
               <a:ext uri="{FF2B5EF4-FFF2-40B4-BE49-F238E27FC236}">
-                <a16:creationId xmlns:a16="http://schemas.microsoft.com/office/drawing/2014/main" xmlns="" id="{4E4984C0-9DE6-4B5C-BFB9-2C13F0A792C8}"/>
+                <a16:creationId xmlns:a16="http://schemas.microsoft.com/office/drawing/2014/main" id="{4E4984C0-9DE6-4B5C-BFB9-2C13F0A792C8}"/>
               </a:ext>
             </a:extLst>
           </p:cNvPr>
@@ -6329,7 +6340,7 @@
           <p:cNvPr id="2" name="Titel 1">
             <a:extLst>
               <a:ext uri="{FF2B5EF4-FFF2-40B4-BE49-F238E27FC236}">
-                <a16:creationId xmlns:a16="http://schemas.microsoft.com/office/drawing/2014/main" xmlns="" id="{AAFE69D7-54CF-489C-A1DD-9877AA78F59C}"/>
+                <a16:creationId xmlns:a16="http://schemas.microsoft.com/office/drawing/2014/main" id="{AAFE69D7-54CF-489C-A1DD-9877AA78F59C}"/>
               </a:ext>
             </a:extLst>
           </p:cNvPr>
@@ -6357,7 +6368,7 @@
           <p:cNvPr id="3" name="Inhaltsplatzhalter 2">
             <a:extLst>
               <a:ext uri="{FF2B5EF4-FFF2-40B4-BE49-F238E27FC236}">
-                <a16:creationId xmlns:a16="http://schemas.microsoft.com/office/drawing/2014/main" xmlns="" id="{B8D4C288-F4D2-4177-B8C3-5666E9A6AF34}"/>
+                <a16:creationId xmlns:a16="http://schemas.microsoft.com/office/drawing/2014/main" id="{B8D4C288-F4D2-4177-B8C3-5666E9A6AF34}"/>
               </a:ext>
             </a:extLst>
           </p:cNvPr>
@@ -6431,7 +6442,7 @@
           <p:cNvPr id="4" name="Foliennummernplatzhalter 3">
             <a:extLst>
               <a:ext uri="{FF2B5EF4-FFF2-40B4-BE49-F238E27FC236}">
-                <a16:creationId xmlns:a16="http://schemas.microsoft.com/office/drawing/2014/main" xmlns="" id="{696CF5B0-B2DC-4B80-B01D-8C77A7FAE245}"/>
+                <a16:creationId xmlns:a16="http://schemas.microsoft.com/office/drawing/2014/main" id="{696CF5B0-B2DC-4B80-B01D-8C77A7FAE245}"/>
               </a:ext>
             </a:extLst>
           </p:cNvPr>
@@ -6460,7 +6471,7 @@
           <p:cNvPr id="6" name="Foliennummernplatzhalter 1">
             <a:extLst>
               <a:ext uri="{FF2B5EF4-FFF2-40B4-BE49-F238E27FC236}">
-                <a16:creationId xmlns:a16="http://schemas.microsoft.com/office/drawing/2014/main" xmlns="" id="{A4E14B52-3A6E-46D2-9520-AE1F78E43717}"/>
+                <a16:creationId xmlns:a16="http://schemas.microsoft.com/office/drawing/2014/main" id="{A4E14B52-3A6E-46D2-9520-AE1F78E43717}"/>
               </a:ext>
             </a:extLst>
           </p:cNvPr>
@@ -6620,7 +6631,7 @@
           <p:cNvPr id="2" name="Titel 1">
             <a:extLst>
               <a:ext uri="{FF2B5EF4-FFF2-40B4-BE49-F238E27FC236}">
-                <a16:creationId xmlns:a16="http://schemas.microsoft.com/office/drawing/2014/main" xmlns="" id="{AAFE69D7-54CF-489C-A1DD-9877AA78F59C}"/>
+                <a16:creationId xmlns:a16="http://schemas.microsoft.com/office/drawing/2014/main" id="{AAFE69D7-54CF-489C-A1DD-9877AA78F59C}"/>
               </a:ext>
             </a:extLst>
           </p:cNvPr>
@@ -6648,7 +6659,7 @@
           <p:cNvPr id="3" name="Inhaltsplatzhalter 2">
             <a:extLst>
               <a:ext uri="{FF2B5EF4-FFF2-40B4-BE49-F238E27FC236}">
-                <a16:creationId xmlns:a16="http://schemas.microsoft.com/office/drawing/2014/main" xmlns="" id="{B8D4C288-F4D2-4177-B8C3-5666E9A6AF34}"/>
+                <a16:creationId xmlns:a16="http://schemas.microsoft.com/office/drawing/2014/main" id="{B8D4C288-F4D2-4177-B8C3-5666E9A6AF34}"/>
               </a:ext>
             </a:extLst>
           </p:cNvPr>
@@ -6732,7 +6743,7 @@
           <p:cNvPr id="4" name="Foliennummernplatzhalter 3">
             <a:extLst>
               <a:ext uri="{FF2B5EF4-FFF2-40B4-BE49-F238E27FC236}">
-                <a16:creationId xmlns:a16="http://schemas.microsoft.com/office/drawing/2014/main" xmlns="" id="{D1243670-87BF-489F-ACC5-8768BD30C9E4}"/>
+                <a16:creationId xmlns:a16="http://schemas.microsoft.com/office/drawing/2014/main" id="{D1243670-87BF-489F-ACC5-8768BD30C9E4}"/>
               </a:ext>
             </a:extLst>
           </p:cNvPr>
@@ -6761,7 +6772,7 @@
           <p:cNvPr id="6" name="Foliennummernplatzhalter 1">
             <a:extLst>
               <a:ext uri="{FF2B5EF4-FFF2-40B4-BE49-F238E27FC236}">
-                <a16:creationId xmlns:a16="http://schemas.microsoft.com/office/drawing/2014/main" xmlns="" id="{B6C27DA0-7C76-4413-AC46-A84E5E16880F}"/>
+                <a16:creationId xmlns:a16="http://schemas.microsoft.com/office/drawing/2014/main" id="{B6C27DA0-7C76-4413-AC46-A84E5E16880F}"/>
               </a:ext>
             </a:extLst>
           </p:cNvPr>
@@ -6921,7 +6932,7 @@
           <p:cNvPr id="2" name="Titel 1">
             <a:extLst>
               <a:ext uri="{FF2B5EF4-FFF2-40B4-BE49-F238E27FC236}">
-                <a16:creationId xmlns:a16="http://schemas.microsoft.com/office/drawing/2014/main" xmlns="" id="{AAFE69D7-54CF-489C-A1DD-9877AA78F59C}"/>
+                <a16:creationId xmlns:a16="http://schemas.microsoft.com/office/drawing/2014/main" id="{AAFE69D7-54CF-489C-A1DD-9877AA78F59C}"/>
               </a:ext>
             </a:extLst>
           </p:cNvPr>
@@ -6949,7 +6960,7 @@
           <p:cNvPr id="3" name="Inhaltsplatzhalter 2">
             <a:extLst>
               <a:ext uri="{FF2B5EF4-FFF2-40B4-BE49-F238E27FC236}">
-                <a16:creationId xmlns:a16="http://schemas.microsoft.com/office/drawing/2014/main" xmlns="" id="{B8D4C288-F4D2-4177-B8C3-5666E9A6AF34}"/>
+                <a16:creationId xmlns:a16="http://schemas.microsoft.com/office/drawing/2014/main" id="{B8D4C288-F4D2-4177-B8C3-5666E9A6AF34}"/>
               </a:ext>
             </a:extLst>
           </p:cNvPr>
@@ -7056,7 +7067,7 @@
           <p:cNvPr id="4" name="Foliennummernplatzhalter 3">
             <a:extLst>
               <a:ext uri="{FF2B5EF4-FFF2-40B4-BE49-F238E27FC236}">
-                <a16:creationId xmlns:a16="http://schemas.microsoft.com/office/drawing/2014/main" xmlns="" id="{74BACA28-39FF-4418-A5A5-C5FBE9E1B83F}"/>
+                <a16:creationId xmlns:a16="http://schemas.microsoft.com/office/drawing/2014/main" id="{74BACA28-39FF-4418-A5A5-C5FBE9E1B83F}"/>
               </a:ext>
             </a:extLst>
           </p:cNvPr>
@@ -7085,7 +7096,7 @@
           <p:cNvPr id="6" name="Foliennummernplatzhalter 1">
             <a:extLst>
               <a:ext uri="{FF2B5EF4-FFF2-40B4-BE49-F238E27FC236}">
-                <a16:creationId xmlns:a16="http://schemas.microsoft.com/office/drawing/2014/main" xmlns="" id="{2057F718-52C4-4FBA-8002-E56D486A38BF}"/>
+                <a16:creationId xmlns:a16="http://schemas.microsoft.com/office/drawing/2014/main" id="{2057F718-52C4-4FBA-8002-E56D486A38BF}"/>
               </a:ext>
             </a:extLst>
           </p:cNvPr>
@@ -7245,7 +7256,7 @@
           <p:cNvPr id="2" name="Titel 1">
             <a:extLst>
               <a:ext uri="{FF2B5EF4-FFF2-40B4-BE49-F238E27FC236}">
-                <a16:creationId xmlns:a16="http://schemas.microsoft.com/office/drawing/2014/main" xmlns="" id="{1F7BD631-2D03-411B-BED2-33AAC03CE541}"/>
+                <a16:creationId xmlns:a16="http://schemas.microsoft.com/office/drawing/2014/main" id="{1F7BD631-2D03-411B-BED2-33AAC03CE541}"/>
               </a:ext>
             </a:extLst>
           </p:cNvPr>
@@ -7273,7 +7284,7 @@
           <p:cNvPr id="3" name="Inhaltsplatzhalter 2">
             <a:extLst>
               <a:ext uri="{FF2B5EF4-FFF2-40B4-BE49-F238E27FC236}">
-                <a16:creationId xmlns:a16="http://schemas.microsoft.com/office/drawing/2014/main" xmlns="" id="{C471F597-A5A3-46FA-B368-5E7A018AA401}"/>
+                <a16:creationId xmlns:a16="http://schemas.microsoft.com/office/drawing/2014/main" id="{C471F597-A5A3-46FA-B368-5E7A018AA401}"/>
               </a:ext>
             </a:extLst>
           </p:cNvPr>
@@ -7385,7 +7396,7 @@
           <p:cNvPr id="4" name="Foliennummernplatzhalter 3">
             <a:extLst>
               <a:ext uri="{FF2B5EF4-FFF2-40B4-BE49-F238E27FC236}">
-                <a16:creationId xmlns:a16="http://schemas.microsoft.com/office/drawing/2014/main" xmlns="" id="{ABA61CDF-7982-43C3-9AF5-9FC2410EF4D8}"/>
+                <a16:creationId xmlns:a16="http://schemas.microsoft.com/office/drawing/2014/main" id="{ABA61CDF-7982-43C3-9AF5-9FC2410EF4D8}"/>
               </a:ext>
             </a:extLst>
           </p:cNvPr>
@@ -7414,7 +7425,7 @@
           <p:cNvPr id="6" name="Foliennummernplatzhalter 1">
             <a:extLst>
               <a:ext uri="{FF2B5EF4-FFF2-40B4-BE49-F238E27FC236}">
-                <a16:creationId xmlns:a16="http://schemas.microsoft.com/office/drawing/2014/main" xmlns="" id="{0F3272BD-5D8D-4AEF-B52F-B38D4CEAD387}"/>
+                <a16:creationId xmlns:a16="http://schemas.microsoft.com/office/drawing/2014/main" id="{0F3272BD-5D8D-4AEF-B52F-B38D4CEAD387}"/>
               </a:ext>
             </a:extLst>
           </p:cNvPr>
@@ -7574,7 +7585,7 @@
           <p:cNvPr id="2" name="Titel 1">
             <a:extLst>
               <a:ext uri="{FF2B5EF4-FFF2-40B4-BE49-F238E27FC236}">
-                <a16:creationId xmlns:a16="http://schemas.microsoft.com/office/drawing/2014/main" xmlns="" id="{AAFE69D7-54CF-489C-A1DD-9877AA78F59C}"/>
+                <a16:creationId xmlns:a16="http://schemas.microsoft.com/office/drawing/2014/main" id="{AAFE69D7-54CF-489C-A1DD-9877AA78F59C}"/>
               </a:ext>
             </a:extLst>
           </p:cNvPr>
@@ -7602,7 +7613,7 @@
           <p:cNvPr id="3" name="Inhaltsplatzhalter 2">
             <a:extLst>
               <a:ext uri="{FF2B5EF4-FFF2-40B4-BE49-F238E27FC236}">
-                <a16:creationId xmlns:a16="http://schemas.microsoft.com/office/drawing/2014/main" xmlns="" id="{B8D4C288-F4D2-4177-B8C3-5666E9A6AF34}"/>
+                <a16:creationId xmlns:a16="http://schemas.microsoft.com/office/drawing/2014/main" id="{B8D4C288-F4D2-4177-B8C3-5666E9A6AF34}"/>
               </a:ext>
             </a:extLst>
           </p:cNvPr>
@@ -7762,7 +7773,7 @@
           <p:cNvPr id="4" name="Foliennummernplatzhalter 3">
             <a:extLst>
               <a:ext uri="{FF2B5EF4-FFF2-40B4-BE49-F238E27FC236}">
-                <a16:creationId xmlns:a16="http://schemas.microsoft.com/office/drawing/2014/main" xmlns="" id="{FC33138B-E15E-4394-92D5-62320A28D804}"/>
+                <a16:creationId xmlns:a16="http://schemas.microsoft.com/office/drawing/2014/main" id="{FC33138B-E15E-4394-92D5-62320A28D804}"/>
               </a:ext>
             </a:extLst>
           </p:cNvPr>
@@ -7791,7 +7802,7 @@
           <p:cNvPr id="6" name="Foliennummernplatzhalter 1">
             <a:extLst>
               <a:ext uri="{FF2B5EF4-FFF2-40B4-BE49-F238E27FC236}">
-                <a16:creationId xmlns:a16="http://schemas.microsoft.com/office/drawing/2014/main" xmlns="" id="{A4E68265-156F-4164-8968-581AB47AF6EF}"/>
+                <a16:creationId xmlns:a16="http://schemas.microsoft.com/office/drawing/2014/main" id="{A4E68265-156F-4164-8968-581AB47AF6EF}"/>
               </a:ext>
             </a:extLst>
           </p:cNvPr>
@@ -7963,7 +7974,7 @@
           <a:p>
             <a:r>
               <a:rPr lang="de-DE" b="1" dirty="0"/>
-              <a:t>Risikoanalyse-und Bewertung</a:t>
+              <a:t>Risikoanalyse und Bewertung</a:t>
             </a:r>
           </a:p>
         </p:txBody>
@@ -7987,44 +7998,20 @@
           <a:p>
             <a:r>
               <a:rPr lang="de-DE" dirty="0"/>
-              <a:t>BSI: </a:t>
-            </a:r>
-            <a:r>
-              <a:rPr lang="de-DE" dirty="0" smtClean="0"/>
-              <a:t>Meistens </a:t>
-            </a:r>
-            <a:r>
-              <a:rPr lang="de-DE" dirty="0"/>
-              <a:t>reichen Standard-</a:t>
-            </a:r>
-            <a:r>
-              <a:rPr lang="de-DE" dirty="0" smtClean="0"/>
-              <a:t>Sicherheitsmaßnahmen des IT-Grundschutzes</a:t>
-            </a:r>
-            <a:r>
-              <a:rPr lang="de-DE" dirty="0"/>
-              <a:t> </a:t>
-            </a:r>
-            <a:r>
-              <a:rPr lang="de-DE" dirty="0" smtClean="0"/>
-              <a:t>aus</a:t>
+              <a:t>BSI: Meistens reichen Standard-Sicherheitsmaßnahmen des IT-Grundschutzes aus</a:t>
             </a:r>
             <a:br>
-              <a:rPr lang="de-DE" dirty="0" smtClean="0"/>
+              <a:rPr lang="de-DE" dirty="0"/>
             </a:br>
             <a:r>
-              <a:rPr lang="de-DE" dirty="0" smtClean="0"/>
+              <a:rPr lang="de-DE" dirty="0"/>
               <a:t>Aber: Falls Sicherheitsanforderungen eines Systems über das normale Maß hinausgehen, muss eine erweiterte Risikoanalyse durchgeführt werden</a:t>
             </a:r>
           </a:p>
           <a:p>
             <a:r>
-              <a:rPr lang="de-DE" dirty="0" smtClean="0"/>
-              <a:t>Formel</a:t>
-            </a:r>
-            <a:r>
-              <a:rPr lang="de-DE" dirty="0"/>
-              <a:t>: Risiko = Wahrscheinlichkeit x Schaden</a:t>
+              <a:rPr lang="de-DE" dirty="0"/>
+              <a:t>Formel: Risiko = Wahrscheinlichkeit x Schaden</a:t>
             </a:r>
           </a:p>
           <a:p>
@@ -8046,7 +8033,7 @@
           <p:cNvPr id="3" name="Foliennummernplatzhalter 2">
             <a:extLst>
               <a:ext uri="{FF2B5EF4-FFF2-40B4-BE49-F238E27FC236}">
-                <a16:creationId xmlns:a16="http://schemas.microsoft.com/office/drawing/2014/main" xmlns="" id="{BAE5B5AC-96C0-4E54-9031-EBA6F6259779}"/>
+                <a16:creationId xmlns:a16="http://schemas.microsoft.com/office/drawing/2014/main" id="{BAE5B5AC-96C0-4E54-9031-EBA6F6259779}"/>
               </a:ext>
             </a:extLst>
           </p:cNvPr>
@@ -8075,7 +8062,7 @@
           <p:cNvPr id="7" name="Foliennummernplatzhalter 1">
             <a:extLst>
               <a:ext uri="{FF2B5EF4-FFF2-40B4-BE49-F238E27FC236}">
-                <a16:creationId xmlns:a16="http://schemas.microsoft.com/office/drawing/2014/main" xmlns="" id="{6A04C26B-AE15-44FB-B681-29DC46F84D4E}"/>
+                <a16:creationId xmlns:a16="http://schemas.microsoft.com/office/drawing/2014/main" id="{6A04C26B-AE15-44FB-B681-29DC46F84D4E}"/>
               </a:ext>
             </a:extLst>
           </p:cNvPr>
@@ -8336,7 +8323,7 @@
           <p:cNvPr id="4" name="Foliennummernplatzhalter 3">
             <a:extLst>
               <a:ext uri="{FF2B5EF4-FFF2-40B4-BE49-F238E27FC236}">
-                <a16:creationId xmlns:a16="http://schemas.microsoft.com/office/drawing/2014/main" xmlns="" id="{B21525AA-C399-4C3F-9D7F-2AAFFB53F8C2}"/>
+                <a16:creationId xmlns:a16="http://schemas.microsoft.com/office/drawing/2014/main" id="{B21525AA-C399-4C3F-9D7F-2AAFFB53F8C2}"/>
               </a:ext>
             </a:extLst>
           </p:cNvPr>
@@ -8365,7 +8352,7 @@
           <p:cNvPr id="6" name="Foliennummernplatzhalter 1">
             <a:extLst>
               <a:ext uri="{FF2B5EF4-FFF2-40B4-BE49-F238E27FC236}">
-                <a16:creationId xmlns:a16="http://schemas.microsoft.com/office/drawing/2014/main" xmlns="" id="{0C53EA63-213A-4C55-950F-AD6CFA0F0DF5}"/>
+                <a16:creationId xmlns:a16="http://schemas.microsoft.com/office/drawing/2014/main" id="{0C53EA63-213A-4C55-950F-AD6CFA0F0DF5}"/>
               </a:ext>
             </a:extLst>
           </p:cNvPr>
@@ -8576,7 +8563,7 @@
           <p:cNvPr id="3" name="Foliennummernplatzhalter 2">
             <a:extLst>
               <a:ext uri="{FF2B5EF4-FFF2-40B4-BE49-F238E27FC236}">
-                <a16:creationId xmlns:a16="http://schemas.microsoft.com/office/drawing/2014/main" xmlns="" id="{EA4114F0-BD95-41A5-A350-9DAE96F44C26}"/>
+                <a16:creationId xmlns:a16="http://schemas.microsoft.com/office/drawing/2014/main" id="{EA4114F0-BD95-41A5-A350-9DAE96F44C26}"/>
               </a:ext>
             </a:extLst>
           </p:cNvPr>
@@ -8605,7 +8592,7 @@
           <p:cNvPr id="6" name="Foliennummernplatzhalter 1">
             <a:extLst>
               <a:ext uri="{FF2B5EF4-FFF2-40B4-BE49-F238E27FC236}">
-                <a16:creationId xmlns:a16="http://schemas.microsoft.com/office/drawing/2014/main" xmlns="" id="{CB6DBA8D-1FF8-46EE-9BB3-05A3A12EFB9D}"/>
+                <a16:creationId xmlns:a16="http://schemas.microsoft.com/office/drawing/2014/main" id="{CB6DBA8D-1FF8-46EE-9BB3-05A3A12EFB9D}"/>
               </a:ext>
             </a:extLst>
           </p:cNvPr>
@@ -8800,22 +8787,18 @@
           <a:lstStyle/>
           <a:p>
             <a:r>
-              <a:rPr lang="de-DE" dirty="0" smtClean="0"/>
+              <a:rPr lang="de-DE" dirty="0"/>
               <a:t>Es gibt verschiedene Methoden um eine Wahrscheinlichkeit zu bestimmen, zum Beispiel durch Abwägung des Aufwands für den Angreifer und des Nutzens für den Angreifer</a:t>
             </a:r>
             <a:br>
-              <a:rPr lang="de-DE" dirty="0" smtClean="0"/>
+              <a:rPr lang="de-DE" dirty="0"/>
             </a:br>
-            <a:endParaRPr lang="de-DE" dirty="0" smtClean="0"/>
-          </a:p>
-          <a:p>
-            <a:r>
-              <a:rPr lang="de-DE" dirty="0" smtClean="0"/>
-              <a:t>Bewertung </a:t>
-            </a:r>
-            <a:r>
-              <a:rPr lang="de-DE" dirty="0"/>
-              <a:t>des Nutzen für den Angreifer hängt stark von seinem Motiv ab (wirtschaftliche Interessen, Neugier, vielleicht aber auch Rache?)</a:t>
+            <a:endParaRPr lang="de-DE" dirty="0"/>
+          </a:p>
+          <a:p>
+            <a:r>
+              <a:rPr lang="de-DE" dirty="0"/>
+              <a:t>Bewertung des Nutzen für den Angreifer hängt stark von seinem Motiv ab (wirtschaftliche Interessen, Neugier, vielleicht aber auch Rache?)</a:t>
             </a:r>
             <a:br>
               <a:rPr lang="de-DE" dirty="0"/>
@@ -8844,7 +8827,7 @@
           <p:cNvPr id="4" name="Foliennummernplatzhalter 3">
             <a:extLst>
               <a:ext uri="{FF2B5EF4-FFF2-40B4-BE49-F238E27FC236}">
-                <a16:creationId xmlns:a16="http://schemas.microsoft.com/office/drawing/2014/main" xmlns="" id="{04F40185-203B-4300-8BE1-5E7375CF943B}"/>
+                <a16:creationId xmlns:a16="http://schemas.microsoft.com/office/drawing/2014/main" id="{04F40185-203B-4300-8BE1-5E7375CF943B}"/>
               </a:ext>
             </a:extLst>
           </p:cNvPr>
@@ -8873,7 +8856,7 @@
           <p:cNvPr id="6" name="Foliennummernplatzhalter 1">
             <a:extLst>
               <a:ext uri="{FF2B5EF4-FFF2-40B4-BE49-F238E27FC236}">
-                <a16:creationId xmlns:a16="http://schemas.microsoft.com/office/drawing/2014/main" xmlns="" id="{262F2B95-EF8F-4FA7-9882-9307450D39EF}"/>
+                <a16:creationId xmlns:a16="http://schemas.microsoft.com/office/drawing/2014/main" id="{262F2B95-EF8F-4FA7-9882-9307450D39EF}"/>
               </a:ext>
             </a:extLst>
           </p:cNvPr>
@@ -9131,7 +9114,7 @@
           <p:cNvPr id="4" name="Foliennummernplatzhalter 3">
             <a:extLst>
               <a:ext uri="{FF2B5EF4-FFF2-40B4-BE49-F238E27FC236}">
-                <a16:creationId xmlns:a16="http://schemas.microsoft.com/office/drawing/2014/main" xmlns="" id="{821FEBA8-808C-49E5-A12E-39BE2C37CAA2}"/>
+                <a16:creationId xmlns:a16="http://schemas.microsoft.com/office/drawing/2014/main" id="{821FEBA8-808C-49E5-A12E-39BE2C37CAA2}"/>
               </a:ext>
             </a:extLst>
           </p:cNvPr>
@@ -9160,7 +9143,7 @@
           <p:cNvPr id="6" name="Foliennummernplatzhalter 1">
             <a:extLst>
               <a:ext uri="{FF2B5EF4-FFF2-40B4-BE49-F238E27FC236}">
-                <a16:creationId xmlns:a16="http://schemas.microsoft.com/office/drawing/2014/main" xmlns="" id="{D049566E-D3BA-4896-8123-A35AD11F2D8B}"/>
+                <a16:creationId xmlns:a16="http://schemas.microsoft.com/office/drawing/2014/main" id="{D049566E-D3BA-4896-8123-A35AD11F2D8B}"/>
               </a:ext>
             </a:extLst>
           </p:cNvPr>
@@ -9320,7 +9303,7 @@
           <p:cNvPr id="2" name="Titel 1">
             <a:extLst>
               <a:ext uri="{FF2B5EF4-FFF2-40B4-BE49-F238E27FC236}">
-                <a16:creationId xmlns:a16="http://schemas.microsoft.com/office/drawing/2014/main" xmlns="" id="{1B3F406C-536E-4365-8F2A-D80B84B8AC55}"/>
+                <a16:creationId xmlns:a16="http://schemas.microsoft.com/office/drawing/2014/main" id="{1B3F406C-536E-4365-8F2A-D80B84B8AC55}"/>
               </a:ext>
             </a:extLst>
           </p:cNvPr>
@@ -9348,7 +9331,7 @@
           <p:cNvPr id="3" name="Inhaltsplatzhalter 2">
             <a:extLst>
               <a:ext uri="{FF2B5EF4-FFF2-40B4-BE49-F238E27FC236}">
-                <a16:creationId xmlns:a16="http://schemas.microsoft.com/office/drawing/2014/main" xmlns="" id="{D357395F-5EF2-42F1-B06E-B8C721674E9E}"/>
+                <a16:creationId xmlns:a16="http://schemas.microsoft.com/office/drawing/2014/main" id="{D357395F-5EF2-42F1-B06E-B8C721674E9E}"/>
               </a:ext>
             </a:extLst>
           </p:cNvPr>
@@ -9384,7 +9367,7 @@
           <p:cNvPr id="4" name="Foliennummernplatzhalter 3">
             <a:extLst>
               <a:ext uri="{FF2B5EF4-FFF2-40B4-BE49-F238E27FC236}">
-                <a16:creationId xmlns:a16="http://schemas.microsoft.com/office/drawing/2014/main" xmlns="" id="{23F974E6-B4F6-4D78-A518-F3BE355905CB}"/>
+                <a16:creationId xmlns:a16="http://schemas.microsoft.com/office/drawing/2014/main" id="{23F974E6-B4F6-4D78-A518-F3BE355905CB}"/>
               </a:ext>
             </a:extLst>
           </p:cNvPr>
@@ -9413,7 +9396,7 @@
           <p:cNvPr id="6" name="Foliennummernplatzhalter 1">
             <a:extLst>
               <a:ext uri="{FF2B5EF4-FFF2-40B4-BE49-F238E27FC236}">
-                <a16:creationId xmlns:a16="http://schemas.microsoft.com/office/drawing/2014/main" xmlns="" id="{7E0408D2-1102-4836-8E81-627D4106344C}"/>
+                <a16:creationId xmlns:a16="http://schemas.microsoft.com/office/drawing/2014/main" id="{7E0408D2-1102-4836-8E81-627D4106344C}"/>
               </a:ext>
             </a:extLst>
           </p:cNvPr>
@@ -9573,7 +9556,7 @@
           <p:cNvPr id="2" name="Titel 1">
             <a:extLst>
               <a:ext uri="{FF2B5EF4-FFF2-40B4-BE49-F238E27FC236}">
-                <a16:creationId xmlns:a16="http://schemas.microsoft.com/office/drawing/2014/main" xmlns="" id="{1B3F406C-536E-4365-8F2A-D80B84B8AC55}"/>
+                <a16:creationId xmlns:a16="http://schemas.microsoft.com/office/drawing/2014/main" id="{1B3F406C-536E-4365-8F2A-D80B84B8AC55}"/>
               </a:ext>
             </a:extLst>
           </p:cNvPr>
@@ -9601,7 +9584,7 @@
           <p:cNvPr id="3" name="Inhaltsplatzhalter 2">
             <a:extLst>
               <a:ext uri="{FF2B5EF4-FFF2-40B4-BE49-F238E27FC236}">
-                <a16:creationId xmlns:a16="http://schemas.microsoft.com/office/drawing/2014/main" xmlns="" id="{D357395F-5EF2-42F1-B06E-B8C721674E9E}"/>
+                <a16:creationId xmlns:a16="http://schemas.microsoft.com/office/drawing/2014/main" id="{D357395F-5EF2-42F1-B06E-B8C721674E9E}"/>
               </a:ext>
             </a:extLst>
           </p:cNvPr>
@@ -9678,7 +9661,7 @@
           <p:cNvPr id="4" name="Foliennummernplatzhalter 3">
             <a:extLst>
               <a:ext uri="{FF2B5EF4-FFF2-40B4-BE49-F238E27FC236}">
-                <a16:creationId xmlns:a16="http://schemas.microsoft.com/office/drawing/2014/main" xmlns="" id="{0ED8750A-BBC6-43C6-8CBF-3EBB967E96DA}"/>
+                <a16:creationId xmlns:a16="http://schemas.microsoft.com/office/drawing/2014/main" id="{0ED8750A-BBC6-43C6-8CBF-3EBB967E96DA}"/>
               </a:ext>
             </a:extLst>
           </p:cNvPr>
@@ -9707,7 +9690,7 @@
           <p:cNvPr id="6" name="Foliennummernplatzhalter 1">
             <a:extLst>
               <a:ext uri="{FF2B5EF4-FFF2-40B4-BE49-F238E27FC236}">
-                <a16:creationId xmlns:a16="http://schemas.microsoft.com/office/drawing/2014/main" xmlns="" id="{0E02EA30-82E7-4AA3-B56C-0A3576E1C2CD}"/>
+                <a16:creationId xmlns:a16="http://schemas.microsoft.com/office/drawing/2014/main" id="{0E02EA30-82E7-4AA3-B56C-0A3576E1C2CD}"/>
               </a:ext>
             </a:extLst>
           </p:cNvPr>
@@ -9867,7 +9850,7 @@
           <p:cNvPr id="2" name="Titel 1">
             <a:extLst>
               <a:ext uri="{FF2B5EF4-FFF2-40B4-BE49-F238E27FC236}">
-                <a16:creationId xmlns:a16="http://schemas.microsoft.com/office/drawing/2014/main" xmlns="" id="{1B3F406C-536E-4365-8F2A-D80B84B8AC55}"/>
+                <a16:creationId xmlns:a16="http://schemas.microsoft.com/office/drawing/2014/main" id="{1B3F406C-536E-4365-8F2A-D80B84B8AC55}"/>
               </a:ext>
             </a:extLst>
           </p:cNvPr>
@@ -9895,7 +9878,7 @@
           <p:cNvPr id="3" name="Inhaltsplatzhalter 2">
             <a:extLst>
               <a:ext uri="{FF2B5EF4-FFF2-40B4-BE49-F238E27FC236}">
-                <a16:creationId xmlns:a16="http://schemas.microsoft.com/office/drawing/2014/main" xmlns="" id="{D357395F-5EF2-42F1-B06E-B8C721674E9E}"/>
+                <a16:creationId xmlns:a16="http://schemas.microsoft.com/office/drawing/2014/main" id="{D357395F-5EF2-42F1-B06E-B8C721674E9E}"/>
               </a:ext>
             </a:extLst>
           </p:cNvPr>
@@ -9994,7 +9977,7 @@
           <p:cNvPr id="4" name="Foliennummernplatzhalter 3">
             <a:extLst>
               <a:ext uri="{FF2B5EF4-FFF2-40B4-BE49-F238E27FC236}">
-                <a16:creationId xmlns:a16="http://schemas.microsoft.com/office/drawing/2014/main" xmlns="" id="{48D648ED-9A1D-4495-B01E-B9B6444CCF2C}"/>
+                <a16:creationId xmlns:a16="http://schemas.microsoft.com/office/drawing/2014/main" id="{48D648ED-9A1D-4495-B01E-B9B6444CCF2C}"/>
               </a:ext>
             </a:extLst>
           </p:cNvPr>
@@ -10023,7 +10006,7 @@
           <p:cNvPr id="6" name="Foliennummernplatzhalter 1">
             <a:extLst>
               <a:ext uri="{FF2B5EF4-FFF2-40B4-BE49-F238E27FC236}">
-                <a16:creationId xmlns:a16="http://schemas.microsoft.com/office/drawing/2014/main" xmlns="" id="{9D9F046E-5D24-464F-92D9-A9BC1E092788}"/>
+                <a16:creationId xmlns:a16="http://schemas.microsoft.com/office/drawing/2014/main" id="{9D9F046E-5D24-464F-92D9-A9BC1E092788}"/>
               </a:ext>
             </a:extLst>
           </p:cNvPr>
@@ -10183,7 +10166,7 @@
           <p:cNvPr id="2" name="Titel 1">
             <a:extLst>
               <a:ext uri="{FF2B5EF4-FFF2-40B4-BE49-F238E27FC236}">
-                <a16:creationId xmlns:a16="http://schemas.microsoft.com/office/drawing/2014/main" xmlns="" id="{1B3F406C-536E-4365-8F2A-D80B84B8AC55}"/>
+                <a16:creationId xmlns:a16="http://schemas.microsoft.com/office/drawing/2014/main" id="{1B3F406C-536E-4365-8F2A-D80B84B8AC55}"/>
               </a:ext>
             </a:extLst>
           </p:cNvPr>
@@ -10211,7 +10194,7 @@
           <p:cNvPr id="3" name="Inhaltsplatzhalter 2">
             <a:extLst>
               <a:ext uri="{FF2B5EF4-FFF2-40B4-BE49-F238E27FC236}">
-                <a16:creationId xmlns:a16="http://schemas.microsoft.com/office/drawing/2014/main" xmlns="" id="{D357395F-5EF2-42F1-B06E-B8C721674E9E}"/>
+                <a16:creationId xmlns:a16="http://schemas.microsoft.com/office/drawing/2014/main" id="{D357395F-5EF2-42F1-B06E-B8C721674E9E}"/>
               </a:ext>
             </a:extLst>
           </p:cNvPr>
@@ -10345,7 +10328,7 @@
           <p:cNvPr id="4" name="Foliennummernplatzhalter 3">
             <a:extLst>
               <a:ext uri="{FF2B5EF4-FFF2-40B4-BE49-F238E27FC236}">
-                <a16:creationId xmlns:a16="http://schemas.microsoft.com/office/drawing/2014/main" xmlns="" id="{0EF73031-7714-4059-885F-DE2B5E58D0CB}"/>
+                <a16:creationId xmlns:a16="http://schemas.microsoft.com/office/drawing/2014/main" id="{0EF73031-7714-4059-885F-DE2B5E58D0CB}"/>
               </a:ext>
             </a:extLst>
           </p:cNvPr>
@@ -10378,7 +10361,7 @@
           <p:cNvPr id="6" name="Foliennummernplatzhalter 1">
             <a:extLst>
               <a:ext uri="{FF2B5EF4-FFF2-40B4-BE49-F238E27FC236}">
-                <a16:creationId xmlns:a16="http://schemas.microsoft.com/office/drawing/2014/main" xmlns="" id="{27298F9D-6673-4093-A30D-493392163DC0}"/>
+                <a16:creationId xmlns:a16="http://schemas.microsoft.com/office/drawing/2014/main" id="{27298F9D-6673-4093-A30D-493392163DC0}"/>
               </a:ext>
             </a:extLst>
           </p:cNvPr>
@@ -10538,7 +10521,7 @@
           <p:cNvPr id="2" name="Titel 1">
             <a:extLst>
               <a:ext uri="{FF2B5EF4-FFF2-40B4-BE49-F238E27FC236}">
-                <a16:creationId xmlns:a16="http://schemas.microsoft.com/office/drawing/2014/main" xmlns="" id="{1B3F406C-536E-4365-8F2A-D80B84B8AC55}"/>
+                <a16:creationId xmlns:a16="http://schemas.microsoft.com/office/drawing/2014/main" id="{1B3F406C-536E-4365-8F2A-D80B84B8AC55}"/>
               </a:ext>
             </a:extLst>
           </p:cNvPr>
@@ -10566,7 +10549,7 @@
           <p:cNvPr id="3" name="Inhaltsplatzhalter 2">
             <a:extLst>
               <a:ext uri="{FF2B5EF4-FFF2-40B4-BE49-F238E27FC236}">
-                <a16:creationId xmlns:a16="http://schemas.microsoft.com/office/drawing/2014/main" xmlns="" id="{D357395F-5EF2-42F1-B06E-B8C721674E9E}"/>
+                <a16:creationId xmlns:a16="http://schemas.microsoft.com/office/drawing/2014/main" id="{D357395F-5EF2-42F1-B06E-B8C721674E9E}"/>
               </a:ext>
             </a:extLst>
           </p:cNvPr>
@@ -10634,7 +10617,7 @@
           <p:cNvPr id="4" name="Foliennummernplatzhalter 3">
             <a:extLst>
               <a:ext uri="{FF2B5EF4-FFF2-40B4-BE49-F238E27FC236}">
-                <a16:creationId xmlns:a16="http://schemas.microsoft.com/office/drawing/2014/main" xmlns="" id="{219662B2-C74C-46BB-8DE4-2E53A430AD7A}"/>
+                <a16:creationId xmlns:a16="http://schemas.microsoft.com/office/drawing/2014/main" id="{219662B2-C74C-46BB-8DE4-2E53A430AD7A}"/>
               </a:ext>
             </a:extLst>
           </p:cNvPr>
@@ -10663,7 +10646,7 @@
           <p:cNvPr id="6" name="Foliennummernplatzhalter 1">
             <a:extLst>
               <a:ext uri="{FF2B5EF4-FFF2-40B4-BE49-F238E27FC236}">
-                <a16:creationId xmlns:a16="http://schemas.microsoft.com/office/drawing/2014/main" xmlns="" id="{0FB7F8C4-FD9D-4114-9CC9-BBEAB073F9E8}"/>
+                <a16:creationId xmlns:a16="http://schemas.microsoft.com/office/drawing/2014/main" id="{0FB7F8C4-FD9D-4114-9CC9-BBEAB073F9E8}"/>
               </a:ext>
             </a:extLst>
           </p:cNvPr>
@@ -10823,7 +10806,7 @@
           <p:cNvPr id="2" name="Titel 1">
             <a:extLst>
               <a:ext uri="{FF2B5EF4-FFF2-40B4-BE49-F238E27FC236}">
-                <a16:creationId xmlns:a16="http://schemas.microsoft.com/office/drawing/2014/main" xmlns="" id="{1B3F406C-536E-4365-8F2A-D80B84B8AC55}"/>
+                <a16:creationId xmlns:a16="http://schemas.microsoft.com/office/drawing/2014/main" id="{1B3F406C-536E-4365-8F2A-D80B84B8AC55}"/>
               </a:ext>
             </a:extLst>
           </p:cNvPr>
@@ -10851,7 +10834,7 @@
           <p:cNvPr id="3" name="Inhaltsplatzhalter 2">
             <a:extLst>
               <a:ext uri="{FF2B5EF4-FFF2-40B4-BE49-F238E27FC236}">
-                <a16:creationId xmlns:a16="http://schemas.microsoft.com/office/drawing/2014/main" xmlns="" id="{D357395F-5EF2-42F1-B06E-B8C721674E9E}"/>
+                <a16:creationId xmlns:a16="http://schemas.microsoft.com/office/drawing/2014/main" id="{D357395F-5EF2-42F1-B06E-B8C721674E9E}"/>
               </a:ext>
             </a:extLst>
           </p:cNvPr>
@@ -10917,7 +10900,7 @@
           <p:cNvPr id="4" name="Foliennummernplatzhalter 3">
             <a:extLst>
               <a:ext uri="{FF2B5EF4-FFF2-40B4-BE49-F238E27FC236}">
-                <a16:creationId xmlns:a16="http://schemas.microsoft.com/office/drawing/2014/main" xmlns="" id="{3EDA44EA-EACD-469B-B2B2-B6BE54F6FD83}"/>
+                <a16:creationId xmlns:a16="http://schemas.microsoft.com/office/drawing/2014/main" id="{3EDA44EA-EACD-469B-B2B2-B6BE54F6FD83}"/>
               </a:ext>
             </a:extLst>
           </p:cNvPr>
@@ -10946,7 +10929,7 @@
           <p:cNvPr id="6" name="Foliennummernplatzhalter 1">
             <a:extLst>
               <a:ext uri="{FF2B5EF4-FFF2-40B4-BE49-F238E27FC236}">
-                <a16:creationId xmlns:a16="http://schemas.microsoft.com/office/drawing/2014/main" xmlns="" id="{EBC862F7-1154-476C-92B3-232D9EC6AE73}"/>
+                <a16:creationId xmlns:a16="http://schemas.microsoft.com/office/drawing/2014/main" id="{EBC862F7-1154-476C-92B3-232D9EC6AE73}"/>
               </a:ext>
             </a:extLst>
           </p:cNvPr>
@@ -11106,7 +11089,7 @@
           <p:cNvPr id="2" name="Titel 1">
             <a:extLst>
               <a:ext uri="{FF2B5EF4-FFF2-40B4-BE49-F238E27FC236}">
-                <a16:creationId xmlns:a16="http://schemas.microsoft.com/office/drawing/2014/main" xmlns="" id="{1B3F406C-536E-4365-8F2A-D80B84B8AC55}"/>
+                <a16:creationId xmlns:a16="http://schemas.microsoft.com/office/drawing/2014/main" id="{1B3F406C-536E-4365-8F2A-D80B84B8AC55}"/>
               </a:ext>
             </a:extLst>
           </p:cNvPr>
@@ -11134,7 +11117,7 @@
           <p:cNvPr id="3" name="Inhaltsplatzhalter 2">
             <a:extLst>
               <a:ext uri="{FF2B5EF4-FFF2-40B4-BE49-F238E27FC236}">
-                <a16:creationId xmlns:a16="http://schemas.microsoft.com/office/drawing/2014/main" xmlns="" id="{D357395F-5EF2-42F1-B06E-B8C721674E9E}"/>
+                <a16:creationId xmlns:a16="http://schemas.microsoft.com/office/drawing/2014/main" id="{D357395F-5EF2-42F1-B06E-B8C721674E9E}"/>
               </a:ext>
             </a:extLst>
           </p:cNvPr>
@@ -11201,7 +11184,7 @@
           <p:cNvPr id="4" name="Foliennummernplatzhalter 3">
             <a:extLst>
               <a:ext uri="{FF2B5EF4-FFF2-40B4-BE49-F238E27FC236}">
-                <a16:creationId xmlns:a16="http://schemas.microsoft.com/office/drawing/2014/main" xmlns="" id="{7E524A24-CD30-4559-BB86-51F1A71EEC2F}"/>
+                <a16:creationId xmlns:a16="http://schemas.microsoft.com/office/drawing/2014/main" id="{7E524A24-CD30-4559-BB86-51F1A71EEC2F}"/>
               </a:ext>
             </a:extLst>
           </p:cNvPr>
@@ -11230,7 +11213,7 @@
           <p:cNvPr id="6" name="Foliennummernplatzhalter 1">
             <a:extLst>
               <a:ext uri="{FF2B5EF4-FFF2-40B4-BE49-F238E27FC236}">
-                <a16:creationId xmlns:a16="http://schemas.microsoft.com/office/drawing/2014/main" xmlns="" id="{AE1AE234-231D-409E-B96B-4B54B2886C67}"/>
+                <a16:creationId xmlns:a16="http://schemas.microsoft.com/office/drawing/2014/main" id="{AE1AE234-231D-409E-B96B-4B54B2886C67}"/>
               </a:ext>
             </a:extLst>
           </p:cNvPr>
@@ -11390,7 +11373,7 @@
           <p:cNvPr id="2" name="Titel 1">
             <a:extLst>
               <a:ext uri="{FF2B5EF4-FFF2-40B4-BE49-F238E27FC236}">
-                <a16:creationId xmlns:a16="http://schemas.microsoft.com/office/drawing/2014/main" xmlns="" id="{1B3F406C-536E-4365-8F2A-D80B84B8AC55}"/>
+                <a16:creationId xmlns:a16="http://schemas.microsoft.com/office/drawing/2014/main" id="{1B3F406C-536E-4365-8F2A-D80B84B8AC55}"/>
               </a:ext>
             </a:extLst>
           </p:cNvPr>
@@ -11418,7 +11401,7 @@
           <p:cNvPr id="3" name="Inhaltsplatzhalter 2">
             <a:extLst>
               <a:ext uri="{FF2B5EF4-FFF2-40B4-BE49-F238E27FC236}">
-                <a16:creationId xmlns:a16="http://schemas.microsoft.com/office/drawing/2014/main" xmlns="" id="{D357395F-5EF2-42F1-B06E-B8C721674E9E}"/>
+                <a16:creationId xmlns:a16="http://schemas.microsoft.com/office/drawing/2014/main" id="{D357395F-5EF2-42F1-B06E-B8C721674E9E}"/>
               </a:ext>
             </a:extLst>
           </p:cNvPr>
@@ -11496,7 +11479,7 @@
           <p:cNvPr id="4" name="Foliennummernplatzhalter 3">
             <a:extLst>
               <a:ext uri="{FF2B5EF4-FFF2-40B4-BE49-F238E27FC236}">
-                <a16:creationId xmlns:a16="http://schemas.microsoft.com/office/drawing/2014/main" xmlns="" id="{798E80AC-CB70-4206-9169-C11B150B8330}"/>
+                <a16:creationId xmlns:a16="http://schemas.microsoft.com/office/drawing/2014/main" id="{798E80AC-CB70-4206-9169-C11B150B8330}"/>
               </a:ext>
             </a:extLst>
           </p:cNvPr>
@@ -11525,7 +11508,7 @@
           <p:cNvPr id="6" name="Foliennummernplatzhalter 1">
             <a:extLst>
               <a:ext uri="{FF2B5EF4-FFF2-40B4-BE49-F238E27FC236}">
-                <a16:creationId xmlns:a16="http://schemas.microsoft.com/office/drawing/2014/main" xmlns="" id="{7D201B5C-A494-47B6-AE8E-F64030F5B166}"/>
+                <a16:creationId xmlns:a16="http://schemas.microsoft.com/office/drawing/2014/main" id="{7D201B5C-A494-47B6-AE8E-F64030F5B166}"/>
               </a:ext>
             </a:extLst>
           </p:cNvPr>
@@ -11685,7 +11668,7 @@
           <p:cNvPr id="4" name="Grafik 3">
             <a:extLst>
               <a:ext uri="{FF2B5EF4-FFF2-40B4-BE49-F238E27FC236}">
-                <a16:creationId xmlns:a16="http://schemas.microsoft.com/office/drawing/2014/main" xmlns="" id="{C2DED4C2-8D40-46FF-ABD3-18DB5951142C}"/>
+                <a16:creationId xmlns:a16="http://schemas.microsoft.com/office/drawing/2014/main" id="{C2DED4C2-8D40-46FF-ABD3-18DB5951142C}"/>
               </a:ext>
             </a:extLst>
           </p:cNvPr>
@@ -11714,7 +11697,7 @@
           <p:cNvPr id="2" name="Titel 1">
             <a:extLst>
               <a:ext uri="{FF2B5EF4-FFF2-40B4-BE49-F238E27FC236}">
-                <a16:creationId xmlns:a16="http://schemas.microsoft.com/office/drawing/2014/main" xmlns="" id="{1B3F406C-536E-4365-8F2A-D80B84B8AC55}"/>
+                <a16:creationId xmlns:a16="http://schemas.microsoft.com/office/drawing/2014/main" id="{1B3F406C-536E-4365-8F2A-D80B84B8AC55}"/>
               </a:ext>
             </a:extLst>
           </p:cNvPr>
@@ -11742,7 +11725,7 @@
           <p:cNvPr id="3" name="Inhaltsplatzhalter 2">
             <a:extLst>
               <a:ext uri="{FF2B5EF4-FFF2-40B4-BE49-F238E27FC236}">
-                <a16:creationId xmlns:a16="http://schemas.microsoft.com/office/drawing/2014/main" xmlns="" id="{D357395F-5EF2-42F1-B06E-B8C721674E9E}"/>
+                <a16:creationId xmlns:a16="http://schemas.microsoft.com/office/drawing/2014/main" id="{D357395F-5EF2-42F1-B06E-B8C721674E9E}"/>
               </a:ext>
             </a:extLst>
           </p:cNvPr>
@@ -11778,7 +11761,7 @@
           <p:cNvPr id="5" name="Foliennummernplatzhalter 4">
             <a:extLst>
               <a:ext uri="{FF2B5EF4-FFF2-40B4-BE49-F238E27FC236}">
-                <a16:creationId xmlns:a16="http://schemas.microsoft.com/office/drawing/2014/main" xmlns="" id="{37A018C2-65D6-4B6E-A51D-62F4EA3D665C}"/>
+                <a16:creationId xmlns:a16="http://schemas.microsoft.com/office/drawing/2014/main" id="{37A018C2-65D6-4B6E-A51D-62F4EA3D665C}"/>
               </a:ext>
             </a:extLst>
           </p:cNvPr>
@@ -11807,7 +11790,7 @@
           <p:cNvPr id="7" name="Foliennummernplatzhalter 1">
             <a:extLst>
               <a:ext uri="{FF2B5EF4-FFF2-40B4-BE49-F238E27FC236}">
-                <a16:creationId xmlns:a16="http://schemas.microsoft.com/office/drawing/2014/main" xmlns="" id="{FFA2E536-5130-40A4-967C-D24C3ED31791}"/>
+                <a16:creationId xmlns:a16="http://schemas.microsoft.com/office/drawing/2014/main" id="{FFA2E536-5130-40A4-967C-D24C3ED31791}"/>
               </a:ext>
             </a:extLst>
           </p:cNvPr>
@@ -11967,7 +11950,7 @@
           <p:cNvPr id="2" name="Titel 1">
             <a:extLst>
               <a:ext uri="{FF2B5EF4-FFF2-40B4-BE49-F238E27FC236}">
-                <a16:creationId xmlns:a16="http://schemas.microsoft.com/office/drawing/2014/main" xmlns="" id="{1B3F406C-536E-4365-8F2A-D80B84B8AC55}"/>
+                <a16:creationId xmlns:a16="http://schemas.microsoft.com/office/drawing/2014/main" id="{1B3F406C-536E-4365-8F2A-D80B84B8AC55}"/>
               </a:ext>
             </a:extLst>
           </p:cNvPr>
@@ -11995,7 +11978,7 @@
           <p:cNvPr id="3" name="Inhaltsplatzhalter 2">
             <a:extLst>
               <a:ext uri="{FF2B5EF4-FFF2-40B4-BE49-F238E27FC236}">
-                <a16:creationId xmlns:a16="http://schemas.microsoft.com/office/drawing/2014/main" xmlns="" id="{D357395F-5EF2-42F1-B06E-B8C721674E9E}"/>
+                <a16:creationId xmlns:a16="http://schemas.microsoft.com/office/drawing/2014/main" id="{D357395F-5EF2-42F1-B06E-B8C721674E9E}"/>
               </a:ext>
             </a:extLst>
           </p:cNvPr>
@@ -12035,7 +12018,7 @@
           <p:cNvPr id="5" name="Grafik 4">
             <a:extLst>
               <a:ext uri="{FF2B5EF4-FFF2-40B4-BE49-F238E27FC236}">
-                <a16:creationId xmlns:a16="http://schemas.microsoft.com/office/drawing/2014/main" xmlns="" id="{A9E60BD9-4821-4A61-B84F-8E1D466FDA71}"/>
+                <a16:creationId xmlns:a16="http://schemas.microsoft.com/office/drawing/2014/main" id="{A9E60BD9-4821-4A61-B84F-8E1D466FDA71}"/>
               </a:ext>
             </a:extLst>
           </p:cNvPr>
@@ -12064,7 +12047,7 @@
           <p:cNvPr id="4" name="Foliennummernplatzhalter 3">
             <a:extLst>
               <a:ext uri="{FF2B5EF4-FFF2-40B4-BE49-F238E27FC236}">
-                <a16:creationId xmlns:a16="http://schemas.microsoft.com/office/drawing/2014/main" xmlns="" id="{AD7EEF54-C417-4539-9C90-0FA71F03B7B3}"/>
+                <a16:creationId xmlns:a16="http://schemas.microsoft.com/office/drawing/2014/main" id="{AD7EEF54-C417-4539-9C90-0FA71F03B7B3}"/>
               </a:ext>
             </a:extLst>
           </p:cNvPr>
@@ -12093,7 +12076,7 @@
           <p:cNvPr id="7" name="Foliennummernplatzhalter 1">
             <a:extLst>
               <a:ext uri="{FF2B5EF4-FFF2-40B4-BE49-F238E27FC236}">
-                <a16:creationId xmlns:a16="http://schemas.microsoft.com/office/drawing/2014/main" xmlns="" id="{9B1CF35C-6996-420D-B394-03B9F23263CF}"/>
+                <a16:creationId xmlns:a16="http://schemas.microsoft.com/office/drawing/2014/main" id="{9B1CF35C-6996-420D-B394-03B9F23263CF}"/>
               </a:ext>
             </a:extLst>
           </p:cNvPr>
@@ -12253,7 +12236,7 @@
           <p:cNvPr id="2" name="Titel 1">
             <a:extLst>
               <a:ext uri="{FF2B5EF4-FFF2-40B4-BE49-F238E27FC236}">
-                <a16:creationId xmlns:a16="http://schemas.microsoft.com/office/drawing/2014/main" xmlns="" id="{F0697C7F-E935-45EB-B691-D68F65C4E98D}"/>
+                <a16:creationId xmlns:a16="http://schemas.microsoft.com/office/drawing/2014/main" id="{F0697C7F-E935-45EB-B691-D68F65C4E98D}"/>
               </a:ext>
             </a:extLst>
           </p:cNvPr>
@@ -12281,7 +12264,7 @@
           <p:cNvPr id="3" name="Inhaltsplatzhalter 2">
             <a:extLst>
               <a:ext uri="{FF2B5EF4-FFF2-40B4-BE49-F238E27FC236}">
-                <a16:creationId xmlns:a16="http://schemas.microsoft.com/office/drawing/2014/main" xmlns="" id="{CF7F1B99-ED32-4886-96B3-020C44CE87AC}"/>
+                <a16:creationId xmlns:a16="http://schemas.microsoft.com/office/drawing/2014/main" id="{CF7F1B99-ED32-4886-96B3-020C44CE87AC}"/>
               </a:ext>
             </a:extLst>
           </p:cNvPr>
@@ -12347,7 +12330,7 @@
           <p:cNvPr id="14" name="Gruppieren 13">
             <a:extLst>
               <a:ext uri="{FF2B5EF4-FFF2-40B4-BE49-F238E27FC236}">
-                <a16:creationId xmlns:a16="http://schemas.microsoft.com/office/drawing/2014/main" xmlns="" id="{AFED05FC-2B2E-48E6-9847-CA09DF4E1B34}"/>
+                <a16:creationId xmlns:a16="http://schemas.microsoft.com/office/drawing/2014/main" id="{AFED05FC-2B2E-48E6-9847-CA09DF4E1B34}"/>
               </a:ext>
             </a:extLst>
           </p:cNvPr>
@@ -12367,7 +12350,7 @@
             <p:cNvPr id="9" name="Grafik 8">
               <a:extLst>
                 <a:ext uri="{FF2B5EF4-FFF2-40B4-BE49-F238E27FC236}">
-                  <a16:creationId xmlns:a16="http://schemas.microsoft.com/office/drawing/2014/main" xmlns="" id="{446EBA70-4941-4E1A-BA2A-59E4AB44037F}"/>
+                  <a16:creationId xmlns:a16="http://schemas.microsoft.com/office/drawing/2014/main" id="{446EBA70-4941-4E1A-BA2A-59E4AB44037F}"/>
                 </a:ext>
               </a:extLst>
             </p:cNvPr>
@@ -12402,7 +12385,7 @@
             <p:cNvPr id="13" name="Gruppieren 12">
               <a:extLst>
                 <a:ext uri="{FF2B5EF4-FFF2-40B4-BE49-F238E27FC236}">
-                  <a16:creationId xmlns:a16="http://schemas.microsoft.com/office/drawing/2014/main" xmlns="" id="{3F33B7B4-7FEC-46A6-9096-63135EA09FCE}"/>
+                  <a16:creationId xmlns:a16="http://schemas.microsoft.com/office/drawing/2014/main" id="{3F33B7B4-7FEC-46A6-9096-63135EA09FCE}"/>
                 </a:ext>
               </a:extLst>
             </p:cNvPr>
@@ -12422,7 +12405,7 @@
               <p:cNvPr id="10" name="Textfeld 9">
                 <a:extLst>
                   <a:ext uri="{FF2B5EF4-FFF2-40B4-BE49-F238E27FC236}">
-                    <a16:creationId xmlns:a16="http://schemas.microsoft.com/office/drawing/2014/main" xmlns="" id="{CA69E00A-0B9C-4BE5-B937-FD3C3DACF975}"/>
+                    <a16:creationId xmlns:a16="http://schemas.microsoft.com/office/drawing/2014/main" id="{CA69E00A-0B9C-4BE5-B937-FD3C3DACF975}"/>
                   </a:ext>
                 </a:extLst>
               </p:cNvPr>
@@ -12459,7 +12442,7 @@
               <p:cNvPr id="11" name="Textfeld 10">
                 <a:extLst>
                   <a:ext uri="{FF2B5EF4-FFF2-40B4-BE49-F238E27FC236}">
-                    <a16:creationId xmlns:a16="http://schemas.microsoft.com/office/drawing/2014/main" xmlns="" id="{ED4F2705-299F-4A5D-AEAF-0E577E2E3D4A}"/>
+                    <a16:creationId xmlns:a16="http://schemas.microsoft.com/office/drawing/2014/main" id="{ED4F2705-299F-4A5D-AEAF-0E577E2E3D4A}"/>
                   </a:ext>
                 </a:extLst>
               </p:cNvPr>
@@ -12496,7 +12479,7 @@
               <p:cNvPr id="12" name="Textfeld 11">
                 <a:extLst>
                   <a:ext uri="{FF2B5EF4-FFF2-40B4-BE49-F238E27FC236}">
-                    <a16:creationId xmlns:a16="http://schemas.microsoft.com/office/drawing/2014/main" xmlns="" id="{1EEEBAF9-3FF9-4AC5-8D24-7252609B6513}"/>
+                    <a16:creationId xmlns:a16="http://schemas.microsoft.com/office/drawing/2014/main" id="{1EEEBAF9-3FF9-4AC5-8D24-7252609B6513}"/>
                   </a:ext>
                 </a:extLst>
               </p:cNvPr>
@@ -12535,7 +12518,7 @@
           <p:cNvPr id="4" name="Foliennummernplatzhalter 3">
             <a:extLst>
               <a:ext uri="{FF2B5EF4-FFF2-40B4-BE49-F238E27FC236}">
-                <a16:creationId xmlns:a16="http://schemas.microsoft.com/office/drawing/2014/main" xmlns="" id="{EDDE83B8-9C3B-4E42-BF55-449382121875}"/>
+                <a16:creationId xmlns:a16="http://schemas.microsoft.com/office/drawing/2014/main" id="{EDDE83B8-9C3B-4E42-BF55-449382121875}"/>
               </a:ext>
             </a:extLst>
           </p:cNvPr>
@@ -12564,7 +12547,7 @@
           <p:cNvPr id="15" name="Foliennummernplatzhalter 1">
             <a:extLst>
               <a:ext uri="{FF2B5EF4-FFF2-40B4-BE49-F238E27FC236}">
-                <a16:creationId xmlns:a16="http://schemas.microsoft.com/office/drawing/2014/main" xmlns="" id="{69EBD4B2-4556-4A78-8B36-9316A1B0974F}"/>
+                <a16:creationId xmlns:a16="http://schemas.microsoft.com/office/drawing/2014/main" id="{69EBD4B2-4556-4A78-8B36-9316A1B0974F}"/>
               </a:ext>
             </a:extLst>
           </p:cNvPr>
@@ -12724,7 +12707,7 @@
           <p:cNvPr id="5" name="Titel 4">
             <a:extLst>
               <a:ext uri="{FF2B5EF4-FFF2-40B4-BE49-F238E27FC236}">
-                <a16:creationId xmlns:a16="http://schemas.microsoft.com/office/drawing/2014/main" xmlns="" id="{F525AC52-82ED-4AF4-9433-F79046770D12}"/>
+                <a16:creationId xmlns:a16="http://schemas.microsoft.com/office/drawing/2014/main" id="{F525AC52-82ED-4AF4-9433-F79046770D12}"/>
               </a:ext>
             </a:extLst>
           </p:cNvPr>
@@ -12754,7 +12737,7 @@
           <p:cNvPr id="4" name="Inhaltsplatzhalter 2">
             <a:extLst>
               <a:ext uri="{FF2B5EF4-FFF2-40B4-BE49-F238E27FC236}">
-                <a16:creationId xmlns:a16="http://schemas.microsoft.com/office/drawing/2014/main" xmlns="" id="{EF38709B-4C9B-4FD0-B2B9-6AAFDEDEFFD6}"/>
+                <a16:creationId xmlns:a16="http://schemas.microsoft.com/office/drawing/2014/main" id="{EF38709B-4C9B-4FD0-B2B9-6AAFDEDEFFD6}"/>
               </a:ext>
             </a:extLst>
           </p:cNvPr>
@@ -12877,7 +12860,7 @@
           <p:cNvPr id="7" name="Grafik 6" descr="Ein Bild, das drinnen, Tisch, Glas, weiß enthält.&#10;&#10;Automatisch generierte Beschreibung">
             <a:extLst>
               <a:ext uri="{FF2B5EF4-FFF2-40B4-BE49-F238E27FC236}">
-                <a16:creationId xmlns:a16="http://schemas.microsoft.com/office/drawing/2014/main" xmlns="" id="{E4B32798-FBB6-4867-82BD-BCE40A42CF65}"/>
+                <a16:creationId xmlns:a16="http://schemas.microsoft.com/office/drawing/2014/main" id="{E4B32798-FBB6-4867-82BD-BCE40A42CF65}"/>
               </a:ext>
             </a:extLst>
           </p:cNvPr>
@@ -12913,7 +12896,7 @@
           <p:cNvPr id="2" name="Foliennummernplatzhalter 1">
             <a:extLst>
               <a:ext uri="{FF2B5EF4-FFF2-40B4-BE49-F238E27FC236}">
-                <a16:creationId xmlns:a16="http://schemas.microsoft.com/office/drawing/2014/main" xmlns="" id="{47F0A498-53B5-4493-A1DF-527D86FA2BD4}"/>
+                <a16:creationId xmlns:a16="http://schemas.microsoft.com/office/drawing/2014/main" id="{47F0A498-53B5-4493-A1DF-527D86FA2BD4}"/>
               </a:ext>
             </a:extLst>
           </p:cNvPr>
@@ -12942,7 +12925,7 @@
           <p:cNvPr id="8" name="Foliennummernplatzhalter 1">
             <a:extLst>
               <a:ext uri="{FF2B5EF4-FFF2-40B4-BE49-F238E27FC236}">
-                <a16:creationId xmlns:a16="http://schemas.microsoft.com/office/drawing/2014/main" xmlns="" id="{49ED283A-D7A3-47D9-9925-1748C709CA3B}"/>
+                <a16:creationId xmlns:a16="http://schemas.microsoft.com/office/drawing/2014/main" id="{49ED283A-D7A3-47D9-9925-1748C709CA3B}"/>
               </a:ext>
             </a:extLst>
           </p:cNvPr>
@@ -13102,7 +13085,7 @@
           <p:cNvPr id="5" name="Titel 4">
             <a:extLst>
               <a:ext uri="{FF2B5EF4-FFF2-40B4-BE49-F238E27FC236}">
-                <a16:creationId xmlns:a16="http://schemas.microsoft.com/office/drawing/2014/main" xmlns="" id="{F525AC52-82ED-4AF4-9433-F79046770D12}"/>
+                <a16:creationId xmlns:a16="http://schemas.microsoft.com/office/drawing/2014/main" id="{F525AC52-82ED-4AF4-9433-F79046770D12}"/>
               </a:ext>
             </a:extLst>
           </p:cNvPr>
@@ -13132,7 +13115,7 @@
           <p:cNvPr id="4" name="Inhaltsplatzhalter 2">
             <a:extLst>
               <a:ext uri="{FF2B5EF4-FFF2-40B4-BE49-F238E27FC236}">
-                <a16:creationId xmlns:a16="http://schemas.microsoft.com/office/drawing/2014/main" xmlns="" id="{EF38709B-4C9B-4FD0-B2B9-6AAFDEDEFFD6}"/>
+                <a16:creationId xmlns:a16="http://schemas.microsoft.com/office/drawing/2014/main" id="{EF38709B-4C9B-4FD0-B2B9-6AAFDEDEFFD6}"/>
               </a:ext>
             </a:extLst>
           </p:cNvPr>
@@ -13238,7 +13221,7 @@
           <p:cNvPr id="2" name="Foliennummernplatzhalter 1">
             <a:extLst>
               <a:ext uri="{FF2B5EF4-FFF2-40B4-BE49-F238E27FC236}">
-                <a16:creationId xmlns:a16="http://schemas.microsoft.com/office/drawing/2014/main" xmlns="" id="{DAC762C4-E51C-4101-A3B9-FFFC312025CF}"/>
+                <a16:creationId xmlns:a16="http://schemas.microsoft.com/office/drawing/2014/main" id="{DAC762C4-E51C-4101-A3B9-FFFC312025CF}"/>
               </a:ext>
             </a:extLst>
           </p:cNvPr>
@@ -13267,7 +13250,7 @@
           <p:cNvPr id="6" name="Foliennummernplatzhalter 1">
             <a:extLst>
               <a:ext uri="{FF2B5EF4-FFF2-40B4-BE49-F238E27FC236}">
-                <a16:creationId xmlns:a16="http://schemas.microsoft.com/office/drawing/2014/main" xmlns="" id="{B526F511-3189-4119-BAB2-DFBCA728B14D}"/>
+                <a16:creationId xmlns:a16="http://schemas.microsoft.com/office/drawing/2014/main" id="{B526F511-3189-4119-BAB2-DFBCA728B14D}"/>
               </a:ext>
             </a:extLst>
           </p:cNvPr>
@@ -13427,7 +13410,7 @@
           <p:cNvPr id="5" name="Titel 4">
             <a:extLst>
               <a:ext uri="{FF2B5EF4-FFF2-40B4-BE49-F238E27FC236}">
-                <a16:creationId xmlns:a16="http://schemas.microsoft.com/office/drawing/2014/main" xmlns="" id="{F525AC52-82ED-4AF4-9433-F79046770D12}"/>
+                <a16:creationId xmlns:a16="http://schemas.microsoft.com/office/drawing/2014/main" id="{F525AC52-82ED-4AF4-9433-F79046770D12}"/>
               </a:ext>
             </a:extLst>
           </p:cNvPr>
@@ -13457,7 +13440,7 @@
           <p:cNvPr id="4" name="Inhaltsplatzhalter 2">
             <a:extLst>
               <a:ext uri="{FF2B5EF4-FFF2-40B4-BE49-F238E27FC236}">
-                <a16:creationId xmlns:a16="http://schemas.microsoft.com/office/drawing/2014/main" xmlns="" id="{EF38709B-4C9B-4FD0-B2B9-6AAFDEDEFFD6}"/>
+                <a16:creationId xmlns:a16="http://schemas.microsoft.com/office/drawing/2014/main" id="{EF38709B-4C9B-4FD0-B2B9-6AAFDEDEFFD6}"/>
               </a:ext>
             </a:extLst>
           </p:cNvPr>
@@ -13558,7 +13541,7 @@
           <p:cNvPr id="2" name="Foliennummernplatzhalter 1">
             <a:extLst>
               <a:ext uri="{FF2B5EF4-FFF2-40B4-BE49-F238E27FC236}">
-                <a16:creationId xmlns:a16="http://schemas.microsoft.com/office/drawing/2014/main" xmlns="" id="{3F170F28-D831-468A-B41B-D6F7066EC52A}"/>
+                <a16:creationId xmlns:a16="http://schemas.microsoft.com/office/drawing/2014/main" id="{3F170F28-D831-468A-B41B-D6F7066EC52A}"/>
               </a:ext>
             </a:extLst>
           </p:cNvPr>
@@ -13587,7 +13570,7 @@
           <p:cNvPr id="6" name="Foliennummernplatzhalter 1">
             <a:extLst>
               <a:ext uri="{FF2B5EF4-FFF2-40B4-BE49-F238E27FC236}">
-                <a16:creationId xmlns:a16="http://schemas.microsoft.com/office/drawing/2014/main" xmlns="" id="{56E5E868-0E50-470D-A402-962F103C9616}"/>
+                <a16:creationId xmlns:a16="http://schemas.microsoft.com/office/drawing/2014/main" id="{56E5E868-0E50-470D-A402-962F103C9616}"/>
               </a:ext>
             </a:extLst>
           </p:cNvPr>
@@ -13747,7 +13730,7 @@
           <p:cNvPr id="2" name="Titel 1">
             <a:extLst>
               <a:ext uri="{FF2B5EF4-FFF2-40B4-BE49-F238E27FC236}">
-                <a16:creationId xmlns:a16="http://schemas.microsoft.com/office/drawing/2014/main" xmlns="" id="{574A7525-A339-45F4-817C-62E15F260233}"/>
+                <a16:creationId xmlns:a16="http://schemas.microsoft.com/office/drawing/2014/main" id="{574A7525-A339-45F4-817C-62E15F260233}"/>
               </a:ext>
             </a:extLst>
           </p:cNvPr>
@@ -13775,7 +13758,7 @@
           <p:cNvPr id="3" name="Inhaltsplatzhalter 2">
             <a:extLst>
               <a:ext uri="{FF2B5EF4-FFF2-40B4-BE49-F238E27FC236}">
-                <a16:creationId xmlns:a16="http://schemas.microsoft.com/office/drawing/2014/main" xmlns="" id="{8C445000-4F90-4D71-9931-C967DCC4F818}"/>
+                <a16:creationId xmlns:a16="http://schemas.microsoft.com/office/drawing/2014/main" id="{8C445000-4F90-4D71-9931-C967DCC4F818}"/>
               </a:ext>
             </a:extLst>
           </p:cNvPr>
@@ -13858,7 +13841,7 @@
           <p:cNvPr id="4" name="Foliennummernplatzhalter 3">
             <a:extLst>
               <a:ext uri="{FF2B5EF4-FFF2-40B4-BE49-F238E27FC236}">
-                <a16:creationId xmlns:a16="http://schemas.microsoft.com/office/drawing/2014/main" xmlns="" id="{A5E921E3-99D3-44AB-B284-9C7D6172F067}"/>
+                <a16:creationId xmlns:a16="http://schemas.microsoft.com/office/drawing/2014/main" id="{A5E921E3-99D3-44AB-B284-9C7D6172F067}"/>
               </a:ext>
             </a:extLst>
           </p:cNvPr>
@@ -13887,7 +13870,7 @@
           <p:cNvPr id="6" name="Foliennummernplatzhalter 1">
             <a:extLst>
               <a:ext uri="{FF2B5EF4-FFF2-40B4-BE49-F238E27FC236}">
-                <a16:creationId xmlns:a16="http://schemas.microsoft.com/office/drawing/2014/main" xmlns="" id="{D3BB6DCB-A9B8-48C1-8393-9AE394617B39}"/>
+                <a16:creationId xmlns:a16="http://schemas.microsoft.com/office/drawing/2014/main" id="{D3BB6DCB-A9B8-48C1-8393-9AE394617B39}"/>
               </a:ext>
             </a:extLst>
           </p:cNvPr>
@@ -14047,7 +14030,7 @@
           <p:cNvPr id="2" name="Titel 1">
             <a:extLst>
               <a:ext uri="{FF2B5EF4-FFF2-40B4-BE49-F238E27FC236}">
-                <a16:creationId xmlns:a16="http://schemas.microsoft.com/office/drawing/2014/main" xmlns="" id="{1B3F406C-536E-4365-8F2A-D80B84B8AC55}"/>
+                <a16:creationId xmlns:a16="http://schemas.microsoft.com/office/drawing/2014/main" id="{1B3F406C-536E-4365-8F2A-D80B84B8AC55}"/>
               </a:ext>
             </a:extLst>
           </p:cNvPr>
@@ -14075,7 +14058,7 @@
           <p:cNvPr id="3" name="Inhaltsplatzhalter 2">
             <a:extLst>
               <a:ext uri="{FF2B5EF4-FFF2-40B4-BE49-F238E27FC236}">
-                <a16:creationId xmlns:a16="http://schemas.microsoft.com/office/drawing/2014/main" xmlns="" id="{D357395F-5EF2-42F1-B06E-B8C721674E9E}"/>
+                <a16:creationId xmlns:a16="http://schemas.microsoft.com/office/drawing/2014/main" id="{D357395F-5EF2-42F1-B06E-B8C721674E9E}"/>
               </a:ext>
             </a:extLst>
           </p:cNvPr>
@@ -14163,7 +14146,7 @@
           <p:cNvPr id="4" name="Foliennummernplatzhalter 3">
             <a:extLst>
               <a:ext uri="{FF2B5EF4-FFF2-40B4-BE49-F238E27FC236}">
-                <a16:creationId xmlns:a16="http://schemas.microsoft.com/office/drawing/2014/main" xmlns="" id="{C109B4C9-D3AE-4A62-BEB3-A0D5EFA53B9D}"/>
+                <a16:creationId xmlns:a16="http://schemas.microsoft.com/office/drawing/2014/main" id="{C109B4C9-D3AE-4A62-BEB3-A0D5EFA53B9D}"/>
               </a:ext>
             </a:extLst>
           </p:cNvPr>
@@ -14192,7 +14175,7 @@
           <p:cNvPr id="6" name="Foliennummernplatzhalter 1">
             <a:extLst>
               <a:ext uri="{FF2B5EF4-FFF2-40B4-BE49-F238E27FC236}">
-                <a16:creationId xmlns:a16="http://schemas.microsoft.com/office/drawing/2014/main" xmlns="" id="{5A215421-83B2-4F31-8A5E-E536350929A7}"/>
+                <a16:creationId xmlns:a16="http://schemas.microsoft.com/office/drawing/2014/main" id="{5A215421-83B2-4F31-8A5E-E536350929A7}"/>
               </a:ext>
             </a:extLst>
           </p:cNvPr>
@@ -14352,7 +14335,7 @@
           <p:cNvPr id="2" name="Titel 1">
             <a:extLst>
               <a:ext uri="{FF2B5EF4-FFF2-40B4-BE49-F238E27FC236}">
-                <a16:creationId xmlns:a16="http://schemas.microsoft.com/office/drawing/2014/main" xmlns="" id="{2E7BBCE4-2316-407F-87F7-C8154C5082CF}"/>
+                <a16:creationId xmlns:a16="http://schemas.microsoft.com/office/drawing/2014/main" id="{2E7BBCE4-2316-407F-87F7-C8154C5082CF}"/>
               </a:ext>
             </a:extLst>
           </p:cNvPr>
@@ -14380,7 +14363,7 @@
           <p:cNvPr id="3" name="Inhaltsplatzhalter 2">
             <a:extLst>
               <a:ext uri="{FF2B5EF4-FFF2-40B4-BE49-F238E27FC236}">
-                <a16:creationId xmlns:a16="http://schemas.microsoft.com/office/drawing/2014/main" xmlns="" id="{4D5AB136-B49A-459D-8505-F1E6C6D7EB8D}"/>
+                <a16:creationId xmlns:a16="http://schemas.microsoft.com/office/drawing/2014/main" id="{4D5AB136-B49A-459D-8505-F1E6C6D7EB8D}"/>
               </a:ext>
             </a:extLst>
           </p:cNvPr>
@@ -14480,7 +14463,7 @@
           <p:cNvPr id="4" name="Foliennummernplatzhalter 3">
             <a:extLst>
               <a:ext uri="{FF2B5EF4-FFF2-40B4-BE49-F238E27FC236}">
-                <a16:creationId xmlns:a16="http://schemas.microsoft.com/office/drawing/2014/main" xmlns="" id="{57F756A6-2D0F-4776-A549-4DA189CCB950}"/>
+                <a16:creationId xmlns:a16="http://schemas.microsoft.com/office/drawing/2014/main" id="{57F756A6-2D0F-4776-A549-4DA189CCB950}"/>
               </a:ext>
             </a:extLst>
           </p:cNvPr>
@@ -14509,7 +14492,7 @@
           <p:cNvPr id="6" name="Foliennummernplatzhalter 1">
             <a:extLst>
               <a:ext uri="{FF2B5EF4-FFF2-40B4-BE49-F238E27FC236}">
-                <a16:creationId xmlns:a16="http://schemas.microsoft.com/office/drawing/2014/main" xmlns="" id="{9AD43FDA-4415-48C1-A5C4-97BBA0C9A049}"/>
+                <a16:creationId xmlns:a16="http://schemas.microsoft.com/office/drawing/2014/main" id="{9AD43FDA-4415-48C1-A5C4-97BBA0C9A049}"/>
               </a:ext>
             </a:extLst>
           </p:cNvPr>
@@ -14669,7 +14652,7 @@
           <p:cNvPr id="2" name="Titel 1">
             <a:extLst>
               <a:ext uri="{FF2B5EF4-FFF2-40B4-BE49-F238E27FC236}">
-                <a16:creationId xmlns:a16="http://schemas.microsoft.com/office/drawing/2014/main" xmlns="" id="{2E7BBCE4-2316-407F-87F7-C8154C5082CF}"/>
+                <a16:creationId xmlns:a16="http://schemas.microsoft.com/office/drawing/2014/main" id="{2E7BBCE4-2316-407F-87F7-C8154C5082CF}"/>
               </a:ext>
             </a:extLst>
           </p:cNvPr>
@@ -14697,7 +14680,7 @@
           <p:cNvPr id="3" name="Inhaltsplatzhalter 2">
             <a:extLst>
               <a:ext uri="{FF2B5EF4-FFF2-40B4-BE49-F238E27FC236}">
-                <a16:creationId xmlns:a16="http://schemas.microsoft.com/office/drawing/2014/main" xmlns="" id="{4D5AB136-B49A-459D-8505-F1E6C6D7EB8D}"/>
+                <a16:creationId xmlns:a16="http://schemas.microsoft.com/office/drawing/2014/main" id="{4D5AB136-B49A-459D-8505-F1E6C6D7EB8D}"/>
               </a:ext>
             </a:extLst>
           </p:cNvPr>
@@ -14846,7 +14829,7 @@
           <p:cNvPr id="4" name="Foliennummernplatzhalter 3">
             <a:extLst>
               <a:ext uri="{FF2B5EF4-FFF2-40B4-BE49-F238E27FC236}">
-                <a16:creationId xmlns:a16="http://schemas.microsoft.com/office/drawing/2014/main" xmlns="" id="{45AE4F20-48A3-403F-9C82-89B6FAF07CF9}"/>
+                <a16:creationId xmlns:a16="http://schemas.microsoft.com/office/drawing/2014/main" id="{45AE4F20-48A3-403F-9C82-89B6FAF07CF9}"/>
               </a:ext>
             </a:extLst>
           </p:cNvPr>
@@ -14875,7 +14858,7 @@
           <p:cNvPr id="6" name="Foliennummernplatzhalter 1">
             <a:extLst>
               <a:ext uri="{FF2B5EF4-FFF2-40B4-BE49-F238E27FC236}">
-                <a16:creationId xmlns:a16="http://schemas.microsoft.com/office/drawing/2014/main" xmlns="" id="{E438D707-6F3A-4F74-8743-BD7AEB748A8E}"/>
+                <a16:creationId xmlns:a16="http://schemas.microsoft.com/office/drawing/2014/main" id="{E438D707-6F3A-4F74-8743-BD7AEB748A8E}"/>
               </a:ext>
             </a:extLst>
           </p:cNvPr>
@@ -15035,7 +15018,7 @@
           <p:cNvPr id="2" name="Titel 1">
             <a:extLst>
               <a:ext uri="{FF2B5EF4-FFF2-40B4-BE49-F238E27FC236}">
-                <a16:creationId xmlns:a16="http://schemas.microsoft.com/office/drawing/2014/main" xmlns="" id="{1322B283-B742-40DA-835A-862E7BB1C3B5}"/>
+                <a16:creationId xmlns:a16="http://schemas.microsoft.com/office/drawing/2014/main" id="{1322B283-B742-40DA-835A-862E7BB1C3B5}"/>
               </a:ext>
             </a:extLst>
           </p:cNvPr>
@@ -15063,7 +15046,7 @@
           <p:cNvPr id="3" name="Inhaltsplatzhalter 2">
             <a:extLst>
               <a:ext uri="{FF2B5EF4-FFF2-40B4-BE49-F238E27FC236}">
-                <a16:creationId xmlns:a16="http://schemas.microsoft.com/office/drawing/2014/main" xmlns="" id="{DC776700-4E3F-4D0A-AAD5-852059B77543}"/>
+                <a16:creationId xmlns:a16="http://schemas.microsoft.com/office/drawing/2014/main" id="{DC776700-4E3F-4D0A-AAD5-852059B77543}"/>
               </a:ext>
             </a:extLst>
           </p:cNvPr>
@@ -15097,7 +15080,7 @@
           <p:cNvPr id="8" name="Grafik 7">
             <a:extLst>
               <a:ext uri="{FF2B5EF4-FFF2-40B4-BE49-F238E27FC236}">
-                <a16:creationId xmlns:a16="http://schemas.microsoft.com/office/drawing/2014/main" xmlns="" id="{4699D342-B3E2-44C5-97DE-328317EB64B3}"/>
+                <a16:creationId xmlns:a16="http://schemas.microsoft.com/office/drawing/2014/main" id="{4699D342-B3E2-44C5-97DE-328317EB64B3}"/>
               </a:ext>
             </a:extLst>
           </p:cNvPr>
@@ -15133,7 +15116,7 @@
           <p:cNvPr id="9" name="Foliennummernplatzhalter 8">
             <a:extLst>
               <a:ext uri="{FF2B5EF4-FFF2-40B4-BE49-F238E27FC236}">
-                <a16:creationId xmlns:a16="http://schemas.microsoft.com/office/drawing/2014/main" xmlns="" id="{14BFD322-EF97-42F7-A434-FE6209E6DE65}"/>
+                <a16:creationId xmlns:a16="http://schemas.microsoft.com/office/drawing/2014/main" id="{14BFD322-EF97-42F7-A434-FE6209E6DE65}"/>
               </a:ext>
             </a:extLst>
           </p:cNvPr>
@@ -15162,7 +15145,7 @@
           <p:cNvPr id="11" name="Foliennummernplatzhalter 1">
             <a:extLst>
               <a:ext uri="{FF2B5EF4-FFF2-40B4-BE49-F238E27FC236}">
-                <a16:creationId xmlns:a16="http://schemas.microsoft.com/office/drawing/2014/main" xmlns="" id="{1DAD4D61-D757-4CE1-8D2B-5833EFEDA640}"/>
+                <a16:creationId xmlns:a16="http://schemas.microsoft.com/office/drawing/2014/main" id="{1DAD4D61-D757-4CE1-8D2B-5833EFEDA640}"/>
               </a:ext>
             </a:extLst>
           </p:cNvPr>
@@ -15322,7 +15305,7 @@
           <p:cNvPr id="2" name="Titel 1">
             <a:extLst>
               <a:ext uri="{FF2B5EF4-FFF2-40B4-BE49-F238E27FC236}">
-                <a16:creationId xmlns:a16="http://schemas.microsoft.com/office/drawing/2014/main" xmlns="" id="{C586E5D0-41B7-4EEC-B854-8B34F86E622D}"/>
+                <a16:creationId xmlns:a16="http://schemas.microsoft.com/office/drawing/2014/main" id="{C586E5D0-41B7-4EEC-B854-8B34F86E622D}"/>
               </a:ext>
             </a:extLst>
           </p:cNvPr>
@@ -15350,7 +15333,7 @@
           <p:cNvPr id="4" name="Grafik 3">
             <a:extLst>
               <a:ext uri="{FF2B5EF4-FFF2-40B4-BE49-F238E27FC236}">
-                <a16:creationId xmlns:a16="http://schemas.microsoft.com/office/drawing/2014/main" xmlns="" id="{C4783872-7845-4CF3-8273-0B18F8853D3D}"/>
+                <a16:creationId xmlns:a16="http://schemas.microsoft.com/office/drawing/2014/main" id="{C4783872-7845-4CF3-8273-0B18F8853D3D}"/>
               </a:ext>
             </a:extLst>
           </p:cNvPr>
@@ -15379,7 +15362,7 @@
           <p:cNvPr id="3" name="Foliennummernplatzhalter 2">
             <a:extLst>
               <a:ext uri="{FF2B5EF4-FFF2-40B4-BE49-F238E27FC236}">
-                <a16:creationId xmlns:a16="http://schemas.microsoft.com/office/drawing/2014/main" xmlns="" id="{109786AE-A27C-4109-AE41-69D8531B8CFD}"/>
+                <a16:creationId xmlns:a16="http://schemas.microsoft.com/office/drawing/2014/main" id="{109786AE-A27C-4109-AE41-69D8531B8CFD}"/>
               </a:ext>
             </a:extLst>
           </p:cNvPr>
@@ -15408,7 +15391,7 @@
           <p:cNvPr id="6" name="Foliennummernplatzhalter 1">
             <a:extLst>
               <a:ext uri="{FF2B5EF4-FFF2-40B4-BE49-F238E27FC236}">
-                <a16:creationId xmlns:a16="http://schemas.microsoft.com/office/drawing/2014/main" xmlns="" id="{7B9658A1-7036-4383-BFC6-1FC2B003B6A8}"/>
+                <a16:creationId xmlns:a16="http://schemas.microsoft.com/office/drawing/2014/main" id="{7B9658A1-7036-4383-BFC6-1FC2B003B6A8}"/>
               </a:ext>
             </a:extLst>
           </p:cNvPr>
@@ -15568,7 +15551,7 @@
           <p:cNvPr id="2" name="Titel 1">
             <a:extLst>
               <a:ext uri="{FF2B5EF4-FFF2-40B4-BE49-F238E27FC236}">
-                <a16:creationId xmlns:a16="http://schemas.microsoft.com/office/drawing/2014/main" xmlns="" id="{F520D3D7-DDA4-4459-AFB2-E1BFA85E51F0}"/>
+                <a16:creationId xmlns:a16="http://schemas.microsoft.com/office/drawing/2014/main" id="{F520D3D7-DDA4-4459-AFB2-E1BFA85E51F0}"/>
               </a:ext>
             </a:extLst>
           </p:cNvPr>
@@ -15596,7 +15579,7 @@
           <p:cNvPr id="3" name="Inhaltsplatzhalter 2">
             <a:extLst>
               <a:ext uri="{FF2B5EF4-FFF2-40B4-BE49-F238E27FC236}">
-                <a16:creationId xmlns:a16="http://schemas.microsoft.com/office/drawing/2014/main" xmlns="" id="{5DF09BD1-F3CD-499A-B25D-63AD24C2FDE2}"/>
+                <a16:creationId xmlns:a16="http://schemas.microsoft.com/office/drawing/2014/main" id="{5DF09BD1-F3CD-499A-B25D-63AD24C2FDE2}"/>
               </a:ext>
             </a:extLst>
           </p:cNvPr>
@@ -15636,7 +15619,7 @@
           <p:cNvPr id="4" name="Foliennummernplatzhalter 3">
             <a:extLst>
               <a:ext uri="{FF2B5EF4-FFF2-40B4-BE49-F238E27FC236}">
-                <a16:creationId xmlns:a16="http://schemas.microsoft.com/office/drawing/2014/main" xmlns="" id="{F102A0CE-5C94-40FD-9EB8-C52BA8885055}"/>
+                <a16:creationId xmlns:a16="http://schemas.microsoft.com/office/drawing/2014/main" id="{F102A0CE-5C94-40FD-9EB8-C52BA8885055}"/>
               </a:ext>
             </a:extLst>
           </p:cNvPr>
@@ -15665,7 +15648,7 @@
           <p:cNvPr id="6" name="Foliennummernplatzhalter 1">
             <a:extLst>
               <a:ext uri="{FF2B5EF4-FFF2-40B4-BE49-F238E27FC236}">
-                <a16:creationId xmlns:a16="http://schemas.microsoft.com/office/drawing/2014/main" xmlns="" id="{5224FE88-DE3E-487D-8F62-9564F5AB60D0}"/>
+                <a16:creationId xmlns:a16="http://schemas.microsoft.com/office/drawing/2014/main" id="{5224FE88-DE3E-487D-8F62-9564F5AB60D0}"/>
               </a:ext>
             </a:extLst>
           </p:cNvPr>
@@ -15825,7 +15808,7 @@
           <p:cNvPr id="2" name="Titel 1">
             <a:extLst>
               <a:ext uri="{FF2B5EF4-FFF2-40B4-BE49-F238E27FC236}">
-                <a16:creationId xmlns:a16="http://schemas.microsoft.com/office/drawing/2014/main" xmlns="" id="{2CCFEAE7-F4ED-44FA-A253-0B60AB46F975}"/>
+                <a16:creationId xmlns:a16="http://schemas.microsoft.com/office/drawing/2014/main" id="{2CCFEAE7-F4ED-44FA-A253-0B60AB46F975}"/>
               </a:ext>
             </a:extLst>
           </p:cNvPr>
@@ -15853,7 +15836,7 @@
           <p:cNvPr id="4" name="Grafik 3">
             <a:extLst>
               <a:ext uri="{FF2B5EF4-FFF2-40B4-BE49-F238E27FC236}">
-                <a16:creationId xmlns:a16="http://schemas.microsoft.com/office/drawing/2014/main" xmlns="" id="{9218276A-38DF-4BB9-9218-28A91F7A3A63}"/>
+                <a16:creationId xmlns:a16="http://schemas.microsoft.com/office/drawing/2014/main" id="{9218276A-38DF-4BB9-9218-28A91F7A3A63}"/>
               </a:ext>
             </a:extLst>
           </p:cNvPr>
@@ -15882,7 +15865,7 @@
           <p:cNvPr id="3" name="Foliennummernplatzhalter 2">
             <a:extLst>
               <a:ext uri="{FF2B5EF4-FFF2-40B4-BE49-F238E27FC236}">
-                <a16:creationId xmlns:a16="http://schemas.microsoft.com/office/drawing/2014/main" xmlns="" id="{DEDE569F-D300-4FA1-955C-32CD23B5B044}"/>
+                <a16:creationId xmlns:a16="http://schemas.microsoft.com/office/drawing/2014/main" id="{DEDE569F-D300-4FA1-955C-32CD23B5B044}"/>
               </a:ext>
             </a:extLst>
           </p:cNvPr>
@@ -15911,7 +15894,7 @@
           <p:cNvPr id="6" name="Foliennummernplatzhalter 1">
             <a:extLst>
               <a:ext uri="{FF2B5EF4-FFF2-40B4-BE49-F238E27FC236}">
-                <a16:creationId xmlns:a16="http://schemas.microsoft.com/office/drawing/2014/main" xmlns="" id="{A6C2CBA8-6BC6-42AF-9343-7CC4612306B7}"/>
+                <a16:creationId xmlns:a16="http://schemas.microsoft.com/office/drawing/2014/main" id="{A6C2CBA8-6BC6-42AF-9343-7CC4612306B7}"/>
               </a:ext>
             </a:extLst>
           </p:cNvPr>
@@ -16071,7 +16054,7 @@
           <p:cNvPr id="2" name="Titel 1">
             <a:extLst>
               <a:ext uri="{FF2B5EF4-FFF2-40B4-BE49-F238E27FC236}">
-                <a16:creationId xmlns:a16="http://schemas.microsoft.com/office/drawing/2014/main" xmlns="" id="{1B3F406C-536E-4365-8F2A-D80B84B8AC55}"/>
+                <a16:creationId xmlns:a16="http://schemas.microsoft.com/office/drawing/2014/main" id="{1B3F406C-536E-4365-8F2A-D80B84B8AC55}"/>
               </a:ext>
             </a:extLst>
           </p:cNvPr>
@@ -16099,7 +16082,7 @@
           <p:cNvPr id="3" name="Inhaltsplatzhalter 2">
             <a:extLst>
               <a:ext uri="{FF2B5EF4-FFF2-40B4-BE49-F238E27FC236}">
-                <a16:creationId xmlns:a16="http://schemas.microsoft.com/office/drawing/2014/main" xmlns="" id="{D357395F-5EF2-42F1-B06E-B8C721674E9E}"/>
+                <a16:creationId xmlns:a16="http://schemas.microsoft.com/office/drawing/2014/main" id="{D357395F-5EF2-42F1-B06E-B8C721674E9E}"/>
               </a:ext>
             </a:extLst>
           </p:cNvPr>
@@ -16171,7 +16154,7 @@
           <p:cNvPr id="5" name="Grafik 4" descr="Ein Bild, das Kleidung, Anzug, Zeichnung enthält.&#10;&#10;Automatisch generierte Beschreibung">
             <a:extLst>
               <a:ext uri="{FF2B5EF4-FFF2-40B4-BE49-F238E27FC236}">
-                <a16:creationId xmlns:a16="http://schemas.microsoft.com/office/drawing/2014/main" xmlns="" id="{F5CA59E9-CE1F-4AFA-A287-0183BDEF954E}"/>
+                <a16:creationId xmlns:a16="http://schemas.microsoft.com/office/drawing/2014/main" id="{F5CA59E9-CE1F-4AFA-A287-0183BDEF954E}"/>
               </a:ext>
             </a:extLst>
           </p:cNvPr>
@@ -16206,7 +16189,7 @@
           <p:cNvPr id="4" name="Foliennummernplatzhalter 3">
             <a:extLst>
               <a:ext uri="{FF2B5EF4-FFF2-40B4-BE49-F238E27FC236}">
-                <a16:creationId xmlns:a16="http://schemas.microsoft.com/office/drawing/2014/main" xmlns="" id="{1A664F65-6B97-4B58-9FB7-D030E16A39D4}"/>
+                <a16:creationId xmlns:a16="http://schemas.microsoft.com/office/drawing/2014/main" id="{1A664F65-6B97-4B58-9FB7-D030E16A39D4}"/>
               </a:ext>
             </a:extLst>
           </p:cNvPr>
@@ -16235,7 +16218,7 @@
           <p:cNvPr id="7" name="Foliennummernplatzhalter 1">
             <a:extLst>
               <a:ext uri="{FF2B5EF4-FFF2-40B4-BE49-F238E27FC236}">
-                <a16:creationId xmlns:a16="http://schemas.microsoft.com/office/drawing/2014/main" xmlns="" id="{9CFDF263-1F9C-46F8-8C1F-713C32EBDBF5}"/>
+                <a16:creationId xmlns:a16="http://schemas.microsoft.com/office/drawing/2014/main" id="{9CFDF263-1F9C-46F8-8C1F-713C32EBDBF5}"/>
               </a:ext>
             </a:extLst>
           </p:cNvPr>
@@ -16395,7 +16378,7 @@
           <p:cNvPr id="2" name="Titel 1">
             <a:extLst>
               <a:ext uri="{FF2B5EF4-FFF2-40B4-BE49-F238E27FC236}">
-                <a16:creationId xmlns:a16="http://schemas.microsoft.com/office/drawing/2014/main" xmlns="" id="{4CF5014B-E2D8-4936-8983-4686F34FB038}"/>
+                <a16:creationId xmlns:a16="http://schemas.microsoft.com/office/drawing/2014/main" id="{4CF5014B-E2D8-4936-8983-4686F34FB038}"/>
               </a:ext>
             </a:extLst>
           </p:cNvPr>
@@ -16423,7 +16406,7 @@
           <p:cNvPr id="3" name="Inhaltsplatzhalter 2">
             <a:extLst>
               <a:ext uri="{FF2B5EF4-FFF2-40B4-BE49-F238E27FC236}">
-                <a16:creationId xmlns:a16="http://schemas.microsoft.com/office/drawing/2014/main" xmlns="" id="{3522D5E1-EF87-4BD4-97AE-67EC9CCF6098}"/>
+                <a16:creationId xmlns:a16="http://schemas.microsoft.com/office/drawing/2014/main" id="{3522D5E1-EF87-4BD4-97AE-67EC9CCF6098}"/>
               </a:ext>
             </a:extLst>
           </p:cNvPr>
@@ -16488,7 +16471,7 @@
           <p:cNvPr id="6" name="Foliennummernplatzhalter 5">
             <a:extLst>
               <a:ext uri="{FF2B5EF4-FFF2-40B4-BE49-F238E27FC236}">
-                <a16:creationId xmlns:a16="http://schemas.microsoft.com/office/drawing/2014/main" xmlns="" id="{FD9F75DD-4109-4837-A3CE-141A85BF715D}"/>
+                <a16:creationId xmlns:a16="http://schemas.microsoft.com/office/drawing/2014/main" id="{FD9F75DD-4109-4837-A3CE-141A85BF715D}"/>
               </a:ext>
             </a:extLst>
           </p:cNvPr>
@@ -16517,7 +16500,7 @@
           <p:cNvPr id="8" name="Foliennummernplatzhalter 1">
             <a:extLst>
               <a:ext uri="{FF2B5EF4-FFF2-40B4-BE49-F238E27FC236}">
-                <a16:creationId xmlns:a16="http://schemas.microsoft.com/office/drawing/2014/main" xmlns="" id="{7E89552F-3A93-460A-A430-518DFE46AE66}"/>
+                <a16:creationId xmlns:a16="http://schemas.microsoft.com/office/drawing/2014/main" id="{7E89552F-3A93-460A-A430-518DFE46AE66}"/>
               </a:ext>
             </a:extLst>
           </p:cNvPr>
@@ -16677,7 +16660,7 @@
           <p:cNvPr id="2" name="Titel 1">
             <a:extLst>
               <a:ext uri="{FF2B5EF4-FFF2-40B4-BE49-F238E27FC236}">
-                <a16:creationId xmlns:a16="http://schemas.microsoft.com/office/drawing/2014/main" xmlns="" id="{F5CB139F-88D7-4E46-AC54-9B1F7FB92F8D}"/>
+                <a16:creationId xmlns:a16="http://schemas.microsoft.com/office/drawing/2014/main" id="{F5CB139F-88D7-4E46-AC54-9B1F7FB92F8D}"/>
               </a:ext>
             </a:extLst>
           </p:cNvPr>
@@ -16710,7 +16693,7 @@
           <p:cNvPr id="3" name="Inhaltsplatzhalter 2">
             <a:extLst>
               <a:ext uri="{FF2B5EF4-FFF2-40B4-BE49-F238E27FC236}">
-                <a16:creationId xmlns:a16="http://schemas.microsoft.com/office/drawing/2014/main" xmlns="" id="{F1194FA6-8471-44AA-B45A-E1DBCCF50032}"/>
+                <a16:creationId xmlns:a16="http://schemas.microsoft.com/office/drawing/2014/main" id="{F1194FA6-8471-44AA-B45A-E1DBCCF50032}"/>
               </a:ext>
             </a:extLst>
           </p:cNvPr>
@@ -16787,7 +16770,7 @@
           <p:cNvPr id="4" name="Foliennummernplatzhalter 3">
             <a:extLst>
               <a:ext uri="{FF2B5EF4-FFF2-40B4-BE49-F238E27FC236}">
-                <a16:creationId xmlns:a16="http://schemas.microsoft.com/office/drawing/2014/main" xmlns="" id="{5EB8B2D5-E614-45EF-B61A-4F1BB2F40B61}"/>
+                <a16:creationId xmlns:a16="http://schemas.microsoft.com/office/drawing/2014/main" id="{5EB8B2D5-E614-45EF-B61A-4F1BB2F40B61}"/>
               </a:ext>
             </a:extLst>
           </p:cNvPr>
@@ -16816,7 +16799,7 @@
           <p:cNvPr id="7" name="Foliennummernplatzhalter 1">
             <a:extLst>
               <a:ext uri="{FF2B5EF4-FFF2-40B4-BE49-F238E27FC236}">
-                <a16:creationId xmlns:a16="http://schemas.microsoft.com/office/drawing/2014/main" xmlns="" id="{48286A88-8C8E-4928-96BF-A4A279AAD886}"/>
+                <a16:creationId xmlns:a16="http://schemas.microsoft.com/office/drawing/2014/main" id="{48286A88-8C8E-4928-96BF-A4A279AAD886}"/>
               </a:ext>
             </a:extLst>
           </p:cNvPr>
@@ -16976,7 +16959,7 @@
           <p:cNvPr id="2" name="Titel 1">
             <a:extLst>
               <a:ext uri="{FF2B5EF4-FFF2-40B4-BE49-F238E27FC236}">
-                <a16:creationId xmlns:a16="http://schemas.microsoft.com/office/drawing/2014/main" xmlns="" id="{278F250C-B6A7-4B97-898D-517ADE3924CA}"/>
+                <a16:creationId xmlns:a16="http://schemas.microsoft.com/office/drawing/2014/main" id="{278F250C-B6A7-4B97-898D-517ADE3924CA}"/>
               </a:ext>
             </a:extLst>
           </p:cNvPr>
@@ -17004,7 +16987,7 @@
           <p:cNvPr id="3" name="Inhaltsplatzhalter 2">
             <a:extLst>
               <a:ext uri="{FF2B5EF4-FFF2-40B4-BE49-F238E27FC236}">
-                <a16:creationId xmlns:a16="http://schemas.microsoft.com/office/drawing/2014/main" xmlns="" id="{43B1BE17-98AC-4A10-99CA-9657B0778D70}"/>
+                <a16:creationId xmlns:a16="http://schemas.microsoft.com/office/drawing/2014/main" id="{43B1BE17-98AC-4A10-99CA-9657B0778D70}"/>
               </a:ext>
             </a:extLst>
           </p:cNvPr>
@@ -17113,7 +17096,7 @@
           <p:cNvPr id="4" name="Foliennummernplatzhalter 3">
             <a:extLst>
               <a:ext uri="{FF2B5EF4-FFF2-40B4-BE49-F238E27FC236}">
-                <a16:creationId xmlns:a16="http://schemas.microsoft.com/office/drawing/2014/main" xmlns="" id="{0C0A13F5-4EE7-4C41-B5E9-B52A00C89324}"/>
+                <a16:creationId xmlns:a16="http://schemas.microsoft.com/office/drawing/2014/main" id="{0C0A13F5-4EE7-4C41-B5E9-B52A00C89324}"/>
               </a:ext>
             </a:extLst>
           </p:cNvPr>
@@ -17142,7 +17125,7 @@
           <p:cNvPr id="6" name="Foliennummernplatzhalter 1">
             <a:extLst>
               <a:ext uri="{FF2B5EF4-FFF2-40B4-BE49-F238E27FC236}">
-                <a16:creationId xmlns:a16="http://schemas.microsoft.com/office/drawing/2014/main" xmlns="" id="{334A1EDF-EA72-452E-975C-A948938EC617}"/>
+                <a16:creationId xmlns:a16="http://schemas.microsoft.com/office/drawing/2014/main" id="{334A1EDF-EA72-452E-975C-A948938EC617}"/>
               </a:ext>
             </a:extLst>
           </p:cNvPr>
@@ -17302,7 +17285,7 @@
           <p:cNvPr id="2" name="Titel 1">
             <a:extLst>
               <a:ext uri="{FF2B5EF4-FFF2-40B4-BE49-F238E27FC236}">
-                <a16:creationId xmlns:a16="http://schemas.microsoft.com/office/drawing/2014/main" xmlns="" id="{1B3F406C-536E-4365-8F2A-D80B84B8AC55}"/>
+                <a16:creationId xmlns:a16="http://schemas.microsoft.com/office/drawing/2014/main" id="{1B3F406C-536E-4365-8F2A-D80B84B8AC55}"/>
               </a:ext>
             </a:extLst>
           </p:cNvPr>
@@ -17330,7 +17313,7 @@
           <p:cNvPr id="3" name="Inhaltsplatzhalter 2">
             <a:extLst>
               <a:ext uri="{FF2B5EF4-FFF2-40B4-BE49-F238E27FC236}">
-                <a16:creationId xmlns:a16="http://schemas.microsoft.com/office/drawing/2014/main" xmlns="" id="{D357395F-5EF2-42F1-B06E-B8C721674E9E}"/>
+                <a16:creationId xmlns:a16="http://schemas.microsoft.com/office/drawing/2014/main" id="{D357395F-5EF2-42F1-B06E-B8C721674E9E}"/>
               </a:ext>
             </a:extLst>
           </p:cNvPr>
@@ -17418,7 +17401,7 @@
           <p:cNvPr id="4" name="Foliennummernplatzhalter 3">
             <a:extLst>
               <a:ext uri="{FF2B5EF4-FFF2-40B4-BE49-F238E27FC236}">
-                <a16:creationId xmlns:a16="http://schemas.microsoft.com/office/drawing/2014/main" xmlns="" id="{9C55A516-5D63-4D6B-9F5A-A11A2EB24049}"/>
+                <a16:creationId xmlns:a16="http://schemas.microsoft.com/office/drawing/2014/main" id="{9C55A516-5D63-4D6B-9F5A-A11A2EB24049}"/>
               </a:ext>
             </a:extLst>
           </p:cNvPr>
@@ -17447,7 +17430,7 @@
           <p:cNvPr id="6" name="Foliennummernplatzhalter 1">
             <a:extLst>
               <a:ext uri="{FF2B5EF4-FFF2-40B4-BE49-F238E27FC236}">
-                <a16:creationId xmlns:a16="http://schemas.microsoft.com/office/drawing/2014/main" xmlns="" id="{EBA77488-75EF-44B3-BEF7-B7B0D2D34F6A}"/>
+                <a16:creationId xmlns:a16="http://schemas.microsoft.com/office/drawing/2014/main" id="{EBA77488-75EF-44B3-BEF7-B7B0D2D34F6A}"/>
               </a:ext>
             </a:extLst>
           </p:cNvPr>
@@ -17607,7 +17590,7 @@
           <p:cNvPr id="2" name="Titel 1">
             <a:extLst>
               <a:ext uri="{FF2B5EF4-FFF2-40B4-BE49-F238E27FC236}">
-                <a16:creationId xmlns:a16="http://schemas.microsoft.com/office/drawing/2014/main" xmlns="" id="{278F250C-B6A7-4B97-898D-517ADE3924CA}"/>
+                <a16:creationId xmlns:a16="http://schemas.microsoft.com/office/drawing/2014/main" id="{278F250C-B6A7-4B97-898D-517ADE3924CA}"/>
               </a:ext>
             </a:extLst>
           </p:cNvPr>
@@ -17635,7 +17618,7 @@
           <p:cNvPr id="3" name="Inhaltsplatzhalter 2">
             <a:extLst>
               <a:ext uri="{FF2B5EF4-FFF2-40B4-BE49-F238E27FC236}">
-                <a16:creationId xmlns:a16="http://schemas.microsoft.com/office/drawing/2014/main" xmlns="" id="{43B1BE17-98AC-4A10-99CA-9657B0778D70}"/>
+                <a16:creationId xmlns:a16="http://schemas.microsoft.com/office/drawing/2014/main" id="{43B1BE17-98AC-4A10-99CA-9657B0778D70}"/>
               </a:ext>
             </a:extLst>
           </p:cNvPr>
@@ -17725,7 +17708,7 @@
           <p:cNvPr id="4" name="Foliennummernplatzhalter 3">
             <a:extLst>
               <a:ext uri="{FF2B5EF4-FFF2-40B4-BE49-F238E27FC236}">
-                <a16:creationId xmlns:a16="http://schemas.microsoft.com/office/drawing/2014/main" xmlns="" id="{002398D5-4BC6-4F54-BC29-E99FE7388172}"/>
+                <a16:creationId xmlns:a16="http://schemas.microsoft.com/office/drawing/2014/main" id="{002398D5-4BC6-4F54-BC29-E99FE7388172}"/>
               </a:ext>
             </a:extLst>
           </p:cNvPr>
@@ -17754,7 +17737,7 @@
           <p:cNvPr id="7" name="Foliennummernplatzhalter 1">
             <a:extLst>
               <a:ext uri="{FF2B5EF4-FFF2-40B4-BE49-F238E27FC236}">
-                <a16:creationId xmlns:a16="http://schemas.microsoft.com/office/drawing/2014/main" xmlns="" id="{A9137B2D-6E49-42CE-B2AB-83D2436F71E2}"/>
+                <a16:creationId xmlns:a16="http://schemas.microsoft.com/office/drawing/2014/main" id="{A9137B2D-6E49-42CE-B2AB-83D2436F71E2}"/>
               </a:ext>
             </a:extLst>
           </p:cNvPr>
@@ -17914,7 +17897,7 @@
           <p:cNvPr id="2" name="Titel 1">
             <a:extLst>
               <a:ext uri="{FF2B5EF4-FFF2-40B4-BE49-F238E27FC236}">
-                <a16:creationId xmlns:a16="http://schemas.microsoft.com/office/drawing/2014/main" xmlns="" id="{B9C086EA-A0ED-466B-B8DD-98A6A84F4FD0}"/>
+                <a16:creationId xmlns:a16="http://schemas.microsoft.com/office/drawing/2014/main" id="{B9C086EA-A0ED-466B-B8DD-98A6A84F4FD0}"/>
               </a:ext>
             </a:extLst>
           </p:cNvPr>
@@ -17942,7 +17925,7 @@
           <p:cNvPr id="3" name="Inhaltsplatzhalter 2">
             <a:extLst>
               <a:ext uri="{FF2B5EF4-FFF2-40B4-BE49-F238E27FC236}">
-                <a16:creationId xmlns:a16="http://schemas.microsoft.com/office/drawing/2014/main" xmlns="" id="{CBD2D946-4E70-4362-B656-006E0AC3530B}"/>
+                <a16:creationId xmlns:a16="http://schemas.microsoft.com/office/drawing/2014/main" id="{CBD2D946-4E70-4362-B656-006E0AC3530B}"/>
               </a:ext>
             </a:extLst>
           </p:cNvPr>
@@ -18008,7 +17991,7 @@
           <p:cNvPr id="4" name="Foliennummernplatzhalter 3">
             <a:extLst>
               <a:ext uri="{FF2B5EF4-FFF2-40B4-BE49-F238E27FC236}">
-                <a16:creationId xmlns:a16="http://schemas.microsoft.com/office/drawing/2014/main" xmlns="" id="{95446232-4CFA-4CC6-BFF0-0865FC0D9EF9}"/>
+                <a16:creationId xmlns:a16="http://schemas.microsoft.com/office/drawing/2014/main" id="{95446232-4CFA-4CC6-BFF0-0865FC0D9EF9}"/>
               </a:ext>
             </a:extLst>
           </p:cNvPr>
@@ -18037,7 +18020,7 @@
           <p:cNvPr id="6" name="Foliennummernplatzhalter 1">
             <a:extLst>
               <a:ext uri="{FF2B5EF4-FFF2-40B4-BE49-F238E27FC236}">
-                <a16:creationId xmlns:a16="http://schemas.microsoft.com/office/drawing/2014/main" xmlns="" id="{6F874D6C-DB4A-43E5-A737-7C2ECC87920F}"/>
+                <a16:creationId xmlns:a16="http://schemas.microsoft.com/office/drawing/2014/main" id="{6F874D6C-DB4A-43E5-A737-7C2ECC87920F}"/>
               </a:ext>
             </a:extLst>
           </p:cNvPr>
@@ -18197,7 +18180,7 @@
           <p:cNvPr id="3" name="Grafik 2">
             <a:extLst>
               <a:ext uri="{FF2B5EF4-FFF2-40B4-BE49-F238E27FC236}">
-                <a16:creationId xmlns:a16="http://schemas.microsoft.com/office/drawing/2014/main" xmlns="" id="{AA6220DA-71CE-4696-8A2C-3F17A5D5FE3F}"/>
+                <a16:creationId xmlns:a16="http://schemas.microsoft.com/office/drawing/2014/main" id="{AA6220DA-71CE-4696-8A2C-3F17A5D5FE3F}"/>
               </a:ext>
             </a:extLst>
           </p:cNvPr>
@@ -18242,7 +18225,7 @@
           <p:cNvPr id="4" name="Titel 3">
             <a:extLst>
               <a:ext uri="{FF2B5EF4-FFF2-40B4-BE49-F238E27FC236}">
-                <a16:creationId xmlns:a16="http://schemas.microsoft.com/office/drawing/2014/main" xmlns="" id="{7A28EA46-B0C2-4A4A-823F-14BE2B329A56}"/>
+                <a16:creationId xmlns:a16="http://schemas.microsoft.com/office/drawing/2014/main" id="{7A28EA46-B0C2-4A4A-823F-14BE2B329A56}"/>
               </a:ext>
             </a:extLst>
           </p:cNvPr>
@@ -18275,7 +18258,7 @@
           <p:cNvPr id="2" name="Foliennummernplatzhalter 1">
             <a:extLst>
               <a:ext uri="{FF2B5EF4-FFF2-40B4-BE49-F238E27FC236}">
-                <a16:creationId xmlns:a16="http://schemas.microsoft.com/office/drawing/2014/main" xmlns="" id="{9EB37D2B-5494-473A-95AC-B7BD33746F24}"/>
+                <a16:creationId xmlns:a16="http://schemas.microsoft.com/office/drawing/2014/main" id="{9EB37D2B-5494-473A-95AC-B7BD33746F24}"/>
               </a:ext>
             </a:extLst>
           </p:cNvPr>
@@ -18304,7 +18287,7 @@
           <p:cNvPr id="6" name="Foliennummernplatzhalter 1">
             <a:extLst>
               <a:ext uri="{FF2B5EF4-FFF2-40B4-BE49-F238E27FC236}">
-                <a16:creationId xmlns:a16="http://schemas.microsoft.com/office/drawing/2014/main" xmlns="" id="{73EA53BA-555A-49DC-9DD8-2512485359F8}"/>
+                <a16:creationId xmlns:a16="http://schemas.microsoft.com/office/drawing/2014/main" id="{73EA53BA-555A-49DC-9DD8-2512485359F8}"/>
               </a:ext>
             </a:extLst>
           </p:cNvPr>
@@ -18464,7 +18447,7 @@
           <p:cNvPr id="2" name="Titel 1">
             <a:extLst>
               <a:ext uri="{FF2B5EF4-FFF2-40B4-BE49-F238E27FC236}">
-                <a16:creationId xmlns:a16="http://schemas.microsoft.com/office/drawing/2014/main" xmlns="" id="{1B3F406C-536E-4365-8F2A-D80B84B8AC55}"/>
+                <a16:creationId xmlns:a16="http://schemas.microsoft.com/office/drawing/2014/main" id="{1B3F406C-536E-4365-8F2A-D80B84B8AC55}"/>
               </a:ext>
             </a:extLst>
           </p:cNvPr>
@@ -18492,7 +18475,7 @@
           <p:cNvPr id="3" name="Inhaltsplatzhalter 2">
             <a:extLst>
               <a:ext uri="{FF2B5EF4-FFF2-40B4-BE49-F238E27FC236}">
-                <a16:creationId xmlns:a16="http://schemas.microsoft.com/office/drawing/2014/main" xmlns="" id="{D357395F-5EF2-42F1-B06E-B8C721674E9E}"/>
+                <a16:creationId xmlns:a16="http://schemas.microsoft.com/office/drawing/2014/main" id="{D357395F-5EF2-42F1-B06E-B8C721674E9E}"/>
               </a:ext>
             </a:extLst>
           </p:cNvPr>
@@ -18571,7 +18554,7 @@
           <p:cNvPr id="4" name="Foliennummernplatzhalter 3">
             <a:extLst>
               <a:ext uri="{FF2B5EF4-FFF2-40B4-BE49-F238E27FC236}">
-                <a16:creationId xmlns:a16="http://schemas.microsoft.com/office/drawing/2014/main" xmlns="" id="{17579179-2C78-4DC6-8DD3-C5C5D6708D18}"/>
+                <a16:creationId xmlns:a16="http://schemas.microsoft.com/office/drawing/2014/main" id="{17579179-2C78-4DC6-8DD3-C5C5D6708D18}"/>
               </a:ext>
             </a:extLst>
           </p:cNvPr>
@@ -18600,7 +18583,7 @@
           <p:cNvPr id="6" name="Foliennummernplatzhalter 1">
             <a:extLst>
               <a:ext uri="{FF2B5EF4-FFF2-40B4-BE49-F238E27FC236}">
-                <a16:creationId xmlns:a16="http://schemas.microsoft.com/office/drawing/2014/main" xmlns="" id="{A8372820-561C-4A8C-A5CA-31B36DD7572A}"/>
+                <a16:creationId xmlns:a16="http://schemas.microsoft.com/office/drawing/2014/main" id="{A8372820-561C-4A8C-A5CA-31B36DD7572A}"/>
               </a:ext>
             </a:extLst>
           </p:cNvPr>
@@ -18760,7 +18743,7 @@
           <p:cNvPr id="4" name="Grafik 3">
             <a:extLst>
               <a:ext uri="{FF2B5EF4-FFF2-40B4-BE49-F238E27FC236}">
-                <a16:creationId xmlns:a16="http://schemas.microsoft.com/office/drawing/2014/main" xmlns="" id="{5249AD30-3757-4280-AB32-72AF4B3DB7C8}"/>
+                <a16:creationId xmlns:a16="http://schemas.microsoft.com/office/drawing/2014/main" id="{5249AD30-3757-4280-AB32-72AF4B3DB7C8}"/>
               </a:ext>
             </a:extLst>
           </p:cNvPr>
@@ -18790,7 +18773,7 @@
           <p:cNvPr id="2" name="Titel 1">
             <a:extLst>
               <a:ext uri="{FF2B5EF4-FFF2-40B4-BE49-F238E27FC236}">
-                <a16:creationId xmlns:a16="http://schemas.microsoft.com/office/drawing/2014/main" xmlns="" id="{1B3F406C-536E-4365-8F2A-D80B84B8AC55}"/>
+                <a16:creationId xmlns:a16="http://schemas.microsoft.com/office/drawing/2014/main" id="{1B3F406C-536E-4365-8F2A-D80B84B8AC55}"/>
               </a:ext>
             </a:extLst>
           </p:cNvPr>
@@ -18819,7 +18802,7 @@
           <p:cNvPr id="3" name="Inhaltsplatzhalter 2">
             <a:extLst>
               <a:ext uri="{FF2B5EF4-FFF2-40B4-BE49-F238E27FC236}">
-                <a16:creationId xmlns:a16="http://schemas.microsoft.com/office/drawing/2014/main" xmlns="" id="{D357395F-5EF2-42F1-B06E-B8C721674E9E}"/>
+                <a16:creationId xmlns:a16="http://schemas.microsoft.com/office/drawing/2014/main" id="{D357395F-5EF2-42F1-B06E-B8C721674E9E}"/>
               </a:ext>
             </a:extLst>
           </p:cNvPr>
@@ -18954,7 +18937,7 @@
           <p:cNvPr id="5" name="Foliennummernplatzhalter 4">
             <a:extLst>
               <a:ext uri="{FF2B5EF4-FFF2-40B4-BE49-F238E27FC236}">
-                <a16:creationId xmlns:a16="http://schemas.microsoft.com/office/drawing/2014/main" xmlns="" id="{E1ECB0E9-78A4-4AEE-9E17-10411EF10A3C}"/>
+                <a16:creationId xmlns:a16="http://schemas.microsoft.com/office/drawing/2014/main" id="{E1ECB0E9-78A4-4AEE-9E17-10411EF10A3C}"/>
               </a:ext>
             </a:extLst>
           </p:cNvPr>
@@ -18983,7 +18966,7 @@
           <p:cNvPr id="7" name="Foliennummernplatzhalter 1">
             <a:extLst>
               <a:ext uri="{FF2B5EF4-FFF2-40B4-BE49-F238E27FC236}">
-                <a16:creationId xmlns:a16="http://schemas.microsoft.com/office/drawing/2014/main" xmlns="" id="{7EBDF784-9773-4B65-90A4-00F4ACAE4281}"/>
+                <a16:creationId xmlns:a16="http://schemas.microsoft.com/office/drawing/2014/main" id="{7EBDF784-9773-4B65-90A4-00F4ACAE4281}"/>
               </a:ext>
             </a:extLst>
           </p:cNvPr>
@@ -19143,7 +19126,7 @@
           <p:cNvPr id="2" name="Titel 1">
             <a:extLst>
               <a:ext uri="{FF2B5EF4-FFF2-40B4-BE49-F238E27FC236}">
-                <a16:creationId xmlns:a16="http://schemas.microsoft.com/office/drawing/2014/main" xmlns="" id="{1B3F406C-536E-4365-8F2A-D80B84B8AC55}"/>
+                <a16:creationId xmlns:a16="http://schemas.microsoft.com/office/drawing/2014/main" id="{1B3F406C-536E-4365-8F2A-D80B84B8AC55}"/>
               </a:ext>
             </a:extLst>
           </p:cNvPr>
@@ -19171,7 +19154,7 @@
           <p:cNvPr id="3" name="Inhaltsplatzhalter 2">
             <a:extLst>
               <a:ext uri="{FF2B5EF4-FFF2-40B4-BE49-F238E27FC236}">
-                <a16:creationId xmlns:a16="http://schemas.microsoft.com/office/drawing/2014/main" xmlns="" id="{D357395F-5EF2-42F1-B06E-B8C721674E9E}"/>
+                <a16:creationId xmlns:a16="http://schemas.microsoft.com/office/drawing/2014/main" id="{D357395F-5EF2-42F1-B06E-B8C721674E9E}"/>
               </a:ext>
             </a:extLst>
           </p:cNvPr>
@@ -19248,7 +19231,7 @@
           <p:cNvPr id="4" name="Foliennummernplatzhalter 3">
             <a:extLst>
               <a:ext uri="{FF2B5EF4-FFF2-40B4-BE49-F238E27FC236}">
-                <a16:creationId xmlns:a16="http://schemas.microsoft.com/office/drawing/2014/main" xmlns="" id="{10CA18CF-42D3-4562-B40C-C03B32F39A5E}"/>
+                <a16:creationId xmlns:a16="http://schemas.microsoft.com/office/drawing/2014/main" id="{10CA18CF-42D3-4562-B40C-C03B32F39A5E}"/>
               </a:ext>
             </a:extLst>
           </p:cNvPr>
@@ -19277,7 +19260,7 @@
           <p:cNvPr id="6" name="Foliennummernplatzhalter 1">
             <a:extLst>
               <a:ext uri="{FF2B5EF4-FFF2-40B4-BE49-F238E27FC236}">
-                <a16:creationId xmlns:a16="http://schemas.microsoft.com/office/drawing/2014/main" xmlns="" id="{D4B023F6-9DED-425A-AE04-65CBAB6929A9}"/>
+                <a16:creationId xmlns:a16="http://schemas.microsoft.com/office/drawing/2014/main" id="{D4B023F6-9DED-425A-AE04-65CBAB6929A9}"/>
               </a:ext>
             </a:extLst>
           </p:cNvPr>
@@ -19437,7 +19420,7 @@
           <p:cNvPr id="2" name="Titel 1">
             <a:extLst>
               <a:ext uri="{FF2B5EF4-FFF2-40B4-BE49-F238E27FC236}">
-                <a16:creationId xmlns:a16="http://schemas.microsoft.com/office/drawing/2014/main" xmlns="" id="{1B3F406C-536E-4365-8F2A-D80B84B8AC55}"/>
+                <a16:creationId xmlns:a16="http://schemas.microsoft.com/office/drawing/2014/main" id="{1B3F406C-536E-4365-8F2A-D80B84B8AC55}"/>
               </a:ext>
             </a:extLst>
           </p:cNvPr>
@@ -19470,7 +19453,7 @@
           <p:cNvPr id="3" name="Inhaltsplatzhalter 2">
             <a:extLst>
               <a:ext uri="{FF2B5EF4-FFF2-40B4-BE49-F238E27FC236}">
-                <a16:creationId xmlns:a16="http://schemas.microsoft.com/office/drawing/2014/main" xmlns="" id="{D357395F-5EF2-42F1-B06E-B8C721674E9E}"/>
+                <a16:creationId xmlns:a16="http://schemas.microsoft.com/office/drawing/2014/main" id="{D357395F-5EF2-42F1-B06E-B8C721674E9E}"/>
               </a:ext>
             </a:extLst>
           </p:cNvPr>
@@ -19547,7 +19530,7 @@
           <p:cNvPr id="4" name="Foliennummernplatzhalter 3">
             <a:extLst>
               <a:ext uri="{FF2B5EF4-FFF2-40B4-BE49-F238E27FC236}">
-                <a16:creationId xmlns:a16="http://schemas.microsoft.com/office/drawing/2014/main" xmlns="" id="{3C108FFC-9A81-4050-9812-6EFF9C5668C7}"/>
+                <a16:creationId xmlns:a16="http://schemas.microsoft.com/office/drawing/2014/main" id="{3C108FFC-9A81-4050-9812-6EFF9C5668C7}"/>
               </a:ext>
             </a:extLst>
           </p:cNvPr>
@@ -19576,7 +19559,7 @@
           <p:cNvPr id="6" name="Foliennummernplatzhalter 1">
             <a:extLst>
               <a:ext uri="{FF2B5EF4-FFF2-40B4-BE49-F238E27FC236}">
-                <a16:creationId xmlns:a16="http://schemas.microsoft.com/office/drawing/2014/main" xmlns="" id="{BEF68D78-185E-4594-8029-B9D7579A6561}"/>
+                <a16:creationId xmlns:a16="http://schemas.microsoft.com/office/drawing/2014/main" id="{BEF68D78-185E-4594-8029-B9D7579A6561}"/>
               </a:ext>
             </a:extLst>
           </p:cNvPr>
@@ -20003,7 +19986,7 @@
   <a:extraClrSchemeLst/>
   <a:extLst>
     <a:ext uri="{05A4C25C-085E-4340-85A3-A5531E510DB2}">
-      <thm15:themeFamily xmlns:thm15="http://schemas.microsoft.com/office/thememl/2012/main" xmlns="" name="Office Theme" id="{62F939B6-93AF-4DB8-9C6B-D6C7DFDC589F}" vid="{4A3C46E8-61CC-4603-A589-7422A47A8E4A}"/>
+      <thm15:themeFamily xmlns:thm15="http://schemas.microsoft.com/office/thememl/2012/main" name="Office Theme" id="{62F939B6-93AF-4DB8-9C6B-D6C7DFDC589F}" vid="{4A3C46E8-61CC-4603-A589-7422A47A8E4A}"/>
     </a:ext>
   </a:extLst>
 </a:theme>
@@ -20298,7 +20281,7 @@
   <a:extraClrSchemeLst/>
   <a:extLst>
     <a:ext uri="{05A4C25C-085E-4340-85A3-A5531E510DB2}">
-      <thm15:themeFamily xmlns:thm15="http://schemas.microsoft.com/office/thememl/2012/main" xmlns="" name="Office Theme" id="{62F939B6-93AF-4DB8-9C6B-D6C7DFDC589F}" vid="{4A3C46E8-61CC-4603-A589-7422A47A8E4A}"/>
+      <thm15:themeFamily xmlns:thm15="http://schemas.microsoft.com/office/thememl/2012/main" name="Office Theme" id="{62F939B6-93AF-4DB8-9C6B-D6C7DFDC589F}" vid="{4A3C46E8-61CC-4603-A589-7422A47A8E4A}"/>
     </a:ext>
   </a:extLst>
 </a:theme>
@@ -20593,7 +20576,7 @@
   <a:extraClrSchemeLst/>
   <a:extLst>
     <a:ext uri="{05A4C25C-085E-4340-85A3-A5531E510DB2}">
-      <thm15:themeFamily xmlns:thm15="http://schemas.microsoft.com/office/thememl/2012/main" xmlns="" name="Office Theme" id="{62F939B6-93AF-4DB8-9C6B-D6C7DFDC589F}" vid="{4A3C46E8-61CC-4603-A589-7422A47A8E4A}"/>
+      <thm15:themeFamily xmlns:thm15="http://schemas.microsoft.com/office/thememl/2012/main" name="Office Theme" id="{62F939B6-93AF-4DB8-9C6B-D6C7DFDC589F}" vid="{4A3C46E8-61CC-4603-A589-7422A47A8E4A}"/>
     </a:ext>
   </a:extLst>
 </a:theme>
